--- a/ITERACION 5/SUB ITERACION 4/PPT TP3 PRES04.pptx
+++ b/ITERACION 5/SUB ITERACION 4/PPT TP3 PRES04.pptx
@@ -5,7 +5,7 @@
     <p:sldMasterId id="2147483667" r:id="rId1"/>
   </p:sldMasterIdLst>
   <p:notesMasterIdLst>
-    <p:notesMasterId r:id="rId12"/>
+    <p:notesMasterId r:id="rId18"/>
   </p:notesMasterIdLst>
   <p:sldIdLst>
     <p:sldId id="256" r:id="rId2"/>
@@ -14,10 +14,16 @@
     <p:sldId id="422" r:id="rId5"/>
     <p:sldId id="421" r:id="rId6"/>
     <p:sldId id="423" r:id="rId7"/>
-    <p:sldId id="424" r:id="rId8"/>
-    <p:sldId id="425" r:id="rId9"/>
-    <p:sldId id="426" r:id="rId10"/>
-    <p:sldId id="379" r:id="rId11"/>
+    <p:sldId id="432" r:id="rId8"/>
+    <p:sldId id="428" r:id="rId9"/>
+    <p:sldId id="435" r:id="rId10"/>
+    <p:sldId id="433" r:id="rId11"/>
+    <p:sldId id="436" r:id="rId12"/>
+    <p:sldId id="427" r:id="rId13"/>
+    <p:sldId id="434" r:id="rId14"/>
+    <p:sldId id="430" r:id="rId15"/>
+    <p:sldId id="431" r:id="rId16"/>
+    <p:sldId id="379" r:id="rId17"/>
   </p:sldIdLst>
   <p:sldSz cx="9144000" cy="6858000" type="screen4x3"/>
   <p:notesSz cx="6858000" cy="9144000"/>
@@ -251,12 +257,12 @@
             <a:pPr>
               <a:defRPr/>
             </a:pPr>
-            <a:fld id="{3AC1AAF5-11DC-4B71-9CB3-48241DA5443B}" type="datetimeFigureOut">
+            <a:fld id="{B7BB5185-0EE1-4DB5-9216-E6F0D54E412E}" type="datetimeFigureOut">
               <a:rPr lang="es-PE"/>
               <a:pPr>
                 <a:defRPr/>
               </a:pPr>
-              <a:t>29/01/2013</a:t>
+              <a:t>31/01/2013</a:t>
             </a:fld>
             <a:endParaRPr lang="es-PE"/>
           </a:p>
@@ -438,7 +444,7 @@
             <a:pPr>
               <a:defRPr/>
             </a:pPr>
-            <a:fld id="{BC8159A0-78BD-44A1-8CE0-B03F94AE3920}" type="slidenum">
+            <a:fld id="{70FA5598-A522-4683-B516-F319E7BD6536}" type="slidenum">
               <a:rPr lang="es-PE"/>
               <a:pPr>
                 <a:defRPr/>
@@ -2437,12 +2443,12 @@
             <a:pPr>
               <a:defRPr/>
             </a:pPr>
-            <a:fld id="{4E7F52E9-BA8C-42A3-8EFF-7333D58EC402}" type="datetimeFigureOut">
+            <a:fld id="{CAFD347E-4991-42FD-BB31-A524DFFF94B0}" type="datetimeFigureOut">
               <a:rPr lang="es-PE"/>
               <a:pPr>
                 <a:defRPr/>
               </a:pPr>
-              <a:t>29/01/2013</a:t>
+              <a:t>31/01/2013</a:t>
             </a:fld>
             <a:endParaRPr lang="es-PE"/>
           </a:p>
@@ -2496,7 +2502,7 @@
             <a:pPr>
               <a:defRPr/>
             </a:pPr>
-            <a:fld id="{CA0E8E85-F19D-40F4-AA7E-223B69E1DE09}" type="slidenum">
+            <a:fld id="{32361FD8-3522-45A7-A6A1-4CD821586002}" type="slidenum">
               <a:rPr lang="es-PE"/>
               <a:pPr>
                 <a:defRPr/>
@@ -4354,12 +4360,12 @@
             <a:pPr>
               <a:defRPr/>
             </a:pPr>
-            <a:fld id="{17217DE7-EA26-4621-8801-269A9B791A2B}" type="datetimeFigureOut">
+            <a:fld id="{907E584E-D906-4287-BD2D-4C4467490A9F}" type="datetimeFigureOut">
               <a:rPr lang="es-PE"/>
               <a:pPr>
                 <a:defRPr/>
               </a:pPr>
-              <a:t>29/01/2013</a:t>
+              <a:t>31/01/2013</a:t>
             </a:fld>
             <a:endParaRPr lang="es-PE"/>
           </a:p>
@@ -4413,7 +4419,7 @@
             <a:pPr>
               <a:defRPr/>
             </a:pPr>
-            <a:fld id="{E92E0E4F-5756-489A-8A89-7BAEA4638C2B}" type="slidenum">
+            <a:fld id="{2A2846C8-D04B-4DF8-943C-B22885A78CC0}" type="slidenum">
               <a:rPr lang="es-PE"/>
               <a:pPr>
                 <a:defRPr/>
@@ -6135,12 +6141,12 @@
             <a:pPr>
               <a:defRPr/>
             </a:pPr>
-            <a:fld id="{8F3989DD-9F23-4472-A4D8-B0E87E809520}" type="datetimeFigureOut">
+            <a:fld id="{E258A416-3F56-42D5-AC34-2AD00FD9EE94}" type="datetimeFigureOut">
               <a:rPr lang="es-PE"/>
               <a:pPr>
                 <a:defRPr/>
               </a:pPr>
-              <a:t>29/01/2013</a:t>
+              <a:t>31/01/2013</a:t>
             </a:fld>
             <a:endParaRPr lang="es-PE"/>
           </a:p>
@@ -6194,7 +6200,7 @@
             <a:pPr>
               <a:defRPr/>
             </a:pPr>
-            <a:fld id="{8B9C98F4-788F-4934-93DF-F7A8597B0A24}" type="slidenum">
+            <a:fld id="{A1EA81E9-4028-4459-AD12-CEA39BA5CC3D}" type="slidenum">
               <a:rPr lang="es-PE"/>
               <a:pPr>
                 <a:defRPr/>
@@ -8151,12 +8157,12 @@
             <a:pPr>
               <a:defRPr/>
             </a:pPr>
-            <a:fld id="{7B4E984D-C880-40D8-A113-134A6AD63212}" type="datetimeFigureOut">
+            <a:fld id="{A49C3345-C38B-4887-BE88-B8B4FC379D9C}" type="datetimeFigureOut">
               <a:rPr lang="es-PE"/>
               <a:pPr>
                 <a:defRPr/>
               </a:pPr>
-              <a:t>29/01/2013</a:t>
+              <a:t>31/01/2013</a:t>
             </a:fld>
             <a:endParaRPr lang="es-PE"/>
           </a:p>
@@ -8210,7 +8216,7 @@
             <a:pPr>
               <a:defRPr/>
             </a:pPr>
-            <a:fld id="{43CEEE24-5C9D-48F8-AC30-540FB8D220DE}" type="slidenum">
+            <a:fld id="{B2FA8AAA-0D55-433C-B751-CA4D61FD6563}" type="slidenum">
               <a:rPr lang="es-PE"/>
               <a:pPr>
                 <a:defRPr/>
@@ -10138,12 +10144,12 @@
             <a:pPr>
               <a:defRPr/>
             </a:pPr>
-            <a:fld id="{ED9A216F-F9D4-4914-BD02-9C7BA29ADAD3}" type="datetimeFigureOut">
+            <a:fld id="{0738FDBD-612A-42E3-AD40-0E3CB0D8965C}" type="datetimeFigureOut">
               <a:rPr lang="es-PE"/>
               <a:pPr>
                 <a:defRPr/>
               </a:pPr>
-              <a:t>29/01/2013</a:t>
+              <a:t>31/01/2013</a:t>
             </a:fld>
             <a:endParaRPr lang="es-PE"/>
           </a:p>
@@ -10197,7 +10203,7 @@
             <a:pPr>
               <a:defRPr/>
             </a:pPr>
-            <a:fld id="{63623828-EC0C-44D7-805D-AA0515B2C354}" type="slidenum">
+            <a:fld id="{FC46B6D5-27B9-4E5D-A9FD-756A2C4A00E8}" type="slidenum">
               <a:rPr lang="es-PE"/>
               <a:pPr>
                 <a:defRPr/>
@@ -12043,12 +12049,12 @@
             <a:pPr>
               <a:defRPr/>
             </a:pPr>
-            <a:fld id="{E0F8F2CC-1F98-4349-B1F8-62E1EBEA6D32}" type="datetimeFigureOut">
+            <a:fld id="{40914857-8B11-461A-ADE6-6863FC4088AC}" type="datetimeFigureOut">
               <a:rPr lang="es-PE"/>
               <a:pPr>
                 <a:defRPr/>
               </a:pPr>
-              <a:t>29/01/2013</a:t>
+              <a:t>31/01/2013</a:t>
             </a:fld>
             <a:endParaRPr lang="es-PE"/>
           </a:p>
@@ -12102,7 +12108,7 @@
             <a:pPr>
               <a:defRPr/>
             </a:pPr>
-            <a:fld id="{B3673B6C-D139-4D8B-BE1C-1EDB7C7D225C}" type="slidenum">
+            <a:fld id="{895F27BC-AABE-421A-9F13-6E1E299C9278}" type="slidenum">
               <a:rPr lang="es-PE"/>
               <a:pPr>
                 <a:defRPr/>
@@ -12145,7 +12151,7 @@
       </p:grpSpPr>
       <p:sp>
         <p:nvSpPr>
-          <p:cNvPr id="46084" name="Title Placeholder 1"/>
+          <p:cNvPr id="1026" name="Title Placeholder 1"/>
           <p:cNvSpPr>
             <a:spLocks noGrp="1"/>
           </p:cNvSpPr>
@@ -12188,7 +12194,7 @@
       </p:sp>
       <p:sp>
         <p:nvSpPr>
-          <p:cNvPr id="46085" name="Text Placeholder 2"/>
+          <p:cNvPr id="1027" name="Text Placeholder 2"/>
           <p:cNvSpPr>
             <a:spLocks noGrp="1"/>
           </p:cNvSpPr>
@@ -12298,12 +12304,12 @@
             <a:pPr>
               <a:defRPr/>
             </a:pPr>
-            <a:fld id="{14FB3E0D-153B-475A-A757-6B3E949CD6DC}" type="datetimeFigureOut">
+            <a:fld id="{5422EEBA-8AA0-4FB7-B294-8EA05231CC1F}" type="datetimeFigureOut">
               <a:rPr lang="es-PE"/>
               <a:pPr>
                 <a:defRPr/>
               </a:pPr>
-              <a:t>29/01/2013</a:t>
+              <a:t>31/01/2013</a:t>
             </a:fld>
             <a:endParaRPr lang="es-PE"/>
           </a:p>
@@ -12395,7 +12401,7 @@
             <a:pPr>
               <a:defRPr/>
             </a:pPr>
-            <a:fld id="{8CED97AB-F2DF-4ACE-B782-C50A0697B5EA}" type="slidenum">
+            <a:fld id="{CF035F20-5EB7-4DF8-A486-50AEB01E286D}" type="slidenum">
               <a:rPr lang="es-PE"/>
               <a:pPr>
                 <a:defRPr/>
@@ -12410,12 +12416,12 @@
   </p:cSld>
   <p:clrMap bg1="lt1" tx1="dk1" bg2="lt2" tx2="dk2" accent1="accent1" accent2="accent2" accent3="accent3" accent4="accent4" accent5="accent5" accent6="accent6" hlink="hlink" folHlink="folHlink"/>
   <p:sldLayoutIdLst>
-    <p:sldLayoutId id="2147483668" r:id="rId1"/>
-    <p:sldLayoutId id="2147483669" r:id="rId2"/>
-    <p:sldLayoutId id="2147483670" r:id="rId3"/>
-    <p:sldLayoutId id="2147483671" r:id="rId4"/>
-    <p:sldLayoutId id="2147483672" r:id="rId5"/>
-    <p:sldLayoutId id="2147483673" r:id="rId6"/>
+    <p:sldLayoutId id="2147483674" r:id="rId1"/>
+    <p:sldLayoutId id="2147483675" r:id="rId2"/>
+    <p:sldLayoutId id="2147483676" r:id="rId3"/>
+    <p:sldLayoutId id="2147483677" r:id="rId4"/>
+    <p:sldLayoutId id="2147483678" r:id="rId5"/>
+    <p:sldLayoutId id="2147483679" r:id="rId6"/>
   </p:sldLayoutIdLst>
   <p:txStyles>
     <p:titleStyle>
@@ -12430,7 +12436,7 @@
           <a:solidFill>
             <a:srgbClr val="FFFFFF"/>
           </a:solidFill>
-          <a:latin typeface="+mj-lt"/>
+          <a:latin typeface="Arial" charset="0"/>
           <a:ea typeface="+mj-ea"/>
           <a:cs typeface="+mj-cs"/>
         </a:defRPr>
@@ -12446,7 +12452,7 @@
           <a:solidFill>
             <a:srgbClr val="FFFFFF"/>
           </a:solidFill>
-          <a:latin typeface="Candara" pitchFamily="34" charset="0"/>
+          <a:latin typeface="Arial" charset="0"/>
         </a:defRPr>
       </a:lvl2pPr>
       <a:lvl3pPr algn="ctr" rtl="0" eaLnBrk="0" fontAlgn="base" hangingPunct="0">
@@ -12460,7 +12466,7 @@
           <a:solidFill>
             <a:srgbClr val="FFFFFF"/>
           </a:solidFill>
-          <a:latin typeface="Candara" pitchFamily="34" charset="0"/>
+          <a:latin typeface="Arial" charset="0"/>
         </a:defRPr>
       </a:lvl3pPr>
       <a:lvl4pPr algn="ctr" rtl="0" eaLnBrk="0" fontAlgn="base" hangingPunct="0">
@@ -12474,7 +12480,7 @@
           <a:solidFill>
             <a:srgbClr val="FFFFFF"/>
           </a:solidFill>
-          <a:latin typeface="Candara" pitchFamily="34" charset="0"/>
+          <a:latin typeface="Arial" charset="0"/>
         </a:defRPr>
       </a:lvl4pPr>
       <a:lvl5pPr algn="ctr" rtl="0" eaLnBrk="0" fontAlgn="base" hangingPunct="0">
@@ -12488,7 +12494,7 @@
           <a:solidFill>
             <a:srgbClr val="FFFFFF"/>
           </a:solidFill>
-          <a:latin typeface="Candara" pitchFamily="34" charset="0"/>
+          <a:latin typeface="Arial" charset="0"/>
         </a:defRPr>
       </a:lvl5pPr>
       <a:lvl6pPr eaLnBrk="1" hangingPunct="1">
@@ -12538,7 +12544,7 @@
           <a:solidFill>
             <a:schemeClr val="tx2"/>
           </a:solidFill>
-          <a:latin typeface="+mn-lt"/>
+          <a:latin typeface="Arial" charset="0"/>
           <a:ea typeface="+mn-ea"/>
           <a:cs typeface="+mn-cs"/>
         </a:defRPr>
@@ -12560,7 +12566,7 @@
           <a:solidFill>
             <a:schemeClr val="tx2"/>
           </a:solidFill>
-          <a:latin typeface="+mn-lt"/>
+          <a:latin typeface="Arial" charset="0"/>
           <a:ea typeface="+mn-ea"/>
           <a:cs typeface="+mn-cs"/>
         </a:defRPr>
@@ -12582,7 +12588,7 @@
           <a:solidFill>
             <a:schemeClr val="tx2"/>
           </a:solidFill>
-          <a:latin typeface="+mn-lt"/>
+          <a:latin typeface="Arial" charset="0"/>
           <a:ea typeface="+mn-ea"/>
           <a:cs typeface="+mn-cs"/>
         </a:defRPr>
@@ -12604,7 +12610,7 @@
           <a:solidFill>
             <a:schemeClr val="tx2"/>
           </a:solidFill>
-          <a:latin typeface="+mn-lt"/>
+          <a:latin typeface="Arial" charset="0"/>
           <a:ea typeface="+mn-ea"/>
           <a:cs typeface="+mn-cs"/>
         </a:defRPr>
@@ -12626,7 +12632,7 @@
           <a:solidFill>
             <a:schemeClr val="tx2"/>
           </a:solidFill>
-          <a:latin typeface="+mn-lt"/>
+          <a:latin typeface="Arial" charset="0"/>
           <a:ea typeface="+mn-ea"/>
           <a:cs typeface="+mn-cs"/>
         </a:defRPr>
@@ -12822,7 +12828,7 @@
       </p:grpSpPr>
       <p:sp>
         <p:nvSpPr>
-          <p:cNvPr id="15361" name="1 Título"/>
+          <p:cNvPr id="9217" name="1 Título"/>
           <p:cNvSpPr>
             <a:spLocks noGrp="1"/>
           </p:cNvSpPr>
@@ -12855,7 +12861,7 @@
       </p:sp>
       <p:sp>
         <p:nvSpPr>
-          <p:cNvPr id="15362" name="3 CuadroTexto"/>
+          <p:cNvPr id="9218" name="3 CuadroTexto"/>
           <p:cNvSpPr txBox="1">
             <a:spLocks noChangeArrowheads="1"/>
           </p:cNvSpPr>
@@ -12987,7 +12993,3861 @@
       </p:grpSpPr>
       <p:sp>
         <p:nvSpPr>
-          <p:cNvPr id="39937" name="1 Título"/>
+          <p:cNvPr id="31746" name="2 Título"/>
+          <p:cNvSpPr>
+            <a:spLocks noGrp="1"/>
+          </p:cNvSpPr>
+          <p:nvPr>
+            <p:ph type="title" idx="4294967295"/>
+          </p:nvPr>
+        </p:nvSpPr>
+        <p:spPr>
+          <a:xfrm>
+            <a:off x="539750" y="1700213"/>
+            <a:ext cx="8229600" cy="1252537"/>
+          </a:xfrm>
+        </p:spPr>
+        <p:txBody>
+          <a:bodyPr/>
+          <a:lstStyle/>
+          <a:p>
+            <a:pPr eaLnBrk="1" hangingPunct="1"/>
+            <a:r>
+              <a:rPr lang="es-PE" sz="4000" b="1" smtClean="0">
+                <a:solidFill>
+                  <a:srgbClr val="8C2902"/>
+                </a:solidFill>
+                <a:latin typeface="Candara" pitchFamily="34" charset="0"/>
+              </a:rPr>
+              <a:t>ATRIBUTO EFICIENCIA</a:t>
+            </a:r>
+          </a:p>
+        </p:txBody>
+      </p:sp>
+      <p:pic>
+        <p:nvPicPr>
+          <p:cNvPr id="31747" name="Picture 3" descr="modeloCalidad"/>
+          <p:cNvPicPr>
+            <a:picLocks noChangeAspect="1" noChangeArrowheads="1"/>
+          </p:cNvPicPr>
+          <p:nvPr/>
+        </p:nvPicPr>
+        <p:blipFill>
+          <a:blip r:embed="rId2">
+            <a:clrChange>
+              <a:clrFrom>
+                <a:srgbClr val="FFFFFF"/>
+              </a:clrFrom>
+              <a:clrTo>
+                <a:srgbClr val="FFFFFF">
+                  <a:alpha val="0"/>
+                </a:srgbClr>
+              </a:clrTo>
+            </a:clrChange>
+          </a:blip>
+          <a:srcRect/>
+          <a:stretch>
+            <a:fillRect/>
+          </a:stretch>
+        </p:blipFill>
+        <p:spPr bwMode="auto">
+          <a:xfrm>
+            <a:off x="2339975" y="2636838"/>
+            <a:ext cx="4968875" cy="3863975"/>
+          </a:xfrm>
+          <a:prstGeom prst="rect">
+            <a:avLst/>
+          </a:prstGeom>
+          <a:noFill/>
+        </p:spPr>
+      </p:pic>
+      <p:sp>
+        <p:nvSpPr>
+          <p:cNvPr id="31748" name="Rectangle 4"/>
+          <p:cNvSpPr>
+            <a:spLocks noChangeArrowheads="1"/>
+          </p:cNvSpPr>
+          <p:nvPr/>
+        </p:nvSpPr>
+        <p:spPr bwMode="auto">
+          <a:xfrm>
+            <a:off x="4859338" y="4076700"/>
+            <a:ext cx="720725" cy="1873250"/>
+          </a:xfrm>
+          <a:prstGeom prst="rect">
+            <a:avLst/>
+          </a:prstGeom>
+          <a:noFill/>
+          <a:ln w="19050">
+            <a:solidFill>
+              <a:srgbClr val="FF0000"/>
+            </a:solidFill>
+            <a:miter lim="800000"/>
+            <a:headEnd/>
+            <a:tailEnd/>
+          </a:ln>
+          <a:effectLst/>
+        </p:spPr>
+        <p:txBody>
+          <a:bodyPr wrap="none" anchor="ctr"/>
+          <a:lstStyle/>
+          <a:p>
+            <a:endParaRPr lang="es-ES"/>
+          </a:p>
+        </p:txBody>
+      </p:sp>
+    </p:spTree>
+  </p:cSld>
+  <p:clrMapOvr>
+    <a:masterClrMapping/>
+  </p:clrMapOvr>
+  <p:timing>
+    <p:tnLst>
+      <p:par>
+        <p:cTn id="1" dur="indefinite" restart="never" nodeType="tmRoot"/>
+      </p:par>
+    </p:tnLst>
+  </p:timing>
+</p:sld>
+</file>
+
+<file path=ppt/slides/slide11.xml><?xml version="1.0" encoding="utf-8"?>
+<p:sld xmlns:a="http://schemas.openxmlformats.org/drawingml/2006/main" xmlns:r="http://schemas.openxmlformats.org/officeDocument/2006/relationships" xmlns:p="http://schemas.openxmlformats.org/presentationml/2006/main">
+  <p:cSld>
+    <p:spTree>
+      <p:nvGrpSpPr>
+        <p:cNvPr id="1" name=""/>
+        <p:cNvGrpSpPr/>
+        <p:nvPr/>
+      </p:nvGrpSpPr>
+      <p:grpSpPr>
+        <a:xfrm>
+          <a:off x="0" y="0"/>
+          <a:ext cx="0" cy="0"/>
+          <a:chOff x="0" y="0"/>
+          <a:chExt cx="0" cy="0"/>
+        </a:xfrm>
+      </p:grpSpPr>
+      <p:sp>
+        <p:nvSpPr>
+          <p:cNvPr id="34818" name="2 Título"/>
+          <p:cNvSpPr>
+            <a:spLocks noGrp="1"/>
+          </p:cNvSpPr>
+          <p:nvPr>
+            <p:ph type="title" idx="4294967295"/>
+          </p:nvPr>
+        </p:nvSpPr>
+        <p:spPr>
+          <a:xfrm>
+            <a:off x="395288" y="188913"/>
+            <a:ext cx="8229600" cy="1252537"/>
+          </a:xfrm>
+        </p:spPr>
+        <p:txBody>
+          <a:bodyPr/>
+          <a:lstStyle/>
+          <a:p>
+            <a:pPr eaLnBrk="1" hangingPunct="1"/>
+            <a:r>
+              <a:rPr lang="es-PE" sz="4000" b="1" smtClean="0">
+                <a:solidFill>
+                  <a:schemeClr val="tx2"/>
+                </a:solidFill>
+                <a:latin typeface="Candara" pitchFamily="34" charset="0"/>
+              </a:rPr>
+              <a:t>Métrica externa(2)</a:t>
+            </a:r>
+          </a:p>
+        </p:txBody>
+      </p:sp>
+      <p:sp>
+        <p:nvSpPr>
+          <p:cNvPr id="34819" name="Text Box 3"/>
+          <p:cNvSpPr txBox="1">
+            <a:spLocks noChangeArrowheads="1"/>
+          </p:cNvSpPr>
+          <p:nvPr/>
+        </p:nvSpPr>
+        <p:spPr bwMode="auto">
+          <a:xfrm>
+            <a:off x="1979613" y="1196975"/>
+            <a:ext cx="4752975" cy="304800"/>
+          </a:xfrm>
+          <a:prstGeom prst="rect">
+            <a:avLst/>
+          </a:prstGeom>
+          <a:noFill/>
+          <a:ln w="9525">
+            <a:noFill/>
+            <a:miter lim="800000"/>
+            <a:headEnd/>
+            <a:tailEnd/>
+          </a:ln>
+          <a:effectLst/>
+        </p:spPr>
+        <p:txBody>
+          <a:bodyPr>
+            <a:spAutoFit/>
+          </a:bodyPr>
+          <a:lstStyle/>
+          <a:p>
+            <a:pPr>
+              <a:spcBef>
+                <a:spcPct val="50000"/>
+              </a:spcBef>
+            </a:pPr>
+            <a:r>
+              <a:rPr lang="es-PE" sz="1400" b="1">
+                <a:solidFill>
+                  <a:schemeClr val="tx2"/>
+                </a:solidFill>
+              </a:rPr>
+              <a:t>SUB-ATRIBUTO: COMPORTAMIENTO EN EL TIEMPO</a:t>
+            </a:r>
+            <a:endParaRPr lang="es-ES" sz="1400" b="1">
+              <a:solidFill>
+                <a:schemeClr val="tx2"/>
+              </a:solidFill>
+            </a:endParaRPr>
+          </a:p>
+        </p:txBody>
+      </p:sp>
+      <p:graphicFrame>
+        <p:nvGraphicFramePr>
+          <p:cNvPr id="34820" name="Group 4"/>
+          <p:cNvGraphicFramePr>
+            <a:graphicFrameLocks noGrp="1"/>
+          </p:cNvGraphicFramePr>
+          <p:nvPr/>
+        </p:nvGraphicFramePr>
+        <p:xfrm>
+          <a:off x="1187450" y="1773238"/>
+          <a:ext cx="6985000" cy="4391025"/>
+        </p:xfrm>
+        <a:graphic>
+          <a:graphicData uri="http://schemas.openxmlformats.org/drawingml/2006/table">
+            <a:tbl>
+              <a:tblPr/>
+              <a:tblGrid>
+                <a:gridCol w="1568450"/>
+                <a:gridCol w="5416550"/>
+              </a:tblGrid>
+              <a:tr h="260350">
+                <a:tc gridSpan="2">
+                  <a:txBody>
+                    <a:bodyPr/>
+                    <a:lstStyle/>
+                    <a:p>
+                      <a:pPr marL="0" marR="0" lvl="0" indent="0" algn="l" defTabSz="914400" rtl="0" eaLnBrk="1" fontAlgn="base" latinLnBrk="0" hangingPunct="1">
+                        <a:lnSpc>
+                          <a:spcPct val="100000"/>
+                        </a:lnSpc>
+                        <a:spcBef>
+                          <a:spcPct val="0"/>
+                        </a:spcBef>
+                        <a:spcAft>
+                          <a:spcPct val="0"/>
+                        </a:spcAft>
+                        <a:buClrTx/>
+                        <a:buSzTx/>
+                        <a:buFontTx/>
+                        <a:buNone/>
+                        <a:tabLst/>
+                      </a:pPr>
+                      <a:r>
+                        <a:rPr kumimoji="0" lang="es-PE" sz="1600" b="1" i="0" u="none" strike="noStrike" cap="none" normalizeH="0" baseline="0" smtClean="0">
+                          <a:ln>
+                            <a:noFill/>
+                          </a:ln>
+                          <a:solidFill>
+                            <a:schemeClr val="tx2"/>
+                          </a:solidFill>
+                          <a:effectLst/>
+                          <a:latin typeface="Calibri" pitchFamily="34" charset="0"/>
+                          <a:cs typeface="Times New Roman" pitchFamily="18" charset="0"/>
+                        </a:rPr>
+                        <a:t>METRICA EXTERNA DE EFICIENCIA</a:t>
+                      </a:r>
+                      <a:endParaRPr kumimoji="0" lang="es-PE" sz="1600" b="0" i="0" u="none" strike="noStrike" cap="none" normalizeH="0" baseline="0" smtClean="0">
+                        <a:ln>
+                          <a:noFill/>
+                        </a:ln>
+                        <a:solidFill>
+                          <a:schemeClr val="tx2"/>
+                        </a:solidFill>
+                        <a:effectLst/>
+                        <a:latin typeface="Arial" charset="0"/>
+                      </a:endParaRPr>
+                    </a:p>
+                  </a:txBody>
+                  <a:tcPr horzOverflow="overflow">
+                    <a:lnL w="12700" cap="flat" cmpd="sng" algn="ctr">
+                      <a:solidFill>
+                        <a:srgbClr val="000000"/>
+                      </a:solidFill>
+                      <a:prstDash val="solid"/>
+                      <a:round/>
+                      <a:headEnd type="none" w="med" len="med"/>
+                      <a:tailEnd type="none" w="med" len="med"/>
+                    </a:lnL>
+                    <a:lnR w="12700" cap="flat" cmpd="sng" algn="ctr">
+                      <a:solidFill>
+                        <a:srgbClr val="000000"/>
+                      </a:solidFill>
+                      <a:prstDash val="solid"/>
+                      <a:round/>
+                      <a:headEnd type="none" w="med" len="med"/>
+                      <a:tailEnd type="none" w="med" len="med"/>
+                    </a:lnR>
+                    <a:lnT w="12700" cap="flat" cmpd="sng" algn="ctr">
+                      <a:solidFill>
+                        <a:srgbClr val="000000"/>
+                      </a:solidFill>
+                      <a:prstDash val="solid"/>
+                      <a:round/>
+                      <a:headEnd type="none" w="med" len="med"/>
+                      <a:tailEnd type="none" w="med" len="med"/>
+                    </a:lnT>
+                    <a:lnB w="12700" cap="flat" cmpd="sng" algn="ctr">
+                      <a:solidFill>
+                        <a:srgbClr val="000000"/>
+                      </a:solidFill>
+                      <a:prstDash val="solid"/>
+                      <a:round/>
+                      <a:headEnd type="none" w="med" len="med"/>
+                      <a:tailEnd type="none" w="med" len="med"/>
+                    </a:lnB>
+                    <a:lnTlToBr>
+                      <a:noFill/>
+                    </a:lnTlToBr>
+                    <a:lnBlToTr>
+                      <a:noFill/>
+                    </a:lnBlToTr>
+                    <a:noFill/>
+                  </a:tcPr>
+                </a:tc>
+                <a:tc hMerge="1">
+                  <a:txBody>
+                    <a:bodyPr/>
+                    <a:lstStyle/>
+                    <a:p>
+                      <a:endParaRPr lang="es-ES"/>
+                    </a:p>
+                  </a:txBody>
+                  <a:tcPr/>
+                </a:tc>
+              </a:tr>
+              <a:tr h="260350">
+                <a:tc>
+                  <a:txBody>
+                    <a:bodyPr/>
+                    <a:lstStyle/>
+                    <a:p>
+                      <a:pPr marL="0" marR="0" lvl="0" indent="0" algn="l" defTabSz="914400" rtl="0" eaLnBrk="1" fontAlgn="base" latinLnBrk="0" hangingPunct="1">
+                        <a:lnSpc>
+                          <a:spcPct val="100000"/>
+                        </a:lnSpc>
+                        <a:spcBef>
+                          <a:spcPct val="0"/>
+                        </a:spcBef>
+                        <a:spcAft>
+                          <a:spcPct val="0"/>
+                        </a:spcAft>
+                        <a:buClrTx/>
+                        <a:buSzTx/>
+                        <a:buFontTx/>
+                        <a:buNone/>
+                        <a:tabLst/>
+                      </a:pPr>
+                      <a:r>
+                        <a:rPr kumimoji="0" lang="es-PE" sz="1600" b="1" i="0" u="none" strike="noStrike" cap="none" normalizeH="0" baseline="0" smtClean="0">
+                          <a:ln>
+                            <a:noFill/>
+                          </a:ln>
+                          <a:solidFill>
+                            <a:schemeClr val="tx2"/>
+                          </a:solidFill>
+                          <a:effectLst/>
+                          <a:latin typeface="Calibri" pitchFamily="34" charset="0"/>
+                          <a:cs typeface="Times New Roman" pitchFamily="18" charset="0"/>
+                        </a:rPr>
+                        <a:t>NOMBRE</a:t>
+                      </a:r>
+                      <a:endParaRPr kumimoji="0" lang="es-PE" sz="1600" b="0" i="0" u="none" strike="noStrike" cap="none" normalizeH="0" baseline="0" smtClean="0">
+                        <a:ln>
+                          <a:noFill/>
+                        </a:ln>
+                        <a:solidFill>
+                          <a:schemeClr val="tx2"/>
+                        </a:solidFill>
+                        <a:effectLst/>
+                        <a:latin typeface="Arial" charset="0"/>
+                      </a:endParaRPr>
+                    </a:p>
+                  </a:txBody>
+                  <a:tcPr horzOverflow="overflow">
+                    <a:lnL w="12700" cap="flat" cmpd="sng" algn="ctr">
+                      <a:solidFill>
+                        <a:srgbClr val="000000"/>
+                      </a:solidFill>
+                      <a:prstDash val="solid"/>
+                      <a:round/>
+                      <a:headEnd type="none" w="med" len="med"/>
+                      <a:tailEnd type="none" w="med" len="med"/>
+                    </a:lnL>
+                    <a:lnR w="12700" cap="flat" cmpd="sng" algn="ctr">
+                      <a:solidFill>
+                        <a:srgbClr val="000000"/>
+                      </a:solidFill>
+                      <a:prstDash val="solid"/>
+                      <a:round/>
+                      <a:headEnd type="none" w="med" len="med"/>
+                      <a:tailEnd type="none" w="med" len="med"/>
+                    </a:lnR>
+                    <a:lnT w="12700" cap="flat" cmpd="sng" algn="ctr">
+                      <a:solidFill>
+                        <a:srgbClr val="000000"/>
+                      </a:solidFill>
+                      <a:prstDash val="solid"/>
+                      <a:round/>
+                      <a:headEnd type="none" w="med" len="med"/>
+                      <a:tailEnd type="none" w="med" len="med"/>
+                    </a:lnT>
+                    <a:lnB w="12700" cap="flat" cmpd="sng" algn="ctr">
+                      <a:solidFill>
+                        <a:srgbClr val="000000"/>
+                      </a:solidFill>
+                      <a:prstDash val="solid"/>
+                      <a:round/>
+                      <a:headEnd type="none" w="med" len="med"/>
+                      <a:tailEnd type="none" w="med" len="med"/>
+                    </a:lnB>
+                    <a:lnTlToBr>
+                      <a:noFill/>
+                    </a:lnTlToBr>
+                    <a:lnBlToTr>
+                      <a:noFill/>
+                    </a:lnBlToTr>
+                    <a:noFill/>
+                  </a:tcPr>
+                </a:tc>
+                <a:tc>
+                  <a:txBody>
+                    <a:bodyPr/>
+                    <a:lstStyle/>
+                    <a:p>
+                      <a:pPr marL="0" marR="0" lvl="0" indent="0" algn="l" defTabSz="914400" rtl="0" eaLnBrk="1" fontAlgn="base" latinLnBrk="0" hangingPunct="1">
+                        <a:lnSpc>
+                          <a:spcPct val="100000"/>
+                        </a:lnSpc>
+                        <a:spcBef>
+                          <a:spcPct val="0"/>
+                        </a:spcBef>
+                        <a:spcAft>
+                          <a:spcPct val="0"/>
+                        </a:spcAft>
+                        <a:buClrTx/>
+                        <a:buSzTx/>
+                        <a:buFontTx/>
+                        <a:buNone/>
+                        <a:tabLst/>
+                      </a:pPr>
+                      <a:r>
+                        <a:rPr kumimoji="0" lang="es-PE" sz="1600" b="0" i="0" u="none" strike="noStrike" cap="none" normalizeH="0" baseline="0" smtClean="0">
+                          <a:ln>
+                            <a:noFill/>
+                          </a:ln>
+                          <a:solidFill>
+                            <a:schemeClr val="tx2"/>
+                          </a:solidFill>
+                          <a:effectLst/>
+                          <a:latin typeface="Calibri" pitchFamily="34" charset="0"/>
+                          <a:cs typeface="Times New Roman" pitchFamily="18" charset="0"/>
+                        </a:rPr>
+                        <a:t>Tiempos de respuesta</a:t>
+                      </a:r>
+                      <a:endParaRPr kumimoji="0" lang="es-PE" sz="1600" b="0" i="0" u="none" strike="noStrike" cap="none" normalizeH="0" baseline="0" smtClean="0">
+                        <a:ln>
+                          <a:noFill/>
+                        </a:ln>
+                        <a:solidFill>
+                          <a:schemeClr val="tx2"/>
+                        </a:solidFill>
+                        <a:effectLst/>
+                        <a:latin typeface="Arial" charset="0"/>
+                      </a:endParaRPr>
+                    </a:p>
+                  </a:txBody>
+                  <a:tcPr horzOverflow="overflow">
+                    <a:lnL w="12700" cap="flat" cmpd="sng" algn="ctr">
+                      <a:solidFill>
+                        <a:srgbClr val="000000"/>
+                      </a:solidFill>
+                      <a:prstDash val="solid"/>
+                      <a:round/>
+                      <a:headEnd type="none" w="med" len="med"/>
+                      <a:tailEnd type="none" w="med" len="med"/>
+                    </a:lnL>
+                    <a:lnR w="12700" cap="flat" cmpd="sng" algn="ctr">
+                      <a:solidFill>
+                        <a:srgbClr val="000000"/>
+                      </a:solidFill>
+                      <a:prstDash val="solid"/>
+                      <a:round/>
+                      <a:headEnd type="none" w="med" len="med"/>
+                      <a:tailEnd type="none" w="med" len="med"/>
+                    </a:lnR>
+                    <a:lnT w="12700" cap="flat" cmpd="sng" algn="ctr">
+                      <a:solidFill>
+                        <a:srgbClr val="000000"/>
+                      </a:solidFill>
+                      <a:prstDash val="solid"/>
+                      <a:round/>
+                      <a:headEnd type="none" w="med" len="med"/>
+                      <a:tailEnd type="none" w="med" len="med"/>
+                    </a:lnT>
+                    <a:lnB w="12700" cap="flat" cmpd="sng" algn="ctr">
+                      <a:solidFill>
+                        <a:srgbClr val="000000"/>
+                      </a:solidFill>
+                      <a:prstDash val="solid"/>
+                      <a:round/>
+                      <a:headEnd type="none" w="med" len="med"/>
+                      <a:tailEnd type="none" w="med" len="med"/>
+                    </a:lnB>
+                    <a:lnTlToBr>
+                      <a:noFill/>
+                    </a:lnTlToBr>
+                    <a:lnBlToTr>
+                      <a:noFill/>
+                    </a:lnBlToTr>
+                    <a:noFill/>
+                  </a:tcPr>
+                </a:tc>
+              </a:tr>
+              <a:tr h="260350">
+                <a:tc>
+                  <a:txBody>
+                    <a:bodyPr/>
+                    <a:lstStyle/>
+                    <a:p>
+                      <a:pPr marL="0" marR="0" lvl="0" indent="0" algn="l" defTabSz="914400" rtl="0" eaLnBrk="1" fontAlgn="base" latinLnBrk="0" hangingPunct="1">
+                        <a:lnSpc>
+                          <a:spcPct val="100000"/>
+                        </a:lnSpc>
+                        <a:spcBef>
+                          <a:spcPct val="0"/>
+                        </a:spcBef>
+                        <a:spcAft>
+                          <a:spcPct val="0"/>
+                        </a:spcAft>
+                        <a:buClrTx/>
+                        <a:buSzTx/>
+                        <a:buFontTx/>
+                        <a:buNone/>
+                        <a:tabLst/>
+                      </a:pPr>
+                      <a:r>
+                        <a:rPr kumimoji="0" lang="es-PE" sz="1600" b="1" i="0" u="none" strike="noStrike" cap="none" normalizeH="0" baseline="0" smtClean="0">
+                          <a:ln>
+                            <a:noFill/>
+                          </a:ln>
+                          <a:solidFill>
+                            <a:schemeClr val="tx2"/>
+                          </a:solidFill>
+                          <a:effectLst/>
+                          <a:latin typeface="Calibri" pitchFamily="34" charset="0"/>
+                          <a:cs typeface="Times New Roman" pitchFamily="18" charset="0"/>
+                        </a:rPr>
+                        <a:t>PROPOSITO</a:t>
+                      </a:r>
+                      <a:endParaRPr kumimoji="0" lang="es-PE" sz="1600" b="0" i="0" u="none" strike="noStrike" cap="none" normalizeH="0" baseline="0" smtClean="0">
+                        <a:ln>
+                          <a:noFill/>
+                        </a:ln>
+                        <a:solidFill>
+                          <a:schemeClr val="tx2"/>
+                        </a:solidFill>
+                        <a:effectLst/>
+                        <a:latin typeface="Arial" charset="0"/>
+                      </a:endParaRPr>
+                    </a:p>
+                  </a:txBody>
+                  <a:tcPr horzOverflow="overflow">
+                    <a:lnL w="12700" cap="flat" cmpd="sng" algn="ctr">
+                      <a:solidFill>
+                        <a:srgbClr val="000000"/>
+                      </a:solidFill>
+                      <a:prstDash val="solid"/>
+                      <a:round/>
+                      <a:headEnd type="none" w="med" len="med"/>
+                      <a:tailEnd type="none" w="med" len="med"/>
+                    </a:lnL>
+                    <a:lnR w="12700" cap="flat" cmpd="sng" algn="ctr">
+                      <a:solidFill>
+                        <a:srgbClr val="000000"/>
+                      </a:solidFill>
+                      <a:prstDash val="solid"/>
+                      <a:round/>
+                      <a:headEnd type="none" w="med" len="med"/>
+                      <a:tailEnd type="none" w="med" len="med"/>
+                    </a:lnR>
+                    <a:lnT w="12700" cap="flat" cmpd="sng" algn="ctr">
+                      <a:solidFill>
+                        <a:srgbClr val="000000"/>
+                      </a:solidFill>
+                      <a:prstDash val="solid"/>
+                      <a:round/>
+                      <a:headEnd type="none" w="med" len="med"/>
+                      <a:tailEnd type="none" w="med" len="med"/>
+                    </a:lnT>
+                    <a:lnB w="12700" cap="flat" cmpd="sng" algn="ctr">
+                      <a:solidFill>
+                        <a:srgbClr val="000000"/>
+                      </a:solidFill>
+                      <a:prstDash val="solid"/>
+                      <a:round/>
+                      <a:headEnd type="none" w="med" len="med"/>
+                      <a:tailEnd type="none" w="med" len="med"/>
+                    </a:lnB>
+                    <a:lnTlToBr>
+                      <a:noFill/>
+                    </a:lnTlToBr>
+                    <a:lnBlToTr>
+                      <a:noFill/>
+                    </a:lnBlToTr>
+                    <a:noFill/>
+                  </a:tcPr>
+                </a:tc>
+                <a:tc>
+                  <a:txBody>
+                    <a:bodyPr/>
+                    <a:lstStyle/>
+                    <a:p>
+                      <a:pPr marL="0" marR="0" lvl="0" indent="0" algn="l" defTabSz="914400" rtl="0" eaLnBrk="1" fontAlgn="base" latinLnBrk="0" hangingPunct="1">
+                        <a:lnSpc>
+                          <a:spcPct val="100000"/>
+                        </a:lnSpc>
+                        <a:spcBef>
+                          <a:spcPct val="0"/>
+                        </a:spcBef>
+                        <a:spcAft>
+                          <a:spcPct val="0"/>
+                        </a:spcAft>
+                        <a:buClrTx/>
+                        <a:buSzTx/>
+                        <a:buFontTx/>
+                        <a:buNone/>
+                        <a:tabLst/>
+                      </a:pPr>
+                      <a:r>
+                        <a:rPr kumimoji="0" lang="es-PE" sz="1600" b="0" i="0" u="none" strike="noStrike" cap="none" normalizeH="0" baseline="0" smtClean="0">
+                          <a:ln>
+                            <a:noFill/>
+                          </a:ln>
+                          <a:solidFill>
+                            <a:schemeClr val="tx2"/>
+                          </a:solidFill>
+                          <a:effectLst/>
+                          <a:latin typeface="Calibri" pitchFamily="34" charset="0"/>
+                          <a:cs typeface="Times New Roman" pitchFamily="18" charset="0"/>
+                        </a:rPr>
+                        <a:t>Cuanto tiempo le ha tomado terminar una tarea espec</a:t>
+                      </a:r>
+                      <a:r>
+                        <a:rPr kumimoji="0" lang="es-PE" sz="1600" b="0" i="0" u="none" strike="noStrike" cap="none" normalizeH="0" baseline="0" smtClean="0">
+                          <a:ln>
+                            <a:noFill/>
+                          </a:ln>
+                          <a:solidFill>
+                            <a:schemeClr val="tx2"/>
+                          </a:solidFill>
+                          <a:effectLst/>
+                          <a:latin typeface="Arial"/>
+                          <a:cs typeface="Times New Roman" pitchFamily="18" charset="0"/>
+                        </a:rPr>
+                        <a:t>í</a:t>
+                      </a:r>
+                      <a:r>
+                        <a:rPr kumimoji="0" lang="es-PE" sz="1600" b="0" i="0" u="none" strike="noStrike" cap="none" normalizeH="0" baseline="0" smtClean="0">
+                          <a:ln>
+                            <a:noFill/>
+                          </a:ln>
+                          <a:solidFill>
+                            <a:schemeClr val="tx2"/>
+                          </a:solidFill>
+                          <a:effectLst/>
+                          <a:latin typeface="Calibri" pitchFamily="34" charset="0"/>
+                          <a:cs typeface="Times New Roman" pitchFamily="18" charset="0"/>
+                        </a:rPr>
+                        <a:t>fica. Cuanto tiempo le toma recibir una respuesta a las tareas especificas.</a:t>
+                      </a:r>
+                      <a:endParaRPr kumimoji="0" lang="es-PE" sz="1600" b="0" i="0" u="none" strike="noStrike" cap="none" normalizeH="0" baseline="0" smtClean="0">
+                        <a:ln>
+                          <a:noFill/>
+                        </a:ln>
+                        <a:solidFill>
+                          <a:schemeClr val="tx2"/>
+                        </a:solidFill>
+                        <a:effectLst/>
+                        <a:latin typeface="Arial" charset="0"/>
+                      </a:endParaRPr>
+                    </a:p>
+                  </a:txBody>
+                  <a:tcPr horzOverflow="overflow">
+                    <a:lnL w="12700" cap="flat" cmpd="sng" algn="ctr">
+                      <a:solidFill>
+                        <a:srgbClr val="000000"/>
+                      </a:solidFill>
+                      <a:prstDash val="solid"/>
+                      <a:round/>
+                      <a:headEnd type="none" w="med" len="med"/>
+                      <a:tailEnd type="none" w="med" len="med"/>
+                    </a:lnL>
+                    <a:lnR w="12700" cap="flat" cmpd="sng" algn="ctr">
+                      <a:solidFill>
+                        <a:srgbClr val="000000"/>
+                      </a:solidFill>
+                      <a:prstDash val="solid"/>
+                      <a:round/>
+                      <a:headEnd type="none" w="med" len="med"/>
+                      <a:tailEnd type="none" w="med" len="med"/>
+                    </a:lnR>
+                    <a:lnT w="12700" cap="flat" cmpd="sng" algn="ctr">
+                      <a:solidFill>
+                        <a:srgbClr val="000000"/>
+                      </a:solidFill>
+                      <a:prstDash val="solid"/>
+                      <a:round/>
+                      <a:headEnd type="none" w="med" len="med"/>
+                      <a:tailEnd type="none" w="med" len="med"/>
+                    </a:lnT>
+                    <a:lnB w="12700" cap="flat" cmpd="sng" algn="ctr">
+                      <a:solidFill>
+                        <a:srgbClr val="000000"/>
+                      </a:solidFill>
+                      <a:prstDash val="solid"/>
+                      <a:round/>
+                      <a:headEnd type="none" w="med" len="med"/>
+                      <a:tailEnd type="none" w="med" len="med"/>
+                    </a:lnB>
+                    <a:lnTlToBr>
+                      <a:noFill/>
+                    </a:lnTlToBr>
+                    <a:lnBlToTr>
+                      <a:noFill/>
+                    </a:lnBlToTr>
+                    <a:noFill/>
+                  </a:tcPr>
+                </a:tc>
+              </a:tr>
+              <a:tr h="260350">
+                <a:tc>
+                  <a:txBody>
+                    <a:bodyPr/>
+                    <a:lstStyle/>
+                    <a:p>
+                      <a:pPr marL="0" marR="0" lvl="0" indent="0" algn="l" defTabSz="914400" rtl="0" eaLnBrk="1" fontAlgn="base" latinLnBrk="0" hangingPunct="1">
+                        <a:lnSpc>
+                          <a:spcPct val="100000"/>
+                        </a:lnSpc>
+                        <a:spcBef>
+                          <a:spcPct val="0"/>
+                        </a:spcBef>
+                        <a:spcAft>
+                          <a:spcPct val="0"/>
+                        </a:spcAft>
+                        <a:buClrTx/>
+                        <a:buSzTx/>
+                        <a:buFontTx/>
+                        <a:buNone/>
+                        <a:tabLst/>
+                      </a:pPr>
+                      <a:r>
+                        <a:rPr kumimoji="0" lang="es-PE" sz="1600" b="1" i="0" u="none" strike="noStrike" cap="none" normalizeH="0" baseline="0" smtClean="0">
+                          <a:ln>
+                            <a:noFill/>
+                          </a:ln>
+                          <a:solidFill>
+                            <a:schemeClr val="tx2"/>
+                          </a:solidFill>
+                          <a:effectLst/>
+                          <a:latin typeface="Calibri" pitchFamily="34" charset="0"/>
+                          <a:cs typeface="Times New Roman" pitchFamily="18" charset="0"/>
+                        </a:rPr>
+                        <a:t>METODO APLICACI</a:t>
+                      </a:r>
+                      <a:r>
+                        <a:rPr kumimoji="0" lang="es-PE" sz="1600" b="1" i="0" u="none" strike="noStrike" cap="none" normalizeH="0" baseline="0" smtClean="0">
+                          <a:ln>
+                            <a:noFill/>
+                          </a:ln>
+                          <a:solidFill>
+                            <a:schemeClr val="tx2"/>
+                          </a:solidFill>
+                          <a:effectLst/>
+                          <a:latin typeface="Arial"/>
+                          <a:cs typeface="Times New Roman" pitchFamily="18" charset="0"/>
+                        </a:rPr>
+                        <a:t>Ó</a:t>
+                      </a:r>
+                      <a:r>
+                        <a:rPr kumimoji="0" lang="es-PE" sz="1600" b="1" i="0" u="none" strike="noStrike" cap="none" normalizeH="0" baseline="0" smtClean="0">
+                          <a:ln>
+                            <a:noFill/>
+                          </a:ln>
+                          <a:solidFill>
+                            <a:schemeClr val="tx2"/>
+                          </a:solidFill>
+                          <a:effectLst/>
+                          <a:latin typeface="Calibri" pitchFamily="34" charset="0"/>
+                          <a:cs typeface="Times New Roman" pitchFamily="18" charset="0"/>
+                        </a:rPr>
+                        <a:t>N</a:t>
+                      </a:r>
+                      <a:endParaRPr kumimoji="0" lang="es-PE" sz="1600" b="0" i="0" u="none" strike="noStrike" cap="none" normalizeH="0" baseline="0" smtClean="0">
+                        <a:ln>
+                          <a:noFill/>
+                        </a:ln>
+                        <a:solidFill>
+                          <a:schemeClr val="tx2"/>
+                        </a:solidFill>
+                        <a:effectLst/>
+                        <a:latin typeface="Arial" charset="0"/>
+                      </a:endParaRPr>
+                    </a:p>
+                  </a:txBody>
+                  <a:tcPr horzOverflow="overflow">
+                    <a:lnL w="12700" cap="flat" cmpd="sng" algn="ctr">
+                      <a:solidFill>
+                        <a:srgbClr val="000000"/>
+                      </a:solidFill>
+                      <a:prstDash val="solid"/>
+                      <a:round/>
+                      <a:headEnd type="none" w="med" len="med"/>
+                      <a:tailEnd type="none" w="med" len="med"/>
+                    </a:lnL>
+                    <a:lnR w="12700" cap="flat" cmpd="sng" algn="ctr">
+                      <a:solidFill>
+                        <a:srgbClr val="000000"/>
+                      </a:solidFill>
+                      <a:prstDash val="solid"/>
+                      <a:round/>
+                      <a:headEnd type="none" w="med" len="med"/>
+                      <a:tailEnd type="none" w="med" len="med"/>
+                    </a:lnR>
+                    <a:lnT w="12700" cap="flat" cmpd="sng" algn="ctr">
+                      <a:solidFill>
+                        <a:srgbClr val="000000"/>
+                      </a:solidFill>
+                      <a:prstDash val="solid"/>
+                      <a:round/>
+                      <a:headEnd type="none" w="med" len="med"/>
+                      <a:tailEnd type="none" w="med" len="med"/>
+                    </a:lnT>
+                    <a:lnB w="12700" cap="flat" cmpd="sng" algn="ctr">
+                      <a:solidFill>
+                        <a:srgbClr val="000000"/>
+                      </a:solidFill>
+                      <a:prstDash val="solid"/>
+                      <a:round/>
+                      <a:headEnd type="none" w="med" len="med"/>
+                      <a:tailEnd type="none" w="med" len="med"/>
+                    </a:lnB>
+                    <a:lnTlToBr>
+                      <a:noFill/>
+                    </a:lnTlToBr>
+                    <a:lnBlToTr>
+                      <a:noFill/>
+                    </a:lnBlToTr>
+                    <a:noFill/>
+                  </a:tcPr>
+                </a:tc>
+                <a:tc>
+                  <a:txBody>
+                    <a:bodyPr/>
+                    <a:lstStyle/>
+                    <a:p>
+                      <a:pPr marL="0" marR="0" lvl="0" indent="0" algn="l" defTabSz="914400" rtl="0" eaLnBrk="1" fontAlgn="base" latinLnBrk="0" hangingPunct="1">
+                        <a:lnSpc>
+                          <a:spcPct val="100000"/>
+                        </a:lnSpc>
+                        <a:spcBef>
+                          <a:spcPct val="0"/>
+                        </a:spcBef>
+                        <a:spcAft>
+                          <a:spcPct val="0"/>
+                        </a:spcAft>
+                        <a:buClrTx/>
+                        <a:buSzTx/>
+                        <a:buFontTx/>
+                        <a:buNone/>
+                        <a:tabLst/>
+                      </a:pPr>
+                      <a:r>
+                        <a:rPr kumimoji="0" lang="es-PE" sz="1600" b="0" i="0" u="none" strike="noStrike" cap="none" normalizeH="0" baseline="0" smtClean="0">
+                          <a:ln>
+                            <a:noFill/>
+                          </a:ln>
+                          <a:solidFill>
+                            <a:schemeClr val="tx2"/>
+                          </a:solidFill>
+                          <a:effectLst/>
+                          <a:latin typeface="Calibri" pitchFamily="34" charset="0"/>
+                          <a:cs typeface="Times New Roman" pitchFamily="18" charset="0"/>
+                        </a:rPr>
+                        <a:t>Empiece una tarea especificada. Mida el tiempo que toma para la muestra para terminar su operaci</a:t>
+                      </a:r>
+                      <a:r>
+                        <a:rPr kumimoji="0" lang="es-PE" sz="1600" b="0" i="0" u="none" strike="noStrike" cap="none" normalizeH="0" baseline="0" smtClean="0">
+                          <a:ln>
+                            <a:noFill/>
+                          </a:ln>
+                          <a:solidFill>
+                            <a:schemeClr val="tx2"/>
+                          </a:solidFill>
+                          <a:effectLst/>
+                          <a:latin typeface="Arial"/>
+                          <a:cs typeface="Times New Roman" pitchFamily="18" charset="0"/>
+                        </a:rPr>
+                        <a:t>ó</a:t>
+                      </a:r>
+                      <a:r>
+                        <a:rPr kumimoji="0" lang="es-PE" sz="1600" b="0" i="0" u="none" strike="noStrike" cap="none" normalizeH="0" baseline="0" smtClean="0">
+                          <a:ln>
+                            <a:noFill/>
+                          </a:ln>
+                          <a:solidFill>
+                            <a:schemeClr val="tx2"/>
+                          </a:solidFill>
+                          <a:effectLst/>
+                          <a:latin typeface="Calibri" pitchFamily="34" charset="0"/>
+                          <a:cs typeface="Times New Roman" pitchFamily="18" charset="0"/>
+                        </a:rPr>
+                        <a:t>n. Guarde un registro de cada intento. </a:t>
+                      </a:r>
+                      <a:endParaRPr kumimoji="0" lang="es-PE" sz="1600" b="0" i="0" u="none" strike="noStrike" cap="none" normalizeH="0" baseline="0" smtClean="0">
+                        <a:ln>
+                          <a:noFill/>
+                        </a:ln>
+                        <a:solidFill>
+                          <a:schemeClr val="tx2"/>
+                        </a:solidFill>
+                        <a:effectLst/>
+                        <a:latin typeface="Arial" charset="0"/>
+                      </a:endParaRPr>
+                    </a:p>
+                  </a:txBody>
+                  <a:tcPr horzOverflow="overflow">
+                    <a:lnL w="12700" cap="flat" cmpd="sng" algn="ctr">
+                      <a:solidFill>
+                        <a:srgbClr val="000000"/>
+                      </a:solidFill>
+                      <a:prstDash val="solid"/>
+                      <a:round/>
+                      <a:headEnd type="none" w="med" len="med"/>
+                      <a:tailEnd type="none" w="med" len="med"/>
+                    </a:lnL>
+                    <a:lnR w="12700" cap="flat" cmpd="sng" algn="ctr">
+                      <a:solidFill>
+                        <a:srgbClr val="000000"/>
+                      </a:solidFill>
+                      <a:prstDash val="solid"/>
+                      <a:round/>
+                      <a:headEnd type="none" w="med" len="med"/>
+                      <a:tailEnd type="none" w="med" len="med"/>
+                    </a:lnR>
+                    <a:lnT w="12700" cap="flat" cmpd="sng" algn="ctr">
+                      <a:solidFill>
+                        <a:srgbClr val="000000"/>
+                      </a:solidFill>
+                      <a:prstDash val="solid"/>
+                      <a:round/>
+                      <a:headEnd type="none" w="med" len="med"/>
+                      <a:tailEnd type="none" w="med" len="med"/>
+                    </a:lnT>
+                    <a:lnB w="12700" cap="flat" cmpd="sng" algn="ctr">
+                      <a:solidFill>
+                        <a:srgbClr val="000000"/>
+                      </a:solidFill>
+                      <a:prstDash val="solid"/>
+                      <a:round/>
+                      <a:headEnd type="none" w="med" len="med"/>
+                      <a:tailEnd type="none" w="med" len="med"/>
+                    </a:lnB>
+                    <a:lnTlToBr>
+                      <a:noFill/>
+                    </a:lnTlToBr>
+                    <a:lnBlToTr>
+                      <a:noFill/>
+                    </a:lnBlToTr>
+                    <a:noFill/>
+                  </a:tcPr>
+                </a:tc>
+              </a:tr>
+              <a:tr h="260350">
+                <a:tc>
+                  <a:txBody>
+                    <a:bodyPr/>
+                    <a:lstStyle/>
+                    <a:p>
+                      <a:pPr marL="0" marR="0" lvl="0" indent="0" algn="l" defTabSz="914400" rtl="0" eaLnBrk="1" fontAlgn="base" latinLnBrk="0" hangingPunct="1">
+                        <a:lnSpc>
+                          <a:spcPct val="100000"/>
+                        </a:lnSpc>
+                        <a:spcBef>
+                          <a:spcPct val="0"/>
+                        </a:spcBef>
+                        <a:spcAft>
+                          <a:spcPct val="0"/>
+                        </a:spcAft>
+                        <a:buClrTx/>
+                        <a:buSzTx/>
+                        <a:buFontTx/>
+                        <a:buNone/>
+                        <a:tabLst/>
+                      </a:pPr>
+                      <a:r>
+                        <a:rPr kumimoji="0" lang="es-PE" sz="1600" b="1" i="0" u="none" strike="noStrike" cap="none" normalizeH="0" baseline="0" smtClean="0">
+                          <a:ln>
+                            <a:noFill/>
+                          </a:ln>
+                          <a:solidFill>
+                            <a:schemeClr val="tx2"/>
+                          </a:solidFill>
+                          <a:effectLst/>
+                          <a:latin typeface="Calibri" pitchFamily="34" charset="0"/>
+                          <a:cs typeface="Times New Roman" pitchFamily="18" charset="0"/>
+                        </a:rPr>
+                        <a:t>FORMULA</a:t>
+                      </a:r>
+                      <a:endParaRPr kumimoji="0" lang="es-PE" sz="1600" b="0" i="0" u="none" strike="noStrike" cap="none" normalizeH="0" baseline="0" smtClean="0">
+                        <a:ln>
+                          <a:noFill/>
+                        </a:ln>
+                        <a:solidFill>
+                          <a:schemeClr val="tx2"/>
+                        </a:solidFill>
+                        <a:effectLst/>
+                        <a:latin typeface="Arial" charset="0"/>
+                      </a:endParaRPr>
+                    </a:p>
+                  </a:txBody>
+                  <a:tcPr horzOverflow="overflow">
+                    <a:lnL w="12700" cap="flat" cmpd="sng" algn="ctr">
+                      <a:solidFill>
+                        <a:srgbClr val="000000"/>
+                      </a:solidFill>
+                      <a:prstDash val="solid"/>
+                      <a:round/>
+                      <a:headEnd type="none" w="med" len="med"/>
+                      <a:tailEnd type="none" w="med" len="med"/>
+                    </a:lnL>
+                    <a:lnR w="12700" cap="flat" cmpd="sng" algn="ctr">
+                      <a:solidFill>
+                        <a:srgbClr val="000000"/>
+                      </a:solidFill>
+                      <a:prstDash val="solid"/>
+                      <a:round/>
+                      <a:headEnd type="none" w="med" len="med"/>
+                      <a:tailEnd type="none" w="med" len="med"/>
+                    </a:lnR>
+                    <a:lnT w="12700" cap="flat" cmpd="sng" algn="ctr">
+                      <a:solidFill>
+                        <a:srgbClr val="000000"/>
+                      </a:solidFill>
+                      <a:prstDash val="solid"/>
+                      <a:round/>
+                      <a:headEnd type="none" w="med" len="med"/>
+                      <a:tailEnd type="none" w="med" len="med"/>
+                    </a:lnT>
+                    <a:lnB w="12700" cap="flat" cmpd="sng" algn="ctr">
+                      <a:solidFill>
+                        <a:srgbClr val="000000"/>
+                      </a:solidFill>
+                      <a:prstDash val="solid"/>
+                      <a:round/>
+                      <a:headEnd type="none" w="med" len="med"/>
+                      <a:tailEnd type="none" w="med" len="med"/>
+                    </a:lnB>
+                    <a:lnTlToBr>
+                      <a:noFill/>
+                    </a:lnTlToBr>
+                    <a:lnBlToTr>
+                      <a:noFill/>
+                    </a:lnBlToTr>
+                    <a:noFill/>
+                  </a:tcPr>
+                </a:tc>
+                <a:tc>
+                  <a:txBody>
+                    <a:bodyPr/>
+                    <a:lstStyle/>
+                    <a:p>
+                      <a:pPr marL="0" marR="0" lvl="0" indent="0" algn="l" defTabSz="914400" rtl="0" eaLnBrk="1" fontAlgn="base" latinLnBrk="0" hangingPunct="1">
+                        <a:lnSpc>
+                          <a:spcPct val="100000"/>
+                        </a:lnSpc>
+                        <a:spcBef>
+                          <a:spcPct val="0"/>
+                        </a:spcBef>
+                        <a:spcAft>
+                          <a:spcPct val="0"/>
+                        </a:spcAft>
+                        <a:buClrTx/>
+                        <a:buSzTx/>
+                        <a:buFontTx/>
+                        <a:buNone/>
+                        <a:tabLst/>
+                      </a:pPr>
+                      <a:r>
+                        <a:rPr kumimoji="0" lang="es-PE" sz="1600" b="0" i="0" u="none" strike="noStrike" cap="none" normalizeH="0" baseline="0" smtClean="0">
+                          <a:ln>
+                            <a:noFill/>
+                          </a:ln>
+                          <a:solidFill>
+                            <a:schemeClr val="tx2"/>
+                          </a:solidFill>
+                          <a:effectLst/>
+                          <a:latin typeface="Calibri" pitchFamily="34" charset="0"/>
+                          <a:cs typeface="Times New Roman" pitchFamily="18" charset="0"/>
+                        </a:rPr>
+                        <a:t>T = (Tiempo de ganar el resultado) -(Tiempo de terminaci</a:t>
+                      </a:r>
+                      <a:r>
+                        <a:rPr kumimoji="0" lang="es-PE" sz="1600" b="0" i="0" u="none" strike="noStrike" cap="none" normalizeH="0" baseline="0" smtClean="0">
+                          <a:ln>
+                            <a:noFill/>
+                          </a:ln>
+                          <a:solidFill>
+                            <a:schemeClr val="tx2"/>
+                          </a:solidFill>
+                          <a:effectLst/>
+                          <a:latin typeface="Arial"/>
+                          <a:cs typeface="Times New Roman" pitchFamily="18" charset="0"/>
+                        </a:rPr>
+                        <a:t>ó</a:t>
+                      </a:r>
+                      <a:r>
+                        <a:rPr kumimoji="0" lang="es-PE" sz="1600" b="0" i="0" u="none" strike="noStrike" cap="none" normalizeH="0" baseline="0" smtClean="0">
+                          <a:ln>
+                            <a:noFill/>
+                          </a:ln>
+                          <a:solidFill>
+                            <a:schemeClr val="tx2"/>
+                          </a:solidFill>
+                          <a:effectLst/>
+                          <a:latin typeface="Calibri" pitchFamily="34" charset="0"/>
+                          <a:cs typeface="Times New Roman" pitchFamily="18" charset="0"/>
+                        </a:rPr>
+                        <a:t>n del mandato)</a:t>
+                      </a:r>
+                      <a:endParaRPr kumimoji="0" lang="es-PE" sz="1600" b="0" i="0" u="none" strike="noStrike" cap="none" normalizeH="0" baseline="0" smtClean="0">
+                        <a:ln>
+                          <a:noFill/>
+                        </a:ln>
+                        <a:solidFill>
+                          <a:schemeClr val="tx2"/>
+                        </a:solidFill>
+                        <a:effectLst/>
+                        <a:latin typeface="Arial" charset="0"/>
+                      </a:endParaRPr>
+                    </a:p>
+                  </a:txBody>
+                  <a:tcPr horzOverflow="overflow">
+                    <a:lnL w="12700" cap="flat" cmpd="sng" algn="ctr">
+                      <a:solidFill>
+                        <a:srgbClr val="000000"/>
+                      </a:solidFill>
+                      <a:prstDash val="solid"/>
+                      <a:round/>
+                      <a:headEnd type="none" w="med" len="med"/>
+                      <a:tailEnd type="none" w="med" len="med"/>
+                    </a:lnL>
+                    <a:lnR w="12700" cap="flat" cmpd="sng" algn="ctr">
+                      <a:solidFill>
+                        <a:srgbClr val="000000"/>
+                      </a:solidFill>
+                      <a:prstDash val="solid"/>
+                      <a:round/>
+                      <a:headEnd type="none" w="med" len="med"/>
+                      <a:tailEnd type="none" w="med" len="med"/>
+                    </a:lnR>
+                    <a:lnT w="12700" cap="flat" cmpd="sng" algn="ctr">
+                      <a:solidFill>
+                        <a:srgbClr val="000000"/>
+                      </a:solidFill>
+                      <a:prstDash val="solid"/>
+                      <a:round/>
+                      <a:headEnd type="none" w="med" len="med"/>
+                      <a:tailEnd type="none" w="med" len="med"/>
+                    </a:lnT>
+                    <a:lnB w="12700" cap="flat" cmpd="sng" algn="ctr">
+                      <a:solidFill>
+                        <a:srgbClr val="000000"/>
+                      </a:solidFill>
+                      <a:prstDash val="solid"/>
+                      <a:round/>
+                      <a:headEnd type="none" w="med" len="med"/>
+                      <a:tailEnd type="none" w="med" len="med"/>
+                    </a:lnB>
+                    <a:lnTlToBr>
+                      <a:noFill/>
+                    </a:lnTlToBr>
+                    <a:lnBlToTr>
+                      <a:noFill/>
+                    </a:lnBlToTr>
+                    <a:noFill/>
+                  </a:tcPr>
+                </a:tc>
+              </a:tr>
+              <a:tr h="260350">
+                <a:tc>
+                  <a:txBody>
+                    <a:bodyPr/>
+                    <a:lstStyle/>
+                    <a:p>
+                      <a:pPr marL="0" marR="0" lvl="0" indent="0" algn="l" defTabSz="914400" rtl="0" eaLnBrk="1" fontAlgn="base" latinLnBrk="0" hangingPunct="1">
+                        <a:lnSpc>
+                          <a:spcPct val="100000"/>
+                        </a:lnSpc>
+                        <a:spcBef>
+                          <a:spcPct val="0"/>
+                        </a:spcBef>
+                        <a:spcAft>
+                          <a:spcPct val="0"/>
+                        </a:spcAft>
+                        <a:buClrTx/>
+                        <a:buSzTx/>
+                        <a:buFontTx/>
+                        <a:buNone/>
+                        <a:tabLst/>
+                      </a:pPr>
+                      <a:r>
+                        <a:rPr kumimoji="0" lang="es-PE" sz="1600" b="1" i="0" u="none" strike="noStrike" cap="none" normalizeH="0" baseline="0" smtClean="0">
+                          <a:ln>
+                            <a:noFill/>
+                          </a:ln>
+                          <a:solidFill>
+                            <a:schemeClr val="tx2"/>
+                          </a:solidFill>
+                          <a:effectLst/>
+                          <a:latin typeface="Calibri" pitchFamily="34" charset="0"/>
+                          <a:cs typeface="Times New Roman" pitchFamily="18" charset="0"/>
+                        </a:rPr>
+                        <a:t>INTERPRETACION</a:t>
+                      </a:r>
+                      <a:endParaRPr kumimoji="0" lang="es-PE" sz="1600" b="0" i="0" u="none" strike="noStrike" cap="none" normalizeH="0" baseline="0" smtClean="0">
+                        <a:ln>
+                          <a:noFill/>
+                        </a:ln>
+                        <a:solidFill>
+                          <a:schemeClr val="tx2"/>
+                        </a:solidFill>
+                        <a:effectLst/>
+                        <a:latin typeface="Arial" charset="0"/>
+                      </a:endParaRPr>
+                    </a:p>
+                  </a:txBody>
+                  <a:tcPr horzOverflow="overflow">
+                    <a:lnL w="12700" cap="flat" cmpd="sng" algn="ctr">
+                      <a:solidFill>
+                        <a:srgbClr val="000000"/>
+                      </a:solidFill>
+                      <a:prstDash val="solid"/>
+                      <a:round/>
+                      <a:headEnd type="none" w="med" len="med"/>
+                      <a:tailEnd type="none" w="med" len="med"/>
+                    </a:lnL>
+                    <a:lnR w="12700" cap="flat" cmpd="sng" algn="ctr">
+                      <a:solidFill>
+                        <a:srgbClr val="000000"/>
+                      </a:solidFill>
+                      <a:prstDash val="solid"/>
+                      <a:round/>
+                      <a:headEnd type="none" w="med" len="med"/>
+                      <a:tailEnd type="none" w="med" len="med"/>
+                    </a:lnR>
+                    <a:lnT w="12700" cap="flat" cmpd="sng" algn="ctr">
+                      <a:solidFill>
+                        <a:srgbClr val="000000"/>
+                      </a:solidFill>
+                      <a:prstDash val="solid"/>
+                      <a:round/>
+                      <a:headEnd type="none" w="med" len="med"/>
+                      <a:tailEnd type="none" w="med" len="med"/>
+                    </a:lnT>
+                    <a:lnB w="12700" cap="flat" cmpd="sng" algn="ctr">
+                      <a:solidFill>
+                        <a:srgbClr val="000000"/>
+                      </a:solidFill>
+                      <a:prstDash val="solid"/>
+                      <a:round/>
+                      <a:headEnd type="none" w="med" len="med"/>
+                      <a:tailEnd type="none" w="med" len="med"/>
+                    </a:lnB>
+                    <a:lnTlToBr>
+                      <a:noFill/>
+                    </a:lnTlToBr>
+                    <a:lnBlToTr>
+                      <a:noFill/>
+                    </a:lnBlToTr>
+                    <a:noFill/>
+                  </a:tcPr>
+                </a:tc>
+                <a:tc>
+                  <a:txBody>
+                    <a:bodyPr/>
+                    <a:lstStyle/>
+                    <a:p>
+                      <a:pPr marL="0" marR="0" lvl="0" indent="0" algn="l" defTabSz="914400" rtl="0" eaLnBrk="1" fontAlgn="base" latinLnBrk="0" hangingPunct="1">
+                        <a:lnSpc>
+                          <a:spcPct val="100000"/>
+                        </a:lnSpc>
+                        <a:spcBef>
+                          <a:spcPct val="0"/>
+                        </a:spcBef>
+                        <a:spcAft>
+                          <a:spcPct val="0"/>
+                        </a:spcAft>
+                        <a:buClrTx/>
+                        <a:buSzTx/>
+                        <a:buFontTx/>
+                        <a:buNone/>
+                        <a:tabLst/>
+                      </a:pPr>
+                      <a:r>
+                        <a:rPr kumimoji="0" lang="es-PE" sz="1600" b="0" i="0" u="none" strike="noStrike" cap="none" normalizeH="0" baseline="0" smtClean="0">
+                          <a:ln>
+                            <a:noFill/>
+                          </a:ln>
+                          <a:solidFill>
+                            <a:schemeClr val="tx2"/>
+                          </a:solidFill>
+                          <a:effectLst/>
+                          <a:latin typeface="Calibri" pitchFamily="34" charset="0"/>
+                          <a:cs typeface="Times New Roman" pitchFamily="18" charset="0"/>
+                        </a:rPr>
+                        <a:t>0 &lt; T. El m</a:t>
+                      </a:r>
+                      <a:r>
+                        <a:rPr kumimoji="0" lang="es-PE" sz="1600" b="0" i="0" u="none" strike="noStrike" cap="none" normalizeH="0" baseline="0" smtClean="0">
+                          <a:ln>
+                            <a:noFill/>
+                          </a:ln>
+                          <a:solidFill>
+                            <a:schemeClr val="tx2"/>
+                          </a:solidFill>
+                          <a:effectLst/>
+                          <a:latin typeface="Arial"/>
+                          <a:cs typeface="Times New Roman" pitchFamily="18" charset="0"/>
+                        </a:rPr>
+                        <a:t>á</a:t>
+                      </a:r>
+                      <a:r>
+                        <a:rPr kumimoji="0" lang="es-PE" sz="1600" b="0" i="0" u="none" strike="noStrike" cap="none" normalizeH="0" baseline="0" smtClean="0">
+                          <a:ln>
+                            <a:noFill/>
+                          </a:ln>
+                          <a:solidFill>
+                            <a:schemeClr val="tx2"/>
+                          </a:solidFill>
+                          <a:effectLst/>
+                          <a:latin typeface="Calibri" pitchFamily="34" charset="0"/>
+                          <a:cs typeface="Times New Roman" pitchFamily="18" charset="0"/>
+                        </a:rPr>
+                        <a:t>s temprano es el mejor.</a:t>
+                      </a:r>
+                      <a:endParaRPr kumimoji="0" lang="es-PE" sz="1600" b="0" i="0" u="none" strike="noStrike" cap="none" normalizeH="0" baseline="0" smtClean="0">
+                        <a:ln>
+                          <a:noFill/>
+                        </a:ln>
+                        <a:solidFill>
+                          <a:schemeClr val="tx2"/>
+                        </a:solidFill>
+                        <a:effectLst/>
+                        <a:latin typeface="Arial" charset="0"/>
+                      </a:endParaRPr>
+                    </a:p>
+                  </a:txBody>
+                  <a:tcPr horzOverflow="overflow">
+                    <a:lnL w="12700" cap="flat" cmpd="sng" algn="ctr">
+                      <a:solidFill>
+                        <a:srgbClr val="000000"/>
+                      </a:solidFill>
+                      <a:prstDash val="solid"/>
+                      <a:round/>
+                      <a:headEnd type="none" w="med" len="med"/>
+                      <a:tailEnd type="none" w="med" len="med"/>
+                    </a:lnL>
+                    <a:lnR w="12700" cap="flat" cmpd="sng" algn="ctr">
+                      <a:solidFill>
+                        <a:srgbClr val="000000"/>
+                      </a:solidFill>
+                      <a:prstDash val="solid"/>
+                      <a:round/>
+                      <a:headEnd type="none" w="med" len="med"/>
+                      <a:tailEnd type="none" w="med" len="med"/>
+                    </a:lnR>
+                    <a:lnT w="12700" cap="flat" cmpd="sng" algn="ctr">
+                      <a:solidFill>
+                        <a:srgbClr val="000000"/>
+                      </a:solidFill>
+                      <a:prstDash val="solid"/>
+                      <a:round/>
+                      <a:headEnd type="none" w="med" len="med"/>
+                      <a:tailEnd type="none" w="med" len="med"/>
+                    </a:lnT>
+                    <a:lnB w="12700" cap="flat" cmpd="sng" algn="ctr">
+                      <a:solidFill>
+                        <a:srgbClr val="000000"/>
+                      </a:solidFill>
+                      <a:prstDash val="solid"/>
+                      <a:round/>
+                      <a:headEnd type="none" w="med" len="med"/>
+                      <a:tailEnd type="none" w="med" len="med"/>
+                    </a:lnB>
+                    <a:lnTlToBr>
+                      <a:noFill/>
+                    </a:lnTlToBr>
+                    <a:lnBlToTr>
+                      <a:noFill/>
+                    </a:lnBlToTr>
+                    <a:noFill/>
+                  </a:tcPr>
+                </a:tc>
+              </a:tr>
+              <a:tr h="260350">
+                <a:tc>
+                  <a:txBody>
+                    <a:bodyPr/>
+                    <a:lstStyle/>
+                    <a:p>
+                      <a:pPr marL="0" marR="0" lvl="0" indent="0" algn="l" defTabSz="914400" rtl="0" eaLnBrk="1" fontAlgn="base" latinLnBrk="0" hangingPunct="1">
+                        <a:lnSpc>
+                          <a:spcPct val="100000"/>
+                        </a:lnSpc>
+                        <a:spcBef>
+                          <a:spcPct val="0"/>
+                        </a:spcBef>
+                        <a:spcAft>
+                          <a:spcPct val="0"/>
+                        </a:spcAft>
+                        <a:buClrTx/>
+                        <a:buSzTx/>
+                        <a:buFontTx/>
+                        <a:buNone/>
+                        <a:tabLst/>
+                      </a:pPr>
+                      <a:r>
+                        <a:rPr kumimoji="0" lang="es-PE" sz="1600" b="1" i="0" u="none" strike="noStrike" cap="none" normalizeH="0" baseline="0" smtClean="0">
+                          <a:ln>
+                            <a:noFill/>
+                          </a:ln>
+                          <a:solidFill>
+                            <a:schemeClr val="tx2"/>
+                          </a:solidFill>
+                          <a:effectLst/>
+                          <a:latin typeface="Calibri" pitchFamily="34" charset="0"/>
+                          <a:cs typeface="Times New Roman" pitchFamily="18" charset="0"/>
+                        </a:rPr>
+                        <a:t>TIPO DE ESCALA</a:t>
+                      </a:r>
+                      <a:endParaRPr kumimoji="0" lang="es-PE" sz="1600" b="0" i="0" u="none" strike="noStrike" cap="none" normalizeH="0" baseline="0" smtClean="0">
+                        <a:ln>
+                          <a:noFill/>
+                        </a:ln>
+                        <a:solidFill>
+                          <a:schemeClr val="tx2"/>
+                        </a:solidFill>
+                        <a:effectLst/>
+                        <a:latin typeface="Arial" charset="0"/>
+                      </a:endParaRPr>
+                    </a:p>
+                  </a:txBody>
+                  <a:tcPr horzOverflow="overflow">
+                    <a:lnL w="12700" cap="flat" cmpd="sng" algn="ctr">
+                      <a:solidFill>
+                        <a:srgbClr val="000000"/>
+                      </a:solidFill>
+                      <a:prstDash val="solid"/>
+                      <a:round/>
+                      <a:headEnd type="none" w="med" len="med"/>
+                      <a:tailEnd type="none" w="med" len="med"/>
+                    </a:lnL>
+                    <a:lnR w="12700" cap="flat" cmpd="sng" algn="ctr">
+                      <a:solidFill>
+                        <a:srgbClr val="000000"/>
+                      </a:solidFill>
+                      <a:prstDash val="solid"/>
+                      <a:round/>
+                      <a:headEnd type="none" w="med" len="med"/>
+                      <a:tailEnd type="none" w="med" len="med"/>
+                    </a:lnR>
+                    <a:lnT w="12700" cap="flat" cmpd="sng" algn="ctr">
+                      <a:solidFill>
+                        <a:srgbClr val="000000"/>
+                      </a:solidFill>
+                      <a:prstDash val="solid"/>
+                      <a:round/>
+                      <a:headEnd type="none" w="med" len="med"/>
+                      <a:tailEnd type="none" w="med" len="med"/>
+                    </a:lnT>
+                    <a:lnB w="12700" cap="flat" cmpd="sng" algn="ctr">
+                      <a:solidFill>
+                        <a:srgbClr val="000000"/>
+                      </a:solidFill>
+                      <a:prstDash val="solid"/>
+                      <a:round/>
+                      <a:headEnd type="none" w="med" len="med"/>
+                      <a:tailEnd type="none" w="med" len="med"/>
+                    </a:lnB>
+                    <a:lnTlToBr>
+                      <a:noFill/>
+                    </a:lnTlToBr>
+                    <a:lnBlToTr>
+                      <a:noFill/>
+                    </a:lnBlToTr>
+                    <a:noFill/>
+                  </a:tcPr>
+                </a:tc>
+                <a:tc>
+                  <a:txBody>
+                    <a:bodyPr/>
+                    <a:lstStyle/>
+                    <a:p>
+                      <a:pPr marL="0" marR="0" lvl="0" indent="0" algn="l" defTabSz="914400" rtl="0" eaLnBrk="1" fontAlgn="base" latinLnBrk="0" hangingPunct="1">
+                        <a:lnSpc>
+                          <a:spcPct val="100000"/>
+                        </a:lnSpc>
+                        <a:spcBef>
+                          <a:spcPct val="0"/>
+                        </a:spcBef>
+                        <a:spcAft>
+                          <a:spcPct val="0"/>
+                        </a:spcAft>
+                        <a:buClrTx/>
+                        <a:buSzTx/>
+                        <a:buFontTx/>
+                        <a:buNone/>
+                        <a:tabLst/>
+                      </a:pPr>
+                      <a:r>
+                        <a:rPr kumimoji="0" lang="es-PE" sz="1600" b="0" i="0" u="none" strike="noStrike" cap="none" normalizeH="0" baseline="0" smtClean="0">
+                          <a:ln>
+                            <a:noFill/>
+                          </a:ln>
+                          <a:solidFill>
+                            <a:schemeClr val="tx2"/>
+                          </a:solidFill>
+                          <a:effectLst/>
+                          <a:latin typeface="Calibri" pitchFamily="34" charset="0"/>
+                          <a:cs typeface="Times New Roman" pitchFamily="18" charset="0"/>
+                        </a:rPr>
+                        <a:t>Ratio</a:t>
+                      </a:r>
+                      <a:endParaRPr kumimoji="0" lang="es-PE" sz="1600" b="0" i="0" u="none" strike="noStrike" cap="none" normalizeH="0" baseline="0" smtClean="0">
+                        <a:ln>
+                          <a:noFill/>
+                        </a:ln>
+                        <a:solidFill>
+                          <a:schemeClr val="tx2"/>
+                        </a:solidFill>
+                        <a:effectLst/>
+                        <a:latin typeface="Arial" charset="0"/>
+                      </a:endParaRPr>
+                    </a:p>
+                  </a:txBody>
+                  <a:tcPr horzOverflow="overflow">
+                    <a:lnL w="12700" cap="flat" cmpd="sng" algn="ctr">
+                      <a:solidFill>
+                        <a:srgbClr val="000000"/>
+                      </a:solidFill>
+                      <a:prstDash val="solid"/>
+                      <a:round/>
+                      <a:headEnd type="none" w="med" len="med"/>
+                      <a:tailEnd type="none" w="med" len="med"/>
+                    </a:lnL>
+                    <a:lnR w="12700" cap="flat" cmpd="sng" algn="ctr">
+                      <a:solidFill>
+                        <a:srgbClr val="000000"/>
+                      </a:solidFill>
+                      <a:prstDash val="solid"/>
+                      <a:round/>
+                      <a:headEnd type="none" w="med" len="med"/>
+                      <a:tailEnd type="none" w="med" len="med"/>
+                    </a:lnR>
+                    <a:lnT w="12700" cap="flat" cmpd="sng" algn="ctr">
+                      <a:solidFill>
+                        <a:srgbClr val="000000"/>
+                      </a:solidFill>
+                      <a:prstDash val="solid"/>
+                      <a:round/>
+                      <a:headEnd type="none" w="med" len="med"/>
+                      <a:tailEnd type="none" w="med" len="med"/>
+                    </a:lnT>
+                    <a:lnB w="12700" cap="flat" cmpd="sng" algn="ctr">
+                      <a:solidFill>
+                        <a:srgbClr val="000000"/>
+                      </a:solidFill>
+                      <a:prstDash val="solid"/>
+                      <a:round/>
+                      <a:headEnd type="none" w="med" len="med"/>
+                      <a:tailEnd type="none" w="med" len="med"/>
+                    </a:lnB>
+                    <a:lnTlToBr>
+                      <a:noFill/>
+                    </a:lnTlToBr>
+                    <a:lnBlToTr>
+                      <a:noFill/>
+                    </a:lnBlToTr>
+                    <a:noFill/>
+                  </a:tcPr>
+                </a:tc>
+              </a:tr>
+              <a:tr h="260350">
+                <a:tc>
+                  <a:txBody>
+                    <a:bodyPr/>
+                    <a:lstStyle/>
+                    <a:p>
+                      <a:pPr marL="0" marR="0" lvl="0" indent="0" algn="l" defTabSz="914400" rtl="0" eaLnBrk="1" fontAlgn="base" latinLnBrk="0" hangingPunct="1">
+                        <a:lnSpc>
+                          <a:spcPct val="100000"/>
+                        </a:lnSpc>
+                        <a:spcBef>
+                          <a:spcPct val="0"/>
+                        </a:spcBef>
+                        <a:spcAft>
+                          <a:spcPct val="0"/>
+                        </a:spcAft>
+                        <a:buClrTx/>
+                        <a:buSzTx/>
+                        <a:buFontTx/>
+                        <a:buNone/>
+                        <a:tabLst/>
+                      </a:pPr>
+                      <a:r>
+                        <a:rPr kumimoji="0" lang="es-PE" sz="1600" b="1" i="0" u="none" strike="noStrike" cap="none" normalizeH="0" baseline="0" smtClean="0">
+                          <a:ln>
+                            <a:noFill/>
+                          </a:ln>
+                          <a:solidFill>
+                            <a:schemeClr val="tx2"/>
+                          </a:solidFill>
+                          <a:effectLst/>
+                          <a:latin typeface="Calibri" pitchFamily="34" charset="0"/>
+                          <a:cs typeface="Times New Roman" pitchFamily="18" charset="0"/>
+                        </a:rPr>
+                        <a:t>TIPO DE MEDIDA</a:t>
+                      </a:r>
+                      <a:endParaRPr kumimoji="0" lang="es-PE" sz="1600" b="0" i="0" u="none" strike="noStrike" cap="none" normalizeH="0" baseline="0" smtClean="0">
+                        <a:ln>
+                          <a:noFill/>
+                        </a:ln>
+                        <a:solidFill>
+                          <a:schemeClr val="tx2"/>
+                        </a:solidFill>
+                        <a:effectLst/>
+                        <a:latin typeface="Arial" charset="0"/>
+                      </a:endParaRPr>
+                    </a:p>
+                  </a:txBody>
+                  <a:tcPr horzOverflow="overflow">
+                    <a:lnL w="12700" cap="flat" cmpd="sng" algn="ctr">
+                      <a:solidFill>
+                        <a:srgbClr val="000000"/>
+                      </a:solidFill>
+                      <a:prstDash val="solid"/>
+                      <a:round/>
+                      <a:headEnd type="none" w="med" len="med"/>
+                      <a:tailEnd type="none" w="med" len="med"/>
+                    </a:lnL>
+                    <a:lnR w="12700" cap="flat" cmpd="sng" algn="ctr">
+                      <a:solidFill>
+                        <a:srgbClr val="000000"/>
+                      </a:solidFill>
+                      <a:prstDash val="solid"/>
+                      <a:round/>
+                      <a:headEnd type="none" w="med" len="med"/>
+                      <a:tailEnd type="none" w="med" len="med"/>
+                    </a:lnR>
+                    <a:lnT w="12700" cap="flat" cmpd="sng" algn="ctr">
+                      <a:solidFill>
+                        <a:srgbClr val="000000"/>
+                      </a:solidFill>
+                      <a:prstDash val="solid"/>
+                      <a:round/>
+                      <a:headEnd type="none" w="med" len="med"/>
+                      <a:tailEnd type="none" w="med" len="med"/>
+                    </a:lnT>
+                    <a:lnB w="12700" cap="flat" cmpd="sng" algn="ctr">
+                      <a:solidFill>
+                        <a:srgbClr val="000000"/>
+                      </a:solidFill>
+                      <a:prstDash val="solid"/>
+                      <a:round/>
+                      <a:headEnd type="none" w="med" len="med"/>
+                      <a:tailEnd type="none" w="med" len="med"/>
+                    </a:lnB>
+                    <a:lnTlToBr>
+                      <a:noFill/>
+                    </a:lnTlToBr>
+                    <a:lnBlToTr>
+                      <a:noFill/>
+                    </a:lnBlToTr>
+                    <a:noFill/>
+                  </a:tcPr>
+                </a:tc>
+                <a:tc>
+                  <a:txBody>
+                    <a:bodyPr/>
+                    <a:lstStyle/>
+                    <a:p>
+                      <a:pPr marL="0" marR="0" lvl="0" indent="0" algn="l" defTabSz="914400" rtl="0" eaLnBrk="1" fontAlgn="base" latinLnBrk="0" hangingPunct="1">
+                        <a:lnSpc>
+                          <a:spcPct val="100000"/>
+                        </a:lnSpc>
+                        <a:spcBef>
+                          <a:spcPct val="0"/>
+                        </a:spcBef>
+                        <a:spcAft>
+                          <a:spcPct val="0"/>
+                        </a:spcAft>
+                        <a:buClrTx/>
+                        <a:buSzTx/>
+                        <a:buFontTx/>
+                        <a:buNone/>
+                        <a:tabLst/>
+                      </a:pPr>
+                      <a:r>
+                        <a:rPr kumimoji="0" lang="es-PE" sz="1600" b="0" i="0" u="none" strike="noStrike" cap="none" normalizeH="0" baseline="0" smtClean="0">
+                          <a:ln>
+                            <a:noFill/>
+                          </a:ln>
+                          <a:solidFill>
+                            <a:schemeClr val="tx2"/>
+                          </a:solidFill>
+                          <a:effectLst/>
+                          <a:latin typeface="Calibri" pitchFamily="34" charset="0"/>
+                          <a:cs typeface="Times New Roman" pitchFamily="18" charset="0"/>
+                        </a:rPr>
+                        <a:t>T = Tiempo</a:t>
+                      </a:r>
+                      <a:endParaRPr kumimoji="0" lang="es-PE" sz="1600" b="0" i="0" u="none" strike="noStrike" cap="none" normalizeH="0" baseline="0" smtClean="0">
+                        <a:ln>
+                          <a:noFill/>
+                        </a:ln>
+                        <a:solidFill>
+                          <a:schemeClr val="tx2"/>
+                        </a:solidFill>
+                        <a:effectLst/>
+                        <a:latin typeface="Arial" charset="0"/>
+                      </a:endParaRPr>
+                    </a:p>
+                  </a:txBody>
+                  <a:tcPr horzOverflow="overflow">
+                    <a:lnL w="12700" cap="flat" cmpd="sng" algn="ctr">
+                      <a:solidFill>
+                        <a:srgbClr val="000000"/>
+                      </a:solidFill>
+                      <a:prstDash val="solid"/>
+                      <a:round/>
+                      <a:headEnd type="none" w="med" len="med"/>
+                      <a:tailEnd type="none" w="med" len="med"/>
+                    </a:lnL>
+                    <a:lnR w="12700" cap="flat" cmpd="sng" algn="ctr">
+                      <a:solidFill>
+                        <a:srgbClr val="000000"/>
+                      </a:solidFill>
+                      <a:prstDash val="solid"/>
+                      <a:round/>
+                      <a:headEnd type="none" w="med" len="med"/>
+                      <a:tailEnd type="none" w="med" len="med"/>
+                    </a:lnR>
+                    <a:lnT w="12700" cap="flat" cmpd="sng" algn="ctr">
+                      <a:solidFill>
+                        <a:srgbClr val="000000"/>
+                      </a:solidFill>
+                      <a:prstDash val="solid"/>
+                      <a:round/>
+                      <a:headEnd type="none" w="med" len="med"/>
+                      <a:tailEnd type="none" w="med" len="med"/>
+                    </a:lnT>
+                    <a:lnB w="12700" cap="flat" cmpd="sng" algn="ctr">
+                      <a:solidFill>
+                        <a:srgbClr val="000000"/>
+                      </a:solidFill>
+                      <a:prstDash val="solid"/>
+                      <a:round/>
+                      <a:headEnd type="none" w="med" len="med"/>
+                      <a:tailEnd type="none" w="med" len="med"/>
+                    </a:lnB>
+                    <a:lnTlToBr>
+                      <a:noFill/>
+                    </a:lnTlToBr>
+                    <a:lnBlToTr>
+                      <a:noFill/>
+                    </a:lnBlToTr>
+                    <a:noFill/>
+                  </a:tcPr>
+                </a:tc>
+              </a:tr>
+            </a:tbl>
+          </a:graphicData>
+        </a:graphic>
+      </p:graphicFrame>
+    </p:spTree>
+  </p:cSld>
+  <p:clrMapOvr>
+    <a:masterClrMapping/>
+  </p:clrMapOvr>
+  <p:timing>
+    <p:tnLst>
+      <p:par>
+        <p:cTn id="1" dur="indefinite" restart="never" nodeType="tmRoot"/>
+      </p:par>
+    </p:tnLst>
+  </p:timing>
+</p:sld>
+</file>
+
+<file path=ppt/slides/slide12.xml><?xml version="1.0" encoding="utf-8"?>
+<p:sld xmlns:a="http://schemas.openxmlformats.org/drawingml/2006/main" xmlns:r="http://schemas.openxmlformats.org/officeDocument/2006/relationships" xmlns:p="http://schemas.openxmlformats.org/presentationml/2006/main">
+  <p:cSld>
+    <p:spTree>
+      <p:nvGrpSpPr>
+        <p:cNvPr id="1" name=""/>
+        <p:cNvGrpSpPr/>
+        <p:nvPr/>
+      </p:nvGrpSpPr>
+      <p:grpSpPr>
+        <a:xfrm>
+          <a:off x="0" y="0"/>
+          <a:ext cx="0" cy="0"/>
+          <a:chOff x="0" y="0"/>
+          <a:chExt cx="0" cy="0"/>
+        </a:xfrm>
+      </p:grpSpPr>
+      <p:sp>
+        <p:nvSpPr>
+          <p:cNvPr id="25602" name="2 Título"/>
+          <p:cNvSpPr>
+            <a:spLocks noGrp="1"/>
+          </p:cNvSpPr>
+          <p:nvPr>
+            <p:ph type="title" idx="4294967295"/>
+          </p:nvPr>
+        </p:nvSpPr>
+        <p:spPr>
+          <a:xfrm>
+            <a:off x="395288" y="188913"/>
+            <a:ext cx="8229600" cy="1252537"/>
+          </a:xfrm>
+        </p:spPr>
+        <p:txBody>
+          <a:bodyPr/>
+          <a:lstStyle/>
+          <a:p>
+            <a:pPr eaLnBrk="1" hangingPunct="1"/>
+            <a:r>
+              <a:rPr lang="es-PE" sz="4000" b="1" smtClean="0">
+                <a:solidFill>
+                  <a:schemeClr val="tx2"/>
+                </a:solidFill>
+                <a:latin typeface="Candara" pitchFamily="34" charset="0"/>
+              </a:rPr>
+              <a:t>Métrica interna(2)</a:t>
+            </a:r>
+          </a:p>
+        </p:txBody>
+      </p:sp>
+      <p:sp>
+        <p:nvSpPr>
+          <p:cNvPr id="25631" name="Text Box 31"/>
+          <p:cNvSpPr txBox="1">
+            <a:spLocks noChangeArrowheads="1"/>
+          </p:cNvSpPr>
+          <p:nvPr/>
+        </p:nvSpPr>
+        <p:spPr bwMode="auto">
+          <a:xfrm>
+            <a:off x="2197100" y="1268413"/>
+            <a:ext cx="5111750" cy="304800"/>
+          </a:xfrm>
+          <a:prstGeom prst="rect">
+            <a:avLst/>
+          </a:prstGeom>
+          <a:noFill/>
+          <a:ln w="9525">
+            <a:noFill/>
+            <a:miter lim="800000"/>
+            <a:headEnd/>
+            <a:tailEnd/>
+          </a:ln>
+          <a:effectLst/>
+        </p:spPr>
+        <p:txBody>
+          <a:bodyPr>
+            <a:spAutoFit/>
+          </a:bodyPr>
+          <a:lstStyle/>
+          <a:p>
+            <a:pPr>
+              <a:spcBef>
+                <a:spcPct val="50000"/>
+              </a:spcBef>
+            </a:pPr>
+            <a:r>
+              <a:rPr lang="es-PE" sz="1400" b="1">
+                <a:solidFill>
+                  <a:schemeClr val="tx2"/>
+                </a:solidFill>
+              </a:rPr>
+              <a:t>SUB-ATRIBUTO: COMPORTAMIENTO EN EL TIEMPO</a:t>
+            </a:r>
+            <a:endParaRPr lang="es-ES" sz="1400" b="1">
+              <a:solidFill>
+                <a:schemeClr val="tx2"/>
+              </a:solidFill>
+            </a:endParaRPr>
+          </a:p>
+        </p:txBody>
+      </p:sp>
+      <p:graphicFrame>
+        <p:nvGraphicFramePr>
+          <p:cNvPr id="25704" name="Group 104"/>
+          <p:cNvGraphicFramePr>
+            <a:graphicFrameLocks noGrp="1"/>
+          </p:cNvGraphicFramePr>
+          <p:nvPr/>
+        </p:nvGraphicFramePr>
+        <p:xfrm>
+          <a:off x="1331913" y="1844675"/>
+          <a:ext cx="6985000" cy="3965575"/>
+        </p:xfrm>
+        <a:graphic>
+          <a:graphicData uri="http://schemas.openxmlformats.org/drawingml/2006/table">
+            <a:tbl>
+              <a:tblPr/>
+              <a:tblGrid>
+                <a:gridCol w="1568450"/>
+                <a:gridCol w="5416550"/>
+              </a:tblGrid>
+              <a:tr h="260350">
+                <a:tc gridSpan="2">
+                  <a:txBody>
+                    <a:bodyPr/>
+                    <a:lstStyle/>
+                    <a:p>
+                      <a:pPr marL="0" marR="0" lvl="0" indent="0" algn="l" defTabSz="914400" rtl="0" eaLnBrk="1" fontAlgn="base" latinLnBrk="0" hangingPunct="1">
+                        <a:lnSpc>
+                          <a:spcPct val="100000"/>
+                        </a:lnSpc>
+                        <a:spcBef>
+                          <a:spcPct val="0"/>
+                        </a:spcBef>
+                        <a:spcAft>
+                          <a:spcPct val="0"/>
+                        </a:spcAft>
+                        <a:buClrTx/>
+                        <a:buSzTx/>
+                        <a:buFontTx/>
+                        <a:buNone/>
+                        <a:tabLst/>
+                      </a:pPr>
+                      <a:r>
+                        <a:rPr kumimoji="0" lang="es-PE" sz="1600" b="1" i="0" u="none" strike="noStrike" cap="none" normalizeH="0" baseline="0" smtClean="0">
+                          <a:ln>
+                            <a:noFill/>
+                          </a:ln>
+                          <a:solidFill>
+                            <a:schemeClr val="tx2"/>
+                          </a:solidFill>
+                          <a:effectLst/>
+                          <a:latin typeface="Calibri" pitchFamily="34" charset="0"/>
+                          <a:cs typeface="Times New Roman" pitchFamily="18" charset="0"/>
+                        </a:rPr>
+                        <a:t>METRICA INTERNA DE EFICIENCIA</a:t>
+                      </a:r>
+                      <a:endParaRPr kumimoji="0" lang="es-PE" sz="1600" b="0" i="0" u="none" strike="noStrike" cap="none" normalizeH="0" baseline="0" smtClean="0">
+                        <a:ln>
+                          <a:noFill/>
+                        </a:ln>
+                        <a:solidFill>
+                          <a:schemeClr val="tx2"/>
+                        </a:solidFill>
+                        <a:effectLst/>
+                        <a:latin typeface="Arial" charset="0"/>
+                      </a:endParaRPr>
+                    </a:p>
+                  </a:txBody>
+                  <a:tcPr horzOverflow="overflow">
+                    <a:lnL w="12700" cap="flat" cmpd="sng" algn="ctr">
+                      <a:solidFill>
+                        <a:srgbClr val="000000"/>
+                      </a:solidFill>
+                      <a:prstDash val="solid"/>
+                      <a:round/>
+                      <a:headEnd type="none" w="med" len="med"/>
+                      <a:tailEnd type="none" w="med" len="med"/>
+                    </a:lnL>
+                    <a:lnR w="12700" cap="flat" cmpd="sng" algn="ctr">
+                      <a:solidFill>
+                        <a:srgbClr val="000000"/>
+                      </a:solidFill>
+                      <a:prstDash val="solid"/>
+                      <a:round/>
+                      <a:headEnd type="none" w="med" len="med"/>
+                      <a:tailEnd type="none" w="med" len="med"/>
+                    </a:lnR>
+                    <a:lnT w="12700" cap="flat" cmpd="sng" algn="ctr">
+                      <a:solidFill>
+                        <a:srgbClr val="000000"/>
+                      </a:solidFill>
+                      <a:prstDash val="solid"/>
+                      <a:round/>
+                      <a:headEnd type="none" w="med" len="med"/>
+                      <a:tailEnd type="none" w="med" len="med"/>
+                    </a:lnT>
+                    <a:lnB w="12700" cap="flat" cmpd="sng" algn="ctr">
+                      <a:solidFill>
+                        <a:srgbClr val="000000"/>
+                      </a:solidFill>
+                      <a:prstDash val="solid"/>
+                      <a:round/>
+                      <a:headEnd type="none" w="med" len="med"/>
+                      <a:tailEnd type="none" w="med" len="med"/>
+                    </a:lnB>
+                    <a:lnTlToBr>
+                      <a:noFill/>
+                    </a:lnTlToBr>
+                    <a:lnBlToTr>
+                      <a:noFill/>
+                    </a:lnBlToTr>
+                    <a:noFill/>
+                  </a:tcPr>
+                </a:tc>
+                <a:tc hMerge="1">
+                  <a:txBody>
+                    <a:bodyPr/>
+                    <a:lstStyle/>
+                    <a:p>
+                      <a:endParaRPr lang="es-ES"/>
+                    </a:p>
+                  </a:txBody>
+                  <a:tcPr/>
+                </a:tc>
+              </a:tr>
+              <a:tr h="260350">
+                <a:tc>
+                  <a:txBody>
+                    <a:bodyPr/>
+                    <a:lstStyle/>
+                    <a:p>
+                      <a:pPr marL="0" marR="0" lvl="0" indent="0" algn="l" defTabSz="914400" rtl="0" eaLnBrk="1" fontAlgn="base" latinLnBrk="0" hangingPunct="1">
+                        <a:lnSpc>
+                          <a:spcPct val="100000"/>
+                        </a:lnSpc>
+                        <a:spcBef>
+                          <a:spcPct val="0"/>
+                        </a:spcBef>
+                        <a:spcAft>
+                          <a:spcPct val="0"/>
+                        </a:spcAft>
+                        <a:buClrTx/>
+                        <a:buSzTx/>
+                        <a:buFontTx/>
+                        <a:buNone/>
+                        <a:tabLst/>
+                      </a:pPr>
+                      <a:r>
+                        <a:rPr kumimoji="0" lang="es-PE" sz="1600" b="1" i="0" u="none" strike="noStrike" cap="none" normalizeH="0" baseline="0" smtClean="0">
+                          <a:ln>
+                            <a:noFill/>
+                          </a:ln>
+                          <a:solidFill>
+                            <a:schemeClr val="tx2"/>
+                          </a:solidFill>
+                          <a:effectLst/>
+                          <a:latin typeface="Calibri" pitchFamily="34" charset="0"/>
+                          <a:cs typeface="Times New Roman" pitchFamily="18" charset="0"/>
+                        </a:rPr>
+                        <a:t>NOMBRE</a:t>
+                      </a:r>
+                      <a:endParaRPr kumimoji="0" lang="es-PE" sz="1600" b="0" i="0" u="none" strike="noStrike" cap="none" normalizeH="0" baseline="0" smtClean="0">
+                        <a:ln>
+                          <a:noFill/>
+                        </a:ln>
+                        <a:solidFill>
+                          <a:schemeClr val="tx2"/>
+                        </a:solidFill>
+                        <a:effectLst/>
+                        <a:latin typeface="Arial" charset="0"/>
+                      </a:endParaRPr>
+                    </a:p>
+                  </a:txBody>
+                  <a:tcPr horzOverflow="overflow">
+                    <a:lnL w="12700" cap="flat" cmpd="sng" algn="ctr">
+                      <a:solidFill>
+                        <a:srgbClr val="000000"/>
+                      </a:solidFill>
+                      <a:prstDash val="solid"/>
+                      <a:round/>
+                      <a:headEnd type="none" w="med" len="med"/>
+                      <a:tailEnd type="none" w="med" len="med"/>
+                    </a:lnL>
+                    <a:lnR w="12700" cap="flat" cmpd="sng" algn="ctr">
+                      <a:solidFill>
+                        <a:srgbClr val="000000"/>
+                      </a:solidFill>
+                      <a:prstDash val="solid"/>
+                      <a:round/>
+                      <a:headEnd type="none" w="med" len="med"/>
+                      <a:tailEnd type="none" w="med" len="med"/>
+                    </a:lnR>
+                    <a:lnT w="12700" cap="flat" cmpd="sng" algn="ctr">
+                      <a:solidFill>
+                        <a:srgbClr val="000000"/>
+                      </a:solidFill>
+                      <a:prstDash val="solid"/>
+                      <a:round/>
+                      <a:headEnd type="none" w="med" len="med"/>
+                      <a:tailEnd type="none" w="med" len="med"/>
+                    </a:lnT>
+                    <a:lnB w="12700" cap="flat" cmpd="sng" algn="ctr">
+                      <a:solidFill>
+                        <a:srgbClr val="000000"/>
+                      </a:solidFill>
+                      <a:prstDash val="solid"/>
+                      <a:round/>
+                      <a:headEnd type="none" w="med" len="med"/>
+                      <a:tailEnd type="none" w="med" len="med"/>
+                    </a:lnB>
+                    <a:lnTlToBr>
+                      <a:noFill/>
+                    </a:lnTlToBr>
+                    <a:lnBlToTr>
+                      <a:noFill/>
+                    </a:lnBlToTr>
+                    <a:noFill/>
+                  </a:tcPr>
+                </a:tc>
+                <a:tc>
+                  <a:txBody>
+                    <a:bodyPr/>
+                    <a:lstStyle/>
+                    <a:p>
+                      <a:pPr marL="0" marR="0" lvl="0" indent="0" algn="l" defTabSz="914400" rtl="0" eaLnBrk="1" fontAlgn="base" latinLnBrk="0" hangingPunct="1">
+                        <a:lnSpc>
+                          <a:spcPct val="100000"/>
+                        </a:lnSpc>
+                        <a:spcBef>
+                          <a:spcPct val="0"/>
+                        </a:spcBef>
+                        <a:spcAft>
+                          <a:spcPct val="0"/>
+                        </a:spcAft>
+                        <a:buClrTx/>
+                        <a:buSzTx/>
+                        <a:buFontTx/>
+                        <a:buNone/>
+                        <a:tabLst/>
+                      </a:pPr>
+                      <a:r>
+                        <a:rPr kumimoji="0" lang="es-PE" sz="1600" b="0" i="0" u="none" strike="noStrike" cap="none" normalizeH="0" baseline="0" smtClean="0">
+                          <a:ln>
+                            <a:noFill/>
+                          </a:ln>
+                          <a:solidFill>
+                            <a:schemeClr val="tx2"/>
+                          </a:solidFill>
+                          <a:effectLst/>
+                          <a:latin typeface="Calibri" pitchFamily="34" charset="0"/>
+                          <a:cs typeface="Times New Roman" pitchFamily="18" charset="0"/>
+                        </a:rPr>
+                        <a:t>Tiempo de respuesta</a:t>
+                      </a:r>
+                      <a:endParaRPr kumimoji="0" lang="es-PE" sz="1600" b="0" i="0" u="none" strike="noStrike" cap="none" normalizeH="0" baseline="0" smtClean="0">
+                        <a:ln>
+                          <a:noFill/>
+                        </a:ln>
+                        <a:solidFill>
+                          <a:schemeClr val="tx2"/>
+                        </a:solidFill>
+                        <a:effectLst/>
+                        <a:latin typeface="Arial" charset="0"/>
+                      </a:endParaRPr>
+                    </a:p>
+                  </a:txBody>
+                  <a:tcPr horzOverflow="overflow">
+                    <a:lnL w="12700" cap="flat" cmpd="sng" algn="ctr">
+                      <a:solidFill>
+                        <a:srgbClr val="000000"/>
+                      </a:solidFill>
+                      <a:prstDash val="solid"/>
+                      <a:round/>
+                      <a:headEnd type="none" w="med" len="med"/>
+                      <a:tailEnd type="none" w="med" len="med"/>
+                    </a:lnL>
+                    <a:lnR w="12700" cap="flat" cmpd="sng" algn="ctr">
+                      <a:solidFill>
+                        <a:srgbClr val="000000"/>
+                      </a:solidFill>
+                      <a:prstDash val="solid"/>
+                      <a:round/>
+                      <a:headEnd type="none" w="med" len="med"/>
+                      <a:tailEnd type="none" w="med" len="med"/>
+                    </a:lnR>
+                    <a:lnT w="12700" cap="flat" cmpd="sng" algn="ctr">
+                      <a:solidFill>
+                        <a:srgbClr val="000000"/>
+                      </a:solidFill>
+                      <a:prstDash val="solid"/>
+                      <a:round/>
+                      <a:headEnd type="none" w="med" len="med"/>
+                      <a:tailEnd type="none" w="med" len="med"/>
+                    </a:lnT>
+                    <a:lnB w="12700" cap="flat" cmpd="sng" algn="ctr">
+                      <a:solidFill>
+                        <a:srgbClr val="000000"/>
+                      </a:solidFill>
+                      <a:prstDash val="solid"/>
+                      <a:round/>
+                      <a:headEnd type="none" w="med" len="med"/>
+                      <a:tailEnd type="none" w="med" len="med"/>
+                    </a:lnB>
+                    <a:lnTlToBr>
+                      <a:noFill/>
+                    </a:lnTlToBr>
+                    <a:lnBlToTr>
+                      <a:noFill/>
+                    </a:lnBlToTr>
+                    <a:noFill/>
+                  </a:tcPr>
+                </a:tc>
+              </a:tr>
+              <a:tr h="260350">
+                <a:tc>
+                  <a:txBody>
+                    <a:bodyPr/>
+                    <a:lstStyle/>
+                    <a:p>
+                      <a:pPr marL="0" marR="0" lvl="0" indent="0" algn="l" defTabSz="914400" rtl="0" eaLnBrk="1" fontAlgn="base" latinLnBrk="0" hangingPunct="1">
+                        <a:lnSpc>
+                          <a:spcPct val="100000"/>
+                        </a:lnSpc>
+                        <a:spcBef>
+                          <a:spcPct val="0"/>
+                        </a:spcBef>
+                        <a:spcAft>
+                          <a:spcPct val="0"/>
+                        </a:spcAft>
+                        <a:buClrTx/>
+                        <a:buSzTx/>
+                        <a:buFontTx/>
+                        <a:buNone/>
+                        <a:tabLst/>
+                      </a:pPr>
+                      <a:r>
+                        <a:rPr kumimoji="0" lang="es-PE" sz="1600" b="1" i="0" u="none" strike="noStrike" cap="none" normalizeH="0" baseline="0" smtClean="0">
+                          <a:ln>
+                            <a:noFill/>
+                          </a:ln>
+                          <a:solidFill>
+                            <a:schemeClr val="tx2"/>
+                          </a:solidFill>
+                          <a:effectLst/>
+                          <a:latin typeface="Calibri" pitchFamily="34" charset="0"/>
+                          <a:cs typeface="Times New Roman" pitchFamily="18" charset="0"/>
+                        </a:rPr>
+                        <a:t>PROPOSITO</a:t>
+                      </a:r>
+                      <a:endParaRPr kumimoji="0" lang="es-PE" sz="1600" b="0" i="0" u="none" strike="noStrike" cap="none" normalizeH="0" baseline="0" smtClean="0">
+                        <a:ln>
+                          <a:noFill/>
+                        </a:ln>
+                        <a:solidFill>
+                          <a:schemeClr val="tx2"/>
+                        </a:solidFill>
+                        <a:effectLst/>
+                        <a:latin typeface="Arial" charset="0"/>
+                      </a:endParaRPr>
+                    </a:p>
+                  </a:txBody>
+                  <a:tcPr horzOverflow="overflow">
+                    <a:lnL w="12700" cap="flat" cmpd="sng" algn="ctr">
+                      <a:solidFill>
+                        <a:srgbClr val="000000"/>
+                      </a:solidFill>
+                      <a:prstDash val="solid"/>
+                      <a:round/>
+                      <a:headEnd type="none" w="med" len="med"/>
+                      <a:tailEnd type="none" w="med" len="med"/>
+                    </a:lnL>
+                    <a:lnR w="12700" cap="flat" cmpd="sng" algn="ctr">
+                      <a:solidFill>
+                        <a:srgbClr val="000000"/>
+                      </a:solidFill>
+                      <a:prstDash val="solid"/>
+                      <a:round/>
+                      <a:headEnd type="none" w="med" len="med"/>
+                      <a:tailEnd type="none" w="med" len="med"/>
+                    </a:lnR>
+                    <a:lnT w="12700" cap="flat" cmpd="sng" algn="ctr">
+                      <a:solidFill>
+                        <a:srgbClr val="000000"/>
+                      </a:solidFill>
+                      <a:prstDash val="solid"/>
+                      <a:round/>
+                      <a:headEnd type="none" w="med" len="med"/>
+                      <a:tailEnd type="none" w="med" len="med"/>
+                    </a:lnT>
+                    <a:lnB w="12700" cap="flat" cmpd="sng" algn="ctr">
+                      <a:solidFill>
+                        <a:srgbClr val="000000"/>
+                      </a:solidFill>
+                      <a:prstDash val="solid"/>
+                      <a:round/>
+                      <a:headEnd type="none" w="med" len="med"/>
+                      <a:tailEnd type="none" w="med" len="med"/>
+                    </a:lnB>
+                    <a:lnTlToBr>
+                      <a:noFill/>
+                    </a:lnTlToBr>
+                    <a:lnBlToTr>
+                      <a:noFill/>
+                    </a:lnBlToTr>
+                    <a:noFill/>
+                  </a:tcPr>
+                </a:tc>
+                <a:tc>
+                  <a:txBody>
+                    <a:bodyPr/>
+                    <a:lstStyle/>
+                    <a:p>
+                      <a:pPr marL="0" marR="0" lvl="0" indent="0" algn="l" defTabSz="914400" rtl="0" eaLnBrk="1" fontAlgn="base" latinLnBrk="0" hangingPunct="1">
+                        <a:lnSpc>
+                          <a:spcPct val="100000"/>
+                        </a:lnSpc>
+                        <a:spcBef>
+                          <a:spcPct val="0"/>
+                        </a:spcBef>
+                        <a:spcAft>
+                          <a:spcPct val="0"/>
+                        </a:spcAft>
+                        <a:buClrTx/>
+                        <a:buSzTx/>
+                        <a:buFontTx/>
+                        <a:buNone/>
+                        <a:tabLst/>
+                      </a:pPr>
+                      <a:r>
+                        <a:rPr kumimoji="0" lang="es-PE" sz="1600" b="0" i="0" u="none" strike="noStrike" cap="none" normalizeH="0" baseline="0" smtClean="0">
+                          <a:ln>
+                            <a:noFill/>
+                          </a:ln>
+                          <a:solidFill>
+                            <a:schemeClr val="tx2"/>
+                          </a:solidFill>
+                          <a:effectLst/>
+                          <a:latin typeface="Arial"/>
+                          <a:cs typeface="Times New Roman" pitchFamily="18" charset="0"/>
+                        </a:rPr>
+                        <a:t>¿</a:t>
+                      </a:r>
+                      <a:r>
+                        <a:rPr kumimoji="0" lang="es-PE" sz="1600" b="0" i="0" u="none" strike="noStrike" cap="none" normalizeH="0" baseline="0" smtClean="0">
+                          <a:ln>
+                            <a:noFill/>
+                          </a:ln>
+                          <a:solidFill>
+                            <a:schemeClr val="tx2"/>
+                          </a:solidFill>
+                          <a:effectLst/>
+                          <a:latin typeface="Calibri" pitchFamily="34" charset="0"/>
+                          <a:cs typeface="Times New Roman" pitchFamily="18" charset="0"/>
+                        </a:rPr>
+                        <a:t>Se registran adecuadamente los cambios a la especificaci</a:t>
+                      </a:r>
+                      <a:r>
+                        <a:rPr kumimoji="0" lang="es-PE" sz="1600" b="0" i="0" u="none" strike="noStrike" cap="none" normalizeH="0" baseline="0" smtClean="0">
+                          <a:ln>
+                            <a:noFill/>
+                          </a:ln>
+                          <a:solidFill>
+                            <a:schemeClr val="tx2"/>
+                          </a:solidFill>
+                          <a:effectLst/>
+                          <a:latin typeface="Arial"/>
+                          <a:cs typeface="Times New Roman" pitchFamily="18" charset="0"/>
+                        </a:rPr>
+                        <a:t>ó</a:t>
+                      </a:r>
+                      <a:r>
+                        <a:rPr kumimoji="0" lang="es-PE" sz="1600" b="0" i="0" u="none" strike="noStrike" cap="none" normalizeH="0" baseline="0" smtClean="0">
+                          <a:ln>
+                            <a:noFill/>
+                          </a:ln>
+                          <a:solidFill>
+                            <a:schemeClr val="tx2"/>
+                          </a:solidFill>
+                          <a:effectLst/>
+                          <a:latin typeface="Calibri" pitchFamily="34" charset="0"/>
+                          <a:cs typeface="Times New Roman" pitchFamily="18" charset="0"/>
+                        </a:rPr>
+                        <a:t>n y a los m</a:t>
+                      </a:r>
+                      <a:r>
+                        <a:rPr kumimoji="0" lang="es-PE" sz="1600" b="0" i="0" u="none" strike="noStrike" cap="none" normalizeH="0" baseline="0" smtClean="0">
+                          <a:ln>
+                            <a:noFill/>
+                          </a:ln>
+                          <a:solidFill>
+                            <a:schemeClr val="tx2"/>
+                          </a:solidFill>
+                          <a:effectLst/>
+                          <a:latin typeface="Arial"/>
+                          <a:cs typeface="Times New Roman" pitchFamily="18" charset="0"/>
+                        </a:rPr>
+                        <a:t>ó</a:t>
+                      </a:r>
+                      <a:r>
+                        <a:rPr kumimoji="0" lang="es-PE" sz="1600" b="0" i="0" u="none" strike="noStrike" cap="none" normalizeH="0" baseline="0" smtClean="0">
+                          <a:ln>
+                            <a:noFill/>
+                          </a:ln>
+                          <a:solidFill>
+                            <a:schemeClr val="tx2"/>
+                          </a:solidFill>
+                          <a:effectLst/>
+                          <a:latin typeface="Calibri" pitchFamily="34" charset="0"/>
+                          <a:cs typeface="Times New Roman" pitchFamily="18" charset="0"/>
+                        </a:rPr>
+                        <a:t>dulos con comentarios en el c</a:t>
+                      </a:r>
+                      <a:r>
+                        <a:rPr kumimoji="0" lang="es-PE" sz="1600" b="0" i="0" u="none" strike="noStrike" cap="none" normalizeH="0" baseline="0" smtClean="0">
+                          <a:ln>
+                            <a:noFill/>
+                          </a:ln>
+                          <a:solidFill>
+                            <a:schemeClr val="tx2"/>
+                          </a:solidFill>
+                          <a:effectLst/>
+                          <a:latin typeface="Arial"/>
+                          <a:cs typeface="Times New Roman" pitchFamily="18" charset="0"/>
+                        </a:rPr>
+                        <a:t>ó</a:t>
+                      </a:r>
+                      <a:r>
+                        <a:rPr kumimoji="0" lang="es-PE" sz="1600" b="0" i="0" u="none" strike="noStrike" cap="none" normalizeH="0" baseline="0" smtClean="0">
+                          <a:ln>
+                            <a:noFill/>
+                          </a:ln>
+                          <a:solidFill>
+                            <a:schemeClr val="tx2"/>
+                          </a:solidFill>
+                          <a:effectLst/>
+                          <a:latin typeface="Calibri" pitchFamily="34" charset="0"/>
+                          <a:cs typeface="Times New Roman" pitchFamily="18" charset="0"/>
+                        </a:rPr>
+                        <a:t>digo?</a:t>
+                      </a:r>
+                      <a:endParaRPr kumimoji="0" lang="es-PE" sz="1600" b="0" i="0" u="none" strike="noStrike" cap="none" normalizeH="0" baseline="0" smtClean="0">
+                        <a:ln>
+                          <a:noFill/>
+                        </a:ln>
+                        <a:solidFill>
+                          <a:schemeClr val="tx2"/>
+                        </a:solidFill>
+                        <a:effectLst/>
+                        <a:latin typeface="Arial" charset="0"/>
+                      </a:endParaRPr>
+                    </a:p>
+                  </a:txBody>
+                  <a:tcPr horzOverflow="overflow">
+                    <a:lnL w="12700" cap="flat" cmpd="sng" algn="ctr">
+                      <a:solidFill>
+                        <a:srgbClr val="000000"/>
+                      </a:solidFill>
+                      <a:prstDash val="solid"/>
+                      <a:round/>
+                      <a:headEnd type="none" w="med" len="med"/>
+                      <a:tailEnd type="none" w="med" len="med"/>
+                    </a:lnL>
+                    <a:lnR w="12700" cap="flat" cmpd="sng" algn="ctr">
+                      <a:solidFill>
+                        <a:srgbClr val="000000"/>
+                      </a:solidFill>
+                      <a:prstDash val="solid"/>
+                      <a:round/>
+                      <a:headEnd type="none" w="med" len="med"/>
+                      <a:tailEnd type="none" w="med" len="med"/>
+                    </a:lnR>
+                    <a:lnT w="12700" cap="flat" cmpd="sng" algn="ctr">
+                      <a:solidFill>
+                        <a:srgbClr val="000000"/>
+                      </a:solidFill>
+                      <a:prstDash val="solid"/>
+                      <a:round/>
+                      <a:headEnd type="none" w="med" len="med"/>
+                      <a:tailEnd type="none" w="med" len="med"/>
+                    </a:lnT>
+                    <a:lnB w="12700" cap="flat" cmpd="sng" algn="ctr">
+                      <a:solidFill>
+                        <a:srgbClr val="000000"/>
+                      </a:solidFill>
+                      <a:prstDash val="solid"/>
+                      <a:round/>
+                      <a:headEnd type="none" w="med" len="med"/>
+                      <a:tailEnd type="none" w="med" len="med"/>
+                    </a:lnB>
+                    <a:lnTlToBr>
+                      <a:noFill/>
+                    </a:lnTlToBr>
+                    <a:lnBlToTr>
+                      <a:noFill/>
+                    </a:lnBlToTr>
+                    <a:noFill/>
+                  </a:tcPr>
+                </a:tc>
+              </a:tr>
+              <a:tr h="260350">
+                <a:tc>
+                  <a:txBody>
+                    <a:bodyPr/>
+                    <a:lstStyle/>
+                    <a:p>
+                      <a:pPr marL="0" marR="0" lvl="0" indent="0" algn="l" defTabSz="914400" rtl="0" eaLnBrk="1" fontAlgn="base" latinLnBrk="0" hangingPunct="1">
+                        <a:lnSpc>
+                          <a:spcPct val="100000"/>
+                        </a:lnSpc>
+                        <a:spcBef>
+                          <a:spcPct val="0"/>
+                        </a:spcBef>
+                        <a:spcAft>
+                          <a:spcPct val="0"/>
+                        </a:spcAft>
+                        <a:buClrTx/>
+                        <a:buSzTx/>
+                        <a:buFontTx/>
+                        <a:buNone/>
+                        <a:tabLst/>
+                      </a:pPr>
+                      <a:r>
+                        <a:rPr kumimoji="0" lang="es-PE" sz="1600" b="1" i="0" u="none" strike="noStrike" cap="none" normalizeH="0" baseline="0" smtClean="0">
+                          <a:ln>
+                            <a:noFill/>
+                          </a:ln>
+                          <a:solidFill>
+                            <a:schemeClr val="tx2"/>
+                          </a:solidFill>
+                          <a:effectLst/>
+                          <a:latin typeface="Calibri" pitchFamily="34" charset="0"/>
+                          <a:cs typeface="Times New Roman" pitchFamily="18" charset="0"/>
+                        </a:rPr>
+                        <a:t>METODO APLICACI</a:t>
+                      </a:r>
+                      <a:r>
+                        <a:rPr kumimoji="0" lang="es-PE" sz="1600" b="1" i="0" u="none" strike="noStrike" cap="none" normalizeH="0" baseline="0" smtClean="0">
+                          <a:ln>
+                            <a:noFill/>
+                          </a:ln>
+                          <a:solidFill>
+                            <a:schemeClr val="tx2"/>
+                          </a:solidFill>
+                          <a:effectLst/>
+                          <a:latin typeface="Arial"/>
+                          <a:cs typeface="Times New Roman" pitchFamily="18" charset="0"/>
+                        </a:rPr>
+                        <a:t>Ó</a:t>
+                      </a:r>
+                      <a:r>
+                        <a:rPr kumimoji="0" lang="es-PE" sz="1600" b="1" i="0" u="none" strike="noStrike" cap="none" normalizeH="0" baseline="0" smtClean="0">
+                          <a:ln>
+                            <a:noFill/>
+                          </a:ln>
+                          <a:solidFill>
+                            <a:schemeClr val="tx2"/>
+                          </a:solidFill>
+                          <a:effectLst/>
+                          <a:latin typeface="Calibri" pitchFamily="34" charset="0"/>
+                          <a:cs typeface="Times New Roman" pitchFamily="18" charset="0"/>
+                        </a:rPr>
+                        <a:t>N</a:t>
+                      </a:r>
+                      <a:endParaRPr kumimoji="0" lang="es-PE" sz="1600" b="0" i="0" u="none" strike="noStrike" cap="none" normalizeH="0" baseline="0" smtClean="0">
+                        <a:ln>
+                          <a:noFill/>
+                        </a:ln>
+                        <a:solidFill>
+                          <a:schemeClr val="tx2"/>
+                        </a:solidFill>
+                        <a:effectLst/>
+                        <a:latin typeface="Arial" charset="0"/>
+                      </a:endParaRPr>
+                    </a:p>
+                  </a:txBody>
+                  <a:tcPr horzOverflow="overflow">
+                    <a:lnL w="12700" cap="flat" cmpd="sng" algn="ctr">
+                      <a:solidFill>
+                        <a:srgbClr val="000000"/>
+                      </a:solidFill>
+                      <a:prstDash val="solid"/>
+                      <a:round/>
+                      <a:headEnd type="none" w="med" len="med"/>
+                      <a:tailEnd type="none" w="med" len="med"/>
+                    </a:lnL>
+                    <a:lnR w="12700" cap="flat" cmpd="sng" algn="ctr">
+                      <a:solidFill>
+                        <a:srgbClr val="000000"/>
+                      </a:solidFill>
+                      <a:prstDash val="solid"/>
+                      <a:round/>
+                      <a:headEnd type="none" w="med" len="med"/>
+                      <a:tailEnd type="none" w="med" len="med"/>
+                    </a:lnR>
+                    <a:lnT w="12700" cap="flat" cmpd="sng" algn="ctr">
+                      <a:solidFill>
+                        <a:srgbClr val="000000"/>
+                      </a:solidFill>
+                      <a:prstDash val="solid"/>
+                      <a:round/>
+                      <a:headEnd type="none" w="med" len="med"/>
+                      <a:tailEnd type="none" w="med" len="med"/>
+                    </a:lnT>
+                    <a:lnB w="12700" cap="flat" cmpd="sng" algn="ctr">
+                      <a:solidFill>
+                        <a:srgbClr val="000000"/>
+                      </a:solidFill>
+                      <a:prstDash val="solid"/>
+                      <a:round/>
+                      <a:headEnd type="none" w="med" len="med"/>
+                      <a:tailEnd type="none" w="med" len="med"/>
+                    </a:lnB>
+                    <a:lnTlToBr>
+                      <a:noFill/>
+                    </a:lnTlToBr>
+                    <a:lnBlToTr>
+                      <a:noFill/>
+                    </a:lnBlToTr>
+                    <a:noFill/>
+                  </a:tcPr>
+                </a:tc>
+                <a:tc>
+                  <a:txBody>
+                    <a:bodyPr/>
+                    <a:lstStyle/>
+                    <a:p>
+                      <a:pPr marL="0" marR="0" lvl="0" indent="0" algn="l" defTabSz="914400" rtl="0" eaLnBrk="1" fontAlgn="base" latinLnBrk="0" hangingPunct="1">
+                        <a:lnSpc>
+                          <a:spcPct val="100000"/>
+                        </a:lnSpc>
+                        <a:spcBef>
+                          <a:spcPct val="0"/>
+                        </a:spcBef>
+                        <a:spcAft>
+                          <a:spcPct val="0"/>
+                        </a:spcAft>
+                        <a:buClrTx/>
+                        <a:buSzTx/>
+                        <a:buFontTx/>
+                        <a:buNone/>
+                        <a:tabLst/>
+                      </a:pPr>
+                      <a:r>
+                        <a:rPr kumimoji="0" lang="es-PE" sz="1600" b="0" i="0" u="none" strike="noStrike" cap="none" normalizeH="0" baseline="0" smtClean="0">
+                          <a:ln>
+                            <a:noFill/>
+                          </a:ln>
+                          <a:solidFill>
+                            <a:schemeClr val="tx2"/>
+                          </a:solidFill>
+                          <a:effectLst/>
+                          <a:latin typeface="Calibri" pitchFamily="34" charset="0"/>
+                          <a:cs typeface="Times New Roman" pitchFamily="18" charset="0"/>
+                        </a:rPr>
+                        <a:t>Registrar la proporci</a:t>
+                      </a:r>
+                      <a:r>
+                        <a:rPr kumimoji="0" lang="es-PE" sz="1600" b="0" i="0" u="none" strike="noStrike" cap="none" normalizeH="0" baseline="0" smtClean="0">
+                          <a:ln>
+                            <a:noFill/>
+                          </a:ln>
+                          <a:solidFill>
+                            <a:schemeClr val="tx2"/>
+                          </a:solidFill>
+                          <a:effectLst/>
+                          <a:latin typeface="Arial"/>
+                          <a:cs typeface="Times New Roman" pitchFamily="18" charset="0"/>
+                        </a:rPr>
+                        <a:t>ó</a:t>
+                      </a:r>
+                      <a:r>
+                        <a:rPr kumimoji="0" lang="es-PE" sz="1600" b="0" i="0" u="none" strike="noStrike" cap="none" normalizeH="0" baseline="0" smtClean="0">
+                          <a:ln>
+                            <a:noFill/>
+                          </a:ln>
+                          <a:solidFill>
+                            <a:schemeClr val="tx2"/>
+                          </a:solidFill>
+                          <a:effectLst/>
+                          <a:latin typeface="Calibri" pitchFamily="34" charset="0"/>
+                          <a:cs typeface="Times New Roman" pitchFamily="18" charset="0"/>
+                        </a:rPr>
+                        <a:t>n de informaci</a:t>
+                      </a:r>
+                      <a:r>
+                        <a:rPr kumimoji="0" lang="es-PE" sz="1600" b="0" i="0" u="none" strike="noStrike" cap="none" normalizeH="0" baseline="0" smtClean="0">
+                          <a:ln>
+                            <a:noFill/>
+                          </a:ln>
+                          <a:solidFill>
+                            <a:schemeClr val="tx2"/>
+                          </a:solidFill>
+                          <a:effectLst/>
+                          <a:latin typeface="Arial"/>
+                          <a:cs typeface="Times New Roman" pitchFamily="18" charset="0"/>
+                        </a:rPr>
+                        <a:t>ó</a:t>
+                      </a:r>
+                      <a:r>
+                        <a:rPr kumimoji="0" lang="es-PE" sz="1600" b="0" i="0" u="none" strike="noStrike" cap="none" normalizeH="0" baseline="0" smtClean="0">
+                          <a:ln>
+                            <a:noFill/>
+                          </a:ln>
+                          <a:solidFill>
+                            <a:schemeClr val="tx2"/>
+                          </a:solidFill>
+                          <a:effectLst/>
+                          <a:latin typeface="Calibri" pitchFamily="34" charset="0"/>
+                          <a:cs typeface="Times New Roman" pitchFamily="18" charset="0"/>
+                        </a:rPr>
+                        <a:t>n sobre cambios a los m</a:t>
+                      </a:r>
+                      <a:r>
+                        <a:rPr kumimoji="0" lang="es-PE" sz="1600" b="0" i="0" u="none" strike="noStrike" cap="none" normalizeH="0" baseline="0" smtClean="0">
+                          <a:ln>
+                            <a:noFill/>
+                          </a:ln>
+                          <a:solidFill>
+                            <a:schemeClr val="tx2"/>
+                          </a:solidFill>
+                          <a:effectLst/>
+                          <a:latin typeface="Arial"/>
+                          <a:cs typeface="Times New Roman" pitchFamily="18" charset="0"/>
+                        </a:rPr>
+                        <a:t>ó</a:t>
+                      </a:r>
+                      <a:r>
+                        <a:rPr kumimoji="0" lang="es-PE" sz="1600" b="0" i="0" u="none" strike="noStrike" cap="none" normalizeH="0" baseline="0" smtClean="0">
+                          <a:ln>
+                            <a:noFill/>
+                          </a:ln>
+                          <a:solidFill>
+                            <a:schemeClr val="tx2"/>
+                          </a:solidFill>
+                          <a:effectLst/>
+                          <a:latin typeface="Calibri" pitchFamily="34" charset="0"/>
+                          <a:cs typeface="Times New Roman" pitchFamily="18" charset="0"/>
+                        </a:rPr>
+                        <a:t>dulos</a:t>
+                      </a:r>
+                      <a:endParaRPr kumimoji="0" lang="es-PE" sz="1600" b="0" i="0" u="none" strike="noStrike" cap="none" normalizeH="0" baseline="0" smtClean="0">
+                        <a:ln>
+                          <a:noFill/>
+                        </a:ln>
+                        <a:solidFill>
+                          <a:schemeClr val="tx2"/>
+                        </a:solidFill>
+                        <a:effectLst/>
+                        <a:latin typeface="Arial" charset="0"/>
+                      </a:endParaRPr>
+                    </a:p>
+                  </a:txBody>
+                  <a:tcPr horzOverflow="overflow">
+                    <a:lnL w="12700" cap="flat" cmpd="sng" algn="ctr">
+                      <a:solidFill>
+                        <a:srgbClr val="000000"/>
+                      </a:solidFill>
+                      <a:prstDash val="solid"/>
+                      <a:round/>
+                      <a:headEnd type="none" w="med" len="med"/>
+                      <a:tailEnd type="none" w="med" len="med"/>
+                    </a:lnL>
+                    <a:lnR w="12700" cap="flat" cmpd="sng" algn="ctr">
+                      <a:solidFill>
+                        <a:srgbClr val="000000"/>
+                      </a:solidFill>
+                      <a:prstDash val="solid"/>
+                      <a:round/>
+                      <a:headEnd type="none" w="med" len="med"/>
+                      <a:tailEnd type="none" w="med" len="med"/>
+                    </a:lnR>
+                    <a:lnT w="12700" cap="flat" cmpd="sng" algn="ctr">
+                      <a:solidFill>
+                        <a:srgbClr val="000000"/>
+                      </a:solidFill>
+                      <a:prstDash val="solid"/>
+                      <a:round/>
+                      <a:headEnd type="none" w="med" len="med"/>
+                      <a:tailEnd type="none" w="med" len="med"/>
+                    </a:lnT>
+                    <a:lnB w="12700" cap="flat" cmpd="sng" algn="ctr">
+                      <a:solidFill>
+                        <a:srgbClr val="000000"/>
+                      </a:solidFill>
+                      <a:prstDash val="solid"/>
+                      <a:round/>
+                      <a:headEnd type="none" w="med" len="med"/>
+                      <a:tailEnd type="none" w="med" len="med"/>
+                    </a:lnB>
+                    <a:lnTlToBr>
+                      <a:noFill/>
+                    </a:lnTlToBr>
+                    <a:lnBlToTr>
+                      <a:noFill/>
+                    </a:lnBlToTr>
+                    <a:noFill/>
+                  </a:tcPr>
+                </a:tc>
+              </a:tr>
+              <a:tr h="596900">
+                <a:tc>
+                  <a:txBody>
+                    <a:bodyPr/>
+                    <a:lstStyle/>
+                    <a:p>
+                      <a:pPr marL="0" marR="0" lvl="0" indent="0" algn="l" defTabSz="914400" rtl="0" eaLnBrk="1" fontAlgn="base" latinLnBrk="0" hangingPunct="1">
+                        <a:lnSpc>
+                          <a:spcPct val="100000"/>
+                        </a:lnSpc>
+                        <a:spcBef>
+                          <a:spcPct val="0"/>
+                        </a:spcBef>
+                        <a:spcAft>
+                          <a:spcPct val="0"/>
+                        </a:spcAft>
+                        <a:buClrTx/>
+                        <a:buSzTx/>
+                        <a:buFontTx/>
+                        <a:buNone/>
+                        <a:tabLst/>
+                      </a:pPr>
+                      <a:r>
+                        <a:rPr kumimoji="0" lang="es-PE" sz="1600" b="1" i="0" u="none" strike="noStrike" cap="none" normalizeH="0" baseline="0" smtClean="0">
+                          <a:ln>
+                            <a:noFill/>
+                          </a:ln>
+                          <a:solidFill>
+                            <a:schemeClr val="tx2"/>
+                          </a:solidFill>
+                          <a:effectLst/>
+                          <a:latin typeface="Calibri" pitchFamily="34" charset="0"/>
+                          <a:cs typeface="Times New Roman" pitchFamily="18" charset="0"/>
+                        </a:rPr>
+                        <a:t>FORMULA</a:t>
+                      </a:r>
+                      <a:endParaRPr kumimoji="0" lang="es-PE" sz="1600" b="0" i="0" u="none" strike="noStrike" cap="none" normalizeH="0" baseline="0" smtClean="0">
+                        <a:ln>
+                          <a:noFill/>
+                        </a:ln>
+                        <a:solidFill>
+                          <a:schemeClr val="tx2"/>
+                        </a:solidFill>
+                        <a:effectLst/>
+                        <a:latin typeface="Arial" charset="0"/>
+                      </a:endParaRPr>
+                    </a:p>
+                  </a:txBody>
+                  <a:tcPr horzOverflow="overflow">
+                    <a:lnL w="12700" cap="flat" cmpd="sng" algn="ctr">
+                      <a:solidFill>
+                        <a:srgbClr val="000000"/>
+                      </a:solidFill>
+                      <a:prstDash val="solid"/>
+                      <a:round/>
+                      <a:headEnd type="none" w="med" len="med"/>
+                      <a:tailEnd type="none" w="med" len="med"/>
+                    </a:lnL>
+                    <a:lnR w="12700" cap="flat" cmpd="sng" algn="ctr">
+                      <a:solidFill>
+                        <a:srgbClr val="000000"/>
+                      </a:solidFill>
+                      <a:prstDash val="solid"/>
+                      <a:round/>
+                      <a:headEnd type="none" w="med" len="med"/>
+                      <a:tailEnd type="none" w="med" len="med"/>
+                    </a:lnR>
+                    <a:lnT w="12700" cap="flat" cmpd="sng" algn="ctr">
+                      <a:solidFill>
+                        <a:srgbClr val="000000"/>
+                      </a:solidFill>
+                      <a:prstDash val="solid"/>
+                      <a:round/>
+                      <a:headEnd type="none" w="med" len="med"/>
+                      <a:tailEnd type="none" w="med" len="med"/>
+                    </a:lnT>
+                    <a:lnB w="12700" cap="flat" cmpd="sng" algn="ctr">
+                      <a:solidFill>
+                        <a:srgbClr val="000000"/>
+                      </a:solidFill>
+                      <a:prstDash val="solid"/>
+                      <a:round/>
+                      <a:headEnd type="none" w="med" len="med"/>
+                      <a:tailEnd type="none" w="med" len="med"/>
+                    </a:lnB>
+                    <a:lnTlToBr>
+                      <a:noFill/>
+                    </a:lnTlToBr>
+                    <a:lnBlToTr>
+                      <a:noFill/>
+                    </a:lnBlToTr>
+                    <a:noFill/>
+                  </a:tcPr>
+                </a:tc>
+                <a:tc>
+                  <a:txBody>
+                    <a:bodyPr/>
+                    <a:lstStyle/>
+                    <a:p>
+                      <a:pPr marL="0" marR="0" lvl="0" indent="0" algn="l" defTabSz="914400" rtl="0" eaLnBrk="1" fontAlgn="base" latinLnBrk="0" hangingPunct="1">
+                        <a:lnSpc>
+                          <a:spcPct val="100000"/>
+                        </a:lnSpc>
+                        <a:spcBef>
+                          <a:spcPct val="0"/>
+                        </a:spcBef>
+                        <a:spcAft>
+                          <a:spcPct val="0"/>
+                        </a:spcAft>
+                        <a:buClrTx/>
+                        <a:buSzTx/>
+                        <a:buFontTx/>
+                        <a:buNone/>
+                        <a:tabLst/>
+                      </a:pPr>
+                      <a:r>
+                        <a:rPr kumimoji="0" lang="es-PE" sz="1600" b="0" i="0" u="none" strike="noStrike" cap="none" normalizeH="0" baseline="0" smtClean="0">
+                          <a:ln>
+                            <a:noFill/>
+                          </a:ln>
+                          <a:solidFill>
+                            <a:schemeClr val="tx2"/>
+                          </a:solidFill>
+                          <a:effectLst/>
+                          <a:latin typeface="Calibri" pitchFamily="34" charset="0"/>
+                          <a:cs typeface="Times New Roman" pitchFamily="18" charset="0"/>
+                        </a:rPr>
+                        <a:t>X = A / B</a:t>
+                      </a:r>
+                      <a:br>
+                        <a:rPr kumimoji="0" lang="es-PE" sz="1600" b="0" i="0" u="none" strike="noStrike" cap="none" normalizeH="0" baseline="0" smtClean="0">
+                          <a:ln>
+                            <a:noFill/>
+                          </a:ln>
+                          <a:solidFill>
+                            <a:schemeClr val="tx2"/>
+                          </a:solidFill>
+                          <a:effectLst/>
+                          <a:latin typeface="Calibri" pitchFamily="34" charset="0"/>
+                          <a:cs typeface="Times New Roman" pitchFamily="18" charset="0"/>
+                        </a:rPr>
+                      </a:br>
+                      <a:r>
+                        <a:rPr kumimoji="0" lang="es-PE" sz="1600" b="0" i="0" u="none" strike="noStrike" cap="none" normalizeH="0" baseline="0" smtClean="0">
+                          <a:ln>
+                            <a:noFill/>
+                          </a:ln>
+                          <a:solidFill>
+                            <a:schemeClr val="tx2"/>
+                          </a:solidFill>
+                          <a:effectLst/>
+                          <a:latin typeface="Calibri" pitchFamily="34" charset="0"/>
+                          <a:cs typeface="Times New Roman" pitchFamily="18" charset="0"/>
+                        </a:rPr>
+                        <a:t>A = N</a:t>
+                      </a:r>
+                      <a:r>
+                        <a:rPr kumimoji="0" lang="es-PE" sz="1600" b="0" i="0" u="none" strike="noStrike" cap="none" normalizeH="0" baseline="0" smtClean="0">
+                          <a:ln>
+                            <a:noFill/>
+                          </a:ln>
+                          <a:solidFill>
+                            <a:schemeClr val="tx2"/>
+                          </a:solidFill>
+                          <a:effectLst/>
+                          <a:latin typeface="Arial"/>
+                          <a:cs typeface="Times New Roman" pitchFamily="18" charset="0"/>
+                        </a:rPr>
+                        <a:t>ú</a:t>
+                      </a:r>
+                      <a:r>
+                        <a:rPr kumimoji="0" lang="es-PE" sz="1600" b="0" i="0" u="none" strike="noStrike" cap="none" normalizeH="0" baseline="0" smtClean="0">
+                          <a:ln>
+                            <a:noFill/>
+                          </a:ln>
+                          <a:solidFill>
+                            <a:schemeClr val="tx2"/>
+                          </a:solidFill>
+                          <a:effectLst/>
+                          <a:latin typeface="Calibri" pitchFamily="34" charset="0"/>
+                          <a:cs typeface="Times New Roman" pitchFamily="18" charset="0"/>
+                        </a:rPr>
+                        <a:t>mero de cambios a funciones o m</a:t>
+                      </a:r>
+                      <a:r>
+                        <a:rPr kumimoji="0" lang="es-PE" sz="1600" b="0" i="0" u="none" strike="noStrike" cap="none" normalizeH="0" baseline="0" smtClean="0">
+                          <a:ln>
+                            <a:noFill/>
+                          </a:ln>
+                          <a:solidFill>
+                            <a:schemeClr val="tx2"/>
+                          </a:solidFill>
+                          <a:effectLst/>
+                          <a:latin typeface="Arial"/>
+                          <a:cs typeface="Times New Roman" pitchFamily="18" charset="0"/>
+                        </a:rPr>
+                        <a:t>ó</a:t>
+                      </a:r>
+                      <a:r>
+                        <a:rPr kumimoji="0" lang="es-PE" sz="1600" b="0" i="0" u="none" strike="noStrike" cap="none" normalizeH="0" baseline="0" smtClean="0">
+                          <a:ln>
+                            <a:noFill/>
+                          </a:ln>
+                          <a:solidFill>
+                            <a:schemeClr val="tx2"/>
+                          </a:solidFill>
+                          <a:effectLst/>
+                          <a:latin typeface="Calibri" pitchFamily="34" charset="0"/>
+                          <a:cs typeface="Times New Roman" pitchFamily="18" charset="0"/>
+                        </a:rPr>
+                        <a:t>dulos que tienen comentarios confirmados</a:t>
+                      </a:r>
+                      <a:br>
+                        <a:rPr kumimoji="0" lang="es-PE" sz="1600" b="0" i="0" u="none" strike="noStrike" cap="none" normalizeH="0" baseline="0" smtClean="0">
+                          <a:ln>
+                            <a:noFill/>
+                          </a:ln>
+                          <a:solidFill>
+                            <a:schemeClr val="tx2"/>
+                          </a:solidFill>
+                          <a:effectLst/>
+                          <a:latin typeface="Calibri" pitchFamily="34" charset="0"/>
+                          <a:cs typeface="Times New Roman" pitchFamily="18" charset="0"/>
+                        </a:rPr>
+                      </a:br>
+                      <a:r>
+                        <a:rPr kumimoji="0" lang="es-PE" sz="1600" b="0" i="0" u="none" strike="noStrike" cap="none" normalizeH="0" baseline="0" smtClean="0">
+                          <a:ln>
+                            <a:noFill/>
+                          </a:ln>
+                          <a:solidFill>
+                            <a:schemeClr val="tx2"/>
+                          </a:solidFill>
+                          <a:effectLst/>
+                          <a:latin typeface="Calibri" pitchFamily="34" charset="0"/>
+                          <a:cs typeface="Times New Roman" pitchFamily="18" charset="0"/>
+                        </a:rPr>
+                        <a:t>B = Total de funciones o m</a:t>
+                      </a:r>
+                      <a:r>
+                        <a:rPr kumimoji="0" lang="es-PE" sz="1600" b="0" i="0" u="none" strike="noStrike" cap="none" normalizeH="0" baseline="0" smtClean="0">
+                          <a:ln>
+                            <a:noFill/>
+                          </a:ln>
+                          <a:solidFill>
+                            <a:schemeClr val="tx2"/>
+                          </a:solidFill>
+                          <a:effectLst/>
+                          <a:latin typeface="Arial"/>
+                          <a:cs typeface="Times New Roman" pitchFamily="18" charset="0"/>
+                        </a:rPr>
+                        <a:t>ó</a:t>
+                      </a:r>
+                      <a:r>
+                        <a:rPr kumimoji="0" lang="es-PE" sz="1600" b="0" i="0" u="none" strike="noStrike" cap="none" normalizeH="0" baseline="0" smtClean="0">
+                          <a:ln>
+                            <a:noFill/>
+                          </a:ln>
+                          <a:solidFill>
+                            <a:schemeClr val="tx2"/>
+                          </a:solidFill>
+                          <a:effectLst/>
+                          <a:latin typeface="Calibri" pitchFamily="34" charset="0"/>
+                          <a:cs typeface="Times New Roman" pitchFamily="18" charset="0"/>
+                        </a:rPr>
+                        <a:t>dulos modificados</a:t>
+                      </a:r>
+                      <a:endParaRPr kumimoji="0" lang="es-PE" sz="1600" b="0" i="0" u="none" strike="noStrike" cap="none" normalizeH="0" baseline="0" smtClean="0">
+                        <a:ln>
+                          <a:noFill/>
+                        </a:ln>
+                        <a:solidFill>
+                          <a:schemeClr val="tx2"/>
+                        </a:solidFill>
+                        <a:effectLst/>
+                        <a:latin typeface="Arial" charset="0"/>
+                      </a:endParaRPr>
+                    </a:p>
+                  </a:txBody>
+                  <a:tcPr horzOverflow="overflow">
+                    <a:lnL w="12700" cap="flat" cmpd="sng" algn="ctr">
+                      <a:solidFill>
+                        <a:srgbClr val="000000"/>
+                      </a:solidFill>
+                      <a:prstDash val="solid"/>
+                      <a:round/>
+                      <a:headEnd type="none" w="med" len="med"/>
+                      <a:tailEnd type="none" w="med" len="med"/>
+                    </a:lnL>
+                    <a:lnR w="12700" cap="flat" cmpd="sng" algn="ctr">
+                      <a:solidFill>
+                        <a:srgbClr val="000000"/>
+                      </a:solidFill>
+                      <a:prstDash val="solid"/>
+                      <a:round/>
+                      <a:headEnd type="none" w="med" len="med"/>
+                      <a:tailEnd type="none" w="med" len="med"/>
+                    </a:lnR>
+                    <a:lnT w="12700" cap="flat" cmpd="sng" algn="ctr">
+                      <a:solidFill>
+                        <a:srgbClr val="000000"/>
+                      </a:solidFill>
+                      <a:prstDash val="solid"/>
+                      <a:round/>
+                      <a:headEnd type="none" w="med" len="med"/>
+                      <a:tailEnd type="none" w="med" len="med"/>
+                    </a:lnT>
+                    <a:lnB w="12700" cap="flat" cmpd="sng" algn="ctr">
+                      <a:solidFill>
+                        <a:srgbClr val="000000"/>
+                      </a:solidFill>
+                      <a:prstDash val="solid"/>
+                      <a:round/>
+                      <a:headEnd type="none" w="med" len="med"/>
+                      <a:tailEnd type="none" w="med" len="med"/>
+                    </a:lnB>
+                    <a:lnTlToBr>
+                      <a:noFill/>
+                    </a:lnTlToBr>
+                    <a:lnBlToTr>
+                      <a:noFill/>
+                    </a:lnBlToTr>
+                    <a:noFill/>
+                  </a:tcPr>
+                </a:tc>
+              </a:tr>
+              <a:tr h="596900">
+                <a:tc>
+                  <a:txBody>
+                    <a:bodyPr/>
+                    <a:lstStyle/>
+                    <a:p>
+                      <a:pPr marL="0" marR="0" lvl="0" indent="0" algn="l" defTabSz="914400" rtl="0" eaLnBrk="1" fontAlgn="base" latinLnBrk="0" hangingPunct="1">
+                        <a:lnSpc>
+                          <a:spcPct val="100000"/>
+                        </a:lnSpc>
+                        <a:spcBef>
+                          <a:spcPct val="0"/>
+                        </a:spcBef>
+                        <a:spcAft>
+                          <a:spcPct val="0"/>
+                        </a:spcAft>
+                        <a:buClrTx/>
+                        <a:buSzTx/>
+                        <a:buFontTx/>
+                        <a:buNone/>
+                        <a:tabLst/>
+                      </a:pPr>
+                      <a:r>
+                        <a:rPr kumimoji="0" lang="es-PE" sz="1600" b="1" i="0" u="none" strike="noStrike" cap="none" normalizeH="0" baseline="0" smtClean="0">
+                          <a:ln>
+                            <a:noFill/>
+                          </a:ln>
+                          <a:solidFill>
+                            <a:schemeClr val="tx2"/>
+                          </a:solidFill>
+                          <a:effectLst/>
+                          <a:latin typeface="Calibri" pitchFamily="34" charset="0"/>
+                          <a:cs typeface="Times New Roman" pitchFamily="18" charset="0"/>
+                        </a:rPr>
+                        <a:t>INTERPRETACION</a:t>
+                      </a:r>
+                      <a:endParaRPr kumimoji="0" lang="es-PE" sz="1600" b="0" i="0" u="none" strike="noStrike" cap="none" normalizeH="0" baseline="0" smtClean="0">
+                        <a:ln>
+                          <a:noFill/>
+                        </a:ln>
+                        <a:solidFill>
+                          <a:schemeClr val="tx2"/>
+                        </a:solidFill>
+                        <a:effectLst/>
+                        <a:latin typeface="Arial" charset="0"/>
+                      </a:endParaRPr>
+                    </a:p>
+                  </a:txBody>
+                  <a:tcPr horzOverflow="overflow">
+                    <a:lnL w="12700" cap="flat" cmpd="sng" algn="ctr">
+                      <a:solidFill>
+                        <a:srgbClr val="000000"/>
+                      </a:solidFill>
+                      <a:prstDash val="solid"/>
+                      <a:round/>
+                      <a:headEnd type="none" w="med" len="med"/>
+                      <a:tailEnd type="none" w="med" len="med"/>
+                    </a:lnL>
+                    <a:lnR w="12700" cap="flat" cmpd="sng" algn="ctr">
+                      <a:solidFill>
+                        <a:srgbClr val="000000"/>
+                      </a:solidFill>
+                      <a:prstDash val="solid"/>
+                      <a:round/>
+                      <a:headEnd type="none" w="med" len="med"/>
+                      <a:tailEnd type="none" w="med" len="med"/>
+                    </a:lnR>
+                    <a:lnT w="12700" cap="flat" cmpd="sng" algn="ctr">
+                      <a:solidFill>
+                        <a:srgbClr val="000000"/>
+                      </a:solidFill>
+                      <a:prstDash val="solid"/>
+                      <a:round/>
+                      <a:headEnd type="none" w="med" len="med"/>
+                      <a:tailEnd type="none" w="med" len="med"/>
+                    </a:lnT>
+                    <a:lnB w="12700" cap="flat" cmpd="sng" algn="ctr">
+                      <a:solidFill>
+                        <a:srgbClr val="000000"/>
+                      </a:solidFill>
+                      <a:prstDash val="solid"/>
+                      <a:round/>
+                      <a:headEnd type="none" w="med" len="med"/>
+                      <a:tailEnd type="none" w="med" len="med"/>
+                    </a:lnB>
+                    <a:lnTlToBr>
+                      <a:noFill/>
+                    </a:lnTlToBr>
+                    <a:lnBlToTr>
+                      <a:noFill/>
+                    </a:lnBlToTr>
+                    <a:noFill/>
+                  </a:tcPr>
+                </a:tc>
+                <a:tc>
+                  <a:txBody>
+                    <a:bodyPr/>
+                    <a:lstStyle/>
+                    <a:p>
+                      <a:pPr marL="0" marR="0" lvl="0" indent="0" algn="l" defTabSz="914400" rtl="0" eaLnBrk="1" fontAlgn="base" latinLnBrk="0" hangingPunct="1">
+                        <a:lnSpc>
+                          <a:spcPct val="100000"/>
+                        </a:lnSpc>
+                        <a:spcBef>
+                          <a:spcPct val="0"/>
+                        </a:spcBef>
+                        <a:spcAft>
+                          <a:spcPct val="0"/>
+                        </a:spcAft>
+                        <a:buClrTx/>
+                        <a:buSzTx/>
+                        <a:buFontTx/>
+                        <a:buNone/>
+                        <a:tabLst/>
+                      </a:pPr>
+                      <a:r>
+                        <a:rPr kumimoji="0" lang="es-PE" sz="1600" b="0" i="0" u="none" strike="noStrike" cap="none" normalizeH="0" baseline="0" smtClean="0">
+                          <a:ln>
+                            <a:noFill/>
+                          </a:ln>
+                          <a:solidFill>
+                            <a:schemeClr val="tx2"/>
+                          </a:solidFill>
+                          <a:effectLst/>
+                          <a:latin typeface="Calibri" pitchFamily="34" charset="0"/>
+                          <a:cs typeface="Times New Roman" pitchFamily="18" charset="0"/>
+                        </a:rPr>
+                        <a:t>0 &lt;= X &lt;= 1</a:t>
+                      </a:r>
+                      <a:br>
+                        <a:rPr kumimoji="0" lang="es-PE" sz="1600" b="0" i="0" u="none" strike="noStrike" cap="none" normalizeH="0" baseline="0" smtClean="0">
+                          <a:ln>
+                            <a:noFill/>
+                          </a:ln>
+                          <a:solidFill>
+                            <a:schemeClr val="tx2"/>
+                          </a:solidFill>
+                          <a:effectLst/>
+                          <a:latin typeface="Calibri" pitchFamily="34" charset="0"/>
+                          <a:cs typeface="Times New Roman" pitchFamily="18" charset="0"/>
+                        </a:rPr>
+                      </a:br>
+                      <a:r>
+                        <a:rPr kumimoji="0" lang="es-PE" sz="1600" b="0" i="0" u="none" strike="noStrike" cap="none" normalizeH="0" baseline="0" smtClean="0">
+                          <a:ln>
+                            <a:noFill/>
+                          </a:ln>
+                          <a:solidFill>
+                            <a:schemeClr val="tx2"/>
+                          </a:solidFill>
+                          <a:effectLst/>
+                          <a:latin typeface="Calibri" pitchFamily="34" charset="0"/>
+                          <a:cs typeface="Times New Roman" pitchFamily="18" charset="0"/>
+                        </a:rPr>
+                        <a:t>Entre m</a:t>
+                      </a:r>
+                      <a:r>
+                        <a:rPr kumimoji="0" lang="es-PE" sz="1600" b="0" i="0" u="none" strike="noStrike" cap="none" normalizeH="0" baseline="0" smtClean="0">
+                          <a:ln>
+                            <a:noFill/>
+                          </a:ln>
+                          <a:solidFill>
+                            <a:schemeClr val="tx2"/>
+                          </a:solidFill>
+                          <a:effectLst/>
+                          <a:latin typeface="Arial"/>
+                          <a:cs typeface="Times New Roman" pitchFamily="18" charset="0"/>
+                        </a:rPr>
+                        <a:t>á</a:t>
+                      </a:r>
+                      <a:r>
+                        <a:rPr kumimoji="0" lang="es-PE" sz="1600" b="0" i="0" u="none" strike="noStrike" cap="none" normalizeH="0" baseline="0" smtClean="0">
+                          <a:ln>
+                            <a:noFill/>
+                          </a:ln>
+                          <a:solidFill>
+                            <a:schemeClr val="tx2"/>
+                          </a:solidFill>
+                          <a:effectLst/>
+                          <a:latin typeface="Calibri" pitchFamily="34" charset="0"/>
+                          <a:cs typeface="Times New Roman" pitchFamily="18" charset="0"/>
+                        </a:rPr>
+                        <a:t>s cercano a 1, m</a:t>
+                      </a:r>
+                      <a:r>
+                        <a:rPr kumimoji="0" lang="es-PE" sz="1600" b="0" i="0" u="none" strike="noStrike" cap="none" normalizeH="0" baseline="0" smtClean="0">
+                          <a:ln>
+                            <a:noFill/>
+                          </a:ln>
+                          <a:solidFill>
+                            <a:schemeClr val="tx2"/>
+                          </a:solidFill>
+                          <a:effectLst/>
+                          <a:latin typeface="Arial"/>
+                          <a:cs typeface="Times New Roman" pitchFamily="18" charset="0"/>
+                        </a:rPr>
+                        <a:t>á</a:t>
+                      </a:r>
+                      <a:r>
+                        <a:rPr kumimoji="0" lang="es-PE" sz="1600" b="0" i="0" u="none" strike="noStrike" cap="none" normalizeH="0" baseline="0" smtClean="0">
+                          <a:ln>
+                            <a:noFill/>
+                          </a:ln>
+                          <a:solidFill>
+                            <a:schemeClr val="tx2"/>
+                          </a:solidFill>
+                          <a:effectLst/>
+                          <a:latin typeface="Calibri" pitchFamily="34" charset="0"/>
+                          <a:cs typeface="Times New Roman" pitchFamily="18" charset="0"/>
+                        </a:rPr>
+                        <a:t>s registrable.</a:t>
+                      </a:r>
+                      <a:r>
+                        <a:rPr kumimoji="0" lang="es-PE" sz="1600" b="0" i="0" u="none" strike="noStrike" cap="none" normalizeH="0" baseline="0" smtClean="0">
+                          <a:ln>
+                            <a:noFill/>
+                          </a:ln>
+                          <a:solidFill>
+                            <a:schemeClr val="tx2"/>
+                          </a:solidFill>
+                          <a:effectLst/>
+                          <a:latin typeface="Arial"/>
+                          <a:cs typeface="Times New Roman" pitchFamily="18" charset="0"/>
+                        </a:rPr>
+                        <a:t> </a:t>
+                      </a:r>
+                      <a:r>
+                        <a:rPr kumimoji="0" lang="es-PE" sz="1600" b="0" i="0" u="none" strike="noStrike" cap="none" normalizeH="0" baseline="0" smtClean="0">
+                          <a:ln>
+                            <a:noFill/>
+                          </a:ln>
+                          <a:solidFill>
+                            <a:schemeClr val="tx2"/>
+                          </a:solidFill>
+                          <a:effectLst/>
+                          <a:latin typeface="Calibri" pitchFamily="34" charset="0"/>
+                          <a:cs typeface="Times New Roman" pitchFamily="18" charset="0"/>
+                        </a:rPr>
+                        <a:t/>
+                      </a:r>
+                      <a:br>
+                        <a:rPr kumimoji="0" lang="es-PE" sz="1600" b="0" i="0" u="none" strike="noStrike" cap="none" normalizeH="0" baseline="0" smtClean="0">
+                          <a:ln>
+                            <a:noFill/>
+                          </a:ln>
+                          <a:solidFill>
+                            <a:schemeClr val="tx2"/>
+                          </a:solidFill>
+                          <a:effectLst/>
+                          <a:latin typeface="Calibri" pitchFamily="34" charset="0"/>
+                          <a:cs typeface="Times New Roman" pitchFamily="18" charset="0"/>
+                        </a:rPr>
+                      </a:br>
+                      <a:r>
+                        <a:rPr kumimoji="0" lang="es-PE" sz="1600" b="0" i="0" u="none" strike="noStrike" cap="none" normalizeH="0" baseline="0" smtClean="0">
+                          <a:ln>
+                            <a:noFill/>
+                          </a:ln>
+                          <a:solidFill>
+                            <a:schemeClr val="tx2"/>
+                          </a:solidFill>
+                          <a:effectLst/>
+                          <a:latin typeface="Calibri" pitchFamily="34" charset="0"/>
+                          <a:cs typeface="Times New Roman" pitchFamily="18" charset="0"/>
+                        </a:rPr>
+                        <a:t>0 indica un control de cambios deficiente o pocos cambios y alta estabilidad</a:t>
+                      </a:r>
+                      <a:endParaRPr kumimoji="0" lang="es-PE" sz="1600" b="0" i="0" u="none" strike="noStrike" cap="none" normalizeH="0" baseline="0" smtClean="0">
+                        <a:ln>
+                          <a:noFill/>
+                        </a:ln>
+                        <a:solidFill>
+                          <a:schemeClr val="tx2"/>
+                        </a:solidFill>
+                        <a:effectLst/>
+                        <a:latin typeface="Arial" charset="0"/>
+                      </a:endParaRPr>
+                    </a:p>
+                  </a:txBody>
+                  <a:tcPr horzOverflow="overflow">
+                    <a:lnL w="12700" cap="flat" cmpd="sng" algn="ctr">
+                      <a:solidFill>
+                        <a:srgbClr val="000000"/>
+                      </a:solidFill>
+                      <a:prstDash val="solid"/>
+                      <a:round/>
+                      <a:headEnd type="none" w="med" len="med"/>
+                      <a:tailEnd type="none" w="med" len="med"/>
+                    </a:lnL>
+                    <a:lnR w="12700" cap="flat" cmpd="sng" algn="ctr">
+                      <a:solidFill>
+                        <a:srgbClr val="000000"/>
+                      </a:solidFill>
+                      <a:prstDash val="solid"/>
+                      <a:round/>
+                      <a:headEnd type="none" w="med" len="med"/>
+                      <a:tailEnd type="none" w="med" len="med"/>
+                    </a:lnR>
+                    <a:lnT w="12700" cap="flat" cmpd="sng" algn="ctr">
+                      <a:solidFill>
+                        <a:srgbClr val="000000"/>
+                      </a:solidFill>
+                      <a:prstDash val="solid"/>
+                      <a:round/>
+                      <a:headEnd type="none" w="med" len="med"/>
+                      <a:tailEnd type="none" w="med" len="med"/>
+                    </a:lnT>
+                    <a:lnB w="12700" cap="flat" cmpd="sng" algn="ctr">
+                      <a:solidFill>
+                        <a:srgbClr val="000000"/>
+                      </a:solidFill>
+                      <a:prstDash val="solid"/>
+                      <a:round/>
+                      <a:headEnd type="none" w="med" len="med"/>
+                      <a:tailEnd type="none" w="med" len="med"/>
+                    </a:lnB>
+                    <a:lnTlToBr>
+                      <a:noFill/>
+                    </a:lnTlToBr>
+                    <a:lnBlToTr>
+                      <a:noFill/>
+                    </a:lnBlToTr>
+                    <a:noFill/>
+                  </a:tcPr>
+                </a:tc>
+              </a:tr>
+            </a:tbl>
+          </a:graphicData>
+        </a:graphic>
+      </p:graphicFrame>
+    </p:spTree>
+  </p:cSld>
+  <p:clrMapOvr>
+    <a:masterClrMapping/>
+  </p:clrMapOvr>
+  <p:timing>
+    <p:tnLst>
+      <p:par>
+        <p:cTn id="1" dur="indefinite" restart="never" nodeType="tmRoot"/>
+      </p:par>
+    </p:tnLst>
+  </p:timing>
+</p:sld>
+</file>
+
+<file path=ppt/slides/slide13.xml><?xml version="1.0" encoding="utf-8"?>
+<p:sld xmlns:a="http://schemas.openxmlformats.org/drawingml/2006/main" xmlns:r="http://schemas.openxmlformats.org/officeDocument/2006/relationships" xmlns:p="http://schemas.openxmlformats.org/presentationml/2006/main">
+  <p:cSld>
+    <p:spTree>
+      <p:nvGrpSpPr>
+        <p:cNvPr id="1" name=""/>
+        <p:cNvGrpSpPr/>
+        <p:nvPr/>
+      </p:nvGrpSpPr>
+      <p:grpSpPr>
+        <a:xfrm>
+          <a:off x="0" y="0"/>
+          <a:ext cx="0" cy="0"/>
+          <a:chOff x="0" y="0"/>
+          <a:chExt cx="0" cy="0"/>
+        </a:xfrm>
+      </p:grpSpPr>
+      <p:sp>
+        <p:nvSpPr>
+          <p:cNvPr id="32770" name="2 Título"/>
+          <p:cNvSpPr>
+            <a:spLocks noGrp="1"/>
+          </p:cNvSpPr>
+          <p:nvPr>
+            <p:ph type="title" idx="4294967295"/>
+          </p:nvPr>
+        </p:nvSpPr>
+        <p:spPr>
+          <a:xfrm>
+            <a:off x="611188" y="1844675"/>
+            <a:ext cx="8229600" cy="1252538"/>
+          </a:xfrm>
+        </p:spPr>
+        <p:txBody>
+          <a:bodyPr/>
+          <a:lstStyle/>
+          <a:p>
+            <a:pPr eaLnBrk="1" hangingPunct="1"/>
+            <a:r>
+              <a:rPr lang="es-PE" sz="4000" b="1" smtClean="0">
+                <a:solidFill>
+                  <a:srgbClr val="8C2902"/>
+                </a:solidFill>
+                <a:latin typeface="Candara" pitchFamily="34" charset="0"/>
+              </a:rPr>
+              <a:t>ATRIBUTO</a:t>
+            </a:r>
+          </a:p>
+        </p:txBody>
+      </p:sp>
+      <p:pic>
+        <p:nvPicPr>
+          <p:cNvPr id="32772" name="Picture 4"/>
+          <p:cNvPicPr>
+            <a:picLocks noChangeAspect="1" noChangeArrowheads="1"/>
+          </p:cNvPicPr>
+          <p:nvPr/>
+        </p:nvPicPr>
+        <p:blipFill>
+          <a:blip r:embed="rId2">
+            <a:clrChange>
+              <a:clrFrom>
+                <a:srgbClr val="FFFFFF"/>
+              </a:clrFrom>
+              <a:clrTo>
+                <a:srgbClr val="FFFFFF">
+                  <a:alpha val="0"/>
+                </a:srgbClr>
+              </a:clrTo>
+            </a:clrChange>
+          </a:blip>
+          <a:srcRect/>
+          <a:stretch>
+            <a:fillRect/>
+          </a:stretch>
+        </p:blipFill>
+        <p:spPr bwMode="auto">
+          <a:xfrm>
+            <a:off x="2051050" y="3284538"/>
+            <a:ext cx="5429250" cy="1371600"/>
+          </a:xfrm>
+          <a:prstGeom prst="rect">
+            <a:avLst/>
+          </a:prstGeom>
+          <a:noFill/>
+          <a:ln w="9525">
+            <a:noFill/>
+            <a:miter lim="800000"/>
+            <a:headEnd/>
+            <a:tailEnd/>
+          </a:ln>
+          <a:effectLst/>
+        </p:spPr>
+      </p:pic>
+    </p:spTree>
+  </p:cSld>
+  <p:clrMapOvr>
+    <a:masterClrMapping/>
+  </p:clrMapOvr>
+  <p:timing>
+    <p:tnLst>
+      <p:par>
+        <p:cTn id="1" dur="indefinite" restart="never" nodeType="tmRoot"/>
+      </p:par>
+    </p:tnLst>
+  </p:timing>
+</p:sld>
+</file>
+
+<file path=ppt/slides/slide14.xml><?xml version="1.0" encoding="utf-8"?>
+<p:sld xmlns:a="http://schemas.openxmlformats.org/drawingml/2006/main" xmlns:r="http://schemas.openxmlformats.org/officeDocument/2006/relationships" xmlns:p="http://schemas.openxmlformats.org/presentationml/2006/main">
+  <p:cSld>
+    <p:spTree>
+      <p:nvGrpSpPr>
+        <p:cNvPr id="1" name=""/>
+        <p:cNvGrpSpPr/>
+        <p:nvPr/>
+      </p:nvGrpSpPr>
+      <p:grpSpPr>
+        <a:xfrm>
+          <a:off x="0" y="0"/>
+          <a:ext cx="0" cy="0"/>
+          <a:chOff x="0" y="0"/>
+          <a:chExt cx="0" cy="0"/>
+        </a:xfrm>
+      </p:grpSpPr>
+      <p:sp>
+        <p:nvSpPr>
+          <p:cNvPr id="28674" name="2 Título"/>
+          <p:cNvSpPr>
+            <a:spLocks noGrp="1"/>
+          </p:cNvSpPr>
+          <p:nvPr>
+            <p:ph type="title" idx="4294967295"/>
+          </p:nvPr>
+        </p:nvSpPr>
+        <p:spPr>
+          <a:xfrm>
+            <a:off x="395288" y="188913"/>
+            <a:ext cx="8229600" cy="1252537"/>
+          </a:xfrm>
+        </p:spPr>
+        <p:txBody>
+          <a:bodyPr/>
+          <a:lstStyle/>
+          <a:p>
+            <a:pPr eaLnBrk="1" hangingPunct="1"/>
+            <a:r>
+              <a:rPr lang="es-PE" sz="4000" b="1" smtClean="0">
+                <a:solidFill>
+                  <a:schemeClr val="tx2"/>
+                </a:solidFill>
+                <a:latin typeface="Candara" pitchFamily="34" charset="0"/>
+              </a:rPr>
+              <a:t>Métrica en uso(1)</a:t>
+            </a:r>
+          </a:p>
+        </p:txBody>
+      </p:sp>
+      <p:sp>
+        <p:nvSpPr>
+          <p:cNvPr id="28703" name="Text Box 31"/>
+          <p:cNvSpPr txBox="1">
+            <a:spLocks noChangeArrowheads="1"/>
+          </p:cNvSpPr>
+          <p:nvPr/>
+        </p:nvSpPr>
+        <p:spPr bwMode="auto">
+          <a:xfrm>
+            <a:off x="3060700" y="1268413"/>
+            <a:ext cx="2879725" cy="304800"/>
+          </a:xfrm>
+          <a:prstGeom prst="rect">
+            <a:avLst/>
+          </a:prstGeom>
+          <a:noFill/>
+          <a:ln w="9525">
+            <a:noFill/>
+            <a:miter lim="800000"/>
+            <a:headEnd/>
+            <a:tailEnd/>
+          </a:ln>
+          <a:effectLst/>
+        </p:spPr>
+        <p:txBody>
+          <a:bodyPr>
+            <a:spAutoFit/>
+          </a:bodyPr>
+          <a:lstStyle/>
+          <a:p>
+            <a:pPr>
+              <a:spcBef>
+                <a:spcPct val="50000"/>
+              </a:spcBef>
+            </a:pPr>
+            <a:r>
+              <a:rPr lang="es-PE" sz="1400" b="1">
+                <a:solidFill>
+                  <a:schemeClr val="tx2"/>
+                </a:solidFill>
+              </a:rPr>
+              <a:t>SUB-ATRIBUTO:</a:t>
+            </a:r>
+            <a:endParaRPr lang="es-ES" sz="1400" b="1">
+              <a:solidFill>
+                <a:schemeClr val="tx2"/>
+              </a:solidFill>
+            </a:endParaRPr>
+          </a:p>
+        </p:txBody>
+      </p:sp>
+    </p:spTree>
+  </p:cSld>
+  <p:clrMapOvr>
+    <a:masterClrMapping/>
+  </p:clrMapOvr>
+  <p:timing>
+    <p:tnLst>
+      <p:par>
+        <p:cTn id="1" dur="indefinite" restart="never" nodeType="tmRoot"/>
+      </p:par>
+    </p:tnLst>
+  </p:timing>
+</p:sld>
+</file>
+
+<file path=ppt/slides/slide15.xml><?xml version="1.0" encoding="utf-8"?>
+<p:sld xmlns:a="http://schemas.openxmlformats.org/drawingml/2006/main" xmlns:r="http://schemas.openxmlformats.org/officeDocument/2006/relationships" xmlns:p="http://schemas.openxmlformats.org/presentationml/2006/main">
+  <p:cSld>
+    <p:spTree>
+      <p:nvGrpSpPr>
+        <p:cNvPr id="1" name=""/>
+        <p:cNvGrpSpPr/>
+        <p:nvPr/>
+      </p:nvGrpSpPr>
+      <p:grpSpPr>
+        <a:xfrm>
+          <a:off x="0" y="0"/>
+          <a:ext cx="0" cy="0"/>
+          <a:chOff x="0" y="0"/>
+          <a:chExt cx="0" cy="0"/>
+        </a:xfrm>
+      </p:grpSpPr>
+      <p:sp>
+        <p:nvSpPr>
+          <p:cNvPr id="29698" name="2 Título"/>
+          <p:cNvSpPr>
+            <a:spLocks noGrp="1"/>
+          </p:cNvSpPr>
+          <p:nvPr>
+            <p:ph type="title" idx="4294967295"/>
+          </p:nvPr>
+        </p:nvSpPr>
+        <p:spPr>
+          <a:xfrm>
+            <a:off x="395288" y="188913"/>
+            <a:ext cx="8229600" cy="1252537"/>
+          </a:xfrm>
+        </p:spPr>
+        <p:txBody>
+          <a:bodyPr/>
+          <a:lstStyle/>
+          <a:p>
+            <a:pPr eaLnBrk="1" hangingPunct="1"/>
+            <a:r>
+              <a:rPr lang="es-PE" sz="4000" b="1" smtClean="0">
+                <a:solidFill>
+                  <a:schemeClr val="tx2"/>
+                </a:solidFill>
+                <a:latin typeface="Candara" pitchFamily="34" charset="0"/>
+              </a:rPr>
+              <a:t>Métrica en uso(2)</a:t>
+            </a:r>
+          </a:p>
+        </p:txBody>
+      </p:sp>
+      <p:sp>
+        <p:nvSpPr>
+          <p:cNvPr id="29699" name="Text Box 3"/>
+          <p:cNvSpPr txBox="1">
+            <a:spLocks noChangeArrowheads="1"/>
+          </p:cNvSpPr>
+          <p:nvPr/>
+        </p:nvSpPr>
+        <p:spPr bwMode="auto">
+          <a:xfrm>
+            <a:off x="3060700" y="1268413"/>
+            <a:ext cx="2879725" cy="304800"/>
+          </a:xfrm>
+          <a:prstGeom prst="rect">
+            <a:avLst/>
+          </a:prstGeom>
+          <a:noFill/>
+          <a:ln w="9525">
+            <a:noFill/>
+            <a:miter lim="800000"/>
+            <a:headEnd/>
+            <a:tailEnd/>
+          </a:ln>
+          <a:effectLst/>
+        </p:spPr>
+        <p:txBody>
+          <a:bodyPr>
+            <a:spAutoFit/>
+          </a:bodyPr>
+          <a:lstStyle/>
+          <a:p>
+            <a:pPr>
+              <a:spcBef>
+                <a:spcPct val="50000"/>
+              </a:spcBef>
+            </a:pPr>
+            <a:r>
+              <a:rPr lang="es-PE" sz="1400" b="1">
+                <a:solidFill>
+                  <a:schemeClr val="tx2"/>
+                </a:solidFill>
+              </a:rPr>
+              <a:t>SUB-ATRIBUTO:</a:t>
+            </a:r>
+            <a:endParaRPr lang="es-ES" sz="1400" b="1">
+              <a:solidFill>
+                <a:schemeClr val="tx2"/>
+              </a:solidFill>
+            </a:endParaRPr>
+          </a:p>
+        </p:txBody>
+      </p:sp>
+    </p:spTree>
+  </p:cSld>
+  <p:clrMapOvr>
+    <a:masterClrMapping/>
+  </p:clrMapOvr>
+  <p:timing>
+    <p:tnLst>
+      <p:par>
+        <p:cTn id="1" dur="indefinite" restart="never" nodeType="tmRoot"/>
+      </p:par>
+    </p:tnLst>
+  </p:timing>
+</p:sld>
+</file>
+
+<file path=ppt/slides/slide16.xml><?xml version="1.0" encoding="utf-8"?>
+<p:sld xmlns:a="http://schemas.openxmlformats.org/drawingml/2006/main" xmlns:r="http://schemas.openxmlformats.org/officeDocument/2006/relationships" xmlns:p="http://schemas.openxmlformats.org/presentationml/2006/main">
+  <p:cSld>
+    <p:spTree>
+      <p:nvGrpSpPr>
+        <p:cNvPr id="1" name=""/>
+        <p:cNvGrpSpPr/>
+        <p:nvPr/>
+      </p:nvGrpSpPr>
+      <p:grpSpPr>
+        <a:xfrm>
+          <a:off x="0" y="0"/>
+          <a:ext cx="0" cy="0"/>
+          <a:chOff x="0" y="0"/>
+          <a:chExt cx="0" cy="0"/>
+        </a:xfrm>
+      </p:grpSpPr>
+      <p:sp>
+        <p:nvSpPr>
+          <p:cNvPr id="18433" name="1 Título"/>
           <p:cNvSpPr>
             <a:spLocks noGrp="1"/>
           </p:cNvSpPr>
@@ -13020,7 +16880,7 @@
       </p:sp>
       <p:sp>
         <p:nvSpPr>
-          <p:cNvPr id="39938" name="3 CuadroTexto"/>
+          <p:cNvPr id="18434" name="3 CuadroTexto"/>
           <p:cNvSpPr txBox="1">
             <a:spLocks noChangeArrowheads="1"/>
           </p:cNvSpPr>
@@ -13114,7 +16974,7 @@
       </p:sp>
       <p:sp>
         <p:nvSpPr>
-          <p:cNvPr id="39939" name="4 CuadroTexto"/>
+          <p:cNvPr id="18435" name="4 CuadroTexto"/>
           <p:cNvSpPr txBox="1">
             <a:spLocks noChangeArrowheads="1"/>
           </p:cNvSpPr>
@@ -13197,7 +17057,7 @@
       </p:grpSpPr>
       <p:sp>
         <p:nvSpPr>
-          <p:cNvPr id="16385" name="2 Título"/>
+          <p:cNvPr id="10241" name="2 Título"/>
           <p:cNvSpPr>
             <a:spLocks noGrp="1"/>
           </p:cNvSpPr>
@@ -13262,7 +17122,7 @@
       </p:grpSpPr>
       <p:sp>
         <p:nvSpPr>
-          <p:cNvPr id="17410" name="2 Título"/>
+          <p:cNvPr id="11265" name="2 Título"/>
           <p:cNvSpPr>
             <a:spLocks noGrp="1"/>
           </p:cNvSpPr>
@@ -13301,7 +17161,7 @@
       </p:sp>
       <p:pic>
         <p:nvPicPr>
-          <p:cNvPr id="17415" name="Picture 7"/>
+          <p:cNvPr id="11266" name="Picture 7"/>
           <p:cNvPicPr>
             <a:picLocks noChangeAspect="1" noChangeArrowheads="1"/>
           </p:cNvPicPr>
@@ -13323,6 +17183,12 @@
             <a:avLst/>
           </a:prstGeom>
           <a:noFill/>
+          <a:ln w="9525">
+            <a:noFill/>
+            <a:miter lim="800000"/>
+            <a:headEnd/>
+            <a:tailEnd/>
+          </a:ln>
         </p:spPr>
       </p:pic>
     </p:spTree>
@@ -13369,7 +17235,7 @@
       </p:grpSpPr>
       <p:sp>
         <p:nvSpPr>
-          <p:cNvPr id="48130" name="2 Título"/>
+          <p:cNvPr id="12290" name="2 Título"/>
           <p:cNvSpPr>
             <a:spLocks noGrp="1"/>
           </p:cNvSpPr>
@@ -13408,7 +17274,7 @@
       </p:sp>
       <p:pic>
         <p:nvPicPr>
-          <p:cNvPr id="48132" name="Picture 4" descr="control_documentos_ISO_9001">
+          <p:cNvPr id="12291" name="Picture 4" descr="control_documentos_ISO_9001">
             <a:hlinkClick r:id="rId3"/>
           </p:cNvPr>
           <p:cNvPicPr>
@@ -13432,6 +17298,12 @@
             <a:avLst/>
           </a:prstGeom>
           <a:noFill/>
+          <a:ln w="9525">
+            <a:noFill/>
+            <a:miter lim="800000"/>
+            <a:headEnd/>
+            <a:tailEnd/>
+          </a:ln>
         </p:spPr>
       </p:pic>
     </p:spTree>
@@ -13468,7 +17340,7 @@
       </p:grpSpPr>
       <p:pic>
         <p:nvPicPr>
-          <p:cNvPr id="47108" name="Picture 4"/>
+          <p:cNvPr id="13313" name="Picture 4"/>
           <p:cNvPicPr>
             <a:picLocks noChangeAspect="1" noChangeArrowheads="1"/>
           </p:cNvPicPr>
@@ -13483,7 +17355,7 @@
         </p:blipFill>
         <p:spPr bwMode="auto">
           <a:xfrm>
-            <a:off x="1947863" y="595313"/>
+            <a:off x="2268538" y="620713"/>
             <a:ext cx="5248275" cy="5667375"/>
           </a:xfrm>
           <a:prstGeom prst="rect">
@@ -13498,7 +17370,6 @@
             <a:headEnd/>
             <a:tailEnd/>
           </a:ln>
-          <a:effectLst/>
         </p:spPr>
       </p:pic>
     </p:spTree>
@@ -13535,7 +17406,7 @@
       </p:grpSpPr>
       <p:sp>
         <p:nvSpPr>
-          <p:cNvPr id="49154" name="2 Título"/>
+          <p:cNvPr id="14337" name="2 Título"/>
           <p:cNvSpPr>
             <a:spLocks noGrp="1"/>
           </p:cNvSpPr>
@@ -13566,6 +17437,32 @@
           </a:p>
         </p:txBody>
       </p:sp>
+      <p:pic>
+        <p:nvPicPr>
+          <p:cNvPr id="14340" name="Picture 4" descr="17"/>
+          <p:cNvPicPr>
+            <a:picLocks noChangeAspect="1" noChangeArrowheads="1"/>
+          </p:cNvPicPr>
+          <p:nvPr/>
+        </p:nvPicPr>
+        <p:blipFill>
+          <a:blip r:embed="rId2"/>
+          <a:srcRect/>
+          <a:stretch>
+            <a:fillRect/>
+          </a:stretch>
+        </p:blipFill>
+        <p:spPr bwMode="auto">
+          <a:xfrm>
+            <a:off x="2700338" y="3860800"/>
+            <a:ext cx="4284662" cy="2297113"/>
+          </a:xfrm>
+          <a:prstGeom prst="rect">
+            <a:avLst/>
+          </a:prstGeom>
+          <a:noFill/>
+        </p:spPr>
+      </p:pic>
     </p:spTree>
   </p:cSld>
   <p:clrMapOvr>
@@ -13600,7 +17497,7 @@
       </p:grpSpPr>
       <p:sp>
         <p:nvSpPr>
-          <p:cNvPr id="50178" name="2 Título"/>
+          <p:cNvPr id="30722" name="2 Título"/>
           <p:cNvSpPr>
             <a:spLocks noGrp="1"/>
           </p:cNvSpPr>
@@ -13610,8 +17507,8 @@
         </p:nvSpPr>
         <p:spPr>
           <a:xfrm>
-            <a:off x="395288" y="188913"/>
-            <a:ext cx="8229600" cy="1252537"/>
+            <a:off x="611188" y="1844675"/>
+            <a:ext cx="8229600" cy="1252538"/>
           </a:xfrm>
         </p:spPr>
         <p:txBody>
@@ -13622,12 +17519,84 @@
             <a:r>
               <a:rPr lang="es-PE" sz="4000" b="1" smtClean="0">
                 <a:solidFill>
-                  <a:schemeClr val="tx2"/>
+                  <a:srgbClr val="8C2902"/>
                 </a:solidFill>
                 <a:latin typeface="Candara" pitchFamily="34" charset="0"/>
               </a:rPr>
-              <a:t>Métricas externas</a:t>
+              <a:t>ATRIBUTO FIABILIDAD</a:t>
             </a:r>
+          </a:p>
+        </p:txBody>
+      </p:sp>
+      <p:pic>
+        <p:nvPicPr>
+          <p:cNvPr id="30725" name="Picture 5" descr="modeloCalidad"/>
+          <p:cNvPicPr>
+            <a:picLocks noChangeAspect="1" noChangeArrowheads="1"/>
+          </p:cNvPicPr>
+          <p:nvPr/>
+        </p:nvPicPr>
+        <p:blipFill>
+          <a:blip r:embed="rId2">
+            <a:clrChange>
+              <a:clrFrom>
+                <a:srgbClr val="FFFFFF"/>
+              </a:clrFrom>
+              <a:clrTo>
+                <a:srgbClr val="FFFFFF">
+                  <a:alpha val="0"/>
+                </a:srgbClr>
+              </a:clrTo>
+            </a:clrChange>
+          </a:blip>
+          <a:srcRect/>
+          <a:stretch>
+            <a:fillRect/>
+          </a:stretch>
+        </p:blipFill>
+        <p:spPr bwMode="auto">
+          <a:xfrm>
+            <a:off x="2339975" y="2636838"/>
+            <a:ext cx="4968875" cy="3863975"/>
+          </a:xfrm>
+          <a:prstGeom prst="rect">
+            <a:avLst/>
+          </a:prstGeom>
+          <a:noFill/>
+        </p:spPr>
+      </p:pic>
+      <p:sp>
+        <p:nvSpPr>
+          <p:cNvPr id="30726" name="Rectangle 6"/>
+          <p:cNvSpPr>
+            <a:spLocks noChangeArrowheads="1"/>
+          </p:cNvSpPr>
+          <p:nvPr/>
+        </p:nvSpPr>
+        <p:spPr bwMode="auto">
+          <a:xfrm>
+            <a:off x="3419475" y="4005263"/>
+            <a:ext cx="720725" cy="1944687"/>
+          </a:xfrm>
+          <a:prstGeom prst="rect">
+            <a:avLst/>
+          </a:prstGeom>
+          <a:noFill/>
+          <a:ln w="19050">
+            <a:solidFill>
+              <a:srgbClr val="FF0000"/>
+            </a:solidFill>
+            <a:miter lim="800000"/>
+            <a:headEnd/>
+            <a:tailEnd/>
+          </a:ln>
+          <a:effectLst/>
+        </p:spPr>
+        <p:txBody>
+          <a:bodyPr wrap="none" anchor="ctr"/>
+          <a:lstStyle/>
+          <a:p>
+            <a:endParaRPr lang="es-ES"/>
           </a:p>
         </p:txBody>
       </p:sp>
@@ -13665,7 +17634,7 @@
       </p:grpSpPr>
       <p:sp>
         <p:nvSpPr>
-          <p:cNvPr id="51202" name="2 Título"/>
+          <p:cNvPr id="26626" name="2 Título"/>
           <p:cNvSpPr>
             <a:spLocks noGrp="1"/>
           </p:cNvSpPr>
@@ -13691,11 +17660,2303 @@
                 </a:solidFill>
                 <a:latin typeface="Candara" pitchFamily="34" charset="0"/>
               </a:rPr>
-              <a:t>Métricas internas</a:t>
+              <a:t>Métrica externa(1)</a:t>
             </a:r>
           </a:p>
         </p:txBody>
       </p:sp>
+      <p:sp>
+        <p:nvSpPr>
+          <p:cNvPr id="26655" name="Text Box 31"/>
+          <p:cNvSpPr txBox="1">
+            <a:spLocks noChangeArrowheads="1"/>
+          </p:cNvSpPr>
+          <p:nvPr/>
+        </p:nvSpPr>
+        <p:spPr bwMode="auto">
+          <a:xfrm>
+            <a:off x="2484438" y="1196975"/>
+            <a:ext cx="4248150" cy="304800"/>
+          </a:xfrm>
+          <a:prstGeom prst="rect">
+            <a:avLst/>
+          </a:prstGeom>
+          <a:noFill/>
+          <a:ln w="9525">
+            <a:noFill/>
+            <a:miter lim="800000"/>
+            <a:headEnd/>
+            <a:tailEnd/>
+          </a:ln>
+          <a:effectLst/>
+        </p:spPr>
+        <p:txBody>
+          <a:bodyPr>
+            <a:spAutoFit/>
+          </a:bodyPr>
+          <a:lstStyle/>
+          <a:p>
+            <a:pPr>
+              <a:spcBef>
+                <a:spcPct val="50000"/>
+              </a:spcBef>
+            </a:pPr>
+            <a:r>
+              <a:rPr lang="es-PE" sz="1400" b="1">
+                <a:solidFill>
+                  <a:schemeClr val="tx2"/>
+                </a:solidFill>
+              </a:rPr>
+              <a:t>SUB-ATRIBUTO: TOLERANCIA A FALLOS</a:t>
+            </a:r>
+            <a:endParaRPr lang="es-ES" sz="1400" b="1">
+              <a:solidFill>
+                <a:schemeClr val="tx2"/>
+              </a:solidFill>
+            </a:endParaRPr>
+          </a:p>
+        </p:txBody>
+      </p:sp>
+      <p:graphicFrame>
+        <p:nvGraphicFramePr>
+          <p:cNvPr id="26765" name="Group 141"/>
+          <p:cNvGraphicFramePr>
+            <a:graphicFrameLocks noGrp="1"/>
+          </p:cNvGraphicFramePr>
+          <p:nvPr/>
+        </p:nvGraphicFramePr>
+        <p:xfrm>
+          <a:off x="755650" y="1557338"/>
+          <a:ext cx="7848600" cy="5214937"/>
+        </p:xfrm>
+        <a:graphic>
+          <a:graphicData uri="http://schemas.openxmlformats.org/drawingml/2006/table">
+            <a:tbl>
+              <a:tblPr/>
+              <a:tblGrid>
+                <a:gridCol w="1762125"/>
+                <a:gridCol w="6086475"/>
+              </a:tblGrid>
+              <a:tr h="260350">
+                <a:tc gridSpan="2">
+                  <a:txBody>
+                    <a:bodyPr/>
+                    <a:lstStyle/>
+                    <a:p>
+                      <a:pPr marL="0" marR="0" lvl="0" indent="0" algn="l" defTabSz="914400" rtl="0" eaLnBrk="1" fontAlgn="base" latinLnBrk="0" hangingPunct="1">
+                        <a:lnSpc>
+                          <a:spcPct val="100000"/>
+                        </a:lnSpc>
+                        <a:spcBef>
+                          <a:spcPct val="0"/>
+                        </a:spcBef>
+                        <a:spcAft>
+                          <a:spcPct val="0"/>
+                        </a:spcAft>
+                        <a:buClrTx/>
+                        <a:buSzTx/>
+                        <a:buFontTx/>
+                        <a:buNone/>
+                        <a:tabLst/>
+                      </a:pPr>
+                      <a:r>
+                        <a:rPr kumimoji="0" lang="es-PE" sz="1600" b="1" i="0" u="none" strike="noStrike" cap="none" normalizeH="0" baseline="0" smtClean="0">
+                          <a:ln>
+                            <a:noFill/>
+                          </a:ln>
+                          <a:solidFill>
+                            <a:schemeClr val="tx2"/>
+                          </a:solidFill>
+                          <a:effectLst/>
+                          <a:latin typeface="Calibri" pitchFamily="34" charset="0"/>
+                          <a:cs typeface="Times New Roman" pitchFamily="18" charset="0"/>
+                        </a:rPr>
+                        <a:t>METRICA EXTERNA DE FIABILIDAD</a:t>
+                      </a:r>
+                      <a:endParaRPr kumimoji="0" lang="es-PE" sz="1600" b="0" i="0" u="none" strike="noStrike" cap="none" normalizeH="0" baseline="0" smtClean="0">
+                        <a:ln>
+                          <a:noFill/>
+                        </a:ln>
+                        <a:solidFill>
+                          <a:schemeClr val="tx2"/>
+                        </a:solidFill>
+                        <a:effectLst/>
+                        <a:latin typeface="Arial" charset="0"/>
+                      </a:endParaRPr>
+                    </a:p>
+                  </a:txBody>
+                  <a:tcPr horzOverflow="overflow">
+                    <a:lnL w="12700" cap="flat" cmpd="sng" algn="ctr">
+                      <a:solidFill>
+                        <a:srgbClr val="000000"/>
+                      </a:solidFill>
+                      <a:prstDash val="solid"/>
+                      <a:round/>
+                      <a:headEnd type="none" w="med" len="med"/>
+                      <a:tailEnd type="none" w="med" len="med"/>
+                    </a:lnL>
+                    <a:lnR w="12700" cap="flat" cmpd="sng" algn="ctr">
+                      <a:solidFill>
+                        <a:srgbClr val="000000"/>
+                      </a:solidFill>
+                      <a:prstDash val="solid"/>
+                      <a:round/>
+                      <a:headEnd type="none" w="med" len="med"/>
+                      <a:tailEnd type="none" w="med" len="med"/>
+                    </a:lnR>
+                    <a:lnT w="12700" cap="flat" cmpd="sng" algn="ctr">
+                      <a:solidFill>
+                        <a:srgbClr val="000000"/>
+                      </a:solidFill>
+                      <a:prstDash val="solid"/>
+                      <a:round/>
+                      <a:headEnd type="none" w="med" len="med"/>
+                      <a:tailEnd type="none" w="med" len="med"/>
+                    </a:lnT>
+                    <a:lnB w="12700" cap="flat" cmpd="sng" algn="ctr">
+                      <a:solidFill>
+                        <a:srgbClr val="000000"/>
+                      </a:solidFill>
+                      <a:prstDash val="solid"/>
+                      <a:round/>
+                      <a:headEnd type="none" w="med" len="med"/>
+                      <a:tailEnd type="none" w="med" len="med"/>
+                    </a:lnB>
+                    <a:lnTlToBr>
+                      <a:noFill/>
+                    </a:lnTlToBr>
+                    <a:lnBlToTr>
+                      <a:noFill/>
+                    </a:lnBlToTr>
+                    <a:noFill/>
+                  </a:tcPr>
+                </a:tc>
+                <a:tc hMerge="1">
+                  <a:txBody>
+                    <a:bodyPr/>
+                    <a:lstStyle/>
+                    <a:p>
+                      <a:endParaRPr lang="es-ES"/>
+                    </a:p>
+                  </a:txBody>
+                  <a:tcPr/>
+                </a:tc>
+              </a:tr>
+              <a:tr h="260350">
+                <a:tc>
+                  <a:txBody>
+                    <a:bodyPr/>
+                    <a:lstStyle/>
+                    <a:p>
+                      <a:pPr marL="0" marR="0" lvl="0" indent="0" algn="l" defTabSz="914400" rtl="0" eaLnBrk="1" fontAlgn="base" latinLnBrk="0" hangingPunct="1">
+                        <a:lnSpc>
+                          <a:spcPct val="100000"/>
+                        </a:lnSpc>
+                        <a:spcBef>
+                          <a:spcPct val="0"/>
+                        </a:spcBef>
+                        <a:spcAft>
+                          <a:spcPct val="0"/>
+                        </a:spcAft>
+                        <a:buClrTx/>
+                        <a:buSzTx/>
+                        <a:buFontTx/>
+                        <a:buNone/>
+                        <a:tabLst/>
+                      </a:pPr>
+                      <a:r>
+                        <a:rPr kumimoji="0" lang="es-PE" sz="1600" b="1" i="0" u="none" strike="noStrike" cap="none" normalizeH="0" baseline="0" smtClean="0">
+                          <a:ln>
+                            <a:noFill/>
+                          </a:ln>
+                          <a:solidFill>
+                            <a:schemeClr val="tx2"/>
+                          </a:solidFill>
+                          <a:effectLst/>
+                          <a:latin typeface="Calibri" pitchFamily="34" charset="0"/>
+                          <a:cs typeface="Times New Roman" pitchFamily="18" charset="0"/>
+                        </a:rPr>
+                        <a:t>NOMBRE</a:t>
+                      </a:r>
+                      <a:endParaRPr kumimoji="0" lang="es-PE" sz="1600" b="0" i="0" u="none" strike="noStrike" cap="none" normalizeH="0" baseline="0" smtClean="0">
+                        <a:ln>
+                          <a:noFill/>
+                        </a:ln>
+                        <a:solidFill>
+                          <a:schemeClr val="tx2"/>
+                        </a:solidFill>
+                        <a:effectLst/>
+                        <a:latin typeface="Arial" charset="0"/>
+                      </a:endParaRPr>
+                    </a:p>
+                  </a:txBody>
+                  <a:tcPr horzOverflow="overflow">
+                    <a:lnL w="12700" cap="flat" cmpd="sng" algn="ctr">
+                      <a:solidFill>
+                        <a:srgbClr val="000000"/>
+                      </a:solidFill>
+                      <a:prstDash val="solid"/>
+                      <a:round/>
+                      <a:headEnd type="none" w="med" len="med"/>
+                      <a:tailEnd type="none" w="med" len="med"/>
+                    </a:lnL>
+                    <a:lnR w="12700" cap="flat" cmpd="sng" algn="ctr">
+                      <a:solidFill>
+                        <a:srgbClr val="000000"/>
+                      </a:solidFill>
+                      <a:prstDash val="solid"/>
+                      <a:round/>
+                      <a:headEnd type="none" w="med" len="med"/>
+                      <a:tailEnd type="none" w="med" len="med"/>
+                    </a:lnR>
+                    <a:lnT w="12700" cap="flat" cmpd="sng" algn="ctr">
+                      <a:solidFill>
+                        <a:srgbClr val="000000"/>
+                      </a:solidFill>
+                      <a:prstDash val="solid"/>
+                      <a:round/>
+                      <a:headEnd type="none" w="med" len="med"/>
+                      <a:tailEnd type="none" w="med" len="med"/>
+                    </a:lnT>
+                    <a:lnB w="12700" cap="flat" cmpd="sng" algn="ctr">
+                      <a:solidFill>
+                        <a:srgbClr val="000000"/>
+                      </a:solidFill>
+                      <a:prstDash val="solid"/>
+                      <a:round/>
+                      <a:headEnd type="none" w="med" len="med"/>
+                      <a:tailEnd type="none" w="med" len="med"/>
+                    </a:lnB>
+                    <a:lnTlToBr>
+                      <a:noFill/>
+                    </a:lnTlToBr>
+                    <a:lnBlToTr>
+                      <a:noFill/>
+                    </a:lnBlToTr>
+                    <a:noFill/>
+                  </a:tcPr>
+                </a:tc>
+                <a:tc>
+                  <a:txBody>
+                    <a:bodyPr/>
+                    <a:lstStyle/>
+                    <a:p>
+                      <a:pPr marL="0" marR="0" lvl="0" indent="0" algn="l" defTabSz="914400" rtl="0" eaLnBrk="1" fontAlgn="base" latinLnBrk="0" hangingPunct="1">
+                        <a:lnSpc>
+                          <a:spcPct val="100000"/>
+                        </a:lnSpc>
+                        <a:spcBef>
+                          <a:spcPct val="0"/>
+                        </a:spcBef>
+                        <a:spcAft>
+                          <a:spcPct val="0"/>
+                        </a:spcAft>
+                        <a:buClrTx/>
+                        <a:buSzTx/>
+                        <a:buFontTx/>
+                        <a:buNone/>
+                        <a:tabLst/>
+                      </a:pPr>
+                      <a:r>
+                        <a:rPr kumimoji="0" lang="es-PE" sz="1600" b="0" i="0" u="none" strike="noStrike" cap="none" normalizeH="0" baseline="0" smtClean="0">
+                          <a:ln>
+                            <a:noFill/>
+                          </a:ln>
+                          <a:solidFill>
+                            <a:schemeClr val="tx2"/>
+                          </a:solidFill>
+                          <a:effectLst/>
+                          <a:latin typeface="Calibri" pitchFamily="34" charset="0"/>
+                          <a:cs typeface="Times New Roman" pitchFamily="18" charset="0"/>
+                        </a:rPr>
+                        <a:t>Prevenci</a:t>
+                      </a:r>
+                      <a:r>
+                        <a:rPr kumimoji="0" lang="es-PE" sz="1400" b="0" i="0" u="none" strike="noStrike" cap="none" normalizeH="0" baseline="0" smtClean="0">
+                          <a:ln>
+                            <a:noFill/>
+                          </a:ln>
+                          <a:solidFill>
+                            <a:schemeClr val="tx2"/>
+                          </a:solidFill>
+                          <a:effectLst/>
+                          <a:latin typeface="Arial"/>
+                          <a:cs typeface="Times New Roman" pitchFamily="18" charset="0"/>
+                        </a:rPr>
+                        <a:t>ó</a:t>
+                      </a:r>
+                      <a:r>
+                        <a:rPr kumimoji="0" lang="es-PE" sz="1600" b="0" i="0" u="none" strike="noStrike" cap="none" normalizeH="0" baseline="0" smtClean="0">
+                          <a:ln>
+                            <a:noFill/>
+                          </a:ln>
+                          <a:solidFill>
+                            <a:schemeClr val="tx2"/>
+                          </a:solidFill>
+                          <a:effectLst/>
+                          <a:latin typeface="Calibri" pitchFamily="34" charset="0"/>
+                          <a:cs typeface="Times New Roman" pitchFamily="18" charset="0"/>
+                        </a:rPr>
+                        <a:t>n de ca</a:t>
+                      </a:r>
+                      <a:r>
+                        <a:rPr kumimoji="0" lang="es-PE" sz="1600" b="0" i="0" u="none" strike="noStrike" cap="none" normalizeH="0" baseline="0" smtClean="0">
+                          <a:ln>
+                            <a:noFill/>
+                          </a:ln>
+                          <a:solidFill>
+                            <a:schemeClr val="tx2"/>
+                          </a:solidFill>
+                          <a:effectLst/>
+                          <a:latin typeface="Arial"/>
+                          <a:cs typeface="Times New Roman" pitchFamily="18" charset="0"/>
+                        </a:rPr>
+                        <a:t>í</a:t>
+                      </a:r>
+                      <a:r>
+                        <a:rPr kumimoji="0" lang="es-PE" sz="1600" b="0" i="0" u="none" strike="noStrike" cap="none" normalizeH="0" baseline="0" smtClean="0">
+                          <a:ln>
+                            <a:noFill/>
+                          </a:ln>
+                          <a:solidFill>
+                            <a:schemeClr val="tx2"/>
+                          </a:solidFill>
+                          <a:effectLst/>
+                          <a:latin typeface="Calibri" pitchFamily="34" charset="0"/>
+                          <a:cs typeface="Times New Roman" pitchFamily="18" charset="0"/>
+                        </a:rPr>
+                        <a:t>das</a:t>
+                      </a:r>
+                      <a:endParaRPr kumimoji="0" lang="es-PE" sz="1600" b="0" i="0" u="none" strike="noStrike" cap="none" normalizeH="0" baseline="0" smtClean="0">
+                        <a:ln>
+                          <a:noFill/>
+                        </a:ln>
+                        <a:solidFill>
+                          <a:schemeClr val="tx2"/>
+                        </a:solidFill>
+                        <a:effectLst/>
+                        <a:latin typeface="Arial" charset="0"/>
+                      </a:endParaRPr>
+                    </a:p>
+                  </a:txBody>
+                  <a:tcPr horzOverflow="overflow">
+                    <a:lnL w="12700" cap="flat" cmpd="sng" algn="ctr">
+                      <a:solidFill>
+                        <a:srgbClr val="000000"/>
+                      </a:solidFill>
+                      <a:prstDash val="solid"/>
+                      <a:round/>
+                      <a:headEnd type="none" w="med" len="med"/>
+                      <a:tailEnd type="none" w="med" len="med"/>
+                    </a:lnL>
+                    <a:lnR w="12700" cap="flat" cmpd="sng" algn="ctr">
+                      <a:solidFill>
+                        <a:srgbClr val="000000"/>
+                      </a:solidFill>
+                      <a:prstDash val="solid"/>
+                      <a:round/>
+                      <a:headEnd type="none" w="med" len="med"/>
+                      <a:tailEnd type="none" w="med" len="med"/>
+                    </a:lnR>
+                    <a:lnT w="12700" cap="flat" cmpd="sng" algn="ctr">
+                      <a:solidFill>
+                        <a:srgbClr val="000000"/>
+                      </a:solidFill>
+                      <a:prstDash val="solid"/>
+                      <a:round/>
+                      <a:headEnd type="none" w="med" len="med"/>
+                      <a:tailEnd type="none" w="med" len="med"/>
+                    </a:lnT>
+                    <a:lnB w="12700" cap="flat" cmpd="sng" algn="ctr">
+                      <a:solidFill>
+                        <a:srgbClr val="000000"/>
+                      </a:solidFill>
+                      <a:prstDash val="solid"/>
+                      <a:round/>
+                      <a:headEnd type="none" w="med" len="med"/>
+                      <a:tailEnd type="none" w="med" len="med"/>
+                    </a:lnB>
+                    <a:lnTlToBr>
+                      <a:noFill/>
+                    </a:lnTlToBr>
+                    <a:lnBlToTr>
+                      <a:noFill/>
+                    </a:lnBlToTr>
+                    <a:noFill/>
+                  </a:tcPr>
+                </a:tc>
+              </a:tr>
+              <a:tr h="260350">
+                <a:tc>
+                  <a:txBody>
+                    <a:bodyPr/>
+                    <a:lstStyle/>
+                    <a:p>
+                      <a:pPr marL="0" marR="0" lvl="0" indent="0" algn="l" defTabSz="914400" rtl="0" eaLnBrk="1" fontAlgn="base" latinLnBrk="0" hangingPunct="1">
+                        <a:lnSpc>
+                          <a:spcPct val="100000"/>
+                        </a:lnSpc>
+                        <a:spcBef>
+                          <a:spcPct val="0"/>
+                        </a:spcBef>
+                        <a:spcAft>
+                          <a:spcPct val="0"/>
+                        </a:spcAft>
+                        <a:buClrTx/>
+                        <a:buSzTx/>
+                        <a:buFontTx/>
+                        <a:buNone/>
+                        <a:tabLst/>
+                      </a:pPr>
+                      <a:r>
+                        <a:rPr kumimoji="0" lang="es-PE" sz="1600" b="1" i="0" u="none" strike="noStrike" cap="none" normalizeH="0" baseline="0" smtClean="0">
+                          <a:ln>
+                            <a:noFill/>
+                          </a:ln>
+                          <a:solidFill>
+                            <a:schemeClr val="tx2"/>
+                          </a:solidFill>
+                          <a:effectLst/>
+                          <a:latin typeface="Calibri" pitchFamily="34" charset="0"/>
+                          <a:cs typeface="Times New Roman" pitchFamily="18" charset="0"/>
+                        </a:rPr>
+                        <a:t>PROPOSITO</a:t>
+                      </a:r>
+                      <a:endParaRPr kumimoji="0" lang="es-PE" sz="1600" b="0" i="0" u="none" strike="noStrike" cap="none" normalizeH="0" baseline="0" smtClean="0">
+                        <a:ln>
+                          <a:noFill/>
+                        </a:ln>
+                        <a:solidFill>
+                          <a:schemeClr val="tx2"/>
+                        </a:solidFill>
+                        <a:effectLst/>
+                        <a:latin typeface="Arial" charset="0"/>
+                      </a:endParaRPr>
+                    </a:p>
+                  </a:txBody>
+                  <a:tcPr horzOverflow="overflow">
+                    <a:lnL w="12700" cap="flat" cmpd="sng" algn="ctr">
+                      <a:solidFill>
+                        <a:srgbClr val="000000"/>
+                      </a:solidFill>
+                      <a:prstDash val="solid"/>
+                      <a:round/>
+                      <a:headEnd type="none" w="med" len="med"/>
+                      <a:tailEnd type="none" w="med" len="med"/>
+                    </a:lnL>
+                    <a:lnR w="12700" cap="flat" cmpd="sng" algn="ctr">
+                      <a:solidFill>
+                        <a:srgbClr val="000000"/>
+                      </a:solidFill>
+                      <a:prstDash val="solid"/>
+                      <a:round/>
+                      <a:headEnd type="none" w="med" len="med"/>
+                      <a:tailEnd type="none" w="med" len="med"/>
+                    </a:lnR>
+                    <a:lnT w="12700" cap="flat" cmpd="sng" algn="ctr">
+                      <a:solidFill>
+                        <a:srgbClr val="000000"/>
+                      </a:solidFill>
+                      <a:prstDash val="solid"/>
+                      <a:round/>
+                      <a:headEnd type="none" w="med" len="med"/>
+                      <a:tailEnd type="none" w="med" len="med"/>
+                    </a:lnT>
+                    <a:lnB w="12700" cap="flat" cmpd="sng" algn="ctr">
+                      <a:solidFill>
+                        <a:srgbClr val="000000"/>
+                      </a:solidFill>
+                      <a:prstDash val="solid"/>
+                      <a:round/>
+                      <a:headEnd type="none" w="med" len="med"/>
+                      <a:tailEnd type="none" w="med" len="med"/>
+                    </a:lnB>
+                    <a:lnTlToBr>
+                      <a:noFill/>
+                    </a:lnTlToBr>
+                    <a:lnBlToTr>
+                      <a:noFill/>
+                    </a:lnBlToTr>
+                    <a:noFill/>
+                  </a:tcPr>
+                </a:tc>
+                <a:tc>
+                  <a:txBody>
+                    <a:bodyPr/>
+                    <a:lstStyle/>
+                    <a:p>
+                      <a:pPr marL="0" marR="0" lvl="0" indent="0" algn="l" defTabSz="914400" rtl="0" eaLnBrk="1" fontAlgn="base" latinLnBrk="0" hangingPunct="1">
+                        <a:lnSpc>
+                          <a:spcPct val="100000"/>
+                        </a:lnSpc>
+                        <a:spcBef>
+                          <a:spcPct val="0"/>
+                        </a:spcBef>
+                        <a:spcAft>
+                          <a:spcPct val="0"/>
+                        </a:spcAft>
+                        <a:buClrTx/>
+                        <a:buSzTx/>
+                        <a:buFontTx/>
+                        <a:buNone/>
+                        <a:tabLst/>
+                      </a:pPr>
+                      <a:r>
+                        <a:rPr kumimoji="0" lang="es-PE" sz="1600" b="0" i="0" u="none" strike="noStrike" cap="none" normalizeH="0" baseline="0" smtClean="0">
+                          <a:ln>
+                            <a:noFill/>
+                          </a:ln>
+                          <a:solidFill>
+                            <a:schemeClr val="tx2"/>
+                          </a:solidFill>
+                          <a:effectLst/>
+                          <a:latin typeface="Calibri" pitchFamily="34" charset="0"/>
+                          <a:cs typeface="Times New Roman" pitchFamily="18" charset="0"/>
+                        </a:rPr>
+                        <a:t>Medir la frecuencia de ca</a:t>
+                      </a:r>
+                      <a:r>
+                        <a:rPr kumimoji="0" lang="es-PE" sz="1600" b="0" i="0" u="none" strike="noStrike" cap="none" normalizeH="0" baseline="0" smtClean="0">
+                          <a:ln>
+                            <a:noFill/>
+                          </a:ln>
+                          <a:solidFill>
+                            <a:schemeClr val="tx2"/>
+                          </a:solidFill>
+                          <a:effectLst/>
+                          <a:latin typeface="Arial"/>
+                          <a:cs typeface="Times New Roman" pitchFamily="18" charset="0"/>
+                        </a:rPr>
+                        <a:t>í</a:t>
+                      </a:r>
+                      <a:r>
+                        <a:rPr kumimoji="0" lang="es-PE" sz="1600" b="0" i="0" u="none" strike="noStrike" cap="none" normalizeH="0" baseline="0" smtClean="0">
+                          <a:ln>
+                            <a:noFill/>
+                          </a:ln>
+                          <a:solidFill>
+                            <a:schemeClr val="tx2"/>
+                          </a:solidFill>
+                          <a:effectLst/>
+                          <a:latin typeface="Calibri" pitchFamily="34" charset="0"/>
+                          <a:cs typeface="Times New Roman" pitchFamily="18" charset="0"/>
+                        </a:rPr>
+                        <a:t>das del software en el ambiente de producci</a:t>
+                      </a:r>
+                      <a:r>
+                        <a:rPr kumimoji="0" lang="es-PE" sz="1600" b="0" i="0" u="none" strike="noStrike" cap="none" normalizeH="0" baseline="0" smtClean="0">
+                          <a:ln>
+                            <a:noFill/>
+                          </a:ln>
+                          <a:solidFill>
+                            <a:schemeClr val="tx2"/>
+                          </a:solidFill>
+                          <a:effectLst/>
+                          <a:latin typeface="Arial"/>
+                          <a:cs typeface="Times New Roman" pitchFamily="18" charset="0"/>
+                        </a:rPr>
+                        <a:t>ó</a:t>
+                      </a:r>
+                      <a:r>
+                        <a:rPr kumimoji="0" lang="es-PE" sz="1600" b="0" i="0" u="none" strike="noStrike" cap="none" normalizeH="0" baseline="0" smtClean="0">
+                          <a:ln>
+                            <a:noFill/>
+                          </a:ln>
+                          <a:solidFill>
+                            <a:schemeClr val="tx2"/>
+                          </a:solidFill>
+                          <a:effectLst/>
+                          <a:latin typeface="Calibri" pitchFamily="34" charset="0"/>
+                          <a:cs typeface="Times New Roman" pitchFamily="18" charset="0"/>
+                        </a:rPr>
+                        <a:t>n</a:t>
+                      </a:r>
+                      <a:endParaRPr kumimoji="0" lang="es-PE" sz="1600" b="0" i="0" u="none" strike="noStrike" cap="none" normalizeH="0" baseline="0" smtClean="0">
+                        <a:ln>
+                          <a:noFill/>
+                        </a:ln>
+                        <a:solidFill>
+                          <a:schemeClr val="tx2"/>
+                        </a:solidFill>
+                        <a:effectLst/>
+                        <a:latin typeface="Arial" charset="0"/>
+                      </a:endParaRPr>
+                    </a:p>
+                  </a:txBody>
+                  <a:tcPr horzOverflow="overflow">
+                    <a:lnL w="12700" cap="flat" cmpd="sng" algn="ctr">
+                      <a:solidFill>
+                        <a:srgbClr val="000000"/>
+                      </a:solidFill>
+                      <a:prstDash val="solid"/>
+                      <a:round/>
+                      <a:headEnd type="none" w="med" len="med"/>
+                      <a:tailEnd type="none" w="med" len="med"/>
+                    </a:lnL>
+                    <a:lnR w="12700" cap="flat" cmpd="sng" algn="ctr">
+                      <a:solidFill>
+                        <a:srgbClr val="000000"/>
+                      </a:solidFill>
+                      <a:prstDash val="solid"/>
+                      <a:round/>
+                      <a:headEnd type="none" w="med" len="med"/>
+                      <a:tailEnd type="none" w="med" len="med"/>
+                    </a:lnR>
+                    <a:lnT w="12700" cap="flat" cmpd="sng" algn="ctr">
+                      <a:solidFill>
+                        <a:srgbClr val="000000"/>
+                      </a:solidFill>
+                      <a:prstDash val="solid"/>
+                      <a:round/>
+                      <a:headEnd type="none" w="med" len="med"/>
+                      <a:tailEnd type="none" w="med" len="med"/>
+                    </a:lnT>
+                    <a:lnB w="12700" cap="flat" cmpd="sng" algn="ctr">
+                      <a:solidFill>
+                        <a:srgbClr val="000000"/>
+                      </a:solidFill>
+                      <a:prstDash val="solid"/>
+                      <a:round/>
+                      <a:headEnd type="none" w="med" len="med"/>
+                      <a:tailEnd type="none" w="med" len="med"/>
+                    </a:lnB>
+                    <a:lnTlToBr>
+                      <a:noFill/>
+                    </a:lnTlToBr>
+                    <a:lnBlToTr>
+                      <a:noFill/>
+                    </a:lnBlToTr>
+                    <a:noFill/>
+                  </a:tcPr>
+                </a:tc>
+              </a:tr>
+              <a:tr h="260350">
+                <a:tc>
+                  <a:txBody>
+                    <a:bodyPr/>
+                    <a:lstStyle/>
+                    <a:p>
+                      <a:pPr marL="0" marR="0" lvl="0" indent="0" algn="l" defTabSz="914400" rtl="0" eaLnBrk="1" fontAlgn="base" latinLnBrk="0" hangingPunct="1">
+                        <a:lnSpc>
+                          <a:spcPct val="100000"/>
+                        </a:lnSpc>
+                        <a:spcBef>
+                          <a:spcPct val="0"/>
+                        </a:spcBef>
+                        <a:spcAft>
+                          <a:spcPct val="0"/>
+                        </a:spcAft>
+                        <a:buClrTx/>
+                        <a:buSzTx/>
+                        <a:buFontTx/>
+                        <a:buNone/>
+                        <a:tabLst/>
+                      </a:pPr>
+                      <a:r>
+                        <a:rPr kumimoji="0" lang="es-PE" sz="1600" b="1" i="0" u="none" strike="noStrike" cap="none" normalizeH="0" baseline="0" smtClean="0">
+                          <a:ln>
+                            <a:noFill/>
+                          </a:ln>
+                          <a:solidFill>
+                            <a:schemeClr val="tx2"/>
+                          </a:solidFill>
+                          <a:effectLst/>
+                          <a:latin typeface="Calibri" pitchFamily="34" charset="0"/>
+                          <a:cs typeface="Times New Roman" pitchFamily="18" charset="0"/>
+                        </a:rPr>
+                        <a:t>METODO APLICACI</a:t>
+                      </a:r>
+                      <a:r>
+                        <a:rPr kumimoji="0" lang="es-PE" sz="1600" b="1" i="0" u="none" strike="noStrike" cap="none" normalizeH="0" baseline="0" smtClean="0">
+                          <a:ln>
+                            <a:noFill/>
+                          </a:ln>
+                          <a:solidFill>
+                            <a:schemeClr val="tx2"/>
+                          </a:solidFill>
+                          <a:effectLst/>
+                          <a:latin typeface="Arial"/>
+                          <a:cs typeface="Times New Roman" pitchFamily="18" charset="0"/>
+                        </a:rPr>
+                        <a:t>Ó</a:t>
+                      </a:r>
+                      <a:r>
+                        <a:rPr kumimoji="0" lang="es-PE" sz="1600" b="1" i="0" u="none" strike="noStrike" cap="none" normalizeH="0" baseline="0" smtClean="0">
+                          <a:ln>
+                            <a:noFill/>
+                          </a:ln>
+                          <a:solidFill>
+                            <a:schemeClr val="tx2"/>
+                          </a:solidFill>
+                          <a:effectLst/>
+                          <a:latin typeface="Calibri" pitchFamily="34" charset="0"/>
+                          <a:cs typeface="Times New Roman" pitchFamily="18" charset="0"/>
+                        </a:rPr>
+                        <a:t>N</a:t>
+                      </a:r>
+                      <a:endParaRPr kumimoji="0" lang="es-PE" sz="1600" b="0" i="0" u="none" strike="noStrike" cap="none" normalizeH="0" baseline="0" smtClean="0">
+                        <a:ln>
+                          <a:noFill/>
+                        </a:ln>
+                        <a:solidFill>
+                          <a:schemeClr val="tx2"/>
+                        </a:solidFill>
+                        <a:effectLst/>
+                        <a:latin typeface="Arial" charset="0"/>
+                      </a:endParaRPr>
+                    </a:p>
+                  </a:txBody>
+                  <a:tcPr horzOverflow="overflow">
+                    <a:lnL w="12700" cap="flat" cmpd="sng" algn="ctr">
+                      <a:solidFill>
+                        <a:srgbClr val="000000"/>
+                      </a:solidFill>
+                      <a:prstDash val="solid"/>
+                      <a:round/>
+                      <a:headEnd type="none" w="med" len="med"/>
+                      <a:tailEnd type="none" w="med" len="med"/>
+                    </a:lnL>
+                    <a:lnR w="12700" cap="flat" cmpd="sng" algn="ctr">
+                      <a:solidFill>
+                        <a:srgbClr val="000000"/>
+                      </a:solidFill>
+                      <a:prstDash val="solid"/>
+                      <a:round/>
+                      <a:headEnd type="none" w="med" len="med"/>
+                      <a:tailEnd type="none" w="med" len="med"/>
+                    </a:lnR>
+                    <a:lnT w="12700" cap="flat" cmpd="sng" algn="ctr">
+                      <a:solidFill>
+                        <a:srgbClr val="000000"/>
+                      </a:solidFill>
+                      <a:prstDash val="solid"/>
+                      <a:round/>
+                      <a:headEnd type="none" w="med" len="med"/>
+                      <a:tailEnd type="none" w="med" len="med"/>
+                    </a:lnT>
+                    <a:lnB w="12700" cap="flat" cmpd="sng" algn="ctr">
+                      <a:solidFill>
+                        <a:srgbClr val="000000"/>
+                      </a:solidFill>
+                      <a:prstDash val="solid"/>
+                      <a:round/>
+                      <a:headEnd type="none" w="med" len="med"/>
+                      <a:tailEnd type="none" w="med" len="med"/>
+                    </a:lnB>
+                    <a:lnTlToBr>
+                      <a:noFill/>
+                    </a:lnTlToBr>
+                    <a:lnBlToTr>
+                      <a:noFill/>
+                    </a:lnBlToTr>
+                    <a:noFill/>
+                  </a:tcPr>
+                </a:tc>
+                <a:tc>
+                  <a:txBody>
+                    <a:bodyPr/>
+                    <a:lstStyle/>
+                    <a:p>
+                      <a:pPr marL="0" marR="0" lvl="0" indent="0" algn="l" defTabSz="914400" rtl="0" eaLnBrk="1" fontAlgn="base" latinLnBrk="0" hangingPunct="1">
+                        <a:lnSpc>
+                          <a:spcPct val="100000"/>
+                        </a:lnSpc>
+                        <a:spcBef>
+                          <a:spcPct val="0"/>
+                        </a:spcBef>
+                        <a:spcAft>
+                          <a:spcPct val="0"/>
+                        </a:spcAft>
+                        <a:buClrTx/>
+                        <a:buSzTx/>
+                        <a:buFontTx/>
+                        <a:buNone/>
+                        <a:tabLst/>
+                      </a:pPr>
+                      <a:r>
+                        <a:rPr kumimoji="0" lang="es-PE" sz="1600" b="0" i="0" u="none" strike="noStrike" cap="none" normalizeH="0" baseline="0" smtClean="0">
+                          <a:ln>
+                            <a:noFill/>
+                          </a:ln>
+                          <a:solidFill>
+                            <a:schemeClr val="tx2"/>
+                          </a:solidFill>
+                          <a:effectLst/>
+                          <a:latin typeface="Calibri" pitchFamily="34" charset="0"/>
+                          <a:cs typeface="Times New Roman" pitchFamily="18" charset="0"/>
+                        </a:rPr>
+                        <a:t>Contar el n</a:t>
+                      </a:r>
+                      <a:r>
+                        <a:rPr kumimoji="0" lang="es-PE" sz="1600" b="0" i="0" u="none" strike="noStrike" cap="none" normalizeH="0" baseline="0" smtClean="0">
+                          <a:ln>
+                            <a:noFill/>
+                          </a:ln>
+                          <a:solidFill>
+                            <a:schemeClr val="tx2"/>
+                          </a:solidFill>
+                          <a:effectLst/>
+                          <a:latin typeface="Arial"/>
+                          <a:cs typeface="Times New Roman" pitchFamily="18" charset="0"/>
+                        </a:rPr>
+                        <a:t>ú</a:t>
+                      </a:r>
+                      <a:r>
+                        <a:rPr kumimoji="0" lang="es-PE" sz="1600" b="0" i="0" u="none" strike="noStrike" cap="none" normalizeH="0" baseline="0" smtClean="0">
+                          <a:ln>
+                            <a:noFill/>
+                          </a:ln>
+                          <a:solidFill>
+                            <a:schemeClr val="tx2"/>
+                          </a:solidFill>
+                          <a:effectLst/>
+                          <a:latin typeface="Calibri" pitchFamily="34" charset="0"/>
+                          <a:cs typeface="Times New Roman" pitchFamily="18" charset="0"/>
+                        </a:rPr>
+                        <a:t>mero de ca</a:t>
+                      </a:r>
+                      <a:r>
+                        <a:rPr kumimoji="0" lang="es-PE" sz="1600" b="0" i="0" u="none" strike="noStrike" cap="none" normalizeH="0" baseline="0" smtClean="0">
+                          <a:ln>
+                            <a:noFill/>
+                          </a:ln>
+                          <a:solidFill>
+                            <a:schemeClr val="tx2"/>
+                          </a:solidFill>
+                          <a:effectLst/>
+                          <a:latin typeface="Arial"/>
+                          <a:cs typeface="Times New Roman" pitchFamily="18" charset="0"/>
+                        </a:rPr>
+                        <a:t>í</a:t>
+                      </a:r>
+                      <a:r>
+                        <a:rPr kumimoji="0" lang="es-PE" sz="1600" b="0" i="0" u="none" strike="noStrike" cap="none" normalizeH="0" baseline="0" smtClean="0">
+                          <a:ln>
+                            <a:noFill/>
+                          </a:ln>
+                          <a:solidFill>
+                            <a:schemeClr val="tx2"/>
+                          </a:solidFill>
+                          <a:effectLst/>
+                          <a:latin typeface="Calibri" pitchFamily="34" charset="0"/>
+                          <a:cs typeface="Times New Roman" pitchFamily="18" charset="0"/>
+                        </a:rPr>
+                        <a:t>das ocurridas con respecto al n</a:t>
+                      </a:r>
+                      <a:r>
+                        <a:rPr kumimoji="0" lang="es-PE" sz="1600" b="0" i="0" u="none" strike="noStrike" cap="none" normalizeH="0" baseline="0" smtClean="0">
+                          <a:ln>
+                            <a:noFill/>
+                          </a:ln>
+                          <a:solidFill>
+                            <a:schemeClr val="tx2"/>
+                          </a:solidFill>
+                          <a:effectLst/>
+                          <a:latin typeface="Arial"/>
+                          <a:cs typeface="Times New Roman" pitchFamily="18" charset="0"/>
+                        </a:rPr>
+                        <a:t>ú</a:t>
+                      </a:r>
+                      <a:r>
+                        <a:rPr kumimoji="0" lang="es-PE" sz="1600" b="0" i="0" u="none" strike="noStrike" cap="none" normalizeH="0" baseline="0" smtClean="0">
+                          <a:ln>
+                            <a:noFill/>
+                          </a:ln>
+                          <a:solidFill>
+                            <a:schemeClr val="tx2"/>
+                          </a:solidFill>
+                          <a:effectLst/>
+                          <a:latin typeface="Calibri" pitchFamily="34" charset="0"/>
+                          <a:cs typeface="Times New Roman" pitchFamily="18" charset="0"/>
+                        </a:rPr>
+                        <a:t>mero de fallas</a:t>
+                      </a:r>
+                      <a:endParaRPr kumimoji="0" lang="es-PE" sz="1600" b="0" i="0" u="none" strike="noStrike" cap="none" normalizeH="0" baseline="0" smtClean="0">
+                        <a:ln>
+                          <a:noFill/>
+                        </a:ln>
+                        <a:solidFill>
+                          <a:schemeClr val="tx2"/>
+                        </a:solidFill>
+                        <a:effectLst/>
+                        <a:latin typeface="Arial" charset="0"/>
+                      </a:endParaRPr>
+                    </a:p>
+                  </a:txBody>
+                  <a:tcPr horzOverflow="overflow">
+                    <a:lnL w="12700" cap="flat" cmpd="sng" algn="ctr">
+                      <a:solidFill>
+                        <a:srgbClr val="000000"/>
+                      </a:solidFill>
+                      <a:prstDash val="solid"/>
+                      <a:round/>
+                      <a:headEnd type="none" w="med" len="med"/>
+                      <a:tailEnd type="none" w="med" len="med"/>
+                    </a:lnL>
+                    <a:lnR w="12700" cap="flat" cmpd="sng" algn="ctr">
+                      <a:solidFill>
+                        <a:srgbClr val="000000"/>
+                      </a:solidFill>
+                      <a:prstDash val="solid"/>
+                      <a:round/>
+                      <a:headEnd type="none" w="med" len="med"/>
+                      <a:tailEnd type="none" w="med" len="med"/>
+                    </a:lnR>
+                    <a:lnT w="12700" cap="flat" cmpd="sng" algn="ctr">
+                      <a:solidFill>
+                        <a:srgbClr val="000000"/>
+                      </a:solidFill>
+                      <a:prstDash val="solid"/>
+                      <a:round/>
+                      <a:headEnd type="none" w="med" len="med"/>
+                      <a:tailEnd type="none" w="med" len="med"/>
+                    </a:lnT>
+                    <a:lnB w="12700" cap="flat" cmpd="sng" algn="ctr">
+                      <a:solidFill>
+                        <a:srgbClr val="000000"/>
+                      </a:solidFill>
+                      <a:prstDash val="solid"/>
+                      <a:round/>
+                      <a:headEnd type="none" w="med" len="med"/>
+                      <a:tailEnd type="none" w="med" len="med"/>
+                    </a:lnB>
+                    <a:lnTlToBr>
+                      <a:noFill/>
+                    </a:lnTlToBr>
+                    <a:lnBlToTr>
+                      <a:noFill/>
+                    </a:lnBlToTr>
+                    <a:noFill/>
+                  </a:tcPr>
+                </a:tc>
+              </a:tr>
+              <a:tr h="596900">
+                <a:tc>
+                  <a:txBody>
+                    <a:bodyPr/>
+                    <a:lstStyle/>
+                    <a:p>
+                      <a:pPr marL="0" marR="0" lvl="0" indent="0" algn="l" defTabSz="914400" rtl="0" eaLnBrk="1" fontAlgn="base" latinLnBrk="0" hangingPunct="1">
+                        <a:lnSpc>
+                          <a:spcPct val="100000"/>
+                        </a:lnSpc>
+                        <a:spcBef>
+                          <a:spcPct val="0"/>
+                        </a:spcBef>
+                        <a:spcAft>
+                          <a:spcPct val="0"/>
+                        </a:spcAft>
+                        <a:buClrTx/>
+                        <a:buSzTx/>
+                        <a:buFontTx/>
+                        <a:buNone/>
+                        <a:tabLst/>
+                      </a:pPr>
+                      <a:r>
+                        <a:rPr kumimoji="0" lang="es-PE" sz="1600" b="1" i="0" u="none" strike="noStrike" cap="none" normalizeH="0" baseline="0" smtClean="0">
+                          <a:ln>
+                            <a:noFill/>
+                          </a:ln>
+                          <a:solidFill>
+                            <a:schemeClr val="tx2"/>
+                          </a:solidFill>
+                          <a:effectLst/>
+                          <a:latin typeface="Calibri" pitchFamily="34" charset="0"/>
+                          <a:cs typeface="Times New Roman" pitchFamily="18" charset="0"/>
+                        </a:rPr>
+                        <a:t>FORMULA</a:t>
+                      </a:r>
+                      <a:endParaRPr kumimoji="0" lang="es-PE" sz="1600" b="0" i="0" u="none" strike="noStrike" cap="none" normalizeH="0" baseline="0" smtClean="0">
+                        <a:ln>
+                          <a:noFill/>
+                        </a:ln>
+                        <a:solidFill>
+                          <a:schemeClr val="tx2"/>
+                        </a:solidFill>
+                        <a:effectLst/>
+                        <a:latin typeface="Arial" charset="0"/>
+                      </a:endParaRPr>
+                    </a:p>
+                  </a:txBody>
+                  <a:tcPr horzOverflow="overflow">
+                    <a:lnL w="12700" cap="flat" cmpd="sng" algn="ctr">
+                      <a:solidFill>
+                        <a:srgbClr val="000000"/>
+                      </a:solidFill>
+                      <a:prstDash val="solid"/>
+                      <a:round/>
+                      <a:headEnd type="none" w="med" len="med"/>
+                      <a:tailEnd type="none" w="med" len="med"/>
+                    </a:lnL>
+                    <a:lnR w="12700" cap="flat" cmpd="sng" algn="ctr">
+                      <a:solidFill>
+                        <a:srgbClr val="000000"/>
+                      </a:solidFill>
+                      <a:prstDash val="solid"/>
+                      <a:round/>
+                      <a:headEnd type="none" w="med" len="med"/>
+                      <a:tailEnd type="none" w="med" len="med"/>
+                    </a:lnR>
+                    <a:lnT w="12700" cap="flat" cmpd="sng" algn="ctr">
+                      <a:solidFill>
+                        <a:srgbClr val="000000"/>
+                      </a:solidFill>
+                      <a:prstDash val="solid"/>
+                      <a:round/>
+                      <a:headEnd type="none" w="med" len="med"/>
+                      <a:tailEnd type="none" w="med" len="med"/>
+                    </a:lnT>
+                    <a:lnB w="12700" cap="flat" cmpd="sng" algn="ctr">
+                      <a:solidFill>
+                        <a:srgbClr val="000000"/>
+                      </a:solidFill>
+                      <a:prstDash val="solid"/>
+                      <a:round/>
+                      <a:headEnd type="none" w="med" len="med"/>
+                      <a:tailEnd type="none" w="med" len="med"/>
+                    </a:lnB>
+                    <a:lnTlToBr>
+                      <a:noFill/>
+                    </a:lnTlToBr>
+                    <a:lnBlToTr>
+                      <a:noFill/>
+                    </a:lnBlToTr>
+                    <a:noFill/>
+                  </a:tcPr>
+                </a:tc>
+                <a:tc>
+                  <a:txBody>
+                    <a:bodyPr/>
+                    <a:lstStyle/>
+                    <a:p>
+                      <a:pPr marL="0" marR="0" lvl="0" indent="0" algn="l" defTabSz="914400" rtl="0" eaLnBrk="1" fontAlgn="base" latinLnBrk="0" hangingPunct="1">
+                        <a:lnSpc>
+                          <a:spcPct val="100000"/>
+                        </a:lnSpc>
+                        <a:spcBef>
+                          <a:spcPct val="0"/>
+                        </a:spcBef>
+                        <a:spcAft>
+                          <a:spcPct val="0"/>
+                        </a:spcAft>
+                        <a:buClrTx/>
+                        <a:buSzTx/>
+                        <a:buFontTx/>
+                        <a:buNone/>
+                        <a:tabLst/>
+                      </a:pPr>
+                      <a:r>
+                        <a:rPr kumimoji="0" lang="pt-BR" sz="1600" b="0" i="0" u="none" strike="noStrike" cap="none" normalizeH="0" baseline="0" smtClean="0">
+                          <a:ln>
+                            <a:noFill/>
+                          </a:ln>
+                          <a:solidFill>
+                            <a:schemeClr val="tx2"/>
+                          </a:solidFill>
+                          <a:effectLst/>
+                          <a:latin typeface="Calibri" pitchFamily="34" charset="0"/>
+                          <a:cs typeface="Times New Roman" pitchFamily="18" charset="0"/>
+                        </a:rPr>
+                        <a:t>X = 1 - A / B</a:t>
+                      </a:r>
+                      <a:endParaRPr kumimoji="0" lang="es-ES" sz="1600" b="0" i="0" u="none" strike="noStrike" cap="none" normalizeH="0" baseline="0" smtClean="0">
+                        <a:ln>
+                          <a:noFill/>
+                        </a:ln>
+                        <a:solidFill>
+                          <a:schemeClr val="tx2"/>
+                        </a:solidFill>
+                        <a:effectLst/>
+                        <a:latin typeface="Times New Roman" pitchFamily="18" charset="0"/>
+                        <a:cs typeface="Times New Roman" pitchFamily="18" charset="0"/>
+                      </a:endParaRPr>
+                    </a:p>
+                    <a:p>
+                      <a:pPr marL="0" marR="0" lvl="0" indent="0" algn="l" defTabSz="914400" rtl="0" eaLnBrk="0" fontAlgn="base" latinLnBrk="0" hangingPunct="0">
+                        <a:lnSpc>
+                          <a:spcPct val="100000"/>
+                        </a:lnSpc>
+                        <a:spcBef>
+                          <a:spcPct val="0"/>
+                        </a:spcBef>
+                        <a:spcAft>
+                          <a:spcPct val="0"/>
+                        </a:spcAft>
+                        <a:buClrTx/>
+                        <a:buSzTx/>
+                        <a:buFontTx/>
+                        <a:buNone/>
+                        <a:tabLst/>
+                      </a:pPr>
+                      <a:r>
+                        <a:rPr kumimoji="0" lang="pt-BR" sz="1600" b="0" i="0" u="none" strike="noStrike" cap="none" normalizeH="0" baseline="0" smtClean="0">
+                          <a:ln>
+                            <a:noFill/>
+                          </a:ln>
+                          <a:solidFill>
+                            <a:schemeClr val="tx2"/>
+                          </a:solidFill>
+                          <a:effectLst/>
+                          <a:latin typeface="Calibri" pitchFamily="34" charset="0"/>
+                          <a:cs typeface="Times New Roman" pitchFamily="18" charset="0"/>
+                        </a:rPr>
+                        <a:t>A = N</a:t>
+                      </a:r>
+                      <a:r>
+                        <a:rPr kumimoji="0" lang="pt-BR" sz="1600" b="0" i="0" u="none" strike="noStrike" cap="none" normalizeH="0" baseline="0" smtClean="0">
+                          <a:ln>
+                            <a:noFill/>
+                          </a:ln>
+                          <a:solidFill>
+                            <a:schemeClr val="tx2"/>
+                          </a:solidFill>
+                          <a:effectLst/>
+                          <a:latin typeface="Arial"/>
+                          <a:cs typeface="Times New Roman" pitchFamily="18" charset="0"/>
+                        </a:rPr>
+                        <a:t>ú</a:t>
+                      </a:r>
+                      <a:r>
+                        <a:rPr kumimoji="0" lang="pt-BR" sz="1600" b="0" i="0" u="none" strike="noStrike" cap="none" normalizeH="0" baseline="0" smtClean="0">
+                          <a:ln>
+                            <a:noFill/>
+                          </a:ln>
+                          <a:solidFill>
+                            <a:schemeClr val="tx2"/>
+                          </a:solidFill>
+                          <a:effectLst/>
+                          <a:latin typeface="Calibri" pitchFamily="34" charset="0"/>
+                          <a:cs typeface="Times New Roman" pitchFamily="18" charset="0"/>
+                        </a:rPr>
+                        <a:t>mero de ca</a:t>
+                      </a:r>
+                      <a:r>
+                        <a:rPr kumimoji="0" lang="pt-BR" sz="1600" b="0" i="0" u="none" strike="noStrike" cap="none" normalizeH="0" baseline="0" smtClean="0">
+                          <a:ln>
+                            <a:noFill/>
+                          </a:ln>
+                          <a:solidFill>
+                            <a:schemeClr val="tx2"/>
+                          </a:solidFill>
+                          <a:effectLst/>
+                          <a:latin typeface="Arial"/>
+                          <a:cs typeface="Times New Roman" pitchFamily="18" charset="0"/>
+                        </a:rPr>
+                        <a:t>í</a:t>
+                      </a:r>
+                      <a:r>
+                        <a:rPr kumimoji="0" lang="pt-BR" sz="1600" b="0" i="0" u="none" strike="noStrike" cap="none" normalizeH="0" baseline="0" smtClean="0">
+                          <a:ln>
+                            <a:noFill/>
+                          </a:ln>
+                          <a:solidFill>
+                            <a:schemeClr val="tx2"/>
+                          </a:solidFill>
+                          <a:effectLst/>
+                          <a:latin typeface="Calibri" pitchFamily="34" charset="0"/>
+                          <a:cs typeface="Times New Roman" pitchFamily="18" charset="0"/>
+                        </a:rPr>
+                        <a:t>das</a:t>
+                      </a:r>
+                      <a:endParaRPr kumimoji="0" lang="es-ES" sz="1600" b="0" i="0" u="none" strike="noStrike" cap="none" normalizeH="0" baseline="0" smtClean="0">
+                        <a:ln>
+                          <a:noFill/>
+                        </a:ln>
+                        <a:solidFill>
+                          <a:schemeClr val="tx2"/>
+                        </a:solidFill>
+                        <a:effectLst/>
+                        <a:latin typeface="Times New Roman" pitchFamily="18" charset="0"/>
+                        <a:cs typeface="Times New Roman" pitchFamily="18" charset="0"/>
+                      </a:endParaRPr>
+                    </a:p>
+                    <a:p>
+                      <a:pPr marL="0" marR="0" lvl="0" indent="0" algn="l" defTabSz="914400" rtl="0" eaLnBrk="0" fontAlgn="base" latinLnBrk="0" hangingPunct="0">
+                        <a:lnSpc>
+                          <a:spcPct val="100000"/>
+                        </a:lnSpc>
+                        <a:spcBef>
+                          <a:spcPct val="0"/>
+                        </a:spcBef>
+                        <a:spcAft>
+                          <a:spcPct val="0"/>
+                        </a:spcAft>
+                        <a:buClrTx/>
+                        <a:buSzTx/>
+                        <a:buFontTx/>
+                        <a:buNone/>
+                        <a:tabLst/>
+                      </a:pPr>
+                      <a:r>
+                        <a:rPr kumimoji="0" lang="es-PE" sz="1600" b="0" i="0" u="none" strike="noStrike" cap="none" normalizeH="0" baseline="0" smtClean="0">
+                          <a:ln>
+                            <a:noFill/>
+                          </a:ln>
+                          <a:solidFill>
+                            <a:schemeClr val="tx2"/>
+                          </a:solidFill>
+                          <a:effectLst/>
+                          <a:latin typeface="Calibri" pitchFamily="34" charset="0"/>
+                          <a:cs typeface="Times New Roman" pitchFamily="18" charset="0"/>
+                        </a:rPr>
+                        <a:t>B = N</a:t>
+                      </a:r>
+                      <a:r>
+                        <a:rPr kumimoji="0" lang="es-PE" sz="1600" b="0" i="0" u="none" strike="noStrike" cap="none" normalizeH="0" baseline="0" smtClean="0">
+                          <a:ln>
+                            <a:noFill/>
+                          </a:ln>
+                          <a:solidFill>
+                            <a:schemeClr val="tx2"/>
+                          </a:solidFill>
+                          <a:effectLst/>
+                          <a:latin typeface="Arial"/>
+                          <a:cs typeface="Times New Roman" pitchFamily="18" charset="0"/>
+                        </a:rPr>
+                        <a:t>ú</a:t>
+                      </a:r>
+                      <a:r>
+                        <a:rPr kumimoji="0" lang="es-PE" sz="1600" b="0" i="0" u="none" strike="noStrike" cap="none" normalizeH="0" baseline="0" smtClean="0">
+                          <a:ln>
+                            <a:noFill/>
+                          </a:ln>
+                          <a:solidFill>
+                            <a:schemeClr val="tx2"/>
+                          </a:solidFill>
+                          <a:effectLst/>
+                          <a:latin typeface="Calibri" pitchFamily="34" charset="0"/>
+                          <a:cs typeface="Times New Roman" pitchFamily="18" charset="0"/>
+                        </a:rPr>
+                        <a:t>mero de fallas</a:t>
+                      </a:r>
+                      <a:endParaRPr kumimoji="0" lang="es-PE" sz="1600" b="0" i="0" u="none" strike="noStrike" cap="none" normalizeH="0" baseline="0" smtClean="0">
+                        <a:ln>
+                          <a:noFill/>
+                        </a:ln>
+                        <a:solidFill>
+                          <a:schemeClr val="tx2"/>
+                        </a:solidFill>
+                        <a:effectLst/>
+                        <a:latin typeface="Arial" charset="0"/>
+                      </a:endParaRPr>
+                    </a:p>
+                  </a:txBody>
+                  <a:tcPr horzOverflow="overflow">
+                    <a:lnL w="12700" cap="flat" cmpd="sng" algn="ctr">
+                      <a:solidFill>
+                        <a:srgbClr val="000000"/>
+                      </a:solidFill>
+                      <a:prstDash val="solid"/>
+                      <a:round/>
+                      <a:headEnd type="none" w="med" len="med"/>
+                      <a:tailEnd type="none" w="med" len="med"/>
+                    </a:lnL>
+                    <a:lnR w="12700" cap="flat" cmpd="sng" algn="ctr">
+                      <a:solidFill>
+                        <a:srgbClr val="000000"/>
+                      </a:solidFill>
+                      <a:prstDash val="solid"/>
+                      <a:round/>
+                      <a:headEnd type="none" w="med" len="med"/>
+                      <a:tailEnd type="none" w="med" len="med"/>
+                    </a:lnR>
+                    <a:lnT w="12700" cap="flat" cmpd="sng" algn="ctr">
+                      <a:solidFill>
+                        <a:srgbClr val="000000"/>
+                      </a:solidFill>
+                      <a:prstDash val="solid"/>
+                      <a:round/>
+                      <a:headEnd type="none" w="med" len="med"/>
+                      <a:tailEnd type="none" w="med" len="med"/>
+                    </a:lnT>
+                    <a:lnB w="12700" cap="flat" cmpd="sng" algn="ctr">
+                      <a:solidFill>
+                        <a:srgbClr val="000000"/>
+                      </a:solidFill>
+                      <a:prstDash val="solid"/>
+                      <a:round/>
+                      <a:headEnd type="none" w="med" len="med"/>
+                      <a:tailEnd type="none" w="med" len="med"/>
+                    </a:lnB>
+                    <a:lnTlToBr>
+                      <a:noFill/>
+                    </a:lnTlToBr>
+                    <a:lnBlToTr>
+                      <a:noFill/>
+                    </a:lnBlToTr>
+                    <a:noFill/>
+                  </a:tcPr>
+                </a:tc>
+              </a:tr>
+              <a:tr h="428625">
+                <a:tc>
+                  <a:txBody>
+                    <a:bodyPr/>
+                    <a:lstStyle/>
+                    <a:p>
+                      <a:pPr marL="0" marR="0" lvl="0" indent="0" algn="l" defTabSz="914400" rtl="0" eaLnBrk="1" fontAlgn="base" latinLnBrk="0" hangingPunct="1">
+                        <a:lnSpc>
+                          <a:spcPct val="100000"/>
+                        </a:lnSpc>
+                        <a:spcBef>
+                          <a:spcPct val="0"/>
+                        </a:spcBef>
+                        <a:spcAft>
+                          <a:spcPct val="0"/>
+                        </a:spcAft>
+                        <a:buClrTx/>
+                        <a:buSzTx/>
+                        <a:buFontTx/>
+                        <a:buNone/>
+                        <a:tabLst/>
+                      </a:pPr>
+                      <a:r>
+                        <a:rPr kumimoji="0" lang="es-PE" sz="1600" b="1" i="0" u="none" strike="noStrike" cap="none" normalizeH="0" baseline="0" smtClean="0">
+                          <a:ln>
+                            <a:noFill/>
+                          </a:ln>
+                          <a:solidFill>
+                            <a:schemeClr val="tx2"/>
+                          </a:solidFill>
+                          <a:effectLst/>
+                          <a:latin typeface="Calibri" pitchFamily="34" charset="0"/>
+                          <a:cs typeface="Times New Roman" pitchFamily="18" charset="0"/>
+                        </a:rPr>
+                        <a:t>INTERPRETACION</a:t>
+                      </a:r>
+                      <a:endParaRPr kumimoji="0" lang="es-PE" sz="1600" b="0" i="0" u="none" strike="noStrike" cap="none" normalizeH="0" baseline="0" smtClean="0">
+                        <a:ln>
+                          <a:noFill/>
+                        </a:ln>
+                        <a:solidFill>
+                          <a:schemeClr val="tx2"/>
+                        </a:solidFill>
+                        <a:effectLst/>
+                        <a:latin typeface="Arial" charset="0"/>
+                      </a:endParaRPr>
+                    </a:p>
+                  </a:txBody>
+                  <a:tcPr horzOverflow="overflow">
+                    <a:lnL w="12700" cap="flat" cmpd="sng" algn="ctr">
+                      <a:solidFill>
+                        <a:srgbClr val="000000"/>
+                      </a:solidFill>
+                      <a:prstDash val="solid"/>
+                      <a:round/>
+                      <a:headEnd type="none" w="med" len="med"/>
+                      <a:tailEnd type="none" w="med" len="med"/>
+                    </a:lnL>
+                    <a:lnR w="12700" cap="flat" cmpd="sng" algn="ctr">
+                      <a:solidFill>
+                        <a:srgbClr val="000000"/>
+                      </a:solidFill>
+                      <a:prstDash val="solid"/>
+                      <a:round/>
+                      <a:headEnd type="none" w="med" len="med"/>
+                      <a:tailEnd type="none" w="med" len="med"/>
+                    </a:lnR>
+                    <a:lnT w="12700" cap="flat" cmpd="sng" algn="ctr">
+                      <a:solidFill>
+                        <a:srgbClr val="000000"/>
+                      </a:solidFill>
+                      <a:prstDash val="solid"/>
+                      <a:round/>
+                      <a:headEnd type="none" w="med" len="med"/>
+                      <a:tailEnd type="none" w="med" len="med"/>
+                    </a:lnT>
+                    <a:lnB w="12700" cap="flat" cmpd="sng" algn="ctr">
+                      <a:solidFill>
+                        <a:srgbClr val="000000"/>
+                      </a:solidFill>
+                      <a:prstDash val="solid"/>
+                      <a:round/>
+                      <a:headEnd type="none" w="med" len="med"/>
+                      <a:tailEnd type="none" w="med" len="med"/>
+                    </a:lnB>
+                    <a:lnTlToBr>
+                      <a:noFill/>
+                    </a:lnTlToBr>
+                    <a:lnBlToTr>
+                      <a:noFill/>
+                    </a:lnBlToTr>
+                    <a:noFill/>
+                  </a:tcPr>
+                </a:tc>
+                <a:tc>
+                  <a:txBody>
+                    <a:bodyPr/>
+                    <a:lstStyle/>
+                    <a:p>
+                      <a:pPr marL="0" marR="0" lvl="0" indent="0" algn="l" defTabSz="914400" rtl="0" eaLnBrk="1" fontAlgn="base" latinLnBrk="0" hangingPunct="1">
+                        <a:lnSpc>
+                          <a:spcPct val="100000"/>
+                        </a:lnSpc>
+                        <a:spcBef>
+                          <a:spcPct val="0"/>
+                        </a:spcBef>
+                        <a:spcAft>
+                          <a:spcPct val="0"/>
+                        </a:spcAft>
+                        <a:buClrTx/>
+                        <a:buSzTx/>
+                        <a:buFontTx/>
+                        <a:buNone/>
+                        <a:tabLst/>
+                      </a:pPr>
+                      <a:r>
+                        <a:rPr kumimoji="0" lang="es-PE" sz="1600" b="0" i="0" u="none" strike="noStrike" cap="none" normalizeH="0" baseline="0" smtClean="0">
+                          <a:ln>
+                            <a:noFill/>
+                          </a:ln>
+                          <a:solidFill>
+                            <a:schemeClr val="tx2"/>
+                          </a:solidFill>
+                          <a:effectLst/>
+                          <a:latin typeface="Calibri" pitchFamily="34" charset="0"/>
+                          <a:cs typeface="Times New Roman" pitchFamily="18" charset="0"/>
+                        </a:rPr>
+                        <a:t>0 &lt;= X &lt;= 1</a:t>
+                      </a:r>
+                      <a:endParaRPr kumimoji="0" lang="es-ES" sz="1600" b="0" i="0" u="none" strike="noStrike" cap="none" normalizeH="0" baseline="0" smtClean="0">
+                        <a:ln>
+                          <a:noFill/>
+                        </a:ln>
+                        <a:solidFill>
+                          <a:schemeClr val="tx2"/>
+                        </a:solidFill>
+                        <a:effectLst/>
+                        <a:latin typeface="Times New Roman" pitchFamily="18" charset="0"/>
+                        <a:cs typeface="Times New Roman" pitchFamily="18" charset="0"/>
+                      </a:endParaRPr>
+                    </a:p>
+                    <a:p>
+                      <a:pPr marL="0" marR="0" lvl="0" indent="0" algn="l" defTabSz="914400" rtl="0" eaLnBrk="0" fontAlgn="base" latinLnBrk="0" hangingPunct="0">
+                        <a:lnSpc>
+                          <a:spcPct val="100000"/>
+                        </a:lnSpc>
+                        <a:spcBef>
+                          <a:spcPct val="0"/>
+                        </a:spcBef>
+                        <a:spcAft>
+                          <a:spcPct val="0"/>
+                        </a:spcAft>
+                        <a:buClrTx/>
+                        <a:buSzTx/>
+                        <a:buFontTx/>
+                        <a:buNone/>
+                        <a:tabLst/>
+                      </a:pPr>
+                      <a:r>
+                        <a:rPr kumimoji="0" lang="es-PE" sz="1600" b="0" i="0" u="none" strike="noStrike" cap="none" normalizeH="0" baseline="0" smtClean="0">
+                          <a:ln>
+                            <a:noFill/>
+                          </a:ln>
+                          <a:solidFill>
+                            <a:schemeClr val="tx2"/>
+                          </a:solidFill>
+                          <a:effectLst/>
+                          <a:latin typeface="Calibri" pitchFamily="34" charset="0"/>
+                          <a:cs typeface="Times New Roman" pitchFamily="18" charset="0"/>
+                        </a:rPr>
+                        <a:t>El valor m</a:t>
+                      </a:r>
+                      <a:r>
+                        <a:rPr kumimoji="0" lang="es-PE" sz="1600" b="0" i="0" u="none" strike="noStrike" cap="none" normalizeH="0" baseline="0" smtClean="0">
+                          <a:ln>
+                            <a:noFill/>
+                          </a:ln>
+                          <a:solidFill>
+                            <a:schemeClr val="tx2"/>
+                          </a:solidFill>
+                          <a:effectLst/>
+                          <a:latin typeface="Arial"/>
+                          <a:cs typeface="Times New Roman" pitchFamily="18" charset="0"/>
+                        </a:rPr>
+                        <a:t>á</a:t>
+                      </a:r>
+                      <a:r>
+                        <a:rPr kumimoji="0" lang="es-PE" sz="1600" b="0" i="0" u="none" strike="noStrike" cap="none" normalizeH="0" baseline="0" smtClean="0">
+                          <a:ln>
+                            <a:noFill/>
+                          </a:ln>
+                          <a:solidFill>
+                            <a:schemeClr val="tx2"/>
+                          </a:solidFill>
+                          <a:effectLst/>
+                          <a:latin typeface="Calibri" pitchFamily="34" charset="0"/>
+                          <a:cs typeface="Times New Roman" pitchFamily="18" charset="0"/>
+                        </a:rPr>
+                        <a:t>s cercano a 1 es el mejor</a:t>
+                      </a:r>
+                      <a:endParaRPr kumimoji="0" lang="es-PE" sz="1600" b="0" i="0" u="none" strike="noStrike" cap="none" normalizeH="0" baseline="0" smtClean="0">
+                        <a:ln>
+                          <a:noFill/>
+                        </a:ln>
+                        <a:solidFill>
+                          <a:schemeClr val="tx2"/>
+                        </a:solidFill>
+                        <a:effectLst/>
+                        <a:latin typeface="Arial" charset="0"/>
+                      </a:endParaRPr>
+                    </a:p>
+                  </a:txBody>
+                  <a:tcPr horzOverflow="overflow">
+                    <a:lnL w="12700" cap="flat" cmpd="sng" algn="ctr">
+                      <a:solidFill>
+                        <a:srgbClr val="000000"/>
+                      </a:solidFill>
+                      <a:prstDash val="solid"/>
+                      <a:round/>
+                      <a:headEnd type="none" w="med" len="med"/>
+                      <a:tailEnd type="none" w="med" len="med"/>
+                    </a:lnL>
+                    <a:lnR w="12700" cap="flat" cmpd="sng" algn="ctr">
+                      <a:solidFill>
+                        <a:srgbClr val="000000"/>
+                      </a:solidFill>
+                      <a:prstDash val="solid"/>
+                      <a:round/>
+                      <a:headEnd type="none" w="med" len="med"/>
+                      <a:tailEnd type="none" w="med" len="med"/>
+                    </a:lnR>
+                    <a:lnT w="12700" cap="flat" cmpd="sng" algn="ctr">
+                      <a:solidFill>
+                        <a:srgbClr val="000000"/>
+                      </a:solidFill>
+                      <a:prstDash val="solid"/>
+                      <a:round/>
+                      <a:headEnd type="none" w="med" len="med"/>
+                      <a:tailEnd type="none" w="med" len="med"/>
+                    </a:lnT>
+                    <a:lnB w="12700" cap="flat" cmpd="sng" algn="ctr">
+                      <a:solidFill>
+                        <a:srgbClr val="000000"/>
+                      </a:solidFill>
+                      <a:prstDash val="solid"/>
+                      <a:round/>
+                      <a:headEnd type="none" w="med" len="med"/>
+                      <a:tailEnd type="none" w="med" len="med"/>
+                    </a:lnB>
+                    <a:lnTlToBr>
+                      <a:noFill/>
+                    </a:lnTlToBr>
+                    <a:lnBlToTr>
+                      <a:noFill/>
+                    </a:lnBlToTr>
+                    <a:noFill/>
+                  </a:tcPr>
+                </a:tc>
+              </a:tr>
+              <a:tr h="260350">
+                <a:tc>
+                  <a:txBody>
+                    <a:bodyPr/>
+                    <a:lstStyle/>
+                    <a:p>
+                      <a:pPr marL="0" marR="0" lvl="0" indent="0" algn="l" defTabSz="914400" rtl="0" eaLnBrk="1" fontAlgn="base" latinLnBrk="0" hangingPunct="1">
+                        <a:lnSpc>
+                          <a:spcPct val="100000"/>
+                        </a:lnSpc>
+                        <a:spcBef>
+                          <a:spcPct val="0"/>
+                        </a:spcBef>
+                        <a:spcAft>
+                          <a:spcPct val="0"/>
+                        </a:spcAft>
+                        <a:buClrTx/>
+                        <a:buSzTx/>
+                        <a:buFontTx/>
+                        <a:buNone/>
+                        <a:tabLst/>
+                      </a:pPr>
+                      <a:r>
+                        <a:rPr kumimoji="0" lang="es-PE" sz="1600" b="1" i="0" u="none" strike="noStrike" cap="none" normalizeH="0" baseline="0" smtClean="0">
+                          <a:ln>
+                            <a:noFill/>
+                          </a:ln>
+                          <a:solidFill>
+                            <a:schemeClr val="tx2"/>
+                          </a:solidFill>
+                          <a:effectLst/>
+                          <a:latin typeface="Calibri" pitchFamily="34" charset="0"/>
+                          <a:cs typeface="Times New Roman" pitchFamily="18" charset="0"/>
+                        </a:rPr>
+                        <a:t>TIPO DE ESCALA</a:t>
+                      </a:r>
+                      <a:endParaRPr kumimoji="0" lang="es-PE" sz="1600" b="0" i="0" u="none" strike="noStrike" cap="none" normalizeH="0" baseline="0" smtClean="0">
+                        <a:ln>
+                          <a:noFill/>
+                        </a:ln>
+                        <a:solidFill>
+                          <a:schemeClr val="tx2"/>
+                        </a:solidFill>
+                        <a:effectLst/>
+                        <a:latin typeface="Arial" charset="0"/>
+                      </a:endParaRPr>
+                    </a:p>
+                  </a:txBody>
+                  <a:tcPr horzOverflow="overflow">
+                    <a:lnL w="12700" cap="flat" cmpd="sng" algn="ctr">
+                      <a:solidFill>
+                        <a:srgbClr val="000000"/>
+                      </a:solidFill>
+                      <a:prstDash val="solid"/>
+                      <a:round/>
+                      <a:headEnd type="none" w="med" len="med"/>
+                      <a:tailEnd type="none" w="med" len="med"/>
+                    </a:lnL>
+                    <a:lnR w="12700" cap="flat" cmpd="sng" algn="ctr">
+                      <a:solidFill>
+                        <a:srgbClr val="000000"/>
+                      </a:solidFill>
+                      <a:prstDash val="solid"/>
+                      <a:round/>
+                      <a:headEnd type="none" w="med" len="med"/>
+                      <a:tailEnd type="none" w="med" len="med"/>
+                    </a:lnR>
+                    <a:lnT w="12700" cap="flat" cmpd="sng" algn="ctr">
+                      <a:solidFill>
+                        <a:srgbClr val="000000"/>
+                      </a:solidFill>
+                      <a:prstDash val="solid"/>
+                      <a:round/>
+                      <a:headEnd type="none" w="med" len="med"/>
+                      <a:tailEnd type="none" w="med" len="med"/>
+                    </a:lnT>
+                    <a:lnB w="12700" cap="flat" cmpd="sng" algn="ctr">
+                      <a:solidFill>
+                        <a:srgbClr val="000000"/>
+                      </a:solidFill>
+                      <a:prstDash val="solid"/>
+                      <a:round/>
+                      <a:headEnd type="none" w="med" len="med"/>
+                      <a:tailEnd type="none" w="med" len="med"/>
+                    </a:lnB>
+                    <a:lnTlToBr>
+                      <a:noFill/>
+                    </a:lnTlToBr>
+                    <a:lnBlToTr>
+                      <a:noFill/>
+                    </a:lnBlToTr>
+                    <a:noFill/>
+                  </a:tcPr>
+                </a:tc>
+                <a:tc>
+                  <a:txBody>
+                    <a:bodyPr/>
+                    <a:lstStyle/>
+                    <a:p>
+                      <a:pPr marL="0" marR="0" lvl="0" indent="0" algn="l" defTabSz="914400" rtl="0" eaLnBrk="1" fontAlgn="base" latinLnBrk="0" hangingPunct="1">
+                        <a:lnSpc>
+                          <a:spcPct val="100000"/>
+                        </a:lnSpc>
+                        <a:spcBef>
+                          <a:spcPct val="0"/>
+                        </a:spcBef>
+                        <a:spcAft>
+                          <a:spcPct val="0"/>
+                        </a:spcAft>
+                        <a:buClrTx/>
+                        <a:buSzTx/>
+                        <a:buFontTx/>
+                        <a:buNone/>
+                        <a:tabLst/>
+                      </a:pPr>
+                      <a:r>
+                        <a:rPr kumimoji="0" lang="es-PE" sz="1600" b="0" i="0" u="none" strike="noStrike" cap="none" normalizeH="0" baseline="0" smtClean="0">
+                          <a:ln>
+                            <a:noFill/>
+                          </a:ln>
+                          <a:solidFill>
+                            <a:schemeClr val="tx2"/>
+                          </a:solidFill>
+                          <a:effectLst/>
+                          <a:latin typeface="Calibri" pitchFamily="34" charset="0"/>
+                          <a:cs typeface="Times New Roman" pitchFamily="18" charset="0"/>
+                        </a:rPr>
+                        <a:t>Absoluta</a:t>
+                      </a:r>
+                      <a:endParaRPr kumimoji="0" lang="es-PE" sz="1600" b="0" i="0" u="none" strike="noStrike" cap="none" normalizeH="0" baseline="0" smtClean="0">
+                        <a:ln>
+                          <a:noFill/>
+                        </a:ln>
+                        <a:solidFill>
+                          <a:schemeClr val="tx2"/>
+                        </a:solidFill>
+                        <a:effectLst/>
+                        <a:latin typeface="Arial" charset="0"/>
+                      </a:endParaRPr>
+                    </a:p>
+                  </a:txBody>
+                  <a:tcPr horzOverflow="overflow">
+                    <a:lnL w="12700" cap="flat" cmpd="sng" algn="ctr">
+                      <a:solidFill>
+                        <a:srgbClr val="000000"/>
+                      </a:solidFill>
+                      <a:prstDash val="solid"/>
+                      <a:round/>
+                      <a:headEnd type="none" w="med" len="med"/>
+                      <a:tailEnd type="none" w="med" len="med"/>
+                    </a:lnL>
+                    <a:lnR w="12700" cap="flat" cmpd="sng" algn="ctr">
+                      <a:solidFill>
+                        <a:srgbClr val="000000"/>
+                      </a:solidFill>
+                      <a:prstDash val="solid"/>
+                      <a:round/>
+                      <a:headEnd type="none" w="med" len="med"/>
+                      <a:tailEnd type="none" w="med" len="med"/>
+                    </a:lnR>
+                    <a:lnT w="12700" cap="flat" cmpd="sng" algn="ctr">
+                      <a:solidFill>
+                        <a:srgbClr val="000000"/>
+                      </a:solidFill>
+                      <a:prstDash val="solid"/>
+                      <a:round/>
+                      <a:headEnd type="none" w="med" len="med"/>
+                      <a:tailEnd type="none" w="med" len="med"/>
+                    </a:lnT>
+                    <a:lnB w="12700" cap="flat" cmpd="sng" algn="ctr">
+                      <a:solidFill>
+                        <a:srgbClr val="000000"/>
+                      </a:solidFill>
+                      <a:prstDash val="solid"/>
+                      <a:round/>
+                      <a:headEnd type="none" w="med" len="med"/>
+                      <a:tailEnd type="none" w="med" len="med"/>
+                    </a:lnB>
+                    <a:lnTlToBr>
+                      <a:noFill/>
+                    </a:lnTlToBr>
+                    <a:lnBlToTr>
+                      <a:noFill/>
+                    </a:lnBlToTr>
+                    <a:noFill/>
+                  </a:tcPr>
+                </a:tc>
+              </a:tr>
+              <a:tr h="596900">
+                <a:tc>
+                  <a:txBody>
+                    <a:bodyPr/>
+                    <a:lstStyle/>
+                    <a:p>
+                      <a:pPr marL="0" marR="0" lvl="0" indent="0" algn="l" defTabSz="914400" rtl="0" eaLnBrk="1" fontAlgn="base" latinLnBrk="0" hangingPunct="1">
+                        <a:lnSpc>
+                          <a:spcPct val="100000"/>
+                        </a:lnSpc>
+                        <a:spcBef>
+                          <a:spcPct val="0"/>
+                        </a:spcBef>
+                        <a:spcAft>
+                          <a:spcPct val="0"/>
+                        </a:spcAft>
+                        <a:buClrTx/>
+                        <a:buSzTx/>
+                        <a:buFontTx/>
+                        <a:buNone/>
+                        <a:tabLst/>
+                      </a:pPr>
+                      <a:r>
+                        <a:rPr kumimoji="0" lang="es-PE" sz="1600" b="1" i="0" u="none" strike="noStrike" cap="none" normalizeH="0" baseline="0" smtClean="0">
+                          <a:ln>
+                            <a:noFill/>
+                          </a:ln>
+                          <a:solidFill>
+                            <a:schemeClr val="tx2"/>
+                          </a:solidFill>
+                          <a:effectLst/>
+                          <a:latin typeface="Calibri" pitchFamily="34" charset="0"/>
+                          <a:cs typeface="Times New Roman" pitchFamily="18" charset="0"/>
+                        </a:rPr>
+                        <a:t>TIPO DE MEDIDA</a:t>
+                      </a:r>
+                      <a:endParaRPr kumimoji="0" lang="es-PE" sz="1600" b="0" i="0" u="none" strike="noStrike" cap="none" normalizeH="0" baseline="0" smtClean="0">
+                        <a:ln>
+                          <a:noFill/>
+                        </a:ln>
+                        <a:solidFill>
+                          <a:schemeClr val="tx2"/>
+                        </a:solidFill>
+                        <a:effectLst/>
+                        <a:latin typeface="Arial" charset="0"/>
+                      </a:endParaRPr>
+                    </a:p>
+                  </a:txBody>
+                  <a:tcPr horzOverflow="overflow">
+                    <a:lnL w="12700" cap="flat" cmpd="sng" algn="ctr">
+                      <a:solidFill>
+                        <a:srgbClr val="000000"/>
+                      </a:solidFill>
+                      <a:prstDash val="solid"/>
+                      <a:round/>
+                      <a:headEnd type="none" w="med" len="med"/>
+                      <a:tailEnd type="none" w="med" len="med"/>
+                    </a:lnL>
+                    <a:lnR w="12700" cap="flat" cmpd="sng" algn="ctr">
+                      <a:solidFill>
+                        <a:srgbClr val="000000"/>
+                      </a:solidFill>
+                      <a:prstDash val="solid"/>
+                      <a:round/>
+                      <a:headEnd type="none" w="med" len="med"/>
+                      <a:tailEnd type="none" w="med" len="med"/>
+                    </a:lnR>
+                    <a:lnT w="12700" cap="flat" cmpd="sng" algn="ctr">
+                      <a:solidFill>
+                        <a:srgbClr val="000000"/>
+                      </a:solidFill>
+                      <a:prstDash val="solid"/>
+                      <a:round/>
+                      <a:headEnd type="none" w="med" len="med"/>
+                      <a:tailEnd type="none" w="med" len="med"/>
+                    </a:lnT>
+                    <a:lnB w="12700" cap="flat" cmpd="sng" algn="ctr">
+                      <a:solidFill>
+                        <a:srgbClr val="000000"/>
+                      </a:solidFill>
+                      <a:prstDash val="solid"/>
+                      <a:round/>
+                      <a:headEnd type="none" w="med" len="med"/>
+                      <a:tailEnd type="none" w="med" len="med"/>
+                    </a:lnB>
+                    <a:lnTlToBr>
+                      <a:noFill/>
+                    </a:lnTlToBr>
+                    <a:lnBlToTr>
+                      <a:noFill/>
+                    </a:lnBlToTr>
+                    <a:noFill/>
+                  </a:tcPr>
+                </a:tc>
+                <a:tc>
+                  <a:txBody>
+                    <a:bodyPr/>
+                    <a:lstStyle/>
+                    <a:p>
+                      <a:pPr marL="0" marR="0" lvl="0" indent="0" algn="l" defTabSz="914400" rtl="0" eaLnBrk="1" fontAlgn="base" latinLnBrk="0" hangingPunct="1">
+                        <a:lnSpc>
+                          <a:spcPct val="100000"/>
+                        </a:lnSpc>
+                        <a:spcBef>
+                          <a:spcPct val="0"/>
+                        </a:spcBef>
+                        <a:spcAft>
+                          <a:spcPct val="0"/>
+                        </a:spcAft>
+                        <a:buClrTx/>
+                        <a:buSzTx/>
+                        <a:buFontTx/>
+                        <a:buNone/>
+                        <a:tabLst/>
+                      </a:pPr>
+                      <a:r>
+                        <a:rPr kumimoji="0" lang="es-PE" sz="1600" b="0" i="0" u="none" strike="noStrike" cap="none" normalizeH="0" baseline="0" smtClean="0">
+                          <a:ln>
+                            <a:noFill/>
+                          </a:ln>
+                          <a:solidFill>
+                            <a:schemeClr val="tx2"/>
+                          </a:solidFill>
+                          <a:effectLst/>
+                          <a:latin typeface="Calibri" pitchFamily="34" charset="0"/>
+                          <a:cs typeface="Times New Roman" pitchFamily="18" charset="0"/>
+                        </a:rPr>
+                        <a:t>X = Cantidad / Cantidad</a:t>
+                      </a:r>
+                      <a:endParaRPr kumimoji="0" lang="es-ES" sz="1600" b="0" i="0" u="none" strike="noStrike" cap="none" normalizeH="0" baseline="0" smtClean="0">
+                        <a:ln>
+                          <a:noFill/>
+                        </a:ln>
+                        <a:solidFill>
+                          <a:schemeClr val="tx2"/>
+                        </a:solidFill>
+                        <a:effectLst/>
+                        <a:latin typeface="Times New Roman" pitchFamily="18" charset="0"/>
+                        <a:cs typeface="Times New Roman" pitchFamily="18" charset="0"/>
+                      </a:endParaRPr>
+                    </a:p>
+                    <a:p>
+                      <a:pPr marL="0" marR="0" lvl="0" indent="0" algn="l" defTabSz="914400" rtl="0" eaLnBrk="0" fontAlgn="base" latinLnBrk="0" hangingPunct="0">
+                        <a:lnSpc>
+                          <a:spcPct val="100000"/>
+                        </a:lnSpc>
+                        <a:spcBef>
+                          <a:spcPct val="0"/>
+                        </a:spcBef>
+                        <a:spcAft>
+                          <a:spcPct val="0"/>
+                        </a:spcAft>
+                        <a:buClrTx/>
+                        <a:buSzTx/>
+                        <a:buFontTx/>
+                        <a:buNone/>
+                        <a:tabLst/>
+                      </a:pPr>
+                      <a:r>
+                        <a:rPr kumimoji="0" lang="es-PE" sz="1600" b="0" i="0" u="none" strike="noStrike" cap="none" normalizeH="0" baseline="0" smtClean="0">
+                          <a:ln>
+                            <a:noFill/>
+                          </a:ln>
+                          <a:solidFill>
+                            <a:schemeClr val="tx2"/>
+                          </a:solidFill>
+                          <a:effectLst/>
+                          <a:latin typeface="Calibri" pitchFamily="34" charset="0"/>
+                          <a:cs typeface="Times New Roman" pitchFamily="18" charset="0"/>
+                        </a:rPr>
+                        <a:t>A = Cantidad</a:t>
+                      </a:r>
+                      <a:endParaRPr kumimoji="0" lang="es-ES" sz="1600" b="0" i="0" u="none" strike="noStrike" cap="none" normalizeH="0" baseline="0" smtClean="0">
+                        <a:ln>
+                          <a:noFill/>
+                        </a:ln>
+                        <a:solidFill>
+                          <a:schemeClr val="tx2"/>
+                        </a:solidFill>
+                        <a:effectLst/>
+                        <a:latin typeface="Times New Roman" pitchFamily="18" charset="0"/>
+                        <a:cs typeface="Times New Roman" pitchFamily="18" charset="0"/>
+                      </a:endParaRPr>
+                    </a:p>
+                    <a:p>
+                      <a:pPr marL="0" marR="0" lvl="0" indent="0" algn="l" defTabSz="914400" rtl="0" eaLnBrk="0" fontAlgn="base" latinLnBrk="0" hangingPunct="0">
+                        <a:lnSpc>
+                          <a:spcPct val="100000"/>
+                        </a:lnSpc>
+                        <a:spcBef>
+                          <a:spcPct val="0"/>
+                        </a:spcBef>
+                        <a:spcAft>
+                          <a:spcPct val="0"/>
+                        </a:spcAft>
+                        <a:buClrTx/>
+                        <a:buSzTx/>
+                        <a:buFontTx/>
+                        <a:buNone/>
+                        <a:tabLst/>
+                      </a:pPr>
+                      <a:r>
+                        <a:rPr kumimoji="0" lang="es-PE" sz="1600" b="0" i="0" u="none" strike="noStrike" cap="none" normalizeH="0" baseline="0" smtClean="0">
+                          <a:ln>
+                            <a:noFill/>
+                          </a:ln>
+                          <a:solidFill>
+                            <a:schemeClr val="tx2"/>
+                          </a:solidFill>
+                          <a:effectLst/>
+                          <a:latin typeface="Calibri" pitchFamily="34" charset="0"/>
+                          <a:cs typeface="Times New Roman" pitchFamily="18" charset="0"/>
+                        </a:rPr>
+                        <a:t>B = Cantidad</a:t>
+                      </a:r>
+                      <a:endParaRPr kumimoji="0" lang="es-PE" sz="1600" b="0" i="0" u="none" strike="noStrike" cap="none" normalizeH="0" baseline="0" smtClean="0">
+                        <a:ln>
+                          <a:noFill/>
+                        </a:ln>
+                        <a:solidFill>
+                          <a:schemeClr val="tx2"/>
+                        </a:solidFill>
+                        <a:effectLst/>
+                        <a:latin typeface="Arial" charset="0"/>
+                      </a:endParaRPr>
+                    </a:p>
+                  </a:txBody>
+                  <a:tcPr horzOverflow="overflow">
+                    <a:lnL w="12700" cap="flat" cmpd="sng" algn="ctr">
+                      <a:solidFill>
+                        <a:srgbClr val="000000"/>
+                      </a:solidFill>
+                      <a:prstDash val="solid"/>
+                      <a:round/>
+                      <a:headEnd type="none" w="med" len="med"/>
+                      <a:tailEnd type="none" w="med" len="med"/>
+                    </a:lnL>
+                    <a:lnR w="12700" cap="flat" cmpd="sng" algn="ctr">
+                      <a:solidFill>
+                        <a:srgbClr val="000000"/>
+                      </a:solidFill>
+                      <a:prstDash val="solid"/>
+                      <a:round/>
+                      <a:headEnd type="none" w="med" len="med"/>
+                      <a:tailEnd type="none" w="med" len="med"/>
+                    </a:lnR>
+                    <a:lnT w="12700" cap="flat" cmpd="sng" algn="ctr">
+                      <a:solidFill>
+                        <a:srgbClr val="000000"/>
+                      </a:solidFill>
+                      <a:prstDash val="solid"/>
+                      <a:round/>
+                      <a:headEnd type="none" w="med" len="med"/>
+                      <a:tailEnd type="none" w="med" len="med"/>
+                    </a:lnT>
+                    <a:lnB w="12700" cap="flat" cmpd="sng" algn="ctr">
+                      <a:solidFill>
+                        <a:srgbClr val="000000"/>
+                      </a:solidFill>
+                      <a:prstDash val="solid"/>
+                      <a:round/>
+                      <a:headEnd type="none" w="med" len="med"/>
+                      <a:tailEnd type="none" w="med" len="med"/>
+                    </a:lnB>
+                    <a:lnTlToBr>
+                      <a:noFill/>
+                    </a:lnTlToBr>
+                    <a:lnBlToTr>
+                      <a:noFill/>
+                    </a:lnBlToTr>
+                    <a:noFill/>
+                  </a:tcPr>
+                </a:tc>
+              </a:tr>
+              <a:tr h="428625">
+                <a:tc>
+                  <a:txBody>
+                    <a:bodyPr/>
+                    <a:lstStyle/>
+                    <a:p>
+                      <a:pPr marL="0" marR="0" lvl="0" indent="0" algn="l" defTabSz="914400" rtl="0" eaLnBrk="1" fontAlgn="base" latinLnBrk="0" hangingPunct="1">
+                        <a:lnSpc>
+                          <a:spcPct val="100000"/>
+                        </a:lnSpc>
+                        <a:spcBef>
+                          <a:spcPct val="0"/>
+                        </a:spcBef>
+                        <a:spcAft>
+                          <a:spcPct val="0"/>
+                        </a:spcAft>
+                        <a:buClrTx/>
+                        <a:buSzTx/>
+                        <a:buFontTx/>
+                        <a:buNone/>
+                        <a:tabLst/>
+                      </a:pPr>
+                      <a:r>
+                        <a:rPr kumimoji="0" lang="es-PE" sz="1600" b="1" i="0" u="none" strike="noStrike" cap="none" normalizeH="0" baseline="0" smtClean="0">
+                          <a:ln>
+                            <a:noFill/>
+                          </a:ln>
+                          <a:solidFill>
+                            <a:schemeClr val="tx2"/>
+                          </a:solidFill>
+                          <a:effectLst/>
+                          <a:latin typeface="Calibri" pitchFamily="34" charset="0"/>
+                          <a:cs typeface="Times New Roman" pitchFamily="18" charset="0"/>
+                        </a:rPr>
+                        <a:t>NOTA</a:t>
+                      </a:r>
+                      <a:endParaRPr kumimoji="0" lang="es-PE" sz="1600" b="0" i="0" u="none" strike="noStrike" cap="none" normalizeH="0" baseline="0" smtClean="0">
+                        <a:ln>
+                          <a:noFill/>
+                        </a:ln>
+                        <a:solidFill>
+                          <a:schemeClr val="tx2"/>
+                        </a:solidFill>
+                        <a:effectLst/>
+                        <a:latin typeface="Arial" charset="0"/>
+                      </a:endParaRPr>
+                    </a:p>
+                  </a:txBody>
+                  <a:tcPr horzOverflow="overflow">
+                    <a:lnL w="12700" cap="flat" cmpd="sng" algn="ctr">
+                      <a:solidFill>
+                        <a:srgbClr val="000000"/>
+                      </a:solidFill>
+                      <a:prstDash val="solid"/>
+                      <a:round/>
+                      <a:headEnd type="none" w="med" len="med"/>
+                      <a:tailEnd type="none" w="med" len="med"/>
+                    </a:lnL>
+                    <a:lnR w="12700" cap="flat" cmpd="sng" algn="ctr">
+                      <a:solidFill>
+                        <a:srgbClr val="000000"/>
+                      </a:solidFill>
+                      <a:prstDash val="solid"/>
+                      <a:round/>
+                      <a:headEnd type="none" w="med" len="med"/>
+                      <a:tailEnd type="none" w="med" len="med"/>
+                    </a:lnR>
+                    <a:lnT w="12700" cap="flat" cmpd="sng" algn="ctr">
+                      <a:solidFill>
+                        <a:srgbClr val="000000"/>
+                      </a:solidFill>
+                      <a:prstDash val="solid"/>
+                      <a:round/>
+                      <a:headEnd type="none" w="med" len="med"/>
+                      <a:tailEnd type="none" w="med" len="med"/>
+                    </a:lnT>
+                    <a:lnB w="12700" cap="flat" cmpd="sng" algn="ctr">
+                      <a:solidFill>
+                        <a:srgbClr val="000000"/>
+                      </a:solidFill>
+                      <a:prstDash val="solid"/>
+                      <a:round/>
+                      <a:headEnd type="none" w="med" len="med"/>
+                      <a:tailEnd type="none" w="med" len="med"/>
+                    </a:lnB>
+                    <a:lnTlToBr>
+                      <a:noFill/>
+                    </a:lnTlToBr>
+                    <a:lnBlToTr>
+                      <a:noFill/>
+                    </a:lnBlToTr>
+                    <a:noFill/>
+                  </a:tcPr>
+                </a:tc>
+                <a:tc>
+                  <a:txBody>
+                    <a:bodyPr/>
+                    <a:lstStyle/>
+                    <a:p>
+                      <a:pPr marL="0" marR="0" lvl="0" indent="0" algn="l" defTabSz="914400" rtl="0" eaLnBrk="1" fontAlgn="base" latinLnBrk="0" hangingPunct="1">
+                        <a:lnSpc>
+                          <a:spcPct val="100000"/>
+                        </a:lnSpc>
+                        <a:spcBef>
+                          <a:spcPct val="0"/>
+                        </a:spcBef>
+                        <a:spcAft>
+                          <a:spcPct val="0"/>
+                        </a:spcAft>
+                        <a:buClrTx/>
+                        <a:buSzTx/>
+                        <a:buFontTx/>
+                        <a:buNone/>
+                        <a:tabLst/>
+                      </a:pPr>
+                      <a:r>
+                        <a:rPr kumimoji="0" lang="es-PE" sz="1600" b="0" i="0" u="none" strike="noStrike" cap="none" normalizeH="0" baseline="0" smtClean="0">
+                          <a:ln>
+                            <a:noFill/>
+                          </a:ln>
+                          <a:solidFill>
+                            <a:schemeClr val="tx2"/>
+                          </a:solidFill>
+                          <a:effectLst/>
+                          <a:latin typeface="Calibri" pitchFamily="34" charset="0"/>
+                          <a:cs typeface="Times New Roman" pitchFamily="18" charset="0"/>
+                        </a:rPr>
+                        <a:t>Las ca</a:t>
+                      </a:r>
+                      <a:r>
+                        <a:rPr kumimoji="0" lang="es-PE" sz="1600" b="0" i="0" u="none" strike="noStrike" cap="none" normalizeH="0" baseline="0" smtClean="0">
+                          <a:ln>
+                            <a:noFill/>
+                          </a:ln>
+                          <a:solidFill>
+                            <a:schemeClr val="tx2"/>
+                          </a:solidFill>
+                          <a:effectLst/>
+                          <a:latin typeface="Arial"/>
+                          <a:cs typeface="Times New Roman" pitchFamily="18" charset="0"/>
+                        </a:rPr>
+                        <a:t>í</a:t>
+                      </a:r>
+                      <a:r>
+                        <a:rPr kumimoji="0" lang="es-PE" sz="1600" b="0" i="0" u="none" strike="noStrike" cap="none" normalizeH="0" baseline="0" smtClean="0">
+                          <a:ln>
+                            <a:noFill/>
+                          </a:ln>
+                          <a:solidFill>
+                            <a:schemeClr val="tx2"/>
+                          </a:solidFill>
+                          <a:effectLst/>
+                          <a:latin typeface="Calibri" pitchFamily="34" charset="0"/>
+                          <a:cs typeface="Times New Roman" pitchFamily="18" charset="0"/>
+                        </a:rPr>
+                        <a:t>das significan que la ejecuci</a:t>
+                      </a:r>
+                      <a:r>
+                        <a:rPr kumimoji="0" lang="es-PE" sz="1600" b="0" i="0" u="none" strike="noStrike" cap="none" normalizeH="0" baseline="0" smtClean="0">
+                          <a:ln>
+                            <a:noFill/>
+                          </a:ln>
+                          <a:solidFill>
+                            <a:schemeClr val="tx2"/>
+                          </a:solidFill>
+                          <a:effectLst/>
+                          <a:latin typeface="Arial"/>
+                          <a:cs typeface="Times New Roman" pitchFamily="18" charset="0"/>
+                        </a:rPr>
+                        <a:t>ó</a:t>
+                      </a:r>
+                      <a:r>
+                        <a:rPr kumimoji="0" lang="es-PE" sz="1600" b="0" i="0" u="none" strike="noStrike" cap="none" normalizeH="0" baseline="0" smtClean="0">
+                          <a:ln>
+                            <a:noFill/>
+                          </a:ln>
+                          <a:solidFill>
+                            <a:schemeClr val="tx2"/>
+                          </a:solidFill>
+                          <a:effectLst/>
+                          <a:latin typeface="Calibri" pitchFamily="34" charset="0"/>
+                          <a:cs typeface="Times New Roman" pitchFamily="18" charset="0"/>
+                        </a:rPr>
+                        <a:t>n de algunas tareas de usuario es suspendida hasta que el sistema sea restaurado o su control es perdido hasta que se fuerce el cierre del sistema.</a:t>
+                      </a:r>
+                      <a:endParaRPr kumimoji="0" lang="es-PE" sz="1600" b="0" i="0" u="none" strike="noStrike" cap="none" normalizeH="0" baseline="0" smtClean="0">
+                        <a:ln>
+                          <a:noFill/>
+                        </a:ln>
+                        <a:solidFill>
+                          <a:schemeClr val="tx2"/>
+                        </a:solidFill>
+                        <a:effectLst/>
+                        <a:latin typeface="Arial" charset="0"/>
+                      </a:endParaRPr>
+                    </a:p>
+                  </a:txBody>
+                  <a:tcPr horzOverflow="overflow">
+                    <a:lnL w="12700" cap="flat" cmpd="sng" algn="ctr">
+                      <a:solidFill>
+                        <a:srgbClr val="000000"/>
+                      </a:solidFill>
+                      <a:prstDash val="solid"/>
+                      <a:round/>
+                      <a:headEnd type="none" w="med" len="med"/>
+                      <a:tailEnd type="none" w="med" len="med"/>
+                    </a:lnL>
+                    <a:lnR w="12700" cap="flat" cmpd="sng" algn="ctr">
+                      <a:solidFill>
+                        <a:srgbClr val="000000"/>
+                      </a:solidFill>
+                      <a:prstDash val="solid"/>
+                      <a:round/>
+                      <a:headEnd type="none" w="med" len="med"/>
+                      <a:tailEnd type="none" w="med" len="med"/>
+                    </a:lnR>
+                    <a:lnT w="12700" cap="flat" cmpd="sng" algn="ctr">
+                      <a:solidFill>
+                        <a:srgbClr val="000000"/>
+                      </a:solidFill>
+                      <a:prstDash val="solid"/>
+                      <a:round/>
+                      <a:headEnd type="none" w="med" len="med"/>
+                      <a:tailEnd type="none" w="med" len="med"/>
+                    </a:lnT>
+                    <a:lnB w="12700" cap="flat" cmpd="sng" algn="ctr">
+                      <a:solidFill>
+                        <a:srgbClr val="000000"/>
+                      </a:solidFill>
+                      <a:prstDash val="solid"/>
+                      <a:round/>
+                      <a:headEnd type="none" w="med" len="med"/>
+                      <a:tailEnd type="none" w="med" len="med"/>
+                    </a:lnB>
+                    <a:lnTlToBr>
+                      <a:noFill/>
+                    </a:lnTlToBr>
+                    <a:lnBlToTr>
+                      <a:noFill/>
+                    </a:lnBlToTr>
+                    <a:noFill/>
+                  </a:tcPr>
+                </a:tc>
+              </a:tr>
+            </a:tbl>
+          </a:graphicData>
+        </a:graphic>
+      </p:graphicFrame>
     </p:spTree>
   </p:cSld>
   <p:clrMapOvr>
@@ -13730,7 +19991,7 @@
       </p:grpSpPr>
       <p:sp>
         <p:nvSpPr>
-          <p:cNvPr id="52226" name="2 Título"/>
+          <p:cNvPr id="33794" name="2 Título"/>
           <p:cNvSpPr>
             <a:spLocks noGrp="1"/>
           </p:cNvSpPr>
@@ -13756,8 +20017,1888 @@
                 </a:solidFill>
                 <a:latin typeface="Candara" pitchFamily="34" charset="0"/>
               </a:rPr>
-              <a:t>Métricas en uso</a:t>
+              <a:t>Métrica interna(1)</a:t>
             </a:r>
+          </a:p>
+        </p:txBody>
+      </p:sp>
+      <p:graphicFrame>
+        <p:nvGraphicFramePr>
+          <p:cNvPr id="33795" name="Group 3"/>
+          <p:cNvGraphicFramePr>
+            <a:graphicFrameLocks noGrp="1"/>
+          </p:cNvGraphicFramePr>
+          <p:nvPr/>
+        </p:nvGraphicFramePr>
+        <p:xfrm>
+          <a:off x="1331913" y="1916113"/>
+          <a:ext cx="6911975" cy="4391025"/>
+        </p:xfrm>
+        <a:graphic>
+          <a:graphicData uri="http://schemas.openxmlformats.org/drawingml/2006/table">
+            <a:tbl>
+              <a:tblPr/>
+              <a:tblGrid>
+                <a:gridCol w="1552575"/>
+                <a:gridCol w="5359400"/>
+              </a:tblGrid>
+              <a:tr h="287338">
+                <a:tc gridSpan="2">
+                  <a:txBody>
+                    <a:bodyPr/>
+                    <a:lstStyle/>
+                    <a:p>
+                      <a:pPr marL="0" marR="0" lvl="0" indent="0" algn="l" defTabSz="914400" rtl="0" eaLnBrk="1" fontAlgn="base" latinLnBrk="0" hangingPunct="1">
+                        <a:lnSpc>
+                          <a:spcPct val="100000"/>
+                        </a:lnSpc>
+                        <a:spcBef>
+                          <a:spcPct val="0"/>
+                        </a:spcBef>
+                        <a:spcAft>
+                          <a:spcPct val="0"/>
+                        </a:spcAft>
+                        <a:buClrTx/>
+                        <a:buSzTx/>
+                        <a:buFontTx/>
+                        <a:buNone/>
+                        <a:tabLst/>
+                      </a:pPr>
+                      <a:r>
+                        <a:rPr kumimoji="0" lang="es-PE" sz="1600" b="1" i="0" u="none" strike="noStrike" cap="none" normalizeH="0" baseline="0" smtClean="0">
+                          <a:ln>
+                            <a:noFill/>
+                          </a:ln>
+                          <a:solidFill>
+                            <a:schemeClr val="tx2"/>
+                          </a:solidFill>
+                          <a:effectLst/>
+                          <a:latin typeface="Calibri" pitchFamily="34" charset="0"/>
+                          <a:cs typeface="Times New Roman" pitchFamily="18" charset="0"/>
+                        </a:rPr>
+                        <a:t>METRICA INTERNA DE FIABILIDAD</a:t>
+                      </a:r>
+                      <a:endParaRPr kumimoji="0" lang="es-PE" sz="1600" b="0" i="0" u="none" strike="noStrike" cap="none" normalizeH="0" baseline="0" smtClean="0">
+                        <a:ln>
+                          <a:noFill/>
+                        </a:ln>
+                        <a:solidFill>
+                          <a:schemeClr val="tx2"/>
+                        </a:solidFill>
+                        <a:effectLst/>
+                        <a:latin typeface="Arial" charset="0"/>
+                      </a:endParaRPr>
+                    </a:p>
+                  </a:txBody>
+                  <a:tcPr horzOverflow="overflow">
+                    <a:lnL w="12700" cap="flat" cmpd="sng" algn="ctr">
+                      <a:solidFill>
+                        <a:srgbClr val="000000"/>
+                      </a:solidFill>
+                      <a:prstDash val="solid"/>
+                      <a:round/>
+                      <a:headEnd type="none" w="med" len="med"/>
+                      <a:tailEnd type="none" w="med" len="med"/>
+                    </a:lnL>
+                    <a:lnR w="12700" cap="flat" cmpd="sng" algn="ctr">
+                      <a:solidFill>
+                        <a:srgbClr val="000000"/>
+                      </a:solidFill>
+                      <a:prstDash val="solid"/>
+                      <a:round/>
+                      <a:headEnd type="none" w="med" len="med"/>
+                      <a:tailEnd type="none" w="med" len="med"/>
+                    </a:lnR>
+                    <a:lnT w="12700" cap="flat" cmpd="sng" algn="ctr">
+                      <a:solidFill>
+                        <a:srgbClr val="000000"/>
+                      </a:solidFill>
+                      <a:prstDash val="solid"/>
+                      <a:round/>
+                      <a:headEnd type="none" w="med" len="med"/>
+                      <a:tailEnd type="none" w="med" len="med"/>
+                    </a:lnT>
+                    <a:lnB w="12700" cap="flat" cmpd="sng" algn="ctr">
+                      <a:solidFill>
+                        <a:srgbClr val="000000"/>
+                      </a:solidFill>
+                      <a:prstDash val="solid"/>
+                      <a:round/>
+                      <a:headEnd type="none" w="med" len="med"/>
+                      <a:tailEnd type="none" w="med" len="med"/>
+                    </a:lnB>
+                    <a:lnTlToBr>
+                      <a:noFill/>
+                    </a:lnTlToBr>
+                    <a:lnBlToTr>
+                      <a:noFill/>
+                    </a:lnBlToTr>
+                    <a:noFill/>
+                  </a:tcPr>
+                </a:tc>
+                <a:tc hMerge="1">
+                  <a:txBody>
+                    <a:bodyPr/>
+                    <a:lstStyle/>
+                    <a:p>
+                      <a:endParaRPr lang="es-ES"/>
+                    </a:p>
+                  </a:txBody>
+                  <a:tcPr/>
+                </a:tc>
+              </a:tr>
+              <a:tr h="288925">
+                <a:tc>
+                  <a:txBody>
+                    <a:bodyPr/>
+                    <a:lstStyle/>
+                    <a:p>
+                      <a:pPr marL="0" marR="0" lvl="0" indent="0" algn="l" defTabSz="914400" rtl="0" eaLnBrk="1" fontAlgn="base" latinLnBrk="0" hangingPunct="1">
+                        <a:lnSpc>
+                          <a:spcPct val="100000"/>
+                        </a:lnSpc>
+                        <a:spcBef>
+                          <a:spcPct val="0"/>
+                        </a:spcBef>
+                        <a:spcAft>
+                          <a:spcPct val="0"/>
+                        </a:spcAft>
+                        <a:buClrTx/>
+                        <a:buSzTx/>
+                        <a:buFontTx/>
+                        <a:buNone/>
+                        <a:tabLst/>
+                      </a:pPr>
+                      <a:r>
+                        <a:rPr kumimoji="0" lang="es-PE" sz="1600" b="1" i="0" u="none" strike="noStrike" cap="none" normalizeH="0" baseline="0" smtClean="0">
+                          <a:ln>
+                            <a:noFill/>
+                          </a:ln>
+                          <a:solidFill>
+                            <a:schemeClr val="tx2"/>
+                          </a:solidFill>
+                          <a:effectLst/>
+                          <a:latin typeface="Calibri" pitchFamily="34" charset="0"/>
+                          <a:cs typeface="Times New Roman" pitchFamily="18" charset="0"/>
+                        </a:rPr>
+                        <a:t>NOMBRE</a:t>
+                      </a:r>
+                      <a:endParaRPr kumimoji="0" lang="es-PE" sz="1600" b="0" i="0" u="none" strike="noStrike" cap="none" normalizeH="0" baseline="0" smtClean="0">
+                        <a:ln>
+                          <a:noFill/>
+                        </a:ln>
+                        <a:solidFill>
+                          <a:schemeClr val="tx2"/>
+                        </a:solidFill>
+                        <a:effectLst/>
+                        <a:latin typeface="Arial" charset="0"/>
+                      </a:endParaRPr>
+                    </a:p>
+                  </a:txBody>
+                  <a:tcPr horzOverflow="overflow">
+                    <a:lnL w="12700" cap="flat" cmpd="sng" algn="ctr">
+                      <a:solidFill>
+                        <a:srgbClr val="000000"/>
+                      </a:solidFill>
+                      <a:prstDash val="solid"/>
+                      <a:round/>
+                      <a:headEnd type="none" w="med" len="med"/>
+                      <a:tailEnd type="none" w="med" len="med"/>
+                    </a:lnL>
+                    <a:lnR w="12700" cap="flat" cmpd="sng" algn="ctr">
+                      <a:solidFill>
+                        <a:srgbClr val="000000"/>
+                      </a:solidFill>
+                      <a:prstDash val="solid"/>
+                      <a:round/>
+                      <a:headEnd type="none" w="med" len="med"/>
+                      <a:tailEnd type="none" w="med" len="med"/>
+                    </a:lnR>
+                    <a:lnT w="12700" cap="flat" cmpd="sng" algn="ctr">
+                      <a:solidFill>
+                        <a:srgbClr val="000000"/>
+                      </a:solidFill>
+                      <a:prstDash val="solid"/>
+                      <a:round/>
+                      <a:headEnd type="none" w="med" len="med"/>
+                      <a:tailEnd type="none" w="med" len="med"/>
+                    </a:lnT>
+                    <a:lnB w="12700" cap="flat" cmpd="sng" algn="ctr">
+                      <a:solidFill>
+                        <a:srgbClr val="000000"/>
+                      </a:solidFill>
+                      <a:prstDash val="solid"/>
+                      <a:round/>
+                      <a:headEnd type="none" w="med" len="med"/>
+                      <a:tailEnd type="none" w="med" len="med"/>
+                    </a:lnB>
+                    <a:lnTlToBr>
+                      <a:noFill/>
+                    </a:lnTlToBr>
+                    <a:lnBlToTr>
+                      <a:noFill/>
+                    </a:lnBlToTr>
+                    <a:noFill/>
+                  </a:tcPr>
+                </a:tc>
+                <a:tc>
+                  <a:txBody>
+                    <a:bodyPr/>
+                    <a:lstStyle/>
+                    <a:p>
+                      <a:pPr marL="0" marR="0" lvl="0" indent="0" algn="l" defTabSz="914400" rtl="0" eaLnBrk="1" fontAlgn="base" latinLnBrk="0" hangingPunct="1">
+                        <a:lnSpc>
+                          <a:spcPct val="100000"/>
+                        </a:lnSpc>
+                        <a:spcBef>
+                          <a:spcPct val="0"/>
+                        </a:spcBef>
+                        <a:spcAft>
+                          <a:spcPct val="0"/>
+                        </a:spcAft>
+                        <a:buClrTx/>
+                        <a:buSzTx/>
+                        <a:buFontTx/>
+                        <a:buNone/>
+                        <a:tabLst/>
+                      </a:pPr>
+                      <a:r>
+                        <a:rPr kumimoji="0" lang="es-PE" sz="1600" b="0" i="0" u="none" strike="noStrike" cap="none" normalizeH="0" baseline="0" smtClean="0">
+                          <a:ln>
+                            <a:noFill/>
+                          </a:ln>
+                          <a:solidFill>
+                            <a:schemeClr val="tx2"/>
+                          </a:solidFill>
+                          <a:effectLst/>
+                          <a:latin typeface="Calibri" pitchFamily="34" charset="0"/>
+                          <a:cs typeface="Times New Roman" pitchFamily="18" charset="0"/>
+                        </a:rPr>
+                        <a:t>Suficiencia de las pruebas</a:t>
+                      </a:r>
+                      <a:endParaRPr kumimoji="0" lang="es-PE" sz="1600" b="0" i="0" u="none" strike="noStrike" cap="none" normalizeH="0" baseline="0" smtClean="0">
+                        <a:ln>
+                          <a:noFill/>
+                        </a:ln>
+                        <a:solidFill>
+                          <a:schemeClr val="tx2"/>
+                        </a:solidFill>
+                        <a:effectLst/>
+                        <a:latin typeface="Arial" charset="0"/>
+                      </a:endParaRPr>
+                    </a:p>
+                  </a:txBody>
+                  <a:tcPr horzOverflow="overflow">
+                    <a:lnL w="12700" cap="flat" cmpd="sng" algn="ctr">
+                      <a:solidFill>
+                        <a:srgbClr val="000000"/>
+                      </a:solidFill>
+                      <a:prstDash val="solid"/>
+                      <a:round/>
+                      <a:headEnd type="none" w="med" len="med"/>
+                      <a:tailEnd type="none" w="med" len="med"/>
+                    </a:lnL>
+                    <a:lnR w="12700" cap="flat" cmpd="sng" algn="ctr">
+                      <a:solidFill>
+                        <a:srgbClr val="000000"/>
+                      </a:solidFill>
+                      <a:prstDash val="solid"/>
+                      <a:round/>
+                      <a:headEnd type="none" w="med" len="med"/>
+                      <a:tailEnd type="none" w="med" len="med"/>
+                    </a:lnR>
+                    <a:lnT w="12700" cap="flat" cmpd="sng" algn="ctr">
+                      <a:solidFill>
+                        <a:srgbClr val="000000"/>
+                      </a:solidFill>
+                      <a:prstDash val="solid"/>
+                      <a:round/>
+                      <a:headEnd type="none" w="med" len="med"/>
+                      <a:tailEnd type="none" w="med" len="med"/>
+                    </a:lnT>
+                    <a:lnB w="12700" cap="flat" cmpd="sng" algn="ctr">
+                      <a:solidFill>
+                        <a:srgbClr val="000000"/>
+                      </a:solidFill>
+                      <a:prstDash val="solid"/>
+                      <a:round/>
+                      <a:headEnd type="none" w="med" len="med"/>
+                      <a:tailEnd type="none" w="med" len="med"/>
+                    </a:lnB>
+                    <a:lnTlToBr>
+                      <a:noFill/>
+                    </a:lnTlToBr>
+                    <a:lnBlToTr>
+                      <a:noFill/>
+                    </a:lnBlToTr>
+                    <a:noFill/>
+                  </a:tcPr>
+                </a:tc>
+              </a:tr>
+              <a:tr h="471488">
+                <a:tc>
+                  <a:txBody>
+                    <a:bodyPr/>
+                    <a:lstStyle/>
+                    <a:p>
+                      <a:pPr marL="0" marR="0" lvl="0" indent="0" algn="l" defTabSz="914400" rtl="0" eaLnBrk="1" fontAlgn="base" latinLnBrk="0" hangingPunct="1">
+                        <a:lnSpc>
+                          <a:spcPct val="100000"/>
+                        </a:lnSpc>
+                        <a:spcBef>
+                          <a:spcPct val="0"/>
+                        </a:spcBef>
+                        <a:spcAft>
+                          <a:spcPct val="0"/>
+                        </a:spcAft>
+                        <a:buClrTx/>
+                        <a:buSzTx/>
+                        <a:buFontTx/>
+                        <a:buNone/>
+                        <a:tabLst/>
+                      </a:pPr>
+                      <a:r>
+                        <a:rPr kumimoji="0" lang="es-PE" sz="1600" b="1" i="0" u="none" strike="noStrike" cap="none" normalizeH="0" baseline="0" smtClean="0">
+                          <a:ln>
+                            <a:noFill/>
+                          </a:ln>
+                          <a:solidFill>
+                            <a:schemeClr val="tx2"/>
+                          </a:solidFill>
+                          <a:effectLst/>
+                          <a:latin typeface="Calibri" pitchFamily="34" charset="0"/>
+                          <a:cs typeface="Times New Roman" pitchFamily="18" charset="0"/>
+                        </a:rPr>
+                        <a:t>PROPOSITO</a:t>
+                      </a:r>
+                      <a:endParaRPr kumimoji="0" lang="es-PE" sz="1600" b="0" i="0" u="none" strike="noStrike" cap="none" normalizeH="0" baseline="0" smtClean="0">
+                        <a:ln>
+                          <a:noFill/>
+                        </a:ln>
+                        <a:solidFill>
+                          <a:schemeClr val="tx2"/>
+                        </a:solidFill>
+                        <a:effectLst/>
+                        <a:latin typeface="Arial" charset="0"/>
+                      </a:endParaRPr>
+                    </a:p>
+                  </a:txBody>
+                  <a:tcPr horzOverflow="overflow">
+                    <a:lnL w="12700" cap="flat" cmpd="sng" algn="ctr">
+                      <a:solidFill>
+                        <a:srgbClr val="000000"/>
+                      </a:solidFill>
+                      <a:prstDash val="solid"/>
+                      <a:round/>
+                      <a:headEnd type="none" w="med" len="med"/>
+                      <a:tailEnd type="none" w="med" len="med"/>
+                    </a:lnL>
+                    <a:lnR w="12700" cap="flat" cmpd="sng" algn="ctr">
+                      <a:solidFill>
+                        <a:srgbClr val="000000"/>
+                      </a:solidFill>
+                      <a:prstDash val="solid"/>
+                      <a:round/>
+                      <a:headEnd type="none" w="med" len="med"/>
+                      <a:tailEnd type="none" w="med" len="med"/>
+                    </a:lnR>
+                    <a:lnT w="12700" cap="flat" cmpd="sng" algn="ctr">
+                      <a:solidFill>
+                        <a:srgbClr val="000000"/>
+                      </a:solidFill>
+                      <a:prstDash val="solid"/>
+                      <a:round/>
+                      <a:headEnd type="none" w="med" len="med"/>
+                      <a:tailEnd type="none" w="med" len="med"/>
+                    </a:lnT>
+                    <a:lnB w="12700" cap="flat" cmpd="sng" algn="ctr">
+                      <a:solidFill>
+                        <a:srgbClr val="000000"/>
+                      </a:solidFill>
+                      <a:prstDash val="solid"/>
+                      <a:round/>
+                      <a:headEnd type="none" w="med" len="med"/>
+                      <a:tailEnd type="none" w="med" len="med"/>
+                    </a:lnB>
+                    <a:lnTlToBr>
+                      <a:noFill/>
+                    </a:lnTlToBr>
+                    <a:lnBlToTr>
+                      <a:noFill/>
+                    </a:lnBlToTr>
+                    <a:noFill/>
+                  </a:tcPr>
+                </a:tc>
+                <a:tc>
+                  <a:txBody>
+                    <a:bodyPr/>
+                    <a:lstStyle/>
+                    <a:p>
+                      <a:pPr marL="0" marR="0" lvl="0" indent="0" algn="just" defTabSz="914400" rtl="0" eaLnBrk="1" fontAlgn="base" latinLnBrk="0" hangingPunct="1">
+                        <a:lnSpc>
+                          <a:spcPct val="100000"/>
+                        </a:lnSpc>
+                        <a:spcBef>
+                          <a:spcPct val="0"/>
+                        </a:spcBef>
+                        <a:spcAft>
+                          <a:spcPct val="0"/>
+                        </a:spcAft>
+                        <a:buClrTx/>
+                        <a:buSzTx/>
+                        <a:buFontTx/>
+                        <a:buNone/>
+                        <a:tabLst/>
+                      </a:pPr>
+                      <a:r>
+                        <a:rPr kumimoji="0" lang="es-PE" sz="1600" b="0" i="0" u="none" strike="noStrike" cap="none" normalizeH="0" baseline="0" smtClean="0">
+                          <a:ln>
+                            <a:noFill/>
+                          </a:ln>
+                          <a:solidFill>
+                            <a:schemeClr val="tx2"/>
+                          </a:solidFill>
+                          <a:effectLst/>
+                          <a:latin typeface="Calibri" pitchFamily="34" charset="0"/>
+                          <a:cs typeface="Times New Roman" pitchFamily="18" charset="0"/>
+                        </a:rPr>
+                        <a:t>Cu</a:t>
+                      </a:r>
+                      <a:r>
+                        <a:rPr kumimoji="0" lang="es-PE" sz="1600" b="0" i="0" u="none" strike="noStrike" cap="none" normalizeH="0" baseline="0" smtClean="0">
+                          <a:ln>
+                            <a:noFill/>
+                          </a:ln>
+                          <a:solidFill>
+                            <a:schemeClr val="tx2"/>
+                          </a:solidFill>
+                          <a:effectLst/>
+                          <a:latin typeface="Arial"/>
+                          <a:cs typeface="Times New Roman" pitchFamily="18" charset="0"/>
+                        </a:rPr>
+                        <a:t>á</a:t>
+                      </a:r>
+                      <a:r>
+                        <a:rPr kumimoji="0" lang="es-PE" sz="1600" b="0" i="0" u="none" strike="noStrike" cap="none" normalizeH="0" baseline="0" smtClean="0">
+                          <a:ln>
+                            <a:noFill/>
+                          </a:ln>
+                          <a:solidFill>
+                            <a:schemeClr val="tx2"/>
+                          </a:solidFill>
+                          <a:effectLst/>
+                          <a:latin typeface="Calibri" pitchFamily="34" charset="0"/>
+                          <a:cs typeface="Times New Roman" pitchFamily="18" charset="0"/>
+                        </a:rPr>
+                        <a:t>ntos de los casos de prueba necesarios est</a:t>
+                      </a:r>
+                      <a:r>
+                        <a:rPr kumimoji="0" lang="es-PE" sz="1600" b="0" i="0" u="none" strike="noStrike" cap="none" normalizeH="0" baseline="0" smtClean="0">
+                          <a:ln>
+                            <a:noFill/>
+                          </a:ln>
+                          <a:solidFill>
+                            <a:schemeClr val="tx2"/>
+                          </a:solidFill>
+                          <a:effectLst/>
+                          <a:latin typeface="Arial"/>
+                          <a:cs typeface="Times New Roman" pitchFamily="18" charset="0"/>
+                        </a:rPr>
+                        <a:t>á</a:t>
+                      </a:r>
+                      <a:r>
+                        <a:rPr kumimoji="0" lang="es-PE" sz="1600" b="0" i="0" u="none" strike="noStrike" cap="none" normalizeH="0" baseline="0" smtClean="0">
+                          <a:ln>
+                            <a:noFill/>
+                          </a:ln>
+                          <a:solidFill>
+                            <a:schemeClr val="tx2"/>
+                          </a:solidFill>
+                          <a:effectLst/>
+                          <a:latin typeface="Calibri" pitchFamily="34" charset="0"/>
+                          <a:cs typeface="Times New Roman" pitchFamily="18" charset="0"/>
+                        </a:rPr>
+                        <a:t>n cubiertas por el plan de pruebas?</a:t>
+                      </a:r>
+                      <a:endParaRPr kumimoji="0" lang="es-PE" sz="1600" b="0" i="0" u="none" strike="noStrike" cap="none" normalizeH="0" baseline="0" smtClean="0">
+                        <a:ln>
+                          <a:noFill/>
+                        </a:ln>
+                        <a:solidFill>
+                          <a:schemeClr val="tx2"/>
+                        </a:solidFill>
+                        <a:effectLst/>
+                        <a:latin typeface="Arial" charset="0"/>
+                      </a:endParaRPr>
+                    </a:p>
+                  </a:txBody>
+                  <a:tcPr horzOverflow="overflow">
+                    <a:lnL w="12700" cap="flat" cmpd="sng" algn="ctr">
+                      <a:solidFill>
+                        <a:srgbClr val="000000"/>
+                      </a:solidFill>
+                      <a:prstDash val="solid"/>
+                      <a:round/>
+                      <a:headEnd type="none" w="med" len="med"/>
+                      <a:tailEnd type="none" w="med" len="med"/>
+                    </a:lnL>
+                    <a:lnR w="12700" cap="flat" cmpd="sng" algn="ctr">
+                      <a:solidFill>
+                        <a:srgbClr val="000000"/>
+                      </a:solidFill>
+                      <a:prstDash val="solid"/>
+                      <a:round/>
+                      <a:headEnd type="none" w="med" len="med"/>
+                      <a:tailEnd type="none" w="med" len="med"/>
+                    </a:lnR>
+                    <a:lnT w="12700" cap="flat" cmpd="sng" algn="ctr">
+                      <a:solidFill>
+                        <a:srgbClr val="000000"/>
+                      </a:solidFill>
+                      <a:prstDash val="solid"/>
+                      <a:round/>
+                      <a:headEnd type="none" w="med" len="med"/>
+                      <a:tailEnd type="none" w="med" len="med"/>
+                    </a:lnT>
+                    <a:lnB w="12700" cap="flat" cmpd="sng" algn="ctr">
+                      <a:solidFill>
+                        <a:srgbClr val="000000"/>
+                      </a:solidFill>
+                      <a:prstDash val="solid"/>
+                      <a:round/>
+                      <a:headEnd type="none" w="med" len="med"/>
+                      <a:tailEnd type="none" w="med" len="med"/>
+                    </a:lnB>
+                    <a:lnTlToBr>
+                      <a:noFill/>
+                    </a:lnTlToBr>
+                    <a:lnBlToTr>
+                      <a:noFill/>
+                    </a:lnBlToTr>
+                    <a:noFill/>
+                  </a:tcPr>
+                </a:tc>
+              </a:tr>
+              <a:tr h="471488">
+                <a:tc>
+                  <a:txBody>
+                    <a:bodyPr/>
+                    <a:lstStyle/>
+                    <a:p>
+                      <a:pPr marL="0" marR="0" lvl="0" indent="0" algn="l" defTabSz="914400" rtl="0" eaLnBrk="1" fontAlgn="base" latinLnBrk="0" hangingPunct="1">
+                        <a:lnSpc>
+                          <a:spcPct val="100000"/>
+                        </a:lnSpc>
+                        <a:spcBef>
+                          <a:spcPct val="0"/>
+                        </a:spcBef>
+                        <a:spcAft>
+                          <a:spcPct val="0"/>
+                        </a:spcAft>
+                        <a:buClrTx/>
+                        <a:buSzTx/>
+                        <a:buFontTx/>
+                        <a:buNone/>
+                        <a:tabLst/>
+                      </a:pPr>
+                      <a:r>
+                        <a:rPr kumimoji="0" lang="es-PE" sz="1600" b="1" i="0" u="none" strike="noStrike" cap="none" normalizeH="0" baseline="0" smtClean="0">
+                          <a:ln>
+                            <a:noFill/>
+                          </a:ln>
+                          <a:solidFill>
+                            <a:schemeClr val="tx2"/>
+                          </a:solidFill>
+                          <a:effectLst/>
+                          <a:latin typeface="Calibri" pitchFamily="34" charset="0"/>
+                          <a:cs typeface="Times New Roman" pitchFamily="18" charset="0"/>
+                        </a:rPr>
+                        <a:t>METODO APLICACI</a:t>
+                      </a:r>
+                      <a:r>
+                        <a:rPr kumimoji="0" lang="es-PE" sz="1600" b="1" i="0" u="none" strike="noStrike" cap="none" normalizeH="0" baseline="0" smtClean="0">
+                          <a:ln>
+                            <a:noFill/>
+                          </a:ln>
+                          <a:solidFill>
+                            <a:schemeClr val="tx2"/>
+                          </a:solidFill>
+                          <a:effectLst/>
+                          <a:latin typeface="Arial"/>
+                          <a:cs typeface="Times New Roman" pitchFamily="18" charset="0"/>
+                        </a:rPr>
+                        <a:t>Ó</a:t>
+                      </a:r>
+                      <a:r>
+                        <a:rPr kumimoji="0" lang="es-PE" sz="1600" b="1" i="0" u="none" strike="noStrike" cap="none" normalizeH="0" baseline="0" smtClean="0">
+                          <a:ln>
+                            <a:noFill/>
+                          </a:ln>
+                          <a:solidFill>
+                            <a:schemeClr val="tx2"/>
+                          </a:solidFill>
+                          <a:effectLst/>
+                          <a:latin typeface="Calibri" pitchFamily="34" charset="0"/>
+                          <a:cs typeface="Times New Roman" pitchFamily="18" charset="0"/>
+                        </a:rPr>
+                        <a:t>N</a:t>
+                      </a:r>
+                      <a:endParaRPr kumimoji="0" lang="es-PE" sz="1600" b="0" i="0" u="none" strike="noStrike" cap="none" normalizeH="0" baseline="0" smtClean="0">
+                        <a:ln>
+                          <a:noFill/>
+                        </a:ln>
+                        <a:solidFill>
+                          <a:schemeClr val="tx2"/>
+                        </a:solidFill>
+                        <a:effectLst/>
+                        <a:latin typeface="Arial" charset="0"/>
+                      </a:endParaRPr>
+                    </a:p>
+                  </a:txBody>
+                  <a:tcPr horzOverflow="overflow">
+                    <a:lnL w="12700" cap="flat" cmpd="sng" algn="ctr">
+                      <a:solidFill>
+                        <a:srgbClr val="000000"/>
+                      </a:solidFill>
+                      <a:prstDash val="solid"/>
+                      <a:round/>
+                      <a:headEnd type="none" w="med" len="med"/>
+                      <a:tailEnd type="none" w="med" len="med"/>
+                    </a:lnL>
+                    <a:lnR w="12700" cap="flat" cmpd="sng" algn="ctr">
+                      <a:solidFill>
+                        <a:srgbClr val="000000"/>
+                      </a:solidFill>
+                      <a:prstDash val="solid"/>
+                      <a:round/>
+                      <a:headEnd type="none" w="med" len="med"/>
+                      <a:tailEnd type="none" w="med" len="med"/>
+                    </a:lnR>
+                    <a:lnT w="12700" cap="flat" cmpd="sng" algn="ctr">
+                      <a:solidFill>
+                        <a:srgbClr val="000000"/>
+                      </a:solidFill>
+                      <a:prstDash val="solid"/>
+                      <a:round/>
+                      <a:headEnd type="none" w="med" len="med"/>
+                      <a:tailEnd type="none" w="med" len="med"/>
+                    </a:lnT>
+                    <a:lnB w="12700" cap="flat" cmpd="sng" algn="ctr">
+                      <a:solidFill>
+                        <a:srgbClr val="000000"/>
+                      </a:solidFill>
+                      <a:prstDash val="solid"/>
+                      <a:round/>
+                      <a:headEnd type="none" w="med" len="med"/>
+                      <a:tailEnd type="none" w="med" len="med"/>
+                    </a:lnB>
+                    <a:lnTlToBr>
+                      <a:noFill/>
+                    </a:lnTlToBr>
+                    <a:lnBlToTr>
+                      <a:noFill/>
+                    </a:lnBlToTr>
+                    <a:noFill/>
+                  </a:tcPr>
+                </a:tc>
+                <a:tc>
+                  <a:txBody>
+                    <a:bodyPr/>
+                    <a:lstStyle/>
+                    <a:p>
+                      <a:pPr marL="0" marR="0" lvl="0" indent="0" algn="just" defTabSz="914400" rtl="0" eaLnBrk="1" fontAlgn="base" latinLnBrk="0" hangingPunct="1">
+                        <a:lnSpc>
+                          <a:spcPct val="100000"/>
+                        </a:lnSpc>
+                        <a:spcBef>
+                          <a:spcPct val="0"/>
+                        </a:spcBef>
+                        <a:spcAft>
+                          <a:spcPct val="0"/>
+                        </a:spcAft>
+                        <a:buClrTx/>
+                        <a:buSzTx/>
+                        <a:buFontTx/>
+                        <a:buNone/>
+                        <a:tabLst/>
+                      </a:pPr>
+                      <a:r>
+                        <a:rPr kumimoji="0" lang="es-PE" sz="1600" b="0" i="0" u="none" strike="noStrike" cap="none" normalizeH="0" baseline="0" smtClean="0">
+                          <a:ln>
+                            <a:noFill/>
+                          </a:ln>
+                          <a:solidFill>
+                            <a:schemeClr val="tx2"/>
+                          </a:solidFill>
+                          <a:effectLst/>
+                          <a:latin typeface="Calibri" pitchFamily="34" charset="0"/>
+                          <a:cs typeface="Times New Roman" pitchFamily="18" charset="0"/>
+                        </a:rPr>
+                        <a:t>Contar las pruebas planeadas y comparar con el n</a:t>
+                      </a:r>
+                      <a:r>
+                        <a:rPr kumimoji="0" lang="es-PE" sz="1600" b="0" i="0" u="none" strike="noStrike" cap="none" normalizeH="0" baseline="0" smtClean="0">
+                          <a:ln>
+                            <a:noFill/>
+                          </a:ln>
+                          <a:solidFill>
+                            <a:schemeClr val="tx2"/>
+                          </a:solidFill>
+                          <a:effectLst/>
+                          <a:latin typeface="Arial"/>
+                          <a:cs typeface="Times New Roman" pitchFamily="18" charset="0"/>
+                        </a:rPr>
+                        <a:t>ú</a:t>
+                      </a:r>
+                      <a:r>
+                        <a:rPr kumimoji="0" lang="es-PE" sz="1600" b="0" i="0" u="none" strike="noStrike" cap="none" normalizeH="0" baseline="0" smtClean="0">
+                          <a:ln>
+                            <a:noFill/>
+                          </a:ln>
+                          <a:solidFill>
+                            <a:schemeClr val="tx2"/>
+                          </a:solidFill>
+                          <a:effectLst/>
+                          <a:latin typeface="Calibri" pitchFamily="34" charset="0"/>
+                          <a:cs typeface="Times New Roman" pitchFamily="18" charset="0"/>
+                        </a:rPr>
+                        <a:t>mero de pruebas requeridas para obtener una cobertura adecuada.</a:t>
+                      </a:r>
+                      <a:endParaRPr kumimoji="0" lang="es-PE" sz="1600" b="0" i="0" u="none" strike="noStrike" cap="none" normalizeH="0" baseline="0" smtClean="0">
+                        <a:ln>
+                          <a:noFill/>
+                        </a:ln>
+                        <a:solidFill>
+                          <a:schemeClr val="tx2"/>
+                        </a:solidFill>
+                        <a:effectLst/>
+                        <a:latin typeface="Arial" charset="0"/>
+                      </a:endParaRPr>
+                    </a:p>
+                  </a:txBody>
+                  <a:tcPr horzOverflow="overflow">
+                    <a:lnL w="12700" cap="flat" cmpd="sng" algn="ctr">
+                      <a:solidFill>
+                        <a:srgbClr val="000000"/>
+                      </a:solidFill>
+                      <a:prstDash val="solid"/>
+                      <a:round/>
+                      <a:headEnd type="none" w="med" len="med"/>
+                      <a:tailEnd type="none" w="med" len="med"/>
+                    </a:lnL>
+                    <a:lnR w="12700" cap="flat" cmpd="sng" algn="ctr">
+                      <a:solidFill>
+                        <a:srgbClr val="000000"/>
+                      </a:solidFill>
+                      <a:prstDash val="solid"/>
+                      <a:round/>
+                      <a:headEnd type="none" w="med" len="med"/>
+                      <a:tailEnd type="none" w="med" len="med"/>
+                    </a:lnR>
+                    <a:lnT w="12700" cap="flat" cmpd="sng" algn="ctr">
+                      <a:solidFill>
+                        <a:srgbClr val="000000"/>
+                      </a:solidFill>
+                      <a:prstDash val="solid"/>
+                      <a:round/>
+                      <a:headEnd type="none" w="med" len="med"/>
+                      <a:tailEnd type="none" w="med" len="med"/>
+                    </a:lnT>
+                    <a:lnB w="12700" cap="flat" cmpd="sng" algn="ctr">
+                      <a:solidFill>
+                        <a:srgbClr val="000000"/>
+                      </a:solidFill>
+                      <a:prstDash val="solid"/>
+                      <a:round/>
+                      <a:headEnd type="none" w="med" len="med"/>
+                      <a:tailEnd type="none" w="med" len="med"/>
+                    </a:lnB>
+                    <a:lnTlToBr>
+                      <a:noFill/>
+                    </a:lnTlToBr>
+                    <a:lnBlToTr>
+                      <a:noFill/>
+                    </a:lnBlToTr>
+                    <a:noFill/>
+                  </a:tcPr>
+                </a:tc>
+              </a:tr>
+              <a:tr h="660400">
+                <a:tc>
+                  <a:txBody>
+                    <a:bodyPr/>
+                    <a:lstStyle/>
+                    <a:p>
+                      <a:pPr marL="0" marR="0" lvl="0" indent="0" algn="l" defTabSz="914400" rtl="0" eaLnBrk="1" fontAlgn="base" latinLnBrk="0" hangingPunct="1">
+                        <a:lnSpc>
+                          <a:spcPct val="100000"/>
+                        </a:lnSpc>
+                        <a:spcBef>
+                          <a:spcPct val="0"/>
+                        </a:spcBef>
+                        <a:spcAft>
+                          <a:spcPct val="0"/>
+                        </a:spcAft>
+                        <a:buClrTx/>
+                        <a:buSzTx/>
+                        <a:buFontTx/>
+                        <a:buNone/>
+                        <a:tabLst/>
+                      </a:pPr>
+                      <a:r>
+                        <a:rPr kumimoji="0" lang="es-PE" sz="1600" b="1" i="0" u="none" strike="noStrike" cap="none" normalizeH="0" baseline="0" smtClean="0">
+                          <a:ln>
+                            <a:noFill/>
+                          </a:ln>
+                          <a:solidFill>
+                            <a:schemeClr val="tx2"/>
+                          </a:solidFill>
+                          <a:effectLst/>
+                          <a:latin typeface="Calibri" pitchFamily="34" charset="0"/>
+                          <a:cs typeface="Times New Roman" pitchFamily="18" charset="0"/>
+                        </a:rPr>
+                        <a:t>FORMULA</a:t>
+                      </a:r>
+                      <a:endParaRPr kumimoji="0" lang="es-PE" sz="1600" b="0" i="0" u="none" strike="noStrike" cap="none" normalizeH="0" baseline="0" smtClean="0">
+                        <a:ln>
+                          <a:noFill/>
+                        </a:ln>
+                        <a:solidFill>
+                          <a:schemeClr val="tx2"/>
+                        </a:solidFill>
+                        <a:effectLst/>
+                        <a:latin typeface="Arial" charset="0"/>
+                      </a:endParaRPr>
+                    </a:p>
+                  </a:txBody>
+                  <a:tcPr horzOverflow="overflow">
+                    <a:lnL w="12700" cap="flat" cmpd="sng" algn="ctr">
+                      <a:solidFill>
+                        <a:srgbClr val="000000"/>
+                      </a:solidFill>
+                      <a:prstDash val="solid"/>
+                      <a:round/>
+                      <a:headEnd type="none" w="med" len="med"/>
+                      <a:tailEnd type="none" w="med" len="med"/>
+                    </a:lnL>
+                    <a:lnR w="12700" cap="flat" cmpd="sng" algn="ctr">
+                      <a:solidFill>
+                        <a:srgbClr val="000000"/>
+                      </a:solidFill>
+                      <a:prstDash val="solid"/>
+                      <a:round/>
+                      <a:headEnd type="none" w="med" len="med"/>
+                      <a:tailEnd type="none" w="med" len="med"/>
+                    </a:lnR>
+                    <a:lnT w="12700" cap="flat" cmpd="sng" algn="ctr">
+                      <a:solidFill>
+                        <a:srgbClr val="000000"/>
+                      </a:solidFill>
+                      <a:prstDash val="solid"/>
+                      <a:round/>
+                      <a:headEnd type="none" w="med" len="med"/>
+                      <a:tailEnd type="none" w="med" len="med"/>
+                    </a:lnT>
+                    <a:lnB w="12700" cap="flat" cmpd="sng" algn="ctr">
+                      <a:solidFill>
+                        <a:srgbClr val="000000"/>
+                      </a:solidFill>
+                      <a:prstDash val="solid"/>
+                      <a:round/>
+                      <a:headEnd type="none" w="med" len="med"/>
+                      <a:tailEnd type="none" w="med" len="med"/>
+                    </a:lnB>
+                    <a:lnTlToBr>
+                      <a:noFill/>
+                    </a:lnTlToBr>
+                    <a:lnBlToTr>
+                      <a:noFill/>
+                    </a:lnBlToTr>
+                    <a:noFill/>
+                  </a:tcPr>
+                </a:tc>
+                <a:tc>
+                  <a:txBody>
+                    <a:bodyPr/>
+                    <a:lstStyle/>
+                    <a:p>
+                      <a:pPr marL="0" marR="0" lvl="0" indent="0" algn="l" defTabSz="914400" rtl="0" eaLnBrk="1" fontAlgn="base" latinLnBrk="0" hangingPunct="1">
+                        <a:lnSpc>
+                          <a:spcPct val="100000"/>
+                        </a:lnSpc>
+                        <a:spcBef>
+                          <a:spcPct val="0"/>
+                        </a:spcBef>
+                        <a:spcAft>
+                          <a:spcPct val="0"/>
+                        </a:spcAft>
+                        <a:buClrTx/>
+                        <a:buSzTx/>
+                        <a:buFontTx/>
+                        <a:buNone/>
+                        <a:tabLst/>
+                      </a:pPr>
+                      <a:r>
+                        <a:rPr kumimoji="0" lang="es-PE" sz="1600" b="0" i="0" u="none" strike="noStrike" cap="none" normalizeH="0" baseline="0" smtClean="0">
+                          <a:ln>
+                            <a:noFill/>
+                          </a:ln>
+                          <a:solidFill>
+                            <a:schemeClr val="tx2"/>
+                          </a:solidFill>
+                          <a:effectLst/>
+                          <a:latin typeface="Calibri" pitchFamily="34" charset="0"/>
+                          <a:cs typeface="Times New Roman" pitchFamily="18" charset="0"/>
+                        </a:rPr>
+                        <a:t>X = A / B</a:t>
+                      </a:r>
+                      <a:endParaRPr kumimoji="0" lang="es-ES" sz="1600" b="0" i="0" u="none" strike="noStrike" cap="none" normalizeH="0" baseline="0" smtClean="0">
+                        <a:ln>
+                          <a:noFill/>
+                        </a:ln>
+                        <a:solidFill>
+                          <a:schemeClr val="tx2"/>
+                        </a:solidFill>
+                        <a:effectLst/>
+                        <a:latin typeface="Times New Roman" pitchFamily="18" charset="0"/>
+                        <a:cs typeface="Times New Roman" pitchFamily="18" charset="0"/>
+                      </a:endParaRPr>
+                    </a:p>
+                    <a:p>
+                      <a:pPr marL="0" marR="0" lvl="0" indent="0" algn="l" defTabSz="914400" rtl="0" eaLnBrk="0" fontAlgn="base" latinLnBrk="0" hangingPunct="0">
+                        <a:lnSpc>
+                          <a:spcPct val="100000"/>
+                        </a:lnSpc>
+                        <a:spcBef>
+                          <a:spcPct val="0"/>
+                        </a:spcBef>
+                        <a:spcAft>
+                          <a:spcPct val="0"/>
+                        </a:spcAft>
+                        <a:buClrTx/>
+                        <a:buSzTx/>
+                        <a:buFontTx/>
+                        <a:buNone/>
+                        <a:tabLst/>
+                      </a:pPr>
+                      <a:r>
+                        <a:rPr kumimoji="0" lang="es-PE" sz="1600" b="0" i="0" u="none" strike="noStrike" cap="none" normalizeH="0" baseline="0" smtClean="0">
+                          <a:ln>
+                            <a:noFill/>
+                          </a:ln>
+                          <a:solidFill>
+                            <a:schemeClr val="tx2"/>
+                          </a:solidFill>
+                          <a:effectLst/>
+                          <a:latin typeface="Calibri" pitchFamily="34" charset="0"/>
+                          <a:cs typeface="Times New Roman" pitchFamily="18" charset="0"/>
+                        </a:rPr>
+                        <a:t>A = N</a:t>
+                      </a:r>
+                      <a:r>
+                        <a:rPr kumimoji="0" lang="es-PE" sz="1600" b="0" i="0" u="none" strike="noStrike" cap="none" normalizeH="0" baseline="0" smtClean="0">
+                          <a:ln>
+                            <a:noFill/>
+                          </a:ln>
+                          <a:solidFill>
+                            <a:schemeClr val="tx2"/>
+                          </a:solidFill>
+                          <a:effectLst/>
+                          <a:latin typeface="Arial"/>
+                          <a:cs typeface="Times New Roman" pitchFamily="18" charset="0"/>
+                        </a:rPr>
+                        <a:t>ú</a:t>
+                      </a:r>
+                      <a:r>
+                        <a:rPr kumimoji="0" lang="es-PE" sz="1600" b="0" i="0" u="none" strike="noStrike" cap="none" normalizeH="0" baseline="0" smtClean="0">
+                          <a:ln>
+                            <a:noFill/>
+                          </a:ln>
+                          <a:solidFill>
+                            <a:schemeClr val="tx2"/>
+                          </a:solidFill>
+                          <a:effectLst/>
+                          <a:latin typeface="Calibri" pitchFamily="34" charset="0"/>
+                          <a:cs typeface="Times New Roman" pitchFamily="18" charset="0"/>
+                        </a:rPr>
+                        <a:t>mero de casos de prueba en el plan</a:t>
+                      </a:r>
+                      <a:endParaRPr kumimoji="0" lang="es-ES" sz="1600" b="0" i="0" u="none" strike="noStrike" cap="none" normalizeH="0" baseline="0" smtClean="0">
+                        <a:ln>
+                          <a:noFill/>
+                        </a:ln>
+                        <a:solidFill>
+                          <a:schemeClr val="tx2"/>
+                        </a:solidFill>
+                        <a:effectLst/>
+                        <a:latin typeface="Times New Roman" pitchFamily="18" charset="0"/>
+                        <a:cs typeface="Times New Roman" pitchFamily="18" charset="0"/>
+                      </a:endParaRPr>
+                    </a:p>
+                    <a:p>
+                      <a:pPr marL="0" marR="0" lvl="0" indent="0" algn="l" defTabSz="914400" rtl="0" eaLnBrk="0" fontAlgn="base" latinLnBrk="0" hangingPunct="0">
+                        <a:lnSpc>
+                          <a:spcPct val="100000"/>
+                        </a:lnSpc>
+                        <a:spcBef>
+                          <a:spcPct val="0"/>
+                        </a:spcBef>
+                        <a:spcAft>
+                          <a:spcPct val="0"/>
+                        </a:spcAft>
+                        <a:buClrTx/>
+                        <a:buSzTx/>
+                        <a:buFontTx/>
+                        <a:buNone/>
+                        <a:tabLst/>
+                      </a:pPr>
+                      <a:r>
+                        <a:rPr kumimoji="0" lang="es-PE" sz="1600" b="0" i="0" u="none" strike="noStrike" cap="none" normalizeH="0" baseline="0" smtClean="0">
+                          <a:ln>
+                            <a:noFill/>
+                          </a:ln>
+                          <a:solidFill>
+                            <a:schemeClr val="tx2"/>
+                          </a:solidFill>
+                          <a:effectLst/>
+                          <a:latin typeface="Calibri" pitchFamily="34" charset="0"/>
+                          <a:cs typeface="Times New Roman" pitchFamily="18" charset="0"/>
+                        </a:rPr>
+                        <a:t>B = N</a:t>
+                      </a:r>
+                      <a:r>
+                        <a:rPr kumimoji="0" lang="es-PE" sz="1600" b="0" i="0" u="none" strike="noStrike" cap="none" normalizeH="0" baseline="0" smtClean="0">
+                          <a:ln>
+                            <a:noFill/>
+                          </a:ln>
+                          <a:solidFill>
+                            <a:schemeClr val="tx2"/>
+                          </a:solidFill>
+                          <a:effectLst/>
+                          <a:latin typeface="Arial"/>
+                          <a:cs typeface="Times New Roman" pitchFamily="18" charset="0"/>
+                        </a:rPr>
+                        <a:t>ú</a:t>
+                      </a:r>
+                      <a:r>
+                        <a:rPr kumimoji="0" lang="es-PE" sz="1600" b="0" i="0" u="none" strike="noStrike" cap="none" normalizeH="0" baseline="0" smtClean="0">
+                          <a:ln>
+                            <a:noFill/>
+                          </a:ln>
+                          <a:solidFill>
+                            <a:schemeClr val="tx2"/>
+                          </a:solidFill>
+                          <a:effectLst/>
+                          <a:latin typeface="Calibri" pitchFamily="34" charset="0"/>
+                          <a:cs typeface="Times New Roman" pitchFamily="18" charset="0"/>
+                        </a:rPr>
+                        <a:t>mero de casos de prueba requeridos</a:t>
+                      </a:r>
+                      <a:endParaRPr kumimoji="0" lang="es-PE" sz="1600" b="0" i="0" u="none" strike="noStrike" cap="none" normalizeH="0" baseline="0" smtClean="0">
+                        <a:ln>
+                          <a:noFill/>
+                        </a:ln>
+                        <a:solidFill>
+                          <a:schemeClr val="tx2"/>
+                        </a:solidFill>
+                        <a:effectLst/>
+                        <a:latin typeface="Arial" charset="0"/>
+                      </a:endParaRPr>
+                    </a:p>
+                  </a:txBody>
+                  <a:tcPr horzOverflow="overflow">
+                    <a:lnL w="12700" cap="flat" cmpd="sng" algn="ctr">
+                      <a:solidFill>
+                        <a:srgbClr val="000000"/>
+                      </a:solidFill>
+                      <a:prstDash val="solid"/>
+                      <a:round/>
+                      <a:headEnd type="none" w="med" len="med"/>
+                      <a:tailEnd type="none" w="med" len="med"/>
+                    </a:lnL>
+                    <a:lnR w="12700" cap="flat" cmpd="sng" algn="ctr">
+                      <a:solidFill>
+                        <a:srgbClr val="000000"/>
+                      </a:solidFill>
+                      <a:prstDash val="solid"/>
+                      <a:round/>
+                      <a:headEnd type="none" w="med" len="med"/>
+                      <a:tailEnd type="none" w="med" len="med"/>
+                    </a:lnR>
+                    <a:lnT w="12700" cap="flat" cmpd="sng" algn="ctr">
+                      <a:solidFill>
+                        <a:srgbClr val="000000"/>
+                      </a:solidFill>
+                      <a:prstDash val="solid"/>
+                      <a:round/>
+                      <a:headEnd type="none" w="med" len="med"/>
+                      <a:tailEnd type="none" w="med" len="med"/>
+                    </a:lnT>
+                    <a:lnB w="12700" cap="flat" cmpd="sng" algn="ctr">
+                      <a:solidFill>
+                        <a:srgbClr val="000000"/>
+                      </a:solidFill>
+                      <a:prstDash val="solid"/>
+                      <a:round/>
+                      <a:headEnd type="none" w="med" len="med"/>
+                      <a:tailEnd type="none" w="med" len="med"/>
+                    </a:lnB>
+                    <a:lnTlToBr>
+                      <a:noFill/>
+                    </a:lnTlToBr>
+                    <a:lnBlToTr>
+                      <a:noFill/>
+                    </a:lnBlToTr>
+                    <a:noFill/>
+                  </a:tcPr>
+                </a:tc>
+              </a:tr>
+              <a:tr h="473075">
+                <a:tc>
+                  <a:txBody>
+                    <a:bodyPr/>
+                    <a:lstStyle/>
+                    <a:p>
+                      <a:pPr marL="0" marR="0" lvl="0" indent="0" algn="l" defTabSz="914400" rtl="0" eaLnBrk="1" fontAlgn="base" latinLnBrk="0" hangingPunct="1">
+                        <a:lnSpc>
+                          <a:spcPct val="100000"/>
+                        </a:lnSpc>
+                        <a:spcBef>
+                          <a:spcPct val="0"/>
+                        </a:spcBef>
+                        <a:spcAft>
+                          <a:spcPct val="0"/>
+                        </a:spcAft>
+                        <a:buClrTx/>
+                        <a:buSzTx/>
+                        <a:buFontTx/>
+                        <a:buNone/>
+                        <a:tabLst/>
+                      </a:pPr>
+                      <a:r>
+                        <a:rPr kumimoji="0" lang="es-PE" sz="1600" b="1" i="0" u="none" strike="noStrike" cap="none" normalizeH="0" baseline="0" smtClean="0">
+                          <a:ln>
+                            <a:noFill/>
+                          </a:ln>
+                          <a:solidFill>
+                            <a:schemeClr val="tx2"/>
+                          </a:solidFill>
+                          <a:effectLst/>
+                          <a:latin typeface="Calibri" pitchFamily="34" charset="0"/>
+                          <a:cs typeface="Times New Roman" pitchFamily="18" charset="0"/>
+                        </a:rPr>
+                        <a:t>INTERPRETACION</a:t>
+                      </a:r>
+                      <a:endParaRPr kumimoji="0" lang="es-PE" sz="1600" b="0" i="0" u="none" strike="noStrike" cap="none" normalizeH="0" baseline="0" smtClean="0">
+                        <a:ln>
+                          <a:noFill/>
+                        </a:ln>
+                        <a:solidFill>
+                          <a:schemeClr val="tx2"/>
+                        </a:solidFill>
+                        <a:effectLst/>
+                        <a:latin typeface="Arial" charset="0"/>
+                      </a:endParaRPr>
+                    </a:p>
+                  </a:txBody>
+                  <a:tcPr horzOverflow="overflow">
+                    <a:lnL w="12700" cap="flat" cmpd="sng" algn="ctr">
+                      <a:solidFill>
+                        <a:srgbClr val="000000"/>
+                      </a:solidFill>
+                      <a:prstDash val="solid"/>
+                      <a:round/>
+                      <a:headEnd type="none" w="med" len="med"/>
+                      <a:tailEnd type="none" w="med" len="med"/>
+                    </a:lnL>
+                    <a:lnR w="12700" cap="flat" cmpd="sng" algn="ctr">
+                      <a:solidFill>
+                        <a:srgbClr val="000000"/>
+                      </a:solidFill>
+                      <a:prstDash val="solid"/>
+                      <a:round/>
+                      <a:headEnd type="none" w="med" len="med"/>
+                      <a:tailEnd type="none" w="med" len="med"/>
+                    </a:lnR>
+                    <a:lnT w="12700" cap="flat" cmpd="sng" algn="ctr">
+                      <a:solidFill>
+                        <a:srgbClr val="000000"/>
+                      </a:solidFill>
+                      <a:prstDash val="solid"/>
+                      <a:round/>
+                      <a:headEnd type="none" w="med" len="med"/>
+                      <a:tailEnd type="none" w="med" len="med"/>
+                    </a:lnT>
+                    <a:lnB w="12700" cap="flat" cmpd="sng" algn="ctr">
+                      <a:solidFill>
+                        <a:srgbClr val="000000"/>
+                      </a:solidFill>
+                      <a:prstDash val="solid"/>
+                      <a:round/>
+                      <a:headEnd type="none" w="med" len="med"/>
+                      <a:tailEnd type="none" w="med" len="med"/>
+                    </a:lnB>
+                    <a:lnTlToBr>
+                      <a:noFill/>
+                    </a:lnTlToBr>
+                    <a:lnBlToTr>
+                      <a:noFill/>
+                    </a:lnBlToTr>
+                    <a:noFill/>
+                  </a:tcPr>
+                </a:tc>
+                <a:tc>
+                  <a:txBody>
+                    <a:bodyPr/>
+                    <a:lstStyle/>
+                    <a:p>
+                      <a:pPr marL="0" marR="0" lvl="0" indent="0" algn="l" defTabSz="914400" rtl="0" eaLnBrk="1" fontAlgn="base" latinLnBrk="0" hangingPunct="1">
+                        <a:lnSpc>
+                          <a:spcPct val="100000"/>
+                        </a:lnSpc>
+                        <a:spcBef>
+                          <a:spcPct val="0"/>
+                        </a:spcBef>
+                        <a:spcAft>
+                          <a:spcPct val="0"/>
+                        </a:spcAft>
+                        <a:buClrTx/>
+                        <a:buSzTx/>
+                        <a:buFontTx/>
+                        <a:buNone/>
+                        <a:tabLst/>
+                      </a:pPr>
+                      <a:r>
+                        <a:rPr kumimoji="0" lang="es-PE" sz="1600" b="0" i="0" u="none" strike="noStrike" cap="none" normalizeH="0" baseline="0" smtClean="0">
+                          <a:ln>
+                            <a:noFill/>
+                          </a:ln>
+                          <a:solidFill>
+                            <a:schemeClr val="tx2"/>
+                          </a:solidFill>
+                          <a:effectLst/>
+                          <a:latin typeface="Calibri" pitchFamily="34" charset="0"/>
+                          <a:cs typeface="Times New Roman" pitchFamily="18" charset="0"/>
+                        </a:rPr>
+                        <a:t>0 &lt;= X</a:t>
+                      </a:r>
+                      <a:endParaRPr kumimoji="0" lang="es-ES" sz="1600" b="0" i="0" u="none" strike="noStrike" cap="none" normalizeH="0" baseline="0" smtClean="0">
+                        <a:ln>
+                          <a:noFill/>
+                        </a:ln>
+                        <a:solidFill>
+                          <a:schemeClr val="tx2"/>
+                        </a:solidFill>
+                        <a:effectLst/>
+                        <a:latin typeface="Times New Roman" pitchFamily="18" charset="0"/>
+                        <a:cs typeface="Times New Roman" pitchFamily="18" charset="0"/>
+                      </a:endParaRPr>
+                    </a:p>
+                    <a:p>
+                      <a:pPr marL="0" marR="0" lvl="0" indent="0" algn="l" defTabSz="914400" rtl="0" eaLnBrk="0" fontAlgn="base" latinLnBrk="0" hangingPunct="0">
+                        <a:lnSpc>
+                          <a:spcPct val="100000"/>
+                        </a:lnSpc>
+                        <a:spcBef>
+                          <a:spcPct val="0"/>
+                        </a:spcBef>
+                        <a:spcAft>
+                          <a:spcPct val="0"/>
+                        </a:spcAft>
+                        <a:buClrTx/>
+                        <a:buSzTx/>
+                        <a:buFontTx/>
+                        <a:buNone/>
+                        <a:tabLst/>
+                      </a:pPr>
+                      <a:r>
+                        <a:rPr kumimoji="0" lang="es-PE" sz="1600" b="0" i="0" u="none" strike="noStrike" cap="none" normalizeH="0" baseline="0" smtClean="0">
+                          <a:ln>
+                            <a:noFill/>
+                          </a:ln>
+                          <a:solidFill>
+                            <a:schemeClr val="tx2"/>
+                          </a:solidFill>
+                          <a:effectLst/>
+                          <a:latin typeface="Calibri" pitchFamily="34" charset="0"/>
+                          <a:cs typeface="Times New Roman" pitchFamily="18" charset="0"/>
+                        </a:rPr>
+                        <a:t>Entre X es mayor, mejor la suficiencia</a:t>
+                      </a:r>
+                      <a:endParaRPr kumimoji="0" lang="es-PE" sz="1600" b="0" i="0" u="none" strike="noStrike" cap="none" normalizeH="0" baseline="0" smtClean="0">
+                        <a:ln>
+                          <a:noFill/>
+                        </a:ln>
+                        <a:solidFill>
+                          <a:schemeClr val="tx2"/>
+                        </a:solidFill>
+                        <a:effectLst/>
+                        <a:latin typeface="Arial" charset="0"/>
+                      </a:endParaRPr>
+                    </a:p>
+                  </a:txBody>
+                  <a:tcPr horzOverflow="overflow">
+                    <a:lnL w="12700" cap="flat" cmpd="sng" algn="ctr">
+                      <a:solidFill>
+                        <a:srgbClr val="000000"/>
+                      </a:solidFill>
+                      <a:prstDash val="solid"/>
+                      <a:round/>
+                      <a:headEnd type="none" w="med" len="med"/>
+                      <a:tailEnd type="none" w="med" len="med"/>
+                    </a:lnL>
+                    <a:lnR w="12700" cap="flat" cmpd="sng" algn="ctr">
+                      <a:solidFill>
+                        <a:srgbClr val="000000"/>
+                      </a:solidFill>
+                      <a:prstDash val="solid"/>
+                      <a:round/>
+                      <a:headEnd type="none" w="med" len="med"/>
+                      <a:tailEnd type="none" w="med" len="med"/>
+                    </a:lnR>
+                    <a:lnT w="12700" cap="flat" cmpd="sng" algn="ctr">
+                      <a:solidFill>
+                        <a:srgbClr val="000000"/>
+                      </a:solidFill>
+                      <a:prstDash val="solid"/>
+                      <a:round/>
+                      <a:headEnd type="none" w="med" len="med"/>
+                      <a:tailEnd type="none" w="med" len="med"/>
+                    </a:lnT>
+                    <a:lnB w="12700" cap="flat" cmpd="sng" algn="ctr">
+                      <a:solidFill>
+                        <a:srgbClr val="000000"/>
+                      </a:solidFill>
+                      <a:prstDash val="solid"/>
+                      <a:round/>
+                      <a:headEnd type="none" w="med" len="med"/>
+                      <a:tailEnd type="none" w="med" len="med"/>
+                    </a:lnB>
+                    <a:lnTlToBr>
+                      <a:noFill/>
+                    </a:lnTlToBr>
+                    <a:lnBlToTr>
+                      <a:noFill/>
+                    </a:lnBlToTr>
+                    <a:noFill/>
+                  </a:tcPr>
+                </a:tc>
+              </a:tr>
+              <a:tr h="287338">
+                <a:tc>
+                  <a:txBody>
+                    <a:bodyPr/>
+                    <a:lstStyle/>
+                    <a:p>
+                      <a:pPr marL="0" marR="0" lvl="0" indent="0" algn="l" defTabSz="914400" rtl="0" eaLnBrk="1" fontAlgn="base" latinLnBrk="0" hangingPunct="1">
+                        <a:lnSpc>
+                          <a:spcPct val="100000"/>
+                        </a:lnSpc>
+                        <a:spcBef>
+                          <a:spcPct val="0"/>
+                        </a:spcBef>
+                        <a:spcAft>
+                          <a:spcPct val="0"/>
+                        </a:spcAft>
+                        <a:buClrTx/>
+                        <a:buSzTx/>
+                        <a:buFontTx/>
+                        <a:buNone/>
+                        <a:tabLst/>
+                      </a:pPr>
+                      <a:r>
+                        <a:rPr kumimoji="0" lang="es-PE" sz="1600" b="1" i="0" u="none" strike="noStrike" cap="none" normalizeH="0" baseline="0" smtClean="0">
+                          <a:ln>
+                            <a:noFill/>
+                          </a:ln>
+                          <a:solidFill>
+                            <a:schemeClr val="tx2"/>
+                          </a:solidFill>
+                          <a:effectLst/>
+                          <a:latin typeface="Calibri" pitchFamily="34" charset="0"/>
+                          <a:cs typeface="Times New Roman" pitchFamily="18" charset="0"/>
+                        </a:rPr>
+                        <a:t>TIPO DE ESCALA</a:t>
+                      </a:r>
+                      <a:endParaRPr kumimoji="0" lang="es-PE" sz="1600" b="0" i="0" u="none" strike="noStrike" cap="none" normalizeH="0" baseline="0" smtClean="0">
+                        <a:ln>
+                          <a:noFill/>
+                        </a:ln>
+                        <a:solidFill>
+                          <a:schemeClr val="tx2"/>
+                        </a:solidFill>
+                        <a:effectLst/>
+                        <a:latin typeface="Arial" charset="0"/>
+                      </a:endParaRPr>
+                    </a:p>
+                  </a:txBody>
+                  <a:tcPr horzOverflow="overflow">
+                    <a:lnL w="12700" cap="flat" cmpd="sng" algn="ctr">
+                      <a:solidFill>
+                        <a:srgbClr val="000000"/>
+                      </a:solidFill>
+                      <a:prstDash val="solid"/>
+                      <a:round/>
+                      <a:headEnd type="none" w="med" len="med"/>
+                      <a:tailEnd type="none" w="med" len="med"/>
+                    </a:lnL>
+                    <a:lnR w="12700" cap="flat" cmpd="sng" algn="ctr">
+                      <a:solidFill>
+                        <a:srgbClr val="000000"/>
+                      </a:solidFill>
+                      <a:prstDash val="solid"/>
+                      <a:round/>
+                      <a:headEnd type="none" w="med" len="med"/>
+                      <a:tailEnd type="none" w="med" len="med"/>
+                    </a:lnR>
+                    <a:lnT w="12700" cap="flat" cmpd="sng" algn="ctr">
+                      <a:solidFill>
+                        <a:srgbClr val="000000"/>
+                      </a:solidFill>
+                      <a:prstDash val="solid"/>
+                      <a:round/>
+                      <a:headEnd type="none" w="med" len="med"/>
+                      <a:tailEnd type="none" w="med" len="med"/>
+                    </a:lnT>
+                    <a:lnB w="12700" cap="flat" cmpd="sng" algn="ctr">
+                      <a:solidFill>
+                        <a:srgbClr val="000000"/>
+                      </a:solidFill>
+                      <a:prstDash val="solid"/>
+                      <a:round/>
+                      <a:headEnd type="none" w="med" len="med"/>
+                      <a:tailEnd type="none" w="med" len="med"/>
+                    </a:lnB>
+                    <a:lnTlToBr>
+                      <a:noFill/>
+                    </a:lnTlToBr>
+                    <a:lnBlToTr>
+                      <a:noFill/>
+                    </a:lnBlToTr>
+                    <a:noFill/>
+                  </a:tcPr>
+                </a:tc>
+                <a:tc>
+                  <a:txBody>
+                    <a:bodyPr/>
+                    <a:lstStyle/>
+                    <a:p>
+                      <a:pPr marL="0" marR="0" lvl="0" indent="0" algn="l" defTabSz="914400" rtl="0" eaLnBrk="1" fontAlgn="base" latinLnBrk="0" hangingPunct="1">
+                        <a:lnSpc>
+                          <a:spcPct val="100000"/>
+                        </a:lnSpc>
+                        <a:spcBef>
+                          <a:spcPct val="0"/>
+                        </a:spcBef>
+                        <a:spcAft>
+                          <a:spcPct val="0"/>
+                        </a:spcAft>
+                        <a:buClrTx/>
+                        <a:buSzTx/>
+                        <a:buFontTx/>
+                        <a:buNone/>
+                        <a:tabLst/>
+                      </a:pPr>
+                      <a:r>
+                        <a:rPr kumimoji="0" lang="es-PE" sz="1600" b="0" i="0" u="none" strike="noStrike" cap="none" normalizeH="0" baseline="0" smtClean="0">
+                          <a:ln>
+                            <a:noFill/>
+                          </a:ln>
+                          <a:solidFill>
+                            <a:schemeClr val="tx2"/>
+                          </a:solidFill>
+                          <a:effectLst/>
+                          <a:latin typeface="Calibri" pitchFamily="34" charset="0"/>
+                          <a:cs typeface="Times New Roman" pitchFamily="18" charset="0"/>
+                        </a:rPr>
+                        <a:t>Absoluta</a:t>
+                      </a:r>
+                      <a:endParaRPr kumimoji="0" lang="es-PE" sz="1600" b="0" i="0" u="none" strike="noStrike" cap="none" normalizeH="0" baseline="0" smtClean="0">
+                        <a:ln>
+                          <a:noFill/>
+                        </a:ln>
+                        <a:solidFill>
+                          <a:schemeClr val="tx2"/>
+                        </a:solidFill>
+                        <a:effectLst/>
+                        <a:latin typeface="Arial" charset="0"/>
+                      </a:endParaRPr>
+                    </a:p>
+                  </a:txBody>
+                  <a:tcPr horzOverflow="overflow">
+                    <a:lnL w="12700" cap="flat" cmpd="sng" algn="ctr">
+                      <a:solidFill>
+                        <a:srgbClr val="000000"/>
+                      </a:solidFill>
+                      <a:prstDash val="solid"/>
+                      <a:round/>
+                      <a:headEnd type="none" w="med" len="med"/>
+                      <a:tailEnd type="none" w="med" len="med"/>
+                    </a:lnL>
+                    <a:lnR w="12700" cap="flat" cmpd="sng" algn="ctr">
+                      <a:solidFill>
+                        <a:srgbClr val="000000"/>
+                      </a:solidFill>
+                      <a:prstDash val="solid"/>
+                      <a:round/>
+                      <a:headEnd type="none" w="med" len="med"/>
+                      <a:tailEnd type="none" w="med" len="med"/>
+                    </a:lnR>
+                    <a:lnT w="12700" cap="flat" cmpd="sng" algn="ctr">
+                      <a:solidFill>
+                        <a:srgbClr val="000000"/>
+                      </a:solidFill>
+                      <a:prstDash val="solid"/>
+                      <a:round/>
+                      <a:headEnd type="none" w="med" len="med"/>
+                      <a:tailEnd type="none" w="med" len="med"/>
+                    </a:lnT>
+                    <a:lnB w="12700" cap="flat" cmpd="sng" algn="ctr">
+                      <a:solidFill>
+                        <a:srgbClr val="000000"/>
+                      </a:solidFill>
+                      <a:prstDash val="solid"/>
+                      <a:round/>
+                      <a:headEnd type="none" w="med" len="med"/>
+                      <a:tailEnd type="none" w="med" len="med"/>
+                    </a:lnB>
+                    <a:lnTlToBr>
+                      <a:noFill/>
+                    </a:lnTlToBr>
+                    <a:lnBlToTr>
+                      <a:noFill/>
+                    </a:lnBlToTr>
+                    <a:noFill/>
+                  </a:tcPr>
+                </a:tc>
+              </a:tr>
+              <a:tr h="660400">
+                <a:tc>
+                  <a:txBody>
+                    <a:bodyPr/>
+                    <a:lstStyle/>
+                    <a:p>
+                      <a:pPr marL="0" marR="0" lvl="0" indent="0" algn="l" defTabSz="914400" rtl="0" eaLnBrk="1" fontAlgn="base" latinLnBrk="0" hangingPunct="1">
+                        <a:lnSpc>
+                          <a:spcPct val="100000"/>
+                        </a:lnSpc>
+                        <a:spcBef>
+                          <a:spcPct val="0"/>
+                        </a:spcBef>
+                        <a:spcAft>
+                          <a:spcPct val="0"/>
+                        </a:spcAft>
+                        <a:buClrTx/>
+                        <a:buSzTx/>
+                        <a:buFontTx/>
+                        <a:buNone/>
+                        <a:tabLst/>
+                      </a:pPr>
+                      <a:r>
+                        <a:rPr kumimoji="0" lang="es-PE" sz="1600" b="1" i="0" u="none" strike="noStrike" cap="none" normalizeH="0" baseline="0" smtClean="0">
+                          <a:ln>
+                            <a:noFill/>
+                          </a:ln>
+                          <a:solidFill>
+                            <a:schemeClr val="tx2"/>
+                          </a:solidFill>
+                          <a:effectLst/>
+                          <a:latin typeface="Calibri" pitchFamily="34" charset="0"/>
+                          <a:cs typeface="Times New Roman" pitchFamily="18" charset="0"/>
+                        </a:rPr>
+                        <a:t>TIPO DE MEDIDA</a:t>
+                      </a:r>
+                      <a:endParaRPr kumimoji="0" lang="es-PE" sz="1600" b="0" i="0" u="none" strike="noStrike" cap="none" normalizeH="0" baseline="0" smtClean="0">
+                        <a:ln>
+                          <a:noFill/>
+                        </a:ln>
+                        <a:solidFill>
+                          <a:schemeClr val="tx2"/>
+                        </a:solidFill>
+                        <a:effectLst/>
+                        <a:latin typeface="Arial" charset="0"/>
+                      </a:endParaRPr>
+                    </a:p>
+                  </a:txBody>
+                  <a:tcPr horzOverflow="overflow">
+                    <a:lnL w="12700" cap="flat" cmpd="sng" algn="ctr">
+                      <a:solidFill>
+                        <a:srgbClr val="000000"/>
+                      </a:solidFill>
+                      <a:prstDash val="solid"/>
+                      <a:round/>
+                      <a:headEnd type="none" w="med" len="med"/>
+                      <a:tailEnd type="none" w="med" len="med"/>
+                    </a:lnL>
+                    <a:lnR w="12700" cap="flat" cmpd="sng" algn="ctr">
+                      <a:solidFill>
+                        <a:srgbClr val="000000"/>
+                      </a:solidFill>
+                      <a:prstDash val="solid"/>
+                      <a:round/>
+                      <a:headEnd type="none" w="med" len="med"/>
+                      <a:tailEnd type="none" w="med" len="med"/>
+                    </a:lnR>
+                    <a:lnT w="12700" cap="flat" cmpd="sng" algn="ctr">
+                      <a:solidFill>
+                        <a:srgbClr val="000000"/>
+                      </a:solidFill>
+                      <a:prstDash val="solid"/>
+                      <a:round/>
+                      <a:headEnd type="none" w="med" len="med"/>
+                      <a:tailEnd type="none" w="med" len="med"/>
+                    </a:lnT>
+                    <a:lnB w="12700" cap="flat" cmpd="sng" algn="ctr">
+                      <a:solidFill>
+                        <a:srgbClr val="000000"/>
+                      </a:solidFill>
+                      <a:prstDash val="solid"/>
+                      <a:round/>
+                      <a:headEnd type="none" w="med" len="med"/>
+                      <a:tailEnd type="none" w="med" len="med"/>
+                    </a:lnB>
+                    <a:lnTlToBr>
+                      <a:noFill/>
+                    </a:lnTlToBr>
+                    <a:lnBlToTr>
+                      <a:noFill/>
+                    </a:lnBlToTr>
+                    <a:noFill/>
+                  </a:tcPr>
+                </a:tc>
+                <a:tc>
+                  <a:txBody>
+                    <a:bodyPr/>
+                    <a:lstStyle/>
+                    <a:p>
+                      <a:pPr marL="0" marR="0" lvl="0" indent="0" algn="l" defTabSz="914400" rtl="0" eaLnBrk="1" fontAlgn="base" latinLnBrk="0" hangingPunct="1">
+                        <a:lnSpc>
+                          <a:spcPct val="100000"/>
+                        </a:lnSpc>
+                        <a:spcBef>
+                          <a:spcPct val="0"/>
+                        </a:spcBef>
+                        <a:spcAft>
+                          <a:spcPct val="0"/>
+                        </a:spcAft>
+                        <a:buClrTx/>
+                        <a:buSzTx/>
+                        <a:buFontTx/>
+                        <a:buNone/>
+                        <a:tabLst/>
+                      </a:pPr>
+                      <a:r>
+                        <a:rPr kumimoji="0" lang="es-PE" sz="1600" b="0" i="0" u="none" strike="noStrike" cap="none" normalizeH="0" baseline="0" smtClean="0">
+                          <a:ln>
+                            <a:noFill/>
+                          </a:ln>
+                          <a:solidFill>
+                            <a:schemeClr val="tx2"/>
+                          </a:solidFill>
+                          <a:effectLst/>
+                          <a:latin typeface="Calibri" pitchFamily="34" charset="0"/>
+                          <a:cs typeface="Times New Roman" pitchFamily="18" charset="0"/>
+                        </a:rPr>
+                        <a:t>X = Cantidad / Cantidad</a:t>
+                      </a:r>
+                      <a:endParaRPr kumimoji="0" lang="es-ES" sz="1600" b="0" i="0" u="none" strike="noStrike" cap="none" normalizeH="0" baseline="0" smtClean="0">
+                        <a:ln>
+                          <a:noFill/>
+                        </a:ln>
+                        <a:solidFill>
+                          <a:schemeClr val="tx2"/>
+                        </a:solidFill>
+                        <a:effectLst/>
+                        <a:latin typeface="Times New Roman" pitchFamily="18" charset="0"/>
+                        <a:cs typeface="Times New Roman" pitchFamily="18" charset="0"/>
+                      </a:endParaRPr>
+                    </a:p>
+                    <a:p>
+                      <a:pPr marL="0" marR="0" lvl="0" indent="0" algn="l" defTabSz="914400" rtl="0" eaLnBrk="0" fontAlgn="base" latinLnBrk="0" hangingPunct="0">
+                        <a:lnSpc>
+                          <a:spcPct val="100000"/>
+                        </a:lnSpc>
+                        <a:spcBef>
+                          <a:spcPct val="0"/>
+                        </a:spcBef>
+                        <a:spcAft>
+                          <a:spcPct val="0"/>
+                        </a:spcAft>
+                        <a:buClrTx/>
+                        <a:buSzTx/>
+                        <a:buFontTx/>
+                        <a:buNone/>
+                        <a:tabLst/>
+                      </a:pPr>
+                      <a:r>
+                        <a:rPr kumimoji="0" lang="es-PE" sz="1600" b="0" i="0" u="none" strike="noStrike" cap="none" normalizeH="0" baseline="0" smtClean="0">
+                          <a:ln>
+                            <a:noFill/>
+                          </a:ln>
+                          <a:solidFill>
+                            <a:schemeClr val="tx2"/>
+                          </a:solidFill>
+                          <a:effectLst/>
+                          <a:latin typeface="Calibri" pitchFamily="34" charset="0"/>
+                          <a:cs typeface="Times New Roman" pitchFamily="18" charset="0"/>
+                        </a:rPr>
+                        <a:t>A = Cantidad</a:t>
+                      </a:r>
+                      <a:endParaRPr kumimoji="0" lang="es-ES" sz="1600" b="0" i="0" u="none" strike="noStrike" cap="none" normalizeH="0" baseline="0" smtClean="0">
+                        <a:ln>
+                          <a:noFill/>
+                        </a:ln>
+                        <a:solidFill>
+                          <a:schemeClr val="tx2"/>
+                        </a:solidFill>
+                        <a:effectLst/>
+                        <a:latin typeface="Times New Roman" pitchFamily="18" charset="0"/>
+                        <a:cs typeface="Times New Roman" pitchFamily="18" charset="0"/>
+                      </a:endParaRPr>
+                    </a:p>
+                    <a:p>
+                      <a:pPr marL="0" marR="0" lvl="0" indent="0" algn="l" defTabSz="914400" rtl="0" eaLnBrk="0" fontAlgn="base" latinLnBrk="0" hangingPunct="0">
+                        <a:lnSpc>
+                          <a:spcPct val="100000"/>
+                        </a:lnSpc>
+                        <a:spcBef>
+                          <a:spcPct val="0"/>
+                        </a:spcBef>
+                        <a:spcAft>
+                          <a:spcPct val="0"/>
+                        </a:spcAft>
+                        <a:buClrTx/>
+                        <a:buSzTx/>
+                        <a:buFontTx/>
+                        <a:buNone/>
+                        <a:tabLst/>
+                      </a:pPr>
+                      <a:r>
+                        <a:rPr kumimoji="0" lang="es-PE" sz="1600" b="0" i="0" u="none" strike="noStrike" cap="none" normalizeH="0" baseline="0" smtClean="0">
+                          <a:ln>
+                            <a:noFill/>
+                          </a:ln>
+                          <a:solidFill>
+                            <a:schemeClr val="tx2"/>
+                          </a:solidFill>
+                          <a:effectLst/>
+                          <a:latin typeface="Calibri" pitchFamily="34" charset="0"/>
+                          <a:cs typeface="Times New Roman" pitchFamily="18" charset="0"/>
+                        </a:rPr>
+                        <a:t>B = Cantidad</a:t>
+                      </a:r>
+                      <a:endParaRPr kumimoji="0" lang="es-PE" sz="1600" b="0" i="0" u="none" strike="noStrike" cap="none" normalizeH="0" baseline="0" smtClean="0">
+                        <a:ln>
+                          <a:noFill/>
+                        </a:ln>
+                        <a:solidFill>
+                          <a:schemeClr val="tx2"/>
+                        </a:solidFill>
+                        <a:effectLst/>
+                        <a:latin typeface="Arial" charset="0"/>
+                      </a:endParaRPr>
+                    </a:p>
+                  </a:txBody>
+                  <a:tcPr horzOverflow="overflow">
+                    <a:lnL w="12700" cap="flat" cmpd="sng" algn="ctr">
+                      <a:solidFill>
+                        <a:srgbClr val="000000"/>
+                      </a:solidFill>
+                      <a:prstDash val="solid"/>
+                      <a:round/>
+                      <a:headEnd type="none" w="med" len="med"/>
+                      <a:tailEnd type="none" w="med" len="med"/>
+                    </a:lnL>
+                    <a:lnR w="12700" cap="flat" cmpd="sng" algn="ctr">
+                      <a:solidFill>
+                        <a:srgbClr val="000000"/>
+                      </a:solidFill>
+                      <a:prstDash val="solid"/>
+                      <a:round/>
+                      <a:headEnd type="none" w="med" len="med"/>
+                      <a:tailEnd type="none" w="med" len="med"/>
+                    </a:lnR>
+                    <a:lnT w="12700" cap="flat" cmpd="sng" algn="ctr">
+                      <a:solidFill>
+                        <a:srgbClr val="000000"/>
+                      </a:solidFill>
+                      <a:prstDash val="solid"/>
+                      <a:round/>
+                      <a:headEnd type="none" w="med" len="med"/>
+                      <a:tailEnd type="none" w="med" len="med"/>
+                    </a:lnT>
+                    <a:lnB w="12700" cap="flat" cmpd="sng" algn="ctr">
+                      <a:solidFill>
+                        <a:srgbClr val="000000"/>
+                      </a:solidFill>
+                      <a:prstDash val="solid"/>
+                      <a:round/>
+                      <a:headEnd type="none" w="med" len="med"/>
+                      <a:tailEnd type="none" w="med" len="med"/>
+                    </a:lnB>
+                    <a:lnTlToBr>
+                      <a:noFill/>
+                    </a:lnTlToBr>
+                    <a:lnBlToTr>
+                      <a:noFill/>
+                    </a:lnBlToTr>
+                    <a:noFill/>
+                  </a:tcPr>
+                </a:tc>
+              </a:tr>
+            </a:tbl>
+          </a:graphicData>
+        </a:graphic>
+      </p:graphicFrame>
+      <p:sp>
+        <p:nvSpPr>
+          <p:cNvPr id="33823" name="Text Box 31"/>
+          <p:cNvSpPr txBox="1">
+            <a:spLocks noChangeArrowheads="1"/>
+          </p:cNvSpPr>
+          <p:nvPr/>
+        </p:nvSpPr>
+        <p:spPr bwMode="auto">
+          <a:xfrm>
+            <a:off x="3060700" y="1268413"/>
+            <a:ext cx="2879725" cy="304800"/>
+          </a:xfrm>
+          <a:prstGeom prst="rect">
+            <a:avLst/>
+          </a:prstGeom>
+          <a:noFill/>
+          <a:ln w="9525">
+            <a:noFill/>
+            <a:miter lim="800000"/>
+            <a:headEnd/>
+            <a:tailEnd/>
+          </a:ln>
+          <a:effectLst/>
+        </p:spPr>
+        <p:txBody>
+          <a:bodyPr>
+            <a:spAutoFit/>
+          </a:bodyPr>
+          <a:lstStyle/>
+          <a:p>
+            <a:pPr>
+              <a:spcBef>
+                <a:spcPct val="50000"/>
+              </a:spcBef>
+            </a:pPr>
+            <a:r>
+              <a:rPr lang="es-PE" sz="1400" b="1">
+                <a:solidFill>
+                  <a:schemeClr val="tx2"/>
+                </a:solidFill>
+              </a:rPr>
+              <a:t>SUB-ATRIBUTO: MADUREZ</a:t>
+            </a:r>
+            <a:endParaRPr lang="es-ES" sz="1400" b="1">
+              <a:solidFill>
+                <a:schemeClr val="tx2"/>
+              </a:solidFill>
+            </a:endParaRPr>
           </a:p>
         </p:txBody>
       </p:sp>

--- a/ITERACION 5/SUB ITERACION 4/PPT TP3 PRES04.pptx
+++ b/ITERACION 5/SUB ITERACION 4/PPT TP3 PRES04.pptx
@@ -257,7 +257,7 @@
             <a:pPr>
               <a:defRPr/>
             </a:pPr>
-            <a:fld id="{B7BB5185-0EE1-4DB5-9216-E6F0D54E412E}" type="datetimeFigureOut">
+            <a:fld id="{760E6473-C4DD-442B-9E7A-2A4AFC5030D6}" type="datetimeFigureOut">
               <a:rPr lang="es-PE"/>
               <a:pPr>
                 <a:defRPr/>
@@ -444,7 +444,7 @@
             <a:pPr>
               <a:defRPr/>
             </a:pPr>
-            <a:fld id="{70FA5598-A522-4683-B516-F319E7BD6536}" type="slidenum">
+            <a:fld id="{85C81719-2C5E-4CB6-BD6A-39A5F0D414AE}" type="slidenum">
               <a:rPr lang="es-PE"/>
               <a:pPr>
                 <a:defRPr/>
@@ -2443,7 +2443,7 @@
             <a:pPr>
               <a:defRPr/>
             </a:pPr>
-            <a:fld id="{CAFD347E-4991-42FD-BB31-A524DFFF94B0}" type="datetimeFigureOut">
+            <a:fld id="{805B5DBC-CAC1-48CF-812B-2BB090B99741}" type="datetimeFigureOut">
               <a:rPr lang="es-PE"/>
               <a:pPr>
                 <a:defRPr/>
@@ -2502,7 +2502,7 @@
             <a:pPr>
               <a:defRPr/>
             </a:pPr>
-            <a:fld id="{32361FD8-3522-45A7-A6A1-4CD821586002}" type="slidenum">
+            <a:fld id="{1328FE66-0A7A-444E-A3BC-08B18B841803}" type="slidenum">
               <a:rPr lang="es-PE"/>
               <a:pPr>
                 <a:defRPr/>
@@ -4360,7 +4360,7 @@
             <a:pPr>
               <a:defRPr/>
             </a:pPr>
-            <a:fld id="{907E584E-D906-4287-BD2D-4C4467490A9F}" type="datetimeFigureOut">
+            <a:fld id="{3E5B1678-509C-41FA-9E2B-F30EB6FE633D}" type="datetimeFigureOut">
               <a:rPr lang="es-PE"/>
               <a:pPr>
                 <a:defRPr/>
@@ -4419,7 +4419,7 @@
             <a:pPr>
               <a:defRPr/>
             </a:pPr>
-            <a:fld id="{2A2846C8-D04B-4DF8-943C-B22885A78CC0}" type="slidenum">
+            <a:fld id="{27A596E1-A8FC-40D0-B130-B7AE72709377}" type="slidenum">
               <a:rPr lang="es-PE"/>
               <a:pPr>
                 <a:defRPr/>
@@ -6141,7 +6141,7 @@
             <a:pPr>
               <a:defRPr/>
             </a:pPr>
-            <a:fld id="{E258A416-3F56-42D5-AC34-2AD00FD9EE94}" type="datetimeFigureOut">
+            <a:fld id="{29666C15-B36C-4557-BA0A-0EB7423FEC17}" type="datetimeFigureOut">
               <a:rPr lang="es-PE"/>
               <a:pPr>
                 <a:defRPr/>
@@ -6200,7 +6200,7 @@
             <a:pPr>
               <a:defRPr/>
             </a:pPr>
-            <a:fld id="{A1EA81E9-4028-4459-AD12-CEA39BA5CC3D}" type="slidenum">
+            <a:fld id="{4E0D35D6-BA05-49C5-8594-BBFD844E167C}" type="slidenum">
               <a:rPr lang="es-PE"/>
               <a:pPr>
                 <a:defRPr/>
@@ -8157,7 +8157,7 @@
             <a:pPr>
               <a:defRPr/>
             </a:pPr>
-            <a:fld id="{A49C3345-C38B-4887-BE88-B8B4FC379D9C}" type="datetimeFigureOut">
+            <a:fld id="{9C2EC2A4-BBCF-4219-A6E4-07A3DD0E0179}" type="datetimeFigureOut">
               <a:rPr lang="es-PE"/>
               <a:pPr>
                 <a:defRPr/>
@@ -8216,7 +8216,7 @@
             <a:pPr>
               <a:defRPr/>
             </a:pPr>
-            <a:fld id="{B2FA8AAA-0D55-433C-B751-CA4D61FD6563}" type="slidenum">
+            <a:fld id="{50FB0450-2CAA-4CF5-9161-1559E757EF6C}" type="slidenum">
               <a:rPr lang="es-PE"/>
               <a:pPr>
                 <a:defRPr/>
@@ -10144,7 +10144,7 @@
             <a:pPr>
               <a:defRPr/>
             </a:pPr>
-            <a:fld id="{0738FDBD-612A-42E3-AD40-0E3CB0D8965C}" type="datetimeFigureOut">
+            <a:fld id="{BE6D40CC-F0B6-4B00-9C6E-924EF6AB9DBA}" type="datetimeFigureOut">
               <a:rPr lang="es-PE"/>
               <a:pPr>
                 <a:defRPr/>
@@ -10203,7 +10203,7 @@
             <a:pPr>
               <a:defRPr/>
             </a:pPr>
-            <a:fld id="{FC46B6D5-27B9-4E5D-A9FD-756A2C4A00E8}" type="slidenum">
+            <a:fld id="{30070DBA-4DCC-42E6-8E36-2348D7895C63}" type="slidenum">
               <a:rPr lang="es-PE"/>
               <a:pPr>
                 <a:defRPr/>
@@ -12049,7 +12049,7 @@
             <a:pPr>
               <a:defRPr/>
             </a:pPr>
-            <a:fld id="{40914857-8B11-461A-ADE6-6863FC4088AC}" type="datetimeFigureOut">
+            <a:fld id="{8F49382E-38C5-4E4A-8948-4454CD58FFFE}" type="datetimeFigureOut">
               <a:rPr lang="es-PE"/>
               <a:pPr>
                 <a:defRPr/>
@@ -12108,7 +12108,7 @@
             <a:pPr>
               <a:defRPr/>
             </a:pPr>
-            <a:fld id="{895F27BC-AABE-421A-9F13-6E1E299C9278}" type="slidenum">
+            <a:fld id="{97ED1E99-CFE4-4D8A-824B-3060C87CCFE5}" type="slidenum">
               <a:rPr lang="es-PE"/>
               <a:pPr>
                 <a:defRPr/>
@@ -12304,7 +12304,7 @@
             <a:pPr>
               <a:defRPr/>
             </a:pPr>
-            <a:fld id="{5422EEBA-8AA0-4FB7-B294-8EA05231CC1F}" type="datetimeFigureOut">
+            <a:fld id="{55E834DF-C1AE-4F4B-979C-21269C4A5AEA}" type="datetimeFigureOut">
               <a:rPr lang="es-PE"/>
               <a:pPr>
                 <a:defRPr/>
@@ -12401,7 +12401,7 @@
             <a:pPr>
               <a:defRPr/>
             </a:pPr>
-            <a:fld id="{CF035F20-5EB7-4DF8-A486-50AEB01E286D}" type="slidenum">
+            <a:fld id="{74AE8A6C-DC48-479F-A762-51712217748D}" type="slidenum">
               <a:rPr lang="es-PE"/>
               <a:pPr>
                 <a:defRPr/>
@@ -12993,7 +12993,7 @@
       </p:grpSpPr>
       <p:sp>
         <p:nvSpPr>
-          <p:cNvPr id="31746" name="2 Título"/>
+          <p:cNvPr id="18433" name="2 Título"/>
           <p:cNvSpPr>
             <a:spLocks noGrp="1"/>
           </p:cNvSpPr>
@@ -13019,14 +13019,23 @@
                 </a:solidFill>
                 <a:latin typeface="Candara" pitchFamily="34" charset="0"/>
               </a:rPr>
-              <a:t>ATRIBUTO EFICIENCIA</a:t>
+              <a:t>ATRIBUTO </a:t>
+            </a:r>
+            <a:r>
+              <a:rPr lang="es-PE" sz="4000" b="1" u="sng" smtClean="0">
+                <a:solidFill>
+                  <a:srgbClr val="8C2902"/>
+                </a:solidFill>
+                <a:latin typeface="Candara" pitchFamily="34" charset="0"/>
+              </a:rPr>
+              <a:t>EFICIENCIA</a:t>
             </a:r>
           </a:p>
         </p:txBody>
       </p:sp>
       <p:pic>
         <p:nvPicPr>
-          <p:cNvPr id="31747" name="Picture 3" descr="modeloCalidad"/>
+          <p:cNvPr id="18434" name="Picture 3" descr="modeloCalidad"/>
           <p:cNvPicPr>
             <a:picLocks noChangeAspect="1" noChangeArrowheads="1"/>
           </p:cNvPicPr>
@@ -13059,11 +13068,17 @@
             <a:avLst/>
           </a:prstGeom>
           <a:noFill/>
+          <a:ln w="9525">
+            <a:noFill/>
+            <a:miter lim="800000"/>
+            <a:headEnd/>
+            <a:tailEnd/>
+          </a:ln>
         </p:spPr>
       </p:pic>
       <p:sp>
         <p:nvSpPr>
-          <p:cNvPr id="31748" name="Rectangle 4"/>
+          <p:cNvPr id="18435" name="Rectangle 4"/>
           <p:cNvSpPr>
             <a:spLocks noChangeArrowheads="1"/>
           </p:cNvSpPr>
@@ -13086,7 +13101,6 @@
             <a:headEnd/>
             <a:tailEnd/>
           </a:ln>
-          <a:effectLst/>
         </p:spPr>
         <p:txBody>
           <a:bodyPr wrap="none" anchor="ctr"/>
@@ -13130,7 +13144,7 @@
       </p:grpSpPr>
       <p:sp>
         <p:nvSpPr>
-          <p:cNvPr id="34818" name="2 Título"/>
+          <p:cNvPr id="19457" name="2 Título"/>
           <p:cNvSpPr>
             <a:spLocks noGrp="1"/>
           </p:cNvSpPr>
@@ -13163,7 +13177,7 @@
       </p:sp>
       <p:sp>
         <p:nvSpPr>
-          <p:cNvPr id="34819" name="Text Box 3"/>
+          <p:cNvPr id="19458" name="Text Box 3"/>
           <p:cNvSpPr txBox="1">
             <a:spLocks noChangeArrowheads="1"/>
           </p:cNvSpPr>
@@ -13184,7 +13198,6 @@
             <a:headEnd/>
             <a:tailEnd/>
           </a:ln>
-          <a:effectLst/>
         </p:spPr>
         <p:txBody>
           <a:bodyPr>
@@ -13223,7 +13236,7 @@
         </p:nvGraphicFramePr>
         <p:xfrm>
           <a:off x="1187450" y="1773238"/>
-          <a:ext cx="6985000" cy="4391025"/>
+          <a:ext cx="6985000" cy="4389437"/>
         </p:xfrm>
         <a:graphic>
           <a:graphicData uri="http://schemas.openxmlformats.org/drawingml/2006/table">
@@ -14832,7 +14845,7 @@
       </p:grpSpPr>
       <p:sp>
         <p:nvSpPr>
-          <p:cNvPr id="25602" name="2 Título"/>
+          <p:cNvPr id="20481" name="2 Título"/>
           <p:cNvSpPr>
             <a:spLocks noGrp="1"/>
           </p:cNvSpPr>
@@ -14865,7 +14878,7 @@
       </p:sp>
       <p:sp>
         <p:nvSpPr>
-          <p:cNvPr id="25631" name="Text Box 31"/>
+          <p:cNvPr id="20482" name="Text Box 31"/>
           <p:cNvSpPr txBox="1">
             <a:spLocks noChangeArrowheads="1"/>
           </p:cNvSpPr>
@@ -14886,7 +14899,6 @@
             <a:headEnd/>
             <a:tailEnd/>
           </a:ln>
-          <a:effectLst/>
         </p:spPr>
         <p:txBody>
           <a:bodyPr>
@@ -14925,7 +14937,7 @@
         </p:nvGraphicFramePr>
         <p:xfrm>
           <a:off x="1331913" y="1844675"/>
-          <a:ext cx="6985000" cy="3965575"/>
+          <a:ext cx="6985000" cy="3962400"/>
         </p:xfrm>
         <a:graphic>
           <a:graphicData uri="http://schemas.openxmlformats.org/drawingml/2006/table">
@@ -16504,7 +16516,7 @@
       </p:grpSpPr>
       <p:sp>
         <p:nvSpPr>
-          <p:cNvPr id="32770" name="2 Título"/>
+          <p:cNvPr id="21505" name="2 Título"/>
           <p:cNvSpPr>
             <a:spLocks noGrp="1"/>
           </p:cNvSpPr>
@@ -16530,14 +16542,23 @@
                 </a:solidFill>
                 <a:latin typeface="Candara" pitchFamily="34" charset="0"/>
               </a:rPr>
-              <a:t>ATRIBUTO</a:t>
+              <a:t>ATRIBUTO </a:t>
+            </a:r>
+            <a:r>
+              <a:rPr lang="es-PE" sz="4000" b="1" u="sng" smtClean="0">
+                <a:solidFill>
+                  <a:srgbClr val="8C2902"/>
+                </a:solidFill>
+                <a:latin typeface="Candara" pitchFamily="34" charset="0"/>
+              </a:rPr>
+              <a:t>EFECTIVIDAD</a:t>
             </a:r>
           </a:p>
         </p:txBody>
       </p:sp>
       <p:pic>
         <p:nvPicPr>
-          <p:cNvPr id="32772" name="Picture 4"/>
+          <p:cNvPr id="21506" name="Picture 4"/>
           <p:cNvPicPr>
             <a:picLocks noChangeAspect="1" noChangeArrowheads="1"/>
           </p:cNvPicPr>
@@ -16576,9 +16597,43 @@
             <a:headEnd/>
             <a:tailEnd/>
           </a:ln>
+        </p:spPr>
+      </p:pic>
+      <p:sp>
+        <p:nvSpPr>
+          <p:cNvPr id="21508" name="Rectangle 4"/>
+          <p:cNvSpPr>
+            <a:spLocks noChangeArrowheads="1"/>
+          </p:cNvSpPr>
+          <p:nvPr/>
+        </p:nvSpPr>
+        <p:spPr bwMode="auto">
+          <a:xfrm>
+            <a:off x="2195513" y="4076700"/>
+            <a:ext cx="1223962" cy="576263"/>
+          </a:xfrm>
+          <a:prstGeom prst="rect">
+            <a:avLst/>
+          </a:prstGeom>
+          <a:noFill/>
+          <a:ln w="9525">
+            <a:solidFill>
+              <a:srgbClr val="FF0000"/>
+            </a:solidFill>
+            <a:miter lim="800000"/>
+            <a:headEnd/>
+            <a:tailEnd/>
+          </a:ln>
           <a:effectLst/>
         </p:spPr>
-      </p:pic>
+        <p:txBody>
+          <a:bodyPr wrap="none" anchor="ctr"/>
+          <a:lstStyle/>
+          <a:p>
+            <a:endParaRPr lang="es-ES"/>
+          </a:p>
+        </p:txBody>
+      </p:sp>
     </p:spTree>
   </p:cSld>
   <p:clrMapOvr>
@@ -16613,7 +16668,7 @@
       </p:grpSpPr>
       <p:sp>
         <p:nvSpPr>
-          <p:cNvPr id="28674" name="2 Título"/>
+          <p:cNvPr id="22529" name="2 Título"/>
           <p:cNvSpPr>
             <a:spLocks noGrp="1"/>
           </p:cNvSpPr>
@@ -16644,58 +16699,1980 @@
           </a:p>
         </p:txBody>
       </p:sp>
-      <p:sp>
-        <p:nvSpPr>
-          <p:cNvPr id="28703" name="Text Box 31"/>
-          <p:cNvSpPr txBox="1">
-            <a:spLocks noChangeArrowheads="1"/>
-          </p:cNvSpPr>
+      <p:graphicFrame>
+        <p:nvGraphicFramePr>
+          <p:cNvPr id="22750" name="Group 222"/>
+          <p:cNvGraphicFramePr>
+            <a:graphicFrameLocks noGrp="1"/>
+          </p:cNvGraphicFramePr>
           <p:nvPr/>
-        </p:nvSpPr>
-        <p:spPr bwMode="auto">
-          <a:xfrm>
-            <a:off x="3060700" y="1268413"/>
-            <a:ext cx="2879725" cy="304800"/>
-          </a:xfrm>
-          <a:prstGeom prst="rect">
-            <a:avLst/>
-          </a:prstGeom>
-          <a:noFill/>
-          <a:ln w="9525">
-            <a:noFill/>
-            <a:miter lim="800000"/>
-            <a:headEnd/>
-            <a:tailEnd/>
-          </a:ln>
-          <a:effectLst/>
-        </p:spPr>
-        <p:txBody>
-          <a:bodyPr>
-            <a:spAutoFit/>
-          </a:bodyPr>
-          <a:lstStyle/>
-          <a:p>
-            <a:pPr>
-              <a:spcBef>
-                <a:spcPct val="50000"/>
-              </a:spcBef>
-            </a:pPr>
-            <a:r>
-              <a:rPr lang="es-PE" sz="1400" b="1">
-                <a:solidFill>
-                  <a:schemeClr val="tx2"/>
-                </a:solidFill>
-              </a:rPr>
-              <a:t>SUB-ATRIBUTO:</a:t>
-            </a:r>
-            <a:endParaRPr lang="es-ES" sz="1400" b="1">
-              <a:solidFill>
-                <a:schemeClr val="tx2"/>
-              </a:solidFill>
-            </a:endParaRPr>
-          </a:p>
-        </p:txBody>
-      </p:sp>
+        </p:nvGraphicFramePr>
+        <p:xfrm>
+          <a:off x="1258888" y="1700213"/>
+          <a:ext cx="7037387" cy="4237037"/>
+        </p:xfrm>
+        <a:graphic>
+          <a:graphicData uri="http://schemas.openxmlformats.org/drawingml/2006/table">
+            <a:tbl>
+              <a:tblPr/>
+              <a:tblGrid>
+                <a:gridCol w="1579562"/>
+                <a:gridCol w="5457825"/>
+              </a:tblGrid>
+              <a:tr h="260350">
+                <a:tc gridSpan="2">
+                  <a:txBody>
+                    <a:bodyPr/>
+                    <a:lstStyle/>
+                    <a:p>
+                      <a:pPr marL="0" marR="0" lvl="0" indent="0" algn="l" defTabSz="914400" rtl="0" eaLnBrk="1" fontAlgn="base" latinLnBrk="0" hangingPunct="1">
+                        <a:lnSpc>
+                          <a:spcPct val="100000"/>
+                        </a:lnSpc>
+                        <a:spcBef>
+                          <a:spcPct val="0"/>
+                        </a:spcBef>
+                        <a:spcAft>
+                          <a:spcPct val="0"/>
+                        </a:spcAft>
+                        <a:buClrTx/>
+                        <a:buSzTx/>
+                        <a:buFontTx/>
+                        <a:buNone/>
+                        <a:tabLst/>
+                      </a:pPr>
+                      <a:r>
+                        <a:rPr kumimoji="0" lang="es-PE" sz="1600" b="1" i="0" u="none" strike="noStrike" cap="none" normalizeH="0" baseline="0" smtClean="0">
+                          <a:ln>
+                            <a:noFill/>
+                          </a:ln>
+                          <a:solidFill>
+                            <a:schemeClr val="tx2"/>
+                          </a:solidFill>
+                          <a:effectLst/>
+                          <a:latin typeface="Calibri" pitchFamily="34" charset="0"/>
+                          <a:cs typeface="Times New Roman" pitchFamily="18" charset="0"/>
+                        </a:rPr>
+                        <a:t>METRICA EN USO DE EFECTIVIDAD</a:t>
+                      </a:r>
+                      <a:endParaRPr kumimoji="0" lang="es-PE" sz="1600" b="0" i="0" u="none" strike="noStrike" cap="none" normalizeH="0" baseline="0" smtClean="0">
+                        <a:ln>
+                          <a:noFill/>
+                        </a:ln>
+                        <a:solidFill>
+                          <a:schemeClr val="tx2"/>
+                        </a:solidFill>
+                        <a:effectLst/>
+                        <a:latin typeface="Arial" charset="0"/>
+                      </a:endParaRPr>
+                    </a:p>
+                  </a:txBody>
+                  <a:tcPr horzOverflow="overflow">
+                    <a:lnL w="12700" cap="flat" cmpd="sng" algn="ctr">
+                      <a:solidFill>
+                        <a:srgbClr val="000000"/>
+                      </a:solidFill>
+                      <a:prstDash val="solid"/>
+                      <a:round/>
+                      <a:headEnd type="none" w="med" len="med"/>
+                      <a:tailEnd type="none" w="med" len="med"/>
+                    </a:lnL>
+                    <a:lnR w="12700" cap="flat" cmpd="sng" algn="ctr">
+                      <a:solidFill>
+                        <a:srgbClr val="000000"/>
+                      </a:solidFill>
+                      <a:prstDash val="solid"/>
+                      <a:round/>
+                      <a:headEnd type="none" w="med" len="med"/>
+                      <a:tailEnd type="none" w="med" len="med"/>
+                    </a:lnR>
+                    <a:lnT w="12700" cap="flat" cmpd="sng" algn="ctr">
+                      <a:solidFill>
+                        <a:srgbClr val="000000"/>
+                      </a:solidFill>
+                      <a:prstDash val="solid"/>
+                      <a:round/>
+                      <a:headEnd type="none" w="med" len="med"/>
+                      <a:tailEnd type="none" w="med" len="med"/>
+                    </a:lnT>
+                    <a:lnB w="12700" cap="flat" cmpd="sng" algn="ctr">
+                      <a:solidFill>
+                        <a:srgbClr val="000000"/>
+                      </a:solidFill>
+                      <a:prstDash val="solid"/>
+                      <a:round/>
+                      <a:headEnd type="none" w="med" len="med"/>
+                      <a:tailEnd type="none" w="med" len="med"/>
+                    </a:lnB>
+                    <a:lnTlToBr>
+                      <a:noFill/>
+                    </a:lnTlToBr>
+                    <a:lnBlToTr>
+                      <a:noFill/>
+                    </a:lnBlToTr>
+                    <a:noFill/>
+                  </a:tcPr>
+                </a:tc>
+                <a:tc hMerge="1">
+                  <a:txBody>
+                    <a:bodyPr/>
+                    <a:lstStyle/>
+                    <a:p>
+                      <a:endParaRPr lang="es-ES"/>
+                    </a:p>
+                  </a:txBody>
+                  <a:tcPr/>
+                </a:tc>
+              </a:tr>
+              <a:tr h="260350">
+                <a:tc>
+                  <a:txBody>
+                    <a:bodyPr/>
+                    <a:lstStyle/>
+                    <a:p>
+                      <a:pPr marL="0" marR="0" lvl="0" indent="0" algn="l" defTabSz="914400" rtl="0" eaLnBrk="1" fontAlgn="base" latinLnBrk="0" hangingPunct="1">
+                        <a:lnSpc>
+                          <a:spcPct val="100000"/>
+                        </a:lnSpc>
+                        <a:spcBef>
+                          <a:spcPct val="0"/>
+                        </a:spcBef>
+                        <a:spcAft>
+                          <a:spcPct val="0"/>
+                        </a:spcAft>
+                        <a:buClrTx/>
+                        <a:buSzTx/>
+                        <a:buFontTx/>
+                        <a:buNone/>
+                        <a:tabLst/>
+                      </a:pPr>
+                      <a:r>
+                        <a:rPr kumimoji="0" lang="es-PE" sz="1600" b="1" i="0" u="none" strike="noStrike" cap="none" normalizeH="0" baseline="0" smtClean="0">
+                          <a:ln>
+                            <a:noFill/>
+                          </a:ln>
+                          <a:solidFill>
+                            <a:schemeClr val="tx2"/>
+                          </a:solidFill>
+                          <a:effectLst/>
+                          <a:latin typeface="Calibri" pitchFamily="34" charset="0"/>
+                          <a:cs typeface="Times New Roman" pitchFamily="18" charset="0"/>
+                        </a:rPr>
+                        <a:t>NOMBRE</a:t>
+                      </a:r>
+                      <a:endParaRPr kumimoji="0" lang="es-PE" sz="1600" b="0" i="0" u="none" strike="noStrike" cap="none" normalizeH="0" baseline="0" smtClean="0">
+                        <a:ln>
+                          <a:noFill/>
+                        </a:ln>
+                        <a:solidFill>
+                          <a:schemeClr val="tx2"/>
+                        </a:solidFill>
+                        <a:effectLst/>
+                        <a:latin typeface="Arial" charset="0"/>
+                      </a:endParaRPr>
+                    </a:p>
+                  </a:txBody>
+                  <a:tcPr horzOverflow="overflow">
+                    <a:lnL w="12700" cap="flat" cmpd="sng" algn="ctr">
+                      <a:solidFill>
+                        <a:srgbClr val="000000"/>
+                      </a:solidFill>
+                      <a:prstDash val="solid"/>
+                      <a:round/>
+                      <a:headEnd type="none" w="med" len="med"/>
+                      <a:tailEnd type="none" w="med" len="med"/>
+                    </a:lnL>
+                    <a:lnR w="12700" cap="flat" cmpd="sng" algn="ctr">
+                      <a:solidFill>
+                        <a:srgbClr val="000000"/>
+                      </a:solidFill>
+                      <a:prstDash val="solid"/>
+                      <a:round/>
+                      <a:headEnd type="none" w="med" len="med"/>
+                      <a:tailEnd type="none" w="med" len="med"/>
+                    </a:lnR>
+                    <a:lnT w="12700" cap="flat" cmpd="sng" algn="ctr">
+                      <a:solidFill>
+                        <a:srgbClr val="000000"/>
+                      </a:solidFill>
+                      <a:prstDash val="solid"/>
+                      <a:round/>
+                      <a:headEnd type="none" w="med" len="med"/>
+                      <a:tailEnd type="none" w="med" len="med"/>
+                    </a:lnT>
+                    <a:lnB w="12700" cap="flat" cmpd="sng" algn="ctr">
+                      <a:solidFill>
+                        <a:srgbClr val="000000"/>
+                      </a:solidFill>
+                      <a:prstDash val="solid"/>
+                      <a:round/>
+                      <a:headEnd type="none" w="med" len="med"/>
+                      <a:tailEnd type="none" w="med" len="med"/>
+                    </a:lnB>
+                    <a:lnTlToBr>
+                      <a:noFill/>
+                    </a:lnTlToBr>
+                    <a:lnBlToTr>
+                      <a:noFill/>
+                    </a:lnBlToTr>
+                    <a:noFill/>
+                  </a:tcPr>
+                </a:tc>
+                <a:tc>
+                  <a:txBody>
+                    <a:bodyPr/>
+                    <a:lstStyle/>
+                    <a:p>
+                      <a:pPr marL="0" marR="0" lvl="0" indent="0" algn="l" defTabSz="914400" rtl="0" eaLnBrk="1" fontAlgn="base" latinLnBrk="0" hangingPunct="1">
+                        <a:lnSpc>
+                          <a:spcPct val="100000"/>
+                        </a:lnSpc>
+                        <a:spcBef>
+                          <a:spcPct val="0"/>
+                        </a:spcBef>
+                        <a:spcAft>
+                          <a:spcPct val="0"/>
+                        </a:spcAft>
+                        <a:buClrTx/>
+                        <a:buSzTx/>
+                        <a:buFontTx/>
+                        <a:buNone/>
+                        <a:tabLst/>
+                      </a:pPr>
+                      <a:r>
+                        <a:rPr kumimoji="0" lang="es-PE" sz="1600" b="0" i="0" u="none" strike="noStrike" cap="none" normalizeH="0" baseline="0" smtClean="0">
+                          <a:ln>
+                            <a:noFill/>
+                          </a:ln>
+                          <a:solidFill>
+                            <a:schemeClr val="tx2"/>
+                          </a:solidFill>
+                          <a:effectLst/>
+                          <a:latin typeface="Calibri" pitchFamily="34" charset="0"/>
+                          <a:cs typeface="Times New Roman" pitchFamily="18" charset="0"/>
+                        </a:rPr>
+                        <a:t>Terminaci</a:t>
+                      </a:r>
+                      <a:r>
+                        <a:rPr kumimoji="0" lang="es-PE" sz="1600" b="0" i="0" u="none" strike="noStrike" cap="none" normalizeH="0" baseline="0" smtClean="0">
+                          <a:ln>
+                            <a:noFill/>
+                          </a:ln>
+                          <a:solidFill>
+                            <a:schemeClr val="tx2"/>
+                          </a:solidFill>
+                          <a:effectLst/>
+                          <a:latin typeface="Arial"/>
+                          <a:cs typeface="Times New Roman" pitchFamily="18" charset="0"/>
+                        </a:rPr>
+                        <a:t>ó</a:t>
+                      </a:r>
+                      <a:r>
+                        <a:rPr kumimoji="0" lang="es-PE" sz="1600" b="0" i="0" u="none" strike="noStrike" cap="none" normalizeH="0" baseline="0" smtClean="0">
+                          <a:ln>
+                            <a:noFill/>
+                          </a:ln>
+                          <a:solidFill>
+                            <a:schemeClr val="tx2"/>
+                          </a:solidFill>
+                          <a:effectLst/>
+                          <a:latin typeface="Calibri" pitchFamily="34" charset="0"/>
+                          <a:cs typeface="Times New Roman" pitchFamily="18" charset="0"/>
+                        </a:rPr>
+                        <a:t>n de la tarea</a:t>
+                      </a:r>
+                      <a:endParaRPr kumimoji="0" lang="es-PE" sz="1600" b="0" i="0" u="none" strike="noStrike" cap="none" normalizeH="0" baseline="0" smtClean="0">
+                        <a:ln>
+                          <a:noFill/>
+                        </a:ln>
+                        <a:solidFill>
+                          <a:schemeClr val="tx2"/>
+                        </a:solidFill>
+                        <a:effectLst/>
+                        <a:latin typeface="Arial" charset="0"/>
+                      </a:endParaRPr>
+                    </a:p>
+                  </a:txBody>
+                  <a:tcPr horzOverflow="overflow">
+                    <a:lnL w="12700" cap="flat" cmpd="sng" algn="ctr">
+                      <a:solidFill>
+                        <a:srgbClr val="000000"/>
+                      </a:solidFill>
+                      <a:prstDash val="solid"/>
+                      <a:round/>
+                      <a:headEnd type="none" w="med" len="med"/>
+                      <a:tailEnd type="none" w="med" len="med"/>
+                    </a:lnL>
+                    <a:lnR w="12700" cap="flat" cmpd="sng" algn="ctr">
+                      <a:solidFill>
+                        <a:srgbClr val="000000"/>
+                      </a:solidFill>
+                      <a:prstDash val="solid"/>
+                      <a:round/>
+                      <a:headEnd type="none" w="med" len="med"/>
+                      <a:tailEnd type="none" w="med" len="med"/>
+                    </a:lnR>
+                    <a:lnT w="12700" cap="flat" cmpd="sng" algn="ctr">
+                      <a:solidFill>
+                        <a:srgbClr val="000000"/>
+                      </a:solidFill>
+                      <a:prstDash val="solid"/>
+                      <a:round/>
+                      <a:headEnd type="none" w="med" len="med"/>
+                      <a:tailEnd type="none" w="med" len="med"/>
+                    </a:lnT>
+                    <a:lnB w="12700" cap="flat" cmpd="sng" algn="ctr">
+                      <a:solidFill>
+                        <a:srgbClr val="000000"/>
+                      </a:solidFill>
+                      <a:prstDash val="solid"/>
+                      <a:round/>
+                      <a:headEnd type="none" w="med" len="med"/>
+                      <a:tailEnd type="none" w="med" len="med"/>
+                    </a:lnB>
+                    <a:lnTlToBr>
+                      <a:noFill/>
+                    </a:lnTlToBr>
+                    <a:lnBlToTr>
+                      <a:noFill/>
+                    </a:lnBlToTr>
+                    <a:noFill/>
+                  </a:tcPr>
+                </a:tc>
+              </a:tr>
+              <a:tr h="260350">
+                <a:tc>
+                  <a:txBody>
+                    <a:bodyPr/>
+                    <a:lstStyle/>
+                    <a:p>
+                      <a:pPr marL="0" marR="0" lvl="0" indent="0" algn="l" defTabSz="914400" rtl="0" eaLnBrk="1" fontAlgn="base" latinLnBrk="0" hangingPunct="1">
+                        <a:lnSpc>
+                          <a:spcPct val="100000"/>
+                        </a:lnSpc>
+                        <a:spcBef>
+                          <a:spcPct val="0"/>
+                        </a:spcBef>
+                        <a:spcAft>
+                          <a:spcPct val="0"/>
+                        </a:spcAft>
+                        <a:buClrTx/>
+                        <a:buSzTx/>
+                        <a:buFontTx/>
+                        <a:buNone/>
+                        <a:tabLst/>
+                      </a:pPr>
+                      <a:r>
+                        <a:rPr kumimoji="0" lang="es-PE" sz="1600" b="1" i="0" u="none" strike="noStrike" cap="none" normalizeH="0" baseline="0" smtClean="0">
+                          <a:ln>
+                            <a:noFill/>
+                          </a:ln>
+                          <a:solidFill>
+                            <a:schemeClr val="tx2"/>
+                          </a:solidFill>
+                          <a:effectLst/>
+                          <a:latin typeface="Calibri" pitchFamily="34" charset="0"/>
+                          <a:cs typeface="Times New Roman" pitchFamily="18" charset="0"/>
+                        </a:rPr>
+                        <a:t>PROPOSITO</a:t>
+                      </a:r>
+                      <a:endParaRPr kumimoji="0" lang="es-PE" sz="1600" b="0" i="0" u="none" strike="noStrike" cap="none" normalizeH="0" baseline="0" smtClean="0">
+                        <a:ln>
+                          <a:noFill/>
+                        </a:ln>
+                        <a:solidFill>
+                          <a:schemeClr val="tx2"/>
+                        </a:solidFill>
+                        <a:effectLst/>
+                        <a:latin typeface="Arial" charset="0"/>
+                      </a:endParaRPr>
+                    </a:p>
+                  </a:txBody>
+                  <a:tcPr horzOverflow="overflow">
+                    <a:lnL w="12700" cap="flat" cmpd="sng" algn="ctr">
+                      <a:solidFill>
+                        <a:srgbClr val="000000"/>
+                      </a:solidFill>
+                      <a:prstDash val="solid"/>
+                      <a:round/>
+                      <a:headEnd type="none" w="med" len="med"/>
+                      <a:tailEnd type="none" w="med" len="med"/>
+                    </a:lnL>
+                    <a:lnR w="12700" cap="flat" cmpd="sng" algn="ctr">
+                      <a:solidFill>
+                        <a:srgbClr val="000000"/>
+                      </a:solidFill>
+                      <a:prstDash val="solid"/>
+                      <a:round/>
+                      <a:headEnd type="none" w="med" len="med"/>
+                      <a:tailEnd type="none" w="med" len="med"/>
+                    </a:lnR>
+                    <a:lnT w="12700" cap="flat" cmpd="sng" algn="ctr">
+                      <a:solidFill>
+                        <a:srgbClr val="000000"/>
+                      </a:solidFill>
+                      <a:prstDash val="solid"/>
+                      <a:round/>
+                      <a:headEnd type="none" w="med" len="med"/>
+                      <a:tailEnd type="none" w="med" len="med"/>
+                    </a:lnT>
+                    <a:lnB w="12700" cap="flat" cmpd="sng" algn="ctr">
+                      <a:solidFill>
+                        <a:srgbClr val="000000"/>
+                      </a:solidFill>
+                      <a:prstDash val="solid"/>
+                      <a:round/>
+                      <a:headEnd type="none" w="med" len="med"/>
+                      <a:tailEnd type="none" w="med" len="med"/>
+                    </a:lnB>
+                    <a:lnTlToBr>
+                      <a:noFill/>
+                    </a:lnTlToBr>
+                    <a:lnBlToTr>
+                      <a:noFill/>
+                    </a:lnBlToTr>
+                    <a:noFill/>
+                  </a:tcPr>
+                </a:tc>
+                <a:tc>
+                  <a:txBody>
+                    <a:bodyPr/>
+                    <a:lstStyle/>
+                    <a:p>
+                      <a:pPr marL="0" marR="0" lvl="0" indent="0" algn="l" defTabSz="914400" rtl="0" eaLnBrk="1" fontAlgn="base" latinLnBrk="0" hangingPunct="1">
+                        <a:lnSpc>
+                          <a:spcPct val="100000"/>
+                        </a:lnSpc>
+                        <a:spcBef>
+                          <a:spcPct val="0"/>
+                        </a:spcBef>
+                        <a:spcAft>
+                          <a:spcPct val="0"/>
+                        </a:spcAft>
+                        <a:buClrTx/>
+                        <a:buSzTx/>
+                        <a:buFontTx/>
+                        <a:buNone/>
+                        <a:tabLst/>
+                      </a:pPr>
+                      <a:r>
+                        <a:rPr kumimoji="0" lang="es-PE" sz="1600" b="0" i="0" u="none" strike="noStrike" cap="none" normalizeH="0" baseline="0" smtClean="0">
+                          <a:ln>
+                            <a:noFill/>
+                          </a:ln>
+                          <a:solidFill>
+                            <a:schemeClr val="tx2"/>
+                          </a:solidFill>
+                          <a:effectLst/>
+                          <a:latin typeface="Calibri" pitchFamily="34" charset="0"/>
+                          <a:cs typeface="Times New Roman" pitchFamily="18" charset="0"/>
+                        </a:rPr>
+                        <a:t>Cu</a:t>
+                      </a:r>
+                      <a:r>
+                        <a:rPr kumimoji="0" lang="es-PE" sz="1600" b="0" i="0" u="none" strike="noStrike" cap="none" normalizeH="0" baseline="0" smtClean="0">
+                          <a:ln>
+                            <a:noFill/>
+                          </a:ln>
+                          <a:solidFill>
+                            <a:schemeClr val="tx2"/>
+                          </a:solidFill>
+                          <a:effectLst/>
+                          <a:latin typeface="Arial"/>
+                          <a:cs typeface="Times New Roman" pitchFamily="18" charset="0"/>
+                        </a:rPr>
+                        <a:t>á</a:t>
+                      </a:r>
+                      <a:r>
+                        <a:rPr kumimoji="0" lang="es-PE" sz="1600" b="0" i="0" u="none" strike="noStrike" cap="none" normalizeH="0" baseline="0" smtClean="0">
+                          <a:ln>
+                            <a:noFill/>
+                          </a:ln>
+                          <a:solidFill>
+                            <a:schemeClr val="tx2"/>
+                          </a:solidFill>
+                          <a:effectLst/>
+                          <a:latin typeface="Calibri" pitchFamily="34" charset="0"/>
+                          <a:cs typeface="Times New Roman" pitchFamily="18" charset="0"/>
+                        </a:rPr>
+                        <a:t>l es la proporci</a:t>
+                      </a:r>
+                      <a:r>
+                        <a:rPr kumimoji="0" lang="es-PE" sz="1600" b="0" i="0" u="none" strike="noStrike" cap="none" normalizeH="0" baseline="0" smtClean="0">
+                          <a:ln>
+                            <a:noFill/>
+                          </a:ln>
+                          <a:solidFill>
+                            <a:schemeClr val="tx2"/>
+                          </a:solidFill>
+                          <a:effectLst/>
+                          <a:latin typeface="Arial"/>
+                          <a:cs typeface="Times New Roman" pitchFamily="18" charset="0"/>
+                        </a:rPr>
+                        <a:t>ó</a:t>
+                      </a:r>
+                      <a:r>
+                        <a:rPr kumimoji="0" lang="es-PE" sz="1600" b="0" i="0" u="none" strike="noStrike" cap="none" normalizeH="0" baseline="0" smtClean="0">
+                          <a:ln>
+                            <a:noFill/>
+                          </a:ln>
+                          <a:solidFill>
+                            <a:schemeClr val="tx2"/>
+                          </a:solidFill>
+                          <a:effectLst/>
+                          <a:latin typeface="Calibri" pitchFamily="34" charset="0"/>
+                          <a:cs typeface="Times New Roman" pitchFamily="18" charset="0"/>
+                        </a:rPr>
+                        <a:t>n de tareas terminadas</a:t>
+                      </a:r>
+                      <a:endParaRPr kumimoji="0" lang="es-PE" sz="1600" b="0" i="0" u="none" strike="noStrike" cap="none" normalizeH="0" baseline="0" smtClean="0">
+                        <a:ln>
+                          <a:noFill/>
+                        </a:ln>
+                        <a:solidFill>
+                          <a:schemeClr val="tx2"/>
+                        </a:solidFill>
+                        <a:effectLst/>
+                        <a:latin typeface="Arial" charset="0"/>
+                      </a:endParaRPr>
+                    </a:p>
+                  </a:txBody>
+                  <a:tcPr horzOverflow="overflow">
+                    <a:lnL w="12700" cap="flat" cmpd="sng" algn="ctr">
+                      <a:solidFill>
+                        <a:srgbClr val="000000"/>
+                      </a:solidFill>
+                      <a:prstDash val="solid"/>
+                      <a:round/>
+                      <a:headEnd type="none" w="med" len="med"/>
+                      <a:tailEnd type="none" w="med" len="med"/>
+                    </a:lnL>
+                    <a:lnR w="12700" cap="flat" cmpd="sng" algn="ctr">
+                      <a:solidFill>
+                        <a:srgbClr val="000000"/>
+                      </a:solidFill>
+                      <a:prstDash val="solid"/>
+                      <a:round/>
+                      <a:headEnd type="none" w="med" len="med"/>
+                      <a:tailEnd type="none" w="med" len="med"/>
+                    </a:lnR>
+                    <a:lnT w="12700" cap="flat" cmpd="sng" algn="ctr">
+                      <a:solidFill>
+                        <a:srgbClr val="000000"/>
+                      </a:solidFill>
+                      <a:prstDash val="solid"/>
+                      <a:round/>
+                      <a:headEnd type="none" w="med" len="med"/>
+                      <a:tailEnd type="none" w="med" len="med"/>
+                    </a:lnT>
+                    <a:lnB w="12700" cap="flat" cmpd="sng" algn="ctr">
+                      <a:solidFill>
+                        <a:srgbClr val="000000"/>
+                      </a:solidFill>
+                      <a:prstDash val="solid"/>
+                      <a:round/>
+                      <a:headEnd type="none" w="med" len="med"/>
+                      <a:tailEnd type="none" w="med" len="med"/>
+                    </a:lnB>
+                    <a:lnTlToBr>
+                      <a:noFill/>
+                    </a:lnTlToBr>
+                    <a:lnBlToTr>
+                      <a:noFill/>
+                    </a:lnBlToTr>
+                    <a:noFill/>
+                  </a:tcPr>
+                </a:tc>
+              </a:tr>
+              <a:tr h="260350">
+                <a:tc>
+                  <a:txBody>
+                    <a:bodyPr/>
+                    <a:lstStyle/>
+                    <a:p>
+                      <a:pPr marL="0" marR="0" lvl="0" indent="0" algn="l" defTabSz="914400" rtl="0" eaLnBrk="1" fontAlgn="base" latinLnBrk="0" hangingPunct="1">
+                        <a:lnSpc>
+                          <a:spcPct val="100000"/>
+                        </a:lnSpc>
+                        <a:spcBef>
+                          <a:spcPct val="0"/>
+                        </a:spcBef>
+                        <a:spcAft>
+                          <a:spcPct val="0"/>
+                        </a:spcAft>
+                        <a:buClrTx/>
+                        <a:buSzTx/>
+                        <a:buFontTx/>
+                        <a:buNone/>
+                        <a:tabLst/>
+                      </a:pPr>
+                      <a:r>
+                        <a:rPr kumimoji="0" lang="es-PE" sz="1600" b="1" i="0" u="none" strike="noStrike" cap="none" normalizeH="0" baseline="0" smtClean="0">
+                          <a:ln>
+                            <a:noFill/>
+                          </a:ln>
+                          <a:solidFill>
+                            <a:schemeClr val="tx2"/>
+                          </a:solidFill>
+                          <a:effectLst/>
+                          <a:latin typeface="Calibri" pitchFamily="34" charset="0"/>
+                          <a:cs typeface="Times New Roman" pitchFamily="18" charset="0"/>
+                        </a:rPr>
+                        <a:t>METODO APLICACI</a:t>
+                      </a:r>
+                      <a:r>
+                        <a:rPr kumimoji="0" lang="es-PE" sz="1600" b="1" i="0" u="none" strike="noStrike" cap="none" normalizeH="0" baseline="0" smtClean="0">
+                          <a:ln>
+                            <a:noFill/>
+                          </a:ln>
+                          <a:solidFill>
+                            <a:schemeClr val="tx2"/>
+                          </a:solidFill>
+                          <a:effectLst/>
+                          <a:latin typeface="Arial"/>
+                          <a:cs typeface="Times New Roman" pitchFamily="18" charset="0"/>
+                        </a:rPr>
+                        <a:t>Ó</a:t>
+                      </a:r>
+                      <a:r>
+                        <a:rPr kumimoji="0" lang="es-PE" sz="1600" b="1" i="0" u="none" strike="noStrike" cap="none" normalizeH="0" baseline="0" smtClean="0">
+                          <a:ln>
+                            <a:noFill/>
+                          </a:ln>
+                          <a:solidFill>
+                            <a:schemeClr val="tx2"/>
+                          </a:solidFill>
+                          <a:effectLst/>
+                          <a:latin typeface="Calibri" pitchFamily="34" charset="0"/>
+                          <a:cs typeface="Times New Roman" pitchFamily="18" charset="0"/>
+                        </a:rPr>
+                        <a:t>N</a:t>
+                      </a:r>
+                      <a:endParaRPr kumimoji="0" lang="es-PE" sz="1600" b="0" i="0" u="none" strike="noStrike" cap="none" normalizeH="0" baseline="0" smtClean="0">
+                        <a:ln>
+                          <a:noFill/>
+                        </a:ln>
+                        <a:solidFill>
+                          <a:schemeClr val="tx2"/>
+                        </a:solidFill>
+                        <a:effectLst/>
+                        <a:latin typeface="Arial" charset="0"/>
+                      </a:endParaRPr>
+                    </a:p>
+                  </a:txBody>
+                  <a:tcPr horzOverflow="overflow">
+                    <a:lnL w="12700" cap="flat" cmpd="sng" algn="ctr">
+                      <a:solidFill>
+                        <a:srgbClr val="000000"/>
+                      </a:solidFill>
+                      <a:prstDash val="solid"/>
+                      <a:round/>
+                      <a:headEnd type="none" w="med" len="med"/>
+                      <a:tailEnd type="none" w="med" len="med"/>
+                    </a:lnL>
+                    <a:lnR w="12700" cap="flat" cmpd="sng" algn="ctr">
+                      <a:solidFill>
+                        <a:srgbClr val="000000"/>
+                      </a:solidFill>
+                      <a:prstDash val="solid"/>
+                      <a:round/>
+                      <a:headEnd type="none" w="med" len="med"/>
+                      <a:tailEnd type="none" w="med" len="med"/>
+                    </a:lnR>
+                    <a:lnT w="12700" cap="flat" cmpd="sng" algn="ctr">
+                      <a:solidFill>
+                        <a:srgbClr val="000000"/>
+                      </a:solidFill>
+                      <a:prstDash val="solid"/>
+                      <a:round/>
+                      <a:headEnd type="none" w="med" len="med"/>
+                      <a:tailEnd type="none" w="med" len="med"/>
+                    </a:lnT>
+                    <a:lnB w="12700" cap="flat" cmpd="sng" algn="ctr">
+                      <a:solidFill>
+                        <a:srgbClr val="000000"/>
+                      </a:solidFill>
+                      <a:prstDash val="solid"/>
+                      <a:round/>
+                      <a:headEnd type="none" w="med" len="med"/>
+                      <a:tailEnd type="none" w="med" len="med"/>
+                    </a:lnB>
+                    <a:lnTlToBr>
+                      <a:noFill/>
+                    </a:lnTlToBr>
+                    <a:lnBlToTr>
+                      <a:noFill/>
+                    </a:lnBlToTr>
+                    <a:noFill/>
+                  </a:tcPr>
+                </a:tc>
+                <a:tc>
+                  <a:txBody>
+                    <a:bodyPr/>
+                    <a:lstStyle/>
+                    <a:p>
+                      <a:pPr marL="0" marR="0" lvl="0" indent="0" algn="l" defTabSz="914400" rtl="0" eaLnBrk="1" fontAlgn="base" latinLnBrk="0" hangingPunct="1">
+                        <a:lnSpc>
+                          <a:spcPct val="100000"/>
+                        </a:lnSpc>
+                        <a:spcBef>
+                          <a:spcPct val="0"/>
+                        </a:spcBef>
+                        <a:spcAft>
+                          <a:spcPct val="0"/>
+                        </a:spcAft>
+                        <a:buClrTx/>
+                        <a:buSzTx/>
+                        <a:buFontTx/>
+                        <a:buNone/>
+                        <a:tabLst/>
+                      </a:pPr>
+                      <a:r>
+                        <a:rPr kumimoji="0" lang="es-PE" sz="1600" b="0" i="0" u="none" strike="noStrike" cap="none" normalizeH="0" baseline="0" smtClean="0">
+                          <a:ln>
+                            <a:noFill/>
+                          </a:ln>
+                          <a:solidFill>
+                            <a:schemeClr val="tx2"/>
+                          </a:solidFill>
+                          <a:effectLst/>
+                          <a:latin typeface="Calibri" pitchFamily="34" charset="0"/>
+                          <a:cs typeface="Times New Roman" pitchFamily="18" charset="0"/>
+                        </a:rPr>
+                        <a:t>Contar las tareas terminadas y comparar con el n</a:t>
+                      </a:r>
+                      <a:r>
+                        <a:rPr kumimoji="0" lang="es-PE" sz="1600" b="0" i="0" u="none" strike="noStrike" cap="none" normalizeH="0" baseline="0" smtClean="0">
+                          <a:ln>
+                            <a:noFill/>
+                          </a:ln>
+                          <a:solidFill>
+                            <a:schemeClr val="tx2"/>
+                          </a:solidFill>
+                          <a:effectLst/>
+                          <a:latin typeface="Arial"/>
+                          <a:cs typeface="Times New Roman" pitchFamily="18" charset="0"/>
+                        </a:rPr>
+                        <a:t>ú</a:t>
+                      </a:r>
+                      <a:r>
+                        <a:rPr kumimoji="0" lang="es-PE" sz="1600" b="0" i="0" u="none" strike="noStrike" cap="none" normalizeH="0" baseline="0" smtClean="0">
+                          <a:ln>
+                            <a:noFill/>
+                          </a:ln>
+                          <a:solidFill>
+                            <a:schemeClr val="tx2"/>
+                          </a:solidFill>
+                          <a:effectLst/>
+                          <a:latin typeface="Calibri" pitchFamily="34" charset="0"/>
+                          <a:cs typeface="Times New Roman" pitchFamily="18" charset="0"/>
+                        </a:rPr>
+                        <a:t>mero de tareas solicitadas.</a:t>
+                      </a:r>
+                      <a:endParaRPr kumimoji="0" lang="es-PE" sz="1600" b="0" i="0" u="none" strike="noStrike" cap="none" normalizeH="0" baseline="0" smtClean="0">
+                        <a:ln>
+                          <a:noFill/>
+                        </a:ln>
+                        <a:solidFill>
+                          <a:schemeClr val="tx2"/>
+                        </a:solidFill>
+                        <a:effectLst/>
+                        <a:latin typeface="Arial" charset="0"/>
+                      </a:endParaRPr>
+                    </a:p>
+                  </a:txBody>
+                  <a:tcPr horzOverflow="overflow">
+                    <a:lnL w="12700" cap="flat" cmpd="sng" algn="ctr">
+                      <a:solidFill>
+                        <a:srgbClr val="000000"/>
+                      </a:solidFill>
+                      <a:prstDash val="solid"/>
+                      <a:round/>
+                      <a:headEnd type="none" w="med" len="med"/>
+                      <a:tailEnd type="none" w="med" len="med"/>
+                    </a:lnL>
+                    <a:lnR w="12700" cap="flat" cmpd="sng" algn="ctr">
+                      <a:solidFill>
+                        <a:srgbClr val="000000"/>
+                      </a:solidFill>
+                      <a:prstDash val="solid"/>
+                      <a:round/>
+                      <a:headEnd type="none" w="med" len="med"/>
+                      <a:tailEnd type="none" w="med" len="med"/>
+                    </a:lnR>
+                    <a:lnT w="12700" cap="flat" cmpd="sng" algn="ctr">
+                      <a:solidFill>
+                        <a:srgbClr val="000000"/>
+                      </a:solidFill>
+                      <a:prstDash val="solid"/>
+                      <a:round/>
+                      <a:headEnd type="none" w="med" len="med"/>
+                      <a:tailEnd type="none" w="med" len="med"/>
+                    </a:lnT>
+                    <a:lnB w="12700" cap="flat" cmpd="sng" algn="ctr">
+                      <a:solidFill>
+                        <a:srgbClr val="000000"/>
+                      </a:solidFill>
+                      <a:prstDash val="solid"/>
+                      <a:round/>
+                      <a:headEnd type="none" w="med" len="med"/>
+                      <a:tailEnd type="none" w="med" len="med"/>
+                    </a:lnB>
+                    <a:lnTlToBr>
+                      <a:noFill/>
+                    </a:lnTlToBr>
+                    <a:lnBlToTr>
+                      <a:noFill/>
+                    </a:lnBlToTr>
+                    <a:noFill/>
+                  </a:tcPr>
+                </a:tc>
+              </a:tr>
+              <a:tr h="596900">
+                <a:tc>
+                  <a:txBody>
+                    <a:bodyPr/>
+                    <a:lstStyle/>
+                    <a:p>
+                      <a:pPr marL="0" marR="0" lvl="0" indent="0" algn="l" defTabSz="914400" rtl="0" eaLnBrk="1" fontAlgn="base" latinLnBrk="0" hangingPunct="1">
+                        <a:lnSpc>
+                          <a:spcPct val="100000"/>
+                        </a:lnSpc>
+                        <a:spcBef>
+                          <a:spcPct val="0"/>
+                        </a:spcBef>
+                        <a:spcAft>
+                          <a:spcPct val="0"/>
+                        </a:spcAft>
+                        <a:buClrTx/>
+                        <a:buSzTx/>
+                        <a:buFontTx/>
+                        <a:buNone/>
+                        <a:tabLst/>
+                      </a:pPr>
+                      <a:r>
+                        <a:rPr kumimoji="0" lang="es-PE" sz="1600" b="1" i="0" u="none" strike="noStrike" cap="none" normalizeH="0" baseline="0" smtClean="0">
+                          <a:ln>
+                            <a:noFill/>
+                          </a:ln>
+                          <a:solidFill>
+                            <a:schemeClr val="tx2"/>
+                          </a:solidFill>
+                          <a:effectLst/>
+                          <a:latin typeface="Calibri" pitchFamily="34" charset="0"/>
+                          <a:cs typeface="Times New Roman" pitchFamily="18" charset="0"/>
+                        </a:rPr>
+                        <a:t>FORMULA</a:t>
+                      </a:r>
+                      <a:endParaRPr kumimoji="0" lang="es-PE" sz="1600" b="0" i="0" u="none" strike="noStrike" cap="none" normalizeH="0" baseline="0" smtClean="0">
+                        <a:ln>
+                          <a:noFill/>
+                        </a:ln>
+                        <a:solidFill>
+                          <a:schemeClr val="tx2"/>
+                        </a:solidFill>
+                        <a:effectLst/>
+                        <a:latin typeface="Arial" charset="0"/>
+                      </a:endParaRPr>
+                    </a:p>
+                  </a:txBody>
+                  <a:tcPr horzOverflow="overflow">
+                    <a:lnL w="12700" cap="flat" cmpd="sng" algn="ctr">
+                      <a:solidFill>
+                        <a:srgbClr val="000000"/>
+                      </a:solidFill>
+                      <a:prstDash val="solid"/>
+                      <a:round/>
+                      <a:headEnd type="none" w="med" len="med"/>
+                      <a:tailEnd type="none" w="med" len="med"/>
+                    </a:lnL>
+                    <a:lnR w="12700" cap="flat" cmpd="sng" algn="ctr">
+                      <a:solidFill>
+                        <a:srgbClr val="000000"/>
+                      </a:solidFill>
+                      <a:prstDash val="solid"/>
+                      <a:round/>
+                      <a:headEnd type="none" w="med" len="med"/>
+                      <a:tailEnd type="none" w="med" len="med"/>
+                    </a:lnR>
+                    <a:lnT w="12700" cap="flat" cmpd="sng" algn="ctr">
+                      <a:solidFill>
+                        <a:srgbClr val="000000"/>
+                      </a:solidFill>
+                      <a:prstDash val="solid"/>
+                      <a:round/>
+                      <a:headEnd type="none" w="med" len="med"/>
+                      <a:tailEnd type="none" w="med" len="med"/>
+                    </a:lnT>
+                    <a:lnB w="12700" cap="flat" cmpd="sng" algn="ctr">
+                      <a:solidFill>
+                        <a:srgbClr val="000000"/>
+                      </a:solidFill>
+                      <a:prstDash val="solid"/>
+                      <a:round/>
+                      <a:headEnd type="none" w="med" len="med"/>
+                      <a:tailEnd type="none" w="med" len="med"/>
+                    </a:lnB>
+                    <a:lnTlToBr>
+                      <a:noFill/>
+                    </a:lnTlToBr>
+                    <a:lnBlToTr>
+                      <a:noFill/>
+                    </a:lnBlToTr>
+                    <a:noFill/>
+                  </a:tcPr>
+                </a:tc>
+                <a:tc>
+                  <a:txBody>
+                    <a:bodyPr/>
+                    <a:lstStyle/>
+                    <a:p>
+                      <a:pPr marL="0" marR="0" lvl="0" indent="0" algn="l" defTabSz="914400" rtl="0" eaLnBrk="1" fontAlgn="base" latinLnBrk="0" hangingPunct="1">
+                        <a:lnSpc>
+                          <a:spcPct val="100000"/>
+                        </a:lnSpc>
+                        <a:spcBef>
+                          <a:spcPct val="0"/>
+                        </a:spcBef>
+                        <a:spcAft>
+                          <a:spcPct val="0"/>
+                        </a:spcAft>
+                        <a:buClrTx/>
+                        <a:buSzTx/>
+                        <a:buFontTx/>
+                        <a:buNone/>
+                        <a:tabLst/>
+                      </a:pPr>
+                      <a:r>
+                        <a:rPr kumimoji="0" lang="es-PE" sz="1600" b="0" i="0" u="none" strike="noStrike" cap="none" normalizeH="0" baseline="0" smtClean="0">
+                          <a:ln>
+                            <a:noFill/>
+                          </a:ln>
+                          <a:solidFill>
+                            <a:schemeClr val="tx2"/>
+                          </a:solidFill>
+                          <a:effectLst/>
+                          <a:latin typeface="Calibri" pitchFamily="34" charset="0"/>
+                          <a:cs typeface="Times New Roman" pitchFamily="18" charset="0"/>
+                        </a:rPr>
+                        <a:t>X = A/B</a:t>
+                      </a:r>
+                      <a:endParaRPr kumimoji="0" lang="es-ES" sz="1600" b="0" i="0" u="none" strike="noStrike" cap="none" normalizeH="0" baseline="0" smtClean="0">
+                        <a:ln>
+                          <a:noFill/>
+                        </a:ln>
+                        <a:solidFill>
+                          <a:schemeClr val="tx2"/>
+                        </a:solidFill>
+                        <a:effectLst/>
+                        <a:latin typeface="Times New Roman" pitchFamily="18" charset="0"/>
+                        <a:cs typeface="Times New Roman" pitchFamily="18" charset="0"/>
+                      </a:endParaRPr>
+                    </a:p>
+                    <a:p>
+                      <a:pPr marL="0" marR="0" lvl="0" indent="0" algn="l" defTabSz="914400" rtl="0" eaLnBrk="0" fontAlgn="base" latinLnBrk="0" hangingPunct="0">
+                        <a:lnSpc>
+                          <a:spcPct val="100000"/>
+                        </a:lnSpc>
+                        <a:spcBef>
+                          <a:spcPct val="0"/>
+                        </a:spcBef>
+                        <a:spcAft>
+                          <a:spcPct val="0"/>
+                        </a:spcAft>
+                        <a:buClrTx/>
+                        <a:buSzTx/>
+                        <a:buFontTx/>
+                        <a:buNone/>
+                        <a:tabLst/>
+                      </a:pPr>
+                      <a:r>
+                        <a:rPr kumimoji="0" lang="es-PE" sz="1600" b="0" i="0" u="none" strike="noStrike" cap="none" normalizeH="0" baseline="0" smtClean="0">
+                          <a:ln>
+                            <a:noFill/>
+                          </a:ln>
+                          <a:solidFill>
+                            <a:schemeClr val="tx2"/>
+                          </a:solidFill>
+                          <a:effectLst/>
+                          <a:latin typeface="Calibri" pitchFamily="34" charset="0"/>
+                          <a:cs typeface="Times New Roman" pitchFamily="18" charset="0"/>
+                        </a:rPr>
+                        <a:t>A = n</a:t>
+                      </a:r>
+                      <a:r>
+                        <a:rPr kumimoji="0" lang="es-PE" sz="1600" b="0" i="0" u="none" strike="noStrike" cap="none" normalizeH="0" baseline="0" smtClean="0">
+                          <a:ln>
+                            <a:noFill/>
+                          </a:ln>
+                          <a:solidFill>
+                            <a:schemeClr val="tx2"/>
+                          </a:solidFill>
+                          <a:effectLst/>
+                          <a:latin typeface="Arial"/>
+                          <a:cs typeface="Times New Roman" pitchFamily="18" charset="0"/>
+                        </a:rPr>
+                        <a:t>ú</a:t>
+                      </a:r>
+                      <a:r>
+                        <a:rPr kumimoji="0" lang="es-PE" sz="1600" b="0" i="0" u="none" strike="noStrike" cap="none" normalizeH="0" baseline="0" smtClean="0">
+                          <a:ln>
+                            <a:noFill/>
+                          </a:ln>
+                          <a:solidFill>
+                            <a:schemeClr val="tx2"/>
+                          </a:solidFill>
+                          <a:effectLst/>
+                          <a:latin typeface="Calibri" pitchFamily="34" charset="0"/>
+                          <a:cs typeface="Times New Roman" pitchFamily="18" charset="0"/>
+                        </a:rPr>
+                        <a:t>mero de tareas terminadas</a:t>
+                      </a:r>
+                      <a:endParaRPr kumimoji="0" lang="es-ES" sz="1600" b="0" i="0" u="none" strike="noStrike" cap="none" normalizeH="0" baseline="0" smtClean="0">
+                        <a:ln>
+                          <a:noFill/>
+                        </a:ln>
+                        <a:solidFill>
+                          <a:schemeClr val="tx2"/>
+                        </a:solidFill>
+                        <a:effectLst/>
+                        <a:latin typeface="Times New Roman" pitchFamily="18" charset="0"/>
+                        <a:cs typeface="Times New Roman" pitchFamily="18" charset="0"/>
+                      </a:endParaRPr>
+                    </a:p>
+                    <a:p>
+                      <a:pPr marL="0" marR="0" lvl="0" indent="0" algn="l" defTabSz="914400" rtl="0" eaLnBrk="0" fontAlgn="base" latinLnBrk="0" hangingPunct="0">
+                        <a:lnSpc>
+                          <a:spcPct val="100000"/>
+                        </a:lnSpc>
+                        <a:spcBef>
+                          <a:spcPct val="0"/>
+                        </a:spcBef>
+                        <a:spcAft>
+                          <a:spcPct val="0"/>
+                        </a:spcAft>
+                        <a:buClrTx/>
+                        <a:buSzTx/>
+                        <a:buFontTx/>
+                        <a:buNone/>
+                        <a:tabLst/>
+                      </a:pPr>
+                      <a:r>
+                        <a:rPr kumimoji="0" lang="es-PE" sz="1600" b="0" i="0" u="none" strike="noStrike" cap="none" normalizeH="0" baseline="0" smtClean="0">
+                          <a:ln>
+                            <a:noFill/>
+                          </a:ln>
+                          <a:solidFill>
+                            <a:schemeClr val="tx2"/>
+                          </a:solidFill>
+                          <a:effectLst/>
+                          <a:latin typeface="Calibri" pitchFamily="34" charset="0"/>
+                          <a:cs typeface="Times New Roman" pitchFamily="18" charset="0"/>
+                        </a:rPr>
+                        <a:t>B = n</a:t>
+                      </a:r>
+                      <a:r>
+                        <a:rPr kumimoji="0" lang="es-PE" sz="1600" b="0" i="0" u="none" strike="noStrike" cap="none" normalizeH="0" baseline="0" smtClean="0">
+                          <a:ln>
+                            <a:noFill/>
+                          </a:ln>
+                          <a:solidFill>
+                            <a:schemeClr val="tx2"/>
+                          </a:solidFill>
+                          <a:effectLst/>
+                          <a:latin typeface="Arial"/>
+                          <a:cs typeface="Times New Roman" pitchFamily="18" charset="0"/>
+                        </a:rPr>
+                        <a:t>ú</a:t>
+                      </a:r>
+                      <a:r>
+                        <a:rPr kumimoji="0" lang="es-PE" sz="1600" b="0" i="0" u="none" strike="noStrike" cap="none" normalizeH="0" baseline="0" smtClean="0">
+                          <a:ln>
+                            <a:noFill/>
+                          </a:ln>
+                          <a:solidFill>
+                            <a:schemeClr val="tx2"/>
+                          </a:solidFill>
+                          <a:effectLst/>
+                          <a:latin typeface="Calibri" pitchFamily="34" charset="0"/>
+                          <a:cs typeface="Times New Roman" pitchFamily="18" charset="0"/>
+                        </a:rPr>
+                        <a:t>mero total de tareas que se intentaron hacer</a:t>
+                      </a:r>
+                      <a:endParaRPr kumimoji="0" lang="es-PE" sz="1600" b="0" i="0" u="none" strike="noStrike" cap="none" normalizeH="0" baseline="0" smtClean="0">
+                        <a:ln>
+                          <a:noFill/>
+                        </a:ln>
+                        <a:solidFill>
+                          <a:schemeClr val="tx2"/>
+                        </a:solidFill>
+                        <a:effectLst/>
+                        <a:latin typeface="Arial" charset="0"/>
+                      </a:endParaRPr>
+                    </a:p>
+                  </a:txBody>
+                  <a:tcPr horzOverflow="overflow">
+                    <a:lnL w="12700" cap="flat" cmpd="sng" algn="ctr">
+                      <a:solidFill>
+                        <a:srgbClr val="000000"/>
+                      </a:solidFill>
+                      <a:prstDash val="solid"/>
+                      <a:round/>
+                      <a:headEnd type="none" w="med" len="med"/>
+                      <a:tailEnd type="none" w="med" len="med"/>
+                    </a:lnL>
+                    <a:lnR w="12700" cap="flat" cmpd="sng" algn="ctr">
+                      <a:solidFill>
+                        <a:srgbClr val="000000"/>
+                      </a:solidFill>
+                      <a:prstDash val="solid"/>
+                      <a:round/>
+                      <a:headEnd type="none" w="med" len="med"/>
+                      <a:tailEnd type="none" w="med" len="med"/>
+                    </a:lnR>
+                    <a:lnT w="12700" cap="flat" cmpd="sng" algn="ctr">
+                      <a:solidFill>
+                        <a:srgbClr val="000000"/>
+                      </a:solidFill>
+                      <a:prstDash val="solid"/>
+                      <a:round/>
+                      <a:headEnd type="none" w="med" len="med"/>
+                      <a:tailEnd type="none" w="med" len="med"/>
+                    </a:lnT>
+                    <a:lnB w="12700" cap="flat" cmpd="sng" algn="ctr">
+                      <a:solidFill>
+                        <a:srgbClr val="000000"/>
+                      </a:solidFill>
+                      <a:prstDash val="solid"/>
+                      <a:round/>
+                      <a:headEnd type="none" w="med" len="med"/>
+                      <a:tailEnd type="none" w="med" len="med"/>
+                    </a:lnB>
+                    <a:lnTlToBr>
+                      <a:noFill/>
+                    </a:lnTlToBr>
+                    <a:lnBlToTr>
+                      <a:noFill/>
+                    </a:lnBlToTr>
+                    <a:noFill/>
+                  </a:tcPr>
+                </a:tc>
+              </a:tr>
+              <a:tr h="428625">
+                <a:tc>
+                  <a:txBody>
+                    <a:bodyPr/>
+                    <a:lstStyle/>
+                    <a:p>
+                      <a:pPr marL="0" marR="0" lvl="0" indent="0" algn="l" defTabSz="914400" rtl="0" eaLnBrk="1" fontAlgn="base" latinLnBrk="0" hangingPunct="1">
+                        <a:lnSpc>
+                          <a:spcPct val="100000"/>
+                        </a:lnSpc>
+                        <a:spcBef>
+                          <a:spcPct val="0"/>
+                        </a:spcBef>
+                        <a:spcAft>
+                          <a:spcPct val="0"/>
+                        </a:spcAft>
+                        <a:buClrTx/>
+                        <a:buSzTx/>
+                        <a:buFontTx/>
+                        <a:buNone/>
+                        <a:tabLst/>
+                      </a:pPr>
+                      <a:r>
+                        <a:rPr kumimoji="0" lang="es-PE" sz="1600" b="1" i="0" u="none" strike="noStrike" cap="none" normalizeH="0" baseline="0" smtClean="0">
+                          <a:ln>
+                            <a:noFill/>
+                          </a:ln>
+                          <a:solidFill>
+                            <a:schemeClr val="tx2"/>
+                          </a:solidFill>
+                          <a:effectLst/>
+                          <a:latin typeface="Calibri" pitchFamily="34" charset="0"/>
+                          <a:cs typeface="Times New Roman" pitchFamily="18" charset="0"/>
+                        </a:rPr>
+                        <a:t>INTERPRETACION</a:t>
+                      </a:r>
+                      <a:endParaRPr kumimoji="0" lang="es-PE" sz="1600" b="0" i="0" u="none" strike="noStrike" cap="none" normalizeH="0" baseline="0" smtClean="0">
+                        <a:ln>
+                          <a:noFill/>
+                        </a:ln>
+                        <a:solidFill>
+                          <a:schemeClr val="tx2"/>
+                        </a:solidFill>
+                        <a:effectLst/>
+                        <a:latin typeface="Arial" charset="0"/>
+                      </a:endParaRPr>
+                    </a:p>
+                  </a:txBody>
+                  <a:tcPr horzOverflow="overflow">
+                    <a:lnL w="12700" cap="flat" cmpd="sng" algn="ctr">
+                      <a:solidFill>
+                        <a:srgbClr val="000000"/>
+                      </a:solidFill>
+                      <a:prstDash val="solid"/>
+                      <a:round/>
+                      <a:headEnd type="none" w="med" len="med"/>
+                      <a:tailEnd type="none" w="med" len="med"/>
+                    </a:lnL>
+                    <a:lnR w="12700" cap="flat" cmpd="sng" algn="ctr">
+                      <a:solidFill>
+                        <a:srgbClr val="000000"/>
+                      </a:solidFill>
+                      <a:prstDash val="solid"/>
+                      <a:round/>
+                      <a:headEnd type="none" w="med" len="med"/>
+                      <a:tailEnd type="none" w="med" len="med"/>
+                    </a:lnR>
+                    <a:lnT w="12700" cap="flat" cmpd="sng" algn="ctr">
+                      <a:solidFill>
+                        <a:srgbClr val="000000"/>
+                      </a:solidFill>
+                      <a:prstDash val="solid"/>
+                      <a:round/>
+                      <a:headEnd type="none" w="med" len="med"/>
+                      <a:tailEnd type="none" w="med" len="med"/>
+                    </a:lnT>
+                    <a:lnB w="12700" cap="flat" cmpd="sng" algn="ctr">
+                      <a:solidFill>
+                        <a:srgbClr val="000000"/>
+                      </a:solidFill>
+                      <a:prstDash val="solid"/>
+                      <a:round/>
+                      <a:headEnd type="none" w="med" len="med"/>
+                      <a:tailEnd type="none" w="med" len="med"/>
+                    </a:lnB>
+                    <a:lnTlToBr>
+                      <a:noFill/>
+                    </a:lnTlToBr>
+                    <a:lnBlToTr>
+                      <a:noFill/>
+                    </a:lnBlToTr>
+                    <a:noFill/>
+                  </a:tcPr>
+                </a:tc>
+                <a:tc>
+                  <a:txBody>
+                    <a:bodyPr/>
+                    <a:lstStyle/>
+                    <a:p>
+                      <a:pPr marL="0" marR="0" lvl="0" indent="0" algn="l" defTabSz="914400" rtl="0" eaLnBrk="1" fontAlgn="base" latinLnBrk="0" hangingPunct="1">
+                        <a:lnSpc>
+                          <a:spcPct val="100000"/>
+                        </a:lnSpc>
+                        <a:spcBef>
+                          <a:spcPct val="0"/>
+                        </a:spcBef>
+                        <a:spcAft>
+                          <a:spcPct val="0"/>
+                        </a:spcAft>
+                        <a:buClrTx/>
+                        <a:buSzTx/>
+                        <a:buFontTx/>
+                        <a:buNone/>
+                        <a:tabLst/>
+                      </a:pPr>
+                      <a:r>
+                        <a:rPr kumimoji="0" lang="es-PE" sz="1600" b="0" i="0" u="none" strike="noStrike" cap="none" normalizeH="0" baseline="0" smtClean="0">
+                          <a:ln>
+                            <a:noFill/>
+                          </a:ln>
+                          <a:solidFill>
+                            <a:schemeClr val="tx2"/>
+                          </a:solidFill>
+                          <a:effectLst/>
+                          <a:latin typeface="Calibri" pitchFamily="34" charset="0"/>
+                          <a:cs typeface="Times New Roman" pitchFamily="18" charset="0"/>
+                        </a:rPr>
+                        <a:t>0 &lt;= X &lt;= 1</a:t>
+                      </a:r>
+                      <a:endParaRPr kumimoji="0" lang="es-ES" sz="1600" b="0" i="0" u="none" strike="noStrike" cap="none" normalizeH="0" baseline="0" smtClean="0">
+                        <a:ln>
+                          <a:noFill/>
+                        </a:ln>
+                        <a:solidFill>
+                          <a:schemeClr val="tx2"/>
+                        </a:solidFill>
+                        <a:effectLst/>
+                        <a:latin typeface="Times New Roman" pitchFamily="18" charset="0"/>
+                        <a:cs typeface="Times New Roman" pitchFamily="18" charset="0"/>
+                      </a:endParaRPr>
+                    </a:p>
+                    <a:p>
+                      <a:pPr marL="0" marR="0" lvl="0" indent="0" algn="l" defTabSz="914400" rtl="0" eaLnBrk="0" fontAlgn="base" latinLnBrk="0" hangingPunct="0">
+                        <a:lnSpc>
+                          <a:spcPct val="100000"/>
+                        </a:lnSpc>
+                        <a:spcBef>
+                          <a:spcPct val="0"/>
+                        </a:spcBef>
+                        <a:spcAft>
+                          <a:spcPct val="0"/>
+                        </a:spcAft>
+                        <a:buClrTx/>
+                        <a:buSzTx/>
+                        <a:buFontTx/>
+                        <a:buNone/>
+                        <a:tabLst/>
+                      </a:pPr>
+                      <a:r>
+                        <a:rPr kumimoji="0" lang="es-PE" sz="1600" b="0" i="0" u="none" strike="noStrike" cap="none" normalizeH="0" baseline="0" smtClean="0">
+                          <a:ln>
+                            <a:noFill/>
+                          </a:ln>
+                          <a:solidFill>
+                            <a:schemeClr val="tx2"/>
+                          </a:solidFill>
+                          <a:effectLst/>
+                          <a:latin typeface="Calibri" pitchFamily="34" charset="0"/>
+                          <a:cs typeface="Times New Roman" pitchFamily="18" charset="0"/>
+                        </a:rPr>
+                        <a:t>Entre m</a:t>
+                      </a:r>
+                      <a:r>
+                        <a:rPr kumimoji="0" lang="es-PE" sz="1600" b="0" i="0" u="none" strike="noStrike" cap="none" normalizeH="0" baseline="0" smtClean="0">
+                          <a:ln>
+                            <a:noFill/>
+                          </a:ln>
+                          <a:solidFill>
+                            <a:schemeClr val="tx2"/>
+                          </a:solidFill>
+                          <a:effectLst/>
+                          <a:latin typeface="Arial"/>
+                          <a:cs typeface="Times New Roman" pitchFamily="18" charset="0"/>
+                        </a:rPr>
+                        <a:t>á</a:t>
+                      </a:r>
+                      <a:r>
+                        <a:rPr kumimoji="0" lang="es-PE" sz="1600" b="0" i="0" u="none" strike="noStrike" cap="none" normalizeH="0" baseline="0" smtClean="0">
+                          <a:ln>
+                            <a:noFill/>
+                          </a:ln>
+                          <a:solidFill>
+                            <a:schemeClr val="tx2"/>
+                          </a:solidFill>
+                          <a:effectLst/>
+                          <a:latin typeface="Calibri" pitchFamily="34" charset="0"/>
+                          <a:cs typeface="Times New Roman" pitchFamily="18" charset="0"/>
+                        </a:rPr>
+                        <a:t>s cercano a 1, mejor la eficiencia.</a:t>
+                      </a:r>
+                      <a:endParaRPr kumimoji="0" lang="es-PE" sz="1600" b="0" i="0" u="none" strike="noStrike" cap="none" normalizeH="0" baseline="0" smtClean="0">
+                        <a:ln>
+                          <a:noFill/>
+                        </a:ln>
+                        <a:solidFill>
+                          <a:schemeClr val="tx2"/>
+                        </a:solidFill>
+                        <a:effectLst/>
+                        <a:latin typeface="Arial" charset="0"/>
+                      </a:endParaRPr>
+                    </a:p>
+                  </a:txBody>
+                  <a:tcPr horzOverflow="overflow">
+                    <a:lnL w="12700" cap="flat" cmpd="sng" algn="ctr">
+                      <a:solidFill>
+                        <a:srgbClr val="000000"/>
+                      </a:solidFill>
+                      <a:prstDash val="solid"/>
+                      <a:round/>
+                      <a:headEnd type="none" w="med" len="med"/>
+                      <a:tailEnd type="none" w="med" len="med"/>
+                    </a:lnL>
+                    <a:lnR w="12700" cap="flat" cmpd="sng" algn="ctr">
+                      <a:solidFill>
+                        <a:srgbClr val="000000"/>
+                      </a:solidFill>
+                      <a:prstDash val="solid"/>
+                      <a:round/>
+                      <a:headEnd type="none" w="med" len="med"/>
+                      <a:tailEnd type="none" w="med" len="med"/>
+                    </a:lnR>
+                    <a:lnT w="12700" cap="flat" cmpd="sng" algn="ctr">
+                      <a:solidFill>
+                        <a:srgbClr val="000000"/>
+                      </a:solidFill>
+                      <a:prstDash val="solid"/>
+                      <a:round/>
+                      <a:headEnd type="none" w="med" len="med"/>
+                      <a:tailEnd type="none" w="med" len="med"/>
+                    </a:lnT>
+                    <a:lnB w="12700" cap="flat" cmpd="sng" algn="ctr">
+                      <a:solidFill>
+                        <a:srgbClr val="000000"/>
+                      </a:solidFill>
+                      <a:prstDash val="solid"/>
+                      <a:round/>
+                      <a:headEnd type="none" w="med" len="med"/>
+                      <a:tailEnd type="none" w="med" len="med"/>
+                    </a:lnB>
+                    <a:lnTlToBr>
+                      <a:noFill/>
+                    </a:lnTlToBr>
+                    <a:lnBlToTr>
+                      <a:noFill/>
+                    </a:lnBlToTr>
+                    <a:noFill/>
+                  </a:tcPr>
+                </a:tc>
+              </a:tr>
+              <a:tr h="260350">
+                <a:tc>
+                  <a:txBody>
+                    <a:bodyPr/>
+                    <a:lstStyle/>
+                    <a:p>
+                      <a:pPr marL="0" marR="0" lvl="0" indent="0" algn="l" defTabSz="914400" rtl="0" eaLnBrk="1" fontAlgn="base" latinLnBrk="0" hangingPunct="1">
+                        <a:lnSpc>
+                          <a:spcPct val="100000"/>
+                        </a:lnSpc>
+                        <a:spcBef>
+                          <a:spcPct val="0"/>
+                        </a:spcBef>
+                        <a:spcAft>
+                          <a:spcPct val="0"/>
+                        </a:spcAft>
+                        <a:buClrTx/>
+                        <a:buSzTx/>
+                        <a:buFontTx/>
+                        <a:buNone/>
+                        <a:tabLst/>
+                      </a:pPr>
+                      <a:r>
+                        <a:rPr kumimoji="0" lang="es-PE" sz="1600" b="1" i="0" u="none" strike="noStrike" cap="none" normalizeH="0" baseline="0" smtClean="0">
+                          <a:ln>
+                            <a:noFill/>
+                          </a:ln>
+                          <a:solidFill>
+                            <a:schemeClr val="tx2"/>
+                          </a:solidFill>
+                          <a:effectLst/>
+                          <a:latin typeface="Calibri" pitchFamily="34" charset="0"/>
+                          <a:cs typeface="Times New Roman" pitchFamily="18" charset="0"/>
+                        </a:rPr>
+                        <a:t>TIPO DE ESCALA</a:t>
+                      </a:r>
+                      <a:endParaRPr kumimoji="0" lang="es-PE" sz="1600" b="0" i="0" u="none" strike="noStrike" cap="none" normalizeH="0" baseline="0" smtClean="0">
+                        <a:ln>
+                          <a:noFill/>
+                        </a:ln>
+                        <a:solidFill>
+                          <a:schemeClr val="tx2"/>
+                        </a:solidFill>
+                        <a:effectLst/>
+                        <a:latin typeface="Arial" charset="0"/>
+                      </a:endParaRPr>
+                    </a:p>
+                  </a:txBody>
+                  <a:tcPr horzOverflow="overflow">
+                    <a:lnL w="12700" cap="flat" cmpd="sng" algn="ctr">
+                      <a:solidFill>
+                        <a:srgbClr val="000000"/>
+                      </a:solidFill>
+                      <a:prstDash val="solid"/>
+                      <a:round/>
+                      <a:headEnd type="none" w="med" len="med"/>
+                      <a:tailEnd type="none" w="med" len="med"/>
+                    </a:lnL>
+                    <a:lnR w="12700" cap="flat" cmpd="sng" algn="ctr">
+                      <a:solidFill>
+                        <a:srgbClr val="000000"/>
+                      </a:solidFill>
+                      <a:prstDash val="solid"/>
+                      <a:round/>
+                      <a:headEnd type="none" w="med" len="med"/>
+                      <a:tailEnd type="none" w="med" len="med"/>
+                    </a:lnR>
+                    <a:lnT w="12700" cap="flat" cmpd="sng" algn="ctr">
+                      <a:solidFill>
+                        <a:srgbClr val="000000"/>
+                      </a:solidFill>
+                      <a:prstDash val="solid"/>
+                      <a:round/>
+                      <a:headEnd type="none" w="med" len="med"/>
+                      <a:tailEnd type="none" w="med" len="med"/>
+                    </a:lnT>
+                    <a:lnB w="12700" cap="flat" cmpd="sng" algn="ctr">
+                      <a:solidFill>
+                        <a:srgbClr val="000000"/>
+                      </a:solidFill>
+                      <a:prstDash val="solid"/>
+                      <a:round/>
+                      <a:headEnd type="none" w="med" len="med"/>
+                      <a:tailEnd type="none" w="med" len="med"/>
+                    </a:lnB>
+                    <a:lnTlToBr>
+                      <a:noFill/>
+                    </a:lnTlToBr>
+                    <a:lnBlToTr>
+                      <a:noFill/>
+                    </a:lnBlToTr>
+                    <a:noFill/>
+                  </a:tcPr>
+                </a:tc>
+                <a:tc>
+                  <a:txBody>
+                    <a:bodyPr/>
+                    <a:lstStyle/>
+                    <a:p>
+                      <a:pPr marL="0" marR="0" lvl="0" indent="0" algn="l" defTabSz="914400" rtl="0" eaLnBrk="1" fontAlgn="base" latinLnBrk="0" hangingPunct="1">
+                        <a:lnSpc>
+                          <a:spcPct val="100000"/>
+                        </a:lnSpc>
+                        <a:spcBef>
+                          <a:spcPct val="0"/>
+                        </a:spcBef>
+                        <a:spcAft>
+                          <a:spcPct val="0"/>
+                        </a:spcAft>
+                        <a:buClrTx/>
+                        <a:buSzTx/>
+                        <a:buFontTx/>
+                        <a:buNone/>
+                        <a:tabLst/>
+                      </a:pPr>
+                      <a:r>
+                        <a:rPr kumimoji="0" lang="es-PE" sz="1600" b="0" i="0" u="none" strike="noStrike" cap="none" normalizeH="0" baseline="0" smtClean="0">
+                          <a:ln>
+                            <a:noFill/>
+                          </a:ln>
+                          <a:solidFill>
+                            <a:schemeClr val="tx2"/>
+                          </a:solidFill>
+                          <a:effectLst/>
+                          <a:latin typeface="Calibri" pitchFamily="34" charset="0"/>
+                          <a:cs typeface="Times New Roman" pitchFamily="18" charset="0"/>
+                        </a:rPr>
+                        <a:t>Absoluta</a:t>
+                      </a:r>
+                      <a:endParaRPr kumimoji="0" lang="es-PE" sz="1600" b="0" i="0" u="none" strike="noStrike" cap="none" normalizeH="0" baseline="0" smtClean="0">
+                        <a:ln>
+                          <a:noFill/>
+                        </a:ln>
+                        <a:solidFill>
+                          <a:schemeClr val="tx2"/>
+                        </a:solidFill>
+                        <a:effectLst/>
+                        <a:latin typeface="Arial" charset="0"/>
+                      </a:endParaRPr>
+                    </a:p>
+                  </a:txBody>
+                  <a:tcPr horzOverflow="overflow">
+                    <a:lnL w="12700" cap="flat" cmpd="sng" algn="ctr">
+                      <a:solidFill>
+                        <a:srgbClr val="000000"/>
+                      </a:solidFill>
+                      <a:prstDash val="solid"/>
+                      <a:round/>
+                      <a:headEnd type="none" w="med" len="med"/>
+                      <a:tailEnd type="none" w="med" len="med"/>
+                    </a:lnL>
+                    <a:lnR w="12700" cap="flat" cmpd="sng" algn="ctr">
+                      <a:solidFill>
+                        <a:srgbClr val="000000"/>
+                      </a:solidFill>
+                      <a:prstDash val="solid"/>
+                      <a:round/>
+                      <a:headEnd type="none" w="med" len="med"/>
+                      <a:tailEnd type="none" w="med" len="med"/>
+                    </a:lnR>
+                    <a:lnT w="12700" cap="flat" cmpd="sng" algn="ctr">
+                      <a:solidFill>
+                        <a:srgbClr val="000000"/>
+                      </a:solidFill>
+                      <a:prstDash val="solid"/>
+                      <a:round/>
+                      <a:headEnd type="none" w="med" len="med"/>
+                      <a:tailEnd type="none" w="med" len="med"/>
+                    </a:lnT>
+                    <a:lnB w="12700" cap="flat" cmpd="sng" algn="ctr">
+                      <a:solidFill>
+                        <a:srgbClr val="000000"/>
+                      </a:solidFill>
+                      <a:prstDash val="solid"/>
+                      <a:round/>
+                      <a:headEnd type="none" w="med" len="med"/>
+                      <a:tailEnd type="none" w="med" len="med"/>
+                    </a:lnB>
+                    <a:lnTlToBr>
+                      <a:noFill/>
+                    </a:lnTlToBr>
+                    <a:lnBlToTr>
+                      <a:noFill/>
+                    </a:lnBlToTr>
+                    <a:noFill/>
+                  </a:tcPr>
+                </a:tc>
+              </a:tr>
+              <a:tr h="260350">
+                <a:tc>
+                  <a:txBody>
+                    <a:bodyPr/>
+                    <a:lstStyle/>
+                    <a:p>
+                      <a:pPr marL="0" marR="0" lvl="0" indent="0" algn="l" defTabSz="914400" rtl="0" eaLnBrk="1" fontAlgn="base" latinLnBrk="0" hangingPunct="1">
+                        <a:lnSpc>
+                          <a:spcPct val="100000"/>
+                        </a:lnSpc>
+                        <a:spcBef>
+                          <a:spcPct val="0"/>
+                        </a:spcBef>
+                        <a:spcAft>
+                          <a:spcPct val="0"/>
+                        </a:spcAft>
+                        <a:buClrTx/>
+                        <a:buSzTx/>
+                        <a:buFontTx/>
+                        <a:buNone/>
+                        <a:tabLst/>
+                      </a:pPr>
+                      <a:r>
+                        <a:rPr kumimoji="0" lang="es-PE" sz="1600" b="1" i="0" u="none" strike="noStrike" cap="none" normalizeH="0" baseline="0" smtClean="0">
+                          <a:ln>
+                            <a:noFill/>
+                          </a:ln>
+                          <a:solidFill>
+                            <a:schemeClr val="tx2"/>
+                          </a:solidFill>
+                          <a:effectLst/>
+                          <a:latin typeface="Calibri" pitchFamily="34" charset="0"/>
+                          <a:cs typeface="Times New Roman" pitchFamily="18" charset="0"/>
+                        </a:rPr>
+                        <a:t>TIPO DE MEDIDA</a:t>
+                      </a:r>
+                      <a:endParaRPr kumimoji="0" lang="es-PE" sz="1600" b="0" i="0" u="none" strike="noStrike" cap="none" normalizeH="0" baseline="0" smtClean="0">
+                        <a:ln>
+                          <a:noFill/>
+                        </a:ln>
+                        <a:solidFill>
+                          <a:schemeClr val="tx2"/>
+                        </a:solidFill>
+                        <a:effectLst/>
+                        <a:latin typeface="Arial" charset="0"/>
+                      </a:endParaRPr>
+                    </a:p>
+                  </a:txBody>
+                  <a:tcPr horzOverflow="overflow">
+                    <a:lnL w="12700" cap="flat" cmpd="sng" algn="ctr">
+                      <a:solidFill>
+                        <a:srgbClr val="000000"/>
+                      </a:solidFill>
+                      <a:prstDash val="solid"/>
+                      <a:round/>
+                      <a:headEnd type="none" w="med" len="med"/>
+                      <a:tailEnd type="none" w="med" len="med"/>
+                    </a:lnL>
+                    <a:lnR w="12700" cap="flat" cmpd="sng" algn="ctr">
+                      <a:solidFill>
+                        <a:srgbClr val="000000"/>
+                      </a:solidFill>
+                      <a:prstDash val="solid"/>
+                      <a:round/>
+                      <a:headEnd type="none" w="med" len="med"/>
+                      <a:tailEnd type="none" w="med" len="med"/>
+                    </a:lnR>
+                    <a:lnT w="12700" cap="flat" cmpd="sng" algn="ctr">
+                      <a:solidFill>
+                        <a:srgbClr val="000000"/>
+                      </a:solidFill>
+                      <a:prstDash val="solid"/>
+                      <a:round/>
+                      <a:headEnd type="none" w="med" len="med"/>
+                      <a:tailEnd type="none" w="med" len="med"/>
+                    </a:lnT>
+                    <a:lnB w="12700" cap="flat" cmpd="sng" algn="ctr">
+                      <a:solidFill>
+                        <a:srgbClr val="000000"/>
+                      </a:solidFill>
+                      <a:prstDash val="solid"/>
+                      <a:round/>
+                      <a:headEnd type="none" w="med" len="med"/>
+                      <a:tailEnd type="none" w="med" len="med"/>
+                    </a:lnB>
+                    <a:lnTlToBr>
+                      <a:noFill/>
+                    </a:lnTlToBr>
+                    <a:lnBlToTr>
+                      <a:noFill/>
+                    </a:lnBlToTr>
+                    <a:noFill/>
+                  </a:tcPr>
+                </a:tc>
+                <a:tc>
+                  <a:txBody>
+                    <a:bodyPr/>
+                    <a:lstStyle/>
+                    <a:p>
+                      <a:pPr marL="0" marR="0" lvl="0" indent="0" algn="l" defTabSz="914400" rtl="0" eaLnBrk="1" fontAlgn="base" latinLnBrk="0" hangingPunct="1">
+                        <a:lnSpc>
+                          <a:spcPct val="100000"/>
+                        </a:lnSpc>
+                        <a:spcBef>
+                          <a:spcPct val="0"/>
+                        </a:spcBef>
+                        <a:spcAft>
+                          <a:spcPct val="0"/>
+                        </a:spcAft>
+                        <a:buClrTx/>
+                        <a:buSzTx/>
+                        <a:buFontTx/>
+                        <a:buNone/>
+                        <a:tabLst/>
+                      </a:pPr>
+                      <a:r>
+                        <a:rPr kumimoji="0" lang="es-PE" sz="1600" b="0" i="0" u="none" strike="noStrike" cap="none" normalizeH="0" baseline="0" smtClean="0">
+                          <a:ln>
+                            <a:noFill/>
+                          </a:ln>
+                          <a:solidFill>
+                            <a:schemeClr val="tx2"/>
+                          </a:solidFill>
+                          <a:effectLst/>
+                          <a:latin typeface="Calibri" pitchFamily="34" charset="0"/>
+                          <a:cs typeface="Times New Roman" pitchFamily="18" charset="0"/>
+                        </a:rPr>
+                        <a:t>X = cantidad/cantidad</a:t>
+                      </a:r>
+                      <a:endParaRPr kumimoji="0" lang="es-PE" sz="1600" b="0" i="0" u="none" strike="noStrike" cap="none" normalizeH="0" baseline="0" smtClean="0">
+                        <a:ln>
+                          <a:noFill/>
+                        </a:ln>
+                        <a:solidFill>
+                          <a:schemeClr val="tx2"/>
+                        </a:solidFill>
+                        <a:effectLst/>
+                        <a:latin typeface="Arial" charset="0"/>
+                      </a:endParaRPr>
+                    </a:p>
+                  </a:txBody>
+                  <a:tcPr horzOverflow="overflow">
+                    <a:lnL w="12700" cap="flat" cmpd="sng" algn="ctr">
+                      <a:solidFill>
+                        <a:srgbClr val="000000"/>
+                      </a:solidFill>
+                      <a:prstDash val="solid"/>
+                      <a:round/>
+                      <a:headEnd type="none" w="med" len="med"/>
+                      <a:tailEnd type="none" w="med" len="med"/>
+                    </a:lnL>
+                    <a:lnR w="12700" cap="flat" cmpd="sng" algn="ctr">
+                      <a:solidFill>
+                        <a:srgbClr val="000000"/>
+                      </a:solidFill>
+                      <a:prstDash val="solid"/>
+                      <a:round/>
+                      <a:headEnd type="none" w="med" len="med"/>
+                      <a:tailEnd type="none" w="med" len="med"/>
+                    </a:lnR>
+                    <a:lnT w="12700" cap="flat" cmpd="sng" algn="ctr">
+                      <a:solidFill>
+                        <a:srgbClr val="000000"/>
+                      </a:solidFill>
+                      <a:prstDash val="solid"/>
+                      <a:round/>
+                      <a:headEnd type="none" w="med" len="med"/>
+                      <a:tailEnd type="none" w="med" len="med"/>
+                    </a:lnT>
+                    <a:lnB w="12700" cap="flat" cmpd="sng" algn="ctr">
+                      <a:solidFill>
+                        <a:srgbClr val="000000"/>
+                      </a:solidFill>
+                      <a:prstDash val="solid"/>
+                      <a:round/>
+                      <a:headEnd type="none" w="med" len="med"/>
+                      <a:tailEnd type="none" w="med" len="med"/>
+                    </a:lnB>
+                    <a:lnTlToBr>
+                      <a:noFill/>
+                    </a:lnTlToBr>
+                    <a:lnBlToTr>
+                      <a:noFill/>
+                    </a:lnBlToTr>
+                    <a:noFill/>
+                  </a:tcPr>
+                </a:tc>
+              </a:tr>
+              <a:tr h="260350">
+                <a:tc>
+                  <a:txBody>
+                    <a:bodyPr/>
+                    <a:lstStyle/>
+                    <a:p>
+                      <a:pPr marL="0" marR="0" lvl="0" indent="0" algn="l" defTabSz="914400" rtl="0" eaLnBrk="1" fontAlgn="base" latinLnBrk="0" hangingPunct="1">
+                        <a:lnSpc>
+                          <a:spcPct val="100000"/>
+                        </a:lnSpc>
+                        <a:spcBef>
+                          <a:spcPct val="0"/>
+                        </a:spcBef>
+                        <a:spcAft>
+                          <a:spcPct val="0"/>
+                        </a:spcAft>
+                        <a:buClrTx/>
+                        <a:buSzTx/>
+                        <a:buFontTx/>
+                        <a:buNone/>
+                        <a:tabLst/>
+                      </a:pPr>
+                      <a:r>
+                        <a:rPr kumimoji="0" lang="es-PE" sz="1600" b="1" i="0" u="none" strike="noStrike" cap="none" normalizeH="0" baseline="0" smtClean="0">
+                          <a:ln>
+                            <a:noFill/>
+                          </a:ln>
+                          <a:solidFill>
+                            <a:schemeClr val="tx2"/>
+                          </a:solidFill>
+                          <a:effectLst/>
+                          <a:latin typeface="Calibri" pitchFamily="34" charset="0"/>
+                          <a:cs typeface="Times New Roman" pitchFamily="18" charset="0"/>
+                        </a:rPr>
+                        <a:t>NOTA</a:t>
+                      </a:r>
+                      <a:endParaRPr kumimoji="0" lang="es-PE" sz="1600" b="0" i="0" u="none" strike="noStrike" cap="none" normalizeH="0" baseline="0" smtClean="0">
+                        <a:ln>
+                          <a:noFill/>
+                        </a:ln>
+                        <a:solidFill>
+                          <a:schemeClr val="tx2"/>
+                        </a:solidFill>
+                        <a:effectLst/>
+                        <a:latin typeface="Arial" charset="0"/>
+                      </a:endParaRPr>
+                    </a:p>
+                  </a:txBody>
+                  <a:tcPr horzOverflow="overflow">
+                    <a:lnL w="12700" cap="flat" cmpd="sng" algn="ctr">
+                      <a:solidFill>
+                        <a:srgbClr val="000000"/>
+                      </a:solidFill>
+                      <a:prstDash val="solid"/>
+                      <a:round/>
+                      <a:headEnd type="none" w="med" len="med"/>
+                      <a:tailEnd type="none" w="med" len="med"/>
+                    </a:lnL>
+                    <a:lnR w="12700" cap="flat" cmpd="sng" algn="ctr">
+                      <a:solidFill>
+                        <a:srgbClr val="000000"/>
+                      </a:solidFill>
+                      <a:prstDash val="solid"/>
+                      <a:round/>
+                      <a:headEnd type="none" w="med" len="med"/>
+                      <a:tailEnd type="none" w="med" len="med"/>
+                    </a:lnR>
+                    <a:lnT w="12700" cap="flat" cmpd="sng" algn="ctr">
+                      <a:solidFill>
+                        <a:srgbClr val="000000"/>
+                      </a:solidFill>
+                      <a:prstDash val="solid"/>
+                      <a:round/>
+                      <a:headEnd type="none" w="med" len="med"/>
+                      <a:tailEnd type="none" w="med" len="med"/>
+                    </a:lnT>
+                    <a:lnB w="12700" cap="flat" cmpd="sng" algn="ctr">
+                      <a:solidFill>
+                        <a:srgbClr val="000000"/>
+                      </a:solidFill>
+                      <a:prstDash val="solid"/>
+                      <a:round/>
+                      <a:headEnd type="none" w="med" len="med"/>
+                      <a:tailEnd type="none" w="med" len="med"/>
+                    </a:lnB>
+                    <a:lnTlToBr>
+                      <a:noFill/>
+                    </a:lnTlToBr>
+                    <a:lnBlToTr>
+                      <a:noFill/>
+                    </a:lnBlToTr>
+                    <a:noFill/>
+                  </a:tcPr>
+                </a:tc>
+                <a:tc>
+                  <a:txBody>
+                    <a:bodyPr/>
+                    <a:lstStyle/>
+                    <a:p>
+                      <a:pPr marL="0" marR="0" lvl="0" indent="0" algn="l" defTabSz="914400" rtl="0" eaLnBrk="0" fontAlgn="base" latinLnBrk="0" hangingPunct="0">
+                        <a:lnSpc>
+                          <a:spcPct val="100000"/>
+                        </a:lnSpc>
+                        <a:spcBef>
+                          <a:spcPct val="20000"/>
+                        </a:spcBef>
+                        <a:spcAft>
+                          <a:spcPct val="0"/>
+                        </a:spcAft>
+                        <a:buClr>
+                          <a:schemeClr val="accent1"/>
+                        </a:buClr>
+                        <a:buSzPct val="100000"/>
+                        <a:buFont typeface="Symbol" pitchFamily="18" charset="2"/>
+                        <a:buNone/>
+                        <a:tabLst/>
+                      </a:pPr>
+                      <a:endParaRPr kumimoji="0" lang="es-ES" sz="1600" b="0" i="0" u="none" strike="noStrike" cap="none" normalizeH="0" baseline="0" smtClean="0">
+                        <a:ln>
+                          <a:noFill/>
+                        </a:ln>
+                        <a:solidFill>
+                          <a:schemeClr val="tx2"/>
+                        </a:solidFill>
+                        <a:effectLst/>
+                        <a:latin typeface="Arial" charset="0"/>
+                      </a:endParaRPr>
+                    </a:p>
+                  </a:txBody>
+                  <a:tcPr horzOverflow="overflow">
+                    <a:lnL w="12700" cap="flat" cmpd="sng" algn="ctr">
+                      <a:solidFill>
+                        <a:srgbClr val="000000"/>
+                      </a:solidFill>
+                      <a:prstDash val="solid"/>
+                      <a:round/>
+                      <a:headEnd type="none" w="med" len="med"/>
+                      <a:tailEnd type="none" w="med" len="med"/>
+                    </a:lnL>
+                    <a:lnR w="12700" cap="flat" cmpd="sng" algn="ctr">
+                      <a:solidFill>
+                        <a:srgbClr val="000000"/>
+                      </a:solidFill>
+                      <a:prstDash val="solid"/>
+                      <a:round/>
+                      <a:headEnd type="none" w="med" len="med"/>
+                      <a:tailEnd type="none" w="med" len="med"/>
+                    </a:lnR>
+                    <a:lnT w="12700" cap="flat" cmpd="sng" algn="ctr">
+                      <a:solidFill>
+                        <a:srgbClr val="000000"/>
+                      </a:solidFill>
+                      <a:prstDash val="solid"/>
+                      <a:round/>
+                      <a:headEnd type="none" w="med" len="med"/>
+                      <a:tailEnd type="none" w="med" len="med"/>
+                    </a:lnT>
+                    <a:lnB w="12700" cap="flat" cmpd="sng" algn="ctr">
+                      <a:solidFill>
+                        <a:srgbClr val="000000"/>
+                      </a:solidFill>
+                      <a:prstDash val="solid"/>
+                      <a:round/>
+                      <a:headEnd type="none" w="med" len="med"/>
+                      <a:tailEnd type="none" w="med" len="med"/>
+                    </a:lnB>
+                    <a:lnTlToBr>
+                      <a:noFill/>
+                    </a:lnTlToBr>
+                    <a:lnBlToTr>
+                      <a:noFill/>
+                    </a:lnBlToTr>
+                    <a:noFill/>
+                  </a:tcPr>
+                </a:tc>
+              </a:tr>
+            </a:tbl>
+          </a:graphicData>
+        </a:graphic>
+      </p:graphicFrame>
     </p:spTree>
   </p:cSld>
   <p:clrMapOvr>
@@ -16730,7 +18707,7 @@
       </p:grpSpPr>
       <p:sp>
         <p:nvSpPr>
-          <p:cNvPr id="29698" name="2 Título"/>
+          <p:cNvPr id="23553" name="2 Título"/>
           <p:cNvSpPr>
             <a:spLocks noGrp="1"/>
           </p:cNvSpPr>
@@ -16761,58 +18738,1897 @@
           </a:p>
         </p:txBody>
       </p:sp>
-      <p:sp>
-        <p:nvSpPr>
-          <p:cNvPr id="29699" name="Text Box 3"/>
-          <p:cNvSpPr txBox="1">
-            <a:spLocks noChangeArrowheads="1"/>
-          </p:cNvSpPr>
+      <p:graphicFrame>
+        <p:nvGraphicFramePr>
+          <p:cNvPr id="23664" name="Group 112"/>
+          <p:cNvGraphicFramePr>
+            <a:graphicFrameLocks noGrp="1"/>
+          </p:cNvGraphicFramePr>
           <p:nvPr/>
-        </p:nvSpPr>
-        <p:spPr bwMode="auto">
-          <a:xfrm>
-            <a:off x="3060700" y="1268413"/>
-            <a:ext cx="2879725" cy="304800"/>
-          </a:xfrm>
-          <a:prstGeom prst="rect">
-            <a:avLst/>
-          </a:prstGeom>
-          <a:noFill/>
-          <a:ln w="9525">
-            <a:noFill/>
-            <a:miter lim="800000"/>
-            <a:headEnd/>
-            <a:tailEnd/>
-          </a:ln>
-          <a:effectLst/>
-        </p:spPr>
-        <p:txBody>
-          <a:bodyPr>
-            <a:spAutoFit/>
-          </a:bodyPr>
-          <a:lstStyle/>
-          <a:p>
-            <a:pPr>
-              <a:spcBef>
-                <a:spcPct val="50000"/>
-              </a:spcBef>
-            </a:pPr>
-            <a:r>
-              <a:rPr lang="es-PE" sz="1400" b="1">
-                <a:solidFill>
-                  <a:schemeClr val="tx2"/>
-                </a:solidFill>
-              </a:rPr>
-              <a:t>SUB-ATRIBUTO:</a:t>
-            </a:r>
-            <a:endParaRPr lang="es-ES" sz="1400" b="1">
-              <a:solidFill>
-                <a:schemeClr val="tx2"/>
-              </a:solidFill>
-            </a:endParaRPr>
-          </a:p>
-        </p:txBody>
-      </p:sp>
+        </p:nvGraphicFramePr>
+        <p:xfrm>
+          <a:off x="1403350" y="1557338"/>
+          <a:ext cx="6696075" cy="4970462"/>
+        </p:xfrm>
+        <a:graphic>
+          <a:graphicData uri="http://schemas.openxmlformats.org/drawingml/2006/table">
+            <a:tbl>
+              <a:tblPr/>
+              <a:tblGrid>
+                <a:gridCol w="1503363"/>
+                <a:gridCol w="5192712"/>
+              </a:tblGrid>
+              <a:tr h="260350">
+                <a:tc gridSpan="2">
+                  <a:txBody>
+                    <a:bodyPr/>
+                    <a:lstStyle/>
+                    <a:p>
+                      <a:pPr marL="0" marR="0" lvl="0" indent="0" algn="l" defTabSz="914400" rtl="0" eaLnBrk="1" fontAlgn="base" latinLnBrk="0" hangingPunct="1">
+                        <a:lnSpc>
+                          <a:spcPct val="100000"/>
+                        </a:lnSpc>
+                        <a:spcBef>
+                          <a:spcPct val="0"/>
+                        </a:spcBef>
+                        <a:spcAft>
+                          <a:spcPct val="0"/>
+                        </a:spcAft>
+                        <a:buClrTx/>
+                        <a:buSzTx/>
+                        <a:buFontTx/>
+                        <a:buNone/>
+                        <a:tabLst/>
+                      </a:pPr>
+                      <a:r>
+                        <a:rPr kumimoji="0" lang="es-PE" sz="1600" b="1" i="0" u="none" strike="noStrike" cap="none" normalizeH="0" baseline="0" smtClean="0">
+                          <a:ln>
+                            <a:noFill/>
+                          </a:ln>
+                          <a:solidFill>
+                            <a:schemeClr val="tx2"/>
+                          </a:solidFill>
+                          <a:effectLst/>
+                          <a:latin typeface="Calibri" pitchFamily="34" charset="0"/>
+                          <a:cs typeface="Times New Roman" pitchFamily="18" charset="0"/>
+                        </a:rPr>
+                        <a:t>METRICA EN USO DE EFECTIVIDAD</a:t>
+                      </a:r>
+                      <a:endParaRPr kumimoji="0" lang="es-PE" sz="1600" b="0" i="0" u="none" strike="noStrike" cap="none" normalizeH="0" baseline="0" smtClean="0">
+                        <a:ln>
+                          <a:noFill/>
+                        </a:ln>
+                        <a:solidFill>
+                          <a:schemeClr val="tx2"/>
+                        </a:solidFill>
+                        <a:effectLst/>
+                        <a:latin typeface="Arial" charset="0"/>
+                      </a:endParaRPr>
+                    </a:p>
+                  </a:txBody>
+                  <a:tcPr horzOverflow="overflow">
+                    <a:lnL w="12700" cap="flat" cmpd="sng" algn="ctr">
+                      <a:solidFill>
+                        <a:srgbClr val="000000"/>
+                      </a:solidFill>
+                      <a:prstDash val="solid"/>
+                      <a:round/>
+                      <a:headEnd type="none" w="med" len="med"/>
+                      <a:tailEnd type="none" w="med" len="med"/>
+                    </a:lnL>
+                    <a:lnR w="12700" cap="flat" cmpd="sng" algn="ctr">
+                      <a:solidFill>
+                        <a:srgbClr val="000000"/>
+                      </a:solidFill>
+                      <a:prstDash val="solid"/>
+                      <a:round/>
+                      <a:headEnd type="none" w="med" len="med"/>
+                      <a:tailEnd type="none" w="med" len="med"/>
+                    </a:lnR>
+                    <a:lnT w="12700" cap="flat" cmpd="sng" algn="ctr">
+                      <a:solidFill>
+                        <a:srgbClr val="000000"/>
+                      </a:solidFill>
+                      <a:prstDash val="solid"/>
+                      <a:round/>
+                      <a:headEnd type="none" w="med" len="med"/>
+                      <a:tailEnd type="none" w="med" len="med"/>
+                    </a:lnT>
+                    <a:lnB w="12700" cap="flat" cmpd="sng" algn="ctr">
+                      <a:solidFill>
+                        <a:srgbClr val="000000"/>
+                      </a:solidFill>
+                      <a:prstDash val="solid"/>
+                      <a:round/>
+                      <a:headEnd type="none" w="med" len="med"/>
+                      <a:tailEnd type="none" w="med" len="med"/>
+                    </a:lnB>
+                    <a:lnTlToBr>
+                      <a:noFill/>
+                    </a:lnTlToBr>
+                    <a:lnBlToTr>
+                      <a:noFill/>
+                    </a:lnBlToTr>
+                    <a:noFill/>
+                  </a:tcPr>
+                </a:tc>
+                <a:tc hMerge="1">
+                  <a:txBody>
+                    <a:bodyPr/>
+                    <a:lstStyle/>
+                    <a:p>
+                      <a:endParaRPr lang="es-ES"/>
+                    </a:p>
+                  </a:txBody>
+                  <a:tcPr/>
+                </a:tc>
+              </a:tr>
+              <a:tr h="260350">
+                <a:tc>
+                  <a:txBody>
+                    <a:bodyPr/>
+                    <a:lstStyle/>
+                    <a:p>
+                      <a:pPr marL="0" marR="0" lvl="0" indent="0" algn="l" defTabSz="914400" rtl="0" eaLnBrk="1" fontAlgn="base" latinLnBrk="0" hangingPunct="1">
+                        <a:lnSpc>
+                          <a:spcPct val="100000"/>
+                        </a:lnSpc>
+                        <a:spcBef>
+                          <a:spcPct val="0"/>
+                        </a:spcBef>
+                        <a:spcAft>
+                          <a:spcPct val="0"/>
+                        </a:spcAft>
+                        <a:buClrTx/>
+                        <a:buSzTx/>
+                        <a:buFontTx/>
+                        <a:buNone/>
+                        <a:tabLst/>
+                      </a:pPr>
+                      <a:r>
+                        <a:rPr kumimoji="0" lang="es-PE" sz="1600" b="1" i="0" u="none" strike="noStrike" cap="none" normalizeH="0" baseline="0" smtClean="0">
+                          <a:ln>
+                            <a:noFill/>
+                          </a:ln>
+                          <a:solidFill>
+                            <a:schemeClr val="tx2"/>
+                          </a:solidFill>
+                          <a:effectLst/>
+                          <a:latin typeface="Calibri" pitchFamily="34" charset="0"/>
+                          <a:cs typeface="Times New Roman" pitchFamily="18" charset="0"/>
+                        </a:rPr>
+                        <a:t>NOMBRE</a:t>
+                      </a:r>
+                      <a:endParaRPr kumimoji="0" lang="es-PE" sz="1600" b="0" i="0" u="none" strike="noStrike" cap="none" normalizeH="0" baseline="0" smtClean="0">
+                        <a:ln>
+                          <a:noFill/>
+                        </a:ln>
+                        <a:solidFill>
+                          <a:schemeClr val="tx2"/>
+                        </a:solidFill>
+                        <a:effectLst/>
+                        <a:latin typeface="Arial" charset="0"/>
+                      </a:endParaRPr>
+                    </a:p>
+                  </a:txBody>
+                  <a:tcPr horzOverflow="overflow">
+                    <a:lnL w="12700" cap="flat" cmpd="sng" algn="ctr">
+                      <a:solidFill>
+                        <a:srgbClr val="000000"/>
+                      </a:solidFill>
+                      <a:prstDash val="solid"/>
+                      <a:round/>
+                      <a:headEnd type="none" w="med" len="med"/>
+                      <a:tailEnd type="none" w="med" len="med"/>
+                    </a:lnL>
+                    <a:lnR w="12700" cap="flat" cmpd="sng" algn="ctr">
+                      <a:solidFill>
+                        <a:srgbClr val="000000"/>
+                      </a:solidFill>
+                      <a:prstDash val="solid"/>
+                      <a:round/>
+                      <a:headEnd type="none" w="med" len="med"/>
+                      <a:tailEnd type="none" w="med" len="med"/>
+                    </a:lnR>
+                    <a:lnT w="12700" cap="flat" cmpd="sng" algn="ctr">
+                      <a:solidFill>
+                        <a:srgbClr val="000000"/>
+                      </a:solidFill>
+                      <a:prstDash val="solid"/>
+                      <a:round/>
+                      <a:headEnd type="none" w="med" len="med"/>
+                      <a:tailEnd type="none" w="med" len="med"/>
+                    </a:lnT>
+                    <a:lnB w="12700" cap="flat" cmpd="sng" algn="ctr">
+                      <a:solidFill>
+                        <a:srgbClr val="000000"/>
+                      </a:solidFill>
+                      <a:prstDash val="solid"/>
+                      <a:round/>
+                      <a:headEnd type="none" w="med" len="med"/>
+                      <a:tailEnd type="none" w="med" len="med"/>
+                    </a:lnB>
+                    <a:lnTlToBr>
+                      <a:noFill/>
+                    </a:lnTlToBr>
+                    <a:lnBlToTr>
+                      <a:noFill/>
+                    </a:lnBlToTr>
+                    <a:noFill/>
+                  </a:tcPr>
+                </a:tc>
+                <a:tc>
+                  <a:txBody>
+                    <a:bodyPr/>
+                    <a:lstStyle/>
+                    <a:p>
+                      <a:pPr marL="0" marR="0" lvl="0" indent="0" algn="l" defTabSz="914400" rtl="0" eaLnBrk="1" fontAlgn="base" latinLnBrk="0" hangingPunct="1">
+                        <a:lnSpc>
+                          <a:spcPct val="100000"/>
+                        </a:lnSpc>
+                        <a:spcBef>
+                          <a:spcPct val="0"/>
+                        </a:spcBef>
+                        <a:spcAft>
+                          <a:spcPct val="0"/>
+                        </a:spcAft>
+                        <a:buClrTx/>
+                        <a:buSzTx/>
+                        <a:buFontTx/>
+                        <a:buNone/>
+                        <a:tabLst/>
+                      </a:pPr>
+                      <a:r>
+                        <a:rPr kumimoji="0" lang="es-PE" sz="1600" b="0" i="0" u="none" strike="noStrike" cap="none" normalizeH="0" baseline="0" smtClean="0">
+                          <a:ln>
+                            <a:noFill/>
+                          </a:ln>
+                          <a:solidFill>
+                            <a:schemeClr val="tx2"/>
+                          </a:solidFill>
+                          <a:effectLst/>
+                          <a:latin typeface="Calibri" pitchFamily="34" charset="0"/>
+                          <a:cs typeface="Times New Roman" pitchFamily="18" charset="0"/>
+                        </a:rPr>
+                        <a:t>Efectiva relativa al usuario</a:t>
+                      </a:r>
+                      <a:endParaRPr kumimoji="0" lang="es-PE" sz="1600" b="0" i="0" u="none" strike="noStrike" cap="none" normalizeH="0" baseline="0" smtClean="0">
+                        <a:ln>
+                          <a:noFill/>
+                        </a:ln>
+                        <a:solidFill>
+                          <a:schemeClr val="tx2"/>
+                        </a:solidFill>
+                        <a:effectLst/>
+                        <a:latin typeface="Arial" charset="0"/>
+                      </a:endParaRPr>
+                    </a:p>
+                  </a:txBody>
+                  <a:tcPr horzOverflow="overflow">
+                    <a:lnL w="12700" cap="flat" cmpd="sng" algn="ctr">
+                      <a:solidFill>
+                        <a:srgbClr val="000000"/>
+                      </a:solidFill>
+                      <a:prstDash val="solid"/>
+                      <a:round/>
+                      <a:headEnd type="none" w="med" len="med"/>
+                      <a:tailEnd type="none" w="med" len="med"/>
+                    </a:lnL>
+                    <a:lnR w="12700" cap="flat" cmpd="sng" algn="ctr">
+                      <a:solidFill>
+                        <a:srgbClr val="000000"/>
+                      </a:solidFill>
+                      <a:prstDash val="solid"/>
+                      <a:round/>
+                      <a:headEnd type="none" w="med" len="med"/>
+                      <a:tailEnd type="none" w="med" len="med"/>
+                    </a:lnR>
+                    <a:lnT w="12700" cap="flat" cmpd="sng" algn="ctr">
+                      <a:solidFill>
+                        <a:srgbClr val="000000"/>
+                      </a:solidFill>
+                      <a:prstDash val="solid"/>
+                      <a:round/>
+                      <a:headEnd type="none" w="med" len="med"/>
+                      <a:tailEnd type="none" w="med" len="med"/>
+                    </a:lnT>
+                    <a:lnB w="12700" cap="flat" cmpd="sng" algn="ctr">
+                      <a:solidFill>
+                        <a:srgbClr val="000000"/>
+                      </a:solidFill>
+                      <a:prstDash val="solid"/>
+                      <a:round/>
+                      <a:headEnd type="none" w="med" len="med"/>
+                      <a:tailEnd type="none" w="med" len="med"/>
+                    </a:lnB>
+                    <a:lnTlToBr>
+                      <a:noFill/>
+                    </a:lnTlToBr>
+                    <a:lnBlToTr>
+                      <a:noFill/>
+                    </a:lnBlToTr>
+                    <a:noFill/>
+                  </a:tcPr>
+                </a:tc>
+              </a:tr>
+              <a:tr h="260350">
+                <a:tc>
+                  <a:txBody>
+                    <a:bodyPr/>
+                    <a:lstStyle/>
+                    <a:p>
+                      <a:pPr marL="0" marR="0" lvl="0" indent="0" algn="l" defTabSz="914400" rtl="0" eaLnBrk="1" fontAlgn="base" latinLnBrk="0" hangingPunct="1">
+                        <a:lnSpc>
+                          <a:spcPct val="100000"/>
+                        </a:lnSpc>
+                        <a:spcBef>
+                          <a:spcPct val="0"/>
+                        </a:spcBef>
+                        <a:spcAft>
+                          <a:spcPct val="0"/>
+                        </a:spcAft>
+                        <a:buClrTx/>
+                        <a:buSzTx/>
+                        <a:buFontTx/>
+                        <a:buNone/>
+                        <a:tabLst/>
+                      </a:pPr>
+                      <a:r>
+                        <a:rPr kumimoji="0" lang="es-PE" sz="1600" b="1" i="0" u="none" strike="noStrike" cap="none" normalizeH="0" baseline="0" smtClean="0">
+                          <a:ln>
+                            <a:noFill/>
+                          </a:ln>
+                          <a:solidFill>
+                            <a:schemeClr val="tx2"/>
+                          </a:solidFill>
+                          <a:effectLst/>
+                          <a:latin typeface="Calibri" pitchFamily="34" charset="0"/>
+                          <a:cs typeface="Times New Roman" pitchFamily="18" charset="0"/>
+                        </a:rPr>
+                        <a:t>PROPOSITO</a:t>
+                      </a:r>
+                      <a:endParaRPr kumimoji="0" lang="es-PE" sz="1600" b="0" i="0" u="none" strike="noStrike" cap="none" normalizeH="0" baseline="0" smtClean="0">
+                        <a:ln>
+                          <a:noFill/>
+                        </a:ln>
+                        <a:solidFill>
+                          <a:schemeClr val="tx2"/>
+                        </a:solidFill>
+                        <a:effectLst/>
+                        <a:latin typeface="Arial" charset="0"/>
+                      </a:endParaRPr>
+                    </a:p>
+                  </a:txBody>
+                  <a:tcPr horzOverflow="overflow">
+                    <a:lnL w="12700" cap="flat" cmpd="sng" algn="ctr">
+                      <a:solidFill>
+                        <a:srgbClr val="000000"/>
+                      </a:solidFill>
+                      <a:prstDash val="solid"/>
+                      <a:round/>
+                      <a:headEnd type="none" w="med" len="med"/>
+                      <a:tailEnd type="none" w="med" len="med"/>
+                    </a:lnL>
+                    <a:lnR w="12700" cap="flat" cmpd="sng" algn="ctr">
+                      <a:solidFill>
+                        <a:srgbClr val="000000"/>
+                      </a:solidFill>
+                      <a:prstDash val="solid"/>
+                      <a:round/>
+                      <a:headEnd type="none" w="med" len="med"/>
+                      <a:tailEnd type="none" w="med" len="med"/>
+                    </a:lnR>
+                    <a:lnT w="12700" cap="flat" cmpd="sng" algn="ctr">
+                      <a:solidFill>
+                        <a:srgbClr val="000000"/>
+                      </a:solidFill>
+                      <a:prstDash val="solid"/>
+                      <a:round/>
+                      <a:headEnd type="none" w="med" len="med"/>
+                      <a:tailEnd type="none" w="med" len="med"/>
+                    </a:lnT>
+                    <a:lnB w="12700" cap="flat" cmpd="sng" algn="ctr">
+                      <a:solidFill>
+                        <a:srgbClr val="000000"/>
+                      </a:solidFill>
+                      <a:prstDash val="solid"/>
+                      <a:round/>
+                      <a:headEnd type="none" w="med" len="med"/>
+                      <a:tailEnd type="none" w="med" len="med"/>
+                    </a:lnB>
+                    <a:lnTlToBr>
+                      <a:noFill/>
+                    </a:lnTlToBr>
+                    <a:lnBlToTr>
+                      <a:noFill/>
+                    </a:lnBlToTr>
+                    <a:noFill/>
+                  </a:tcPr>
+                </a:tc>
+                <a:tc>
+                  <a:txBody>
+                    <a:bodyPr/>
+                    <a:lstStyle/>
+                    <a:p>
+                      <a:pPr marL="0" marR="0" lvl="0" indent="0" algn="l" defTabSz="914400" rtl="0" eaLnBrk="1" fontAlgn="base" latinLnBrk="0" hangingPunct="1">
+                        <a:lnSpc>
+                          <a:spcPct val="100000"/>
+                        </a:lnSpc>
+                        <a:spcBef>
+                          <a:spcPct val="0"/>
+                        </a:spcBef>
+                        <a:spcAft>
+                          <a:spcPct val="0"/>
+                        </a:spcAft>
+                        <a:buClrTx/>
+                        <a:buSzTx/>
+                        <a:buFontTx/>
+                        <a:buNone/>
+                        <a:tabLst/>
+                      </a:pPr>
+                      <a:r>
+                        <a:rPr kumimoji="0" lang="es-PE" sz="1600" b="0" i="0" u="none" strike="noStrike" cap="none" normalizeH="0" baseline="0" smtClean="0">
+                          <a:ln>
+                            <a:noFill/>
+                          </a:ln>
+                          <a:solidFill>
+                            <a:schemeClr val="tx2"/>
+                          </a:solidFill>
+                          <a:effectLst/>
+                          <a:latin typeface="Calibri" pitchFamily="34" charset="0"/>
+                          <a:cs typeface="Times New Roman" pitchFamily="18" charset="0"/>
+                        </a:rPr>
+                        <a:t>Qu</a:t>
+                      </a:r>
+                      <a:r>
+                        <a:rPr kumimoji="0" lang="es-PE" sz="1600" b="0" i="0" u="none" strike="noStrike" cap="none" normalizeH="0" baseline="0" smtClean="0">
+                          <a:ln>
+                            <a:noFill/>
+                          </a:ln>
+                          <a:solidFill>
+                            <a:schemeClr val="tx2"/>
+                          </a:solidFill>
+                          <a:effectLst/>
+                          <a:latin typeface="Arial"/>
+                          <a:cs typeface="Times New Roman" pitchFamily="18" charset="0"/>
+                        </a:rPr>
+                        <a:t>é</a:t>
+                      </a:r>
+                      <a:r>
+                        <a:rPr kumimoji="0" lang="es-PE" sz="1600" b="0" i="0" u="none" strike="noStrike" cap="none" normalizeH="0" baseline="0" smtClean="0">
+                          <a:ln>
+                            <a:noFill/>
+                          </a:ln>
+                          <a:solidFill>
+                            <a:schemeClr val="tx2"/>
+                          </a:solidFill>
+                          <a:effectLst/>
+                          <a:latin typeface="Calibri" pitchFamily="34" charset="0"/>
+                          <a:cs typeface="Times New Roman" pitchFamily="18" charset="0"/>
+                        </a:rPr>
+                        <a:t> tan productivo es un usuario "sin experiencia" compar</a:t>
+                      </a:r>
+                      <a:r>
+                        <a:rPr kumimoji="0" lang="es-PE" sz="1600" b="0" i="0" u="none" strike="noStrike" cap="none" normalizeH="0" baseline="0" smtClean="0">
+                          <a:ln>
+                            <a:noFill/>
+                          </a:ln>
+                          <a:solidFill>
+                            <a:schemeClr val="tx2"/>
+                          </a:solidFill>
+                          <a:effectLst/>
+                          <a:latin typeface="Arial"/>
+                          <a:cs typeface="Times New Roman" pitchFamily="18" charset="0"/>
+                        </a:rPr>
+                        <a:t>á</a:t>
+                      </a:r>
+                      <a:r>
+                        <a:rPr kumimoji="0" lang="es-PE" sz="1600" b="0" i="0" u="none" strike="noStrike" cap="none" normalizeH="0" baseline="0" smtClean="0">
+                          <a:ln>
+                            <a:noFill/>
+                          </a:ln>
+                          <a:solidFill>
+                            <a:schemeClr val="tx2"/>
+                          </a:solidFill>
+                          <a:effectLst/>
+                          <a:latin typeface="Calibri" pitchFamily="34" charset="0"/>
+                          <a:cs typeface="Times New Roman" pitchFamily="18" charset="0"/>
+                        </a:rPr>
+                        <a:t>ndolo con un usuario experto</a:t>
+                      </a:r>
+                      <a:endParaRPr kumimoji="0" lang="es-PE" sz="1600" b="0" i="0" u="none" strike="noStrike" cap="none" normalizeH="0" baseline="0" smtClean="0">
+                        <a:ln>
+                          <a:noFill/>
+                        </a:ln>
+                        <a:solidFill>
+                          <a:schemeClr val="tx2"/>
+                        </a:solidFill>
+                        <a:effectLst/>
+                        <a:latin typeface="Arial" charset="0"/>
+                      </a:endParaRPr>
+                    </a:p>
+                  </a:txBody>
+                  <a:tcPr horzOverflow="overflow">
+                    <a:lnL w="12700" cap="flat" cmpd="sng" algn="ctr">
+                      <a:solidFill>
+                        <a:srgbClr val="000000"/>
+                      </a:solidFill>
+                      <a:prstDash val="solid"/>
+                      <a:round/>
+                      <a:headEnd type="none" w="med" len="med"/>
+                      <a:tailEnd type="none" w="med" len="med"/>
+                    </a:lnL>
+                    <a:lnR w="12700" cap="flat" cmpd="sng" algn="ctr">
+                      <a:solidFill>
+                        <a:srgbClr val="000000"/>
+                      </a:solidFill>
+                      <a:prstDash val="solid"/>
+                      <a:round/>
+                      <a:headEnd type="none" w="med" len="med"/>
+                      <a:tailEnd type="none" w="med" len="med"/>
+                    </a:lnR>
+                    <a:lnT w="12700" cap="flat" cmpd="sng" algn="ctr">
+                      <a:solidFill>
+                        <a:srgbClr val="000000"/>
+                      </a:solidFill>
+                      <a:prstDash val="solid"/>
+                      <a:round/>
+                      <a:headEnd type="none" w="med" len="med"/>
+                      <a:tailEnd type="none" w="med" len="med"/>
+                    </a:lnT>
+                    <a:lnB w="12700" cap="flat" cmpd="sng" algn="ctr">
+                      <a:solidFill>
+                        <a:srgbClr val="000000"/>
+                      </a:solidFill>
+                      <a:prstDash val="solid"/>
+                      <a:round/>
+                      <a:headEnd type="none" w="med" len="med"/>
+                      <a:tailEnd type="none" w="med" len="med"/>
+                    </a:lnB>
+                    <a:lnTlToBr>
+                      <a:noFill/>
+                    </a:lnTlToBr>
+                    <a:lnBlToTr>
+                      <a:noFill/>
+                    </a:lnBlToTr>
+                    <a:noFill/>
+                  </a:tcPr>
+                </a:tc>
+              </a:tr>
+              <a:tr h="260350">
+                <a:tc>
+                  <a:txBody>
+                    <a:bodyPr/>
+                    <a:lstStyle/>
+                    <a:p>
+                      <a:pPr marL="0" marR="0" lvl="0" indent="0" algn="l" defTabSz="914400" rtl="0" eaLnBrk="1" fontAlgn="base" latinLnBrk="0" hangingPunct="1">
+                        <a:lnSpc>
+                          <a:spcPct val="100000"/>
+                        </a:lnSpc>
+                        <a:spcBef>
+                          <a:spcPct val="0"/>
+                        </a:spcBef>
+                        <a:spcAft>
+                          <a:spcPct val="0"/>
+                        </a:spcAft>
+                        <a:buClrTx/>
+                        <a:buSzTx/>
+                        <a:buFontTx/>
+                        <a:buNone/>
+                        <a:tabLst/>
+                      </a:pPr>
+                      <a:r>
+                        <a:rPr kumimoji="0" lang="es-PE" sz="1600" b="1" i="0" u="none" strike="noStrike" cap="none" normalizeH="0" baseline="0" smtClean="0">
+                          <a:ln>
+                            <a:noFill/>
+                          </a:ln>
+                          <a:solidFill>
+                            <a:schemeClr val="tx2"/>
+                          </a:solidFill>
+                          <a:effectLst/>
+                          <a:latin typeface="Calibri" pitchFamily="34" charset="0"/>
+                          <a:cs typeface="Times New Roman" pitchFamily="18" charset="0"/>
+                        </a:rPr>
+                        <a:t>METODO APLICACI</a:t>
+                      </a:r>
+                      <a:r>
+                        <a:rPr kumimoji="0" lang="es-PE" sz="1600" b="1" i="0" u="none" strike="noStrike" cap="none" normalizeH="0" baseline="0" smtClean="0">
+                          <a:ln>
+                            <a:noFill/>
+                          </a:ln>
+                          <a:solidFill>
+                            <a:schemeClr val="tx2"/>
+                          </a:solidFill>
+                          <a:effectLst/>
+                          <a:latin typeface="Arial"/>
+                          <a:cs typeface="Times New Roman" pitchFamily="18" charset="0"/>
+                        </a:rPr>
+                        <a:t>Ó</a:t>
+                      </a:r>
+                      <a:r>
+                        <a:rPr kumimoji="0" lang="es-PE" sz="1600" b="1" i="0" u="none" strike="noStrike" cap="none" normalizeH="0" baseline="0" smtClean="0">
+                          <a:ln>
+                            <a:noFill/>
+                          </a:ln>
+                          <a:solidFill>
+                            <a:schemeClr val="tx2"/>
+                          </a:solidFill>
+                          <a:effectLst/>
+                          <a:latin typeface="Calibri" pitchFamily="34" charset="0"/>
+                          <a:cs typeface="Times New Roman" pitchFamily="18" charset="0"/>
+                        </a:rPr>
+                        <a:t>N</a:t>
+                      </a:r>
+                      <a:endParaRPr kumimoji="0" lang="es-PE" sz="1600" b="0" i="0" u="none" strike="noStrike" cap="none" normalizeH="0" baseline="0" smtClean="0">
+                        <a:ln>
+                          <a:noFill/>
+                        </a:ln>
+                        <a:solidFill>
+                          <a:schemeClr val="tx2"/>
+                        </a:solidFill>
+                        <a:effectLst/>
+                        <a:latin typeface="Arial" charset="0"/>
+                      </a:endParaRPr>
+                    </a:p>
+                  </a:txBody>
+                  <a:tcPr horzOverflow="overflow">
+                    <a:lnL w="12700" cap="flat" cmpd="sng" algn="ctr">
+                      <a:solidFill>
+                        <a:srgbClr val="000000"/>
+                      </a:solidFill>
+                      <a:prstDash val="solid"/>
+                      <a:round/>
+                      <a:headEnd type="none" w="med" len="med"/>
+                      <a:tailEnd type="none" w="med" len="med"/>
+                    </a:lnL>
+                    <a:lnR w="12700" cap="flat" cmpd="sng" algn="ctr">
+                      <a:solidFill>
+                        <a:srgbClr val="000000"/>
+                      </a:solidFill>
+                      <a:prstDash val="solid"/>
+                      <a:round/>
+                      <a:headEnd type="none" w="med" len="med"/>
+                      <a:tailEnd type="none" w="med" len="med"/>
+                    </a:lnR>
+                    <a:lnT w="12700" cap="flat" cmpd="sng" algn="ctr">
+                      <a:solidFill>
+                        <a:srgbClr val="000000"/>
+                      </a:solidFill>
+                      <a:prstDash val="solid"/>
+                      <a:round/>
+                      <a:headEnd type="none" w="med" len="med"/>
+                      <a:tailEnd type="none" w="med" len="med"/>
+                    </a:lnT>
+                    <a:lnB w="12700" cap="flat" cmpd="sng" algn="ctr">
+                      <a:solidFill>
+                        <a:srgbClr val="000000"/>
+                      </a:solidFill>
+                      <a:prstDash val="solid"/>
+                      <a:round/>
+                      <a:headEnd type="none" w="med" len="med"/>
+                      <a:tailEnd type="none" w="med" len="med"/>
+                    </a:lnB>
+                    <a:lnTlToBr>
+                      <a:noFill/>
+                    </a:lnTlToBr>
+                    <a:lnBlToTr>
+                      <a:noFill/>
+                    </a:lnBlToTr>
+                    <a:noFill/>
+                  </a:tcPr>
+                </a:tc>
+                <a:tc>
+                  <a:txBody>
+                    <a:bodyPr/>
+                    <a:lstStyle/>
+                    <a:p>
+                      <a:pPr marL="0" marR="0" lvl="0" indent="0" algn="l" defTabSz="914400" rtl="0" eaLnBrk="1" fontAlgn="base" latinLnBrk="0" hangingPunct="1">
+                        <a:lnSpc>
+                          <a:spcPct val="100000"/>
+                        </a:lnSpc>
+                        <a:spcBef>
+                          <a:spcPct val="0"/>
+                        </a:spcBef>
+                        <a:spcAft>
+                          <a:spcPct val="0"/>
+                        </a:spcAft>
+                        <a:buClrTx/>
+                        <a:buSzTx/>
+                        <a:buFontTx/>
+                        <a:buNone/>
+                        <a:tabLst/>
+                      </a:pPr>
+                      <a:r>
+                        <a:rPr kumimoji="0" lang="es-PE" sz="1600" b="0" i="0" u="none" strike="noStrike" cap="none" normalizeH="0" baseline="0" smtClean="0">
+                          <a:ln>
+                            <a:noFill/>
+                          </a:ln>
+                          <a:solidFill>
+                            <a:schemeClr val="tx2"/>
+                          </a:solidFill>
+                          <a:effectLst/>
+                          <a:latin typeface="Calibri" pitchFamily="34" charset="0"/>
+                          <a:cs typeface="Times New Roman" pitchFamily="18" charset="0"/>
+                        </a:rPr>
+                        <a:t>Estimar el porcentaje de eficiencia de un usuario "sin experiencia" y comparar con el porcentaje de eficiencia de un usuario experto.</a:t>
+                      </a:r>
+                      <a:endParaRPr kumimoji="0" lang="es-PE" sz="1600" b="0" i="0" u="none" strike="noStrike" cap="none" normalizeH="0" baseline="0" smtClean="0">
+                        <a:ln>
+                          <a:noFill/>
+                        </a:ln>
+                        <a:solidFill>
+                          <a:schemeClr val="tx2"/>
+                        </a:solidFill>
+                        <a:effectLst/>
+                        <a:latin typeface="Arial" charset="0"/>
+                      </a:endParaRPr>
+                    </a:p>
+                  </a:txBody>
+                  <a:tcPr horzOverflow="overflow">
+                    <a:lnL w="12700" cap="flat" cmpd="sng" algn="ctr">
+                      <a:solidFill>
+                        <a:srgbClr val="000000"/>
+                      </a:solidFill>
+                      <a:prstDash val="solid"/>
+                      <a:round/>
+                      <a:headEnd type="none" w="med" len="med"/>
+                      <a:tailEnd type="none" w="med" len="med"/>
+                    </a:lnL>
+                    <a:lnR w="12700" cap="flat" cmpd="sng" algn="ctr">
+                      <a:solidFill>
+                        <a:srgbClr val="000000"/>
+                      </a:solidFill>
+                      <a:prstDash val="solid"/>
+                      <a:round/>
+                      <a:headEnd type="none" w="med" len="med"/>
+                      <a:tailEnd type="none" w="med" len="med"/>
+                    </a:lnR>
+                    <a:lnT w="12700" cap="flat" cmpd="sng" algn="ctr">
+                      <a:solidFill>
+                        <a:srgbClr val="000000"/>
+                      </a:solidFill>
+                      <a:prstDash val="solid"/>
+                      <a:round/>
+                      <a:headEnd type="none" w="med" len="med"/>
+                      <a:tailEnd type="none" w="med" len="med"/>
+                    </a:lnT>
+                    <a:lnB w="12700" cap="flat" cmpd="sng" algn="ctr">
+                      <a:solidFill>
+                        <a:srgbClr val="000000"/>
+                      </a:solidFill>
+                      <a:prstDash val="solid"/>
+                      <a:round/>
+                      <a:headEnd type="none" w="med" len="med"/>
+                      <a:tailEnd type="none" w="med" len="med"/>
+                    </a:lnB>
+                    <a:lnTlToBr>
+                      <a:noFill/>
+                    </a:lnTlToBr>
+                    <a:lnBlToTr>
+                      <a:noFill/>
+                    </a:lnBlToTr>
+                    <a:noFill/>
+                  </a:tcPr>
+                </a:tc>
+              </a:tr>
+              <a:tr h="596900">
+                <a:tc>
+                  <a:txBody>
+                    <a:bodyPr/>
+                    <a:lstStyle/>
+                    <a:p>
+                      <a:pPr marL="0" marR="0" lvl="0" indent="0" algn="l" defTabSz="914400" rtl="0" eaLnBrk="1" fontAlgn="base" latinLnBrk="0" hangingPunct="1">
+                        <a:lnSpc>
+                          <a:spcPct val="100000"/>
+                        </a:lnSpc>
+                        <a:spcBef>
+                          <a:spcPct val="0"/>
+                        </a:spcBef>
+                        <a:spcAft>
+                          <a:spcPct val="0"/>
+                        </a:spcAft>
+                        <a:buClrTx/>
+                        <a:buSzTx/>
+                        <a:buFontTx/>
+                        <a:buNone/>
+                        <a:tabLst/>
+                      </a:pPr>
+                      <a:r>
+                        <a:rPr kumimoji="0" lang="es-PE" sz="1600" b="1" i="0" u="none" strike="noStrike" cap="none" normalizeH="0" baseline="0" smtClean="0">
+                          <a:ln>
+                            <a:noFill/>
+                          </a:ln>
+                          <a:solidFill>
+                            <a:schemeClr val="tx2"/>
+                          </a:solidFill>
+                          <a:effectLst/>
+                          <a:latin typeface="Calibri" pitchFamily="34" charset="0"/>
+                          <a:cs typeface="Times New Roman" pitchFamily="18" charset="0"/>
+                        </a:rPr>
+                        <a:t>FORMULA</a:t>
+                      </a:r>
+                      <a:endParaRPr kumimoji="0" lang="es-PE" sz="1600" b="0" i="0" u="none" strike="noStrike" cap="none" normalizeH="0" baseline="0" smtClean="0">
+                        <a:ln>
+                          <a:noFill/>
+                        </a:ln>
+                        <a:solidFill>
+                          <a:schemeClr val="tx2"/>
+                        </a:solidFill>
+                        <a:effectLst/>
+                        <a:latin typeface="Arial" charset="0"/>
+                      </a:endParaRPr>
+                    </a:p>
+                  </a:txBody>
+                  <a:tcPr horzOverflow="overflow">
+                    <a:lnL w="12700" cap="flat" cmpd="sng" algn="ctr">
+                      <a:solidFill>
+                        <a:srgbClr val="000000"/>
+                      </a:solidFill>
+                      <a:prstDash val="solid"/>
+                      <a:round/>
+                      <a:headEnd type="none" w="med" len="med"/>
+                      <a:tailEnd type="none" w="med" len="med"/>
+                    </a:lnL>
+                    <a:lnR w="12700" cap="flat" cmpd="sng" algn="ctr">
+                      <a:solidFill>
+                        <a:srgbClr val="000000"/>
+                      </a:solidFill>
+                      <a:prstDash val="solid"/>
+                      <a:round/>
+                      <a:headEnd type="none" w="med" len="med"/>
+                      <a:tailEnd type="none" w="med" len="med"/>
+                    </a:lnR>
+                    <a:lnT w="12700" cap="flat" cmpd="sng" algn="ctr">
+                      <a:solidFill>
+                        <a:srgbClr val="000000"/>
+                      </a:solidFill>
+                      <a:prstDash val="solid"/>
+                      <a:round/>
+                      <a:headEnd type="none" w="med" len="med"/>
+                      <a:tailEnd type="none" w="med" len="med"/>
+                    </a:lnT>
+                    <a:lnB w="12700" cap="flat" cmpd="sng" algn="ctr">
+                      <a:solidFill>
+                        <a:srgbClr val="000000"/>
+                      </a:solidFill>
+                      <a:prstDash val="solid"/>
+                      <a:round/>
+                      <a:headEnd type="none" w="med" len="med"/>
+                      <a:tailEnd type="none" w="med" len="med"/>
+                    </a:lnB>
+                    <a:lnTlToBr>
+                      <a:noFill/>
+                    </a:lnTlToBr>
+                    <a:lnBlToTr>
+                      <a:noFill/>
+                    </a:lnBlToTr>
+                    <a:noFill/>
+                  </a:tcPr>
+                </a:tc>
+                <a:tc>
+                  <a:txBody>
+                    <a:bodyPr/>
+                    <a:lstStyle/>
+                    <a:p>
+                      <a:pPr marL="0" marR="0" lvl="0" indent="0" algn="l" defTabSz="914400" rtl="0" eaLnBrk="1" fontAlgn="base" latinLnBrk="0" hangingPunct="1">
+                        <a:lnSpc>
+                          <a:spcPct val="100000"/>
+                        </a:lnSpc>
+                        <a:spcBef>
+                          <a:spcPct val="0"/>
+                        </a:spcBef>
+                        <a:spcAft>
+                          <a:spcPct val="0"/>
+                        </a:spcAft>
+                        <a:buClrTx/>
+                        <a:buSzTx/>
+                        <a:buFontTx/>
+                        <a:buNone/>
+                        <a:tabLst/>
+                      </a:pPr>
+                      <a:r>
+                        <a:rPr kumimoji="0" lang="es-PE" sz="1600" b="0" i="0" u="none" strike="noStrike" cap="none" normalizeH="0" baseline="0" smtClean="0">
+                          <a:ln>
+                            <a:noFill/>
+                          </a:ln>
+                          <a:solidFill>
+                            <a:schemeClr val="tx2"/>
+                          </a:solidFill>
+                          <a:effectLst/>
+                          <a:latin typeface="Calibri" pitchFamily="34" charset="0"/>
+                          <a:cs typeface="Times New Roman" pitchFamily="18" charset="0"/>
+                        </a:rPr>
+                        <a:t>X = A/B</a:t>
+                      </a:r>
+                      <a:endParaRPr kumimoji="0" lang="es-ES" sz="1600" b="0" i="0" u="none" strike="noStrike" cap="none" normalizeH="0" baseline="0" smtClean="0">
+                        <a:ln>
+                          <a:noFill/>
+                        </a:ln>
+                        <a:solidFill>
+                          <a:schemeClr val="tx2"/>
+                        </a:solidFill>
+                        <a:effectLst/>
+                        <a:latin typeface="Times New Roman" pitchFamily="18" charset="0"/>
+                        <a:cs typeface="Times New Roman" pitchFamily="18" charset="0"/>
+                      </a:endParaRPr>
+                    </a:p>
+                    <a:p>
+                      <a:pPr marL="0" marR="0" lvl="0" indent="0" algn="l" defTabSz="914400" rtl="0" eaLnBrk="0" fontAlgn="base" latinLnBrk="0" hangingPunct="0">
+                        <a:lnSpc>
+                          <a:spcPct val="100000"/>
+                        </a:lnSpc>
+                        <a:spcBef>
+                          <a:spcPct val="0"/>
+                        </a:spcBef>
+                        <a:spcAft>
+                          <a:spcPct val="0"/>
+                        </a:spcAft>
+                        <a:buClrTx/>
+                        <a:buSzTx/>
+                        <a:buFontTx/>
+                        <a:buNone/>
+                        <a:tabLst/>
+                      </a:pPr>
+                      <a:r>
+                        <a:rPr kumimoji="0" lang="es-PE" sz="1600" b="0" i="0" u="none" strike="noStrike" cap="none" normalizeH="0" baseline="0" smtClean="0">
+                          <a:ln>
+                            <a:noFill/>
+                          </a:ln>
+                          <a:solidFill>
+                            <a:schemeClr val="tx2"/>
+                          </a:solidFill>
+                          <a:effectLst/>
+                          <a:latin typeface="Calibri" pitchFamily="34" charset="0"/>
+                          <a:cs typeface="Times New Roman" pitchFamily="18" charset="0"/>
+                        </a:rPr>
+                        <a:t>A = Eficiencia de la tarea de un usuario "no experto"</a:t>
+                      </a:r>
+                      <a:endParaRPr kumimoji="0" lang="es-ES" sz="1600" b="0" i="0" u="none" strike="noStrike" cap="none" normalizeH="0" baseline="0" smtClean="0">
+                        <a:ln>
+                          <a:noFill/>
+                        </a:ln>
+                        <a:solidFill>
+                          <a:schemeClr val="tx2"/>
+                        </a:solidFill>
+                        <a:effectLst/>
+                        <a:latin typeface="Times New Roman" pitchFamily="18" charset="0"/>
+                        <a:cs typeface="Times New Roman" pitchFamily="18" charset="0"/>
+                      </a:endParaRPr>
+                    </a:p>
+                    <a:p>
+                      <a:pPr marL="0" marR="0" lvl="0" indent="0" algn="l" defTabSz="914400" rtl="0" eaLnBrk="0" fontAlgn="base" latinLnBrk="0" hangingPunct="0">
+                        <a:lnSpc>
+                          <a:spcPct val="100000"/>
+                        </a:lnSpc>
+                        <a:spcBef>
+                          <a:spcPct val="0"/>
+                        </a:spcBef>
+                        <a:spcAft>
+                          <a:spcPct val="0"/>
+                        </a:spcAft>
+                        <a:buClrTx/>
+                        <a:buSzTx/>
+                        <a:buFontTx/>
+                        <a:buNone/>
+                        <a:tabLst/>
+                      </a:pPr>
+                      <a:r>
+                        <a:rPr kumimoji="0" lang="es-PE" sz="1600" b="0" i="0" u="none" strike="noStrike" cap="none" normalizeH="0" baseline="0" smtClean="0">
+                          <a:ln>
+                            <a:noFill/>
+                          </a:ln>
+                          <a:solidFill>
+                            <a:schemeClr val="tx2"/>
+                          </a:solidFill>
+                          <a:effectLst/>
+                          <a:latin typeface="Calibri" pitchFamily="34" charset="0"/>
+                          <a:cs typeface="Times New Roman" pitchFamily="18" charset="0"/>
+                        </a:rPr>
+                        <a:t>B = Eficiencia de la tarea de un usuario experto</a:t>
+                      </a:r>
+                      <a:endParaRPr kumimoji="0" lang="es-ES" sz="1600" b="0" i="0" u="none" strike="noStrike" cap="none" normalizeH="0" baseline="0" smtClean="0">
+                        <a:ln>
+                          <a:noFill/>
+                        </a:ln>
+                        <a:solidFill>
+                          <a:schemeClr val="tx2"/>
+                        </a:solidFill>
+                        <a:effectLst/>
+                        <a:latin typeface="Times New Roman" pitchFamily="18" charset="0"/>
+                        <a:cs typeface="Times New Roman" pitchFamily="18" charset="0"/>
+                      </a:endParaRPr>
+                    </a:p>
+                  </a:txBody>
+                  <a:tcPr horzOverflow="overflow">
+                    <a:lnL w="12700" cap="flat" cmpd="sng" algn="ctr">
+                      <a:solidFill>
+                        <a:srgbClr val="000000"/>
+                      </a:solidFill>
+                      <a:prstDash val="solid"/>
+                      <a:round/>
+                      <a:headEnd type="none" w="med" len="med"/>
+                      <a:tailEnd type="none" w="med" len="med"/>
+                    </a:lnL>
+                    <a:lnR w="12700" cap="flat" cmpd="sng" algn="ctr">
+                      <a:solidFill>
+                        <a:srgbClr val="000000"/>
+                      </a:solidFill>
+                      <a:prstDash val="solid"/>
+                      <a:round/>
+                      <a:headEnd type="none" w="med" len="med"/>
+                      <a:tailEnd type="none" w="med" len="med"/>
+                    </a:lnR>
+                    <a:lnT w="12700" cap="flat" cmpd="sng" algn="ctr">
+                      <a:solidFill>
+                        <a:srgbClr val="000000"/>
+                      </a:solidFill>
+                      <a:prstDash val="solid"/>
+                      <a:round/>
+                      <a:headEnd type="none" w="med" len="med"/>
+                      <a:tailEnd type="none" w="med" len="med"/>
+                    </a:lnT>
+                    <a:lnB w="12700" cap="flat" cmpd="sng" algn="ctr">
+                      <a:solidFill>
+                        <a:srgbClr val="000000"/>
+                      </a:solidFill>
+                      <a:prstDash val="solid"/>
+                      <a:round/>
+                      <a:headEnd type="none" w="med" len="med"/>
+                      <a:tailEnd type="none" w="med" len="med"/>
+                    </a:lnB>
+                    <a:lnTlToBr>
+                      <a:noFill/>
+                    </a:lnTlToBr>
+                    <a:lnBlToTr>
+                      <a:noFill/>
+                    </a:lnBlToTr>
+                    <a:noFill/>
+                  </a:tcPr>
+                </a:tc>
+              </a:tr>
+              <a:tr h="428625">
+                <a:tc>
+                  <a:txBody>
+                    <a:bodyPr/>
+                    <a:lstStyle/>
+                    <a:p>
+                      <a:pPr marL="0" marR="0" lvl="0" indent="0" algn="l" defTabSz="914400" rtl="0" eaLnBrk="1" fontAlgn="base" latinLnBrk="0" hangingPunct="1">
+                        <a:lnSpc>
+                          <a:spcPct val="100000"/>
+                        </a:lnSpc>
+                        <a:spcBef>
+                          <a:spcPct val="0"/>
+                        </a:spcBef>
+                        <a:spcAft>
+                          <a:spcPct val="0"/>
+                        </a:spcAft>
+                        <a:buClrTx/>
+                        <a:buSzTx/>
+                        <a:buFontTx/>
+                        <a:buNone/>
+                        <a:tabLst/>
+                      </a:pPr>
+                      <a:r>
+                        <a:rPr kumimoji="0" lang="es-PE" sz="1600" b="1" i="0" u="none" strike="noStrike" cap="none" normalizeH="0" baseline="0" smtClean="0">
+                          <a:ln>
+                            <a:noFill/>
+                          </a:ln>
+                          <a:solidFill>
+                            <a:schemeClr val="tx2"/>
+                          </a:solidFill>
+                          <a:effectLst/>
+                          <a:latin typeface="Calibri" pitchFamily="34" charset="0"/>
+                          <a:cs typeface="Times New Roman" pitchFamily="18" charset="0"/>
+                        </a:rPr>
+                        <a:t>INTERPRETACION</a:t>
+                      </a:r>
+                      <a:endParaRPr kumimoji="0" lang="es-PE" sz="1600" b="0" i="0" u="none" strike="noStrike" cap="none" normalizeH="0" baseline="0" smtClean="0">
+                        <a:ln>
+                          <a:noFill/>
+                        </a:ln>
+                        <a:solidFill>
+                          <a:schemeClr val="tx2"/>
+                        </a:solidFill>
+                        <a:effectLst/>
+                        <a:latin typeface="Arial" charset="0"/>
+                      </a:endParaRPr>
+                    </a:p>
+                  </a:txBody>
+                  <a:tcPr horzOverflow="overflow">
+                    <a:lnL w="12700" cap="flat" cmpd="sng" algn="ctr">
+                      <a:solidFill>
+                        <a:srgbClr val="000000"/>
+                      </a:solidFill>
+                      <a:prstDash val="solid"/>
+                      <a:round/>
+                      <a:headEnd type="none" w="med" len="med"/>
+                      <a:tailEnd type="none" w="med" len="med"/>
+                    </a:lnL>
+                    <a:lnR w="12700" cap="flat" cmpd="sng" algn="ctr">
+                      <a:solidFill>
+                        <a:srgbClr val="000000"/>
+                      </a:solidFill>
+                      <a:prstDash val="solid"/>
+                      <a:round/>
+                      <a:headEnd type="none" w="med" len="med"/>
+                      <a:tailEnd type="none" w="med" len="med"/>
+                    </a:lnR>
+                    <a:lnT w="12700" cap="flat" cmpd="sng" algn="ctr">
+                      <a:solidFill>
+                        <a:srgbClr val="000000"/>
+                      </a:solidFill>
+                      <a:prstDash val="solid"/>
+                      <a:round/>
+                      <a:headEnd type="none" w="med" len="med"/>
+                      <a:tailEnd type="none" w="med" len="med"/>
+                    </a:lnT>
+                    <a:lnB w="12700" cap="flat" cmpd="sng" algn="ctr">
+                      <a:solidFill>
+                        <a:srgbClr val="000000"/>
+                      </a:solidFill>
+                      <a:prstDash val="solid"/>
+                      <a:round/>
+                      <a:headEnd type="none" w="med" len="med"/>
+                      <a:tailEnd type="none" w="med" len="med"/>
+                    </a:lnB>
+                    <a:lnTlToBr>
+                      <a:noFill/>
+                    </a:lnTlToBr>
+                    <a:lnBlToTr>
+                      <a:noFill/>
+                    </a:lnBlToTr>
+                    <a:noFill/>
+                  </a:tcPr>
+                </a:tc>
+                <a:tc>
+                  <a:txBody>
+                    <a:bodyPr/>
+                    <a:lstStyle/>
+                    <a:p>
+                      <a:pPr marL="0" marR="0" lvl="0" indent="0" algn="l" defTabSz="914400" rtl="0" eaLnBrk="1" fontAlgn="base" latinLnBrk="0" hangingPunct="1">
+                        <a:lnSpc>
+                          <a:spcPct val="100000"/>
+                        </a:lnSpc>
+                        <a:spcBef>
+                          <a:spcPct val="0"/>
+                        </a:spcBef>
+                        <a:spcAft>
+                          <a:spcPct val="0"/>
+                        </a:spcAft>
+                        <a:buClrTx/>
+                        <a:buSzTx/>
+                        <a:buFontTx/>
+                        <a:buNone/>
+                        <a:tabLst/>
+                      </a:pPr>
+                      <a:r>
+                        <a:rPr kumimoji="0" lang="es-PE" sz="1600" b="0" i="0" u="none" strike="noStrike" cap="none" normalizeH="0" baseline="0" smtClean="0">
+                          <a:ln>
+                            <a:noFill/>
+                          </a:ln>
+                          <a:solidFill>
+                            <a:schemeClr val="tx2"/>
+                          </a:solidFill>
+                          <a:effectLst/>
+                          <a:latin typeface="Calibri" pitchFamily="34" charset="0"/>
+                          <a:cs typeface="Times New Roman" pitchFamily="18" charset="0"/>
+                        </a:rPr>
+                        <a:t>X &gt;= 0</a:t>
+                      </a:r>
+                      <a:endParaRPr kumimoji="0" lang="es-ES" sz="1600" b="0" i="0" u="none" strike="noStrike" cap="none" normalizeH="0" baseline="0" smtClean="0">
+                        <a:ln>
+                          <a:noFill/>
+                        </a:ln>
+                        <a:solidFill>
+                          <a:schemeClr val="tx2"/>
+                        </a:solidFill>
+                        <a:effectLst/>
+                        <a:latin typeface="Times New Roman" pitchFamily="18" charset="0"/>
+                        <a:cs typeface="Times New Roman" pitchFamily="18" charset="0"/>
+                      </a:endParaRPr>
+                    </a:p>
+                    <a:p>
+                      <a:pPr marL="0" marR="0" lvl="0" indent="0" algn="l" defTabSz="914400" rtl="0" eaLnBrk="0" fontAlgn="base" latinLnBrk="0" hangingPunct="0">
+                        <a:lnSpc>
+                          <a:spcPct val="100000"/>
+                        </a:lnSpc>
+                        <a:spcBef>
+                          <a:spcPct val="0"/>
+                        </a:spcBef>
+                        <a:spcAft>
+                          <a:spcPct val="0"/>
+                        </a:spcAft>
+                        <a:buClrTx/>
+                        <a:buSzTx/>
+                        <a:buFontTx/>
+                        <a:buNone/>
+                        <a:tabLst/>
+                      </a:pPr>
+                      <a:r>
+                        <a:rPr kumimoji="0" lang="es-PE" sz="1600" b="0" i="0" u="none" strike="noStrike" cap="none" normalizeH="0" baseline="0" smtClean="0">
+                          <a:ln>
+                            <a:noFill/>
+                          </a:ln>
+                          <a:solidFill>
+                            <a:schemeClr val="tx2"/>
+                          </a:solidFill>
+                          <a:effectLst/>
+                          <a:latin typeface="Calibri" pitchFamily="34" charset="0"/>
+                          <a:cs typeface="Times New Roman" pitchFamily="18" charset="0"/>
+                        </a:rPr>
+                        <a:t>Entre m</a:t>
+                      </a:r>
+                      <a:r>
+                        <a:rPr kumimoji="0" lang="es-PE" sz="1600" b="0" i="0" u="none" strike="noStrike" cap="none" normalizeH="0" baseline="0" smtClean="0">
+                          <a:ln>
+                            <a:noFill/>
+                          </a:ln>
+                          <a:solidFill>
+                            <a:schemeClr val="tx2"/>
+                          </a:solidFill>
+                          <a:effectLst/>
+                          <a:latin typeface="Arial"/>
+                          <a:cs typeface="Times New Roman" pitchFamily="18" charset="0"/>
+                        </a:rPr>
+                        <a:t>á</a:t>
+                      </a:r>
+                      <a:r>
+                        <a:rPr kumimoji="0" lang="es-PE" sz="1600" b="0" i="0" u="none" strike="noStrike" cap="none" normalizeH="0" baseline="0" smtClean="0">
+                          <a:ln>
+                            <a:noFill/>
+                          </a:ln>
+                          <a:solidFill>
+                            <a:schemeClr val="tx2"/>
+                          </a:solidFill>
+                          <a:effectLst/>
+                          <a:latin typeface="Calibri" pitchFamily="34" charset="0"/>
+                          <a:cs typeface="Times New Roman" pitchFamily="18" charset="0"/>
+                        </a:rPr>
+                        <a:t>s cercano a 1, mejor la eficiencia</a:t>
+                      </a:r>
+                      <a:endParaRPr kumimoji="0" lang="es-PE" sz="1600" b="0" i="0" u="none" strike="noStrike" cap="none" normalizeH="0" baseline="0" smtClean="0">
+                        <a:ln>
+                          <a:noFill/>
+                        </a:ln>
+                        <a:solidFill>
+                          <a:schemeClr val="tx2"/>
+                        </a:solidFill>
+                        <a:effectLst/>
+                        <a:latin typeface="Arial" charset="0"/>
+                      </a:endParaRPr>
+                    </a:p>
+                  </a:txBody>
+                  <a:tcPr horzOverflow="overflow">
+                    <a:lnL w="12700" cap="flat" cmpd="sng" algn="ctr">
+                      <a:solidFill>
+                        <a:srgbClr val="000000"/>
+                      </a:solidFill>
+                      <a:prstDash val="solid"/>
+                      <a:round/>
+                      <a:headEnd type="none" w="med" len="med"/>
+                      <a:tailEnd type="none" w="med" len="med"/>
+                    </a:lnL>
+                    <a:lnR w="12700" cap="flat" cmpd="sng" algn="ctr">
+                      <a:solidFill>
+                        <a:srgbClr val="000000"/>
+                      </a:solidFill>
+                      <a:prstDash val="solid"/>
+                      <a:round/>
+                      <a:headEnd type="none" w="med" len="med"/>
+                      <a:tailEnd type="none" w="med" len="med"/>
+                    </a:lnR>
+                    <a:lnT w="12700" cap="flat" cmpd="sng" algn="ctr">
+                      <a:solidFill>
+                        <a:srgbClr val="000000"/>
+                      </a:solidFill>
+                      <a:prstDash val="solid"/>
+                      <a:round/>
+                      <a:headEnd type="none" w="med" len="med"/>
+                      <a:tailEnd type="none" w="med" len="med"/>
+                    </a:lnT>
+                    <a:lnB w="12700" cap="flat" cmpd="sng" algn="ctr">
+                      <a:solidFill>
+                        <a:srgbClr val="000000"/>
+                      </a:solidFill>
+                      <a:prstDash val="solid"/>
+                      <a:round/>
+                      <a:headEnd type="none" w="med" len="med"/>
+                      <a:tailEnd type="none" w="med" len="med"/>
+                    </a:lnB>
+                    <a:lnTlToBr>
+                      <a:noFill/>
+                    </a:lnTlToBr>
+                    <a:lnBlToTr>
+                      <a:noFill/>
+                    </a:lnBlToTr>
+                    <a:noFill/>
+                  </a:tcPr>
+                </a:tc>
+              </a:tr>
+              <a:tr h="260350">
+                <a:tc>
+                  <a:txBody>
+                    <a:bodyPr/>
+                    <a:lstStyle/>
+                    <a:p>
+                      <a:pPr marL="0" marR="0" lvl="0" indent="0" algn="l" defTabSz="914400" rtl="0" eaLnBrk="1" fontAlgn="base" latinLnBrk="0" hangingPunct="1">
+                        <a:lnSpc>
+                          <a:spcPct val="100000"/>
+                        </a:lnSpc>
+                        <a:spcBef>
+                          <a:spcPct val="0"/>
+                        </a:spcBef>
+                        <a:spcAft>
+                          <a:spcPct val="0"/>
+                        </a:spcAft>
+                        <a:buClrTx/>
+                        <a:buSzTx/>
+                        <a:buFontTx/>
+                        <a:buNone/>
+                        <a:tabLst/>
+                      </a:pPr>
+                      <a:r>
+                        <a:rPr kumimoji="0" lang="es-PE" sz="1600" b="1" i="0" u="none" strike="noStrike" cap="none" normalizeH="0" baseline="0" smtClean="0">
+                          <a:ln>
+                            <a:noFill/>
+                          </a:ln>
+                          <a:solidFill>
+                            <a:schemeClr val="tx2"/>
+                          </a:solidFill>
+                          <a:effectLst/>
+                          <a:latin typeface="Calibri" pitchFamily="34" charset="0"/>
+                          <a:cs typeface="Times New Roman" pitchFamily="18" charset="0"/>
+                        </a:rPr>
+                        <a:t>TIPO DE ESCALA</a:t>
+                      </a:r>
+                      <a:endParaRPr kumimoji="0" lang="es-PE" sz="1600" b="0" i="0" u="none" strike="noStrike" cap="none" normalizeH="0" baseline="0" smtClean="0">
+                        <a:ln>
+                          <a:noFill/>
+                        </a:ln>
+                        <a:solidFill>
+                          <a:schemeClr val="tx2"/>
+                        </a:solidFill>
+                        <a:effectLst/>
+                        <a:latin typeface="Arial" charset="0"/>
+                      </a:endParaRPr>
+                    </a:p>
+                  </a:txBody>
+                  <a:tcPr horzOverflow="overflow">
+                    <a:lnL w="12700" cap="flat" cmpd="sng" algn="ctr">
+                      <a:solidFill>
+                        <a:srgbClr val="000000"/>
+                      </a:solidFill>
+                      <a:prstDash val="solid"/>
+                      <a:round/>
+                      <a:headEnd type="none" w="med" len="med"/>
+                      <a:tailEnd type="none" w="med" len="med"/>
+                    </a:lnL>
+                    <a:lnR w="12700" cap="flat" cmpd="sng" algn="ctr">
+                      <a:solidFill>
+                        <a:srgbClr val="000000"/>
+                      </a:solidFill>
+                      <a:prstDash val="solid"/>
+                      <a:round/>
+                      <a:headEnd type="none" w="med" len="med"/>
+                      <a:tailEnd type="none" w="med" len="med"/>
+                    </a:lnR>
+                    <a:lnT w="12700" cap="flat" cmpd="sng" algn="ctr">
+                      <a:solidFill>
+                        <a:srgbClr val="000000"/>
+                      </a:solidFill>
+                      <a:prstDash val="solid"/>
+                      <a:round/>
+                      <a:headEnd type="none" w="med" len="med"/>
+                      <a:tailEnd type="none" w="med" len="med"/>
+                    </a:lnT>
+                    <a:lnB w="12700" cap="flat" cmpd="sng" algn="ctr">
+                      <a:solidFill>
+                        <a:srgbClr val="000000"/>
+                      </a:solidFill>
+                      <a:prstDash val="solid"/>
+                      <a:round/>
+                      <a:headEnd type="none" w="med" len="med"/>
+                      <a:tailEnd type="none" w="med" len="med"/>
+                    </a:lnB>
+                    <a:lnTlToBr>
+                      <a:noFill/>
+                    </a:lnTlToBr>
+                    <a:lnBlToTr>
+                      <a:noFill/>
+                    </a:lnBlToTr>
+                    <a:noFill/>
+                  </a:tcPr>
+                </a:tc>
+                <a:tc>
+                  <a:txBody>
+                    <a:bodyPr/>
+                    <a:lstStyle/>
+                    <a:p>
+                      <a:pPr marL="0" marR="0" lvl="0" indent="0" algn="l" defTabSz="914400" rtl="0" eaLnBrk="1" fontAlgn="base" latinLnBrk="0" hangingPunct="1">
+                        <a:lnSpc>
+                          <a:spcPct val="100000"/>
+                        </a:lnSpc>
+                        <a:spcBef>
+                          <a:spcPct val="0"/>
+                        </a:spcBef>
+                        <a:spcAft>
+                          <a:spcPct val="0"/>
+                        </a:spcAft>
+                        <a:buClrTx/>
+                        <a:buSzTx/>
+                        <a:buFontTx/>
+                        <a:buNone/>
+                        <a:tabLst/>
+                      </a:pPr>
+                      <a:r>
+                        <a:rPr kumimoji="0" lang="es-PE" sz="1600" b="0" i="0" u="none" strike="noStrike" cap="none" normalizeH="0" baseline="0" smtClean="0">
+                          <a:ln>
+                            <a:noFill/>
+                          </a:ln>
+                          <a:solidFill>
+                            <a:schemeClr val="tx2"/>
+                          </a:solidFill>
+                          <a:effectLst/>
+                          <a:latin typeface="Calibri" pitchFamily="34" charset="0"/>
+                          <a:cs typeface="Times New Roman" pitchFamily="18" charset="0"/>
+                        </a:rPr>
+                        <a:t>Proporci</a:t>
+                      </a:r>
+                      <a:r>
+                        <a:rPr kumimoji="0" lang="es-PE" sz="1600" b="0" i="0" u="none" strike="noStrike" cap="none" normalizeH="0" baseline="0" smtClean="0">
+                          <a:ln>
+                            <a:noFill/>
+                          </a:ln>
+                          <a:solidFill>
+                            <a:schemeClr val="tx2"/>
+                          </a:solidFill>
+                          <a:effectLst/>
+                          <a:latin typeface="Arial"/>
+                          <a:cs typeface="Times New Roman" pitchFamily="18" charset="0"/>
+                        </a:rPr>
+                        <a:t>ó</a:t>
+                      </a:r>
+                      <a:r>
+                        <a:rPr kumimoji="0" lang="es-PE" sz="1600" b="0" i="0" u="none" strike="noStrike" cap="none" normalizeH="0" baseline="0" smtClean="0">
+                          <a:ln>
+                            <a:noFill/>
+                          </a:ln>
+                          <a:solidFill>
+                            <a:schemeClr val="tx2"/>
+                          </a:solidFill>
+                          <a:effectLst/>
+                          <a:latin typeface="Calibri" pitchFamily="34" charset="0"/>
+                          <a:cs typeface="Times New Roman" pitchFamily="18" charset="0"/>
+                        </a:rPr>
+                        <a:t>n</a:t>
+                      </a:r>
+                      <a:endParaRPr kumimoji="0" lang="es-PE" sz="1600" b="0" i="0" u="none" strike="noStrike" cap="none" normalizeH="0" baseline="0" smtClean="0">
+                        <a:ln>
+                          <a:noFill/>
+                        </a:ln>
+                        <a:solidFill>
+                          <a:schemeClr val="tx2"/>
+                        </a:solidFill>
+                        <a:effectLst/>
+                        <a:latin typeface="Arial" charset="0"/>
+                      </a:endParaRPr>
+                    </a:p>
+                  </a:txBody>
+                  <a:tcPr horzOverflow="overflow">
+                    <a:lnL w="12700" cap="flat" cmpd="sng" algn="ctr">
+                      <a:solidFill>
+                        <a:srgbClr val="000000"/>
+                      </a:solidFill>
+                      <a:prstDash val="solid"/>
+                      <a:round/>
+                      <a:headEnd type="none" w="med" len="med"/>
+                      <a:tailEnd type="none" w="med" len="med"/>
+                    </a:lnL>
+                    <a:lnR w="12700" cap="flat" cmpd="sng" algn="ctr">
+                      <a:solidFill>
+                        <a:srgbClr val="000000"/>
+                      </a:solidFill>
+                      <a:prstDash val="solid"/>
+                      <a:round/>
+                      <a:headEnd type="none" w="med" len="med"/>
+                      <a:tailEnd type="none" w="med" len="med"/>
+                    </a:lnR>
+                    <a:lnT w="12700" cap="flat" cmpd="sng" algn="ctr">
+                      <a:solidFill>
+                        <a:srgbClr val="000000"/>
+                      </a:solidFill>
+                      <a:prstDash val="solid"/>
+                      <a:round/>
+                      <a:headEnd type="none" w="med" len="med"/>
+                      <a:tailEnd type="none" w="med" len="med"/>
+                    </a:lnT>
+                    <a:lnB w="12700" cap="flat" cmpd="sng" algn="ctr">
+                      <a:solidFill>
+                        <a:srgbClr val="000000"/>
+                      </a:solidFill>
+                      <a:prstDash val="solid"/>
+                      <a:round/>
+                      <a:headEnd type="none" w="med" len="med"/>
+                      <a:tailEnd type="none" w="med" len="med"/>
+                    </a:lnB>
+                    <a:lnTlToBr>
+                      <a:noFill/>
+                    </a:lnTlToBr>
+                    <a:lnBlToTr>
+                      <a:noFill/>
+                    </a:lnBlToTr>
+                    <a:noFill/>
+                  </a:tcPr>
+                </a:tc>
+              </a:tr>
+              <a:tr h="260350">
+                <a:tc>
+                  <a:txBody>
+                    <a:bodyPr/>
+                    <a:lstStyle/>
+                    <a:p>
+                      <a:pPr marL="0" marR="0" lvl="0" indent="0" algn="l" defTabSz="914400" rtl="0" eaLnBrk="1" fontAlgn="base" latinLnBrk="0" hangingPunct="1">
+                        <a:lnSpc>
+                          <a:spcPct val="100000"/>
+                        </a:lnSpc>
+                        <a:spcBef>
+                          <a:spcPct val="0"/>
+                        </a:spcBef>
+                        <a:spcAft>
+                          <a:spcPct val="0"/>
+                        </a:spcAft>
+                        <a:buClrTx/>
+                        <a:buSzTx/>
+                        <a:buFontTx/>
+                        <a:buNone/>
+                        <a:tabLst/>
+                      </a:pPr>
+                      <a:r>
+                        <a:rPr kumimoji="0" lang="es-PE" sz="1600" b="1" i="0" u="none" strike="noStrike" cap="none" normalizeH="0" baseline="0" smtClean="0">
+                          <a:ln>
+                            <a:noFill/>
+                          </a:ln>
+                          <a:solidFill>
+                            <a:schemeClr val="tx2"/>
+                          </a:solidFill>
+                          <a:effectLst/>
+                          <a:latin typeface="Calibri" pitchFamily="34" charset="0"/>
+                          <a:cs typeface="Times New Roman" pitchFamily="18" charset="0"/>
+                        </a:rPr>
+                        <a:t>TIPO DE MEDIDA</a:t>
+                      </a:r>
+                      <a:endParaRPr kumimoji="0" lang="es-PE" sz="1600" b="0" i="0" u="none" strike="noStrike" cap="none" normalizeH="0" baseline="0" smtClean="0">
+                        <a:ln>
+                          <a:noFill/>
+                        </a:ln>
+                        <a:solidFill>
+                          <a:schemeClr val="tx2"/>
+                        </a:solidFill>
+                        <a:effectLst/>
+                        <a:latin typeface="Arial" charset="0"/>
+                      </a:endParaRPr>
+                    </a:p>
+                  </a:txBody>
+                  <a:tcPr horzOverflow="overflow">
+                    <a:lnL w="12700" cap="flat" cmpd="sng" algn="ctr">
+                      <a:solidFill>
+                        <a:srgbClr val="000000"/>
+                      </a:solidFill>
+                      <a:prstDash val="solid"/>
+                      <a:round/>
+                      <a:headEnd type="none" w="med" len="med"/>
+                      <a:tailEnd type="none" w="med" len="med"/>
+                    </a:lnL>
+                    <a:lnR w="12700" cap="flat" cmpd="sng" algn="ctr">
+                      <a:solidFill>
+                        <a:srgbClr val="000000"/>
+                      </a:solidFill>
+                      <a:prstDash val="solid"/>
+                      <a:round/>
+                      <a:headEnd type="none" w="med" len="med"/>
+                      <a:tailEnd type="none" w="med" len="med"/>
+                    </a:lnR>
+                    <a:lnT w="12700" cap="flat" cmpd="sng" algn="ctr">
+                      <a:solidFill>
+                        <a:srgbClr val="000000"/>
+                      </a:solidFill>
+                      <a:prstDash val="solid"/>
+                      <a:round/>
+                      <a:headEnd type="none" w="med" len="med"/>
+                      <a:tailEnd type="none" w="med" len="med"/>
+                    </a:lnT>
+                    <a:lnB w="12700" cap="flat" cmpd="sng" algn="ctr">
+                      <a:solidFill>
+                        <a:srgbClr val="000000"/>
+                      </a:solidFill>
+                      <a:prstDash val="solid"/>
+                      <a:round/>
+                      <a:headEnd type="none" w="med" len="med"/>
+                      <a:tailEnd type="none" w="med" len="med"/>
+                    </a:lnB>
+                    <a:lnTlToBr>
+                      <a:noFill/>
+                    </a:lnTlToBr>
+                    <a:lnBlToTr>
+                      <a:noFill/>
+                    </a:lnBlToTr>
+                    <a:noFill/>
+                  </a:tcPr>
+                </a:tc>
+                <a:tc>
+                  <a:txBody>
+                    <a:bodyPr/>
+                    <a:lstStyle/>
+                    <a:p>
+                      <a:pPr marL="0" marR="0" lvl="0" indent="0" algn="l" defTabSz="914400" rtl="0" eaLnBrk="1" fontAlgn="base" latinLnBrk="0" hangingPunct="1">
+                        <a:lnSpc>
+                          <a:spcPct val="100000"/>
+                        </a:lnSpc>
+                        <a:spcBef>
+                          <a:spcPct val="0"/>
+                        </a:spcBef>
+                        <a:spcAft>
+                          <a:spcPct val="0"/>
+                        </a:spcAft>
+                        <a:buClrTx/>
+                        <a:buSzTx/>
+                        <a:buFontTx/>
+                        <a:buNone/>
+                        <a:tabLst/>
+                      </a:pPr>
+                      <a:r>
+                        <a:rPr kumimoji="0" lang="es-PE" sz="1600" b="0" i="0" u="none" strike="noStrike" cap="none" normalizeH="0" baseline="0" smtClean="0">
+                          <a:ln>
+                            <a:noFill/>
+                          </a:ln>
+                          <a:solidFill>
+                            <a:schemeClr val="tx2"/>
+                          </a:solidFill>
+                          <a:effectLst/>
+                          <a:latin typeface="Calibri" pitchFamily="34" charset="0"/>
+                          <a:cs typeface="Times New Roman" pitchFamily="18" charset="0"/>
+                        </a:rPr>
+                        <a:t>X = porcentaje/porcentaje</a:t>
+                      </a:r>
+                      <a:endParaRPr kumimoji="0" lang="es-PE" sz="1600" b="0" i="0" u="none" strike="noStrike" cap="none" normalizeH="0" baseline="0" smtClean="0">
+                        <a:ln>
+                          <a:noFill/>
+                        </a:ln>
+                        <a:solidFill>
+                          <a:schemeClr val="tx2"/>
+                        </a:solidFill>
+                        <a:effectLst/>
+                        <a:latin typeface="Arial" charset="0"/>
+                      </a:endParaRPr>
+                    </a:p>
+                  </a:txBody>
+                  <a:tcPr horzOverflow="overflow">
+                    <a:lnL w="12700" cap="flat" cmpd="sng" algn="ctr">
+                      <a:solidFill>
+                        <a:srgbClr val="000000"/>
+                      </a:solidFill>
+                      <a:prstDash val="solid"/>
+                      <a:round/>
+                      <a:headEnd type="none" w="med" len="med"/>
+                      <a:tailEnd type="none" w="med" len="med"/>
+                    </a:lnL>
+                    <a:lnR w="12700" cap="flat" cmpd="sng" algn="ctr">
+                      <a:solidFill>
+                        <a:srgbClr val="000000"/>
+                      </a:solidFill>
+                      <a:prstDash val="solid"/>
+                      <a:round/>
+                      <a:headEnd type="none" w="med" len="med"/>
+                      <a:tailEnd type="none" w="med" len="med"/>
+                    </a:lnR>
+                    <a:lnT w="12700" cap="flat" cmpd="sng" algn="ctr">
+                      <a:solidFill>
+                        <a:srgbClr val="000000"/>
+                      </a:solidFill>
+                      <a:prstDash val="solid"/>
+                      <a:round/>
+                      <a:headEnd type="none" w="med" len="med"/>
+                      <a:tailEnd type="none" w="med" len="med"/>
+                    </a:lnT>
+                    <a:lnB w="12700" cap="flat" cmpd="sng" algn="ctr">
+                      <a:solidFill>
+                        <a:srgbClr val="000000"/>
+                      </a:solidFill>
+                      <a:prstDash val="solid"/>
+                      <a:round/>
+                      <a:headEnd type="none" w="med" len="med"/>
+                      <a:tailEnd type="none" w="med" len="med"/>
+                    </a:lnB>
+                    <a:lnTlToBr>
+                      <a:noFill/>
+                    </a:lnTlToBr>
+                    <a:lnBlToTr>
+                      <a:noFill/>
+                    </a:lnBlToTr>
+                    <a:noFill/>
+                  </a:tcPr>
+                </a:tc>
+              </a:tr>
+              <a:tr h="260350">
+                <a:tc>
+                  <a:txBody>
+                    <a:bodyPr/>
+                    <a:lstStyle/>
+                    <a:p>
+                      <a:pPr marL="0" marR="0" lvl="0" indent="0" algn="l" defTabSz="914400" rtl="0" eaLnBrk="1" fontAlgn="base" latinLnBrk="0" hangingPunct="1">
+                        <a:lnSpc>
+                          <a:spcPct val="100000"/>
+                        </a:lnSpc>
+                        <a:spcBef>
+                          <a:spcPct val="0"/>
+                        </a:spcBef>
+                        <a:spcAft>
+                          <a:spcPct val="0"/>
+                        </a:spcAft>
+                        <a:buClrTx/>
+                        <a:buSzTx/>
+                        <a:buFontTx/>
+                        <a:buNone/>
+                        <a:tabLst/>
+                      </a:pPr>
+                      <a:r>
+                        <a:rPr kumimoji="0" lang="es-PE" sz="1600" b="1" i="0" u="none" strike="noStrike" cap="none" normalizeH="0" baseline="0" smtClean="0">
+                          <a:ln>
+                            <a:noFill/>
+                          </a:ln>
+                          <a:solidFill>
+                            <a:schemeClr val="tx2"/>
+                          </a:solidFill>
+                          <a:effectLst/>
+                          <a:latin typeface="Calibri" pitchFamily="34" charset="0"/>
+                          <a:cs typeface="Times New Roman" pitchFamily="18" charset="0"/>
+                        </a:rPr>
+                        <a:t>NOTA</a:t>
+                      </a:r>
+                      <a:endParaRPr kumimoji="0" lang="es-PE" sz="1600" b="0" i="0" u="none" strike="noStrike" cap="none" normalizeH="0" baseline="0" smtClean="0">
+                        <a:ln>
+                          <a:noFill/>
+                        </a:ln>
+                        <a:solidFill>
+                          <a:schemeClr val="tx2"/>
+                        </a:solidFill>
+                        <a:effectLst/>
+                        <a:latin typeface="Arial" charset="0"/>
+                      </a:endParaRPr>
+                    </a:p>
+                  </a:txBody>
+                  <a:tcPr horzOverflow="overflow">
+                    <a:lnL w="12700" cap="flat" cmpd="sng" algn="ctr">
+                      <a:solidFill>
+                        <a:srgbClr val="000000"/>
+                      </a:solidFill>
+                      <a:prstDash val="solid"/>
+                      <a:round/>
+                      <a:headEnd type="none" w="med" len="med"/>
+                      <a:tailEnd type="none" w="med" len="med"/>
+                    </a:lnL>
+                    <a:lnR w="12700" cap="flat" cmpd="sng" algn="ctr">
+                      <a:solidFill>
+                        <a:srgbClr val="000000"/>
+                      </a:solidFill>
+                      <a:prstDash val="solid"/>
+                      <a:round/>
+                      <a:headEnd type="none" w="med" len="med"/>
+                      <a:tailEnd type="none" w="med" len="med"/>
+                    </a:lnR>
+                    <a:lnT w="12700" cap="flat" cmpd="sng" algn="ctr">
+                      <a:solidFill>
+                        <a:srgbClr val="000000"/>
+                      </a:solidFill>
+                      <a:prstDash val="solid"/>
+                      <a:round/>
+                      <a:headEnd type="none" w="med" len="med"/>
+                      <a:tailEnd type="none" w="med" len="med"/>
+                    </a:lnT>
+                    <a:lnB w="12700" cap="flat" cmpd="sng" algn="ctr">
+                      <a:solidFill>
+                        <a:srgbClr val="000000"/>
+                      </a:solidFill>
+                      <a:prstDash val="solid"/>
+                      <a:round/>
+                      <a:headEnd type="none" w="med" len="med"/>
+                      <a:tailEnd type="none" w="med" len="med"/>
+                    </a:lnB>
+                    <a:lnTlToBr>
+                      <a:noFill/>
+                    </a:lnTlToBr>
+                    <a:lnBlToTr>
+                      <a:noFill/>
+                    </a:lnBlToTr>
+                    <a:noFill/>
+                  </a:tcPr>
+                </a:tc>
+                <a:tc>
+                  <a:txBody>
+                    <a:bodyPr/>
+                    <a:lstStyle/>
+                    <a:p>
+                      <a:pPr marL="0" marR="0" lvl="0" indent="0" algn="l" defTabSz="914400" rtl="0" eaLnBrk="0" fontAlgn="base" latinLnBrk="0" hangingPunct="0">
+                        <a:lnSpc>
+                          <a:spcPct val="100000"/>
+                        </a:lnSpc>
+                        <a:spcBef>
+                          <a:spcPct val="20000"/>
+                        </a:spcBef>
+                        <a:spcAft>
+                          <a:spcPct val="0"/>
+                        </a:spcAft>
+                        <a:buClr>
+                          <a:schemeClr val="accent1"/>
+                        </a:buClr>
+                        <a:buSzPct val="100000"/>
+                        <a:buFont typeface="Symbol" pitchFamily="18" charset="2"/>
+                        <a:buNone/>
+                        <a:tabLst/>
+                      </a:pPr>
+                      <a:endParaRPr kumimoji="0" lang="es-ES" sz="1600" b="0" i="0" u="none" strike="noStrike" cap="none" normalizeH="0" baseline="0" smtClean="0">
+                        <a:ln>
+                          <a:noFill/>
+                        </a:ln>
+                        <a:solidFill>
+                          <a:schemeClr val="tx2"/>
+                        </a:solidFill>
+                        <a:effectLst/>
+                        <a:latin typeface="Arial" charset="0"/>
+                      </a:endParaRPr>
+                    </a:p>
+                  </a:txBody>
+                  <a:tcPr horzOverflow="overflow">
+                    <a:lnL w="12700" cap="flat" cmpd="sng" algn="ctr">
+                      <a:solidFill>
+                        <a:srgbClr val="000000"/>
+                      </a:solidFill>
+                      <a:prstDash val="solid"/>
+                      <a:round/>
+                      <a:headEnd type="none" w="med" len="med"/>
+                      <a:tailEnd type="none" w="med" len="med"/>
+                    </a:lnL>
+                    <a:lnR w="12700" cap="flat" cmpd="sng" algn="ctr">
+                      <a:solidFill>
+                        <a:srgbClr val="000000"/>
+                      </a:solidFill>
+                      <a:prstDash val="solid"/>
+                      <a:round/>
+                      <a:headEnd type="none" w="med" len="med"/>
+                      <a:tailEnd type="none" w="med" len="med"/>
+                    </a:lnR>
+                    <a:lnT w="12700" cap="flat" cmpd="sng" algn="ctr">
+                      <a:solidFill>
+                        <a:srgbClr val="000000"/>
+                      </a:solidFill>
+                      <a:prstDash val="solid"/>
+                      <a:round/>
+                      <a:headEnd type="none" w="med" len="med"/>
+                      <a:tailEnd type="none" w="med" len="med"/>
+                    </a:lnT>
+                    <a:lnB w="12700" cap="flat" cmpd="sng" algn="ctr">
+                      <a:solidFill>
+                        <a:srgbClr val="000000"/>
+                      </a:solidFill>
+                      <a:prstDash val="solid"/>
+                      <a:round/>
+                      <a:headEnd type="none" w="med" len="med"/>
+                      <a:tailEnd type="none" w="med" len="med"/>
+                    </a:lnB>
+                    <a:lnTlToBr>
+                      <a:noFill/>
+                    </a:lnTlToBr>
+                    <a:lnBlToTr>
+                      <a:noFill/>
+                    </a:lnBlToTr>
+                    <a:noFill/>
+                  </a:tcPr>
+                </a:tc>
+              </a:tr>
+            </a:tbl>
+          </a:graphicData>
+        </a:graphic>
+      </p:graphicFrame>
     </p:spTree>
   </p:cSld>
   <p:clrMapOvr>
@@ -16847,7 +20663,7 @@
       </p:grpSpPr>
       <p:sp>
         <p:nvSpPr>
-          <p:cNvPr id="18433" name="1 Título"/>
+          <p:cNvPr id="24577" name="1 Título"/>
           <p:cNvSpPr>
             <a:spLocks noGrp="1"/>
           </p:cNvSpPr>
@@ -16880,7 +20696,7 @@
       </p:sp>
       <p:sp>
         <p:nvSpPr>
-          <p:cNvPr id="18434" name="3 CuadroTexto"/>
+          <p:cNvPr id="24578" name="3 CuadroTexto"/>
           <p:cNvSpPr txBox="1">
             <a:spLocks noChangeArrowheads="1"/>
           </p:cNvSpPr>
@@ -16974,7 +20790,7 @@
       </p:sp>
       <p:sp>
         <p:nvSpPr>
-          <p:cNvPr id="18435" name="4 CuadroTexto"/>
+          <p:cNvPr id="24579" name="4 CuadroTexto"/>
           <p:cNvSpPr txBox="1">
             <a:spLocks noChangeArrowheads="1"/>
           </p:cNvSpPr>
@@ -17439,7 +21255,7 @@
       </p:sp>
       <p:pic>
         <p:nvPicPr>
-          <p:cNvPr id="14340" name="Picture 4" descr="17"/>
+          <p:cNvPr id="14338" name="Picture 4" descr="17"/>
           <p:cNvPicPr>
             <a:picLocks noChangeAspect="1" noChangeArrowheads="1"/>
           </p:cNvPicPr>
@@ -17461,6 +21277,12 @@
             <a:avLst/>
           </a:prstGeom>
           <a:noFill/>
+          <a:ln w="9525">
+            <a:noFill/>
+            <a:miter lim="800000"/>
+            <a:headEnd/>
+            <a:tailEnd/>
+          </a:ln>
         </p:spPr>
       </p:pic>
     </p:spTree>
@@ -17497,7 +21319,7 @@
       </p:grpSpPr>
       <p:sp>
         <p:nvSpPr>
-          <p:cNvPr id="30722" name="2 Título"/>
+          <p:cNvPr id="15361" name="2 Título"/>
           <p:cNvSpPr>
             <a:spLocks noGrp="1"/>
           </p:cNvSpPr>
@@ -17523,14 +21345,23 @@
                 </a:solidFill>
                 <a:latin typeface="Candara" pitchFamily="34" charset="0"/>
               </a:rPr>
-              <a:t>ATRIBUTO FIABILIDAD</a:t>
+              <a:t>ATRIBUTO </a:t>
+            </a:r>
+            <a:r>
+              <a:rPr lang="es-PE" sz="4000" b="1" u="sng" smtClean="0">
+                <a:solidFill>
+                  <a:srgbClr val="8C2902"/>
+                </a:solidFill>
+                <a:latin typeface="Candara" pitchFamily="34" charset="0"/>
+              </a:rPr>
+              <a:t>FIABILIDAD</a:t>
             </a:r>
           </a:p>
         </p:txBody>
       </p:sp>
       <p:pic>
         <p:nvPicPr>
-          <p:cNvPr id="30725" name="Picture 5" descr="modeloCalidad"/>
+          <p:cNvPr id="15362" name="Picture 5" descr="modeloCalidad"/>
           <p:cNvPicPr>
             <a:picLocks noChangeAspect="1" noChangeArrowheads="1"/>
           </p:cNvPicPr>
@@ -17563,11 +21394,17 @@
             <a:avLst/>
           </a:prstGeom>
           <a:noFill/>
+          <a:ln w="9525">
+            <a:noFill/>
+            <a:miter lim="800000"/>
+            <a:headEnd/>
+            <a:tailEnd/>
+          </a:ln>
         </p:spPr>
       </p:pic>
       <p:sp>
         <p:nvSpPr>
-          <p:cNvPr id="30726" name="Rectangle 6"/>
+          <p:cNvPr id="15363" name="Rectangle 6"/>
           <p:cNvSpPr>
             <a:spLocks noChangeArrowheads="1"/>
           </p:cNvSpPr>
@@ -17590,7 +21427,6 @@
             <a:headEnd/>
             <a:tailEnd/>
           </a:ln>
-          <a:effectLst/>
         </p:spPr>
         <p:txBody>
           <a:bodyPr wrap="none" anchor="ctr"/>
@@ -17634,7 +21470,7 @@
       </p:grpSpPr>
       <p:sp>
         <p:nvSpPr>
-          <p:cNvPr id="26626" name="2 Título"/>
+          <p:cNvPr id="16385" name="2 Título"/>
           <p:cNvSpPr>
             <a:spLocks noGrp="1"/>
           </p:cNvSpPr>
@@ -17667,7 +21503,7 @@
       </p:sp>
       <p:sp>
         <p:nvSpPr>
-          <p:cNvPr id="26655" name="Text Box 31"/>
+          <p:cNvPr id="16386" name="Text Box 31"/>
           <p:cNvSpPr txBox="1">
             <a:spLocks noChangeArrowheads="1"/>
           </p:cNvSpPr>
@@ -17688,7 +21524,6 @@
             <a:headEnd/>
             <a:tailEnd/>
           </a:ln>
-          <a:effectLst/>
         </p:spPr>
         <p:txBody>
           <a:bodyPr>
@@ -17727,7 +21562,7 @@
         </p:nvGraphicFramePr>
         <p:xfrm>
           <a:off x="755650" y="1557338"/>
-          <a:ext cx="7848600" cy="5214937"/>
+          <a:ext cx="7848600" cy="5211762"/>
         </p:xfrm>
         <a:graphic>
           <a:graphicData uri="http://schemas.openxmlformats.org/drawingml/2006/table">
@@ -19991,7 +23826,7 @@
       </p:grpSpPr>
       <p:sp>
         <p:nvSpPr>
-          <p:cNvPr id="33794" name="2 Título"/>
+          <p:cNvPr id="17409" name="2 Título"/>
           <p:cNvSpPr>
             <a:spLocks noGrp="1"/>
           </p:cNvSpPr>
@@ -20032,7 +23867,7 @@
         </p:nvGraphicFramePr>
         <p:xfrm>
           <a:off x="1331913" y="1916113"/>
-          <a:ext cx="6911975" cy="4391025"/>
+          <a:ext cx="6911975" cy="4389437"/>
         </p:xfrm>
         <a:graphic>
           <a:graphicData uri="http://schemas.openxmlformats.org/drawingml/2006/table">
@@ -21852,7 +25687,7 @@
       </p:graphicFrame>
       <p:sp>
         <p:nvSpPr>
-          <p:cNvPr id="33823" name="Text Box 31"/>
+          <p:cNvPr id="17438" name="Text Box 31"/>
           <p:cNvSpPr txBox="1">
             <a:spLocks noChangeArrowheads="1"/>
           </p:cNvSpPr>
@@ -21873,7 +25708,6 @@
             <a:headEnd/>
             <a:tailEnd/>
           </a:ln>
-          <a:effectLst/>
         </p:spPr>
         <p:txBody>
           <a:bodyPr>

--- a/ITERACION 5/SUB ITERACION 4/PPT TP3 PRES04.pptx
+++ b/ITERACION 5/SUB ITERACION 4/PPT TP3 PRES04.pptx
@@ -257,7 +257,7 @@
             <a:pPr>
               <a:defRPr/>
             </a:pPr>
-            <a:fld id="{760E6473-C4DD-442B-9E7A-2A4AFC5030D6}" type="datetimeFigureOut">
+            <a:fld id="{80DAD43E-3370-47EB-9180-0CE22ACC1B81}" type="datetimeFigureOut">
               <a:rPr lang="es-PE"/>
               <a:pPr>
                 <a:defRPr/>
@@ -444,7 +444,7 @@
             <a:pPr>
               <a:defRPr/>
             </a:pPr>
-            <a:fld id="{85C81719-2C5E-4CB6-BD6A-39A5F0D414AE}" type="slidenum">
+            <a:fld id="{DE8682D2-DDD1-47F6-977A-FF1C51F6BE46}" type="slidenum">
               <a:rPr lang="es-PE"/>
               <a:pPr>
                 <a:defRPr/>
@@ -2443,7 +2443,7 @@
             <a:pPr>
               <a:defRPr/>
             </a:pPr>
-            <a:fld id="{805B5DBC-CAC1-48CF-812B-2BB090B99741}" type="datetimeFigureOut">
+            <a:fld id="{CAAA5194-4FCA-44DB-9F24-2967A8AB7080}" type="datetimeFigureOut">
               <a:rPr lang="es-PE"/>
               <a:pPr>
                 <a:defRPr/>
@@ -2502,7 +2502,7 @@
             <a:pPr>
               <a:defRPr/>
             </a:pPr>
-            <a:fld id="{1328FE66-0A7A-444E-A3BC-08B18B841803}" type="slidenum">
+            <a:fld id="{ECE5CA5A-CB37-4B12-A58F-3E3286D24BC7}" type="slidenum">
               <a:rPr lang="es-PE"/>
               <a:pPr>
                 <a:defRPr/>
@@ -4360,7 +4360,7 @@
             <a:pPr>
               <a:defRPr/>
             </a:pPr>
-            <a:fld id="{3E5B1678-509C-41FA-9E2B-F30EB6FE633D}" type="datetimeFigureOut">
+            <a:fld id="{440A0264-AD40-4749-98B6-EE2670C57B8F}" type="datetimeFigureOut">
               <a:rPr lang="es-PE"/>
               <a:pPr>
                 <a:defRPr/>
@@ -4419,7 +4419,7 @@
             <a:pPr>
               <a:defRPr/>
             </a:pPr>
-            <a:fld id="{27A596E1-A8FC-40D0-B130-B7AE72709377}" type="slidenum">
+            <a:fld id="{6A0B4EA6-29A2-439D-9F79-7885354C9ABB}" type="slidenum">
               <a:rPr lang="es-PE"/>
               <a:pPr>
                 <a:defRPr/>
@@ -6141,7 +6141,7 @@
             <a:pPr>
               <a:defRPr/>
             </a:pPr>
-            <a:fld id="{29666C15-B36C-4557-BA0A-0EB7423FEC17}" type="datetimeFigureOut">
+            <a:fld id="{842E16AA-5125-4851-B6E8-7C5C25F74460}" type="datetimeFigureOut">
               <a:rPr lang="es-PE"/>
               <a:pPr>
                 <a:defRPr/>
@@ -6200,7 +6200,7 @@
             <a:pPr>
               <a:defRPr/>
             </a:pPr>
-            <a:fld id="{4E0D35D6-BA05-49C5-8594-BBFD844E167C}" type="slidenum">
+            <a:fld id="{7213F06A-D976-4B5C-ADBD-67E1874294D3}" type="slidenum">
               <a:rPr lang="es-PE"/>
               <a:pPr>
                 <a:defRPr/>
@@ -8157,7 +8157,7 @@
             <a:pPr>
               <a:defRPr/>
             </a:pPr>
-            <a:fld id="{9C2EC2A4-BBCF-4219-A6E4-07A3DD0E0179}" type="datetimeFigureOut">
+            <a:fld id="{39138520-CB1F-4E89-9283-08E1B2F69824}" type="datetimeFigureOut">
               <a:rPr lang="es-PE"/>
               <a:pPr>
                 <a:defRPr/>
@@ -8216,7 +8216,7 @@
             <a:pPr>
               <a:defRPr/>
             </a:pPr>
-            <a:fld id="{50FB0450-2CAA-4CF5-9161-1559E757EF6C}" type="slidenum">
+            <a:fld id="{C5714517-61EC-48D9-99CC-0B43B0FC023E}" type="slidenum">
               <a:rPr lang="es-PE"/>
               <a:pPr>
                 <a:defRPr/>
@@ -10144,7 +10144,7 @@
             <a:pPr>
               <a:defRPr/>
             </a:pPr>
-            <a:fld id="{BE6D40CC-F0B6-4B00-9C6E-924EF6AB9DBA}" type="datetimeFigureOut">
+            <a:fld id="{949530FE-C778-4D4A-820F-E6A5C72663ED}" type="datetimeFigureOut">
               <a:rPr lang="es-PE"/>
               <a:pPr>
                 <a:defRPr/>
@@ -10203,7 +10203,7 @@
             <a:pPr>
               <a:defRPr/>
             </a:pPr>
-            <a:fld id="{30070DBA-4DCC-42E6-8E36-2348D7895C63}" type="slidenum">
+            <a:fld id="{D5404D12-57F9-4539-B0E2-79183B0FA75C}" type="slidenum">
               <a:rPr lang="es-PE"/>
               <a:pPr>
                 <a:defRPr/>
@@ -12049,7 +12049,7 @@
             <a:pPr>
               <a:defRPr/>
             </a:pPr>
-            <a:fld id="{8F49382E-38C5-4E4A-8948-4454CD58FFFE}" type="datetimeFigureOut">
+            <a:fld id="{97020B0B-8215-4EC7-B087-AA026D3DBD81}" type="datetimeFigureOut">
               <a:rPr lang="es-PE"/>
               <a:pPr>
                 <a:defRPr/>
@@ -12108,7 +12108,7 @@
             <a:pPr>
               <a:defRPr/>
             </a:pPr>
-            <a:fld id="{97ED1E99-CFE4-4D8A-824B-3060C87CCFE5}" type="slidenum">
+            <a:fld id="{65BADDAD-9B37-4359-8A57-BE33283DE9EF}" type="slidenum">
               <a:rPr lang="es-PE"/>
               <a:pPr>
                 <a:defRPr/>
@@ -12304,7 +12304,7 @@
             <a:pPr>
               <a:defRPr/>
             </a:pPr>
-            <a:fld id="{55E834DF-C1AE-4F4B-979C-21269C4A5AEA}" type="datetimeFigureOut">
+            <a:fld id="{C1282716-2E81-4FA5-928E-31FF68878535}" type="datetimeFigureOut">
               <a:rPr lang="es-PE"/>
               <a:pPr>
                 <a:defRPr/>
@@ -12401,7 +12401,7 @@
             <a:pPr>
               <a:defRPr/>
             </a:pPr>
-            <a:fld id="{74AE8A6C-DC48-479F-A762-51712217748D}" type="slidenum">
+            <a:fld id="{E8F9EDDC-2FB2-4C87-81D5-C1C045435FC6}" type="slidenum">
               <a:rPr lang="es-PE"/>
               <a:pPr>
                 <a:defRPr/>
@@ -12993,7 +12993,7 @@
       </p:grpSpPr>
       <p:sp>
         <p:nvSpPr>
-          <p:cNvPr id="18433" name="2 Título"/>
+          <p:cNvPr id="20481" name="2 Título"/>
           <p:cNvSpPr>
             <a:spLocks noGrp="1"/>
           </p:cNvSpPr>
@@ -13035,7 +13035,7 @@
       </p:sp>
       <p:pic>
         <p:nvPicPr>
-          <p:cNvPr id="18434" name="Picture 3" descr="modeloCalidad"/>
+          <p:cNvPr id="20482" name="Picture 3" descr="modeloCalidad"/>
           <p:cNvPicPr>
             <a:picLocks noChangeAspect="1" noChangeArrowheads="1"/>
           </p:cNvPicPr>
@@ -13078,7 +13078,7 @@
       </p:pic>
       <p:sp>
         <p:nvSpPr>
-          <p:cNvPr id="18435" name="Rectangle 4"/>
+          <p:cNvPr id="20483" name="Rectangle 4"/>
           <p:cNvSpPr>
             <a:spLocks noChangeArrowheads="1"/>
           </p:cNvSpPr>
@@ -13144,7 +13144,7 @@
       </p:grpSpPr>
       <p:sp>
         <p:nvSpPr>
-          <p:cNvPr id="19457" name="2 Título"/>
+          <p:cNvPr id="21505" name="2 Título"/>
           <p:cNvSpPr>
             <a:spLocks noGrp="1"/>
           </p:cNvSpPr>
@@ -13177,7 +13177,7 @@
       </p:sp>
       <p:sp>
         <p:nvSpPr>
-          <p:cNvPr id="19458" name="Text Box 3"/>
+          <p:cNvPr id="21506" name="Text Box 3"/>
           <p:cNvSpPr txBox="1">
             <a:spLocks noChangeArrowheads="1"/>
           </p:cNvSpPr>
@@ -14845,7 +14845,7 @@
       </p:grpSpPr>
       <p:sp>
         <p:nvSpPr>
-          <p:cNvPr id="20481" name="2 Título"/>
+          <p:cNvPr id="22529" name="2 Título"/>
           <p:cNvSpPr>
             <a:spLocks noGrp="1"/>
           </p:cNvSpPr>
@@ -14878,7 +14878,7 @@
       </p:sp>
       <p:sp>
         <p:nvSpPr>
-          <p:cNvPr id="20482" name="Text Box 31"/>
+          <p:cNvPr id="22530" name="Text Box 31"/>
           <p:cNvSpPr txBox="1">
             <a:spLocks noChangeArrowheads="1"/>
           </p:cNvSpPr>
@@ -16516,7 +16516,7 @@
       </p:grpSpPr>
       <p:sp>
         <p:nvSpPr>
-          <p:cNvPr id="21505" name="2 Título"/>
+          <p:cNvPr id="23553" name="2 Título"/>
           <p:cNvSpPr>
             <a:spLocks noGrp="1"/>
           </p:cNvSpPr>
@@ -16551,14 +16551,14 @@
                 </a:solidFill>
                 <a:latin typeface="Candara" pitchFamily="34" charset="0"/>
               </a:rPr>
-              <a:t>EFECTIVIDAD</a:t>
+              <a:t>PRODUCTIVIDAD</a:t>
             </a:r>
           </a:p>
         </p:txBody>
       </p:sp>
       <p:pic>
         <p:nvPicPr>
-          <p:cNvPr id="21506" name="Picture 4"/>
+          <p:cNvPr id="23554" name="Picture 4"/>
           <p:cNvPicPr>
             <a:picLocks noChangeAspect="1" noChangeArrowheads="1"/>
           </p:cNvPicPr>
@@ -16601,7 +16601,7 @@
       </p:pic>
       <p:sp>
         <p:nvSpPr>
-          <p:cNvPr id="21508" name="Rectangle 4"/>
+          <p:cNvPr id="23555" name="Rectangle 4"/>
           <p:cNvSpPr>
             <a:spLocks noChangeArrowheads="1"/>
           </p:cNvSpPr>
@@ -16609,8 +16609,8 @@
         </p:nvSpPr>
         <p:spPr bwMode="auto">
           <a:xfrm>
-            <a:off x="2195513" y="4076700"/>
-            <a:ext cx="1223962" cy="576263"/>
+            <a:off x="3492500" y="4076700"/>
+            <a:ext cx="1223963" cy="576263"/>
           </a:xfrm>
           <a:prstGeom prst="rect">
             <a:avLst/>
@@ -16624,7 +16624,6 @@
             <a:headEnd/>
             <a:tailEnd/>
           </a:ln>
-          <a:effectLst/>
         </p:spPr>
         <p:txBody>
           <a:bodyPr wrap="none" anchor="ctr"/>
@@ -16668,7 +16667,7 @@
       </p:grpSpPr>
       <p:sp>
         <p:nvSpPr>
-          <p:cNvPr id="22529" name="2 Título"/>
+          <p:cNvPr id="24577" name="2 Título"/>
           <p:cNvSpPr>
             <a:spLocks noGrp="1"/>
           </p:cNvSpPr>
@@ -16701,23 +16700,23 @@
       </p:sp>
       <p:graphicFrame>
         <p:nvGraphicFramePr>
-          <p:cNvPr id="22750" name="Group 222"/>
+          <p:cNvPr id="22670" name="Group 142"/>
           <p:cNvGraphicFramePr>
             <a:graphicFrameLocks noGrp="1"/>
           </p:cNvGraphicFramePr>
           <p:nvPr/>
         </p:nvGraphicFramePr>
         <p:xfrm>
-          <a:off x="1258888" y="1700213"/>
-          <a:ext cx="7037387" cy="4237037"/>
+          <a:off x="1187450" y="1557338"/>
+          <a:ext cx="6840538" cy="4968875"/>
         </p:xfrm>
         <a:graphic>
           <a:graphicData uri="http://schemas.openxmlformats.org/drawingml/2006/table">
             <a:tbl>
               <a:tblPr/>
               <a:tblGrid>
-                <a:gridCol w="1579562"/>
-                <a:gridCol w="5457825"/>
+                <a:gridCol w="1535113"/>
+                <a:gridCol w="5305425"/>
               </a:tblGrid>
               <a:tr h="260350">
                 <a:tc gridSpan="2">
@@ -16753,7 +16752,7 @@
                           <a:latin typeface="Calibri" pitchFamily="34" charset="0"/>
                           <a:cs typeface="Times New Roman" pitchFamily="18" charset="0"/>
                         </a:rPr>
-                        <a:t>METRICA EN USO DE EFECTIVIDAD</a:t>
+                        <a:t>METRICA EN USO DE PRODUCTIVIDAD</a:t>
                       </a:r>
                       <a:endParaRPr kumimoji="0" lang="es-PE" sz="1600" b="0" i="0" u="none" strike="noStrike" cap="none" normalizeH="0" baseline="0" smtClean="0">
                         <a:ln>
@@ -16951,7 +16950,7 @@
                           <a:latin typeface="Calibri" pitchFamily="34" charset="0"/>
                           <a:cs typeface="Times New Roman" pitchFamily="18" charset="0"/>
                         </a:rPr>
-                        <a:t>Terminaci</a:t>
+                        <a:t>Proporci</a:t>
                       </a:r>
                       <a:r>
                         <a:rPr kumimoji="0" lang="es-PE" sz="1600" b="0" i="0" u="none" strike="noStrike" cap="none" normalizeH="0" baseline="0" smtClean="0">
@@ -16979,7 +16978,7 @@
                           <a:latin typeface="Calibri" pitchFamily="34" charset="0"/>
                           <a:cs typeface="Times New Roman" pitchFamily="18" charset="0"/>
                         </a:rPr>
-                        <a:t>n de la tarea</a:t>
+                        <a:t>n productiva</a:t>
                       </a:r>
                       <a:endParaRPr kumimoji="0" lang="es-PE" sz="1600" b="0" i="0" u="none" strike="noStrike" cap="none" normalizeH="0" baseline="0" smtClean="0">
                         <a:ln>
@@ -17167,7 +17166,7 @@
                           <a:latin typeface="Calibri" pitchFamily="34" charset="0"/>
                           <a:cs typeface="Times New Roman" pitchFamily="18" charset="0"/>
                         </a:rPr>
-                        <a:t>Cu</a:t>
+                        <a:t>En qu</a:t>
                       </a:r>
                       <a:r>
                         <a:rPr kumimoji="0" lang="es-PE" sz="1600" b="0" i="0" u="none" strike="noStrike" cap="none" normalizeH="0" baseline="0" smtClean="0">
@@ -17181,7 +17180,7 @@
                           <a:latin typeface="Arial"/>
                           <a:cs typeface="Times New Roman" pitchFamily="18" charset="0"/>
                         </a:rPr>
-                        <a:t>á</a:t>
+                        <a:t>é</a:t>
                       </a:r>
                       <a:r>
                         <a:rPr kumimoji="0" lang="es-PE" sz="1600" b="0" i="0" u="none" strike="noStrike" cap="none" normalizeH="0" baseline="0" smtClean="0">
@@ -17195,7 +17194,7 @@
                           <a:latin typeface="Calibri" pitchFamily="34" charset="0"/>
                           <a:cs typeface="Times New Roman" pitchFamily="18" charset="0"/>
                         </a:rPr>
-                        <a:t>l es la proporci</a:t>
+                        <a:t> proporci</a:t>
                       </a:r>
                       <a:r>
                         <a:rPr kumimoji="0" lang="es-PE" sz="1600" b="0" i="0" u="none" strike="noStrike" cap="none" normalizeH="0" baseline="0" smtClean="0">
@@ -17223,7 +17222,35 @@
                           <a:latin typeface="Calibri" pitchFamily="34" charset="0"/>
                           <a:cs typeface="Times New Roman" pitchFamily="18" charset="0"/>
                         </a:rPr>
-                        <a:t>n de tareas terminadas</a:t>
+                        <a:t>n de tiempo desempe</a:t>
+                      </a:r>
+                      <a:r>
+                        <a:rPr kumimoji="0" lang="es-PE" sz="1600" b="0" i="0" u="none" strike="noStrike" cap="none" normalizeH="0" baseline="0" smtClean="0">
+                          <a:ln>
+                            <a:noFill/>
+                          </a:ln>
+                          <a:solidFill>
+                            <a:schemeClr val="tx2"/>
+                          </a:solidFill>
+                          <a:effectLst/>
+                          <a:latin typeface="Arial"/>
+                          <a:cs typeface="Times New Roman" pitchFamily="18" charset="0"/>
+                        </a:rPr>
+                        <a:t>ñ</a:t>
+                      </a:r>
+                      <a:r>
+                        <a:rPr kumimoji="0" lang="es-PE" sz="1600" b="0" i="0" u="none" strike="noStrike" cap="none" normalizeH="0" baseline="0" smtClean="0">
+                          <a:ln>
+                            <a:noFill/>
+                          </a:ln>
+                          <a:solidFill>
+                            <a:schemeClr val="tx2"/>
+                          </a:solidFill>
+                          <a:effectLst/>
+                          <a:latin typeface="Calibri" pitchFamily="34" charset="0"/>
+                          <a:cs typeface="Times New Roman" pitchFamily="18" charset="0"/>
+                        </a:rPr>
+                        <a:t>a acciones productivas el usuario</a:t>
                       </a:r>
                       <a:endParaRPr kumimoji="0" lang="es-PE" sz="1600" b="0" i="0" u="none" strike="noStrike" cap="none" normalizeH="0" baseline="0" smtClean="0">
                         <a:ln>
@@ -17439,35 +17466,7 @@
                           <a:latin typeface="Calibri" pitchFamily="34" charset="0"/>
                           <a:cs typeface="Times New Roman" pitchFamily="18" charset="0"/>
                         </a:rPr>
-                        <a:t>Contar las tareas terminadas y comparar con el n</a:t>
-                      </a:r>
-                      <a:r>
-                        <a:rPr kumimoji="0" lang="es-PE" sz="1600" b="0" i="0" u="none" strike="noStrike" cap="none" normalizeH="0" baseline="0" smtClean="0">
-                          <a:ln>
-                            <a:noFill/>
-                          </a:ln>
-                          <a:solidFill>
-                            <a:schemeClr val="tx2"/>
-                          </a:solidFill>
-                          <a:effectLst/>
-                          <a:latin typeface="Arial"/>
-                          <a:cs typeface="Times New Roman" pitchFamily="18" charset="0"/>
-                        </a:rPr>
-                        <a:t>ú</a:t>
-                      </a:r>
-                      <a:r>
-                        <a:rPr kumimoji="0" lang="es-PE" sz="1600" b="0" i="0" u="none" strike="noStrike" cap="none" normalizeH="0" baseline="0" smtClean="0">
-                          <a:ln>
-                            <a:noFill/>
-                          </a:ln>
-                          <a:solidFill>
-                            <a:schemeClr val="tx2"/>
-                          </a:solidFill>
-                          <a:effectLst/>
-                          <a:latin typeface="Calibri" pitchFamily="34" charset="0"/>
-                          <a:cs typeface="Times New Roman" pitchFamily="18" charset="0"/>
-                        </a:rPr>
-                        <a:t>mero de tareas solicitadas.</a:t>
+                        <a:t>Estimar el tiempo productivo y comparar con el tiempo que demora en completar la tarea solicitada.</a:t>
                       </a:r>
                       <a:endParaRPr kumimoji="0" lang="es-PE" sz="1600" b="0" i="0" u="none" strike="noStrike" cap="none" normalizeH="0" baseline="0" smtClean="0">
                         <a:ln>
@@ -17655,7 +17654,7 @@
                           <a:latin typeface="Calibri" pitchFamily="34" charset="0"/>
                           <a:cs typeface="Times New Roman" pitchFamily="18" charset="0"/>
                         </a:rPr>
-                        <a:t>X = A/B</a:t>
+                        <a:t>X = Ta/Tb</a:t>
                       </a:r>
                       <a:endParaRPr kumimoji="0" lang="es-ES" sz="1600" b="0" i="0" u="none" strike="noStrike" cap="none" normalizeH="0" baseline="0" smtClean="0">
                         <a:ln>
@@ -17698,7 +17697,7 @@
                           <a:latin typeface="Calibri" pitchFamily="34" charset="0"/>
                           <a:cs typeface="Times New Roman" pitchFamily="18" charset="0"/>
                         </a:rPr>
-                        <a:t>A = n</a:t>
+                        <a:t>a = Tiempo productivo = Tiempo en completar una tarea - Tiempo de ayuda - Tiempo de error - Tiempo de b</a:t>
                       </a:r>
                       <a:r>
                         <a:rPr kumimoji="0" lang="es-PE" sz="1600" b="0" i="0" u="none" strike="noStrike" cap="none" normalizeH="0" baseline="0" smtClean="0">
@@ -17726,7 +17725,7 @@
                           <a:latin typeface="Calibri" pitchFamily="34" charset="0"/>
                           <a:cs typeface="Times New Roman" pitchFamily="18" charset="0"/>
                         </a:rPr>
-                        <a:t>mero de tareas terminadas</a:t>
+                        <a:t>squeda</a:t>
                       </a:r>
                       <a:endParaRPr kumimoji="0" lang="es-ES" sz="1600" b="0" i="0" u="none" strike="noStrike" cap="none" normalizeH="0" baseline="0" smtClean="0">
                         <a:ln>
@@ -17769,35 +17768,7 @@
                           <a:latin typeface="Calibri" pitchFamily="34" charset="0"/>
                           <a:cs typeface="Times New Roman" pitchFamily="18" charset="0"/>
                         </a:rPr>
-                        <a:t>B = n</a:t>
-                      </a:r>
-                      <a:r>
-                        <a:rPr kumimoji="0" lang="es-PE" sz="1600" b="0" i="0" u="none" strike="noStrike" cap="none" normalizeH="0" baseline="0" smtClean="0">
-                          <a:ln>
-                            <a:noFill/>
-                          </a:ln>
-                          <a:solidFill>
-                            <a:schemeClr val="tx2"/>
-                          </a:solidFill>
-                          <a:effectLst/>
-                          <a:latin typeface="Arial"/>
-                          <a:cs typeface="Times New Roman" pitchFamily="18" charset="0"/>
-                        </a:rPr>
-                        <a:t>ú</a:t>
-                      </a:r>
-                      <a:r>
-                        <a:rPr kumimoji="0" lang="es-PE" sz="1600" b="0" i="0" u="none" strike="noStrike" cap="none" normalizeH="0" baseline="0" smtClean="0">
-                          <a:ln>
-                            <a:noFill/>
-                          </a:ln>
-                          <a:solidFill>
-                            <a:schemeClr val="tx2"/>
-                          </a:solidFill>
-                          <a:effectLst/>
-                          <a:latin typeface="Calibri" pitchFamily="34" charset="0"/>
-                          <a:cs typeface="Times New Roman" pitchFamily="18" charset="0"/>
-                        </a:rPr>
-                        <a:t>mero total de tareas que se intentaron hacer</a:t>
+                        <a:t>Tb = Tiempo en completar una tarea</a:t>
                       </a:r>
                       <a:endParaRPr kumimoji="0" lang="es-PE" sz="1600" b="0" i="0" u="none" strike="noStrike" cap="none" normalizeH="0" baseline="0" smtClean="0">
                         <a:ln>
@@ -18056,7 +18027,7 @@
                           <a:latin typeface="Calibri" pitchFamily="34" charset="0"/>
                           <a:cs typeface="Times New Roman" pitchFamily="18" charset="0"/>
                         </a:rPr>
-                        <a:t>s cercano a 1, mejor la eficiencia.</a:t>
+                        <a:t>s cercano a 1, mejor la productividad.</a:t>
                       </a:r>
                       <a:endParaRPr kumimoji="0" lang="es-PE" sz="1600" b="0" i="0" u="none" strike="noStrike" cap="none" normalizeH="0" baseline="0" smtClean="0">
                         <a:ln>
@@ -18244,7 +18215,35 @@
                           <a:latin typeface="Calibri" pitchFamily="34" charset="0"/>
                           <a:cs typeface="Times New Roman" pitchFamily="18" charset="0"/>
                         </a:rPr>
-                        <a:t>Absoluta</a:t>
+                        <a:t>Proporci</a:t>
+                      </a:r>
+                      <a:r>
+                        <a:rPr kumimoji="0" lang="es-PE" sz="1600" b="0" i="0" u="none" strike="noStrike" cap="none" normalizeH="0" baseline="0" smtClean="0">
+                          <a:ln>
+                            <a:noFill/>
+                          </a:ln>
+                          <a:solidFill>
+                            <a:schemeClr val="tx2"/>
+                          </a:solidFill>
+                          <a:effectLst/>
+                          <a:latin typeface="Arial"/>
+                          <a:cs typeface="Times New Roman" pitchFamily="18" charset="0"/>
+                        </a:rPr>
+                        <a:t>ó</a:t>
+                      </a:r>
+                      <a:r>
+                        <a:rPr kumimoji="0" lang="es-PE" sz="1600" b="0" i="0" u="none" strike="noStrike" cap="none" normalizeH="0" baseline="0" smtClean="0">
+                          <a:ln>
+                            <a:noFill/>
+                          </a:ln>
+                          <a:solidFill>
+                            <a:schemeClr val="tx2"/>
+                          </a:solidFill>
+                          <a:effectLst/>
+                          <a:latin typeface="Calibri" pitchFamily="34" charset="0"/>
+                          <a:cs typeface="Times New Roman" pitchFamily="18" charset="0"/>
+                        </a:rPr>
+                        <a:t>n</a:t>
                       </a:r>
                       <a:endParaRPr kumimoji="0" lang="es-PE" sz="1600" b="0" i="0" u="none" strike="noStrike" cap="none" normalizeH="0" baseline="0" smtClean="0">
                         <a:ln>
@@ -18432,7 +18431,7 @@
                           <a:latin typeface="Calibri" pitchFamily="34" charset="0"/>
                           <a:cs typeface="Times New Roman" pitchFamily="18" charset="0"/>
                         </a:rPr>
-                        <a:t>X = cantidad/cantidad</a:t>
+                        <a:t>X = tiempo / tiempo</a:t>
                       </a:r>
                       <a:endParaRPr kumimoji="0" lang="es-PE" sz="1600" b="0" i="0" u="none" strike="noStrike" cap="none" normalizeH="0" baseline="0" smtClean="0">
                         <a:ln>
@@ -18707,7 +18706,7 @@
       </p:grpSpPr>
       <p:sp>
         <p:nvSpPr>
-          <p:cNvPr id="23553" name="2 Título"/>
+          <p:cNvPr id="25601" name="2 Título"/>
           <p:cNvSpPr>
             <a:spLocks noGrp="1"/>
           </p:cNvSpPr>
@@ -18740,7 +18739,7 @@
       </p:sp>
       <p:graphicFrame>
         <p:nvGraphicFramePr>
-          <p:cNvPr id="23664" name="Group 112"/>
+          <p:cNvPr id="23586" name="Group 34"/>
           <p:cNvGraphicFramePr>
             <a:graphicFrameLocks noGrp="1"/>
           </p:cNvGraphicFramePr>
@@ -18748,7 +18747,7 @@
         </p:nvGraphicFramePr>
         <p:xfrm>
           <a:off x="1403350" y="1557338"/>
-          <a:ext cx="6696075" cy="4970462"/>
+          <a:ext cx="6696075" cy="4968875"/>
         </p:xfrm>
         <a:graphic>
           <a:graphicData uri="http://schemas.openxmlformats.org/drawingml/2006/table">
@@ -18792,7 +18791,7 @@
                           <a:latin typeface="Calibri" pitchFamily="34" charset="0"/>
                           <a:cs typeface="Times New Roman" pitchFamily="18" charset="0"/>
                         </a:rPr>
-                        <a:t>METRICA EN USO DE EFECTIVIDAD</a:t>
+                        <a:t>METRICA EN USO DE PRODUCTIVIDAD</a:t>
                       </a:r>
                       <a:endParaRPr kumimoji="0" lang="es-PE" sz="1600" b="0" i="0" u="none" strike="noStrike" cap="none" normalizeH="0" baseline="0" smtClean="0">
                         <a:ln>
@@ -19189,7 +19188,7 @@
                             <a:schemeClr val="tx2"/>
                           </a:solidFill>
                           <a:effectLst/>
-                          <a:latin typeface="Arial"/>
+                          <a:latin typeface="Arial" charset="0"/>
                           <a:cs typeface="Times New Roman" pitchFamily="18" charset="0"/>
                         </a:rPr>
                         <a:t>é</a:t>
@@ -19217,7 +19216,7 @@
                             <a:schemeClr val="tx2"/>
                           </a:solidFill>
                           <a:effectLst/>
-                          <a:latin typeface="Arial"/>
+                          <a:latin typeface="Arial" charset="0"/>
                           <a:cs typeface="Times New Roman" pitchFamily="18" charset="0"/>
                         </a:rPr>
                         <a:t>á</a:t>
@@ -19340,7 +19339,7 @@
                             <a:schemeClr val="tx2"/>
                           </a:solidFill>
                           <a:effectLst/>
-                          <a:latin typeface="Arial"/>
+                          <a:latin typeface="Arial" charset="0"/>
                           <a:cs typeface="Times New Roman" pitchFamily="18" charset="0"/>
                         </a:rPr>
                         <a:t>Ó</a:t>
@@ -19967,7 +19966,7 @@
                             <a:schemeClr val="tx2"/>
                           </a:solidFill>
                           <a:effectLst/>
-                          <a:latin typeface="Arial"/>
+                          <a:latin typeface="Arial" charset="0"/>
                           <a:cs typeface="Times New Roman" pitchFamily="18" charset="0"/>
                         </a:rPr>
                         <a:t>á</a:t>
@@ -20183,7 +20182,7 @@
                             <a:schemeClr val="tx2"/>
                           </a:solidFill>
                           <a:effectLst/>
-                          <a:latin typeface="Arial"/>
+                          <a:latin typeface="Arial" charset="0"/>
                           <a:cs typeface="Times New Roman" pitchFamily="18" charset="0"/>
                         </a:rPr>
                         <a:t>ó</a:t>
@@ -20663,7 +20662,7 @@
       </p:grpSpPr>
       <p:sp>
         <p:nvSpPr>
-          <p:cNvPr id="24577" name="1 Título"/>
+          <p:cNvPr id="26625" name="1 Título"/>
           <p:cNvSpPr>
             <a:spLocks noGrp="1"/>
           </p:cNvSpPr>
@@ -20696,7 +20695,7 @@
       </p:sp>
       <p:sp>
         <p:nvSpPr>
-          <p:cNvPr id="24578" name="3 CuadroTexto"/>
+          <p:cNvPr id="26626" name="3 CuadroTexto"/>
           <p:cNvSpPr txBox="1">
             <a:spLocks noChangeArrowheads="1"/>
           </p:cNvSpPr>
@@ -20790,7 +20789,7 @@
       </p:sp>
       <p:sp>
         <p:nvSpPr>
-          <p:cNvPr id="24579" name="4 CuadroTexto"/>
+          <p:cNvPr id="26627" name="4 CuadroTexto"/>
           <p:cNvSpPr txBox="1">
             <a:spLocks noChangeArrowheads="1"/>
           </p:cNvSpPr>
@@ -20964,7 +20963,7 @@
                 </a:solidFill>
                 <a:latin typeface="Candara" pitchFamily="34" charset="0"/>
               </a:rPr>
-              <a:t>NORMA ISO 9000:2008</a:t>
+              <a:t>NORMA ISO 9001:2000</a:t>
             </a:r>
             <a:endParaRPr lang="es-PE" sz="4000" b="1" smtClean="0">
               <a:solidFill>
@@ -21077,7 +21076,7 @@
                 </a:solidFill>
                 <a:latin typeface="Candara" pitchFamily="34" charset="0"/>
               </a:rPr>
-              <a:t>REQ. 2.3 CONTROL DE DOCUMENTOS</a:t>
+              <a:t>REQ. 4.2.3 CONTROL DE DOCUMENTOS</a:t>
             </a:r>
             <a:endParaRPr lang="es-PE" sz="3600" b="1" smtClean="0">
               <a:solidFill>
@@ -21222,7 +21221,7 @@
       </p:grpSpPr>
       <p:sp>
         <p:nvSpPr>
-          <p:cNvPr id="14337" name="2 Título"/>
+          <p:cNvPr id="16385" name="2 Título"/>
           <p:cNvSpPr>
             <a:spLocks noGrp="1"/>
           </p:cNvSpPr>
@@ -21255,7 +21254,7 @@
       </p:sp>
       <p:pic>
         <p:nvPicPr>
-          <p:cNvPr id="14338" name="Picture 4" descr="17"/>
+          <p:cNvPr id="16386" name="Picture 4" descr="17"/>
           <p:cNvPicPr>
             <a:picLocks noChangeAspect="1" noChangeArrowheads="1"/>
           </p:cNvPicPr>
@@ -21319,7 +21318,7 @@
       </p:grpSpPr>
       <p:sp>
         <p:nvSpPr>
-          <p:cNvPr id="15361" name="2 Título"/>
+          <p:cNvPr id="17409" name="2 Título"/>
           <p:cNvSpPr>
             <a:spLocks noGrp="1"/>
           </p:cNvSpPr>
@@ -21361,7 +21360,7 @@
       </p:sp>
       <p:pic>
         <p:nvPicPr>
-          <p:cNvPr id="15362" name="Picture 5" descr="modeloCalidad"/>
+          <p:cNvPr id="17410" name="Picture 5" descr="modeloCalidad"/>
           <p:cNvPicPr>
             <a:picLocks noChangeAspect="1" noChangeArrowheads="1"/>
           </p:cNvPicPr>
@@ -21404,7 +21403,7 @@
       </p:pic>
       <p:sp>
         <p:nvSpPr>
-          <p:cNvPr id="15363" name="Rectangle 6"/>
+          <p:cNvPr id="17411" name="Rectangle 6"/>
           <p:cNvSpPr>
             <a:spLocks noChangeArrowheads="1"/>
           </p:cNvSpPr>
@@ -21470,7 +21469,7 @@
       </p:grpSpPr>
       <p:sp>
         <p:nvSpPr>
-          <p:cNvPr id="16385" name="2 Título"/>
+          <p:cNvPr id="18433" name="2 Título"/>
           <p:cNvSpPr>
             <a:spLocks noGrp="1"/>
           </p:cNvSpPr>
@@ -21503,7 +21502,7 @@
       </p:sp>
       <p:sp>
         <p:nvSpPr>
-          <p:cNvPr id="16386" name="Text Box 31"/>
+          <p:cNvPr id="18434" name="Text Box 31"/>
           <p:cNvSpPr txBox="1">
             <a:spLocks noChangeArrowheads="1"/>
           </p:cNvSpPr>
@@ -23826,7 +23825,7 @@
       </p:grpSpPr>
       <p:sp>
         <p:nvSpPr>
-          <p:cNvPr id="17409" name="2 Título"/>
+          <p:cNvPr id="19457" name="2 Título"/>
           <p:cNvSpPr>
             <a:spLocks noGrp="1"/>
           </p:cNvSpPr>
@@ -25687,7 +25686,7 @@
       </p:graphicFrame>
       <p:sp>
         <p:nvSpPr>
-          <p:cNvPr id="17438" name="Text Box 31"/>
+          <p:cNvPr id="19486" name="Text Box 31"/>
           <p:cNvSpPr txBox="1">
             <a:spLocks noChangeArrowheads="1"/>
           </p:cNvSpPr>

--- a/ITERACION 5/SUB ITERACION 4/PPT TP3 PRES04.pptx
+++ b/ITERACION 5/SUB ITERACION 4/PPT TP3 PRES04.pptx
@@ -456,6 +456,11 @@
         </p:txBody>
       </p:sp>
     </p:spTree>
+    <p:extLst>
+      <p:ext uri="{BB962C8B-B14F-4D97-AF65-F5344CB8AC3E}">
+        <p14:creationId xmlns:p14="http://schemas.microsoft.com/office/powerpoint/2010/main" val="1723394473"/>
+      </p:ext>
+    </p:extLst>
   </p:cSld>
   <p:clrMap bg1="lt1" tx1="dk1" bg2="lt2" tx2="dk2" accent1="accent1" accent2="accent2" accent3="accent3" accent4="accent4" accent5="accent5" accent6="accent6" hlink="hlink" folHlink="folHlink"/>
   <p:notesStyle>
@@ -12848,12 +12853,12 @@
           <a:p>
             <a:pPr eaLnBrk="1" hangingPunct="1"/>
             <a:r>
-              <a:rPr lang="es-PE" smtClean="0">
+              <a:rPr lang="es-PE" dirty="0" smtClean="0">
                 <a:latin typeface="Candara" pitchFamily="34" charset="0"/>
               </a:rPr>
               <a:t>CONTRATOS DE CLIENTES</a:t>
             </a:r>
-            <a:endParaRPr lang="es-PE" sz="3600" smtClean="0">
+            <a:endParaRPr lang="es-PE" sz="3600" dirty="0" smtClean="0">
               <a:latin typeface="Candara" pitchFamily="34" charset="0"/>
             </a:endParaRPr>
           </a:p>
@@ -13003,8 +13008,8 @@
         </p:nvSpPr>
         <p:spPr>
           <a:xfrm>
-            <a:off x="539750" y="1700213"/>
-            <a:ext cx="8229600" cy="1252537"/>
+            <a:off x="395536" y="1700213"/>
+            <a:ext cx="8373814" cy="1252537"/>
           </a:xfrm>
         </p:spPr>
         <p:txBody>
@@ -13013,7 +13018,7 @@
           <a:p>
             <a:pPr eaLnBrk="1" hangingPunct="1"/>
             <a:r>
-              <a:rPr lang="es-PE" sz="4000" b="1" smtClean="0">
+              <a:rPr lang="es-PE" sz="4000" b="1" dirty="0" smtClean="0">
                 <a:solidFill>
                   <a:srgbClr val="8C2902"/>
                 </a:solidFill>
@@ -13022,7 +13027,7 @@
               <a:t>ATRIBUTO </a:t>
             </a:r>
             <a:r>
-              <a:rPr lang="es-PE" sz="4000" b="1" u="sng" smtClean="0">
+              <a:rPr lang="es-PE" sz="4000" b="1" u="sng" dirty="0" smtClean="0">
                 <a:solidFill>
                   <a:srgbClr val="8C2902"/>
                 </a:solidFill>
@@ -13061,7 +13066,7 @@
         </p:blipFill>
         <p:spPr bwMode="auto">
           <a:xfrm>
-            <a:off x="2339975" y="2636838"/>
+            <a:off x="1979712" y="2636838"/>
             <a:ext cx="4968875" cy="3863975"/>
           </a:xfrm>
           <a:prstGeom prst="rect">
@@ -13164,13 +13169,31 @@
           <a:p>
             <a:pPr eaLnBrk="1" hangingPunct="1"/>
             <a:r>
-              <a:rPr lang="es-PE" sz="4000" b="1" smtClean="0">
+              <a:rPr lang="es-PE" sz="4000" b="1" dirty="0" smtClean="0">
                 <a:solidFill>
                   <a:schemeClr val="tx2"/>
                 </a:solidFill>
                 <a:latin typeface="Candara" pitchFamily="34" charset="0"/>
               </a:rPr>
-              <a:t>Métrica externa(2)</a:t>
+              <a:t>Métrica </a:t>
+            </a:r>
+            <a:r>
+              <a:rPr lang="es-PE" sz="4000" b="1" dirty="0" smtClean="0">
+                <a:solidFill>
+                  <a:schemeClr val="tx2"/>
+                </a:solidFill>
+                <a:latin typeface="Candara" pitchFamily="34" charset="0"/>
+              </a:rPr>
+              <a:t>externa (</a:t>
+            </a:r>
+            <a:r>
+              <a:rPr lang="es-PE" sz="4000" b="1" dirty="0" smtClean="0">
+                <a:solidFill>
+                  <a:schemeClr val="tx2"/>
+                </a:solidFill>
+                <a:latin typeface="Candara" pitchFamily="34" charset="0"/>
+              </a:rPr>
+              <a:t>2)</a:t>
             </a:r>
           </a:p>
         </p:txBody>
@@ -13232,19 +13255,25 @@
           <p:cNvGraphicFramePr>
             <a:graphicFrameLocks noGrp="1"/>
           </p:cNvGraphicFramePr>
-          <p:nvPr/>
+          <p:nvPr>
+            <p:extLst>
+              <p:ext uri="{D42A27DB-BD31-4B8C-83A1-F6EECF244321}">
+                <p14:modId xmlns:p14="http://schemas.microsoft.com/office/powerpoint/2010/main" val="2001517926"/>
+              </p:ext>
+            </p:extLst>
+          </p:nvPr>
         </p:nvGraphicFramePr>
         <p:xfrm>
           <a:off x="1187450" y="1773238"/>
-          <a:ext cx="6985000" cy="4389437"/>
+          <a:ext cx="6985000" cy="3901440"/>
         </p:xfrm>
         <a:graphic>
           <a:graphicData uri="http://schemas.openxmlformats.org/drawingml/2006/table">
             <a:tbl>
               <a:tblPr/>
               <a:tblGrid>
-                <a:gridCol w="1568450"/>
-                <a:gridCol w="5416550"/>
+                <a:gridCol w="1728366"/>
+                <a:gridCol w="5256634"/>
               </a:tblGrid>
               <a:tr h="260350">
                 <a:tc gridSpan="2">
@@ -13269,7 +13298,7 @@
                         <a:tabLst/>
                       </a:pPr>
                       <a:r>
-                        <a:rPr kumimoji="0" lang="es-PE" sz="1600" b="1" i="0" u="none" strike="noStrike" cap="none" normalizeH="0" baseline="0" smtClean="0">
+                        <a:rPr kumimoji="0" lang="es-PE" sz="1600" b="1" i="0" u="none" strike="noStrike" cap="none" normalizeH="0" baseline="0" dirty="0" smtClean="0">
                           <a:ln>
                             <a:noFill/>
                           </a:ln>
@@ -13282,7 +13311,7 @@
                         </a:rPr>
                         <a:t>METRICA EXTERNA DE EFICIENCIA</a:t>
                       </a:r>
-                      <a:endParaRPr kumimoji="0" lang="es-PE" sz="1600" b="0" i="0" u="none" strike="noStrike" cap="none" normalizeH="0" baseline="0" smtClean="0">
+                      <a:endParaRPr kumimoji="0" lang="es-PE" sz="1600" b="0" i="0" u="none" strike="noStrike" cap="none" normalizeH="0" baseline="0" dirty="0" smtClean="0">
                         <a:ln>
                           <a:noFill/>
                         </a:ln>
@@ -13374,7 +13403,7 @@
                         <a:tabLst/>
                       </a:pPr>
                       <a:r>
-                        <a:rPr kumimoji="0" lang="es-PE" sz="1600" b="1" i="0" u="none" strike="noStrike" cap="none" normalizeH="0" baseline="0" smtClean="0">
+                        <a:rPr kumimoji="0" lang="es-PE" sz="1600" b="1" i="0" u="none" strike="noStrike" cap="none" normalizeH="0" baseline="0" dirty="0" smtClean="0">
                           <a:ln>
                             <a:noFill/>
                           </a:ln>
@@ -13387,7 +13416,7 @@
                         </a:rPr>
                         <a:t>NOMBRE</a:t>
                       </a:r>
-                      <a:endParaRPr kumimoji="0" lang="es-PE" sz="1600" b="0" i="0" u="none" strike="noStrike" cap="none" normalizeH="0" baseline="0" smtClean="0">
+                      <a:endParaRPr kumimoji="0" lang="es-PE" sz="1600" b="0" i="0" u="none" strike="noStrike" cap="none" normalizeH="0" baseline="0" dirty="0" smtClean="0">
                         <a:ln>
                           <a:noFill/>
                         </a:ln>
@@ -13488,7 +13517,7 @@
                           <a:schemeClr val="tx2"/>
                         </a:solidFill>
                         <a:effectLst/>
-                        <a:latin typeface="Arial" charset="0"/>
+                        <a:latin typeface="Calibri" pitchFamily="34" charset="0"/>
                       </a:endParaRPr>
                     </a:p>
                   </a:txBody>
@@ -13638,7 +13667,7 @@
                     <a:bodyPr/>
                     <a:lstStyle/>
                     <a:p>
-                      <a:pPr marL="0" marR="0" lvl="0" indent="0" algn="l" defTabSz="914400" rtl="0" eaLnBrk="1" fontAlgn="base" latinLnBrk="0" hangingPunct="1">
+                      <a:pPr marL="0" marR="0" lvl="0" indent="0" algn="just" defTabSz="914400" rtl="0" eaLnBrk="1" fontAlgn="base" latinLnBrk="0" hangingPunct="1">
                         <a:lnSpc>
                           <a:spcPct val="100000"/>
                         </a:lnSpc>
@@ -13655,7 +13684,7 @@
                         <a:tabLst/>
                       </a:pPr>
                       <a:r>
-                        <a:rPr kumimoji="0" lang="es-PE" sz="1600" b="0" i="0" u="none" strike="noStrike" cap="none" normalizeH="0" baseline="0" smtClean="0">
+                        <a:rPr kumimoji="0" lang="es-PE" sz="1600" b="0" i="0" u="none" strike="noStrike" cap="none" normalizeH="0" baseline="0" dirty="0" smtClean="0">
                           <a:ln>
                             <a:noFill/>
                           </a:ln>
@@ -13666,24 +13695,10 @@
                           <a:latin typeface="Calibri" pitchFamily="34" charset="0"/>
                           <a:cs typeface="Times New Roman" pitchFamily="18" charset="0"/>
                         </a:rPr>
-                        <a:t>Cuanto tiempo le ha tomado terminar una tarea espec</a:t>
+                        <a:t>Cuanto tiempo le ha tomado terminar una tarea </a:t>
                       </a:r>
                       <a:r>
-                        <a:rPr kumimoji="0" lang="es-PE" sz="1600" b="0" i="0" u="none" strike="noStrike" cap="none" normalizeH="0" baseline="0" smtClean="0">
-                          <a:ln>
-                            <a:noFill/>
-                          </a:ln>
-                          <a:solidFill>
-                            <a:schemeClr val="tx2"/>
-                          </a:solidFill>
-                          <a:effectLst/>
-                          <a:latin typeface="Arial"/>
-                          <a:cs typeface="Times New Roman" pitchFamily="18" charset="0"/>
-                        </a:rPr>
-                        <a:t>í</a:t>
-                      </a:r>
-                      <a:r>
-                        <a:rPr kumimoji="0" lang="es-PE" sz="1600" b="0" i="0" u="none" strike="noStrike" cap="none" normalizeH="0" baseline="0" smtClean="0">
+                        <a:rPr kumimoji="0" lang="es-PE" sz="1600" b="0" i="0" u="none" strike="noStrike" cap="none" normalizeH="0" baseline="0" dirty="0" smtClean="0">
                           <a:ln>
                             <a:noFill/>
                           </a:ln>
@@ -13694,9 +13709,37 @@
                           <a:latin typeface="Calibri" pitchFamily="34" charset="0"/>
                           <a:cs typeface="Times New Roman" pitchFamily="18" charset="0"/>
                         </a:rPr>
-                        <a:t>fica. Cuanto tiempo le toma recibir una respuesta a las tareas especificas.</a:t>
+                        <a:t>específica?. </a:t>
                       </a:r>
-                      <a:endParaRPr kumimoji="0" lang="es-PE" sz="1600" b="0" i="0" u="none" strike="noStrike" cap="none" normalizeH="0" baseline="0" smtClean="0">
+                      <a:r>
+                        <a:rPr kumimoji="0" lang="es-PE" sz="1600" b="0" i="0" u="none" strike="noStrike" cap="none" normalizeH="0" baseline="0" dirty="0" smtClean="0">
+                          <a:ln>
+                            <a:noFill/>
+                          </a:ln>
+                          <a:solidFill>
+                            <a:schemeClr val="tx2"/>
+                          </a:solidFill>
+                          <a:effectLst/>
+                          <a:latin typeface="Calibri" pitchFamily="34" charset="0"/>
+                          <a:cs typeface="Times New Roman" pitchFamily="18" charset="0"/>
+                        </a:rPr>
+                        <a:t>Cuanto tiempo le toma recibir una respuesta a las tareas </a:t>
+                      </a:r>
+                      <a:r>
+                        <a:rPr kumimoji="0" lang="es-PE" sz="1600" b="0" i="0" u="none" strike="noStrike" cap="none" normalizeH="0" baseline="0" dirty="0" smtClean="0">
+                          <a:ln>
+                            <a:noFill/>
+                          </a:ln>
+                          <a:solidFill>
+                            <a:schemeClr val="tx2"/>
+                          </a:solidFill>
+                          <a:effectLst/>
+                          <a:latin typeface="Calibri" pitchFamily="34" charset="0"/>
+                          <a:cs typeface="Times New Roman" pitchFamily="18" charset="0"/>
+                        </a:rPr>
+                        <a:t>especificas?</a:t>
+                      </a:r>
+                      <a:endParaRPr kumimoji="0" lang="es-PE" sz="1600" b="0" i="0" u="none" strike="noStrike" cap="none" normalizeH="0" baseline="0" dirty="0" smtClean="0">
                         <a:ln>
                           <a:noFill/>
                         </a:ln>
@@ -13704,7 +13747,7 @@
                           <a:schemeClr val="tx2"/>
                         </a:solidFill>
                         <a:effectLst/>
-                        <a:latin typeface="Arial" charset="0"/>
+                        <a:latin typeface="Calibri" pitchFamily="34" charset="0"/>
                       </a:endParaRPr>
                     </a:p>
                   </a:txBody>
@@ -13882,7 +13925,7 @@
                     <a:bodyPr/>
                     <a:lstStyle/>
                     <a:p>
-                      <a:pPr marL="0" marR="0" lvl="0" indent="0" algn="l" defTabSz="914400" rtl="0" eaLnBrk="1" fontAlgn="base" latinLnBrk="0" hangingPunct="1">
+                      <a:pPr marL="0" marR="0" lvl="0" indent="0" algn="just" defTabSz="914400" rtl="0" eaLnBrk="1" fontAlgn="base" latinLnBrk="0" hangingPunct="1">
                         <a:lnSpc>
                           <a:spcPct val="100000"/>
                         </a:lnSpc>
@@ -13899,7 +13942,7 @@
                         <a:tabLst/>
                       </a:pPr>
                       <a:r>
-                        <a:rPr kumimoji="0" lang="es-PE" sz="1600" b="0" i="0" u="none" strike="noStrike" cap="none" normalizeH="0" baseline="0" smtClean="0">
+                        <a:rPr kumimoji="0" lang="es-PE" sz="1600" b="0" i="0" u="none" strike="noStrike" cap="none" normalizeH="0" baseline="0" dirty="0" smtClean="0">
                           <a:ln>
                             <a:noFill/>
                           </a:ln>
@@ -13910,37 +13953,9 @@
                           <a:latin typeface="Calibri" pitchFamily="34" charset="0"/>
                           <a:cs typeface="Times New Roman" pitchFamily="18" charset="0"/>
                         </a:rPr>
-                        <a:t>Empiece una tarea especificada. Mida el tiempo que toma para la muestra para terminar su operaci</a:t>
+                        <a:t>Empiece una tarea especificada. Mida el tiempo que toma para la muestra para terminar su operación. Guarde un registro de cada intento. </a:t>
                       </a:r>
-                      <a:r>
-                        <a:rPr kumimoji="0" lang="es-PE" sz="1600" b="0" i="0" u="none" strike="noStrike" cap="none" normalizeH="0" baseline="0" smtClean="0">
-                          <a:ln>
-                            <a:noFill/>
-                          </a:ln>
-                          <a:solidFill>
-                            <a:schemeClr val="tx2"/>
-                          </a:solidFill>
-                          <a:effectLst/>
-                          <a:latin typeface="Arial"/>
-                          <a:cs typeface="Times New Roman" pitchFamily="18" charset="0"/>
-                        </a:rPr>
-                        <a:t>ó</a:t>
-                      </a:r>
-                      <a:r>
-                        <a:rPr kumimoji="0" lang="es-PE" sz="1600" b="0" i="0" u="none" strike="noStrike" cap="none" normalizeH="0" baseline="0" smtClean="0">
-                          <a:ln>
-                            <a:noFill/>
-                          </a:ln>
-                          <a:solidFill>
-                            <a:schemeClr val="tx2"/>
-                          </a:solidFill>
-                          <a:effectLst/>
-                          <a:latin typeface="Calibri" pitchFamily="34" charset="0"/>
-                          <a:cs typeface="Times New Roman" pitchFamily="18" charset="0"/>
-                        </a:rPr>
-                        <a:t>n. Guarde un registro de cada intento. </a:t>
-                      </a:r>
-                      <a:endParaRPr kumimoji="0" lang="es-PE" sz="1600" b="0" i="0" u="none" strike="noStrike" cap="none" normalizeH="0" baseline="0" smtClean="0">
+                      <a:endParaRPr kumimoji="0" lang="es-PE" sz="1600" b="0" i="0" u="none" strike="noStrike" cap="none" normalizeH="0" baseline="0" dirty="0" smtClean="0">
                         <a:ln>
                           <a:noFill/>
                         </a:ln>
@@ -13948,7 +13963,7 @@
                           <a:schemeClr val="tx2"/>
                         </a:solidFill>
                         <a:effectLst/>
-                        <a:latin typeface="Arial" charset="0"/>
+                        <a:latin typeface="Calibri" pitchFamily="34" charset="0"/>
                       </a:endParaRPr>
                     </a:p>
                   </a:txBody>
@@ -14098,7 +14113,7 @@
                     <a:bodyPr/>
                     <a:lstStyle/>
                     <a:p>
-                      <a:pPr marL="0" marR="0" lvl="0" indent="0" algn="l" defTabSz="914400" rtl="0" eaLnBrk="1" fontAlgn="base" latinLnBrk="0" hangingPunct="1">
+                      <a:pPr marL="0" marR="0" lvl="0" indent="0" algn="just" defTabSz="914400" rtl="0" eaLnBrk="1" fontAlgn="base" latinLnBrk="0" hangingPunct="1">
                         <a:lnSpc>
                           <a:spcPct val="100000"/>
                         </a:lnSpc>
@@ -14115,7 +14130,7 @@
                         <a:tabLst/>
                       </a:pPr>
                       <a:r>
-                        <a:rPr kumimoji="0" lang="es-PE" sz="1600" b="0" i="0" u="none" strike="noStrike" cap="none" normalizeH="0" baseline="0" smtClean="0">
+                        <a:rPr kumimoji="0" lang="es-PE" sz="1600" b="0" i="0" u="none" strike="noStrike" cap="none" normalizeH="0" baseline="0" dirty="0" smtClean="0">
                           <a:ln>
                             <a:noFill/>
                           </a:ln>
@@ -14126,24 +14141,10 @@
                           <a:latin typeface="Calibri" pitchFamily="34" charset="0"/>
                           <a:cs typeface="Times New Roman" pitchFamily="18" charset="0"/>
                         </a:rPr>
-                        <a:t>T = (Tiempo de ganar el resultado) -(Tiempo de terminaci</a:t>
+                        <a:t>T = (Tiempo de ganar el resultado) </a:t>
                       </a:r>
                       <a:r>
-                        <a:rPr kumimoji="0" lang="es-PE" sz="1600" b="0" i="0" u="none" strike="noStrike" cap="none" normalizeH="0" baseline="0" smtClean="0">
-                          <a:ln>
-                            <a:noFill/>
-                          </a:ln>
-                          <a:solidFill>
-                            <a:schemeClr val="tx2"/>
-                          </a:solidFill>
-                          <a:effectLst/>
-                          <a:latin typeface="Arial"/>
-                          <a:cs typeface="Times New Roman" pitchFamily="18" charset="0"/>
-                        </a:rPr>
-                        <a:t>ó</a:t>
-                      </a:r>
-                      <a:r>
-                        <a:rPr kumimoji="0" lang="es-PE" sz="1600" b="0" i="0" u="none" strike="noStrike" cap="none" normalizeH="0" baseline="0" smtClean="0">
+                        <a:rPr kumimoji="0" lang="es-PE" sz="1600" b="0" i="0" u="none" strike="noStrike" cap="none" normalizeH="0" baseline="0" dirty="0" smtClean="0">
                           <a:ln>
                             <a:noFill/>
                           </a:ln>
@@ -14154,9 +14155,23 @@
                           <a:latin typeface="Calibri" pitchFamily="34" charset="0"/>
                           <a:cs typeface="Times New Roman" pitchFamily="18" charset="0"/>
                         </a:rPr>
-                        <a:t>n del mandato)</a:t>
+                        <a:t>- (</a:t>
                       </a:r>
-                      <a:endParaRPr kumimoji="0" lang="es-PE" sz="1600" b="0" i="0" u="none" strike="noStrike" cap="none" normalizeH="0" baseline="0" smtClean="0">
+                      <a:r>
+                        <a:rPr kumimoji="0" lang="es-PE" sz="1600" b="0" i="0" u="none" strike="noStrike" cap="none" normalizeH="0" baseline="0" dirty="0" smtClean="0">
+                          <a:ln>
+                            <a:noFill/>
+                          </a:ln>
+                          <a:solidFill>
+                            <a:schemeClr val="tx2"/>
+                          </a:solidFill>
+                          <a:effectLst/>
+                          <a:latin typeface="Calibri" pitchFamily="34" charset="0"/>
+                          <a:cs typeface="Times New Roman" pitchFamily="18" charset="0"/>
+                        </a:rPr>
+                        <a:t>Tiempo de terminación del mandato)</a:t>
+                      </a:r>
+                      <a:endParaRPr kumimoji="0" lang="es-PE" sz="1600" b="0" i="0" u="none" strike="noStrike" cap="none" normalizeH="0" baseline="0" dirty="0" smtClean="0">
                         <a:ln>
                           <a:noFill/>
                         </a:ln>
@@ -14164,7 +14179,7 @@
                           <a:schemeClr val="tx2"/>
                         </a:solidFill>
                         <a:effectLst/>
-                        <a:latin typeface="Arial" charset="0"/>
+                        <a:latin typeface="Calibri" pitchFamily="34" charset="0"/>
                       </a:endParaRPr>
                     </a:p>
                   </a:txBody>
@@ -14342,35 +14357,7 @@
                           <a:latin typeface="Calibri" pitchFamily="34" charset="0"/>
                           <a:cs typeface="Times New Roman" pitchFamily="18" charset="0"/>
                         </a:rPr>
-                        <a:t>0 &lt; T. El m</a:t>
-                      </a:r>
-                      <a:r>
-                        <a:rPr kumimoji="0" lang="es-PE" sz="1600" b="0" i="0" u="none" strike="noStrike" cap="none" normalizeH="0" baseline="0" smtClean="0">
-                          <a:ln>
-                            <a:noFill/>
-                          </a:ln>
-                          <a:solidFill>
-                            <a:schemeClr val="tx2"/>
-                          </a:solidFill>
-                          <a:effectLst/>
-                          <a:latin typeface="Arial"/>
-                          <a:cs typeface="Times New Roman" pitchFamily="18" charset="0"/>
-                        </a:rPr>
-                        <a:t>á</a:t>
-                      </a:r>
-                      <a:r>
-                        <a:rPr kumimoji="0" lang="es-PE" sz="1600" b="0" i="0" u="none" strike="noStrike" cap="none" normalizeH="0" baseline="0" smtClean="0">
-                          <a:ln>
-                            <a:noFill/>
-                          </a:ln>
-                          <a:solidFill>
-                            <a:schemeClr val="tx2"/>
-                          </a:solidFill>
-                          <a:effectLst/>
-                          <a:latin typeface="Calibri" pitchFamily="34" charset="0"/>
-                          <a:cs typeface="Times New Roman" pitchFamily="18" charset="0"/>
-                        </a:rPr>
-                        <a:t>s temprano es el mejor.</a:t>
+                        <a:t>0 &lt; T. El más temprano es el mejor.</a:t>
                       </a:r>
                       <a:endParaRPr kumimoji="0" lang="es-PE" sz="1600" b="0" i="0" u="none" strike="noStrike" cap="none" normalizeH="0" baseline="0" smtClean="0">
                         <a:ln>
@@ -14380,7 +14367,7 @@
                           <a:schemeClr val="tx2"/>
                         </a:solidFill>
                         <a:effectLst/>
-                        <a:latin typeface="Arial" charset="0"/>
+                        <a:latin typeface="Calibri" pitchFamily="34" charset="0"/>
                       </a:endParaRPr>
                     </a:p>
                   </a:txBody>
@@ -14568,7 +14555,7 @@
                           <a:schemeClr val="tx2"/>
                         </a:solidFill>
                         <a:effectLst/>
-                        <a:latin typeface="Arial" charset="0"/>
+                        <a:latin typeface="Calibri" pitchFamily="34" charset="0"/>
                       </a:endParaRPr>
                     </a:p>
                   </a:txBody>
@@ -14735,7 +14722,7 @@
                         <a:tabLst/>
                       </a:pPr>
                       <a:r>
-                        <a:rPr kumimoji="0" lang="es-PE" sz="1600" b="0" i="0" u="none" strike="noStrike" cap="none" normalizeH="0" baseline="0" smtClean="0">
+                        <a:rPr kumimoji="0" lang="es-PE" sz="1600" b="0" i="0" u="none" strike="noStrike" cap="none" normalizeH="0" baseline="0" dirty="0" smtClean="0">
                           <a:ln>
                             <a:noFill/>
                           </a:ln>
@@ -14748,7 +14735,7 @@
                         </a:rPr>
                         <a:t>T = Tiempo</a:t>
                       </a:r>
-                      <a:endParaRPr kumimoji="0" lang="es-PE" sz="1600" b="0" i="0" u="none" strike="noStrike" cap="none" normalizeH="0" baseline="0" smtClean="0">
+                      <a:endParaRPr kumimoji="0" lang="es-PE" sz="1600" b="0" i="0" u="none" strike="noStrike" cap="none" normalizeH="0" baseline="0" dirty="0" smtClean="0">
                         <a:ln>
                           <a:noFill/>
                         </a:ln>
@@ -14756,7 +14743,7 @@
                           <a:schemeClr val="tx2"/>
                         </a:solidFill>
                         <a:effectLst/>
-                        <a:latin typeface="Arial" charset="0"/>
+                        <a:latin typeface="Calibri" pitchFamily="34" charset="0"/>
                       </a:endParaRPr>
                     </a:p>
                   </a:txBody>
@@ -14865,13 +14852,31 @@
           <a:p>
             <a:pPr eaLnBrk="1" hangingPunct="1"/>
             <a:r>
-              <a:rPr lang="es-PE" sz="4000" b="1" smtClean="0">
+              <a:rPr lang="es-PE" sz="4000" b="1" dirty="0" smtClean="0">
                 <a:solidFill>
                   <a:schemeClr val="tx2"/>
                 </a:solidFill>
                 <a:latin typeface="Candara" pitchFamily="34" charset="0"/>
               </a:rPr>
-              <a:t>Métrica interna(2)</a:t>
+              <a:t>Métrica </a:t>
+            </a:r>
+            <a:r>
+              <a:rPr lang="es-PE" sz="4000" b="1" dirty="0" smtClean="0">
+                <a:solidFill>
+                  <a:schemeClr val="tx2"/>
+                </a:solidFill>
+                <a:latin typeface="Candara" pitchFamily="34" charset="0"/>
+              </a:rPr>
+              <a:t>interna (</a:t>
+            </a:r>
+            <a:r>
+              <a:rPr lang="es-PE" sz="4000" b="1" dirty="0" smtClean="0">
+                <a:solidFill>
+                  <a:schemeClr val="tx2"/>
+                </a:solidFill>
+                <a:latin typeface="Candara" pitchFamily="34" charset="0"/>
+              </a:rPr>
+              <a:t>2)</a:t>
             </a:r>
           </a:p>
         </p:txBody>
@@ -14933,10 +14938,16 @@
           <p:cNvGraphicFramePr>
             <a:graphicFrameLocks noGrp="1"/>
           </p:cNvGraphicFramePr>
-          <p:nvPr/>
+          <p:nvPr>
+            <p:extLst>
+              <p:ext uri="{D42A27DB-BD31-4B8C-83A1-F6EECF244321}">
+                <p14:modId xmlns:p14="http://schemas.microsoft.com/office/powerpoint/2010/main" val="819585182"/>
+              </p:ext>
+            </p:extLst>
+          </p:nvPr>
         </p:nvGraphicFramePr>
         <p:xfrm>
-          <a:off x="1331913" y="1844675"/>
+          <a:off x="1115616" y="1844675"/>
           <a:ext cx="6985000" cy="3962400"/>
         </p:xfrm>
         <a:graphic>
@@ -14944,8 +14955,8 @@
             <a:tbl>
               <a:tblPr/>
               <a:tblGrid>
-                <a:gridCol w="1568450"/>
-                <a:gridCol w="5416550"/>
+                <a:gridCol w="1656184"/>
+                <a:gridCol w="5328816"/>
               </a:tblGrid>
               <a:tr h="260350">
                 <a:tc gridSpan="2">
@@ -14970,7 +14981,7 @@
                         <a:tabLst/>
                       </a:pPr>
                       <a:r>
-                        <a:rPr kumimoji="0" lang="es-PE" sz="1600" b="1" i="0" u="none" strike="noStrike" cap="none" normalizeH="0" baseline="0" smtClean="0">
+                        <a:rPr kumimoji="0" lang="es-PE" sz="1600" b="1" i="0" u="none" strike="noStrike" cap="none" normalizeH="0" baseline="0" dirty="0" smtClean="0">
                           <a:ln>
                             <a:noFill/>
                           </a:ln>
@@ -14983,7 +14994,7 @@
                         </a:rPr>
                         <a:t>METRICA INTERNA DE EFICIENCIA</a:t>
                       </a:r>
-                      <a:endParaRPr kumimoji="0" lang="es-PE" sz="1600" b="0" i="0" u="none" strike="noStrike" cap="none" normalizeH="0" baseline="0" smtClean="0">
+                      <a:endParaRPr kumimoji="0" lang="es-PE" sz="1600" b="0" i="0" u="none" strike="noStrike" cap="none" normalizeH="0" baseline="0" dirty="0" smtClean="0">
                         <a:ln>
                           <a:noFill/>
                         </a:ln>
@@ -15189,7 +15200,7 @@
                           <a:schemeClr val="tx2"/>
                         </a:solidFill>
                         <a:effectLst/>
-                        <a:latin typeface="Arial" charset="0"/>
+                        <a:latin typeface="Calibri" pitchFamily="34" charset="0"/>
                       </a:endParaRPr>
                     </a:p>
                   </a:txBody>
@@ -15364,108 +15375,10 @@
                             <a:schemeClr val="tx2"/>
                           </a:solidFill>
                           <a:effectLst/>
-                          <a:latin typeface="Arial"/>
-                          <a:cs typeface="Times New Roman" pitchFamily="18" charset="0"/>
-                        </a:rPr>
-                        <a:t>¿</a:t>
-                      </a:r>
-                      <a:r>
-                        <a:rPr kumimoji="0" lang="es-PE" sz="1600" b="0" i="0" u="none" strike="noStrike" cap="none" normalizeH="0" baseline="0" smtClean="0">
-                          <a:ln>
-                            <a:noFill/>
-                          </a:ln>
-                          <a:solidFill>
-                            <a:schemeClr val="tx2"/>
-                          </a:solidFill>
-                          <a:effectLst/>
                           <a:latin typeface="Calibri" pitchFamily="34" charset="0"/>
                           <a:cs typeface="Times New Roman" pitchFamily="18" charset="0"/>
                         </a:rPr>
-                        <a:t>Se registran adecuadamente los cambios a la especificaci</a:t>
-                      </a:r>
-                      <a:r>
-                        <a:rPr kumimoji="0" lang="es-PE" sz="1600" b="0" i="0" u="none" strike="noStrike" cap="none" normalizeH="0" baseline="0" smtClean="0">
-                          <a:ln>
-                            <a:noFill/>
-                          </a:ln>
-                          <a:solidFill>
-                            <a:schemeClr val="tx2"/>
-                          </a:solidFill>
-                          <a:effectLst/>
-                          <a:latin typeface="Arial"/>
-                          <a:cs typeface="Times New Roman" pitchFamily="18" charset="0"/>
-                        </a:rPr>
-                        <a:t>ó</a:t>
-                      </a:r>
-                      <a:r>
-                        <a:rPr kumimoji="0" lang="es-PE" sz="1600" b="0" i="0" u="none" strike="noStrike" cap="none" normalizeH="0" baseline="0" smtClean="0">
-                          <a:ln>
-                            <a:noFill/>
-                          </a:ln>
-                          <a:solidFill>
-                            <a:schemeClr val="tx2"/>
-                          </a:solidFill>
-                          <a:effectLst/>
-                          <a:latin typeface="Calibri" pitchFamily="34" charset="0"/>
-                          <a:cs typeface="Times New Roman" pitchFamily="18" charset="0"/>
-                        </a:rPr>
-                        <a:t>n y a los m</a:t>
-                      </a:r>
-                      <a:r>
-                        <a:rPr kumimoji="0" lang="es-PE" sz="1600" b="0" i="0" u="none" strike="noStrike" cap="none" normalizeH="0" baseline="0" smtClean="0">
-                          <a:ln>
-                            <a:noFill/>
-                          </a:ln>
-                          <a:solidFill>
-                            <a:schemeClr val="tx2"/>
-                          </a:solidFill>
-                          <a:effectLst/>
-                          <a:latin typeface="Arial"/>
-                          <a:cs typeface="Times New Roman" pitchFamily="18" charset="0"/>
-                        </a:rPr>
-                        <a:t>ó</a:t>
-                      </a:r>
-                      <a:r>
-                        <a:rPr kumimoji="0" lang="es-PE" sz="1600" b="0" i="0" u="none" strike="noStrike" cap="none" normalizeH="0" baseline="0" smtClean="0">
-                          <a:ln>
-                            <a:noFill/>
-                          </a:ln>
-                          <a:solidFill>
-                            <a:schemeClr val="tx2"/>
-                          </a:solidFill>
-                          <a:effectLst/>
-                          <a:latin typeface="Calibri" pitchFamily="34" charset="0"/>
-                          <a:cs typeface="Times New Roman" pitchFamily="18" charset="0"/>
-                        </a:rPr>
-                        <a:t>dulos con comentarios en el c</a:t>
-                      </a:r>
-                      <a:r>
-                        <a:rPr kumimoji="0" lang="es-PE" sz="1600" b="0" i="0" u="none" strike="noStrike" cap="none" normalizeH="0" baseline="0" smtClean="0">
-                          <a:ln>
-                            <a:noFill/>
-                          </a:ln>
-                          <a:solidFill>
-                            <a:schemeClr val="tx2"/>
-                          </a:solidFill>
-                          <a:effectLst/>
-                          <a:latin typeface="Arial"/>
-                          <a:cs typeface="Times New Roman" pitchFamily="18" charset="0"/>
-                        </a:rPr>
-                        <a:t>ó</a:t>
-                      </a:r>
-                      <a:r>
-                        <a:rPr kumimoji="0" lang="es-PE" sz="1600" b="0" i="0" u="none" strike="noStrike" cap="none" normalizeH="0" baseline="0" smtClean="0">
-                          <a:ln>
-                            <a:noFill/>
-                          </a:ln>
-                          <a:solidFill>
-                            <a:schemeClr val="tx2"/>
-                          </a:solidFill>
-                          <a:effectLst/>
-                          <a:latin typeface="Calibri" pitchFamily="34" charset="0"/>
-                          <a:cs typeface="Times New Roman" pitchFamily="18" charset="0"/>
-                        </a:rPr>
-                        <a:t>digo?</a:t>
+                        <a:t>¿Se registran adecuadamente los cambios a la especificación y a los módulos con comentarios en el código?</a:t>
                       </a:r>
                       <a:endParaRPr kumimoji="0" lang="es-PE" sz="1600" b="0" i="0" u="none" strike="noStrike" cap="none" normalizeH="0" baseline="0" smtClean="0">
                         <a:ln>
@@ -15475,7 +15388,7 @@
                           <a:schemeClr val="tx2"/>
                         </a:solidFill>
                         <a:effectLst/>
-                        <a:latin typeface="Arial" charset="0"/>
+                        <a:latin typeface="Calibri" pitchFamily="34" charset="0"/>
                       </a:endParaRPr>
                     </a:p>
                   </a:txBody>
@@ -15681,91 +15594,7 @@
                           <a:latin typeface="Calibri" pitchFamily="34" charset="0"/>
                           <a:cs typeface="Times New Roman" pitchFamily="18" charset="0"/>
                         </a:rPr>
-                        <a:t>Registrar la proporci</a:t>
-                      </a:r>
-                      <a:r>
-                        <a:rPr kumimoji="0" lang="es-PE" sz="1600" b="0" i="0" u="none" strike="noStrike" cap="none" normalizeH="0" baseline="0" smtClean="0">
-                          <a:ln>
-                            <a:noFill/>
-                          </a:ln>
-                          <a:solidFill>
-                            <a:schemeClr val="tx2"/>
-                          </a:solidFill>
-                          <a:effectLst/>
-                          <a:latin typeface="Arial"/>
-                          <a:cs typeface="Times New Roman" pitchFamily="18" charset="0"/>
-                        </a:rPr>
-                        <a:t>ó</a:t>
-                      </a:r>
-                      <a:r>
-                        <a:rPr kumimoji="0" lang="es-PE" sz="1600" b="0" i="0" u="none" strike="noStrike" cap="none" normalizeH="0" baseline="0" smtClean="0">
-                          <a:ln>
-                            <a:noFill/>
-                          </a:ln>
-                          <a:solidFill>
-                            <a:schemeClr val="tx2"/>
-                          </a:solidFill>
-                          <a:effectLst/>
-                          <a:latin typeface="Calibri" pitchFamily="34" charset="0"/>
-                          <a:cs typeface="Times New Roman" pitchFamily="18" charset="0"/>
-                        </a:rPr>
-                        <a:t>n de informaci</a:t>
-                      </a:r>
-                      <a:r>
-                        <a:rPr kumimoji="0" lang="es-PE" sz="1600" b="0" i="0" u="none" strike="noStrike" cap="none" normalizeH="0" baseline="0" smtClean="0">
-                          <a:ln>
-                            <a:noFill/>
-                          </a:ln>
-                          <a:solidFill>
-                            <a:schemeClr val="tx2"/>
-                          </a:solidFill>
-                          <a:effectLst/>
-                          <a:latin typeface="Arial"/>
-                          <a:cs typeface="Times New Roman" pitchFamily="18" charset="0"/>
-                        </a:rPr>
-                        <a:t>ó</a:t>
-                      </a:r>
-                      <a:r>
-                        <a:rPr kumimoji="0" lang="es-PE" sz="1600" b="0" i="0" u="none" strike="noStrike" cap="none" normalizeH="0" baseline="0" smtClean="0">
-                          <a:ln>
-                            <a:noFill/>
-                          </a:ln>
-                          <a:solidFill>
-                            <a:schemeClr val="tx2"/>
-                          </a:solidFill>
-                          <a:effectLst/>
-                          <a:latin typeface="Calibri" pitchFamily="34" charset="0"/>
-                          <a:cs typeface="Times New Roman" pitchFamily="18" charset="0"/>
-                        </a:rPr>
-                        <a:t>n sobre cambios a los m</a:t>
-                      </a:r>
-                      <a:r>
-                        <a:rPr kumimoji="0" lang="es-PE" sz="1600" b="0" i="0" u="none" strike="noStrike" cap="none" normalizeH="0" baseline="0" smtClean="0">
-                          <a:ln>
-                            <a:noFill/>
-                          </a:ln>
-                          <a:solidFill>
-                            <a:schemeClr val="tx2"/>
-                          </a:solidFill>
-                          <a:effectLst/>
-                          <a:latin typeface="Arial"/>
-                          <a:cs typeface="Times New Roman" pitchFamily="18" charset="0"/>
-                        </a:rPr>
-                        <a:t>ó</a:t>
-                      </a:r>
-                      <a:r>
-                        <a:rPr kumimoji="0" lang="es-PE" sz="1600" b="0" i="0" u="none" strike="noStrike" cap="none" normalizeH="0" baseline="0" smtClean="0">
-                          <a:ln>
-                            <a:noFill/>
-                          </a:ln>
-                          <a:solidFill>
-                            <a:schemeClr val="tx2"/>
-                          </a:solidFill>
-                          <a:effectLst/>
-                          <a:latin typeface="Calibri" pitchFamily="34" charset="0"/>
-                          <a:cs typeface="Times New Roman" pitchFamily="18" charset="0"/>
-                        </a:rPr>
-                        <a:t>dulos</a:t>
+                        <a:t>Registrar la proporción de información sobre cambios a los módulos</a:t>
                       </a:r>
                       <a:endParaRPr kumimoji="0" lang="es-PE" sz="1600" b="0" i="0" u="none" strike="noStrike" cap="none" normalizeH="0" baseline="0" smtClean="0">
                         <a:ln>
@@ -15775,7 +15604,7 @@
                           <a:schemeClr val="tx2"/>
                         </a:solidFill>
                         <a:effectLst/>
-                        <a:latin typeface="Arial" charset="0"/>
+                        <a:latin typeface="Calibri" pitchFamily="34" charset="0"/>
                       </a:endParaRPr>
                     </a:p>
                   </a:txBody>
@@ -15942,7 +15771,7 @@
                         <a:tabLst/>
                       </a:pPr>
                       <a:r>
-                        <a:rPr kumimoji="0" lang="es-PE" sz="1600" b="0" i="0" u="none" strike="noStrike" cap="none" normalizeH="0" baseline="0" smtClean="0">
+                        <a:rPr kumimoji="0" lang="es-PE" sz="1600" b="0" i="0" u="none" strike="noStrike" cap="none" normalizeH="0" baseline="0" dirty="0" smtClean="0">
                           <a:ln>
                             <a:noFill/>
                           </a:ln>
@@ -15956,7 +15785,7 @@
                         <a:t>X = A / B</a:t>
                       </a:r>
                       <a:br>
-                        <a:rPr kumimoji="0" lang="es-PE" sz="1600" b="0" i="0" u="none" strike="noStrike" cap="none" normalizeH="0" baseline="0" smtClean="0">
+                        <a:rPr kumimoji="0" lang="es-PE" sz="1600" b="0" i="0" u="none" strike="noStrike" cap="none" normalizeH="0" baseline="0" dirty="0" smtClean="0">
                           <a:ln>
                             <a:noFill/>
                           </a:ln>
@@ -15969,7 +15798,7 @@
                         </a:rPr>
                       </a:br>
                       <a:r>
-                        <a:rPr kumimoji="0" lang="es-PE" sz="1600" b="0" i="0" u="none" strike="noStrike" cap="none" normalizeH="0" baseline="0" smtClean="0">
+                        <a:rPr kumimoji="0" lang="es-PE" sz="1600" b="0" i="0" u="none" strike="noStrike" cap="none" normalizeH="0" baseline="0" dirty="0" smtClean="0">
                           <a:ln>
                             <a:noFill/>
                           </a:ln>
@@ -15980,66 +15809,10 @@
                           <a:latin typeface="Calibri" pitchFamily="34" charset="0"/>
                           <a:cs typeface="Times New Roman" pitchFamily="18" charset="0"/>
                         </a:rPr>
-                        <a:t>A = N</a:t>
-                      </a:r>
-                      <a:r>
-                        <a:rPr kumimoji="0" lang="es-PE" sz="1600" b="0" i="0" u="none" strike="noStrike" cap="none" normalizeH="0" baseline="0" smtClean="0">
-                          <a:ln>
-                            <a:noFill/>
-                          </a:ln>
-                          <a:solidFill>
-                            <a:schemeClr val="tx2"/>
-                          </a:solidFill>
-                          <a:effectLst/>
-                          <a:latin typeface="Arial"/>
-                          <a:cs typeface="Times New Roman" pitchFamily="18" charset="0"/>
-                        </a:rPr>
-                        <a:t>ú</a:t>
-                      </a:r>
-                      <a:r>
-                        <a:rPr kumimoji="0" lang="es-PE" sz="1600" b="0" i="0" u="none" strike="noStrike" cap="none" normalizeH="0" baseline="0" smtClean="0">
-                          <a:ln>
-                            <a:noFill/>
-                          </a:ln>
-                          <a:solidFill>
-                            <a:schemeClr val="tx2"/>
-                          </a:solidFill>
-                          <a:effectLst/>
-                          <a:latin typeface="Calibri" pitchFamily="34" charset="0"/>
-                          <a:cs typeface="Times New Roman" pitchFamily="18" charset="0"/>
-                        </a:rPr>
-                        <a:t>mero de cambios a funciones o m</a:t>
-                      </a:r>
-                      <a:r>
-                        <a:rPr kumimoji="0" lang="es-PE" sz="1600" b="0" i="0" u="none" strike="noStrike" cap="none" normalizeH="0" baseline="0" smtClean="0">
-                          <a:ln>
-                            <a:noFill/>
-                          </a:ln>
-                          <a:solidFill>
-                            <a:schemeClr val="tx2"/>
-                          </a:solidFill>
-                          <a:effectLst/>
-                          <a:latin typeface="Arial"/>
-                          <a:cs typeface="Times New Roman" pitchFamily="18" charset="0"/>
-                        </a:rPr>
-                        <a:t>ó</a:t>
-                      </a:r>
-                      <a:r>
-                        <a:rPr kumimoji="0" lang="es-PE" sz="1600" b="0" i="0" u="none" strike="noStrike" cap="none" normalizeH="0" baseline="0" smtClean="0">
-                          <a:ln>
-                            <a:noFill/>
-                          </a:ln>
-                          <a:solidFill>
-                            <a:schemeClr val="tx2"/>
-                          </a:solidFill>
-                          <a:effectLst/>
-                          <a:latin typeface="Calibri" pitchFamily="34" charset="0"/>
-                          <a:cs typeface="Times New Roman" pitchFamily="18" charset="0"/>
-                        </a:rPr>
-                        <a:t>dulos que tienen comentarios confirmados</a:t>
+                        <a:t>A = Número de cambios a funciones o módulos que tienen comentarios confirmados</a:t>
                       </a:r>
                       <a:br>
-                        <a:rPr kumimoji="0" lang="es-PE" sz="1600" b="0" i="0" u="none" strike="noStrike" cap="none" normalizeH="0" baseline="0" smtClean="0">
+                        <a:rPr kumimoji="0" lang="es-PE" sz="1600" b="0" i="0" u="none" strike="noStrike" cap="none" normalizeH="0" baseline="0" dirty="0" smtClean="0">
                           <a:ln>
                             <a:noFill/>
                           </a:ln>
@@ -16052,7 +15825,7 @@
                         </a:rPr>
                       </a:br>
                       <a:r>
-                        <a:rPr kumimoji="0" lang="es-PE" sz="1600" b="0" i="0" u="none" strike="noStrike" cap="none" normalizeH="0" baseline="0" smtClean="0">
+                        <a:rPr kumimoji="0" lang="es-PE" sz="1600" b="0" i="0" u="none" strike="noStrike" cap="none" normalizeH="0" baseline="0" dirty="0" smtClean="0">
                           <a:ln>
                             <a:noFill/>
                           </a:ln>
@@ -16063,37 +15836,9 @@
                           <a:latin typeface="Calibri" pitchFamily="34" charset="0"/>
                           <a:cs typeface="Times New Roman" pitchFamily="18" charset="0"/>
                         </a:rPr>
-                        <a:t>B = Total de funciones o m</a:t>
+                        <a:t>B = Total de funciones o módulos modificados</a:t>
                       </a:r>
-                      <a:r>
-                        <a:rPr kumimoji="0" lang="es-PE" sz="1600" b="0" i="0" u="none" strike="noStrike" cap="none" normalizeH="0" baseline="0" smtClean="0">
-                          <a:ln>
-                            <a:noFill/>
-                          </a:ln>
-                          <a:solidFill>
-                            <a:schemeClr val="tx2"/>
-                          </a:solidFill>
-                          <a:effectLst/>
-                          <a:latin typeface="Arial"/>
-                          <a:cs typeface="Times New Roman" pitchFamily="18" charset="0"/>
-                        </a:rPr>
-                        <a:t>ó</a:t>
-                      </a:r>
-                      <a:r>
-                        <a:rPr kumimoji="0" lang="es-PE" sz="1600" b="0" i="0" u="none" strike="noStrike" cap="none" normalizeH="0" baseline="0" smtClean="0">
-                          <a:ln>
-                            <a:noFill/>
-                          </a:ln>
-                          <a:solidFill>
-                            <a:schemeClr val="tx2"/>
-                          </a:solidFill>
-                          <a:effectLst/>
-                          <a:latin typeface="Calibri" pitchFamily="34" charset="0"/>
-                          <a:cs typeface="Times New Roman" pitchFamily="18" charset="0"/>
-                        </a:rPr>
-                        <a:t>dulos modificados</a:t>
-                      </a:r>
-                      <a:endParaRPr kumimoji="0" lang="es-PE" sz="1600" b="0" i="0" u="none" strike="noStrike" cap="none" normalizeH="0" baseline="0" smtClean="0">
+                      <a:endParaRPr kumimoji="0" lang="es-PE" sz="1600" b="0" i="0" u="none" strike="noStrike" cap="none" normalizeH="0" baseline="0" dirty="0" smtClean="0">
                         <a:ln>
                           <a:noFill/>
                         </a:ln>
@@ -16101,7 +15846,7 @@
                           <a:schemeClr val="tx2"/>
                         </a:solidFill>
                         <a:effectLst/>
-                        <a:latin typeface="Arial" charset="0"/>
+                        <a:latin typeface="Calibri" pitchFamily="34" charset="0"/>
                       </a:endParaRPr>
                     </a:p>
                   </a:txBody>
@@ -16268,7 +16013,7 @@
                         <a:tabLst/>
                       </a:pPr>
                       <a:r>
-                        <a:rPr kumimoji="0" lang="es-PE" sz="1600" b="0" i="0" u="none" strike="noStrike" cap="none" normalizeH="0" baseline="0" smtClean="0">
+                        <a:rPr kumimoji="0" lang="es-PE" sz="1600" b="0" i="0" u="none" strike="noStrike" cap="none" normalizeH="0" baseline="0" dirty="0" smtClean="0">
                           <a:ln>
                             <a:noFill/>
                           </a:ln>
@@ -16282,7 +16027,7 @@
                         <a:t>0 &lt;= X &lt;= 1</a:t>
                       </a:r>
                       <a:br>
-                        <a:rPr kumimoji="0" lang="es-PE" sz="1600" b="0" i="0" u="none" strike="noStrike" cap="none" normalizeH="0" baseline="0" smtClean="0">
+                        <a:rPr kumimoji="0" lang="es-PE" sz="1600" b="0" i="0" u="none" strike="noStrike" cap="none" normalizeH="0" baseline="0" dirty="0" smtClean="0">
                           <a:ln>
                             <a:noFill/>
                           </a:ln>
@@ -16295,7 +16040,7 @@
                         </a:rPr>
                       </a:br>
                       <a:r>
-                        <a:rPr kumimoji="0" lang="es-PE" sz="1600" b="0" i="0" u="none" strike="noStrike" cap="none" normalizeH="0" baseline="0" smtClean="0">
+                        <a:rPr kumimoji="0" lang="es-PE" sz="1600" b="0" i="0" u="none" strike="noStrike" cap="none" normalizeH="0" baseline="0" dirty="0" smtClean="0">
                           <a:ln>
                             <a:noFill/>
                           </a:ln>
@@ -16306,94 +16051,10 @@
                           <a:latin typeface="Calibri" pitchFamily="34" charset="0"/>
                           <a:cs typeface="Times New Roman" pitchFamily="18" charset="0"/>
                         </a:rPr>
-                        <a:t>Entre m</a:t>
-                      </a:r>
-                      <a:r>
-                        <a:rPr kumimoji="0" lang="es-PE" sz="1600" b="0" i="0" u="none" strike="noStrike" cap="none" normalizeH="0" baseline="0" smtClean="0">
-                          <a:ln>
-                            <a:noFill/>
-                          </a:ln>
-                          <a:solidFill>
-                            <a:schemeClr val="tx2"/>
-                          </a:solidFill>
-                          <a:effectLst/>
-                          <a:latin typeface="Arial"/>
-                          <a:cs typeface="Times New Roman" pitchFamily="18" charset="0"/>
-                        </a:rPr>
-                        <a:t>á</a:t>
-                      </a:r>
-                      <a:r>
-                        <a:rPr kumimoji="0" lang="es-PE" sz="1600" b="0" i="0" u="none" strike="noStrike" cap="none" normalizeH="0" baseline="0" smtClean="0">
-                          <a:ln>
-                            <a:noFill/>
-                          </a:ln>
-                          <a:solidFill>
-                            <a:schemeClr val="tx2"/>
-                          </a:solidFill>
-                          <a:effectLst/>
-                          <a:latin typeface="Calibri" pitchFamily="34" charset="0"/>
-                          <a:cs typeface="Times New Roman" pitchFamily="18" charset="0"/>
-                        </a:rPr>
-                        <a:t>s cercano a 1, m</a:t>
-                      </a:r>
-                      <a:r>
-                        <a:rPr kumimoji="0" lang="es-PE" sz="1600" b="0" i="0" u="none" strike="noStrike" cap="none" normalizeH="0" baseline="0" smtClean="0">
-                          <a:ln>
-                            <a:noFill/>
-                          </a:ln>
-                          <a:solidFill>
-                            <a:schemeClr val="tx2"/>
-                          </a:solidFill>
-                          <a:effectLst/>
-                          <a:latin typeface="Arial"/>
-                          <a:cs typeface="Times New Roman" pitchFamily="18" charset="0"/>
-                        </a:rPr>
-                        <a:t>á</a:t>
-                      </a:r>
-                      <a:r>
-                        <a:rPr kumimoji="0" lang="es-PE" sz="1600" b="0" i="0" u="none" strike="noStrike" cap="none" normalizeH="0" baseline="0" smtClean="0">
-                          <a:ln>
-                            <a:noFill/>
-                          </a:ln>
-                          <a:solidFill>
-                            <a:schemeClr val="tx2"/>
-                          </a:solidFill>
-                          <a:effectLst/>
-                          <a:latin typeface="Calibri" pitchFamily="34" charset="0"/>
-                          <a:cs typeface="Times New Roman" pitchFamily="18" charset="0"/>
-                        </a:rPr>
-                        <a:t>s registrable.</a:t>
-                      </a:r>
-                      <a:r>
-                        <a:rPr kumimoji="0" lang="es-PE" sz="1600" b="0" i="0" u="none" strike="noStrike" cap="none" normalizeH="0" baseline="0" smtClean="0">
-                          <a:ln>
-                            <a:noFill/>
-                          </a:ln>
-                          <a:solidFill>
-                            <a:schemeClr val="tx2"/>
-                          </a:solidFill>
-                          <a:effectLst/>
-                          <a:latin typeface="Arial"/>
-                          <a:cs typeface="Times New Roman" pitchFamily="18" charset="0"/>
-                        </a:rPr>
-                        <a:t> </a:t>
-                      </a:r>
-                      <a:r>
-                        <a:rPr kumimoji="0" lang="es-PE" sz="1600" b="0" i="0" u="none" strike="noStrike" cap="none" normalizeH="0" baseline="0" smtClean="0">
-                          <a:ln>
-                            <a:noFill/>
-                          </a:ln>
-                          <a:solidFill>
-                            <a:schemeClr val="tx2"/>
-                          </a:solidFill>
-                          <a:effectLst/>
-                          <a:latin typeface="Calibri" pitchFamily="34" charset="0"/>
-                          <a:cs typeface="Times New Roman" pitchFamily="18" charset="0"/>
-                        </a:rPr>
-                        <a:t/>
+                        <a:t>Entre más cercano a 1, más registrable. </a:t>
                       </a:r>
                       <a:br>
-                        <a:rPr kumimoji="0" lang="es-PE" sz="1600" b="0" i="0" u="none" strike="noStrike" cap="none" normalizeH="0" baseline="0" smtClean="0">
+                        <a:rPr kumimoji="0" lang="es-PE" sz="1600" b="0" i="0" u="none" strike="noStrike" cap="none" normalizeH="0" baseline="0" dirty="0" smtClean="0">
                           <a:ln>
                             <a:noFill/>
                           </a:ln>
@@ -16406,7 +16067,7 @@
                         </a:rPr>
                       </a:br>
                       <a:r>
-                        <a:rPr kumimoji="0" lang="es-PE" sz="1600" b="0" i="0" u="none" strike="noStrike" cap="none" normalizeH="0" baseline="0" smtClean="0">
+                        <a:rPr kumimoji="0" lang="es-PE" sz="1600" b="0" i="0" u="none" strike="noStrike" cap="none" normalizeH="0" baseline="0" dirty="0" smtClean="0">
                           <a:ln>
                             <a:noFill/>
                           </a:ln>
@@ -16419,7 +16080,7 @@
                         </a:rPr>
                         <a:t>0 indica un control de cambios deficiente o pocos cambios y alta estabilidad</a:t>
                       </a:r>
-                      <a:endParaRPr kumimoji="0" lang="es-PE" sz="1600" b="0" i="0" u="none" strike="noStrike" cap="none" normalizeH="0" baseline="0" smtClean="0">
+                      <a:endParaRPr kumimoji="0" lang="es-PE" sz="1600" b="0" i="0" u="none" strike="noStrike" cap="none" normalizeH="0" baseline="0" dirty="0" smtClean="0">
                         <a:ln>
                           <a:noFill/>
                         </a:ln>
@@ -16427,7 +16088,7 @@
                           <a:schemeClr val="tx2"/>
                         </a:solidFill>
                         <a:effectLst/>
-                        <a:latin typeface="Arial" charset="0"/>
+                        <a:latin typeface="Calibri" pitchFamily="34" charset="0"/>
                       </a:endParaRPr>
                     </a:p>
                   </a:txBody>
@@ -16526,8 +16187,8 @@
         </p:nvSpPr>
         <p:spPr>
           <a:xfrm>
-            <a:off x="611188" y="1844675"/>
-            <a:ext cx="8229600" cy="1252538"/>
+            <a:off x="323528" y="1844675"/>
+            <a:ext cx="8517260" cy="1252538"/>
           </a:xfrm>
         </p:spPr>
         <p:txBody>
@@ -16536,7 +16197,7 @@
           <a:p>
             <a:pPr eaLnBrk="1" hangingPunct="1"/>
             <a:r>
-              <a:rPr lang="es-PE" sz="4000" b="1" smtClean="0">
+              <a:rPr lang="es-PE" sz="4000" b="1" dirty="0" smtClean="0">
                 <a:solidFill>
                   <a:srgbClr val="8C2902"/>
                 </a:solidFill>
@@ -16545,7 +16206,7 @@
               <a:t>ATRIBUTO </a:t>
             </a:r>
             <a:r>
-              <a:rPr lang="es-PE" sz="4000" b="1" u="sng" smtClean="0">
+              <a:rPr lang="es-PE" sz="4000" b="1" u="sng" dirty="0" smtClean="0">
                 <a:solidFill>
                   <a:srgbClr val="8C2902"/>
                 </a:solidFill>
@@ -16584,7 +16245,7 @@
         </p:blipFill>
         <p:spPr bwMode="auto">
           <a:xfrm>
-            <a:off x="2051050" y="3284538"/>
+            <a:off x="1835696" y="3284538"/>
             <a:ext cx="5429250" cy="1371600"/>
           </a:xfrm>
           <a:prstGeom prst="rect">
@@ -16687,13 +16348,31 @@
           <a:p>
             <a:pPr eaLnBrk="1" hangingPunct="1"/>
             <a:r>
-              <a:rPr lang="es-PE" sz="4000" b="1" smtClean="0">
+              <a:rPr lang="es-PE" sz="4000" b="1" dirty="0" smtClean="0">
                 <a:solidFill>
                   <a:schemeClr val="tx2"/>
                 </a:solidFill>
                 <a:latin typeface="Candara" pitchFamily="34" charset="0"/>
               </a:rPr>
-              <a:t>Métrica en uso(1)</a:t>
+              <a:t>Métrica en </a:t>
+            </a:r>
+            <a:r>
+              <a:rPr lang="es-PE" sz="4000" b="1" dirty="0" smtClean="0">
+                <a:solidFill>
+                  <a:schemeClr val="tx2"/>
+                </a:solidFill>
+                <a:latin typeface="Candara" pitchFamily="34" charset="0"/>
+              </a:rPr>
+              <a:t>uso (</a:t>
+            </a:r>
+            <a:r>
+              <a:rPr lang="es-PE" sz="4000" b="1" dirty="0" smtClean="0">
+                <a:solidFill>
+                  <a:schemeClr val="tx2"/>
+                </a:solidFill>
+                <a:latin typeface="Candara" pitchFamily="34" charset="0"/>
+              </a:rPr>
+              <a:t>1)</a:t>
             </a:r>
           </a:p>
         </p:txBody>
@@ -16704,19 +16383,25 @@
           <p:cNvGraphicFramePr>
             <a:graphicFrameLocks noGrp="1"/>
           </p:cNvGraphicFramePr>
-          <p:nvPr/>
+          <p:nvPr>
+            <p:extLst>
+              <p:ext uri="{D42A27DB-BD31-4B8C-83A1-F6EECF244321}">
+                <p14:modId xmlns:p14="http://schemas.microsoft.com/office/powerpoint/2010/main" val="3275146700"/>
+              </p:ext>
+            </p:extLst>
+          </p:nvPr>
         </p:nvGraphicFramePr>
         <p:xfrm>
-          <a:off x="1187450" y="1557338"/>
-          <a:ext cx="6840538" cy="4968875"/>
+          <a:off x="1187846" y="1412776"/>
+          <a:ext cx="6840538" cy="4145280"/>
         </p:xfrm>
         <a:graphic>
           <a:graphicData uri="http://schemas.openxmlformats.org/drawingml/2006/table">
             <a:tbl>
               <a:tblPr/>
               <a:tblGrid>
-                <a:gridCol w="1535113"/>
-                <a:gridCol w="5305425"/>
+                <a:gridCol w="1655962"/>
+                <a:gridCol w="5184576"/>
               </a:tblGrid>
               <a:tr h="260350">
                 <a:tc gridSpan="2">
@@ -16741,7 +16426,7 @@
                         <a:tabLst/>
                       </a:pPr>
                       <a:r>
-                        <a:rPr kumimoji="0" lang="es-PE" sz="1600" b="1" i="0" u="none" strike="noStrike" cap="none" normalizeH="0" baseline="0" smtClean="0">
+                        <a:rPr kumimoji="0" lang="es-PE" sz="1600" b="1" i="0" u="none" strike="noStrike" cap="none" normalizeH="0" baseline="0" dirty="0" smtClean="0">
                           <a:ln>
                             <a:noFill/>
                           </a:ln>
@@ -16754,7 +16439,7 @@
                         </a:rPr>
                         <a:t>METRICA EN USO DE PRODUCTIVIDAD</a:t>
                       </a:r>
-                      <a:endParaRPr kumimoji="0" lang="es-PE" sz="1600" b="0" i="0" u="none" strike="noStrike" cap="none" normalizeH="0" baseline="0" smtClean="0">
+                      <a:endParaRPr kumimoji="0" lang="es-PE" sz="1600" b="0" i="0" u="none" strike="noStrike" cap="none" normalizeH="0" baseline="0" dirty="0" smtClean="0">
                         <a:ln>
                           <a:noFill/>
                         </a:ln>
@@ -16939,7 +16624,7 @@
                         <a:tabLst/>
                       </a:pPr>
                       <a:r>
-                        <a:rPr kumimoji="0" lang="es-PE" sz="1600" b="0" i="0" u="none" strike="noStrike" cap="none" normalizeH="0" baseline="0" smtClean="0">
+                        <a:rPr kumimoji="0" lang="es-PE" sz="1600" b="0" i="0" u="none" strike="noStrike" cap="none" normalizeH="0" baseline="0" dirty="0" smtClean="0">
                           <a:ln>
                             <a:noFill/>
                           </a:ln>
@@ -16950,37 +16635,9 @@
                           <a:latin typeface="Calibri" pitchFamily="34" charset="0"/>
                           <a:cs typeface="Times New Roman" pitchFamily="18" charset="0"/>
                         </a:rPr>
-                        <a:t>Proporci</a:t>
+                        <a:t>Proporción productiva</a:t>
                       </a:r>
-                      <a:r>
-                        <a:rPr kumimoji="0" lang="es-PE" sz="1600" b="0" i="0" u="none" strike="noStrike" cap="none" normalizeH="0" baseline="0" smtClean="0">
-                          <a:ln>
-                            <a:noFill/>
-                          </a:ln>
-                          <a:solidFill>
-                            <a:schemeClr val="tx2"/>
-                          </a:solidFill>
-                          <a:effectLst/>
-                          <a:latin typeface="Arial"/>
-                          <a:cs typeface="Times New Roman" pitchFamily="18" charset="0"/>
-                        </a:rPr>
-                        <a:t>ó</a:t>
-                      </a:r>
-                      <a:r>
-                        <a:rPr kumimoji="0" lang="es-PE" sz="1600" b="0" i="0" u="none" strike="noStrike" cap="none" normalizeH="0" baseline="0" smtClean="0">
-                          <a:ln>
-                            <a:noFill/>
-                          </a:ln>
-                          <a:solidFill>
-                            <a:schemeClr val="tx2"/>
-                          </a:solidFill>
-                          <a:effectLst/>
-                          <a:latin typeface="Calibri" pitchFamily="34" charset="0"/>
-                          <a:cs typeface="Times New Roman" pitchFamily="18" charset="0"/>
-                        </a:rPr>
-                        <a:t>n productiva</a:t>
-                      </a:r>
-                      <a:endParaRPr kumimoji="0" lang="es-PE" sz="1600" b="0" i="0" u="none" strike="noStrike" cap="none" normalizeH="0" baseline="0" smtClean="0">
+                      <a:endParaRPr kumimoji="0" lang="es-PE" sz="1600" b="0" i="0" u="none" strike="noStrike" cap="none" normalizeH="0" baseline="0" dirty="0" smtClean="0">
                         <a:ln>
                           <a:noFill/>
                         </a:ln>
@@ -17138,7 +16795,7 @@
                     <a:bodyPr/>
                     <a:lstStyle/>
                     <a:p>
-                      <a:pPr marL="0" marR="0" lvl="0" indent="0" algn="l" defTabSz="914400" rtl="0" eaLnBrk="1" fontAlgn="base" latinLnBrk="0" hangingPunct="1">
+                      <a:pPr marL="0" marR="0" lvl="0" indent="0" algn="just" defTabSz="914400" rtl="0" eaLnBrk="1" fontAlgn="base" latinLnBrk="0" hangingPunct="1">
                         <a:lnSpc>
                           <a:spcPct val="100000"/>
                         </a:lnSpc>
@@ -17155,7 +16812,7 @@
                         <a:tabLst/>
                       </a:pPr>
                       <a:r>
-                        <a:rPr kumimoji="0" lang="es-PE" sz="1600" b="0" i="0" u="none" strike="noStrike" cap="none" normalizeH="0" baseline="0" smtClean="0">
+                        <a:rPr kumimoji="0" lang="es-PE" sz="1600" b="0" i="0" u="none" strike="noStrike" cap="none" normalizeH="0" baseline="0" dirty="0" smtClean="0">
                           <a:ln>
                             <a:noFill/>
                           </a:ln>
@@ -17166,93 +16823,9 @@
                           <a:latin typeface="Calibri" pitchFamily="34" charset="0"/>
                           <a:cs typeface="Times New Roman" pitchFamily="18" charset="0"/>
                         </a:rPr>
-                        <a:t>En qu</a:t>
+                        <a:t>En qué proporción de tiempo desempeña acciones productivas el usuario</a:t>
                       </a:r>
-                      <a:r>
-                        <a:rPr kumimoji="0" lang="es-PE" sz="1600" b="0" i="0" u="none" strike="noStrike" cap="none" normalizeH="0" baseline="0" smtClean="0">
-                          <a:ln>
-                            <a:noFill/>
-                          </a:ln>
-                          <a:solidFill>
-                            <a:schemeClr val="tx2"/>
-                          </a:solidFill>
-                          <a:effectLst/>
-                          <a:latin typeface="Arial"/>
-                          <a:cs typeface="Times New Roman" pitchFamily="18" charset="0"/>
-                        </a:rPr>
-                        <a:t>é</a:t>
-                      </a:r>
-                      <a:r>
-                        <a:rPr kumimoji="0" lang="es-PE" sz="1600" b="0" i="0" u="none" strike="noStrike" cap="none" normalizeH="0" baseline="0" smtClean="0">
-                          <a:ln>
-                            <a:noFill/>
-                          </a:ln>
-                          <a:solidFill>
-                            <a:schemeClr val="tx2"/>
-                          </a:solidFill>
-                          <a:effectLst/>
-                          <a:latin typeface="Calibri" pitchFamily="34" charset="0"/>
-                          <a:cs typeface="Times New Roman" pitchFamily="18" charset="0"/>
-                        </a:rPr>
-                        <a:t> proporci</a:t>
-                      </a:r>
-                      <a:r>
-                        <a:rPr kumimoji="0" lang="es-PE" sz="1600" b="0" i="0" u="none" strike="noStrike" cap="none" normalizeH="0" baseline="0" smtClean="0">
-                          <a:ln>
-                            <a:noFill/>
-                          </a:ln>
-                          <a:solidFill>
-                            <a:schemeClr val="tx2"/>
-                          </a:solidFill>
-                          <a:effectLst/>
-                          <a:latin typeface="Arial"/>
-                          <a:cs typeface="Times New Roman" pitchFamily="18" charset="0"/>
-                        </a:rPr>
-                        <a:t>ó</a:t>
-                      </a:r>
-                      <a:r>
-                        <a:rPr kumimoji="0" lang="es-PE" sz="1600" b="0" i="0" u="none" strike="noStrike" cap="none" normalizeH="0" baseline="0" smtClean="0">
-                          <a:ln>
-                            <a:noFill/>
-                          </a:ln>
-                          <a:solidFill>
-                            <a:schemeClr val="tx2"/>
-                          </a:solidFill>
-                          <a:effectLst/>
-                          <a:latin typeface="Calibri" pitchFamily="34" charset="0"/>
-                          <a:cs typeface="Times New Roman" pitchFamily="18" charset="0"/>
-                        </a:rPr>
-                        <a:t>n de tiempo desempe</a:t>
-                      </a:r>
-                      <a:r>
-                        <a:rPr kumimoji="0" lang="es-PE" sz="1600" b="0" i="0" u="none" strike="noStrike" cap="none" normalizeH="0" baseline="0" smtClean="0">
-                          <a:ln>
-                            <a:noFill/>
-                          </a:ln>
-                          <a:solidFill>
-                            <a:schemeClr val="tx2"/>
-                          </a:solidFill>
-                          <a:effectLst/>
-                          <a:latin typeface="Arial"/>
-                          <a:cs typeface="Times New Roman" pitchFamily="18" charset="0"/>
-                        </a:rPr>
-                        <a:t>ñ</a:t>
-                      </a:r>
-                      <a:r>
-                        <a:rPr kumimoji="0" lang="es-PE" sz="1600" b="0" i="0" u="none" strike="noStrike" cap="none" normalizeH="0" baseline="0" smtClean="0">
-                          <a:ln>
-                            <a:noFill/>
-                          </a:ln>
-                          <a:solidFill>
-                            <a:schemeClr val="tx2"/>
-                          </a:solidFill>
-                          <a:effectLst/>
-                          <a:latin typeface="Calibri" pitchFamily="34" charset="0"/>
-                          <a:cs typeface="Times New Roman" pitchFamily="18" charset="0"/>
-                        </a:rPr>
-                        <a:t>a acciones productivas el usuario</a:t>
-                      </a:r>
-                      <a:endParaRPr kumimoji="0" lang="es-PE" sz="1600" b="0" i="0" u="none" strike="noStrike" cap="none" normalizeH="0" baseline="0" smtClean="0">
+                      <a:endParaRPr kumimoji="0" lang="es-PE" sz="1600" b="0" i="0" u="none" strike="noStrike" cap="none" normalizeH="0" baseline="0" dirty="0" smtClean="0">
                         <a:ln>
                           <a:noFill/>
                         </a:ln>
@@ -17260,7 +16833,7 @@
                           <a:schemeClr val="tx2"/>
                         </a:solidFill>
                         <a:effectLst/>
-                        <a:latin typeface="Arial" charset="0"/>
+                        <a:latin typeface="Calibri" pitchFamily="34" charset="0"/>
                       </a:endParaRPr>
                     </a:p>
                   </a:txBody>
@@ -17438,7 +17011,7 @@
                     <a:bodyPr/>
                     <a:lstStyle/>
                     <a:p>
-                      <a:pPr marL="0" marR="0" lvl="0" indent="0" algn="l" defTabSz="914400" rtl="0" eaLnBrk="1" fontAlgn="base" latinLnBrk="0" hangingPunct="1">
+                      <a:pPr marL="0" marR="0" lvl="0" indent="0" algn="just" defTabSz="914400" rtl="0" eaLnBrk="1" fontAlgn="base" latinLnBrk="0" hangingPunct="1">
                         <a:lnSpc>
                           <a:spcPct val="100000"/>
                         </a:lnSpc>
@@ -17455,7 +17028,7 @@
                         <a:tabLst/>
                       </a:pPr>
                       <a:r>
-                        <a:rPr kumimoji="0" lang="es-PE" sz="1600" b="0" i="0" u="none" strike="noStrike" cap="none" normalizeH="0" baseline="0" smtClean="0">
+                        <a:rPr kumimoji="0" lang="es-PE" sz="1600" b="0" i="0" u="none" strike="noStrike" cap="none" normalizeH="0" baseline="0" dirty="0" smtClean="0">
                           <a:ln>
                             <a:noFill/>
                           </a:ln>
@@ -17468,7 +17041,7 @@
                         </a:rPr>
                         <a:t>Estimar el tiempo productivo y comparar con el tiempo que demora en completar la tarea solicitada.</a:t>
                       </a:r>
-                      <a:endParaRPr kumimoji="0" lang="es-PE" sz="1600" b="0" i="0" u="none" strike="noStrike" cap="none" normalizeH="0" baseline="0" smtClean="0">
+                      <a:endParaRPr kumimoji="0" lang="es-PE" sz="1600" b="0" i="0" u="none" strike="noStrike" cap="none" normalizeH="0" baseline="0" dirty="0" smtClean="0">
                         <a:ln>
                           <a:noFill/>
                         </a:ln>
@@ -17476,7 +17049,7 @@
                           <a:schemeClr val="tx2"/>
                         </a:solidFill>
                         <a:effectLst/>
-                        <a:latin typeface="Arial" charset="0"/>
+                        <a:latin typeface="Calibri" pitchFamily="34" charset="0"/>
                       </a:endParaRPr>
                     </a:p>
                   </a:txBody>
@@ -17626,7 +17199,7 @@
                     <a:bodyPr/>
                     <a:lstStyle/>
                     <a:p>
-                      <a:pPr marL="0" marR="0" lvl="0" indent="0" algn="l" defTabSz="914400" rtl="0" eaLnBrk="1" fontAlgn="base" latinLnBrk="0" hangingPunct="1">
+                      <a:pPr marL="0" marR="0" lvl="0" indent="0" algn="just" defTabSz="914400" rtl="0" eaLnBrk="1" fontAlgn="base" latinLnBrk="0" hangingPunct="1">
                         <a:lnSpc>
                           <a:spcPct val="100000"/>
                         </a:lnSpc>
@@ -17643,7 +17216,7 @@
                         <a:tabLst/>
                       </a:pPr>
                       <a:r>
-                        <a:rPr kumimoji="0" lang="es-PE" sz="1600" b="0" i="0" u="none" strike="noStrike" cap="none" normalizeH="0" baseline="0" smtClean="0">
+                        <a:rPr kumimoji="0" lang="es-PE" sz="1600" b="0" i="0" u="none" strike="noStrike" cap="none" normalizeH="0" baseline="0" dirty="0" smtClean="0">
                           <a:ln>
                             <a:noFill/>
                           </a:ln>
@@ -17656,7 +17229,7 @@
                         </a:rPr>
                         <a:t>X = Ta/Tb</a:t>
                       </a:r>
-                      <a:endParaRPr kumimoji="0" lang="es-ES" sz="1600" b="0" i="0" u="none" strike="noStrike" cap="none" normalizeH="0" baseline="0" smtClean="0">
+                      <a:endParaRPr kumimoji="0" lang="es-ES" sz="1600" b="0" i="0" u="none" strike="noStrike" cap="none" normalizeH="0" baseline="0" dirty="0" smtClean="0">
                         <a:ln>
                           <a:noFill/>
                         </a:ln>
@@ -17664,12 +17237,12 @@
                           <a:schemeClr val="tx2"/>
                         </a:solidFill>
                         <a:effectLst/>
-                        <a:latin typeface="Times New Roman" pitchFamily="18" charset="0"/>
+                        <a:latin typeface="Calibri" pitchFamily="34" charset="0"/>
                         <a:cs typeface="Times New Roman" pitchFamily="18" charset="0"/>
                       </a:endParaRPr>
                     </a:p>
                     <a:p>
-                      <a:pPr marL="0" marR="0" lvl="0" indent="0" algn="l" defTabSz="914400" rtl="0" eaLnBrk="0" fontAlgn="base" latinLnBrk="0" hangingPunct="0">
+                      <a:pPr marL="0" marR="0" lvl="0" indent="0" algn="just" defTabSz="914400" rtl="0" eaLnBrk="0" fontAlgn="base" latinLnBrk="0" hangingPunct="0">
                         <a:lnSpc>
                           <a:spcPct val="100000"/>
                         </a:lnSpc>
@@ -17686,7 +17259,7 @@
                         <a:tabLst/>
                       </a:pPr>
                       <a:r>
-                        <a:rPr kumimoji="0" lang="es-PE" sz="1600" b="0" i="0" u="none" strike="noStrike" cap="none" normalizeH="0" baseline="0" smtClean="0">
+                        <a:rPr kumimoji="0" lang="es-PE" sz="1600" b="0" i="0" u="none" strike="noStrike" cap="none" normalizeH="0" baseline="0" dirty="0" smtClean="0">
                           <a:ln>
                             <a:noFill/>
                           </a:ln>
@@ -17697,37 +17270,9 @@
                           <a:latin typeface="Calibri" pitchFamily="34" charset="0"/>
                           <a:cs typeface="Times New Roman" pitchFamily="18" charset="0"/>
                         </a:rPr>
-                        <a:t>a = Tiempo productivo = Tiempo en completar una tarea - Tiempo de ayuda - Tiempo de error - Tiempo de b</a:t>
+                        <a:t>Ta = Tiempo productivo = Tiempo en completar una tarea - Tiempo de ayuda - Tiempo de error - Tiempo de búsqueda</a:t>
                       </a:r>
-                      <a:r>
-                        <a:rPr kumimoji="0" lang="es-PE" sz="1600" b="0" i="0" u="none" strike="noStrike" cap="none" normalizeH="0" baseline="0" smtClean="0">
-                          <a:ln>
-                            <a:noFill/>
-                          </a:ln>
-                          <a:solidFill>
-                            <a:schemeClr val="tx2"/>
-                          </a:solidFill>
-                          <a:effectLst/>
-                          <a:latin typeface="Arial"/>
-                          <a:cs typeface="Times New Roman" pitchFamily="18" charset="0"/>
-                        </a:rPr>
-                        <a:t>ú</a:t>
-                      </a:r>
-                      <a:r>
-                        <a:rPr kumimoji="0" lang="es-PE" sz="1600" b="0" i="0" u="none" strike="noStrike" cap="none" normalizeH="0" baseline="0" smtClean="0">
-                          <a:ln>
-                            <a:noFill/>
-                          </a:ln>
-                          <a:solidFill>
-                            <a:schemeClr val="tx2"/>
-                          </a:solidFill>
-                          <a:effectLst/>
-                          <a:latin typeface="Calibri" pitchFamily="34" charset="0"/>
-                          <a:cs typeface="Times New Roman" pitchFamily="18" charset="0"/>
-                        </a:rPr>
-                        <a:t>squeda</a:t>
-                      </a:r>
-                      <a:endParaRPr kumimoji="0" lang="es-ES" sz="1600" b="0" i="0" u="none" strike="noStrike" cap="none" normalizeH="0" baseline="0" smtClean="0">
+                      <a:endParaRPr kumimoji="0" lang="es-ES" sz="1600" b="0" i="0" u="none" strike="noStrike" cap="none" normalizeH="0" baseline="0" dirty="0" smtClean="0">
                         <a:ln>
                           <a:noFill/>
                         </a:ln>
@@ -17735,12 +17280,12 @@
                           <a:schemeClr val="tx2"/>
                         </a:solidFill>
                         <a:effectLst/>
-                        <a:latin typeface="Times New Roman" pitchFamily="18" charset="0"/>
+                        <a:latin typeface="Calibri" pitchFamily="34" charset="0"/>
                         <a:cs typeface="Times New Roman" pitchFamily="18" charset="0"/>
                       </a:endParaRPr>
                     </a:p>
                     <a:p>
-                      <a:pPr marL="0" marR="0" lvl="0" indent="0" algn="l" defTabSz="914400" rtl="0" eaLnBrk="0" fontAlgn="base" latinLnBrk="0" hangingPunct="0">
+                      <a:pPr marL="0" marR="0" lvl="0" indent="0" algn="just" defTabSz="914400" rtl="0" eaLnBrk="0" fontAlgn="base" latinLnBrk="0" hangingPunct="0">
                         <a:lnSpc>
                           <a:spcPct val="100000"/>
                         </a:lnSpc>
@@ -17757,7 +17302,7 @@
                         <a:tabLst/>
                       </a:pPr>
                       <a:r>
-                        <a:rPr kumimoji="0" lang="es-PE" sz="1600" b="0" i="0" u="none" strike="noStrike" cap="none" normalizeH="0" baseline="0" smtClean="0">
+                        <a:rPr kumimoji="0" lang="es-PE" sz="1600" b="0" i="0" u="none" strike="noStrike" cap="none" normalizeH="0" baseline="0" dirty="0" smtClean="0">
                           <a:ln>
                             <a:noFill/>
                           </a:ln>
@@ -17770,7 +17315,7 @@
                         </a:rPr>
                         <a:t>Tb = Tiempo en completar una tarea</a:t>
                       </a:r>
-                      <a:endParaRPr kumimoji="0" lang="es-PE" sz="1600" b="0" i="0" u="none" strike="noStrike" cap="none" normalizeH="0" baseline="0" smtClean="0">
+                      <a:endParaRPr kumimoji="0" lang="es-PE" sz="1600" b="0" i="0" u="none" strike="noStrike" cap="none" normalizeH="0" baseline="0" dirty="0" smtClean="0">
                         <a:ln>
                           <a:noFill/>
                         </a:ln>
@@ -17778,7 +17323,7 @@
                           <a:schemeClr val="tx2"/>
                         </a:solidFill>
                         <a:effectLst/>
-                        <a:latin typeface="Arial" charset="0"/>
+                        <a:latin typeface="Calibri" pitchFamily="34" charset="0"/>
                       </a:endParaRPr>
                     </a:p>
                   </a:txBody>
@@ -17945,7 +17490,7 @@
                         <a:tabLst/>
                       </a:pPr>
                       <a:r>
-                        <a:rPr kumimoji="0" lang="es-PE" sz="1600" b="0" i="0" u="none" strike="noStrike" cap="none" normalizeH="0" baseline="0" smtClean="0">
+                        <a:rPr kumimoji="0" lang="es-PE" sz="1600" b="0" i="0" u="none" strike="noStrike" cap="none" normalizeH="0" baseline="0" dirty="0" smtClean="0">
                           <a:ln>
                             <a:noFill/>
                           </a:ln>
@@ -17958,7 +17503,7 @@
                         </a:rPr>
                         <a:t>0 &lt;= X &lt;= 1</a:t>
                       </a:r>
-                      <a:endParaRPr kumimoji="0" lang="es-ES" sz="1600" b="0" i="0" u="none" strike="noStrike" cap="none" normalizeH="0" baseline="0" smtClean="0">
+                      <a:endParaRPr kumimoji="0" lang="es-ES" sz="1600" b="0" i="0" u="none" strike="noStrike" cap="none" normalizeH="0" baseline="0" dirty="0" smtClean="0">
                         <a:ln>
                           <a:noFill/>
                         </a:ln>
@@ -17988,7 +17533,7 @@
                         <a:tabLst/>
                       </a:pPr>
                       <a:r>
-                        <a:rPr kumimoji="0" lang="es-PE" sz="1600" b="0" i="0" u="none" strike="noStrike" cap="none" normalizeH="0" baseline="0" smtClean="0">
+                        <a:rPr kumimoji="0" lang="es-PE" sz="1600" b="0" i="0" u="none" strike="noStrike" cap="none" normalizeH="0" baseline="0" dirty="0" smtClean="0">
                           <a:ln>
                             <a:noFill/>
                           </a:ln>
@@ -17999,37 +17544,9 @@
                           <a:latin typeface="Calibri" pitchFamily="34" charset="0"/>
                           <a:cs typeface="Times New Roman" pitchFamily="18" charset="0"/>
                         </a:rPr>
-                        <a:t>Entre m</a:t>
+                        <a:t>Entre más cercano a 1, mejor la productividad.</a:t>
                       </a:r>
-                      <a:r>
-                        <a:rPr kumimoji="0" lang="es-PE" sz="1600" b="0" i="0" u="none" strike="noStrike" cap="none" normalizeH="0" baseline="0" smtClean="0">
-                          <a:ln>
-                            <a:noFill/>
-                          </a:ln>
-                          <a:solidFill>
-                            <a:schemeClr val="tx2"/>
-                          </a:solidFill>
-                          <a:effectLst/>
-                          <a:latin typeface="Arial"/>
-                          <a:cs typeface="Times New Roman" pitchFamily="18" charset="0"/>
-                        </a:rPr>
-                        <a:t>á</a:t>
-                      </a:r>
-                      <a:r>
-                        <a:rPr kumimoji="0" lang="es-PE" sz="1600" b="0" i="0" u="none" strike="noStrike" cap="none" normalizeH="0" baseline="0" smtClean="0">
-                          <a:ln>
-                            <a:noFill/>
-                          </a:ln>
-                          <a:solidFill>
-                            <a:schemeClr val="tx2"/>
-                          </a:solidFill>
-                          <a:effectLst/>
-                          <a:latin typeface="Calibri" pitchFamily="34" charset="0"/>
-                          <a:cs typeface="Times New Roman" pitchFamily="18" charset="0"/>
-                        </a:rPr>
-                        <a:t>s cercano a 1, mejor la productividad.</a:t>
-                      </a:r>
-                      <a:endParaRPr kumimoji="0" lang="es-PE" sz="1600" b="0" i="0" u="none" strike="noStrike" cap="none" normalizeH="0" baseline="0" smtClean="0">
+                      <a:endParaRPr kumimoji="0" lang="es-PE" sz="1600" b="0" i="0" u="none" strike="noStrike" cap="none" normalizeH="0" baseline="0" dirty="0" smtClean="0">
                         <a:ln>
                           <a:noFill/>
                         </a:ln>
@@ -18204,7 +17721,7 @@
                         <a:tabLst/>
                       </a:pPr>
                       <a:r>
-                        <a:rPr kumimoji="0" lang="es-PE" sz="1600" b="0" i="0" u="none" strike="noStrike" cap="none" normalizeH="0" baseline="0" smtClean="0">
+                        <a:rPr kumimoji="0" lang="es-PE" sz="1600" b="0" i="0" u="none" strike="noStrike" cap="none" normalizeH="0" baseline="0" dirty="0" smtClean="0">
                           <a:ln>
                             <a:noFill/>
                           </a:ln>
@@ -18215,37 +17732,9 @@
                           <a:latin typeface="Calibri" pitchFamily="34" charset="0"/>
                           <a:cs typeface="Times New Roman" pitchFamily="18" charset="0"/>
                         </a:rPr>
-                        <a:t>Proporci</a:t>
+                        <a:t>Proporción</a:t>
                       </a:r>
-                      <a:r>
-                        <a:rPr kumimoji="0" lang="es-PE" sz="1600" b="0" i="0" u="none" strike="noStrike" cap="none" normalizeH="0" baseline="0" smtClean="0">
-                          <a:ln>
-                            <a:noFill/>
-                          </a:ln>
-                          <a:solidFill>
-                            <a:schemeClr val="tx2"/>
-                          </a:solidFill>
-                          <a:effectLst/>
-                          <a:latin typeface="Arial"/>
-                          <a:cs typeface="Times New Roman" pitchFamily="18" charset="0"/>
-                        </a:rPr>
-                        <a:t>ó</a:t>
-                      </a:r>
-                      <a:r>
-                        <a:rPr kumimoji="0" lang="es-PE" sz="1600" b="0" i="0" u="none" strike="noStrike" cap="none" normalizeH="0" baseline="0" smtClean="0">
-                          <a:ln>
-                            <a:noFill/>
-                          </a:ln>
-                          <a:solidFill>
-                            <a:schemeClr val="tx2"/>
-                          </a:solidFill>
-                          <a:effectLst/>
-                          <a:latin typeface="Calibri" pitchFamily="34" charset="0"/>
-                          <a:cs typeface="Times New Roman" pitchFamily="18" charset="0"/>
-                        </a:rPr>
-                        <a:t>n</a:t>
-                      </a:r>
-                      <a:endParaRPr kumimoji="0" lang="es-PE" sz="1600" b="0" i="0" u="none" strike="noStrike" cap="none" normalizeH="0" baseline="0" smtClean="0">
+                      <a:endParaRPr kumimoji="0" lang="es-PE" sz="1600" b="0" i="0" u="none" strike="noStrike" cap="none" normalizeH="0" baseline="0" dirty="0" smtClean="0">
                         <a:ln>
                           <a:noFill/>
                         </a:ln>
@@ -18327,7 +17816,7 @@
                         <a:tabLst/>
                       </a:pPr>
                       <a:r>
-                        <a:rPr kumimoji="0" lang="es-PE" sz="1600" b="1" i="0" u="none" strike="noStrike" cap="none" normalizeH="0" baseline="0" smtClean="0">
+                        <a:rPr kumimoji="0" lang="es-PE" sz="1600" b="1" i="0" u="none" strike="noStrike" cap="none" normalizeH="0" baseline="0" dirty="0" smtClean="0">
                           <a:ln>
                             <a:noFill/>
                           </a:ln>
@@ -18340,7 +17829,7 @@
                         </a:rPr>
                         <a:t>TIPO DE MEDIDA</a:t>
                       </a:r>
-                      <a:endParaRPr kumimoji="0" lang="es-PE" sz="1600" b="0" i="0" u="none" strike="noStrike" cap="none" normalizeH="0" baseline="0" smtClean="0">
+                      <a:endParaRPr kumimoji="0" lang="es-PE" sz="1600" b="0" i="0" u="none" strike="noStrike" cap="none" normalizeH="0" baseline="0" dirty="0" smtClean="0">
                         <a:ln>
                           <a:noFill/>
                         </a:ln>
@@ -18420,7 +17909,7 @@
                         <a:tabLst/>
                       </a:pPr>
                       <a:r>
-                        <a:rPr kumimoji="0" lang="es-PE" sz="1600" b="0" i="0" u="none" strike="noStrike" cap="none" normalizeH="0" baseline="0" smtClean="0">
+                        <a:rPr kumimoji="0" lang="es-PE" sz="1600" b="0" i="0" u="none" strike="noStrike" cap="none" normalizeH="0" baseline="0" dirty="0" smtClean="0">
                           <a:ln>
                             <a:noFill/>
                           </a:ln>
@@ -18433,183 +17922,7 @@
                         </a:rPr>
                         <a:t>X = tiempo / tiempo</a:t>
                       </a:r>
-                      <a:endParaRPr kumimoji="0" lang="es-PE" sz="1600" b="0" i="0" u="none" strike="noStrike" cap="none" normalizeH="0" baseline="0" smtClean="0">
-                        <a:ln>
-                          <a:noFill/>
-                        </a:ln>
-                        <a:solidFill>
-                          <a:schemeClr val="tx2"/>
-                        </a:solidFill>
-                        <a:effectLst/>
-                        <a:latin typeface="Arial" charset="0"/>
-                      </a:endParaRPr>
-                    </a:p>
-                  </a:txBody>
-                  <a:tcPr horzOverflow="overflow">
-                    <a:lnL w="12700" cap="flat" cmpd="sng" algn="ctr">
-                      <a:solidFill>
-                        <a:srgbClr val="000000"/>
-                      </a:solidFill>
-                      <a:prstDash val="solid"/>
-                      <a:round/>
-                      <a:headEnd type="none" w="med" len="med"/>
-                      <a:tailEnd type="none" w="med" len="med"/>
-                    </a:lnL>
-                    <a:lnR w="12700" cap="flat" cmpd="sng" algn="ctr">
-                      <a:solidFill>
-                        <a:srgbClr val="000000"/>
-                      </a:solidFill>
-                      <a:prstDash val="solid"/>
-                      <a:round/>
-                      <a:headEnd type="none" w="med" len="med"/>
-                      <a:tailEnd type="none" w="med" len="med"/>
-                    </a:lnR>
-                    <a:lnT w="12700" cap="flat" cmpd="sng" algn="ctr">
-                      <a:solidFill>
-                        <a:srgbClr val="000000"/>
-                      </a:solidFill>
-                      <a:prstDash val="solid"/>
-                      <a:round/>
-                      <a:headEnd type="none" w="med" len="med"/>
-                      <a:tailEnd type="none" w="med" len="med"/>
-                    </a:lnT>
-                    <a:lnB w="12700" cap="flat" cmpd="sng" algn="ctr">
-                      <a:solidFill>
-                        <a:srgbClr val="000000"/>
-                      </a:solidFill>
-                      <a:prstDash val="solid"/>
-                      <a:round/>
-                      <a:headEnd type="none" w="med" len="med"/>
-                      <a:tailEnd type="none" w="med" len="med"/>
-                    </a:lnB>
-                    <a:lnTlToBr>
-                      <a:noFill/>
-                    </a:lnTlToBr>
-                    <a:lnBlToTr>
-                      <a:noFill/>
-                    </a:lnBlToTr>
-                    <a:noFill/>
-                  </a:tcPr>
-                </a:tc>
-              </a:tr>
-              <a:tr h="260350">
-                <a:tc>
-                  <a:txBody>
-                    <a:bodyPr/>
-                    <a:lstStyle/>
-                    <a:p>
-                      <a:pPr marL="0" marR="0" lvl="0" indent="0" algn="l" defTabSz="914400" rtl="0" eaLnBrk="1" fontAlgn="base" latinLnBrk="0" hangingPunct="1">
-                        <a:lnSpc>
-                          <a:spcPct val="100000"/>
-                        </a:lnSpc>
-                        <a:spcBef>
-                          <a:spcPct val="0"/>
-                        </a:spcBef>
-                        <a:spcAft>
-                          <a:spcPct val="0"/>
-                        </a:spcAft>
-                        <a:buClrTx/>
-                        <a:buSzTx/>
-                        <a:buFontTx/>
-                        <a:buNone/>
-                        <a:tabLst/>
-                      </a:pPr>
-                      <a:r>
-                        <a:rPr kumimoji="0" lang="es-PE" sz="1600" b="1" i="0" u="none" strike="noStrike" cap="none" normalizeH="0" baseline="0" smtClean="0">
-                          <a:ln>
-                            <a:noFill/>
-                          </a:ln>
-                          <a:solidFill>
-                            <a:schemeClr val="tx2"/>
-                          </a:solidFill>
-                          <a:effectLst/>
-                          <a:latin typeface="Calibri" pitchFamily="34" charset="0"/>
-                          <a:cs typeface="Times New Roman" pitchFamily="18" charset="0"/>
-                        </a:rPr>
-                        <a:t>NOTA</a:t>
-                      </a:r>
-                      <a:endParaRPr kumimoji="0" lang="es-PE" sz="1600" b="0" i="0" u="none" strike="noStrike" cap="none" normalizeH="0" baseline="0" smtClean="0">
-                        <a:ln>
-                          <a:noFill/>
-                        </a:ln>
-                        <a:solidFill>
-                          <a:schemeClr val="tx2"/>
-                        </a:solidFill>
-                        <a:effectLst/>
-                        <a:latin typeface="Arial" charset="0"/>
-                      </a:endParaRPr>
-                    </a:p>
-                  </a:txBody>
-                  <a:tcPr horzOverflow="overflow">
-                    <a:lnL w="12700" cap="flat" cmpd="sng" algn="ctr">
-                      <a:solidFill>
-                        <a:srgbClr val="000000"/>
-                      </a:solidFill>
-                      <a:prstDash val="solid"/>
-                      <a:round/>
-                      <a:headEnd type="none" w="med" len="med"/>
-                      <a:tailEnd type="none" w="med" len="med"/>
-                    </a:lnL>
-                    <a:lnR w="12700" cap="flat" cmpd="sng" algn="ctr">
-                      <a:solidFill>
-                        <a:srgbClr val="000000"/>
-                      </a:solidFill>
-                      <a:prstDash val="solid"/>
-                      <a:round/>
-                      <a:headEnd type="none" w="med" len="med"/>
-                      <a:tailEnd type="none" w="med" len="med"/>
-                    </a:lnR>
-                    <a:lnT w="12700" cap="flat" cmpd="sng" algn="ctr">
-                      <a:solidFill>
-                        <a:srgbClr val="000000"/>
-                      </a:solidFill>
-                      <a:prstDash val="solid"/>
-                      <a:round/>
-                      <a:headEnd type="none" w="med" len="med"/>
-                      <a:tailEnd type="none" w="med" len="med"/>
-                    </a:lnT>
-                    <a:lnB w="12700" cap="flat" cmpd="sng" algn="ctr">
-                      <a:solidFill>
-                        <a:srgbClr val="000000"/>
-                      </a:solidFill>
-                      <a:prstDash val="solid"/>
-                      <a:round/>
-                      <a:headEnd type="none" w="med" len="med"/>
-                      <a:tailEnd type="none" w="med" len="med"/>
-                    </a:lnB>
-                    <a:lnTlToBr>
-                      <a:noFill/>
-                    </a:lnTlToBr>
-                    <a:lnBlToTr>
-                      <a:noFill/>
-                    </a:lnBlToTr>
-                    <a:noFill/>
-                  </a:tcPr>
-                </a:tc>
-                <a:tc>
-                  <a:txBody>
-                    <a:bodyPr/>
-                    <a:lstStyle/>
-                    <a:p>
-                      <a:pPr marL="0" marR="0" lvl="0" indent="0" algn="l" defTabSz="914400" rtl="0" eaLnBrk="0" fontAlgn="base" latinLnBrk="0" hangingPunct="0">
-                        <a:lnSpc>
-                          <a:spcPct val="100000"/>
-                        </a:lnSpc>
-                        <a:spcBef>
-                          <a:spcPct val="20000"/>
-                        </a:spcBef>
-                        <a:spcAft>
-                          <a:spcPct val="0"/>
-                        </a:spcAft>
-                        <a:buClr>
-                          <a:schemeClr val="accent1"/>
-                        </a:buClr>
-                        <a:buSzPct val="100000"/>
-                        <a:buFont typeface="Symbol" pitchFamily="18" charset="2"/>
-                        <a:buNone/>
-                        <a:tabLst/>
-                      </a:pPr>
-                      <a:endParaRPr kumimoji="0" lang="es-ES" sz="1600" b="0" i="0" u="none" strike="noStrike" cap="none" normalizeH="0" baseline="0" smtClean="0">
+                      <a:endParaRPr kumimoji="0" lang="es-PE" sz="1600" b="0" i="0" u="none" strike="noStrike" cap="none" normalizeH="0" baseline="0" dirty="0" smtClean="0">
                         <a:ln>
                           <a:noFill/>
                         </a:ln>
@@ -18726,13 +18039,31 @@
           <a:p>
             <a:pPr eaLnBrk="1" hangingPunct="1"/>
             <a:r>
-              <a:rPr lang="es-PE" sz="4000" b="1" smtClean="0">
+              <a:rPr lang="es-PE" sz="4000" b="1" dirty="0" smtClean="0">
                 <a:solidFill>
                   <a:schemeClr val="tx2"/>
                 </a:solidFill>
                 <a:latin typeface="Candara" pitchFamily="34" charset="0"/>
               </a:rPr>
-              <a:t>Métrica en uso(2)</a:t>
+              <a:t>Métrica en </a:t>
+            </a:r>
+            <a:r>
+              <a:rPr lang="es-PE" sz="4000" b="1" dirty="0" smtClean="0">
+                <a:solidFill>
+                  <a:schemeClr val="tx2"/>
+                </a:solidFill>
+                <a:latin typeface="Candara" pitchFamily="34" charset="0"/>
+              </a:rPr>
+              <a:t>uso (</a:t>
+            </a:r>
+            <a:r>
+              <a:rPr lang="es-PE" sz="4000" b="1" dirty="0" smtClean="0">
+                <a:solidFill>
+                  <a:schemeClr val="tx2"/>
+                </a:solidFill>
+                <a:latin typeface="Candara" pitchFamily="34" charset="0"/>
+              </a:rPr>
+              <a:t>2)</a:t>
             </a:r>
           </a:p>
         </p:txBody>
@@ -18743,18 +18074,24 @@
           <p:cNvGraphicFramePr>
             <a:graphicFrameLocks noGrp="1"/>
           </p:cNvGraphicFramePr>
-          <p:nvPr/>
+          <p:nvPr>
+            <p:extLst>
+              <p:ext uri="{D42A27DB-BD31-4B8C-83A1-F6EECF244321}">
+                <p14:modId xmlns:p14="http://schemas.microsoft.com/office/powerpoint/2010/main" val="133981837"/>
+              </p:ext>
+            </p:extLst>
+          </p:nvPr>
         </p:nvGraphicFramePr>
         <p:xfrm>
-          <a:off x="1403350" y="1557338"/>
-          <a:ext cx="6696075" cy="4968875"/>
+          <a:off x="1115616" y="1412776"/>
+          <a:ext cx="6840091" cy="4145280"/>
         </p:xfrm>
         <a:graphic>
           <a:graphicData uri="http://schemas.openxmlformats.org/drawingml/2006/table">
             <a:tbl>
               <a:tblPr/>
               <a:tblGrid>
-                <a:gridCol w="1503363"/>
+                <a:gridCol w="1647379"/>
                 <a:gridCol w="5192712"/>
               </a:tblGrid>
               <a:tr h="260350">
@@ -18780,7 +18117,7 @@
                         <a:tabLst/>
                       </a:pPr>
                       <a:r>
-                        <a:rPr kumimoji="0" lang="es-PE" sz="1600" b="1" i="0" u="none" strike="noStrike" cap="none" normalizeH="0" baseline="0" smtClean="0">
+                        <a:rPr kumimoji="0" lang="es-PE" sz="1600" b="1" i="0" u="none" strike="noStrike" cap="none" normalizeH="0" baseline="0" dirty="0" smtClean="0">
                           <a:ln>
                             <a:noFill/>
                           </a:ln>
@@ -18793,7 +18130,7 @@
                         </a:rPr>
                         <a:t>METRICA EN USO DE PRODUCTIVIDAD</a:t>
                       </a:r>
-                      <a:endParaRPr kumimoji="0" lang="es-PE" sz="1600" b="0" i="0" u="none" strike="noStrike" cap="none" normalizeH="0" baseline="0" smtClean="0">
+                      <a:endParaRPr kumimoji="0" lang="es-PE" sz="1600" b="0" i="0" u="none" strike="noStrike" cap="none" normalizeH="0" baseline="0" dirty="0" smtClean="0">
                         <a:ln>
                           <a:noFill/>
                         </a:ln>
@@ -18999,7 +18336,7 @@
                           <a:schemeClr val="tx2"/>
                         </a:solidFill>
                         <a:effectLst/>
-                        <a:latin typeface="Arial" charset="0"/>
+                        <a:latin typeface="Calibri" pitchFamily="34" charset="0"/>
                       </a:endParaRPr>
                     </a:p>
                   </a:txBody>
@@ -19149,7 +18486,7 @@
                     <a:bodyPr/>
                     <a:lstStyle/>
                     <a:p>
-                      <a:pPr marL="0" marR="0" lvl="0" indent="0" algn="l" defTabSz="914400" rtl="0" eaLnBrk="1" fontAlgn="base" latinLnBrk="0" hangingPunct="1">
+                      <a:pPr marL="0" marR="0" lvl="0" indent="0" algn="just" defTabSz="914400" rtl="0" eaLnBrk="1" fontAlgn="base" latinLnBrk="0" hangingPunct="1">
                         <a:lnSpc>
                           <a:spcPct val="100000"/>
                         </a:lnSpc>
@@ -19166,7 +18503,7 @@
                         <a:tabLst/>
                       </a:pPr>
                       <a:r>
-                        <a:rPr kumimoji="0" lang="es-PE" sz="1600" b="0" i="0" u="none" strike="noStrike" cap="none" normalizeH="0" baseline="0" smtClean="0">
+                        <a:rPr kumimoji="0" lang="es-PE" sz="1600" b="0" i="0" u="none" strike="noStrike" cap="none" normalizeH="0" baseline="0" dirty="0" smtClean="0">
                           <a:ln>
                             <a:noFill/>
                           </a:ln>
@@ -19177,65 +18514,9 @@
                           <a:latin typeface="Calibri" pitchFamily="34" charset="0"/>
                           <a:cs typeface="Times New Roman" pitchFamily="18" charset="0"/>
                         </a:rPr>
-                        <a:t>Qu</a:t>
+                        <a:t>Qué tan productivo es un usuario "sin experiencia" comparándolo con un usuario experto</a:t>
                       </a:r>
-                      <a:r>
-                        <a:rPr kumimoji="0" lang="es-PE" sz="1600" b="0" i="0" u="none" strike="noStrike" cap="none" normalizeH="0" baseline="0" smtClean="0">
-                          <a:ln>
-                            <a:noFill/>
-                          </a:ln>
-                          <a:solidFill>
-                            <a:schemeClr val="tx2"/>
-                          </a:solidFill>
-                          <a:effectLst/>
-                          <a:latin typeface="Arial" charset="0"/>
-                          <a:cs typeface="Times New Roman" pitchFamily="18" charset="0"/>
-                        </a:rPr>
-                        <a:t>é</a:t>
-                      </a:r>
-                      <a:r>
-                        <a:rPr kumimoji="0" lang="es-PE" sz="1600" b="0" i="0" u="none" strike="noStrike" cap="none" normalizeH="0" baseline="0" smtClean="0">
-                          <a:ln>
-                            <a:noFill/>
-                          </a:ln>
-                          <a:solidFill>
-                            <a:schemeClr val="tx2"/>
-                          </a:solidFill>
-                          <a:effectLst/>
-                          <a:latin typeface="Calibri" pitchFamily="34" charset="0"/>
-                          <a:cs typeface="Times New Roman" pitchFamily="18" charset="0"/>
-                        </a:rPr>
-                        <a:t> tan productivo es un usuario "sin experiencia" compar</a:t>
-                      </a:r>
-                      <a:r>
-                        <a:rPr kumimoji="0" lang="es-PE" sz="1600" b="0" i="0" u="none" strike="noStrike" cap="none" normalizeH="0" baseline="0" smtClean="0">
-                          <a:ln>
-                            <a:noFill/>
-                          </a:ln>
-                          <a:solidFill>
-                            <a:schemeClr val="tx2"/>
-                          </a:solidFill>
-                          <a:effectLst/>
-                          <a:latin typeface="Arial" charset="0"/>
-                          <a:cs typeface="Times New Roman" pitchFamily="18" charset="0"/>
-                        </a:rPr>
-                        <a:t>á</a:t>
-                      </a:r>
-                      <a:r>
-                        <a:rPr kumimoji="0" lang="es-PE" sz="1600" b="0" i="0" u="none" strike="noStrike" cap="none" normalizeH="0" baseline="0" smtClean="0">
-                          <a:ln>
-                            <a:noFill/>
-                          </a:ln>
-                          <a:solidFill>
-                            <a:schemeClr val="tx2"/>
-                          </a:solidFill>
-                          <a:effectLst/>
-                          <a:latin typeface="Calibri" pitchFamily="34" charset="0"/>
-                          <a:cs typeface="Times New Roman" pitchFamily="18" charset="0"/>
-                        </a:rPr>
-                        <a:t>ndolo con un usuario experto</a:t>
-                      </a:r>
-                      <a:endParaRPr kumimoji="0" lang="es-PE" sz="1600" b="0" i="0" u="none" strike="noStrike" cap="none" normalizeH="0" baseline="0" smtClean="0">
+                      <a:endParaRPr kumimoji="0" lang="es-PE" sz="1600" b="0" i="0" u="none" strike="noStrike" cap="none" normalizeH="0" baseline="0" dirty="0" smtClean="0">
                         <a:ln>
                           <a:noFill/>
                         </a:ln>
@@ -19243,7 +18524,7 @@
                           <a:schemeClr val="tx2"/>
                         </a:solidFill>
                         <a:effectLst/>
-                        <a:latin typeface="Arial" charset="0"/>
+                        <a:latin typeface="Calibri" pitchFamily="34" charset="0"/>
                       </a:endParaRPr>
                     </a:p>
                   </a:txBody>
@@ -19421,7 +18702,7 @@
                     <a:bodyPr/>
                     <a:lstStyle/>
                     <a:p>
-                      <a:pPr marL="0" marR="0" lvl="0" indent="0" algn="l" defTabSz="914400" rtl="0" eaLnBrk="1" fontAlgn="base" latinLnBrk="0" hangingPunct="1">
+                      <a:pPr marL="0" marR="0" lvl="0" indent="0" algn="just" defTabSz="914400" rtl="0" eaLnBrk="1" fontAlgn="base" latinLnBrk="0" hangingPunct="1">
                         <a:lnSpc>
                           <a:spcPct val="100000"/>
                         </a:lnSpc>
@@ -19438,7 +18719,7 @@
                         <a:tabLst/>
                       </a:pPr>
                       <a:r>
-                        <a:rPr kumimoji="0" lang="es-PE" sz="1600" b="0" i="0" u="none" strike="noStrike" cap="none" normalizeH="0" baseline="0" smtClean="0">
+                        <a:rPr kumimoji="0" lang="es-PE" sz="1600" b="0" i="0" u="none" strike="noStrike" cap="none" normalizeH="0" baseline="0" dirty="0" smtClean="0">
                           <a:ln>
                             <a:noFill/>
                           </a:ln>
@@ -19451,7 +18732,7 @@
                         </a:rPr>
                         <a:t>Estimar el porcentaje de eficiencia de un usuario "sin experiencia" y comparar con el porcentaje de eficiencia de un usuario experto.</a:t>
                       </a:r>
-                      <a:endParaRPr kumimoji="0" lang="es-PE" sz="1600" b="0" i="0" u="none" strike="noStrike" cap="none" normalizeH="0" baseline="0" smtClean="0">
+                      <a:endParaRPr kumimoji="0" lang="es-PE" sz="1600" b="0" i="0" u="none" strike="noStrike" cap="none" normalizeH="0" baseline="0" dirty="0" smtClean="0">
                         <a:ln>
                           <a:noFill/>
                         </a:ln>
@@ -19459,7 +18740,7 @@
                           <a:schemeClr val="tx2"/>
                         </a:solidFill>
                         <a:effectLst/>
-                        <a:latin typeface="Arial" charset="0"/>
+                        <a:latin typeface="Calibri" pitchFamily="34" charset="0"/>
                       </a:endParaRPr>
                     </a:p>
                   </a:txBody>
@@ -19609,7 +18890,7 @@
                     <a:bodyPr/>
                     <a:lstStyle/>
                     <a:p>
-                      <a:pPr marL="0" marR="0" lvl="0" indent="0" algn="l" defTabSz="914400" rtl="0" eaLnBrk="1" fontAlgn="base" latinLnBrk="0" hangingPunct="1">
+                      <a:pPr marL="0" marR="0" lvl="0" indent="0" algn="just" defTabSz="914400" rtl="0" eaLnBrk="1" fontAlgn="base" latinLnBrk="0" hangingPunct="1">
                         <a:lnSpc>
                           <a:spcPct val="100000"/>
                         </a:lnSpc>
@@ -19626,7 +18907,7 @@
                         <a:tabLst/>
                       </a:pPr>
                       <a:r>
-                        <a:rPr kumimoji="0" lang="es-PE" sz="1600" b="0" i="0" u="none" strike="noStrike" cap="none" normalizeH="0" baseline="0" smtClean="0">
+                        <a:rPr kumimoji="0" lang="es-PE" sz="1600" b="0" i="0" u="none" strike="noStrike" cap="none" normalizeH="0" baseline="0" dirty="0" smtClean="0">
                           <a:ln>
                             <a:noFill/>
                           </a:ln>
@@ -19639,7 +18920,7 @@
                         </a:rPr>
                         <a:t>X = A/B</a:t>
                       </a:r>
-                      <a:endParaRPr kumimoji="0" lang="es-ES" sz="1600" b="0" i="0" u="none" strike="noStrike" cap="none" normalizeH="0" baseline="0" smtClean="0">
+                      <a:endParaRPr kumimoji="0" lang="es-ES" sz="1600" b="0" i="0" u="none" strike="noStrike" cap="none" normalizeH="0" baseline="0" dirty="0" smtClean="0">
                         <a:ln>
                           <a:noFill/>
                         </a:ln>
@@ -19647,12 +18928,12 @@
                           <a:schemeClr val="tx2"/>
                         </a:solidFill>
                         <a:effectLst/>
-                        <a:latin typeface="Times New Roman" pitchFamily="18" charset="0"/>
+                        <a:latin typeface="Calibri" pitchFamily="34" charset="0"/>
                         <a:cs typeface="Times New Roman" pitchFamily="18" charset="0"/>
                       </a:endParaRPr>
                     </a:p>
                     <a:p>
-                      <a:pPr marL="0" marR="0" lvl="0" indent="0" algn="l" defTabSz="914400" rtl="0" eaLnBrk="0" fontAlgn="base" latinLnBrk="0" hangingPunct="0">
+                      <a:pPr marL="0" marR="0" lvl="0" indent="0" algn="just" defTabSz="914400" rtl="0" eaLnBrk="0" fontAlgn="base" latinLnBrk="0" hangingPunct="0">
                         <a:lnSpc>
                           <a:spcPct val="100000"/>
                         </a:lnSpc>
@@ -19669,7 +18950,7 @@
                         <a:tabLst/>
                       </a:pPr>
                       <a:r>
-                        <a:rPr kumimoji="0" lang="es-PE" sz="1600" b="0" i="0" u="none" strike="noStrike" cap="none" normalizeH="0" baseline="0" smtClean="0">
+                        <a:rPr kumimoji="0" lang="es-PE" sz="1600" b="0" i="0" u="none" strike="noStrike" cap="none" normalizeH="0" baseline="0" dirty="0" smtClean="0">
                           <a:ln>
                             <a:noFill/>
                           </a:ln>
@@ -19682,7 +18963,7 @@
                         </a:rPr>
                         <a:t>A = Eficiencia de la tarea de un usuario "no experto"</a:t>
                       </a:r>
-                      <a:endParaRPr kumimoji="0" lang="es-ES" sz="1600" b="0" i="0" u="none" strike="noStrike" cap="none" normalizeH="0" baseline="0" smtClean="0">
+                      <a:endParaRPr kumimoji="0" lang="es-ES" sz="1600" b="0" i="0" u="none" strike="noStrike" cap="none" normalizeH="0" baseline="0" dirty="0" smtClean="0">
                         <a:ln>
                           <a:noFill/>
                         </a:ln>
@@ -19690,12 +18971,12 @@
                           <a:schemeClr val="tx2"/>
                         </a:solidFill>
                         <a:effectLst/>
-                        <a:latin typeface="Times New Roman" pitchFamily="18" charset="0"/>
+                        <a:latin typeface="Calibri" pitchFamily="34" charset="0"/>
                         <a:cs typeface="Times New Roman" pitchFamily="18" charset="0"/>
                       </a:endParaRPr>
                     </a:p>
                     <a:p>
-                      <a:pPr marL="0" marR="0" lvl="0" indent="0" algn="l" defTabSz="914400" rtl="0" eaLnBrk="0" fontAlgn="base" latinLnBrk="0" hangingPunct="0">
+                      <a:pPr marL="0" marR="0" lvl="0" indent="0" algn="just" defTabSz="914400" rtl="0" eaLnBrk="0" fontAlgn="base" latinLnBrk="0" hangingPunct="0">
                         <a:lnSpc>
                           <a:spcPct val="100000"/>
                         </a:lnSpc>
@@ -19712,7 +18993,7 @@
                         <a:tabLst/>
                       </a:pPr>
                       <a:r>
-                        <a:rPr kumimoji="0" lang="es-PE" sz="1600" b="0" i="0" u="none" strike="noStrike" cap="none" normalizeH="0" baseline="0" smtClean="0">
+                        <a:rPr kumimoji="0" lang="es-PE" sz="1600" b="0" i="0" u="none" strike="noStrike" cap="none" normalizeH="0" baseline="0" dirty="0" smtClean="0">
                           <a:ln>
                             <a:noFill/>
                           </a:ln>
@@ -19725,7 +19006,7 @@
                         </a:rPr>
                         <a:t>B = Eficiencia de la tarea de un usuario experto</a:t>
                       </a:r>
-                      <a:endParaRPr kumimoji="0" lang="es-ES" sz="1600" b="0" i="0" u="none" strike="noStrike" cap="none" normalizeH="0" baseline="0" smtClean="0">
+                      <a:endParaRPr kumimoji="0" lang="es-ES" sz="1600" b="0" i="0" u="none" strike="noStrike" cap="none" normalizeH="0" baseline="0" dirty="0" smtClean="0">
                         <a:ln>
                           <a:noFill/>
                         </a:ln>
@@ -19733,7 +19014,7 @@
                           <a:schemeClr val="tx2"/>
                         </a:solidFill>
                         <a:effectLst/>
-                        <a:latin typeface="Times New Roman" pitchFamily="18" charset="0"/>
+                        <a:latin typeface="Calibri" pitchFamily="34" charset="0"/>
                         <a:cs typeface="Times New Roman" pitchFamily="18" charset="0"/>
                       </a:endParaRPr>
                     </a:p>
@@ -19901,7 +19182,7 @@
                         <a:tabLst/>
                       </a:pPr>
                       <a:r>
-                        <a:rPr kumimoji="0" lang="es-PE" sz="1600" b="0" i="0" u="none" strike="noStrike" cap="none" normalizeH="0" baseline="0" smtClean="0">
+                        <a:rPr kumimoji="0" lang="es-PE" sz="1600" b="0" i="0" u="none" strike="noStrike" cap="none" normalizeH="0" baseline="0" dirty="0" smtClean="0">
                           <a:ln>
                             <a:noFill/>
                           </a:ln>
@@ -19914,7 +19195,7 @@
                         </a:rPr>
                         <a:t>X &gt;= 0</a:t>
                       </a:r>
-                      <a:endParaRPr kumimoji="0" lang="es-ES" sz="1600" b="0" i="0" u="none" strike="noStrike" cap="none" normalizeH="0" baseline="0" smtClean="0">
+                      <a:endParaRPr kumimoji="0" lang="es-ES" sz="1600" b="0" i="0" u="none" strike="noStrike" cap="none" normalizeH="0" baseline="0" dirty="0" smtClean="0">
                         <a:ln>
                           <a:noFill/>
                         </a:ln>
@@ -19922,7 +19203,7 @@
                           <a:schemeClr val="tx2"/>
                         </a:solidFill>
                         <a:effectLst/>
-                        <a:latin typeface="Times New Roman" pitchFamily="18" charset="0"/>
+                        <a:latin typeface="Calibri" pitchFamily="34" charset="0"/>
                         <a:cs typeface="Times New Roman" pitchFamily="18" charset="0"/>
                       </a:endParaRPr>
                     </a:p>
@@ -19944,7 +19225,7 @@
                         <a:tabLst/>
                       </a:pPr>
                       <a:r>
-                        <a:rPr kumimoji="0" lang="es-PE" sz="1600" b="0" i="0" u="none" strike="noStrike" cap="none" normalizeH="0" baseline="0" smtClean="0">
+                        <a:rPr kumimoji="0" lang="es-PE" sz="1600" b="0" i="0" u="none" strike="noStrike" cap="none" normalizeH="0" baseline="0" dirty="0" smtClean="0">
                           <a:ln>
                             <a:noFill/>
                           </a:ln>
@@ -19955,37 +19236,9 @@
                           <a:latin typeface="Calibri" pitchFamily="34" charset="0"/>
                           <a:cs typeface="Times New Roman" pitchFamily="18" charset="0"/>
                         </a:rPr>
-                        <a:t>Entre m</a:t>
+                        <a:t>Entre más cercano a 1, mejor la eficiencia</a:t>
                       </a:r>
-                      <a:r>
-                        <a:rPr kumimoji="0" lang="es-PE" sz="1600" b="0" i="0" u="none" strike="noStrike" cap="none" normalizeH="0" baseline="0" smtClean="0">
-                          <a:ln>
-                            <a:noFill/>
-                          </a:ln>
-                          <a:solidFill>
-                            <a:schemeClr val="tx2"/>
-                          </a:solidFill>
-                          <a:effectLst/>
-                          <a:latin typeface="Arial" charset="0"/>
-                          <a:cs typeface="Times New Roman" pitchFamily="18" charset="0"/>
-                        </a:rPr>
-                        <a:t>á</a:t>
-                      </a:r>
-                      <a:r>
-                        <a:rPr kumimoji="0" lang="es-PE" sz="1600" b="0" i="0" u="none" strike="noStrike" cap="none" normalizeH="0" baseline="0" smtClean="0">
-                          <a:ln>
-                            <a:noFill/>
-                          </a:ln>
-                          <a:solidFill>
-                            <a:schemeClr val="tx2"/>
-                          </a:solidFill>
-                          <a:effectLst/>
-                          <a:latin typeface="Calibri" pitchFamily="34" charset="0"/>
-                          <a:cs typeface="Times New Roman" pitchFamily="18" charset="0"/>
-                        </a:rPr>
-                        <a:t>s cercano a 1, mejor la eficiencia</a:t>
-                      </a:r>
-                      <a:endParaRPr kumimoji="0" lang="es-PE" sz="1600" b="0" i="0" u="none" strike="noStrike" cap="none" normalizeH="0" baseline="0" smtClean="0">
+                      <a:endParaRPr kumimoji="0" lang="es-PE" sz="1600" b="0" i="0" u="none" strike="noStrike" cap="none" normalizeH="0" baseline="0" dirty="0" smtClean="0">
                         <a:ln>
                           <a:noFill/>
                         </a:ln>
@@ -19993,7 +19246,7 @@
                           <a:schemeClr val="tx2"/>
                         </a:solidFill>
                         <a:effectLst/>
-                        <a:latin typeface="Arial" charset="0"/>
+                        <a:latin typeface="Calibri" pitchFamily="34" charset="0"/>
                       </a:endParaRPr>
                     </a:p>
                   </a:txBody>
@@ -20160,7 +19413,7 @@
                         <a:tabLst/>
                       </a:pPr>
                       <a:r>
-                        <a:rPr kumimoji="0" lang="es-PE" sz="1600" b="0" i="0" u="none" strike="noStrike" cap="none" normalizeH="0" baseline="0" smtClean="0">
+                        <a:rPr kumimoji="0" lang="es-PE" sz="1600" b="0" i="0" u="none" strike="noStrike" cap="none" normalizeH="0" baseline="0" dirty="0" smtClean="0">
                           <a:ln>
                             <a:noFill/>
                           </a:ln>
@@ -20171,37 +19424,9 @@
                           <a:latin typeface="Calibri" pitchFamily="34" charset="0"/>
                           <a:cs typeface="Times New Roman" pitchFamily="18" charset="0"/>
                         </a:rPr>
-                        <a:t>Proporci</a:t>
+                        <a:t>Proporción</a:t>
                       </a:r>
-                      <a:r>
-                        <a:rPr kumimoji="0" lang="es-PE" sz="1600" b="0" i="0" u="none" strike="noStrike" cap="none" normalizeH="0" baseline="0" smtClean="0">
-                          <a:ln>
-                            <a:noFill/>
-                          </a:ln>
-                          <a:solidFill>
-                            <a:schemeClr val="tx2"/>
-                          </a:solidFill>
-                          <a:effectLst/>
-                          <a:latin typeface="Arial" charset="0"/>
-                          <a:cs typeface="Times New Roman" pitchFamily="18" charset="0"/>
-                        </a:rPr>
-                        <a:t>ó</a:t>
-                      </a:r>
-                      <a:r>
-                        <a:rPr kumimoji="0" lang="es-PE" sz="1600" b="0" i="0" u="none" strike="noStrike" cap="none" normalizeH="0" baseline="0" smtClean="0">
-                          <a:ln>
-                            <a:noFill/>
-                          </a:ln>
-                          <a:solidFill>
-                            <a:schemeClr val="tx2"/>
-                          </a:solidFill>
-                          <a:effectLst/>
-                          <a:latin typeface="Calibri" pitchFamily="34" charset="0"/>
-                          <a:cs typeface="Times New Roman" pitchFamily="18" charset="0"/>
-                        </a:rPr>
-                        <a:t>n</a:t>
-                      </a:r>
-                      <a:endParaRPr kumimoji="0" lang="es-PE" sz="1600" b="0" i="0" u="none" strike="noStrike" cap="none" normalizeH="0" baseline="0" smtClean="0">
+                      <a:endParaRPr kumimoji="0" lang="es-PE" sz="1600" b="0" i="0" u="none" strike="noStrike" cap="none" normalizeH="0" baseline="0" dirty="0" smtClean="0">
                         <a:ln>
                           <a:noFill/>
                         </a:ln>
@@ -20209,7 +19434,7 @@
                           <a:schemeClr val="tx2"/>
                         </a:solidFill>
                         <a:effectLst/>
-                        <a:latin typeface="Arial" charset="0"/>
+                        <a:latin typeface="Calibri" pitchFamily="34" charset="0"/>
                       </a:endParaRPr>
                     </a:p>
                   </a:txBody>
@@ -20376,7 +19601,7 @@
                         <a:tabLst/>
                       </a:pPr>
                       <a:r>
-                        <a:rPr kumimoji="0" lang="es-PE" sz="1600" b="0" i="0" u="none" strike="noStrike" cap="none" normalizeH="0" baseline="0" smtClean="0">
+                        <a:rPr kumimoji="0" lang="es-PE" sz="1600" b="0" i="0" u="none" strike="noStrike" cap="none" normalizeH="0" baseline="0" dirty="0" smtClean="0">
                           <a:ln>
                             <a:noFill/>
                           </a:ln>
@@ -20389,7 +19614,7 @@
                         </a:rPr>
                         <a:t>X = porcentaje/porcentaje</a:t>
                       </a:r>
-                      <a:endParaRPr kumimoji="0" lang="es-PE" sz="1600" b="0" i="0" u="none" strike="noStrike" cap="none" normalizeH="0" baseline="0" smtClean="0">
+                      <a:endParaRPr kumimoji="0" lang="es-PE" sz="1600" b="0" i="0" u="none" strike="noStrike" cap="none" normalizeH="0" baseline="0" dirty="0" smtClean="0">
                         <a:ln>
                           <a:noFill/>
                         </a:ln>
@@ -20397,183 +19622,7 @@
                           <a:schemeClr val="tx2"/>
                         </a:solidFill>
                         <a:effectLst/>
-                        <a:latin typeface="Arial" charset="0"/>
-                      </a:endParaRPr>
-                    </a:p>
-                  </a:txBody>
-                  <a:tcPr horzOverflow="overflow">
-                    <a:lnL w="12700" cap="flat" cmpd="sng" algn="ctr">
-                      <a:solidFill>
-                        <a:srgbClr val="000000"/>
-                      </a:solidFill>
-                      <a:prstDash val="solid"/>
-                      <a:round/>
-                      <a:headEnd type="none" w="med" len="med"/>
-                      <a:tailEnd type="none" w="med" len="med"/>
-                    </a:lnL>
-                    <a:lnR w="12700" cap="flat" cmpd="sng" algn="ctr">
-                      <a:solidFill>
-                        <a:srgbClr val="000000"/>
-                      </a:solidFill>
-                      <a:prstDash val="solid"/>
-                      <a:round/>
-                      <a:headEnd type="none" w="med" len="med"/>
-                      <a:tailEnd type="none" w="med" len="med"/>
-                    </a:lnR>
-                    <a:lnT w="12700" cap="flat" cmpd="sng" algn="ctr">
-                      <a:solidFill>
-                        <a:srgbClr val="000000"/>
-                      </a:solidFill>
-                      <a:prstDash val="solid"/>
-                      <a:round/>
-                      <a:headEnd type="none" w="med" len="med"/>
-                      <a:tailEnd type="none" w="med" len="med"/>
-                    </a:lnT>
-                    <a:lnB w="12700" cap="flat" cmpd="sng" algn="ctr">
-                      <a:solidFill>
-                        <a:srgbClr val="000000"/>
-                      </a:solidFill>
-                      <a:prstDash val="solid"/>
-                      <a:round/>
-                      <a:headEnd type="none" w="med" len="med"/>
-                      <a:tailEnd type="none" w="med" len="med"/>
-                    </a:lnB>
-                    <a:lnTlToBr>
-                      <a:noFill/>
-                    </a:lnTlToBr>
-                    <a:lnBlToTr>
-                      <a:noFill/>
-                    </a:lnBlToTr>
-                    <a:noFill/>
-                  </a:tcPr>
-                </a:tc>
-              </a:tr>
-              <a:tr h="260350">
-                <a:tc>
-                  <a:txBody>
-                    <a:bodyPr/>
-                    <a:lstStyle/>
-                    <a:p>
-                      <a:pPr marL="0" marR="0" lvl="0" indent="0" algn="l" defTabSz="914400" rtl="0" eaLnBrk="1" fontAlgn="base" latinLnBrk="0" hangingPunct="1">
-                        <a:lnSpc>
-                          <a:spcPct val="100000"/>
-                        </a:lnSpc>
-                        <a:spcBef>
-                          <a:spcPct val="0"/>
-                        </a:spcBef>
-                        <a:spcAft>
-                          <a:spcPct val="0"/>
-                        </a:spcAft>
-                        <a:buClrTx/>
-                        <a:buSzTx/>
-                        <a:buFontTx/>
-                        <a:buNone/>
-                        <a:tabLst/>
-                      </a:pPr>
-                      <a:r>
-                        <a:rPr kumimoji="0" lang="es-PE" sz="1600" b="1" i="0" u="none" strike="noStrike" cap="none" normalizeH="0" baseline="0" smtClean="0">
-                          <a:ln>
-                            <a:noFill/>
-                          </a:ln>
-                          <a:solidFill>
-                            <a:schemeClr val="tx2"/>
-                          </a:solidFill>
-                          <a:effectLst/>
-                          <a:latin typeface="Calibri" pitchFamily="34" charset="0"/>
-                          <a:cs typeface="Times New Roman" pitchFamily="18" charset="0"/>
-                        </a:rPr>
-                        <a:t>NOTA</a:t>
-                      </a:r>
-                      <a:endParaRPr kumimoji="0" lang="es-PE" sz="1600" b="0" i="0" u="none" strike="noStrike" cap="none" normalizeH="0" baseline="0" smtClean="0">
-                        <a:ln>
-                          <a:noFill/>
-                        </a:ln>
-                        <a:solidFill>
-                          <a:schemeClr val="tx2"/>
-                        </a:solidFill>
-                        <a:effectLst/>
-                        <a:latin typeface="Arial" charset="0"/>
-                      </a:endParaRPr>
-                    </a:p>
-                  </a:txBody>
-                  <a:tcPr horzOverflow="overflow">
-                    <a:lnL w="12700" cap="flat" cmpd="sng" algn="ctr">
-                      <a:solidFill>
-                        <a:srgbClr val="000000"/>
-                      </a:solidFill>
-                      <a:prstDash val="solid"/>
-                      <a:round/>
-                      <a:headEnd type="none" w="med" len="med"/>
-                      <a:tailEnd type="none" w="med" len="med"/>
-                    </a:lnL>
-                    <a:lnR w="12700" cap="flat" cmpd="sng" algn="ctr">
-                      <a:solidFill>
-                        <a:srgbClr val="000000"/>
-                      </a:solidFill>
-                      <a:prstDash val="solid"/>
-                      <a:round/>
-                      <a:headEnd type="none" w="med" len="med"/>
-                      <a:tailEnd type="none" w="med" len="med"/>
-                    </a:lnR>
-                    <a:lnT w="12700" cap="flat" cmpd="sng" algn="ctr">
-                      <a:solidFill>
-                        <a:srgbClr val="000000"/>
-                      </a:solidFill>
-                      <a:prstDash val="solid"/>
-                      <a:round/>
-                      <a:headEnd type="none" w="med" len="med"/>
-                      <a:tailEnd type="none" w="med" len="med"/>
-                    </a:lnT>
-                    <a:lnB w="12700" cap="flat" cmpd="sng" algn="ctr">
-                      <a:solidFill>
-                        <a:srgbClr val="000000"/>
-                      </a:solidFill>
-                      <a:prstDash val="solid"/>
-                      <a:round/>
-                      <a:headEnd type="none" w="med" len="med"/>
-                      <a:tailEnd type="none" w="med" len="med"/>
-                    </a:lnB>
-                    <a:lnTlToBr>
-                      <a:noFill/>
-                    </a:lnTlToBr>
-                    <a:lnBlToTr>
-                      <a:noFill/>
-                    </a:lnBlToTr>
-                    <a:noFill/>
-                  </a:tcPr>
-                </a:tc>
-                <a:tc>
-                  <a:txBody>
-                    <a:bodyPr/>
-                    <a:lstStyle/>
-                    <a:p>
-                      <a:pPr marL="0" marR="0" lvl="0" indent="0" algn="l" defTabSz="914400" rtl="0" eaLnBrk="0" fontAlgn="base" latinLnBrk="0" hangingPunct="0">
-                        <a:lnSpc>
-                          <a:spcPct val="100000"/>
-                        </a:lnSpc>
-                        <a:spcBef>
-                          <a:spcPct val="20000"/>
-                        </a:spcBef>
-                        <a:spcAft>
-                          <a:spcPct val="0"/>
-                        </a:spcAft>
-                        <a:buClr>
-                          <a:schemeClr val="accent1"/>
-                        </a:buClr>
-                        <a:buSzPct val="100000"/>
-                        <a:buFont typeface="Symbol" pitchFamily="18" charset="2"/>
-                        <a:buNone/>
-                        <a:tabLst/>
-                      </a:pPr>
-                      <a:endParaRPr kumimoji="0" lang="es-ES" sz="1600" b="0" i="0" u="none" strike="noStrike" cap="none" normalizeH="0" baseline="0" smtClean="0">
-                        <a:ln>
-                          <a:noFill/>
-                        </a:ln>
-                        <a:solidFill>
-                          <a:schemeClr val="tx2"/>
-                        </a:solidFill>
-                        <a:effectLst/>
-                        <a:latin typeface="Arial" charset="0"/>
+                        <a:latin typeface="Calibri" pitchFamily="34" charset="0"/>
                       </a:endParaRPr>
                     </a:p>
                   </a:txBody>
@@ -20682,12 +19731,12 @@
           <a:p>
             <a:pPr eaLnBrk="1" hangingPunct="1"/>
             <a:r>
-              <a:rPr lang="es-PE" smtClean="0">
+              <a:rPr lang="es-PE" dirty="0" smtClean="0">
                 <a:latin typeface="Candara" pitchFamily="34" charset="0"/>
               </a:rPr>
               <a:t>CONTRATOS DE CLIENTES</a:t>
             </a:r>
-            <a:endParaRPr lang="es-PE" sz="3600" smtClean="0">
+            <a:endParaRPr lang="es-PE" sz="3600" dirty="0" smtClean="0">
               <a:latin typeface="Candara" pitchFamily="34" charset="0"/>
             </a:endParaRPr>
           </a:p>
@@ -20882,8 +19931,8 @@
         </p:nvSpPr>
         <p:spPr>
           <a:xfrm>
-            <a:off x="611188" y="2852738"/>
-            <a:ext cx="8229600" cy="1252537"/>
+            <a:off x="395536" y="2852738"/>
+            <a:ext cx="8445252" cy="1252537"/>
           </a:xfrm>
         </p:spPr>
         <p:txBody>
@@ -20957,7 +20006,7 @@
           <a:p>
             <a:pPr eaLnBrk="1" hangingPunct="1"/>
             <a:r>
-              <a:rPr lang="en-US" sz="4000" b="1" smtClean="0">
+              <a:rPr lang="en-US" sz="4000" b="1" dirty="0" smtClean="0">
                 <a:solidFill>
                   <a:schemeClr val="tx2"/>
                 </a:solidFill>
@@ -20965,7 +20014,7 @@
               </a:rPr>
               <a:t>NORMA ISO 9001:2000</a:t>
             </a:r>
-            <a:endParaRPr lang="es-PE" sz="4000" b="1" smtClean="0">
+            <a:endParaRPr lang="es-PE" sz="4000" b="1" dirty="0" smtClean="0">
               <a:solidFill>
                 <a:schemeClr val="tx2"/>
               </a:solidFill>
@@ -21070,7 +20119,7 @@
           <a:p>
             <a:pPr eaLnBrk="1" hangingPunct="1"/>
             <a:r>
-              <a:rPr lang="en-US" sz="3600" b="1" smtClean="0">
+              <a:rPr lang="en-US" sz="3600" b="1" dirty="0" smtClean="0">
                 <a:solidFill>
                   <a:schemeClr val="tx2"/>
                 </a:solidFill>
@@ -21078,7 +20127,7 @@
               </a:rPr>
               <a:t>REQ. 4.2.3 CONTROL DE DOCUMENTOS</a:t>
             </a:r>
-            <a:endParaRPr lang="es-PE" sz="3600" b="1" smtClean="0">
+            <a:endParaRPr lang="es-PE" sz="3600" b="1" dirty="0" smtClean="0">
               <a:solidFill>
                 <a:schemeClr val="tx2"/>
               </a:solidFill>
@@ -21106,7 +20155,7 @@
         </p:blipFill>
         <p:spPr bwMode="auto">
           <a:xfrm>
-            <a:off x="2700338" y="1484313"/>
+            <a:off x="2627784" y="1484313"/>
             <a:ext cx="3906837" cy="4321175"/>
           </a:xfrm>
           <a:prstGeom prst="rect">
@@ -21170,7 +20219,7 @@
         </p:blipFill>
         <p:spPr bwMode="auto">
           <a:xfrm>
-            <a:off x="2268538" y="620713"/>
+            <a:off x="1979712" y="620713"/>
             <a:ext cx="5248275" cy="5667375"/>
           </a:xfrm>
           <a:prstGeom prst="rect">
@@ -21231,8 +20280,8 @@
         </p:nvSpPr>
         <p:spPr>
           <a:xfrm>
-            <a:off x="611188" y="2852738"/>
-            <a:ext cx="8229600" cy="1252537"/>
+            <a:off x="323528" y="2060848"/>
+            <a:ext cx="8517260" cy="1252537"/>
           </a:xfrm>
         </p:spPr>
         <p:txBody>
@@ -21241,7 +20290,7 @@
           <a:p>
             <a:pPr eaLnBrk="1" hangingPunct="1"/>
             <a:r>
-              <a:rPr lang="es-PE" sz="4000" b="1" smtClean="0">
+              <a:rPr lang="es-PE" sz="4000" b="1" dirty="0" smtClean="0">
                 <a:solidFill>
                   <a:schemeClr val="tx2"/>
                 </a:solidFill>
@@ -21269,7 +20318,7 @@
         </p:blipFill>
         <p:spPr bwMode="auto">
           <a:xfrm>
-            <a:off x="2700338" y="3860800"/>
+            <a:off x="2555776" y="3573016"/>
             <a:ext cx="4284662" cy="2297113"/>
           </a:xfrm>
           <a:prstGeom prst="rect">
@@ -21328,8 +20377,8 @@
         </p:nvSpPr>
         <p:spPr>
           <a:xfrm>
-            <a:off x="611188" y="1844675"/>
-            <a:ext cx="8229600" cy="1252538"/>
+            <a:off x="323528" y="1844675"/>
+            <a:ext cx="8517260" cy="1252538"/>
           </a:xfrm>
         </p:spPr>
         <p:txBody>
@@ -21338,7 +20387,7 @@
           <a:p>
             <a:pPr eaLnBrk="1" hangingPunct="1"/>
             <a:r>
-              <a:rPr lang="es-PE" sz="4000" b="1" smtClean="0">
+              <a:rPr lang="es-PE" sz="4000" b="1" dirty="0" smtClean="0">
                 <a:solidFill>
                   <a:srgbClr val="8C2902"/>
                 </a:solidFill>
@@ -21347,7 +20396,7 @@
               <a:t>ATRIBUTO </a:t>
             </a:r>
             <a:r>
-              <a:rPr lang="es-PE" sz="4000" b="1" u="sng" smtClean="0">
+              <a:rPr lang="es-PE" sz="4000" b="1" u="sng" dirty="0" smtClean="0">
                 <a:solidFill>
                   <a:srgbClr val="8C2902"/>
                 </a:solidFill>
@@ -21386,7 +20435,7 @@
         </p:blipFill>
         <p:spPr bwMode="auto">
           <a:xfrm>
-            <a:off x="2339975" y="2636838"/>
+            <a:off x="2123728" y="2671242"/>
             <a:ext cx="4968875" cy="3863975"/>
           </a:xfrm>
           <a:prstGeom prst="rect">
@@ -21480,7 +20529,7 @@
         <p:spPr>
           <a:xfrm>
             <a:off x="395288" y="188913"/>
-            <a:ext cx="8229600" cy="1252537"/>
+            <a:ext cx="8353176" cy="863823"/>
           </a:xfrm>
         </p:spPr>
         <p:txBody>
@@ -21489,13 +20538,31 @@
           <a:p>
             <a:pPr eaLnBrk="1" hangingPunct="1"/>
             <a:r>
-              <a:rPr lang="es-PE" sz="4000" b="1" smtClean="0">
+              <a:rPr lang="es-PE" sz="4000" b="1" dirty="0" smtClean="0">
                 <a:solidFill>
                   <a:schemeClr val="tx2"/>
                 </a:solidFill>
                 <a:latin typeface="Candara" pitchFamily="34" charset="0"/>
               </a:rPr>
-              <a:t>Métrica externa(1)</a:t>
+              <a:t>Métrica </a:t>
+            </a:r>
+            <a:r>
+              <a:rPr lang="es-PE" sz="4000" b="1" dirty="0" smtClean="0">
+                <a:solidFill>
+                  <a:schemeClr val="tx2"/>
+                </a:solidFill>
+                <a:latin typeface="Candara" pitchFamily="34" charset="0"/>
+              </a:rPr>
+              <a:t>externa (</a:t>
+            </a:r>
+            <a:r>
+              <a:rPr lang="es-PE" sz="4000" b="1" dirty="0" smtClean="0">
+                <a:solidFill>
+                  <a:schemeClr val="tx2"/>
+                </a:solidFill>
+                <a:latin typeface="Candara" pitchFamily="34" charset="0"/>
+              </a:rPr>
+              <a:t>1)</a:t>
             </a:r>
           </a:p>
         </p:txBody>
@@ -21510,7 +20577,7 @@
         </p:nvSpPr>
         <p:spPr bwMode="auto">
           <a:xfrm>
-            <a:off x="2484438" y="1196975"/>
+            <a:off x="2484438" y="980728"/>
             <a:ext cx="4248150" cy="304800"/>
           </a:xfrm>
           <a:prstGeom prst="rect">
@@ -21536,14 +20603,14 @@
               </a:spcBef>
             </a:pPr>
             <a:r>
-              <a:rPr lang="es-PE" sz="1400" b="1">
+              <a:rPr lang="es-PE" sz="1400" b="1" dirty="0">
                 <a:solidFill>
                   <a:schemeClr val="tx2"/>
                 </a:solidFill>
               </a:rPr>
               <a:t>SUB-ATRIBUTO: TOLERANCIA A FALLOS</a:t>
             </a:r>
-            <a:endParaRPr lang="es-ES" sz="1400" b="1">
+            <a:endParaRPr lang="es-ES" sz="1400" b="1" dirty="0">
               <a:solidFill>
                 <a:schemeClr val="tx2"/>
               </a:solidFill>
@@ -21557,11 +20624,17 @@
           <p:cNvGraphicFramePr>
             <a:graphicFrameLocks noGrp="1"/>
           </p:cNvGraphicFramePr>
-          <p:nvPr/>
+          <p:nvPr>
+            <p:extLst>
+              <p:ext uri="{D42A27DB-BD31-4B8C-83A1-F6EECF244321}">
+                <p14:modId xmlns:p14="http://schemas.microsoft.com/office/powerpoint/2010/main" val="2901590943"/>
+              </p:ext>
+            </p:extLst>
+          </p:nvPr>
         </p:nvGraphicFramePr>
         <p:xfrm>
-          <a:off x="755650" y="1557338"/>
-          <a:ext cx="7848600" cy="5211762"/>
+          <a:off x="683568" y="1412776"/>
+          <a:ext cx="7848600" cy="5212080"/>
         </p:xfrm>
         <a:graphic>
           <a:graphicData uri="http://schemas.openxmlformats.org/drawingml/2006/table">
@@ -21594,7 +20667,7 @@
                         <a:tabLst/>
                       </a:pPr>
                       <a:r>
-                        <a:rPr kumimoji="0" lang="es-PE" sz="1600" b="1" i="0" u="none" strike="noStrike" cap="none" normalizeH="0" baseline="0" smtClean="0">
+                        <a:rPr kumimoji="0" lang="es-PE" sz="1600" b="1" i="0" u="none" strike="noStrike" cap="none" normalizeH="0" baseline="0" dirty="0" smtClean="0">
                           <a:ln>
                             <a:noFill/>
                           </a:ln>
@@ -21607,7 +20680,7 @@
                         </a:rPr>
                         <a:t>METRICA EXTERNA DE FIABILIDAD</a:t>
                       </a:r>
-                      <a:endParaRPr kumimoji="0" lang="es-PE" sz="1600" b="0" i="0" u="none" strike="noStrike" cap="none" normalizeH="0" baseline="0" smtClean="0">
+                      <a:endParaRPr kumimoji="0" lang="es-PE" sz="1600" b="0" i="0" u="none" strike="noStrike" cap="none" normalizeH="0" baseline="0" dirty="0" smtClean="0">
                         <a:ln>
                           <a:noFill/>
                         </a:ln>
@@ -21792,7 +20865,7 @@
                         <a:tabLst/>
                       </a:pPr>
                       <a:r>
-                        <a:rPr kumimoji="0" lang="es-PE" sz="1600" b="0" i="0" u="none" strike="noStrike" cap="none" normalizeH="0" baseline="0" smtClean="0">
+                        <a:rPr kumimoji="0" lang="es-PE" sz="1600" b="0" i="0" u="none" strike="noStrike" cap="none" normalizeH="0" baseline="0" dirty="0" smtClean="0">
                           <a:ln>
                             <a:noFill/>
                           </a:ln>
@@ -21806,21 +20879,7 @@
                         <a:t>Prevenci</a:t>
                       </a:r>
                       <a:r>
-                        <a:rPr kumimoji="0" lang="es-PE" sz="1400" b="0" i="0" u="none" strike="noStrike" cap="none" normalizeH="0" baseline="0" smtClean="0">
-                          <a:ln>
-                            <a:noFill/>
-                          </a:ln>
-                          <a:solidFill>
-                            <a:schemeClr val="tx2"/>
-                          </a:solidFill>
-                          <a:effectLst/>
-                          <a:latin typeface="Arial"/>
-                          <a:cs typeface="Times New Roman" pitchFamily="18" charset="0"/>
-                        </a:rPr>
-                        <a:t>ó</a:t>
-                      </a:r>
-                      <a:r>
-                        <a:rPr kumimoji="0" lang="es-PE" sz="1600" b="0" i="0" u="none" strike="noStrike" cap="none" normalizeH="0" baseline="0" smtClean="0">
+                        <a:rPr kumimoji="0" lang="es-PE" sz="1400" b="0" i="0" u="none" strike="noStrike" cap="none" normalizeH="0" baseline="0" dirty="0" smtClean="0">
                           <a:ln>
                             <a:noFill/>
                           </a:ln>
@@ -21831,24 +20890,10 @@
                           <a:latin typeface="Calibri" pitchFamily="34" charset="0"/>
                           <a:cs typeface="Times New Roman" pitchFamily="18" charset="0"/>
                         </a:rPr>
-                        <a:t>n de ca</a:t>
+                        <a:t>ó</a:t>
                       </a:r>
                       <a:r>
-                        <a:rPr kumimoji="0" lang="es-PE" sz="1600" b="0" i="0" u="none" strike="noStrike" cap="none" normalizeH="0" baseline="0" smtClean="0">
-                          <a:ln>
-                            <a:noFill/>
-                          </a:ln>
-                          <a:solidFill>
-                            <a:schemeClr val="tx2"/>
-                          </a:solidFill>
-                          <a:effectLst/>
-                          <a:latin typeface="Arial"/>
-                          <a:cs typeface="Times New Roman" pitchFamily="18" charset="0"/>
-                        </a:rPr>
-                        <a:t>í</a:t>
-                      </a:r>
-                      <a:r>
-                        <a:rPr kumimoji="0" lang="es-PE" sz="1600" b="0" i="0" u="none" strike="noStrike" cap="none" normalizeH="0" baseline="0" smtClean="0">
+                        <a:rPr kumimoji="0" lang="es-PE" sz="1600" b="0" i="0" u="none" strike="noStrike" cap="none" normalizeH="0" baseline="0" dirty="0" smtClean="0">
                           <a:ln>
                             <a:noFill/>
                           </a:ln>
@@ -21859,9 +20904,23 @@
                           <a:latin typeface="Calibri" pitchFamily="34" charset="0"/>
                           <a:cs typeface="Times New Roman" pitchFamily="18" charset="0"/>
                         </a:rPr>
-                        <a:t>das</a:t>
+                        <a:t>n de </a:t>
                       </a:r>
-                      <a:endParaRPr kumimoji="0" lang="es-PE" sz="1600" b="0" i="0" u="none" strike="noStrike" cap="none" normalizeH="0" baseline="0" smtClean="0">
+                      <a:r>
+                        <a:rPr kumimoji="0" lang="es-PE" sz="1600" b="0" i="0" u="none" strike="noStrike" cap="none" normalizeH="0" baseline="0" dirty="0" smtClean="0">
+                          <a:ln>
+                            <a:noFill/>
+                          </a:ln>
+                          <a:solidFill>
+                            <a:schemeClr val="tx2"/>
+                          </a:solidFill>
+                          <a:effectLst/>
+                          <a:latin typeface="Calibri" pitchFamily="34" charset="0"/>
+                          <a:cs typeface="Times New Roman" pitchFamily="18" charset="0"/>
+                        </a:rPr>
+                        <a:t>caías</a:t>
+                      </a:r>
+                      <a:endParaRPr kumimoji="0" lang="es-PE" sz="1600" b="0" i="0" u="none" strike="noStrike" cap="none" normalizeH="0" baseline="0" dirty="0" smtClean="0">
                         <a:ln>
                           <a:noFill/>
                         </a:ln>
@@ -21869,7 +20928,7 @@
                           <a:schemeClr val="tx2"/>
                         </a:solidFill>
                         <a:effectLst/>
-                        <a:latin typeface="Arial" charset="0"/>
+                        <a:latin typeface="Calibri" pitchFamily="34" charset="0"/>
                       </a:endParaRPr>
                     </a:p>
                   </a:txBody>
@@ -22019,7 +21078,7 @@
                     <a:bodyPr/>
                     <a:lstStyle/>
                     <a:p>
-                      <a:pPr marL="0" marR="0" lvl="0" indent="0" algn="l" defTabSz="914400" rtl="0" eaLnBrk="1" fontAlgn="base" latinLnBrk="0" hangingPunct="1">
+                      <a:pPr marL="0" marR="0" lvl="0" indent="0" algn="just" defTabSz="914400" rtl="0" eaLnBrk="1" fontAlgn="base" latinLnBrk="0" hangingPunct="1">
                         <a:lnSpc>
                           <a:spcPct val="100000"/>
                         </a:lnSpc>
@@ -22036,7 +21095,7 @@
                         <a:tabLst/>
                       </a:pPr>
                       <a:r>
-                        <a:rPr kumimoji="0" lang="es-PE" sz="1600" b="0" i="0" u="none" strike="noStrike" cap="none" normalizeH="0" baseline="0" smtClean="0">
+                        <a:rPr kumimoji="0" lang="es-PE" sz="1600" b="0" i="0" u="none" strike="noStrike" cap="none" normalizeH="0" baseline="0" dirty="0" smtClean="0">
                           <a:ln>
                             <a:noFill/>
                           </a:ln>
@@ -22047,65 +21106,9 @@
                           <a:latin typeface="Calibri" pitchFamily="34" charset="0"/>
                           <a:cs typeface="Times New Roman" pitchFamily="18" charset="0"/>
                         </a:rPr>
-                        <a:t>Medir la frecuencia de ca</a:t>
+                        <a:t>Medir la frecuencia de caídas del software en el ambiente de producción</a:t>
                       </a:r>
-                      <a:r>
-                        <a:rPr kumimoji="0" lang="es-PE" sz="1600" b="0" i="0" u="none" strike="noStrike" cap="none" normalizeH="0" baseline="0" smtClean="0">
-                          <a:ln>
-                            <a:noFill/>
-                          </a:ln>
-                          <a:solidFill>
-                            <a:schemeClr val="tx2"/>
-                          </a:solidFill>
-                          <a:effectLst/>
-                          <a:latin typeface="Arial"/>
-                          <a:cs typeface="Times New Roman" pitchFamily="18" charset="0"/>
-                        </a:rPr>
-                        <a:t>í</a:t>
-                      </a:r>
-                      <a:r>
-                        <a:rPr kumimoji="0" lang="es-PE" sz="1600" b="0" i="0" u="none" strike="noStrike" cap="none" normalizeH="0" baseline="0" smtClean="0">
-                          <a:ln>
-                            <a:noFill/>
-                          </a:ln>
-                          <a:solidFill>
-                            <a:schemeClr val="tx2"/>
-                          </a:solidFill>
-                          <a:effectLst/>
-                          <a:latin typeface="Calibri" pitchFamily="34" charset="0"/>
-                          <a:cs typeface="Times New Roman" pitchFamily="18" charset="0"/>
-                        </a:rPr>
-                        <a:t>das del software en el ambiente de producci</a:t>
-                      </a:r>
-                      <a:r>
-                        <a:rPr kumimoji="0" lang="es-PE" sz="1600" b="0" i="0" u="none" strike="noStrike" cap="none" normalizeH="0" baseline="0" smtClean="0">
-                          <a:ln>
-                            <a:noFill/>
-                          </a:ln>
-                          <a:solidFill>
-                            <a:schemeClr val="tx2"/>
-                          </a:solidFill>
-                          <a:effectLst/>
-                          <a:latin typeface="Arial"/>
-                          <a:cs typeface="Times New Roman" pitchFamily="18" charset="0"/>
-                        </a:rPr>
-                        <a:t>ó</a:t>
-                      </a:r>
-                      <a:r>
-                        <a:rPr kumimoji="0" lang="es-PE" sz="1600" b="0" i="0" u="none" strike="noStrike" cap="none" normalizeH="0" baseline="0" smtClean="0">
-                          <a:ln>
-                            <a:noFill/>
-                          </a:ln>
-                          <a:solidFill>
-                            <a:schemeClr val="tx2"/>
-                          </a:solidFill>
-                          <a:effectLst/>
-                          <a:latin typeface="Calibri" pitchFamily="34" charset="0"/>
-                          <a:cs typeface="Times New Roman" pitchFamily="18" charset="0"/>
-                        </a:rPr>
-                        <a:t>n</a:t>
-                      </a:r>
-                      <a:endParaRPr kumimoji="0" lang="es-PE" sz="1600" b="0" i="0" u="none" strike="noStrike" cap="none" normalizeH="0" baseline="0" smtClean="0">
+                      <a:endParaRPr kumimoji="0" lang="es-PE" sz="1600" b="0" i="0" u="none" strike="noStrike" cap="none" normalizeH="0" baseline="0" dirty="0" smtClean="0">
                         <a:ln>
                           <a:noFill/>
                         </a:ln>
@@ -22113,7 +21116,7 @@
                           <a:schemeClr val="tx2"/>
                         </a:solidFill>
                         <a:effectLst/>
-                        <a:latin typeface="Arial" charset="0"/>
+                        <a:latin typeface="Calibri" pitchFamily="34" charset="0"/>
                       </a:endParaRPr>
                     </a:p>
                   </a:txBody>
@@ -22187,7 +21190,7 @@
                         <a:tabLst/>
                       </a:pPr>
                       <a:r>
-                        <a:rPr kumimoji="0" lang="es-PE" sz="1600" b="1" i="0" u="none" strike="noStrike" cap="none" normalizeH="0" baseline="0" smtClean="0">
+                        <a:rPr kumimoji="0" lang="es-PE" sz="1600" b="1" i="0" u="none" strike="noStrike" cap="none" normalizeH="0" baseline="0" dirty="0" smtClean="0">
                           <a:ln>
                             <a:noFill/>
                           </a:ln>
@@ -22198,24 +21201,10 @@
                           <a:latin typeface="Calibri" pitchFamily="34" charset="0"/>
                           <a:cs typeface="Times New Roman" pitchFamily="18" charset="0"/>
                         </a:rPr>
-                        <a:t>METODO APLICACI</a:t>
+                        <a:t>METODO </a:t>
                       </a:r>
                       <a:r>
-                        <a:rPr kumimoji="0" lang="es-PE" sz="1600" b="1" i="0" u="none" strike="noStrike" cap="none" normalizeH="0" baseline="0" smtClean="0">
-                          <a:ln>
-                            <a:noFill/>
-                          </a:ln>
-                          <a:solidFill>
-                            <a:schemeClr val="tx2"/>
-                          </a:solidFill>
-                          <a:effectLst/>
-                          <a:latin typeface="Arial"/>
-                          <a:cs typeface="Times New Roman" pitchFamily="18" charset="0"/>
-                        </a:rPr>
-                        <a:t>Ó</a:t>
-                      </a:r>
-                      <a:r>
-                        <a:rPr kumimoji="0" lang="es-PE" sz="1600" b="1" i="0" u="none" strike="noStrike" cap="none" normalizeH="0" baseline="0" smtClean="0">
+                        <a:rPr kumimoji="0" lang="es-PE" sz="1600" b="1" i="0" u="none" strike="noStrike" cap="none" normalizeH="0" baseline="0" dirty="0" smtClean="0">
                           <a:ln>
                             <a:noFill/>
                           </a:ln>
@@ -22226,9 +21215,9 @@
                           <a:latin typeface="Calibri" pitchFamily="34" charset="0"/>
                           <a:cs typeface="Times New Roman" pitchFamily="18" charset="0"/>
                         </a:rPr>
-                        <a:t>N</a:t>
+                        <a:t>APLICACION</a:t>
                       </a:r>
-                      <a:endParaRPr kumimoji="0" lang="es-PE" sz="1600" b="0" i="0" u="none" strike="noStrike" cap="none" normalizeH="0" baseline="0" smtClean="0">
+                      <a:endParaRPr kumimoji="0" lang="es-PE" sz="1600" b="0" i="0" u="none" strike="noStrike" cap="none" normalizeH="0" baseline="0" dirty="0" smtClean="0">
                         <a:ln>
                           <a:noFill/>
                         </a:ln>
@@ -22291,7 +21280,7 @@
                     <a:bodyPr/>
                     <a:lstStyle/>
                     <a:p>
-                      <a:pPr marL="0" marR="0" lvl="0" indent="0" algn="l" defTabSz="914400" rtl="0" eaLnBrk="1" fontAlgn="base" latinLnBrk="0" hangingPunct="1">
+                      <a:pPr marL="0" marR="0" lvl="0" indent="0" algn="just" defTabSz="914400" rtl="0" eaLnBrk="1" fontAlgn="base" latinLnBrk="0" hangingPunct="1">
                         <a:lnSpc>
                           <a:spcPct val="100000"/>
                         </a:lnSpc>
@@ -22308,7 +21297,7 @@
                         <a:tabLst/>
                       </a:pPr>
                       <a:r>
-                        <a:rPr kumimoji="0" lang="es-PE" sz="1600" b="0" i="0" u="none" strike="noStrike" cap="none" normalizeH="0" baseline="0" smtClean="0">
+                        <a:rPr kumimoji="0" lang="es-PE" sz="1600" b="0" i="0" u="none" strike="noStrike" cap="none" normalizeH="0" baseline="0" dirty="0" smtClean="0">
                           <a:ln>
                             <a:noFill/>
                           </a:ln>
@@ -22319,93 +21308,9 @@
                           <a:latin typeface="Calibri" pitchFamily="34" charset="0"/>
                           <a:cs typeface="Times New Roman" pitchFamily="18" charset="0"/>
                         </a:rPr>
-                        <a:t>Contar el n</a:t>
+                        <a:t>Contar el número de caídas ocurridas con respecto al número de fallas</a:t>
                       </a:r>
-                      <a:r>
-                        <a:rPr kumimoji="0" lang="es-PE" sz="1600" b="0" i="0" u="none" strike="noStrike" cap="none" normalizeH="0" baseline="0" smtClean="0">
-                          <a:ln>
-                            <a:noFill/>
-                          </a:ln>
-                          <a:solidFill>
-                            <a:schemeClr val="tx2"/>
-                          </a:solidFill>
-                          <a:effectLst/>
-                          <a:latin typeface="Arial"/>
-                          <a:cs typeface="Times New Roman" pitchFamily="18" charset="0"/>
-                        </a:rPr>
-                        <a:t>ú</a:t>
-                      </a:r>
-                      <a:r>
-                        <a:rPr kumimoji="0" lang="es-PE" sz="1600" b="0" i="0" u="none" strike="noStrike" cap="none" normalizeH="0" baseline="0" smtClean="0">
-                          <a:ln>
-                            <a:noFill/>
-                          </a:ln>
-                          <a:solidFill>
-                            <a:schemeClr val="tx2"/>
-                          </a:solidFill>
-                          <a:effectLst/>
-                          <a:latin typeface="Calibri" pitchFamily="34" charset="0"/>
-                          <a:cs typeface="Times New Roman" pitchFamily="18" charset="0"/>
-                        </a:rPr>
-                        <a:t>mero de ca</a:t>
-                      </a:r>
-                      <a:r>
-                        <a:rPr kumimoji="0" lang="es-PE" sz="1600" b="0" i="0" u="none" strike="noStrike" cap="none" normalizeH="0" baseline="0" smtClean="0">
-                          <a:ln>
-                            <a:noFill/>
-                          </a:ln>
-                          <a:solidFill>
-                            <a:schemeClr val="tx2"/>
-                          </a:solidFill>
-                          <a:effectLst/>
-                          <a:latin typeface="Arial"/>
-                          <a:cs typeface="Times New Roman" pitchFamily="18" charset="0"/>
-                        </a:rPr>
-                        <a:t>í</a:t>
-                      </a:r>
-                      <a:r>
-                        <a:rPr kumimoji="0" lang="es-PE" sz="1600" b="0" i="0" u="none" strike="noStrike" cap="none" normalizeH="0" baseline="0" smtClean="0">
-                          <a:ln>
-                            <a:noFill/>
-                          </a:ln>
-                          <a:solidFill>
-                            <a:schemeClr val="tx2"/>
-                          </a:solidFill>
-                          <a:effectLst/>
-                          <a:latin typeface="Calibri" pitchFamily="34" charset="0"/>
-                          <a:cs typeface="Times New Roman" pitchFamily="18" charset="0"/>
-                        </a:rPr>
-                        <a:t>das ocurridas con respecto al n</a:t>
-                      </a:r>
-                      <a:r>
-                        <a:rPr kumimoji="0" lang="es-PE" sz="1600" b="0" i="0" u="none" strike="noStrike" cap="none" normalizeH="0" baseline="0" smtClean="0">
-                          <a:ln>
-                            <a:noFill/>
-                          </a:ln>
-                          <a:solidFill>
-                            <a:schemeClr val="tx2"/>
-                          </a:solidFill>
-                          <a:effectLst/>
-                          <a:latin typeface="Arial"/>
-                          <a:cs typeface="Times New Roman" pitchFamily="18" charset="0"/>
-                        </a:rPr>
-                        <a:t>ú</a:t>
-                      </a:r>
-                      <a:r>
-                        <a:rPr kumimoji="0" lang="es-PE" sz="1600" b="0" i="0" u="none" strike="noStrike" cap="none" normalizeH="0" baseline="0" smtClean="0">
-                          <a:ln>
-                            <a:noFill/>
-                          </a:ln>
-                          <a:solidFill>
-                            <a:schemeClr val="tx2"/>
-                          </a:solidFill>
-                          <a:effectLst/>
-                          <a:latin typeface="Calibri" pitchFamily="34" charset="0"/>
-                          <a:cs typeface="Times New Roman" pitchFamily="18" charset="0"/>
-                        </a:rPr>
-                        <a:t>mero de fallas</a:t>
-                      </a:r>
-                      <a:endParaRPr kumimoji="0" lang="es-PE" sz="1600" b="0" i="0" u="none" strike="noStrike" cap="none" normalizeH="0" baseline="0" smtClean="0">
+                      <a:endParaRPr kumimoji="0" lang="es-PE" sz="1600" b="0" i="0" u="none" strike="noStrike" cap="none" normalizeH="0" baseline="0" dirty="0" smtClean="0">
                         <a:ln>
                           <a:noFill/>
                         </a:ln>
@@ -22413,7 +21318,7 @@
                           <a:schemeClr val="tx2"/>
                         </a:solidFill>
                         <a:effectLst/>
-                        <a:latin typeface="Arial" charset="0"/>
+                        <a:latin typeface="Calibri" pitchFamily="34" charset="0"/>
                       </a:endParaRPr>
                     </a:p>
                   </a:txBody>
@@ -22580,7 +21485,7 @@
                         <a:tabLst/>
                       </a:pPr>
                       <a:r>
-                        <a:rPr kumimoji="0" lang="pt-BR" sz="1600" b="0" i="0" u="none" strike="noStrike" cap="none" normalizeH="0" baseline="0" smtClean="0">
+                        <a:rPr kumimoji="0" lang="pt-BR" sz="1600" b="0" i="0" u="none" strike="noStrike" cap="none" normalizeH="0" baseline="0" dirty="0" smtClean="0">
                           <a:ln>
                             <a:noFill/>
                           </a:ln>
@@ -22593,7 +21498,7 @@
                         </a:rPr>
                         <a:t>X = 1 - A / B</a:t>
                       </a:r>
-                      <a:endParaRPr kumimoji="0" lang="es-ES" sz="1600" b="0" i="0" u="none" strike="noStrike" cap="none" normalizeH="0" baseline="0" smtClean="0">
+                      <a:endParaRPr kumimoji="0" lang="es-ES" sz="1600" b="0" i="0" u="none" strike="noStrike" cap="none" normalizeH="0" baseline="0" dirty="0" smtClean="0">
                         <a:ln>
                           <a:noFill/>
                         </a:ln>
@@ -22601,7 +21506,7 @@
                           <a:schemeClr val="tx2"/>
                         </a:solidFill>
                         <a:effectLst/>
-                        <a:latin typeface="Times New Roman" pitchFamily="18" charset="0"/>
+                        <a:latin typeface="Calibri" pitchFamily="34" charset="0"/>
                         <a:cs typeface="Times New Roman" pitchFamily="18" charset="0"/>
                       </a:endParaRPr>
                     </a:p>
@@ -22623,7 +21528,7 @@
                         <a:tabLst/>
                       </a:pPr>
                       <a:r>
-                        <a:rPr kumimoji="0" lang="pt-BR" sz="1600" b="0" i="0" u="none" strike="noStrike" cap="none" normalizeH="0" baseline="0" smtClean="0">
+                        <a:rPr kumimoji="0" lang="pt-BR" sz="1600" b="0" i="0" u="none" strike="noStrike" cap="none" normalizeH="0" baseline="0" dirty="0" smtClean="0">
                           <a:ln>
                             <a:noFill/>
                           </a:ln>
@@ -22634,65 +21539,9 @@
                           <a:latin typeface="Calibri" pitchFamily="34" charset="0"/>
                           <a:cs typeface="Times New Roman" pitchFamily="18" charset="0"/>
                         </a:rPr>
-                        <a:t>A = N</a:t>
+                        <a:t>A = Número de caídas</a:t>
                       </a:r>
-                      <a:r>
-                        <a:rPr kumimoji="0" lang="pt-BR" sz="1600" b="0" i="0" u="none" strike="noStrike" cap="none" normalizeH="0" baseline="0" smtClean="0">
-                          <a:ln>
-                            <a:noFill/>
-                          </a:ln>
-                          <a:solidFill>
-                            <a:schemeClr val="tx2"/>
-                          </a:solidFill>
-                          <a:effectLst/>
-                          <a:latin typeface="Arial"/>
-                          <a:cs typeface="Times New Roman" pitchFamily="18" charset="0"/>
-                        </a:rPr>
-                        <a:t>ú</a:t>
-                      </a:r>
-                      <a:r>
-                        <a:rPr kumimoji="0" lang="pt-BR" sz="1600" b="0" i="0" u="none" strike="noStrike" cap="none" normalizeH="0" baseline="0" smtClean="0">
-                          <a:ln>
-                            <a:noFill/>
-                          </a:ln>
-                          <a:solidFill>
-                            <a:schemeClr val="tx2"/>
-                          </a:solidFill>
-                          <a:effectLst/>
-                          <a:latin typeface="Calibri" pitchFamily="34" charset="0"/>
-                          <a:cs typeface="Times New Roman" pitchFamily="18" charset="0"/>
-                        </a:rPr>
-                        <a:t>mero de ca</a:t>
-                      </a:r>
-                      <a:r>
-                        <a:rPr kumimoji="0" lang="pt-BR" sz="1600" b="0" i="0" u="none" strike="noStrike" cap="none" normalizeH="0" baseline="0" smtClean="0">
-                          <a:ln>
-                            <a:noFill/>
-                          </a:ln>
-                          <a:solidFill>
-                            <a:schemeClr val="tx2"/>
-                          </a:solidFill>
-                          <a:effectLst/>
-                          <a:latin typeface="Arial"/>
-                          <a:cs typeface="Times New Roman" pitchFamily="18" charset="0"/>
-                        </a:rPr>
-                        <a:t>í</a:t>
-                      </a:r>
-                      <a:r>
-                        <a:rPr kumimoji="0" lang="pt-BR" sz="1600" b="0" i="0" u="none" strike="noStrike" cap="none" normalizeH="0" baseline="0" smtClean="0">
-                          <a:ln>
-                            <a:noFill/>
-                          </a:ln>
-                          <a:solidFill>
-                            <a:schemeClr val="tx2"/>
-                          </a:solidFill>
-                          <a:effectLst/>
-                          <a:latin typeface="Calibri" pitchFamily="34" charset="0"/>
-                          <a:cs typeface="Times New Roman" pitchFamily="18" charset="0"/>
-                        </a:rPr>
-                        <a:t>das</a:t>
-                      </a:r>
-                      <a:endParaRPr kumimoji="0" lang="es-ES" sz="1600" b="0" i="0" u="none" strike="noStrike" cap="none" normalizeH="0" baseline="0" smtClean="0">
+                      <a:endParaRPr kumimoji="0" lang="es-ES" sz="1600" b="0" i="0" u="none" strike="noStrike" cap="none" normalizeH="0" baseline="0" dirty="0" smtClean="0">
                         <a:ln>
                           <a:noFill/>
                         </a:ln>
@@ -22700,7 +21549,7 @@
                           <a:schemeClr val="tx2"/>
                         </a:solidFill>
                         <a:effectLst/>
-                        <a:latin typeface="Times New Roman" pitchFamily="18" charset="0"/>
+                        <a:latin typeface="Calibri" pitchFamily="34" charset="0"/>
                         <a:cs typeface="Times New Roman" pitchFamily="18" charset="0"/>
                       </a:endParaRPr>
                     </a:p>
@@ -22722,7 +21571,7 @@
                         <a:tabLst/>
                       </a:pPr>
                       <a:r>
-                        <a:rPr kumimoji="0" lang="es-PE" sz="1600" b="0" i="0" u="none" strike="noStrike" cap="none" normalizeH="0" baseline="0" smtClean="0">
+                        <a:rPr kumimoji="0" lang="es-PE" sz="1600" b="0" i="0" u="none" strike="noStrike" cap="none" normalizeH="0" baseline="0" dirty="0" smtClean="0">
                           <a:ln>
                             <a:noFill/>
                           </a:ln>
@@ -22733,37 +21582,9 @@
                           <a:latin typeface="Calibri" pitchFamily="34" charset="0"/>
                           <a:cs typeface="Times New Roman" pitchFamily="18" charset="0"/>
                         </a:rPr>
-                        <a:t>B = N</a:t>
+                        <a:t>B = Número de fallas</a:t>
                       </a:r>
-                      <a:r>
-                        <a:rPr kumimoji="0" lang="es-PE" sz="1600" b="0" i="0" u="none" strike="noStrike" cap="none" normalizeH="0" baseline="0" smtClean="0">
-                          <a:ln>
-                            <a:noFill/>
-                          </a:ln>
-                          <a:solidFill>
-                            <a:schemeClr val="tx2"/>
-                          </a:solidFill>
-                          <a:effectLst/>
-                          <a:latin typeface="Arial"/>
-                          <a:cs typeface="Times New Roman" pitchFamily="18" charset="0"/>
-                        </a:rPr>
-                        <a:t>ú</a:t>
-                      </a:r>
-                      <a:r>
-                        <a:rPr kumimoji="0" lang="es-PE" sz="1600" b="0" i="0" u="none" strike="noStrike" cap="none" normalizeH="0" baseline="0" smtClean="0">
-                          <a:ln>
-                            <a:noFill/>
-                          </a:ln>
-                          <a:solidFill>
-                            <a:schemeClr val="tx2"/>
-                          </a:solidFill>
-                          <a:effectLst/>
-                          <a:latin typeface="Calibri" pitchFamily="34" charset="0"/>
-                          <a:cs typeface="Times New Roman" pitchFamily="18" charset="0"/>
-                        </a:rPr>
-                        <a:t>mero de fallas</a:t>
-                      </a:r>
-                      <a:endParaRPr kumimoji="0" lang="es-PE" sz="1600" b="0" i="0" u="none" strike="noStrike" cap="none" normalizeH="0" baseline="0" smtClean="0">
+                      <a:endParaRPr kumimoji="0" lang="es-PE" sz="1600" b="0" i="0" u="none" strike="noStrike" cap="none" normalizeH="0" baseline="0" dirty="0" smtClean="0">
                         <a:ln>
                           <a:noFill/>
                         </a:ln>
@@ -22771,7 +21592,7 @@
                           <a:schemeClr val="tx2"/>
                         </a:solidFill>
                         <a:effectLst/>
-                        <a:latin typeface="Arial" charset="0"/>
+                        <a:latin typeface="Calibri" pitchFamily="34" charset="0"/>
                       </a:endParaRPr>
                     </a:p>
                   </a:txBody>
@@ -22938,7 +21759,7 @@
                         <a:tabLst/>
                       </a:pPr>
                       <a:r>
-                        <a:rPr kumimoji="0" lang="es-PE" sz="1600" b="0" i="0" u="none" strike="noStrike" cap="none" normalizeH="0" baseline="0" smtClean="0">
+                        <a:rPr kumimoji="0" lang="es-PE" sz="1600" b="0" i="0" u="none" strike="noStrike" cap="none" normalizeH="0" baseline="0" dirty="0" smtClean="0">
                           <a:ln>
                             <a:noFill/>
                           </a:ln>
@@ -22951,7 +21772,7 @@
                         </a:rPr>
                         <a:t>0 &lt;= X &lt;= 1</a:t>
                       </a:r>
-                      <a:endParaRPr kumimoji="0" lang="es-ES" sz="1600" b="0" i="0" u="none" strike="noStrike" cap="none" normalizeH="0" baseline="0" smtClean="0">
+                      <a:endParaRPr kumimoji="0" lang="es-ES" sz="1600" b="0" i="0" u="none" strike="noStrike" cap="none" normalizeH="0" baseline="0" dirty="0" smtClean="0">
                         <a:ln>
                           <a:noFill/>
                         </a:ln>
@@ -22959,7 +21780,7 @@
                           <a:schemeClr val="tx2"/>
                         </a:solidFill>
                         <a:effectLst/>
-                        <a:latin typeface="Times New Roman" pitchFamily="18" charset="0"/>
+                        <a:latin typeface="Calibri" pitchFamily="34" charset="0"/>
                         <a:cs typeface="Times New Roman" pitchFamily="18" charset="0"/>
                       </a:endParaRPr>
                     </a:p>
@@ -22981,7 +21802,7 @@
                         <a:tabLst/>
                       </a:pPr>
                       <a:r>
-                        <a:rPr kumimoji="0" lang="es-PE" sz="1600" b="0" i="0" u="none" strike="noStrike" cap="none" normalizeH="0" baseline="0" smtClean="0">
+                        <a:rPr kumimoji="0" lang="es-PE" sz="1600" b="0" i="0" u="none" strike="noStrike" cap="none" normalizeH="0" baseline="0" dirty="0" smtClean="0">
                           <a:ln>
                             <a:noFill/>
                           </a:ln>
@@ -22992,37 +21813,9 @@
                           <a:latin typeface="Calibri" pitchFamily="34" charset="0"/>
                           <a:cs typeface="Times New Roman" pitchFamily="18" charset="0"/>
                         </a:rPr>
-                        <a:t>El valor m</a:t>
+                        <a:t>El valor más cercano a 1 es el mejor</a:t>
                       </a:r>
-                      <a:r>
-                        <a:rPr kumimoji="0" lang="es-PE" sz="1600" b="0" i="0" u="none" strike="noStrike" cap="none" normalizeH="0" baseline="0" smtClean="0">
-                          <a:ln>
-                            <a:noFill/>
-                          </a:ln>
-                          <a:solidFill>
-                            <a:schemeClr val="tx2"/>
-                          </a:solidFill>
-                          <a:effectLst/>
-                          <a:latin typeface="Arial"/>
-                          <a:cs typeface="Times New Roman" pitchFamily="18" charset="0"/>
-                        </a:rPr>
-                        <a:t>á</a:t>
-                      </a:r>
-                      <a:r>
-                        <a:rPr kumimoji="0" lang="es-PE" sz="1600" b="0" i="0" u="none" strike="noStrike" cap="none" normalizeH="0" baseline="0" smtClean="0">
-                          <a:ln>
-                            <a:noFill/>
-                          </a:ln>
-                          <a:solidFill>
-                            <a:schemeClr val="tx2"/>
-                          </a:solidFill>
-                          <a:effectLst/>
-                          <a:latin typeface="Calibri" pitchFamily="34" charset="0"/>
-                          <a:cs typeface="Times New Roman" pitchFamily="18" charset="0"/>
-                        </a:rPr>
-                        <a:t>s cercano a 1 es el mejor</a:t>
-                      </a:r>
-                      <a:endParaRPr kumimoji="0" lang="es-PE" sz="1600" b="0" i="0" u="none" strike="noStrike" cap="none" normalizeH="0" baseline="0" smtClean="0">
+                      <a:endParaRPr kumimoji="0" lang="es-PE" sz="1600" b="0" i="0" u="none" strike="noStrike" cap="none" normalizeH="0" baseline="0" dirty="0" smtClean="0">
                         <a:ln>
                           <a:noFill/>
                         </a:ln>
@@ -23030,7 +21823,7 @@
                           <a:schemeClr val="tx2"/>
                         </a:solidFill>
                         <a:effectLst/>
-                        <a:latin typeface="Arial" charset="0"/>
+                        <a:latin typeface="Calibri" pitchFamily="34" charset="0"/>
                       </a:endParaRPr>
                     </a:p>
                   </a:txBody>
@@ -23197,7 +21990,7 @@
                         <a:tabLst/>
                       </a:pPr>
                       <a:r>
-                        <a:rPr kumimoji="0" lang="es-PE" sz="1600" b="0" i="0" u="none" strike="noStrike" cap="none" normalizeH="0" baseline="0" smtClean="0">
+                        <a:rPr kumimoji="0" lang="es-PE" sz="1600" b="0" i="0" u="none" strike="noStrike" cap="none" normalizeH="0" baseline="0" dirty="0" smtClean="0">
                           <a:ln>
                             <a:noFill/>
                           </a:ln>
@@ -23210,7 +22003,7 @@
                         </a:rPr>
                         <a:t>Absoluta</a:t>
                       </a:r>
-                      <a:endParaRPr kumimoji="0" lang="es-PE" sz="1600" b="0" i="0" u="none" strike="noStrike" cap="none" normalizeH="0" baseline="0" smtClean="0">
+                      <a:endParaRPr kumimoji="0" lang="es-PE" sz="1600" b="0" i="0" u="none" strike="noStrike" cap="none" normalizeH="0" baseline="0" dirty="0" smtClean="0">
                         <a:ln>
                           <a:noFill/>
                         </a:ln>
@@ -23218,7 +22011,7 @@
                           <a:schemeClr val="tx2"/>
                         </a:solidFill>
                         <a:effectLst/>
-                        <a:latin typeface="Arial" charset="0"/>
+                        <a:latin typeface="Calibri" pitchFamily="34" charset="0"/>
                       </a:endParaRPr>
                     </a:p>
                   </a:txBody>
@@ -23385,7 +22178,7 @@
                         <a:tabLst/>
                       </a:pPr>
                       <a:r>
-                        <a:rPr kumimoji="0" lang="es-PE" sz="1600" b="0" i="0" u="none" strike="noStrike" cap="none" normalizeH="0" baseline="0" smtClean="0">
+                        <a:rPr kumimoji="0" lang="es-PE" sz="1600" b="0" i="0" u="none" strike="noStrike" cap="none" normalizeH="0" baseline="0" dirty="0" smtClean="0">
                           <a:ln>
                             <a:noFill/>
                           </a:ln>
@@ -23398,7 +22191,7 @@
                         </a:rPr>
                         <a:t>X = Cantidad / Cantidad</a:t>
                       </a:r>
-                      <a:endParaRPr kumimoji="0" lang="es-ES" sz="1600" b="0" i="0" u="none" strike="noStrike" cap="none" normalizeH="0" baseline="0" smtClean="0">
+                      <a:endParaRPr kumimoji="0" lang="es-ES" sz="1600" b="0" i="0" u="none" strike="noStrike" cap="none" normalizeH="0" baseline="0" dirty="0" smtClean="0">
                         <a:ln>
                           <a:noFill/>
                         </a:ln>
@@ -23406,7 +22199,7 @@
                           <a:schemeClr val="tx2"/>
                         </a:solidFill>
                         <a:effectLst/>
-                        <a:latin typeface="Times New Roman" pitchFamily="18" charset="0"/>
+                        <a:latin typeface="Calibri" pitchFamily="34" charset="0"/>
                         <a:cs typeface="Times New Roman" pitchFamily="18" charset="0"/>
                       </a:endParaRPr>
                     </a:p>
@@ -23428,7 +22221,7 @@
                         <a:tabLst/>
                       </a:pPr>
                       <a:r>
-                        <a:rPr kumimoji="0" lang="es-PE" sz="1600" b="0" i="0" u="none" strike="noStrike" cap="none" normalizeH="0" baseline="0" smtClean="0">
+                        <a:rPr kumimoji="0" lang="es-PE" sz="1600" b="0" i="0" u="none" strike="noStrike" cap="none" normalizeH="0" baseline="0" dirty="0" smtClean="0">
                           <a:ln>
                             <a:noFill/>
                           </a:ln>
@@ -23441,7 +22234,7 @@
                         </a:rPr>
                         <a:t>A = Cantidad</a:t>
                       </a:r>
-                      <a:endParaRPr kumimoji="0" lang="es-ES" sz="1600" b="0" i="0" u="none" strike="noStrike" cap="none" normalizeH="0" baseline="0" smtClean="0">
+                      <a:endParaRPr kumimoji="0" lang="es-ES" sz="1600" b="0" i="0" u="none" strike="noStrike" cap="none" normalizeH="0" baseline="0" dirty="0" smtClean="0">
                         <a:ln>
                           <a:noFill/>
                         </a:ln>
@@ -23449,7 +22242,7 @@
                           <a:schemeClr val="tx2"/>
                         </a:solidFill>
                         <a:effectLst/>
-                        <a:latin typeface="Times New Roman" pitchFamily="18" charset="0"/>
+                        <a:latin typeface="Calibri" pitchFamily="34" charset="0"/>
                         <a:cs typeface="Times New Roman" pitchFamily="18" charset="0"/>
                       </a:endParaRPr>
                     </a:p>
@@ -23471,7 +22264,7 @@
                         <a:tabLst/>
                       </a:pPr>
                       <a:r>
-                        <a:rPr kumimoji="0" lang="es-PE" sz="1600" b="0" i="0" u="none" strike="noStrike" cap="none" normalizeH="0" baseline="0" smtClean="0">
+                        <a:rPr kumimoji="0" lang="es-PE" sz="1600" b="0" i="0" u="none" strike="noStrike" cap="none" normalizeH="0" baseline="0" dirty="0" smtClean="0">
                           <a:ln>
                             <a:noFill/>
                           </a:ln>
@@ -23484,7 +22277,7 @@
                         </a:rPr>
                         <a:t>B = Cantidad</a:t>
                       </a:r>
-                      <a:endParaRPr kumimoji="0" lang="es-PE" sz="1600" b="0" i="0" u="none" strike="noStrike" cap="none" normalizeH="0" baseline="0" smtClean="0">
+                      <a:endParaRPr kumimoji="0" lang="es-PE" sz="1600" b="0" i="0" u="none" strike="noStrike" cap="none" normalizeH="0" baseline="0" dirty="0" smtClean="0">
                         <a:ln>
                           <a:noFill/>
                         </a:ln>
@@ -23492,7 +22285,7 @@
                           <a:schemeClr val="tx2"/>
                         </a:solidFill>
                         <a:effectLst/>
-                        <a:latin typeface="Arial" charset="0"/>
+                        <a:latin typeface="Calibri" pitchFamily="34" charset="0"/>
                       </a:endParaRPr>
                     </a:p>
                   </a:txBody>
@@ -23642,7 +22435,7 @@
                     <a:bodyPr/>
                     <a:lstStyle/>
                     <a:p>
-                      <a:pPr marL="0" marR="0" lvl="0" indent="0" algn="l" defTabSz="914400" rtl="0" eaLnBrk="1" fontAlgn="base" latinLnBrk="0" hangingPunct="1">
+                      <a:pPr marL="0" marR="0" lvl="0" indent="0" algn="just" defTabSz="914400" rtl="0" eaLnBrk="1" fontAlgn="base" latinLnBrk="0" hangingPunct="1">
                         <a:lnSpc>
                           <a:spcPct val="100000"/>
                         </a:lnSpc>
@@ -23659,7 +22452,7 @@
                         <a:tabLst/>
                       </a:pPr>
                       <a:r>
-                        <a:rPr kumimoji="0" lang="es-PE" sz="1600" b="0" i="0" u="none" strike="noStrike" cap="none" normalizeH="0" baseline="0" smtClean="0">
+                        <a:rPr kumimoji="0" lang="es-PE" sz="1600" b="0" i="0" u="none" strike="noStrike" cap="none" normalizeH="0" baseline="0" dirty="0" smtClean="0">
                           <a:ln>
                             <a:noFill/>
                           </a:ln>
@@ -23670,65 +22463,9 @@
                           <a:latin typeface="Calibri" pitchFamily="34" charset="0"/>
                           <a:cs typeface="Times New Roman" pitchFamily="18" charset="0"/>
                         </a:rPr>
-                        <a:t>Las ca</a:t>
+                        <a:t>Las caídas significan que la ejecución de algunas tareas de usuario es suspendida hasta que el sistema sea restaurado o su control es perdido hasta que se fuerce el cierre del sistema.</a:t>
                       </a:r>
-                      <a:r>
-                        <a:rPr kumimoji="0" lang="es-PE" sz="1600" b="0" i="0" u="none" strike="noStrike" cap="none" normalizeH="0" baseline="0" smtClean="0">
-                          <a:ln>
-                            <a:noFill/>
-                          </a:ln>
-                          <a:solidFill>
-                            <a:schemeClr val="tx2"/>
-                          </a:solidFill>
-                          <a:effectLst/>
-                          <a:latin typeface="Arial"/>
-                          <a:cs typeface="Times New Roman" pitchFamily="18" charset="0"/>
-                        </a:rPr>
-                        <a:t>í</a:t>
-                      </a:r>
-                      <a:r>
-                        <a:rPr kumimoji="0" lang="es-PE" sz="1600" b="0" i="0" u="none" strike="noStrike" cap="none" normalizeH="0" baseline="0" smtClean="0">
-                          <a:ln>
-                            <a:noFill/>
-                          </a:ln>
-                          <a:solidFill>
-                            <a:schemeClr val="tx2"/>
-                          </a:solidFill>
-                          <a:effectLst/>
-                          <a:latin typeface="Calibri" pitchFamily="34" charset="0"/>
-                          <a:cs typeface="Times New Roman" pitchFamily="18" charset="0"/>
-                        </a:rPr>
-                        <a:t>das significan que la ejecuci</a:t>
-                      </a:r>
-                      <a:r>
-                        <a:rPr kumimoji="0" lang="es-PE" sz="1600" b="0" i="0" u="none" strike="noStrike" cap="none" normalizeH="0" baseline="0" smtClean="0">
-                          <a:ln>
-                            <a:noFill/>
-                          </a:ln>
-                          <a:solidFill>
-                            <a:schemeClr val="tx2"/>
-                          </a:solidFill>
-                          <a:effectLst/>
-                          <a:latin typeface="Arial"/>
-                          <a:cs typeface="Times New Roman" pitchFamily="18" charset="0"/>
-                        </a:rPr>
-                        <a:t>ó</a:t>
-                      </a:r>
-                      <a:r>
-                        <a:rPr kumimoji="0" lang="es-PE" sz="1600" b="0" i="0" u="none" strike="noStrike" cap="none" normalizeH="0" baseline="0" smtClean="0">
-                          <a:ln>
-                            <a:noFill/>
-                          </a:ln>
-                          <a:solidFill>
-                            <a:schemeClr val="tx2"/>
-                          </a:solidFill>
-                          <a:effectLst/>
-                          <a:latin typeface="Calibri" pitchFamily="34" charset="0"/>
-                          <a:cs typeface="Times New Roman" pitchFamily="18" charset="0"/>
-                        </a:rPr>
-                        <a:t>n de algunas tareas de usuario es suspendida hasta que el sistema sea restaurado o su control es perdido hasta que se fuerce el cierre del sistema.</a:t>
-                      </a:r>
-                      <a:endParaRPr kumimoji="0" lang="es-PE" sz="1600" b="0" i="0" u="none" strike="noStrike" cap="none" normalizeH="0" baseline="0" smtClean="0">
+                      <a:endParaRPr kumimoji="0" lang="es-PE" sz="1600" b="0" i="0" u="none" strike="noStrike" cap="none" normalizeH="0" baseline="0" dirty="0" smtClean="0">
                         <a:ln>
                           <a:noFill/>
                         </a:ln>
@@ -23736,7 +22473,7 @@
                           <a:schemeClr val="tx2"/>
                         </a:solidFill>
                         <a:effectLst/>
-                        <a:latin typeface="Arial" charset="0"/>
+                        <a:latin typeface="Calibri" pitchFamily="34" charset="0"/>
                       </a:endParaRPr>
                     </a:p>
                   </a:txBody>
@@ -23836,7 +22573,7 @@
         <p:spPr>
           <a:xfrm>
             <a:off x="395288" y="188913"/>
-            <a:ext cx="8229600" cy="1252537"/>
+            <a:ext cx="8353176" cy="1252537"/>
           </a:xfrm>
         </p:spPr>
         <p:txBody>
@@ -23845,13 +22582,31 @@
           <a:p>
             <a:pPr eaLnBrk="1" hangingPunct="1"/>
             <a:r>
-              <a:rPr lang="es-PE" sz="4000" b="1" smtClean="0">
+              <a:rPr lang="es-PE" sz="4000" b="1" dirty="0" smtClean="0">
                 <a:solidFill>
                   <a:schemeClr val="tx2"/>
                 </a:solidFill>
                 <a:latin typeface="Candara" pitchFamily="34" charset="0"/>
               </a:rPr>
-              <a:t>Métrica interna(1)</a:t>
+              <a:t>Métrica </a:t>
+            </a:r>
+            <a:r>
+              <a:rPr lang="es-PE" sz="4000" b="1" dirty="0" smtClean="0">
+                <a:solidFill>
+                  <a:schemeClr val="tx2"/>
+                </a:solidFill>
+                <a:latin typeface="Candara" pitchFamily="34" charset="0"/>
+              </a:rPr>
+              <a:t>interna (</a:t>
+            </a:r>
+            <a:r>
+              <a:rPr lang="es-PE" sz="4000" b="1" dirty="0" smtClean="0">
+                <a:solidFill>
+                  <a:schemeClr val="tx2"/>
+                </a:solidFill>
+                <a:latin typeface="Candara" pitchFamily="34" charset="0"/>
+              </a:rPr>
+              <a:t>1)</a:t>
             </a:r>
           </a:p>
         </p:txBody>
@@ -23862,19 +22617,25 @@
           <p:cNvGraphicFramePr>
             <a:graphicFrameLocks noGrp="1"/>
           </p:cNvGraphicFramePr>
-          <p:nvPr/>
+          <p:nvPr>
+            <p:extLst>
+              <p:ext uri="{D42A27DB-BD31-4B8C-83A1-F6EECF244321}">
+                <p14:modId xmlns:p14="http://schemas.microsoft.com/office/powerpoint/2010/main" val="3223056670"/>
+              </p:ext>
+            </p:extLst>
+          </p:nvPr>
         </p:nvGraphicFramePr>
         <p:xfrm>
-          <a:off x="1331913" y="1916113"/>
-          <a:ext cx="6911975" cy="4389437"/>
+          <a:off x="899592" y="1916113"/>
+          <a:ext cx="7416824" cy="4389120"/>
         </p:xfrm>
         <a:graphic>
           <a:graphicData uri="http://schemas.openxmlformats.org/drawingml/2006/table">
             <a:tbl>
               <a:tblPr/>
               <a:tblGrid>
-                <a:gridCol w="1552575"/>
-                <a:gridCol w="5359400"/>
+                <a:gridCol w="1665975"/>
+                <a:gridCol w="5750849"/>
               </a:tblGrid>
               <a:tr h="287338">
                 <a:tc gridSpan="2">
@@ -23899,7 +22660,7 @@
                         <a:tabLst/>
                       </a:pPr>
                       <a:r>
-                        <a:rPr kumimoji="0" lang="es-PE" sz="1600" b="1" i="0" u="none" strike="noStrike" cap="none" normalizeH="0" baseline="0" smtClean="0">
+                        <a:rPr kumimoji="0" lang="es-PE" sz="1600" b="1" i="0" u="none" strike="noStrike" cap="none" normalizeH="0" baseline="0" dirty="0" smtClean="0">
                           <a:ln>
                             <a:noFill/>
                           </a:ln>
@@ -23912,7 +22673,7 @@
                         </a:rPr>
                         <a:t>METRICA INTERNA DE FIABILIDAD</a:t>
                       </a:r>
-                      <a:endParaRPr kumimoji="0" lang="es-PE" sz="1600" b="0" i="0" u="none" strike="noStrike" cap="none" normalizeH="0" baseline="0" smtClean="0">
+                      <a:endParaRPr kumimoji="0" lang="es-PE" sz="1600" b="0" i="0" u="none" strike="noStrike" cap="none" normalizeH="0" baseline="0" dirty="0" smtClean="0">
                         <a:ln>
                           <a:noFill/>
                         </a:ln>
@@ -24097,7 +22858,7 @@
                         <a:tabLst/>
                       </a:pPr>
                       <a:r>
-                        <a:rPr kumimoji="0" lang="es-PE" sz="1600" b="0" i="0" u="none" strike="noStrike" cap="none" normalizeH="0" baseline="0" smtClean="0">
+                        <a:rPr kumimoji="0" lang="es-PE" sz="1600" b="0" i="0" u="none" strike="noStrike" cap="none" normalizeH="0" baseline="0" dirty="0" smtClean="0">
                           <a:ln>
                             <a:noFill/>
                           </a:ln>
@@ -24110,7 +22871,7 @@
                         </a:rPr>
                         <a:t>Suficiencia de las pruebas</a:t>
                       </a:r>
-                      <a:endParaRPr kumimoji="0" lang="es-PE" sz="1600" b="0" i="0" u="none" strike="noStrike" cap="none" normalizeH="0" baseline="0" smtClean="0">
+                      <a:endParaRPr kumimoji="0" lang="es-PE" sz="1600" b="0" i="0" u="none" strike="noStrike" cap="none" normalizeH="0" baseline="0" dirty="0" smtClean="0">
                         <a:ln>
                           <a:noFill/>
                         </a:ln>
@@ -24118,7 +22879,7 @@
                           <a:schemeClr val="tx2"/>
                         </a:solidFill>
                         <a:effectLst/>
-                        <a:latin typeface="Arial" charset="0"/>
+                        <a:latin typeface="Calibri" pitchFamily="34" charset="0"/>
                       </a:endParaRPr>
                     </a:p>
                   </a:txBody>
@@ -24285,7 +23046,7 @@
                         <a:tabLst/>
                       </a:pPr>
                       <a:r>
-                        <a:rPr kumimoji="0" lang="es-PE" sz="1600" b="0" i="0" u="none" strike="noStrike" cap="none" normalizeH="0" baseline="0" smtClean="0">
+                        <a:rPr kumimoji="0" lang="es-PE" sz="1600" b="0" i="0" u="none" strike="noStrike" cap="none" normalizeH="0" baseline="0" dirty="0" smtClean="0">
                           <a:ln>
                             <a:noFill/>
                           </a:ln>
@@ -24296,65 +23057,9 @@
                           <a:latin typeface="Calibri" pitchFamily="34" charset="0"/>
                           <a:cs typeface="Times New Roman" pitchFamily="18" charset="0"/>
                         </a:rPr>
-                        <a:t>Cu</a:t>
+                        <a:t>Cuántos de los casos de prueba necesarios están cubiertas por el plan de pruebas?</a:t>
                       </a:r>
-                      <a:r>
-                        <a:rPr kumimoji="0" lang="es-PE" sz="1600" b="0" i="0" u="none" strike="noStrike" cap="none" normalizeH="0" baseline="0" smtClean="0">
-                          <a:ln>
-                            <a:noFill/>
-                          </a:ln>
-                          <a:solidFill>
-                            <a:schemeClr val="tx2"/>
-                          </a:solidFill>
-                          <a:effectLst/>
-                          <a:latin typeface="Arial"/>
-                          <a:cs typeface="Times New Roman" pitchFamily="18" charset="0"/>
-                        </a:rPr>
-                        <a:t>á</a:t>
-                      </a:r>
-                      <a:r>
-                        <a:rPr kumimoji="0" lang="es-PE" sz="1600" b="0" i="0" u="none" strike="noStrike" cap="none" normalizeH="0" baseline="0" smtClean="0">
-                          <a:ln>
-                            <a:noFill/>
-                          </a:ln>
-                          <a:solidFill>
-                            <a:schemeClr val="tx2"/>
-                          </a:solidFill>
-                          <a:effectLst/>
-                          <a:latin typeface="Calibri" pitchFamily="34" charset="0"/>
-                          <a:cs typeface="Times New Roman" pitchFamily="18" charset="0"/>
-                        </a:rPr>
-                        <a:t>ntos de los casos de prueba necesarios est</a:t>
-                      </a:r>
-                      <a:r>
-                        <a:rPr kumimoji="0" lang="es-PE" sz="1600" b="0" i="0" u="none" strike="noStrike" cap="none" normalizeH="0" baseline="0" smtClean="0">
-                          <a:ln>
-                            <a:noFill/>
-                          </a:ln>
-                          <a:solidFill>
-                            <a:schemeClr val="tx2"/>
-                          </a:solidFill>
-                          <a:effectLst/>
-                          <a:latin typeface="Arial"/>
-                          <a:cs typeface="Times New Roman" pitchFamily="18" charset="0"/>
-                        </a:rPr>
-                        <a:t>á</a:t>
-                      </a:r>
-                      <a:r>
-                        <a:rPr kumimoji="0" lang="es-PE" sz="1600" b="0" i="0" u="none" strike="noStrike" cap="none" normalizeH="0" baseline="0" smtClean="0">
-                          <a:ln>
-                            <a:noFill/>
-                          </a:ln>
-                          <a:solidFill>
-                            <a:schemeClr val="tx2"/>
-                          </a:solidFill>
-                          <a:effectLst/>
-                          <a:latin typeface="Calibri" pitchFamily="34" charset="0"/>
-                          <a:cs typeface="Times New Roman" pitchFamily="18" charset="0"/>
-                        </a:rPr>
-                        <a:t>n cubiertas por el plan de pruebas?</a:t>
-                      </a:r>
-                      <a:endParaRPr kumimoji="0" lang="es-PE" sz="1600" b="0" i="0" u="none" strike="noStrike" cap="none" normalizeH="0" baseline="0" smtClean="0">
+                      <a:endParaRPr kumimoji="0" lang="es-PE" sz="1600" b="0" i="0" u="none" strike="noStrike" cap="none" normalizeH="0" baseline="0" dirty="0" smtClean="0">
                         <a:ln>
                           <a:noFill/>
                         </a:ln>
@@ -24362,7 +23067,7 @@
                           <a:schemeClr val="tx2"/>
                         </a:solidFill>
                         <a:effectLst/>
-                        <a:latin typeface="Arial" charset="0"/>
+                        <a:latin typeface="Calibri" pitchFamily="34" charset="0"/>
                       </a:endParaRPr>
                     </a:p>
                   </a:txBody>
@@ -24568,35 +23273,7 @@
                           <a:latin typeface="Calibri" pitchFamily="34" charset="0"/>
                           <a:cs typeface="Times New Roman" pitchFamily="18" charset="0"/>
                         </a:rPr>
-                        <a:t>Contar las pruebas planeadas y comparar con el n</a:t>
-                      </a:r>
-                      <a:r>
-                        <a:rPr kumimoji="0" lang="es-PE" sz="1600" b="0" i="0" u="none" strike="noStrike" cap="none" normalizeH="0" baseline="0" smtClean="0">
-                          <a:ln>
-                            <a:noFill/>
-                          </a:ln>
-                          <a:solidFill>
-                            <a:schemeClr val="tx2"/>
-                          </a:solidFill>
-                          <a:effectLst/>
-                          <a:latin typeface="Arial"/>
-                          <a:cs typeface="Times New Roman" pitchFamily="18" charset="0"/>
-                        </a:rPr>
-                        <a:t>ú</a:t>
-                      </a:r>
-                      <a:r>
-                        <a:rPr kumimoji="0" lang="es-PE" sz="1600" b="0" i="0" u="none" strike="noStrike" cap="none" normalizeH="0" baseline="0" smtClean="0">
-                          <a:ln>
-                            <a:noFill/>
-                          </a:ln>
-                          <a:solidFill>
-                            <a:schemeClr val="tx2"/>
-                          </a:solidFill>
-                          <a:effectLst/>
-                          <a:latin typeface="Calibri" pitchFamily="34" charset="0"/>
-                          <a:cs typeface="Times New Roman" pitchFamily="18" charset="0"/>
-                        </a:rPr>
-                        <a:t>mero de pruebas requeridas para obtener una cobertura adecuada.</a:t>
+                        <a:t>Contar las pruebas planeadas y comparar con el número de pruebas requeridas para obtener una cobertura adecuada.</a:t>
                       </a:r>
                       <a:endParaRPr kumimoji="0" lang="es-PE" sz="1600" b="0" i="0" u="none" strike="noStrike" cap="none" normalizeH="0" baseline="0" smtClean="0">
                         <a:ln>
@@ -24606,7 +23283,7 @@
                           <a:schemeClr val="tx2"/>
                         </a:solidFill>
                         <a:effectLst/>
-                        <a:latin typeface="Arial" charset="0"/>
+                        <a:latin typeface="Calibri" pitchFamily="34" charset="0"/>
                       </a:endParaRPr>
                     </a:p>
                   </a:txBody>
@@ -24773,7 +23450,7 @@
                         <a:tabLst/>
                       </a:pPr>
                       <a:r>
-                        <a:rPr kumimoji="0" lang="es-PE" sz="1600" b="0" i="0" u="none" strike="noStrike" cap="none" normalizeH="0" baseline="0" smtClean="0">
+                        <a:rPr kumimoji="0" lang="es-PE" sz="1600" b="0" i="0" u="none" strike="noStrike" cap="none" normalizeH="0" baseline="0" dirty="0" smtClean="0">
                           <a:ln>
                             <a:noFill/>
                           </a:ln>
@@ -24786,7 +23463,7 @@
                         </a:rPr>
                         <a:t>X = A / B</a:t>
                       </a:r>
-                      <a:endParaRPr kumimoji="0" lang="es-ES" sz="1600" b="0" i="0" u="none" strike="noStrike" cap="none" normalizeH="0" baseline="0" smtClean="0">
+                      <a:endParaRPr kumimoji="0" lang="es-ES" sz="1600" b="0" i="0" u="none" strike="noStrike" cap="none" normalizeH="0" baseline="0" dirty="0" smtClean="0">
                         <a:ln>
                           <a:noFill/>
                         </a:ln>
@@ -24794,7 +23471,7 @@
                           <a:schemeClr val="tx2"/>
                         </a:solidFill>
                         <a:effectLst/>
-                        <a:latin typeface="Times New Roman" pitchFamily="18" charset="0"/>
+                        <a:latin typeface="Calibri" pitchFamily="34" charset="0"/>
                         <a:cs typeface="Times New Roman" pitchFamily="18" charset="0"/>
                       </a:endParaRPr>
                     </a:p>
@@ -24816,7 +23493,7 @@
                         <a:tabLst/>
                       </a:pPr>
                       <a:r>
-                        <a:rPr kumimoji="0" lang="es-PE" sz="1600" b="0" i="0" u="none" strike="noStrike" cap="none" normalizeH="0" baseline="0" smtClean="0">
+                        <a:rPr kumimoji="0" lang="es-PE" sz="1600" b="0" i="0" u="none" strike="noStrike" cap="none" normalizeH="0" baseline="0" dirty="0" smtClean="0">
                           <a:ln>
                             <a:noFill/>
                           </a:ln>
@@ -24827,37 +23504,9 @@
                           <a:latin typeface="Calibri" pitchFamily="34" charset="0"/>
                           <a:cs typeface="Times New Roman" pitchFamily="18" charset="0"/>
                         </a:rPr>
-                        <a:t>A = N</a:t>
+                        <a:t>A = Número de casos de prueba en el plan</a:t>
                       </a:r>
-                      <a:r>
-                        <a:rPr kumimoji="0" lang="es-PE" sz="1600" b="0" i="0" u="none" strike="noStrike" cap="none" normalizeH="0" baseline="0" smtClean="0">
-                          <a:ln>
-                            <a:noFill/>
-                          </a:ln>
-                          <a:solidFill>
-                            <a:schemeClr val="tx2"/>
-                          </a:solidFill>
-                          <a:effectLst/>
-                          <a:latin typeface="Arial"/>
-                          <a:cs typeface="Times New Roman" pitchFamily="18" charset="0"/>
-                        </a:rPr>
-                        <a:t>ú</a:t>
-                      </a:r>
-                      <a:r>
-                        <a:rPr kumimoji="0" lang="es-PE" sz="1600" b="0" i="0" u="none" strike="noStrike" cap="none" normalizeH="0" baseline="0" smtClean="0">
-                          <a:ln>
-                            <a:noFill/>
-                          </a:ln>
-                          <a:solidFill>
-                            <a:schemeClr val="tx2"/>
-                          </a:solidFill>
-                          <a:effectLst/>
-                          <a:latin typeface="Calibri" pitchFamily="34" charset="0"/>
-                          <a:cs typeface="Times New Roman" pitchFamily="18" charset="0"/>
-                        </a:rPr>
-                        <a:t>mero de casos de prueba en el plan</a:t>
-                      </a:r>
-                      <a:endParaRPr kumimoji="0" lang="es-ES" sz="1600" b="0" i="0" u="none" strike="noStrike" cap="none" normalizeH="0" baseline="0" smtClean="0">
+                      <a:endParaRPr kumimoji="0" lang="es-ES" sz="1600" b="0" i="0" u="none" strike="noStrike" cap="none" normalizeH="0" baseline="0" dirty="0" smtClean="0">
                         <a:ln>
                           <a:noFill/>
                         </a:ln>
@@ -24865,7 +23514,7 @@
                           <a:schemeClr val="tx2"/>
                         </a:solidFill>
                         <a:effectLst/>
-                        <a:latin typeface="Times New Roman" pitchFamily="18" charset="0"/>
+                        <a:latin typeface="Calibri" pitchFamily="34" charset="0"/>
                         <a:cs typeface="Times New Roman" pitchFamily="18" charset="0"/>
                       </a:endParaRPr>
                     </a:p>
@@ -24887,7 +23536,7 @@
                         <a:tabLst/>
                       </a:pPr>
                       <a:r>
-                        <a:rPr kumimoji="0" lang="es-PE" sz="1600" b="0" i="0" u="none" strike="noStrike" cap="none" normalizeH="0" baseline="0" smtClean="0">
+                        <a:rPr kumimoji="0" lang="es-PE" sz="1600" b="0" i="0" u="none" strike="noStrike" cap="none" normalizeH="0" baseline="0" dirty="0" smtClean="0">
                           <a:ln>
                             <a:noFill/>
                           </a:ln>
@@ -24898,37 +23547,9 @@
                           <a:latin typeface="Calibri" pitchFamily="34" charset="0"/>
                           <a:cs typeface="Times New Roman" pitchFamily="18" charset="0"/>
                         </a:rPr>
-                        <a:t>B = N</a:t>
+                        <a:t>B = Número de casos de prueba requeridos</a:t>
                       </a:r>
-                      <a:r>
-                        <a:rPr kumimoji="0" lang="es-PE" sz="1600" b="0" i="0" u="none" strike="noStrike" cap="none" normalizeH="0" baseline="0" smtClean="0">
-                          <a:ln>
-                            <a:noFill/>
-                          </a:ln>
-                          <a:solidFill>
-                            <a:schemeClr val="tx2"/>
-                          </a:solidFill>
-                          <a:effectLst/>
-                          <a:latin typeface="Arial"/>
-                          <a:cs typeface="Times New Roman" pitchFamily="18" charset="0"/>
-                        </a:rPr>
-                        <a:t>ú</a:t>
-                      </a:r>
-                      <a:r>
-                        <a:rPr kumimoji="0" lang="es-PE" sz="1600" b="0" i="0" u="none" strike="noStrike" cap="none" normalizeH="0" baseline="0" smtClean="0">
-                          <a:ln>
-                            <a:noFill/>
-                          </a:ln>
-                          <a:solidFill>
-                            <a:schemeClr val="tx2"/>
-                          </a:solidFill>
-                          <a:effectLst/>
-                          <a:latin typeface="Calibri" pitchFamily="34" charset="0"/>
-                          <a:cs typeface="Times New Roman" pitchFamily="18" charset="0"/>
-                        </a:rPr>
-                        <a:t>mero de casos de prueba requeridos</a:t>
-                      </a:r>
-                      <a:endParaRPr kumimoji="0" lang="es-PE" sz="1600" b="0" i="0" u="none" strike="noStrike" cap="none" normalizeH="0" baseline="0" smtClean="0">
+                      <a:endParaRPr kumimoji="0" lang="es-PE" sz="1600" b="0" i="0" u="none" strike="noStrike" cap="none" normalizeH="0" baseline="0" dirty="0" smtClean="0">
                         <a:ln>
                           <a:noFill/>
                         </a:ln>
@@ -24936,7 +23557,7 @@
                           <a:schemeClr val="tx2"/>
                         </a:solidFill>
                         <a:effectLst/>
-                        <a:latin typeface="Arial" charset="0"/>
+                        <a:latin typeface="Calibri" pitchFamily="34" charset="0"/>
                       </a:endParaRPr>
                     </a:p>
                   </a:txBody>
@@ -25124,7 +23745,7 @@
                           <a:schemeClr val="tx2"/>
                         </a:solidFill>
                         <a:effectLst/>
-                        <a:latin typeface="Times New Roman" pitchFamily="18" charset="0"/>
+                        <a:latin typeface="Calibri" pitchFamily="34" charset="0"/>
                         <a:cs typeface="Times New Roman" pitchFamily="18" charset="0"/>
                       </a:endParaRPr>
                     </a:p>
@@ -25167,7 +23788,7 @@
                           <a:schemeClr val="tx2"/>
                         </a:solidFill>
                         <a:effectLst/>
-                        <a:latin typeface="Arial" charset="0"/>
+                        <a:latin typeface="Calibri" pitchFamily="34" charset="0"/>
                       </a:endParaRPr>
                     </a:p>
                   </a:txBody>
@@ -25355,7 +23976,7 @@
                           <a:schemeClr val="tx2"/>
                         </a:solidFill>
                         <a:effectLst/>
-                        <a:latin typeface="Arial" charset="0"/>
+                        <a:latin typeface="Calibri" pitchFamily="34" charset="0"/>
                       </a:endParaRPr>
                     </a:p>
                   </a:txBody>
@@ -25522,7 +24143,7 @@
                         <a:tabLst/>
                       </a:pPr>
                       <a:r>
-                        <a:rPr kumimoji="0" lang="es-PE" sz="1600" b="0" i="0" u="none" strike="noStrike" cap="none" normalizeH="0" baseline="0" smtClean="0">
+                        <a:rPr kumimoji="0" lang="es-PE" sz="1600" b="0" i="0" u="none" strike="noStrike" cap="none" normalizeH="0" baseline="0" dirty="0" smtClean="0">
                           <a:ln>
                             <a:noFill/>
                           </a:ln>
@@ -25535,7 +24156,7 @@
                         </a:rPr>
                         <a:t>X = Cantidad / Cantidad</a:t>
                       </a:r>
-                      <a:endParaRPr kumimoji="0" lang="es-ES" sz="1600" b="0" i="0" u="none" strike="noStrike" cap="none" normalizeH="0" baseline="0" smtClean="0">
+                      <a:endParaRPr kumimoji="0" lang="es-ES" sz="1600" b="0" i="0" u="none" strike="noStrike" cap="none" normalizeH="0" baseline="0" dirty="0" smtClean="0">
                         <a:ln>
                           <a:noFill/>
                         </a:ln>
@@ -25543,7 +24164,7 @@
                           <a:schemeClr val="tx2"/>
                         </a:solidFill>
                         <a:effectLst/>
-                        <a:latin typeface="Times New Roman" pitchFamily="18" charset="0"/>
+                        <a:latin typeface="Calibri" pitchFamily="34" charset="0"/>
                         <a:cs typeface="Times New Roman" pitchFamily="18" charset="0"/>
                       </a:endParaRPr>
                     </a:p>
@@ -25565,7 +24186,7 @@
                         <a:tabLst/>
                       </a:pPr>
                       <a:r>
-                        <a:rPr kumimoji="0" lang="es-PE" sz="1600" b="0" i="0" u="none" strike="noStrike" cap="none" normalizeH="0" baseline="0" smtClean="0">
+                        <a:rPr kumimoji="0" lang="es-PE" sz="1600" b="0" i="0" u="none" strike="noStrike" cap="none" normalizeH="0" baseline="0" dirty="0" smtClean="0">
                           <a:ln>
                             <a:noFill/>
                           </a:ln>
@@ -25578,7 +24199,7 @@
                         </a:rPr>
                         <a:t>A = Cantidad</a:t>
                       </a:r>
-                      <a:endParaRPr kumimoji="0" lang="es-ES" sz="1600" b="0" i="0" u="none" strike="noStrike" cap="none" normalizeH="0" baseline="0" smtClean="0">
+                      <a:endParaRPr kumimoji="0" lang="es-ES" sz="1600" b="0" i="0" u="none" strike="noStrike" cap="none" normalizeH="0" baseline="0" dirty="0" smtClean="0">
                         <a:ln>
                           <a:noFill/>
                         </a:ln>
@@ -25586,7 +24207,7 @@
                           <a:schemeClr val="tx2"/>
                         </a:solidFill>
                         <a:effectLst/>
-                        <a:latin typeface="Times New Roman" pitchFamily="18" charset="0"/>
+                        <a:latin typeface="Calibri" pitchFamily="34" charset="0"/>
                         <a:cs typeface="Times New Roman" pitchFamily="18" charset="0"/>
                       </a:endParaRPr>
                     </a:p>
@@ -25608,7 +24229,7 @@
                         <a:tabLst/>
                       </a:pPr>
                       <a:r>
-                        <a:rPr kumimoji="0" lang="es-PE" sz="1600" b="0" i="0" u="none" strike="noStrike" cap="none" normalizeH="0" baseline="0" smtClean="0">
+                        <a:rPr kumimoji="0" lang="es-PE" sz="1600" b="0" i="0" u="none" strike="noStrike" cap="none" normalizeH="0" baseline="0" dirty="0" smtClean="0">
                           <a:ln>
                             <a:noFill/>
                           </a:ln>
@@ -25621,7 +24242,7 @@
                         </a:rPr>
                         <a:t>B = Cantidad</a:t>
                       </a:r>
-                      <a:endParaRPr kumimoji="0" lang="es-PE" sz="1600" b="0" i="0" u="none" strike="noStrike" cap="none" normalizeH="0" baseline="0" smtClean="0">
+                      <a:endParaRPr kumimoji="0" lang="es-PE" sz="1600" b="0" i="0" u="none" strike="noStrike" cap="none" normalizeH="0" baseline="0" dirty="0" smtClean="0">
                         <a:ln>
                           <a:noFill/>
                         </a:ln>
@@ -25629,7 +24250,7 @@
                           <a:schemeClr val="tx2"/>
                         </a:solidFill>
                         <a:effectLst/>
-                        <a:latin typeface="Arial" charset="0"/>
+                        <a:latin typeface="Calibri" pitchFamily="34" charset="0"/>
                       </a:endParaRPr>
                     </a:p>
                   </a:txBody>
@@ -25720,14 +24341,14 @@
               </a:spcBef>
             </a:pPr>
             <a:r>
-              <a:rPr lang="es-PE" sz="1400" b="1">
+              <a:rPr lang="es-PE" sz="1400" b="1" dirty="0">
                 <a:solidFill>
                   <a:schemeClr val="tx2"/>
                 </a:solidFill>
               </a:rPr>
               <a:t>SUB-ATRIBUTO: MADUREZ</a:t>
             </a:r>
-            <a:endParaRPr lang="es-ES" sz="1400" b="1">
+            <a:endParaRPr lang="es-ES" sz="1400" b="1" dirty="0">
               <a:solidFill>
                 <a:schemeClr val="tx2"/>
               </a:solidFill>

--- a/ITERACION 5/SUB ITERACION 4/PPT TP3 PRES04.pptx
+++ b/ITERACION 5/SUB ITERACION 4/PPT TP3 PRES04.pptx
@@ -5,25 +5,24 @@
     <p:sldMasterId id="2147483667" r:id="rId1"/>
   </p:sldMasterIdLst>
   <p:notesMasterIdLst>
-    <p:notesMasterId r:id="rId18"/>
+    <p:notesMasterId r:id="rId17"/>
   </p:notesMasterIdLst>
   <p:sldIdLst>
     <p:sldId id="256" r:id="rId2"/>
     <p:sldId id="418" r:id="rId3"/>
     <p:sldId id="420" r:id="rId4"/>
-    <p:sldId id="422" r:id="rId5"/>
-    <p:sldId id="421" r:id="rId6"/>
-    <p:sldId id="423" r:id="rId7"/>
-    <p:sldId id="432" r:id="rId8"/>
-    <p:sldId id="428" r:id="rId9"/>
-    <p:sldId id="435" r:id="rId10"/>
-    <p:sldId id="433" r:id="rId11"/>
-    <p:sldId id="436" r:id="rId12"/>
-    <p:sldId id="427" r:id="rId13"/>
-    <p:sldId id="434" r:id="rId14"/>
-    <p:sldId id="430" r:id="rId15"/>
-    <p:sldId id="431" r:id="rId16"/>
-    <p:sldId id="379" r:id="rId17"/>
+    <p:sldId id="421" r:id="rId5"/>
+    <p:sldId id="423" r:id="rId6"/>
+    <p:sldId id="432" r:id="rId7"/>
+    <p:sldId id="428" r:id="rId8"/>
+    <p:sldId id="435" r:id="rId9"/>
+    <p:sldId id="433" r:id="rId10"/>
+    <p:sldId id="436" r:id="rId11"/>
+    <p:sldId id="427" r:id="rId12"/>
+    <p:sldId id="434" r:id="rId13"/>
+    <p:sldId id="430" r:id="rId14"/>
+    <p:sldId id="431" r:id="rId15"/>
+    <p:sldId id="379" r:id="rId16"/>
   </p:sldIdLst>
   <p:sldSz cx="9144000" cy="6858000" type="screen4x3"/>
   <p:notesSz cx="6858000" cy="9144000"/>
@@ -12998,157 +12997,6 @@
       </p:grpSpPr>
       <p:sp>
         <p:nvSpPr>
-          <p:cNvPr id="20481" name="2 Título"/>
-          <p:cNvSpPr>
-            <a:spLocks noGrp="1"/>
-          </p:cNvSpPr>
-          <p:nvPr>
-            <p:ph type="title" idx="4294967295"/>
-          </p:nvPr>
-        </p:nvSpPr>
-        <p:spPr>
-          <a:xfrm>
-            <a:off x="395536" y="1700213"/>
-            <a:ext cx="8373814" cy="1252537"/>
-          </a:xfrm>
-        </p:spPr>
-        <p:txBody>
-          <a:bodyPr/>
-          <a:lstStyle/>
-          <a:p>
-            <a:pPr eaLnBrk="1" hangingPunct="1"/>
-            <a:r>
-              <a:rPr lang="es-PE" sz="4000" b="1" dirty="0" smtClean="0">
-                <a:solidFill>
-                  <a:srgbClr val="8C2902"/>
-                </a:solidFill>
-                <a:latin typeface="Candara" pitchFamily="34" charset="0"/>
-              </a:rPr>
-              <a:t>ATRIBUTO </a:t>
-            </a:r>
-            <a:r>
-              <a:rPr lang="es-PE" sz="4000" b="1" u="sng" dirty="0" smtClean="0">
-                <a:solidFill>
-                  <a:srgbClr val="8C2902"/>
-                </a:solidFill>
-                <a:latin typeface="Candara" pitchFamily="34" charset="0"/>
-              </a:rPr>
-              <a:t>EFICIENCIA</a:t>
-            </a:r>
-          </a:p>
-        </p:txBody>
-      </p:sp>
-      <p:pic>
-        <p:nvPicPr>
-          <p:cNvPr id="20482" name="Picture 3" descr="modeloCalidad"/>
-          <p:cNvPicPr>
-            <a:picLocks noChangeAspect="1" noChangeArrowheads="1"/>
-          </p:cNvPicPr>
-          <p:nvPr/>
-        </p:nvPicPr>
-        <p:blipFill>
-          <a:blip r:embed="rId2">
-            <a:clrChange>
-              <a:clrFrom>
-                <a:srgbClr val="FFFFFF"/>
-              </a:clrFrom>
-              <a:clrTo>
-                <a:srgbClr val="FFFFFF">
-                  <a:alpha val="0"/>
-                </a:srgbClr>
-              </a:clrTo>
-            </a:clrChange>
-          </a:blip>
-          <a:srcRect/>
-          <a:stretch>
-            <a:fillRect/>
-          </a:stretch>
-        </p:blipFill>
-        <p:spPr bwMode="auto">
-          <a:xfrm>
-            <a:off x="1979712" y="2636838"/>
-            <a:ext cx="4968875" cy="3863975"/>
-          </a:xfrm>
-          <a:prstGeom prst="rect">
-            <a:avLst/>
-          </a:prstGeom>
-          <a:noFill/>
-          <a:ln w="9525">
-            <a:noFill/>
-            <a:miter lim="800000"/>
-            <a:headEnd/>
-            <a:tailEnd/>
-          </a:ln>
-        </p:spPr>
-      </p:pic>
-      <p:sp>
-        <p:nvSpPr>
-          <p:cNvPr id="20483" name="Rectangle 4"/>
-          <p:cNvSpPr>
-            <a:spLocks noChangeArrowheads="1"/>
-          </p:cNvSpPr>
-          <p:nvPr/>
-        </p:nvSpPr>
-        <p:spPr bwMode="auto">
-          <a:xfrm>
-            <a:off x="4859338" y="4076700"/>
-            <a:ext cx="720725" cy="1873250"/>
-          </a:xfrm>
-          <a:prstGeom prst="rect">
-            <a:avLst/>
-          </a:prstGeom>
-          <a:noFill/>
-          <a:ln w="19050">
-            <a:solidFill>
-              <a:srgbClr val="FF0000"/>
-            </a:solidFill>
-            <a:miter lim="800000"/>
-            <a:headEnd/>
-            <a:tailEnd/>
-          </a:ln>
-        </p:spPr>
-        <p:txBody>
-          <a:bodyPr wrap="none" anchor="ctr"/>
-          <a:lstStyle/>
-          <a:p>
-            <a:endParaRPr lang="es-ES"/>
-          </a:p>
-        </p:txBody>
-      </p:sp>
-    </p:spTree>
-  </p:cSld>
-  <p:clrMapOvr>
-    <a:masterClrMapping/>
-  </p:clrMapOvr>
-  <p:timing>
-    <p:tnLst>
-      <p:par>
-        <p:cTn id="1" dur="indefinite" restart="never" nodeType="tmRoot"/>
-      </p:par>
-    </p:tnLst>
-  </p:timing>
-</p:sld>
-</file>
-
-<file path=ppt/slides/slide11.xml><?xml version="1.0" encoding="utf-8"?>
-<p:sld xmlns:a="http://schemas.openxmlformats.org/drawingml/2006/main" xmlns:r="http://schemas.openxmlformats.org/officeDocument/2006/relationships" xmlns:p="http://schemas.openxmlformats.org/presentationml/2006/main">
-  <p:cSld>
-    <p:spTree>
-      <p:nvGrpSpPr>
-        <p:cNvPr id="1" name=""/>
-        <p:cNvGrpSpPr/>
-        <p:nvPr/>
-      </p:nvGrpSpPr>
-      <p:grpSpPr>
-        <a:xfrm>
-          <a:off x="0" y="0"/>
-          <a:ext cx="0" cy="0"/>
-          <a:chOff x="0" y="0"/>
-          <a:chExt cx="0" cy="0"/>
-        </a:xfrm>
-      </p:grpSpPr>
-      <p:sp>
-        <p:nvSpPr>
           <p:cNvPr id="21505" name="2 Título"/>
           <p:cNvSpPr>
             <a:spLocks noGrp="1"/>
@@ -13175,25 +13023,7 @@
                 </a:solidFill>
                 <a:latin typeface="Candara" pitchFamily="34" charset="0"/>
               </a:rPr>
-              <a:t>Métrica </a:t>
-            </a:r>
-            <a:r>
-              <a:rPr lang="es-PE" sz="4000" b="1" dirty="0" smtClean="0">
-                <a:solidFill>
-                  <a:schemeClr val="tx2"/>
-                </a:solidFill>
-                <a:latin typeface="Candara" pitchFamily="34" charset="0"/>
-              </a:rPr>
-              <a:t>externa (</a:t>
-            </a:r>
-            <a:r>
-              <a:rPr lang="es-PE" sz="4000" b="1" dirty="0" smtClean="0">
-                <a:solidFill>
-                  <a:schemeClr val="tx2"/>
-                </a:solidFill>
-                <a:latin typeface="Candara" pitchFamily="34" charset="0"/>
-              </a:rPr>
-              <a:t>2)</a:t>
+              <a:t>Métrica externa (2)</a:t>
             </a:r>
           </a:p>
         </p:txBody>
@@ -13695,49 +13525,7 @@
                           <a:latin typeface="Calibri" pitchFamily="34" charset="0"/>
                           <a:cs typeface="Times New Roman" pitchFamily="18" charset="0"/>
                         </a:rPr>
-                        <a:t>Cuanto tiempo le ha tomado terminar una tarea </a:t>
-                      </a:r>
-                      <a:r>
-                        <a:rPr kumimoji="0" lang="es-PE" sz="1600" b="0" i="0" u="none" strike="noStrike" cap="none" normalizeH="0" baseline="0" dirty="0" smtClean="0">
-                          <a:ln>
-                            <a:noFill/>
-                          </a:ln>
-                          <a:solidFill>
-                            <a:schemeClr val="tx2"/>
-                          </a:solidFill>
-                          <a:effectLst/>
-                          <a:latin typeface="Calibri" pitchFamily="34" charset="0"/>
-                          <a:cs typeface="Times New Roman" pitchFamily="18" charset="0"/>
-                        </a:rPr>
-                        <a:t>específica?. </a:t>
-                      </a:r>
-                      <a:r>
-                        <a:rPr kumimoji="0" lang="es-PE" sz="1600" b="0" i="0" u="none" strike="noStrike" cap="none" normalizeH="0" baseline="0" dirty="0" smtClean="0">
-                          <a:ln>
-                            <a:noFill/>
-                          </a:ln>
-                          <a:solidFill>
-                            <a:schemeClr val="tx2"/>
-                          </a:solidFill>
-                          <a:effectLst/>
-                          <a:latin typeface="Calibri" pitchFamily="34" charset="0"/>
-                          <a:cs typeface="Times New Roman" pitchFamily="18" charset="0"/>
-                        </a:rPr>
-                        <a:t>Cuanto tiempo le toma recibir una respuesta a las tareas </a:t>
-                      </a:r>
-                      <a:r>
-                        <a:rPr kumimoji="0" lang="es-PE" sz="1600" b="0" i="0" u="none" strike="noStrike" cap="none" normalizeH="0" baseline="0" dirty="0" smtClean="0">
-                          <a:ln>
-                            <a:noFill/>
-                          </a:ln>
-                          <a:solidFill>
-                            <a:schemeClr val="tx2"/>
-                          </a:solidFill>
-                          <a:effectLst/>
-                          <a:latin typeface="Calibri" pitchFamily="34" charset="0"/>
-                          <a:cs typeface="Times New Roman" pitchFamily="18" charset="0"/>
-                        </a:rPr>
-                        <a:t>especificas?</a:t>
+                        <a:t>Cuanto tiempo le ha tomado terminar una tarea específica?. Cuanto tiempo le toma recibir una respuesta a las tareas especificas?</a:t>
                       </a:r>
                       <a:endParaRPr kumimoji="0" lang="es-PE" sz="1600" b="0" i="0" u="none" strike="noStrike" cap="none" normalizeH="0" baseline="0" dirty="0" smtClean="0">
                         <a:ln>
@@ -14141,35 +13929,7 @@
                           <a:latin typeface="Calibri" pitchFamily="34" charset="0"/>
                           <a:cs typeface="Times New Roman" pitchFamily="18" charset="0"/>
                         </a:rPr>
-                        <a:t>T = (Tiempo de ganar el resultado) </a:t>
-                      </a:r>
-                      <a:r>
-                        <a:rPr kumimoji="0" lang="es-PE" sz="1600" b="0" i="0" u="none" strike="noStrike" cap="none" normalizeH="0" baseline="0" dirty="0" smtClean="0">
-                          <a:ln>
-                            <a:noFill/>
-                          </a:ln>
-                          <a:solidFill>
-                            <a:schemeClr val="tx2"/>
-                          </a:solidFill>
-                          <a:effectLst/>
-                          <a:latin typeface="Calibri" pitchFamily="34" charset="0"/>
-                          <a:cs typeface="Times New Roman" pitchFamily="18" charset="0"/>
-                        </a:rPr>
-                        <a:t>- (</a:t>
-                      </a:r>
-                      <a:r>
-                        <a:rPr kumimoji="0" lang="es-PE" sz="1600" b="0" i="0" u="none" strike="noStrike" cap="none" normalizeH="0" baseline="0" dirty="0" smtClean="0">
-                          <a:ln>
-                            <a:noFill/>
-                          </a:ln>
-                          <a:solidFill>
-                            <a:schemeClr val="tx2"/>
-                          </a:solidFill>
-                          <a:effectLst/>
-                          <a:latin typeface="Calibri" pitchFamily="34" charset="0"/>
-                          <a:cs typeface="Times New Roman" pitchFamily="18" charset="0"/>
-                        </a:rPr>
-                        <a:t>Tiempo de terminación del mandato)</a:t>
+                        <a:t>T = (Tiempo de ganar el resultado) - (Tiempo de terminación del mandato)</a:t>
                       </a:r>
                       <a:endParaRPr kumimoji="0" lang="es-PE" sz="1600" b="0" i="0" u="none" strike="noStrike" cap="none" normalizeH="0" baseline="0" dirty="0" smtClean="0">
                         <a:ln>
@@ -14813,7 +14573,7 @@
 </p:sld>
 </file>
 
-<file path=ppt/slides/slide12.xml><?xml version="1.0" encoding="utf-8"?>
+<file path=ppt/slides/slide11.xml><?xml version="1.0" encoding="utf-8"?>
 <p:sld xmlns:a="http://schemas.openxmlformats.org/drawingml/2006/main" xmlns:r="http://schemas.openxmlformats.org/officeDocument/2006/relationships" xmlns:p="http://schemas.openxmlformats.org/presentationml/2006/main">
   <p:cSld>
     <p:spTree>
@@ -14858,25 +14618,7 @@
                 </a:solidFill>
                 <a:latin typeface="Candara" pitchFamily="34" charset="0"/>
               </a:rPr>
-              <a:t>Métrica </a:t>
-            </a:r>
-            <a:r>
-              <a:rPr lang="es-PE" sz="4000" b="1" dirty="0" smtClean="0">
-                <a:solidFill>
-                  <a:schemeClr val="tx2"/>
-                </a:solidFill>
-                <a:latin typeface="Candara" pitchFamily="34" charset="0"/>
-              </a:rPr>
-              <a:t>interna (</a:t>
-            </a:r>
-            <a:r>
-              <a:rPr lang="es-PE" sz="4000" b="1" dirty="0" smtClean="0">
-                <a:solidFill>
-                  <a:schemeClr val="tx2"/>
-                </a:solidFill>
-                <a:latin typeface="Candara" pitchFamily="34" charset="0"/>
-              </a:rPr>
-              <a:t>2)</a:t>
+              <a:t>Métrica interna (2)</a:t>
             </a:r>
           </a:p>
         </p:txBody>
@@ -16158,7 +15900,7 @@
 </p:sld>
 </file>
 
-<file path=ppt/slides/slide13.xml><?xml version="1.0" encoding="utf-8"?>
+<file path=ppt/slides/slide12.xml><?xml version="1.0" encoding="utf-8"?>
 <p:sld xmlns:a="http://schemas.openxmlformats.org/drawingml/2006/main" xmlns:r="http://schemas.openxmlformats.org/officeDocument/2006/relationships" xmlns:p="http://schemas.openxmlformats.org/presentationml/2006/main">
   <p:cSld>
     <p:spTree>
@@ -16309,7 +16051,7 @@
 </p:sld>
 </file>
 
-<file path=ppt/slides/slide14.xml><?xml version="1.0" encoding="utf-8"?>
+<file path=ppt/slides/slide13.xml><?xml version="1.0" encoding="utf-8"?>
 <p:sld xmlns:a="http://schemas.openxmlformats.org/drawingml/2006/main" xmlns:r="http://schemas.openxmlformats.org/officeDocument/2006/relationships" xmlns:p="http://schemas.openxmlformats.org/presentationml/2006/main">
   <p:cSld>
     <p:spTree>
@@ -16354,25 +16096,7 @@
                 </a:solidFill>
                 <a:latin typeface="Candara" pitchFamily="34" charset="0"/>
               </a:rPr>
-              <a:t>Métrica en </a:t>
-            </a:r>
-            <a:r>
-              <a:rPr lang="es-PE" sz="4000" b="1" dirty="0" smtClean="0">
-                <a:solidFill>
-                  <a:schemeClr val="tx2"/>
-                </a:solidFill>
-                <a:latin typeface="Candara" pitchFamily="34" charset="0"/>
-              </a:rPr>
-              <a:t>uso (</a:t>
-            </a:r>
-            <a:r>
-              <a:rPr lang="es-PE" sz="4000" b="1" dirty="0" smtClean="0">
-                <a:solidFill>
-                  <a:schemeClr val="tx2"/>
-                </a:solidFill>
-                <a:latin typeface="Candara" pitchFamily="34" charset="0"/>
-              </a:rPr>
-              <a:t>1)</a:t>
+              <a:t>Métrica en uso (1)</a:t>
             </a:r>
           </a:p>
         </p:txBody>
@@ -18000,7 +17724,7 @@
 </p:sld>
 </file>
 
-<file path=ppt/slides/slide15.xml><?xml version="1.0" encoding="utf-8"?>
+<file path=ppt/slides/slide14.xml><?xml version="1.0" encoding="utf-8"?>
 <p:sld xmlns:a="http://schemas.openxmlformats.org/drawingml/2006/main" xmlns:r="http://schemas.openxmlformats.org/officeDocument/2006/relationships" xmlns:p="http://schemas.openxmlformats.org/presentationml/2006/main">
   <p:cSld>
     <p:spTree>
@@ -18045,25 +17769,7 @@
                 </a:solidFill>
                 <a:latin typeface="Candara" pitchFamily="34" charset="0"/>
               </a:rPr>
-              <a:t>Métrica en </a:t>
-            </a:r>
-            <a:r>
-              <a:rPr lang="es-PE" sz="4000" b="1" dirty="0" smtClean="0">
-                <a:solidFill>
-                  <a:schemeClr val="tx2"/>
-                </a:solidFill>
-                <a:latin typeface="Candara" pitchFamily="34" charset="0"/>
-              </a:rPr>
-              <a:t>uso (</a:t>
-            </a:r>
-            <a:r>
-              <a:rPr lang="es-PE" sz="4000" b="1" dirty="0" smtClean="0">
-                <a:solidFill>
-                  <a:schemeClr val="tx2"/>
-                </a:solidFill>
-                <a:latin typeface="Candara" pitchFamily="34" charset="0"/>
-              </a:rPr>
-              <a:t>2)</a:t>
+              <a:t>Métrica en uso (2)</a:t>
             </a:r>
           </a:p>
         </p:txBody>
@@ -19692,7 +19398,7 @@
 </p:sld>
 </file>
 
-<file path=ppt/slides/slide16.xml><?xml version="1.0" encoding="utf-8"?>
+<file path=ppt/slides/slide15.xml><?xml version="1.0" encoding="utf-8"?>
 <p:sld xmlns:a="http://schemas.openxmlformats.org/drawingml/2006/main" xmlns:r="http://schemas.openxmlformats.org/officeDocument/2006/relationships" xmlns:p="http://schemas.openxmlformats.org/presentationml/2006/main">
   <p:cSld>
     <p:spTree>
@@ -20073,121 +19779,6 @@
 <file path=ppt/slides/slide4.xml><?xml version="1.0" encoding="utf-8"?>
 <p:sld xmlns:a="http://schemas.openxmlformats.org/drawingml/2006/main" xmlns:r="http://schemas.openxmlformats.org/officeDocument/2006/relationships" xmlns:p="http://schemas.openxmlformats.org/presentationml/2006/main">
   <p:cSld>
-    <p:bg>
-      <p:bgPr>
-        <a:blipFill dpi="0" rotWithShape="0">
-          <a:blip r:link="rId2"/>
-          <a:srcRect/>
-          <a:tile tx="0" ty="0" sx="100000" sy="100000" flip="none" algn="tl"/>
-        </a:blipFill>
-        <a:effectLst/>
-      </p:bgPr>
-    </p:bg>
-    <p:spTree>
-      <p:nvGrpSpPr>
-        <p:cNvPr id="1" name=""/>
-        <p:cNvGrpSpPr/>
-        <p:nvPr/>
-      </p:nvGrpSpPr>
-      <p:grpSpPr>
-        <a:xfrm>
-          <a:off x="0" y="0"/>
-          <a:ext cx="0" cy="0"/>
-          <a:chOff x="0" y="0"/>
-          <a:chExt cx="0" cy="0"/>
-        </a:xfrm>
-      </p:grpSpPr>
-      <p:sp>
-        <p:nvSpPr>
-          <p:cNvPr id="12290" name="2 Título"/>
-          <p:cNvSpPr>
-            <a:spLocks noGrp="1"/>
-          </p:cNvSpPr>
-          <p:nvPr>
-            <p:ph type="title" idx="4294967295"/>
-          </p:nvPr>
-        </p:nvSpPr>
-        <p:spPr>
-          <a:xfrm>
-            <a:off x="468313" y="404813"/>
-            <a:ext cx="8229600" cy="936625"/>
-          </a:xfrm>
-        </p:spPr>
-        <p:txBody>
-          <a:bodyPr/>
-          <a:lstStyle/>
-          <a:p>
-            <a:pPr eaLnBrk="1" hangingPunct="1"/>
-            <a:r>
-              <a:rPr lang="en-US" sz="3600" b="1" dirty="0" smtClean="0">
-                <a:solidFill>
-                  <a:schemeClr val="tx2"/>
-                </a:solidFill>
-                <a:latin typeface="Candara" pitchFamily="34" charset="0"/>
-              </a:rPr>
-              <a:t>REQ. 4.2.3 CONTROL DE DOCUMENTOS</a:t>
-            </a:r>
-            <a:endParaRPr lang="es-PE" sz="3600" b="1" dirty="0" smtClean="0">
-              <a:solidFill>
-                <a:schemeClr val="tx2"/>
-              </a:solidFill>
-              <a:latin typeface="Candara" pitchFamily="34" charset="0"/>
-            </a:endParaRPr>
-          </a:p>
-        </p:txBody>
-      </p:sp>
-      <p:pic>
-        <p:nvPicPr>
-          <p:cNvPr id="12291" name="Picture 4" descr="control_documentos_ISO_9001">
-            <a:hlinkClick r:id="rId3"/>
-          </p:cNvPr>
-          <p:cNvPicPr>
-            <a:picLocks noChangeAspect="1" noChangeArrowheads="1"/>
-          </p:cNvPicPr>
-          <p:nvPr/>
-        </p:nvPicPr>
-        <p:blipFill>
-          <a:blip r:embed="rId4"/>
-          <a:srcRect t="11064" b="5974"/>
-          <a:stretch>
-            <a:fillRect/>
-          </a:stretch>
-        </p:blipFill>
-        <p:spPr bwMode="auto">
-          <a:xfrm>
-            <a:off x="2627784" y="1484313"/>
-            <a:ext cx="3906837" cy="4321175"/>
-          </a:xfrm>
-          <a:prstGeom prst="rect">
-            <a:avLst/>
-          </a:prstGeom>
-          <a:noFill/>
-          <a:ln w="9525">
-            <a:noFill/>
-            <a:miter lim="800000"/>
-            <a:headEnd/>
-            <a:tailEnd/>
-          </a:ln>
-        </p:spPr>
-      </p:pic>
-    </p:spTree>
-  </p:cSld>
-  <p:clrMapOvr>
-    <a:masterClrMapping/>
-  </p:clrMapOvr>
-  <p:timing>
-    <p:tnLst>
-      <p:par>
-        <p:cTn id="1" dur="indefinite" restart="never" nodeType="tmRoot"/>
-      </p:par>
-    </p:tnLst>
-  </p:timing>
-</p:sld>
-</file>
-
-<file path=ppt/slides/slide5.xml><?xml version="1.0" encoding="utf-8"?>
-<p:sld xmlns:a="http://schemas.openxmlformats.org/drawingml/2006/main" xmlns:r="http://schemas.openxmlformats.org/officeDocument/2006/relationships" xmlns:p="http://schemas.openxmlformats.org/presentationml/2006/main">
-  <p:cSld>
     <p:spTree>
       <p:nvGrpSpPr>
         <p:cNvPr id="1" name=""/>
@@ -20251,7 +19842,7 @@
 </p:sld>
 </file>
 
-<file path=ppt/slides/slide6.xml><?xml version="1.0" encoding="utf-8"?>
+<file path=ppt/slides/slide5.xml><?xml version="1.0" encoding="utf-8"?>
 <p:sld xmlns:a="http://schemas.openxmlformats.org/drawingml/2006/main" xmlns:r="http://schemas.openxmlformats.org/officeDocument/2006/relationships" xmlns:p="http://schemas.openxmlformats.org/presentationml/2006/main">
   <p:cSld>
     <p:spTree>
@@ -20348,7 +19939,7 @@
 </p:sld>
 </file>
 
-<file path=ppt/slides/slide7.xml><?xml version="1.0" encoding="utf-8"?>
+<file path=ppt/slides/slide6.xml><?xml version="1.0" encoding="utf-8"?>
 <p:sld xmlns:a="http://schemas.openxmlformats.org/drawingml/2006/main" xmlns:r="http://schemas.openxmlformats.org/officeDocument/2006/relationships" xmlns:p="http://schemas.openxmlformats.org/presentationml/2006/main">
   <p:cSld>
     <p:spTree>
@@ -20499,7 +20090,7 @@
 </p:sld>
 </file>
 
-<file path=ppt/slides/slide8.xml><?xml version="1.0" encoding="utf-8"?>
+<file path=ppt/slides/slide7.xml><?xml version="1.0" encoding="utf-8"?>
 <p:sld xmlns:a="http://schemas.openxmlformats.org/drawingml/2006/main" xmlns:r="http://schemas.openxmlformats.org/officeDocument/2006/relationships" xmlns:p="http://schemas.openxmlformats.org/presentationml/2006/main">
   <p:cSld>
     <p:spTree>
@@ -20544,25 +20135,7 @@
                 </a:solidFill>
                 <a:latin typeface="Candara" pitchFamily="34" charset="0"/>
               </a:rPr>
-              <a:t>Métrica </a:t>
-            </a:r>
-            <a:r>
-              <a:rPr lang="es-PE" sz="4000" b="1" dirty="0" smtClean="0">
-                <a:solidFill>
-                  <a:schemeClr val="tx2"/>
-                </a:solidFill>
-                <a:latin typeface="Candara" pitchFamily="34" charset="0"/>
-              </a:rPr>
-              <a:t>externa (</a:t>
-            </a:r>
-            <a:r>
-              <a:rPr lang="es-PE" sz="4000" b="1" dirty="0" smtClean="0">
-                <a:solidFill>
-                  <a:schemeClr val="tx2"/>
-                </a:solidFill>
-                <a:latin typeface="Candara" pitchFamily="34" charset="0"/>
-              </a:rPr>
-              <a:t>1)</a:t>
+              <a:t>Métrica externa (1)</a:t>
             </a:r>
           </a:p>
         </p:txBody>
@@ -20627,7 +20200,7 @@
           <p:nvPr>
             <p:extLst>
               <p:ext uri="{D42A27DB-BD31-4B8C-83A1-F6EECF244321}">
-                <p14:modId xmlns:p14="http://schemas.microsoft.com/office/powerpoint/2010/main" val="2901590943"/>
+                <p14:modId xmlns:p14="http://schemas.microsoft.com/office/powerpoint/2010/main" val="3672095979"/>
               </p:ext>
             </p:extLst>
           </p:nvPr>
@@ -20904,10 +20477,10 @@
                           <a:latin typeface="Calibri" pitchFamily="34" charset="0"/>
                           <a:cs typeface="Times New Roman" pitchFamily="18" charset="0"/>
                         </a:rPr>
-                        <a:t>n de </a:t>
+                        <a:t>n </a:t>
                       </a:r>
                       <a:r>
-                        <a:rPr kumimoji="0" lang="es-PE" sz="1600" b="0" i="0" u="none" strike="noStrike" cap="none" normalizeH="0" baseline="0" dirty="0" smtClean="0">
+                        <a:rPr kumimoji="0" lang="es-PE" sz="1600" b="0" i="0" u="none" strike="noStrike" cap="none" normalizeH="0" baseline="0" smtClean="0">
                           <a:ln>
                             <a:noFill/>
                           </a:ln>
@@ -20918,7 +20491,21 @@
                           <a:latin typeface="Calibri" pitchFamily="34" charset="0"/>
                           <a:cs typeface="Times New Roman" pitchFamily="18" charset="0"/>
                         </a:rPr>
-                        <a:t>caías</a:t>
+                        <a:t>de </a:t>
+                      </a:r>
+                      <a:r>
+                        <a:rPr kumimoji="0" lang="es-PE" sz="1600" b="0" i="0" u="none" strike="noStrike" cap="none" normalizeH="0" baseline="0" smtClean="0">
+                          <a:ln>
+                            <a:noFill/>
+                          </a:ln>
+                          <a:solidFill>
+                            <a:schemeClr val="tx2"/>
+                          </a:solidFill>
+                          <a:effectLst/>
+                          <a:latin typeface="Calibri" pitchFamily="34" charset="0"/>
+                          <a:cs typeface="Times New Roman" pitchFamily="18" charset="0"/>
+                        </a:rPr>
+                        <a:t>caídas</a:t>
                       </a:r>
                       <a:endParaRPr kumimoji="0" lang="es-PE" sz="1600" b="0" i="0" u="none" strike="noStrike" cap="none" normalizeH="0" baseline="0" dirty="0" smtClean="0">
                         <a:ln>
@@ -21201,21 +20788,7 @@
                           <a:latin typeface="Calibri" pitchFamily="34" charset="0"/>
                           <a:cs typeface="Times New Roman" pitchFamily="18" charset="0"/>
                         </a:rPr>
-                        <a:t>METODO </a:t>
-                      </a:r>
-                      <a:r>
-                        <a:rPr kumimoji="0" lang="es-PE" sz="1600" b="1" i="0" u="none" strike="noStrike" cap="none" normalizeH="0" baseline="0" dirty="0" smtClean="0">
-                          <a:ln>
-                            <a:noFill/>
-                          </a:ln>
-                          <a:solidFill>
-                            <a:schemeClr val="tx2"/>
-                          </a:solidFill>
-                          <a:effectLst/>
-                          <a:latin typeface="Calibri" pitchFamily="34" charset="0"/>
-                          <a:cs typeface="Times New Roman" pitchFamily="18" charset="0"/>
-                        </a:rPr>
-                        <a:t>APLICACION</a:t>
+                        <a:t>METODO APLICACION</a:t>
                       </a:r>
                       <a:endParaRPr kumimoji="0" lang="es-PE" sz="1600" b="0" i="0" u="none" strike="noStrike" cap="none" normalizeH="0" baseline="0" dirty="0" smtClean="0">
                         <a:ln>
@@ -22543,7 +22116,7 @@
 </p:sld>
 </file>
 
-<file path=ppt/slides/slide9.xml><?xml version="1.0" encoding="utf-8"?>
+<file path=ppt/slides/slide8.xml><?xml version="1.0" encoding="utf-8"?>
 <p:sld xmlns:a="http://schemas.openxmlformats.org/drawingml/2006/main" xmlns:r="http://schemas.openxmlformats.org/officeDocument/2006/relationships" xmlns:p="http://schemas.openxmlformats.org/presentationml/2006/main">
   <p:cSld>
     <p:spTree>
@@ -22588,25 +22161,7 @@
                 </a:solidFill>
                 <a:latin typeface="Candara" pitchFamily="34" charset="0"/>
               </a:rPr>
-              <a:t>Métrica </a:t>
-            </a:r>
-            <a:r>
-              <a:rPr lang="es-PE" sz="4000" b="1" dirty="0" smtClean="0">
-                <a:solidFill>
-                  <a:schemeClr val="tx2"/>
-                </a:solidFill>
-                <a:latin typeface="Candara" pitchFamily="34" charset="0"/>
-              </a:rPr>
-              <a:t>interna (</a:t>
-            </a:r>
-            <a:r>
-              <a:rPr lang="es-PE" sz="4000" b="1" dirty="0" smtClean="0">
-                <a:solidFill>
-                  <a:schemeClr val="tx2"/>
-                </a:solidFill>
-                <a:latin typeface="Candara" pitchFamily="34" charset="0"/>
-              </a:rPr>
-              <a:t>1)</a:t>
+              <a:t>Métrica interna (1)</a:t>
             </a:r>
           </a:p>
         </p:txBody>
@@ -24353,6 +23908,157 @@
                 <a:schemeClr val="tx2"/>
               </a:solidFill>
             </a:endParaRPr>
+          </a:p>
+        </p:txBody>
+      </p:sp>
+    </p:spTree>
+  </p:cSld>
+  <p:clrMapOvr>
+    <a:masterClrMapping/>
+  </p:clrMapOvr>
+  <p:timing>
+    <p:tnLst>
+      <p:par>
+        <p:cTn id="1" dur="indefinite" restart="never" nodeType="tmRoot"/>
+      </p:par>
+    </p:tnLst>
+  </p:timing>
+</p:sld>
+</file>
+
+<file path=ppt/slides/slide9.xml><?xml version="1.0" encoding="utf-8"?>
+<p:sld xmlns:a="http://schemas.openxmlformats.org/drawingml/2006/main" xmlns:r="http://schemas.openxmlformats.org/officeDocument/2006/relationships" xmlns:p="http://schemas.openxmlformats.org/presentationml/2006/main">
+  <p:cSld>
+    <p:spTree>
+      <p:nvGrpSpPr>
+        <p:cNvPr id="1" name=""/>
+        <p:cNvGrpSpPr/>
+        <p:nvPr/>
+      </p:nvGrpSpPr>
+      <p:grpSpPr>
+        <a:xfrm>
+          <a:off x="0" y="0"/>
+          <a:ext cx="0" cy="0"/>
+          <a:chOff x="0" y="0"/>
+          <a:chExt cx="0" cy="0"/>
+        </a:xfrm>
+      </p:grpSpPr>
+      <p:sp>
+        <p:nvSpPr>
+          <p:cNvPr id="20481" name="2 Título"/>
+          <p:cNvSpPr>
+            <a:spLocks noGrp="1"/>
+          </p:cNvSpPr>
+          <p:nvPr>
+            <p:ph type="title" idx="4294967295"/>
+          </p:nvPr>
+        </p:nvSpPr>
+        <p:spPr>
+          <a:xfrm>
+            <a:off x="395536" y="1700213"/>
+            <a:ext cx="8373814" cy="1252537"/>
+          </a:xfrm>
+        </p:spPr>
+        <p:txBody>
+          <a:bodyPr/>
+          <a:lstStyle/>
+          <a:p>
+            <a:pPr eaLnBrk="1" hangingPunct="1"/>
+            <a:r>
+              <a:rPr lang="es-PE" sz="4000" b="1" dirty="0" smtClean="0">
+                <a:solidFill>
+                  <a:srgbClr val="8C2902"/>
+                </a:solidFill>
+                <a:latin typeface="Candara" pitchFamily="34" charset="0"/>
+              </a:rPr>
+              <a:t>ATRIBUTO </a:t>
+            </a:r>
+            <a:r>
+              <a:rPr lang="es-PE" sz="4000" b="1" u="sng" dirty="0" smtClean="0">
+                <a:solidFill>
+                  <a:srgbClr val="8C2902"/>
+                </a:solidFill>
+                <a:latin typeface="Candara" pitchFamily="34" charset="0"/>
+              </a:rPr>
+              <a:t>EFICIENCIA</a:t>
+            </a:r>
+          </a:p>
+        </p:txBody>
+      </p:sp>
+      <p:pic>
+        <p:nvPicPr>
+          <p:cNvPr id="20482" name="Picture 3" descr="modeloCalidad"/>
+          <p:cNvPicPr>
+            <a:picLocks noChangeAspect="1" noChangeArrowheads="1"/>
+          </p:cNvPicPr>
+          <p:nvPr/>
+        </p:nvPicPr>
+        <p:blipFill>
+          <a:blip r:embed="rId2">
+            <a:clrChange>
+              <a:clrFrom>
+                <a:srgbClr val="FFFFFF"/>
+              </a:clrFrom>
+              <a:clrTo>
+                <a:srgbClr val="FFFFFF">
+                  <a:alpha val="0"/>
+                </a:srgbClr>
+              </a:clrTo>
+            </a:clrChange>
+          </a:blip>
+          <a:srcRect/>
+          <a:stretch>
+            <a:fillRect/>
+          </a:stretch>
+        </p:blipFill>
+        <p:spPr bwMode="auto">
+          <a:xfrm>
+            <a:off x="1979712" y="2636838"/>
+            <a:ext cx="4968875" cy="3863975"/>
+          </a:xfrm>
+          <a:prstGeom prst="rect">
+            <a:avLst/>
+          </a:prstGeom>
+          <a:noFill/>
+          <a:ln w="9525">
+            <a:noFill/>
+            <a:miter lim="800000"/>
+            <a:headEnd/>
+            <a:tailEnd/>
+          </a:ln>
+        </p:spPr>
+      </p:pic>
+      <p:sp>
+        <p:nvSpPr>
+          <p:cNvPr id="20483" name="Rectangle 4"/>
+          <p:cNvSpPr>
+            <a:spLocks noChangeArrowheads="1"/>
+          </p:cNvSpPr>
+          <p:nvPr/>
+        </p:nvSpPr>
+        <p:spPr bwMode="auto">
+          <a:xfrm>
+            <a:off x="4859338" y="4076700"/>
+            <a:ext cx="720725" cy="1873250"/>
+          </a:xfrm>
+          <a:prstGeom prst="rect">
+            <a:avLst/>
+          </a:prstGeom>
+          <a:noFill/>
+          <a:ln w="19050">
+            <a:solidFill>
+              <a:srgbClr val="FF0000"/>
+            </a:solidFill>
+            <a:miter lim="800000"/>
+            <a:headEnd/>
+            <a:tailEnd/>
+          </a:ln>
+        </p:spPr>
+        <p:txBody>
+          <a:bodyPr wrap="none" anchor="ctr"/>
+          <a:lstStyle/>
+          <a:p>
+            <a:endParaRPr lang="es-ES"/>
           </a:p>
         </p:txBody>
       </p:sp>
